--- a/FailingGracefully/QConSP/protoactor.pptx
+++ b/FailingGracefully/QConSP/protoactor.pptx
@@ -6,7 +6,7 @@
     <p:sldMasterId id="2147484500" r:id="rId4"/>
   </p:sldMasterIdLst>
   <p:notesMasterIdLst>
-    <p:notesMasterId r:id="rId32"/>
+    <p:notesMasterId r:id="rId31"/>
   </p:notesMasterIdLst>
   <p:sldIdLst>
     <p:sldId id="521" r:id="rId5"/>
@@ -32,10 +32,9 @@
     <p:sldId id="533" r:id="rId25"/>
     <p:sldId id="534" r:id="rId26"/>
     <p:sldId id="535" r:id="rId27"/>
-    <p:sldId id="537" r:id="rId28"/>
-    <p:sldId id="536" r:id="rId29"/>
-    <p:sldId id="489" r:id="rId30"/>
-    <p:sldId id="506" r:id="rId31"/>
+    <p:sldId id="536" r:id="rId28"/>
+    <p:sldId id="489" r:id="rId29"/>
+    <p:sldId id="506" r:id="rId30"/>
   </p:sldIdLst>
   <p:sldSz cx="12192000" cy="6858000"/>
   <p:notesSz cx="6858000" cy="9144000"/>
@@ -166,7 +165,6 @@
             <p14:sldId id="533"/>
             <p14:sldId id="534"/>
             <p14:sldId id="535"/>
-            <p14:sldId id="537"/>
             <p14:sldId id="536"/>
             <p14:sldId id="489"/>
             <p14:sldId id="506"/>
@@ -944,7 +942,7 @@
                 <a:tabLst/>
                 <a:defRPr/>
               </a:pPr>
-              <a:t>27</a:t>
+              <a:t>26</a:t>
             </a:fld>
             <a:endParaRPr kumimoji="0" lang="sv-SE" sz="1200" b="0" i="0" u="none" strike="noStrike" kern="1200" cap="none" spc="0" normalizeH="0" baseline="0" noProof="0">
               <a:ln>
@@ -13056,6 +13054,94 @@
       </p:grpSpPr>
       <p:cxnSp>
         <p:nvCxnSpPr>
+          <p:cNvPr id="70" name="Straight Connector 69"/>
+          <p:cNvCxnSpPr/>
+          <p:nvPr/>
+        </p:nvCxnSpPr>
+        <p:spPr>
+          <a:xfrm>
+            <a:off x="6487510" y="2366440"/>
+            <a:ext cx="3511769" cy="1676413"/>
+          </a:xfrm>
+          <a:prstGeom prst="line">
+            <a:avLst/>
+          </a:prstGeom>
+          <a:ln w="63500" cap="rnd">
+            <a:solidFill>
+              <a:srgbClr val="50DE94"/>
+            </a:solidFill>
+            <a:round/>
+            <a:headEnd w="sm" len="med"/>
+            <a:tailEnd type="none" w="sm" len="sm"/>
+          </a:ln>
+          <a:effectLst/>
+          <a:scene3d>
+            <a:camera prst="orthographicFront"/>
+            <a:lightRig rig="threePt" dir="t"/>
+          </a:scene3d>
+          <a:sp3d/>
+        </p:spPr>
+        <p:style>
+          <a:lnRef idx="1">
+            <a:schemeClr val="accent1"/>
+          </a:lnRef>
+          <a:fillRef idx="0">
+            <a:schemeClr val="accent1"/>
+          </a:fillRef>
+          <a:effectRef idx="0">
+            <a:schemeClr val="accent1"/>
+          </a:effectRef>
+          <a:fontRef idx="minor">
+            <a:schemeClr val="tx1"/>
+          </a:fontRef>
+        </p:style>
+      </p:cxnSp>
+      <p:cxnSp>
+        <p:nvCxnSpPr>
+          <p:cNvPr id="66" name="Straight Connector 65"/>
+          <p:cNvCxnSpPr/>
+          <p:nvPr/>
+        </p:nvCxnSpPr>
+        <p:spPr>
+          <a:xfrm flipV="1">
+            <a:off x="5756180" y="4027517"/>
+            <a:ext cx="4197445" cy="30670"/>
+          </a:xfrm>
+          <a:prstGeom prst="line">
+            <a:avLst/>
+          </a:prstGeom>
+          <a:ln w="63500" cap="rnd">
+            <a:solidFill>
+              <a:srgbClr val="50DE94"/>
+            </a:solidFill>
+            <a:round/>
+            <a:headEnd w="sm" len="med"/>
+            <a:tailEnd type="none" w="sm" len="sm"/>
+          </a:ln>
+          <a:effectLst/>
+          <a:scene3d>
+            <a:camera prst="orthographicFront"/>
+            <a:lightRig rig="threePt" dir="t"/>
+          </a:scene3d>
+          <a:sp3d/>
+        </p:spPr>
+        <p:style>
+          <a:lnRef idx="1">
+            <a:schemeClr val="accent1"/>
+          </a:lnRef>
+          <a:fillRef idx="0">
+            <a:schemeClr val="accent1"/>
+          </a:fillRef>
+          <a:effectRef idx="0">
+            <a:schemeClr val="accent1"/>
+          </a:effectRef>
+          <a:fontRef idx="minor">
+            <a:schemeClr val="tx1"/>
+          </a:fontRef>
+        </p:style>
+      </p:cxnSp>
+      <p:cxnSp>
+        <p:nvCxnSpPr>
           <p:cNvPr id="14" name="Straight Connector 13"/>
           <p:cNvCxnSpPr>
             <a:stCxn id="5" idx="3"/>
@@ -13152,16 +13238,16 @@
       </p:sp>
       <p:sp>
         <p:nvSpPr>
-          <p:cNvPr id="6" name="Oval 5"/>
+          <p:cNvPr id="6" name="Rounded Rectangle 5"/>
           <p:cNvSpPr/>
           <p:nvPr/>
         </p:nvSpPr>
         <p:spPr>
           <a:xfrm>
-            <a:off x="8017809" y="113112"/>
-            <a:ext cx="1566582" cy="1472453"/>
+            <a:off x="8017809" y="385410"/>
+            <a:ext cx="1566582" cy="899277"/>
           </a:xfrm>
-          <a:prstGeom prst="ellipse">
+          <a:prstGeom prst="roundRect">
             <a:avLst/>
           </a:prstGeom>
           <a:solidFill>
@@ -13209,16 +13295,16 @@
       </p:sp>
       <p:sp>
         <p:nvSpPr>
-          <p:cNvPr id="7" name="Oval 6"/>
+          <p:cNvPr id="7" name="Rounded Rectangle 6"/>
           <p:cNvSpPr/>
           <p:nvPr/>
         </p:nvSpPr>
         <p:spPr>
           <a:xfrm>
-            <a:off x="9826436" y="2632261"/>
-            <a:ext cx="1566582" cy="1472453"/>
+            <a:off x="9826436" y="2904559"/>
+            <a:ext cx="1566582" cy="899277"/>
           </a:xfrm>
-          <a:prstGeom prst="ellipse">
+          <a:prstGeom prst="roundRect">
             <a:avLst/>
           </a:prstGeom>
           <a:solidFill>
@@ -13266,16 +13352,16 @@
       </p:sp>
       <p:sp>
         <p:nvSpPr>
-          <p:cNvPr id="8" name="Oval 7"/>
+          <p:cNvPr id="8" name="Rounded Rectangle 7"/>
           <p:cNvSpPr/>
           <p:nvPr/>
         </p:nvSpPr>
         <p:spPr>
           <a:xfrm>
-            <a:off x="8159003" y="5210734"/>
-            <a:ext cx="1566582" cy="1472453"/>
+            <a:off x="8159003" y="5483032"/>
+            <a:ext cx="1566582" cy="899277"/>
           </a:xfrm>
-          <a:prstGeom prst="ellipse">
+          <a:prstGeom prst="roundRect">
             <a:avLst/>
           </a:prstGeom>
           <a:solidFill>
@@ -13426,16 +13512,16 @@
       </p:cxnSp>
       <p:sp>
         <p:nvSpPr>
-          <p:cNvPr id="9" name="Oval 8"/>
+          <p:cNvPr id="9" name="Rounded Rectangle 8"/>
           <p:cNvSpPr/>
           <p:nvPr/>
         </p:nvSpPr>
         <p:spPr>
           <a:xfrm>
-            <a:off x="4333315" y="2632261"/>
-            <a:ext cx="1566582" cy="1472453"/>
+            <a:off x="4333315" y="2904559"/>
+            <a:ext cx="1566582" cy="899277"/>
           </a:xfrm>
-          <a:prstGeom prst="ellipse">
+          <a:prstGeom prst="roundRect">
             <a:avLst/>
           </a:prstGeom>
           <a:solidFill>
@@ -13483,16 +13569,16 @@
       </p:sp>
       <p:sp>
         <p:nvSpPr>
-          <p:cNvPr id="49" name="Oval 48"/>
+          <p:cNvPr id="49" name="Rounded Rectangle 48"/>
           <p:cNvSpPr/>
           <p:nvPr/>
         </p:nvSpPr>
         <p:spPr>
           <a:xfrm>
-            <a:off x="4956362" y="4321549"/>
-            <a:ext cx="1566582" cy="1472453"/>
+            <a:off x="4956362" y="4593847"/>
+            <a:ext cx="1566582" cy="899277"/>
           </a:xfrm>
-          <a:prstGeom prst="ellipse">
+          <a:prstGeom prst="roundRect">
             <a:avLst/>
           </a:prstGeom>
           <a:solidFill>
@@ -13586,16 +13672,16 @@
       </p:cxnSp>
       <p:sp>
         <p:nvSpPr>
-          <p:cNvPr id="50" name="Oval 49"/>
+          <p:cNvPr id="50" name="Rounded Rectangle 49"/>
           <p:cNvSpPr/>
           <p:nvPr/>
         </p:nvSpPr>
         <p:spPr>
           <a:xfrm>
-            <a:off x="5116605" y="1037945"/>
-            <a:ext cx="1566582" cy="1472453"/>
+            <a:off x="5116605" y="1310243"/>
+            <a:ext cx="1566582" cy="899277"/>
           </a:xfrm>
-          <a:prstGeom prst="ellipse">
+          <a:prstGeom prst="roundRect">
             <a:avLst/>
           </a:prstGeom>
           <a:solidFill>
@@ -13686,6 +13772,562 @@
             <a:r>
               <a:rPr lang="sv-SE" dirty="0" smtClean="0"/>
               <a:t>Grain Id:</a:t>
+            </a:r>
+          </a:p>
+          <a:p>
+            <a:pPr algn="ctr"/>
+            <a:r>
+              <a:rPr lang="sv-SE" b="1" dirty="0" smtClean="0"/>
+              <a:t>Roger</a:t>
+            </a:r>
+            <a:endParaRPr lang="sv-SE" b="1" dirty="0"/>
+          </a:p>
+        </p:txBody>
+      </p:sp>
+      <p:sp>
+        <p:nvSpPr>
+          <p:cNvPr id="61" name="Freeform 60"/>
+          <p:cNvSpPr/>
+          <p:nvPr/>
+        </p:nvSpPr>
+        <p:spPr>
+          <a:xfrm>
+            <a:off x="4333313" y="3679447"/>
+            <a:ext cx="1566583" cy="757480"/>
+          </a:xfrm>
+          <a:custGeom>
+            <a:avLst/>
+            <a:gdLst>
+              <a:gd name="connsiteX0" fmla="*/ 1 w 1566583"/>
+              <a:gd name="connsiteY0" fmla="*/ 0 h 757480"/>
+              <a:gd name="connsiteX1" fmla="*/ 1566583 w 1566583"/>
+              <a:gd name="connsiteY1" fmla="*/ 0 h 757480"/>
+              <a:gd name="connsiteX2" fmla="*/ 1566583 w 1566583"/>
+              <a:gd name="connsiteY2" fmla="*/ 653865 h 757480"/>
+              <a:gd name="connsiteX3" fmla="*/ 1564196 w 1566583"/>
+              <a:gd name="connsiteY3" fmla="*/ 653865 h 757480"/>
+              <a:gd name="connsiteX4" fmla="*/ 1557511 w 1566583"/>
+              <a:gd name="connsiteY4" fmla="*/ 686978 h 757480"/>
+              <a:gd name="connsiteX5" fmla="*/ 1451147 w 1566583"/>
+              <a:gd name="connsiteY5" fmla="*/ 757480 h 757480"/>
+              <a:gd name="connsiteX6" fmla="*/ 115435 w 1566583"/>
+              <a:gd name="connsiteY6" fmla="*/ 757480 h 757480"/>
+              <a:gd name="connsiteX7" fmla="*/ 9072 w 1566583"/>
+              <a:gd name="connsiteY7" fmla="*/ 686978 h 757480"/>
+              <a:gd name="connsiteX8" fmla="*/ 2387 w 1566583"/>
+              <a:gd name="connsiteY8" fmla="*/ 653865 h 757480"/>
+              <a:gd name="connsiteX9" fmla="*/ 1 w 1566583"/>
+              <a:gd name="connsiteY9" fmla="*/ 653865 h 757480"/>
+              <a:gd name="connsiteX10" fmla="*/ 1 w 1566583"/>
+              <a:gd name="connsiteY10" fmla="*/ 642050 h 757480"/>
+              <a:gd name="connsiteX11" fmla="*/ 0 w 1566583"/>
+              <a:gd name="connsiteY11" fmla="*/ 642045 h 757480"/>
+              <a:gd name="connsiteX12" fmla="*/ 0 w 1566583"/>
+              <a:gd name="connsiteY12" fmla="*/ 180319 h 757480"/>
+              <a:gd name="connsiteX13" fmla="*/ 1 w 1566583"/>
+              <a:gd name="connsiteY13" fmla="*/ 180314 h 757480"/>
+            </a:gdLst>
+            <a:ahLst/>
+            <a:cxnLst>
+              <a:cxn ang="0">
+                <a:pos x="connsiteX0" y="connsiteY0"/>
+              </a:cxn>
+              <a:cxn ang="0">
+                <a:pos x="connsiteX1" y="connsiteY1"/>
+              </a:cxn>
+              <a:cxn ang="0">
+                <a:pos x="connsiteX2" y="connsiteY2"/>
+              </a:cxn>
+              <a:cxn ang="0">
+                <a:pos x="connsiteX3" y="connsiteY3"/>
+              </a:cxn>
+              <a:cxn ang="0">
+                <a:pos x="connsiteX4" y="connsiteY4"/>
+              </a:cxn>
+              <a:cxn ang="0">
+                <a:pos x="connsiteX5" y="connsiteY5"/>
+              </a:cxn>
+              <a:cxn ang="0">
+                <a:pos x="connsiteX6" y="connsiteY6"/>
+              </a:cxn>
+              <a:cxn ang="0">
+                <a:pos x="connsiteX7" y="connsiteY7"/>
+              </a:cxn>
+              <a:cxn ang="0">
+                <a:pos x="connsiteX8" y="connsiteY8"/>
+              </a:cxn>
+              <a:cxn ang="0">
+                <a:pos x="connsiteX9" y="connsiteY9"/>
+              </a:cxn>
+              <a:cxn ang="0">
+                <a:pos x="connsiteX10" y="connsiteY10"/>
+              </a:cxn>
+              <a:cxn ang="0">
+                <a:pos x="connsiteX11" y="connsiteY11"/>
+              </a:cxn>
+              <a:cxn ang="0">
+                <a:pos x="connsiteX12" y="connsiteY12"/>
+              </a:cxn>
+              <a:cxn ang="0">
+                <a:pos x="connsiteX13" y="connsiteY13"/>
+              </a:cxn>
+            </a:cxnLst>
+            <a:rect l="l" t="t" r="r" b="b"/>
+            <a:pathLst>
+              <a:path w="1566583" h="757480">
+                <a:moveTo>
+                  <a:pt x="1" y="0"/>
+                </a:moveTo>
+                <a:lnTo>
+                  <a:pt x="1566583" y="0"/>
+                </a:lnTo>
+                <a:lnTo>
+                  <a:pt x="1566583" y="653865"/>
+                </a:lnTo>
+                <a:lnTo>
+                  <a:pt x="1564196" y="653865"/>
+                </a:lnTo>
+                <a:lnTo>
+                  <a:pt x="1557511" y="686978"/>
+                </a:lnTo>
+                <a:cubicBezTo>
+                  <a:pt x="1539987" y="728409"/>
+                  <a:pt x="1498962" y="757480"/>
+                  <a:pt x="1451147" y="757480"/>
+                </a:cubicBezTo>
+                <a:lnTo>
+                  <a:pt x="115435" y="757480"/>
+                </a:lnTo>
+                <a:cubicBezTo>
+                  <a:pt x="67621" y="757480"/>
+                  <a:pt x="26596" y="728409"/>
+                  <a:pt x="9072" y="686978"/>
+                </a:cubicBezTo>
+                <a:lnTo>
+                  <a:pt x="2387" y="653865"/>
+                </a:lnTo>
+                <a:lnTo>
+                  <a:pt x="1" y="653865"/>
+                </a:lnTo>
+                <a:lnTo>
+                  <a:pt x="1" y="642050"/>
+                </a:lnTo>
+                <a:lnTo>
+                  <a:pt x="0" y="642045"/>
+                </a:lnTo>
+                <a:lnTo>
+                  <a:pt x="0" y="180319"/>
+                </a:lnTo>
+                <a:lnTo>
+                  <a:pt x="1" y="180314"/>
+                </a:lnTo>
+                <a:close/>
+              </a:path>
+            </a:pathLst>
+          </a:custGeom>
+          <a:solidFill>
+            <a:schemeClr val="accent1">
+              <a:lumMod val="75000"/>
+            </a:schemeClr>
+          </a:solidFill>
+          <a:ln>
+            <a:noFill/>
+          </a:ln>
+        </p:spPr>
+        <p:style>
+          <a:lnRef idx="2">
+            <a:schemeClr val="accent1">
+              <a:shade val="50000"/>
+            </a:schemeClr>
+          </a:lnRef>
+          <a:fillRef idx="1">
+            <a:schemeClr val="accent1"/>
+          </a:fillRef>
+          <a:effectRef idx="0">
+            <a:schemeClr val="accent1"/>
+          </a:effectRef>
+          <a:fontRef idx="minor">
+            <a:schemeClr val="lt1"/>
+          </a:fontRef>
+        </p:style>
+        <p:txBody>
+          <a:bodyPr rtlCol="0" anchor="ctr"/>
+          <a:lstStyle/>
+          <a:p>
+            <a:pPr algn="ctr"/>
+            <a:r>
+              <a:rPr lang="sv-SE" dirty="0" smtClean="0"/>
+              <a:t>Names:</a:t>
+            </a:r>
+            <a:br>
+              <a:rPr lang="sv-SE" dirty="0" smtClean="0"/>
+            </a:br>
+            <a:r>
+              <a:rPr lang="sv-SE" dirty="0" smtClean="0"/>
+              <a:t>Roger</a:t>
+            </a:r>
+            <a:endParaRPr lang="sv-SE" b="1" dirty="0"/>
+          </a:p>
+        </p:txBody>
+      </p:sp>
+      <p:sp>
+        <p:nvSpPr>
+          <p:cNvPr id="62" name="Freeform 61"/>
+          <p:cNvSpPr/>
+          <p:nvPr/>
+        </p:nvSpPr>
+        <p:spPr>
+          <a:xfrm>
+            <a:off x="5116604" y="2064192"/>
+            <a:ext cx="1566583" cy="757480"/>
+          </a:xfrm>
+          <a:custGeom>
+            <a:avLst/>
+            <a:gdLst>
+              <a:gd name="connsiteX0" fmla="*/ 1 w 1566583"/>
+              <a:gd name="connsiteY0" fmla="*/ 0 h 757480"/>
+              <a:gd name="connsiteX1" fmla="*/ 1566583 w 1566583"/>
+              <a:gd name="connsiteY1" fmla="*/ 0 h 757480"/>
+              <a:gd name="connsiteX2" fmla="*/ 1566583 w 1566583"/>
+              <a:gd name="connsiteY2" fmla="*/ 653865 h 757480"/>
+              <a:gd name="connsiteX3" fmla="*/ 1564196 w 1566583"/>
+              <a:gd name="connsiteY3" fmla="*/ 653865 h 757480"/>
+              <a:gd name="connsiteX4" fmla="*/ 1557511 w 1566583"/>
+              <a:gd name="connsiteY4" fmla="*/ 686978 h 757480"/>
+              <a:gd name="connsiteX5" fmla="*/ 1451147 w 1566583"/>
+              <a:gd name="connsiteY5" fmla="*/ 757480 h 757480"/>
+              <a:gd name="connsiteX6" fmla="*/ 115435 w 1566583"/>
+              <a:gd name="connsiteY6" fmla="*/ 757480 h 757480"/>
+              <a:gd name="connsiteX7" fmla="*/ 9072 w 1566583"/>
+              <a:gd name="connsiteY7" fmla="*/ 686978 h 757480"/>
+              <a:gd name="connsiteX8" fmla="*/ 2387 w 1566583"/>
+              <a:gd name="connsiteY8" fmla="*/ 653865 h 757480"/>
+              <a:gd name="connsiteX9" fmla="*/ 1 w 1566583"/>
+              <a:gd name="connsiteY9" fmla="*/ 653865 h 757480"/>
+              <a:gd name="connsiteX10" fmla="*/ 1 w 1566583"/>
+              <a:gd name="connsiteY10" fmla="*/ 642050 h 757480"/>
+              <a:gd name="connsiteX11" fmla="*/ 0 w 1566583"/>
+              <a:gd name="connsiteY11" fmla="*/ 642045 h 757480"/>
+              <a:gd name="connsiteX12" fmla="*/ 0 w 1566583"/>
+              <a:gd name="connsiteY12" fmla="*/ 180319 h 757480"/>
+              <a:gd name="connsiteX13" fmla="*/ 1 w 1566583"/>
+              <a:gd name="connsiteY13" fmla="*/ 180314 h 757480"/>
+            </a:gdLst>
+            <a:ahLst/>
+            <a:cxnLst>
+              <a:cxn ang="0">
+                <a:pos x="connsiteX0" y="connsiteY0"/>
+              </a:cxn>
+              <a:cxn ang="0">
+                <a:pos x="connsiteX1" y="connsiteY1"/>
+              </a:cxn>
+              <a:cxn ang="0">
+                <a:pos x="connsiteX2" y="connsiteY2"/>
+              </a:cxn>
+              <a:cxn ang="0">
+                <a:pos x="connsiteX3" y="connsiteY3"/>
+              </a:cxn>
+              <a:cxn ang="0">
+                <a:pos x="connsiteX4" y="connsiteY4"/>
+              </a:cxn>
+              <a:cxn ang="0">
+                <a:pos x="connsiteX5" y="connsiteY5"/>
+              </a:cxn>
+              <a:cxn ang="0">
+                <a:pos x="connsiteX6" y="connsiteY6"/>
+              </a:cxn>
+              <a:cxn ang="0">
+                <a:pos x="connsiteX7" y="connsiteY7"/>
+              </a:cxn>
+              <a:cxn ang="0">
+                <a:pos x="connsiteX8" y="connsiteY8"/>
+              </a:cxn>
+              <a:cxn ang="0">
+                <a:pos x="connsiteX9" y="connsiteY9"/>
+              </a:cxn>
+              <a:cxn ang="0">
+                <a:pos x="connsiteX10" y="connsiteY10"/>
+              </a:cxn>
+              <a:cxn ang="0">
+                <a:pos x="connsiteX11" y="connsiteY11"/>
+              </a:cxn>
+              <a:cxn ang="0">
+                <a:pos x="connsiteX12" y="connsiteY12"/>
+              </a:cxn>
+              <a:cxn ang="0">
+                <a:pos x="connsiteX13" y="connsiteY13"/>
+              </a:cxn>
+            </a:cxnLst>
+            <a:rect l="l" t="t" r="r" b="b"/>
+            <a:pathLst>
+              <a:path w="1566583" h="757480">
+                <a:moveTo>
+                  <a:pt x="1" y="0"/>
+                </a:moveTo>
+                <a:lnTo>
+                  <a:pt x="1566583" y="0"/>
+                </a:lnTo>
+                <a:lnTo>
+                  <a:pt x="1566583" y="653865"/>
+                </a:lnTo>
+                <a:lnTo>
+                  <a:pt x="1564196" y="653865"/>
+                </a:lnTo>
+                <a:lnTo>
+                  <a:pt x="1557511" y="686978"/>
+                </a:lnTo>
+                <a:cubicBezTo>
+                  <a:pt x="1539987" y="728409"/>
+                  <a:pt x="1498962" y="757480"/>
+                  <a:pt x="1451147" y="757480"/>
+                </a:cubicBezTo>
+                <a:lnTo>
+                  <a:pt x="115435" y="757480"/>
+                </a:lnTo>
+                <a:cubicBezTo>
+                  <a:pt x="67621" y="757480"/>
+                  <a:pt x="26596" y="728409"/>
+                  <a:pt x="9072" y="686978"/>
+                </a:cubicBezTo>
+                <a:lnTo>
+                  <a:pt x="2387" y="653865"/>
+                </a:lnTo>
+                <a:lnTo>
+                  <a:pt x="1" y="653865"/>
+                </a:lnTo>
+                <a:lnTo>
+                  <a:pt x="1" y="642050"/>
+                </a:lnTo>
+                <a:lnTo>
+                  <a:pt x="0" y="642045"/>
+                </a:lnTo>
+                <a:lnTo>
+                  <a:pt x="0" y="180319"/>
+                </a:lnTo>
+                <a:lnTo>
+                  <a:pt x="1" y="180314"/>
+                </a:lnTo>
+                <a:close/>
+              </a:path>
+            </a:pathLst>
+          </a:custGeom>
+          <a:solidFill>
+            <a:schemeClr val="accent1">
+              <a:lumMod val="75000"/>
+            </a:schemeClr>
+          </a:solidFill>
+          <a:ln>
+            <a:noFill/>
+          </a:ln>
+        </p:spPr>
+        <p:style>
+          <a:lnRef idx="2">
+            <a:schemeClr val="accent1">
+              <a:shade val="50000"/>
+            </a:schemeClr>
+          </a:lnRef>
+          <a:fillRef idx="1">
+            <a:schemeClr val="accent1"/>
+          </a:fillRef>
+          <a:effectRef idx="0">
+            <a:schemeClr val="accent1"/>
+          </a:effectRef>
+          <a:fontRef idx="minor">
+            <a:schemeClr val="lt1"/>
+          </a:fontRef>
+        </p:style>
+        <p:txBody>
+          <a:bodyPr rtlCol="0" anchor="ctr"/>
+          <a:lstStyle/>
+          <a:p>
+            <a:pPr algn="ctr"/>
+            <a:r>
+              <a:rPr lang="sv-SE" dirty="0" smtClean="0"/>
+              <a:t>Names:</a:t>
+            </a:r>
+            <a:br>
+              <a:rPr lang="sv-SE" dirty="0" smtClean="0"/>
+            </a:br>
+            <a:r>
+              <a:rPr lang="sv-SE" dirty="0" smtClean="0"/>
+              <a:t>Roger</a:t>
+            </a:r>
+            <a:endParaRPr lang="sv-SE" b="1" dirty="0"/>
+          </a:p>
+        </p:txBody>
+      </p:sp>
+      <p:sp>
+        <p:nvSpPr>
+          <p:cNvPr id="64" name="Freeform 63"/>
+          <p:cNvSpPr/>
+          <p:nvPr/>
+        </p:nvSpPr>
+        <p:spPr>
+          <a:xfrm>
+            <a:off x="9826368" y="3648777"/>
+            <a:ext cx="1566583" cy="757480"/>
+          </a:xfrm>
+          <a:custGeom>
+            <a:avLst/>
+            <a:gdLst>
+              <a:gd name="connsiteX0" fmla="*/ 1 w 1566583"/>
+              <a:gd name="connsiteY0" fmla="*/ 0 h 757480"/>
+              <a:gd name="connsiteX1" fmla="*/ 1566583 w 1566583"/>
+              <a:gd name="connsiteY1" fmla="*/ 0 h 757480"/>
+              <a:gd name="connsiteX2" fmla="*/ 1566583 w 1566583"/>
+              <a:gd name="connsiteY2" fmla="*/ 653865 h 757480"/>
+              <a:gd name="connsiteX3" fmla="*/ 1564196 w 1566583"/>
+              <a:gd name="connsiteY3" fmla="*/ 653865 h 757480"/>
+              <a:gd name="connsiteX4" fmla="*/ 1557511 w 1566583"/>
+              <a:gd name="connsiteY4" fmla="*/ 686978 h 757480"/>
+              <a:gd name="connsiteX5" fmla="*/ 1451147 w 1566583"/>
+              <a:gd name="connsiteY5" fmla="*/ 757480 h 757480"/>
+              <a:gd name="connsiteX6" fmla="*/ 115435 w 1566583"/>
+              <a:gd name="connsiteY6" fmla="*/ 757480 h 757480"/>
+              <a:gd name="connsiteX7" fmla="*/ 9072 w 1566583"/>
+              <a:gd name="connsiteY7" fmla="*/ 686978 h 757480"/>
+              <a:gd name="connsiteX8" fmla="*/ 2387 w 1566583"/>
+              <a:gd name="connsiteY8" fmla="*/ 653865 h 757480"/>
+              <a:gd name="connsiteX9" fmla="*/ 1 w 1566583"/>
+              <a:gd name="connsiteY9" fmla="*/ 653865 h 757480"/>
+              <a:gd name="connsiteX10" fmla="*/ 1 w 1566583"/>
+              <a:gd name="connsiteY10" fmla="*/ 642050 h 757480"/>
+              <a:gd name="connsiteX11" fmla="*/ 0 w 1566583"/>
+              <a:gd name="connsiteY11" fmla="*/ 642045 h 757480"/>
+              <a:gd name="connsiteX12" fmla="*/ 0 w 1566583"/>
+              <a:gd name="connsiteY12" fmla="*/ 180319 h 757480"/>
+              <a:gd name="connsiteX13" fmla="*/ 1 w 1566583"/>
+              <a:gd name="connsiteY13" fmla="*/ 180314 h 757480"/>
+            </a:gdLst>
+            <a:ahLst/>
+            <a:cxnLst>
+              <a:cxn ang="0">
+                <a:pos x="connsiteX0" y="connsiteY0"/>
+              </a:cxn>
+              <a:cxn ang="0">
+                <a:pos x="connsiteX1" y="connsiteY1"/>
+              </a:cxn>
+              <a:cxn ang="0">
+                <a:pos x="connsiteX2" y="connsiteY2"/>
+              </a:cxn>
+              <a:cxn ang="0">
+                <a:pos x="connsiteX3" y="connsiteY3"/>
+              </a:cxn>
+              <a:cxn ang="0">
+                <a:pos x="connsiteX4" y="connsiteY4"/>
+              </a:cxn>
+              <a:cxn ang="0">
+                <a:pos x="connsiteX5" y="connsiteY5"/>
+              </a:cxn>
+              <a:cxn ang="0">
+                <a:pos x="connsiteX6" y="connsiteY6"/>
+              </a:cxn>
+              <a:cxn ang="0">
+                <a:pos x="connsiteX7" y="connsiteY7"/>
+              </a:cxn>
+              <a:cxn ang="0">
+                <a:pos x="connsiteX8" y="connsiteY8"/>
+              </a:cxn>
+              <a:cxn ang="0">
+                <a:pos x="connsiteX9" y="connsiteY9"/>
+              </a:cxn>
+              <a:cxn ang="0">
+                <a:pos x="connsiteX10" y="connsiteY10"/>
+              </a:cxn>
+              <a:cxn ang="0">
+                <a:pos x="connsiteX11" y="connsiteY11"/>
+              </a:cxn>
+              <a:cxn ang="0">
+                <a:pos x="connsiteX12" y="connsiteY12"/>
+              </a:cxn>
+              <a:cxn ang="0">
+                <a:pos x="connsiteX13" y="connsiteY13"/>
+              </a:cxn>
+            </a:cxnLst>
+            <a:rect l="l" t="t" r="r" b="b"/>
+            <a:pathLst>
+              <a:path w="1566583" h="757480">
+                <a:moveTo>
+                  <a:pt x="1" y="0"/>
+                </a:moveTo>
+                <a:lnTo>
+                  <a:pt x="1566583" y="0"/>
+                </a:lnTo>
+                <a:lnTo>
+                  <a:pt x="1566583" y="653865"/>
+                </a:lnTo>
+                <a:lnTo>
+                  <a:pt x="1564196" y="653865"/>
+                </a:lnTo>
+                <a:lnTo>
+                  <a:pt x="1557511" y="686978"/>
+                </a:lnTo>
+                <a:cubicBezTo>
+                  <a:pt x="1539987" y="728409"/>
+                  <a:pt x="1498962" y="757480"/>
+                  <a:pt x="1451147" y="757480"/>
+                </a:cubicBezTo>
+                <a:lnTo>
+                  <a:pt x="115435" y="757480"/>
+                </a:lnTo>
+                <a:cubicBezTo>
+                  <a:pt x="67621" y="757480"/>
+                  <a:pt x="26596" y="728409"/>
+                  <a:pt x="9072" y="686978"/>
+                </a:cubicBezTo>
+                <a:lnTo>
+                  <a:pt x="2387" y="653865"/>
+                </a:lnTo>
+                <a:lnTo>
+                  <a:pt x="1" y="653865"/>
+                </a:lnTo>
+                <a:lnTo>
+                  <a:pt x="1" y="642050"/>
+                </a:lnTo>
+                <a:lnTo>
+                  <a:pt x="0" y="642045"/>
+                </a:lnTo>
+                <a:lnTo>
+                  <a:pt x="0" y="180319"/>
+                </a:lnTo>
+                <a:lnTo>
+                  <a:pt x="1" y="180314"/>
+                </a:lnTo>
+                <a:close/>
+              </a:path>
+            </a:pathLst>
+          </a:custGeom>
+          <a:solidFill>
+            <a:srgbClr val="FF4909"/>
+          </a:solidFill>
+          <a:ln>
+            <a:noFill/>
+          </a:ln>
+        </p:spPr>
+        <p:style>
+          <a:lnRef idx="2">
+            <a:schemeClr val="accent1">
+              <a:shade val="50000"/>
+            </a:schemeClr>
+          </a:lnRef>
+          <a:fillRef idx="1">
+            <a:schemeClr val="accent1"/>
+          </a:fillRef>
+          <a:effectRef idx="0">
+            <a:schemeClr val="accent1"/>
+          </a:effectRef>
+          <a:fontRef idx="minor">
+            <a:schemeClr val="lt1"/>
+          </a:fontRef>
+        </p:style>
+        <p:txBody>
+          <a:bodyPr rtlCol="0" anchor="ctr"/>
+          <a:lstStyle/>
+          <a:p>
+            <a:pPr algn="ctr"/>
+            <a:r>
+              <a:rPr lang="sv-SE" dirty="0" smtClean="0"/>
+              <a:t>Actors:</a:t>
             </a:r>
           </a:p>
           <a:p>
@@ -13941,7 +14583,7 @@
                             </p:stCondLst>
                             <p:childTnLst>
                               <p:par>
-                                <p:cTn id="25" presetID="53" presetClass="entr" presetSubtype="16" fill="hold" grpId="0" nodeType="clickEffect">
+                                <p:cTn id="25" presetID="10" presetClass="entr" presetSubtype="0" fill="hold" grpId="0" nodeType="clickEffect">
                                   <p:stCondLst>
                                     <p:cond delay="0"/>
                                   </p:stCondLst>
@@ -13949,6 +14591,147 @@
                                     <p:set>
                                       <p:cBhvr>
                                         <p:cTn id="26" dur="1" fill="hold">
+                                          <p:stCondLst>
+                                            <p:cond delay="0"/>
+                                          </p:stCondLst>
+                                        </p:cTn>
+                                        <p:tgtEl>
+                                          <p:spTgt spid="61"/>
+                                        </p:tgtEl>
+                                        <p:attrNameLst>
+                                          <p:attrName>style.visibility</p:attrName>
+                                        </p:attrNameLst>
+                                      </p:cBhvr>
+                                      <p:to>
+                                        <p:strVal val="visible"/>
+                                      </p:to>
+                                    </p:set>
+                                    <p:animEffect transition="in" filter="fade">
+                                      <p:cBhvr>
+                                        <p:cTn id="27" dur="500"/>
+                                        <p:tgtEl>
+                                          <p:spTgt spid="61"/>
+                                        </p:tgtEl>
+                                      </p:cBhvr>
+                                    </p:animEffect>
+                                  </p:childTnLst>
+                                </p:cTn>
+                              </p:par>
+                            </p:childTnLst>
+                          </p:cTn>
+                        </p:par>
+                      </p:childTnLst>
+                    </p:cTn>
+                  </p:par>
+                  <p:par>
+                    <p:cTn id="28" fill="hold">
+                      <p:stCondLst>
+                        <p:cond delay="indefinite"/>
+                      </p:stCondLst>
+                      <p:childTnLst>
+                        <p:par>
+                          <p:cTn id="29" fill="hold">
+                            <p:stCondLst>
+                              <p:cond delay="0"/>
+                            </p:stCondLst>
+                            <p:childTnLst>
+                              <p:par>
+                                <p:cTn id="30" presetID="10" presetClass="entr" presetSubtype="0" fill="hold" nodeType="clickEffect">
+                                  <p:stCondLst>
+                                    <p:cond delay="0"/>
+                                  </p:stCondLst>
+                                  <p:childTnLst>
+                                    <p:set>
+                                      <p:cBhvr>
+                                        <p:cTn id="31" dur="1" fill="hold">
+                                          <p:stCondLst>
+                                            <p:cond delay="0"/>
+                                          </p:stCondLst>
+                                        </p:cTn>
+                                        <p:tgtEl>
+                                          <p:spTgt spid="66"/>
+                                        </p:tgtEl>
+                                        <p:attrNameLst>
+                                          <p:attrName>style.visibility</p:attrName>
+                                        </p:attrNameLst>
+                                      </p:cBhvr>
+                                      <p:to>
+                                        <p:strVal val="visible"/>
+                                      </p:to>
+                                    </p:set>
+                                    <p:animEffect transition="in" filter="fade">
+                                      <p:cBhvr>
+                                        <p:cTn id="32" dur="500"/>
+                                        <p:tgtEl>
+                                          <p:spTgt spid="66"/>
+                                        </p:tgtEl>
+                                      </p:cBhvr>
+                                    </p:animEffect>
+                                  </p:childTnLst>
+                                </p:cTn>
+                              </p:par>
+                              <p:par>
+                                <p:cTn id="33" presetID="10" presetClass="entr" presetSubtype="0" fill="hold" grpId="0" nodeType="withEffect">
+                                  <p:stCondLst>
+                                    <p:cond delay="0"/>
+                                  </p:stCondLst>
+                                  <p:childTnLst>
+                                    <p:set>
+                                      <p:cBhvr>
+                                        <p:cTn id="34" dur="1" fill="hold">
+                                          <p:stCondLst>
+                                            <p:cond delay="0"/>
+                                          </p:stCondLst>
+                                        </p:cTn>
+                                        <p:tgtEl>
+                                          <p:spTgt spid="64"/>
+                                        </p:tgtEl>
+                                        <p:attrNameLst>
+                                          <p:attrName>style.visibility</p:attrName>
+                                        </p:attrNameLst>
+                                      </p:cBhvr>
+                                      <p:to>
+                                        <p:strVal val="visible"/>
+                                      </p:to>
+                                    </p:set>
+                                    <p:animEffect transition="in" filter="fade">
+                                      <p:cBhvr>
+                                        <p:cTn id="35" dur="500"/>
+                                        <p:tgtEl>
+                                          <p:spTgt spid="64"/>
+                                        </p:tgtEl>
+                                      </p:cBhvr>
+                                    </p:animEffect>
+                                  </p:childTnLst>
+                                </p:cTn>
+                              </p:par>
+                            </p:childTnLst>
+                          </p:cTn>
+                        </p:par>
+                      </p:childTnLst>
+                    </p:cTn>
+                  </p:par>
+                  <p:par>
+                    <p:cTn id="36" fill="hold">
+                      <p:stCondLst>
+                        <p:cond delay="indefinite"/>
+                      </p:stCondLst>
+                      <p:childTnLst>
+                        <p:par>
+                          <p:cTn id="37" fill="hold">
+                            <p:stCondLst>
+                              <p:cond delay="0"/>
+                            </p:stCondLst>
+                            <p:childTnLst>
+                              <p:par>
+                                <p:cTn id="38" presetID="53" presetClass="entr" presetSubtype="16" fill="hold" grpId="0" nodeType="clickEffect">
+                                  <p:stCondLst>
+                                    <p:cond delay="0"/>
+                                  </p:stCondLst>
+                                  <p:childTnLst>
+                                    <p:set>
+                                      <p:cBhvr>
+                                        <p:cTn id="39" dur="1" fill="hold">
                                           <p:stCondLst>
                                             <p:cond delay="0"/>
                                           </p:stCondLst>
@@ -13966,7 +14749,7 @@
                                     </p:set>
                                     <p:anim calcmode="lin" valueType="num">
                                       <p:cBhvr>
-                                        <p:cTn id="27" dur="500" fill="hold"/>
+                                        <p:cTn id="40" dur="500" fill="hold"/>
                                         <p:tgtEl>
                                           <p:spTgt spid="49"/>
                                         </p:tgtEl>
@@ -13989,7 +14772,7 @@
                                     </p:anim>
                                     <p:anim calcmode="lin" valueType="num">
                                       <p:cBhvr>
-                                        <p:cTn id="28" dur="500" fill="hold"/>
+                                        <p:cTn id="41" dur="500" fill="hold"/>
                                         <p:tgtEl>
                                           <p:spTgt spid="49"/>
                                         </p:tgtEl>
@@ -14012,7 +14795,7 @@
                                     </p:anim>
                                     <p:animEffect transition="in" filter="fade">
                                       <p:cBhvr>
-                                        <p:cTn id="29" dur="500"/>
+                                        <p:cTn id="42" dur="500"/>
                                         <p:tgtEl>
                                           <p:spTgt spid="49"/>
                                         </p:tgtEl>
@@ -14028,26 +14811,26 @@
                     </p:cTn>
                   </p:par>
                   <p:par>
-                    <p:cTn id="30" fill="hold">
+                    <p:cTn id="43" fill="hold">
                       <p:stCondLst>
                         <p:cond delay="indefinite"/>
                       </p:stCondLst>
                       <p:childTnLst>
                         <p:par>
-                          <p:cTn id="31" fill="hold">
+                          <p:cTn id="44" fill="hold">
                             <p:stCondLst>
                               <p:cond delay="0"/>
                             </p:stCondLst>
                             <p:childTnLst>
                               <p:par>
-                                <p:cTn id="32" presetID="53" presetClass="exit" presetSubtype="32" fill="hold" grpId="1" nodeType="clickEffect">
+                                <p:cTn id="45" presetID="53" presetClass="exit" presetSubtype="32" fill="hold" grpId="1" nodeType="clickEffect">
                                   <p:stCondLst>
                                     <p:cond delay="0"/>
                                   </p:stCondLst>
                                   <p:childTnLst>
                                     <p:anim calcmode="lin" valueType="num">
                                       <p:cBhvr>
-                                        <p:cTn id="33" dur="500"/>
+                                        <p:cTn id="46" dur="500"/>
                                         <p:tgtEl>
                                           <p:spTgt spid="49"/>
                                         </p:tgtEl>
@@ -14070,7 +14853,7 @@
                                     </p:anim>
                                     <p:anim calcmode="lin" valueType="num">
                                       <p:cBhvr>
-                                        <p:cTn id="34" dur="500"/>
+                                        <p:cTn id="47" dur="500"/>
                                         <p:tgtEl>
                                           <p:spTgt spid="49"/>
                                         </p:tgtEl>
@@ -14093,7 +14876,7 @@
                                     </p:anim>
                                     <p:animEffect transition="out" filter="fade">
                                       <p:cBhvr>
-                                        <p:cTn id="35" dur="500"/>
+                                        <p:cTn id="48" dur="500"/>
                                         <p:tgtEl>
                                           <p:spTgt spid="49"/>
                                         </p:tgtEl>
@@ -14101,7 +14884,7 @@
                                     </p:animEffect>
                                     <p:set>
                                       <p:cBhvr>
-                                        <p:cTn id="36" dur="1" fill="hold">
+                                        <p:cTn id="49" dur="1" fill="hold">
                                           <p:stCondLst>
                                             <p:cond delay="499"/>
                                           </p:stCondLst>
@@ -14127,26 +14910,26 @@
                     </p:cTn>
                   </p:par>
                   <p:par>
-                    <p:cTn id="37" fill="hold">
+                    <p:cTn id="50" fill="hold">
                       <p:stCondLst>
                         <p:cond delay="indefinite"/>
                       </p:stCondLst>
                       <p:childTnLst>
                         <p:par>
-                          <p:cTn id="38" fill="hold">
+                          <p:cTn id="51" fill="hold">
                             <p:stCondLst>
                               <p:cond delay="0"/>
                             </p:stCondLst>
                             <p:childTnLst>
                               <p:par>
-                                <p:cTn id="39" presetID="53" presetClass="entr" presetSubtype="16" fill="hold" grpId="0" nodeType="clickEffect">
+                                <p:cTn id="52" presetID="53" presetClass="entr" presetSubtype="16" fill="hold" grpId="0" nodeType="clickEffect">
                                   <p:stCondLst>
                                     <p:cond delay="0"/>
                                   </p:stCondLst>
                                   <p:childTnLst>
                                     <p:set>
                                       <p:cBhvr>
-                                        <p:cTn id="40" dur="1" fill="hold">
+                                        <p:cTn id="53" dur="1" fill="hold">
                                           <p:stCondLst>
                                             <p:cond delay="0"/>
                                           </p:stCondLst>
@@ -14164,7 +14947,7 @@
                                     </p:set>
                                     <p:anim calcmode="lin" valueType="num">
                                       <p:cBhvr>
-                                        <p:cTn id="41" dur="500" fill="hold"/>
+                                        <p:cTn id="54" dur="500" fill="hold"/>
                                         <p:tgtEl>
                                           <p:spTgt spid="50"/>
                                         </p:tgtEl>
@@ -14187,7 +14970,7 @@
                                     </p:anim>
                                     <p:anim calcmode="lin" valueType="num">
                                       <p:cBhvr>
-                                        <p:cTn id="42" dur="500" fill="hold"/>
+                                        <p:cTn id="55" dur="500" fill="hold"/>
                                         <p:tgtEl>
                                           <p:spTgt spid="50"/>
                                         </p:tgtEl>
@@ -14210,7 +14993,7 @@
                                     </p:anim>
                                     <p:animEffect transition="in" filter="fade">
                                       <p:cBhvr>
-                                        <p:cTn id="43" dur="500"/>
+                                        <p:cTn id="56" dur="500"/>
                                         <p:tgtEl>
                                           <p:spTgt spid="50"/>
                                         </p:tgtEl>
@@ -14226,26 +15009,26 @@
                     </p:cTn>
                   </p:par>
                   <p:par>
-                    <p:cTn id="44" fill="hold">
+                    <p:cTn id="57" fill="hold">
                       <p:stCondLst>
                         <p:cond delay="indefinite"/>
                       </p:stCondLst>
                       <p:childTnLst>
                         <p:par>
-                          <p:cTn id="45" fill="hold">
+                          <p:cTn id="58" fill="hold">
                             <p:stCondLst>
                               <p:cond delay="0"/>
                             </p:stCondLst>
                             <p:childTnLst>
                               <p:par>
-                                <p:cTn id="46" presetID="10" presetClass="exit" presetSubtype="0" fill="hold" nodeType="clickEffect">
+                                <p:cTn id="59" presetID="10" presetClass="exit" presetSubtype="0" fill="hold" nodeType="clickEffect">
                                   <p:stCondLst>
                                     <p:cond delay="0"/>
                                   </p:stCondLst>
                                   <p:childTnLst>
                                     <p:animEffect transition="out" filter="fade">
                                       <p:cBhvr>
-                                        <p:cTn id="47" dur="500"/>
+                                        <p:cTn id="60" dur="500"/>
                                         <p:tgtEl>
                                           <p:spTgt spid="23"/>
                                         </p:tgtEl>
@@ -14253,7 +15036,7 @@
                                     </p:animEffect>
                                     <p:set>
                                       <p:cBhvr>
-                                        <p:cTn id="48" dur="1" fill="hold">
+                                        <p:cTn id="61" dur="1" fill="hold">
                                           <p:stCondLst>
                                             <p:cond delay="499"/>
                                           </p:stCondLst>
@@ -14273,14 +15056,49 @@
                                 </p:cTn>
                               </p:par>
                               <p:par>
-                                <p:cTn id="49" presetID="10" presetClass="entr" presetSubtype="0" fill="hold" nodeType="withEffect">
+                                <p:cTn id="62" presetID="10" presetClass="exit" presetSubtype="0" fill="hold" grpId="1" nodeType="withEffect">
+                                  <p:stCondLst>
+                                    <p:cond delay="0"/>
+                                  </p:stCondLst>
+                                  <p:childTnLst>
+                                    <p:animEffect transition="out" filter="fade">
+                                      <p:cBhvr>
+                                        <p:cTn id="63" dur="500"/>
+                                        <p:tgtEl>
+                                          <p:spTgt spid="61"/>
+                                        </p:tgtEl>
+                                      </p:cBhvr>
+                                    </p:animEffect>
+                                    <p:set>
+                                      <p:cBhvr>
+                                        <p:cTn id="64" dur="1" fill="hold">
+                                          <p:stCondLst>
+                                            <p:cond delay="499"/>
+                                          </p:stCondLst>
+                                        </p:cTn>
+                                        <p:tgtEl>
+                                          <p:spTgt spid="61"/>
+                                        </p:tgtEl>
+                                        <p:attrNameLst>
+                                          <p:attrName>style.visibility</p:attrName>
+                                        </p:attrNameLst>
+                                      </p:cBhvr>
+                                      <p:to>
+                                        <p:strVal val="hidden"/>
+                                      </p:to>
+                                    </p:set>
+                                  </p:childTnLst>
+                                </p:cTn>
+                              </p:par>
+                              <p:par>
+                                <p:cTn id="65" presetID="10" presetClass="entr" presetSubtype="0" fill="hold" nodeType="withEffect">
                                   <p:stCondLst>
                                     <p:cond delay="0"/>
                                   </p:stCondLst>
                                   <p:childTnLst>
                                     <p:set>
                                       <p:cBhvr>
-                                        <p:cTn id="50" dur="1" fill="hold">
+                                        <p:cTn id="66" dur="1" fill="hold">
                                           <p:stCondLst>
                                             <p:cond delay="0"/>
                                           </p:stCondLst>
@@ -14298,9 +15116,114 @@
                                     </p:set>
                                     <p:animEffect transition="in" filter="fade">
                                       <p:cBhvr>
-                                        <p:cTn id="51" dur="500"/>
+                                        <p:cTn id="67" dur="500"/>
                                         <p:tgtEl>
                                           <p:spTgt spid="52"/>
+                                        </p:tgtEl>
+                                      </p:cBhvr>
+                                    </p:animEffect>
+                                  </p:childTnLst>
+                                </p:cTn>
+                              </p:par>
+                              <p:par>
+                                <p:cTn id="68" presetID="10" presetClass="entr" presetSubtype="0" fill="hold" grpId="0" nodeType="withEffect">
+                                  <p:stCondLst>
+                                    <p:cond delay="0"/>
+                                  </p:stCondLst>
+                                  <p:childTnLst>
+                                    <p:set>
+                                      <p:cBhvr>
+                                        <p:cTn id="69" dur="1" fill="hold">
+                                          <p:stCondLst>
+                                            <p:cond delay="0"/>
+                                          </p:stCondLst>
+                                        </p:cTn>
+                                        <p:tgtEl>
+                                          <p:spTgt spid="62"/>
+                                        </p:tgtEl>
+                                        <p:attrNameLst>
+                                          <p:attrName>style.visibility</p:attrName>
+                                        </p:attrNameLst>
+                                      </p:cBhvr>
+                                      <p:to>
+                                        <p:strVal val="visible"/>
+                                      </p:to>
+                                    </p:set>
+                                    <p:animEffect transition="in" filter="fade">
+                                      <p:cBhvr>
+                                        <p:cTn id="70" dur="500"/>
+                                        <p:tgtEl>
+                                          <p:spTgt spid="62"/>
+                                        </p:tgtEl>
+                                      </p:cBhvr>
+                                    </p:animEffect>
+                                  </p:childTnLst>
+                                </p:cTn>
+                              </p:par>
+                              <p:par>
+                                <p:cTn id="71" presetID="10" presetClass="exit" presetSubtype="0" fill="hold" nodeType="withEffect">
+                                  <p:stCondLst>
+                                    <p:cond delay="0"/>
+                                  </p:stCondLst>
+                                  <p:childTnLst>
+                                    <p:animEffect transition="out" filter="fade">
+                                      <p:cBhvr>
+                                        <p:cTn id="72" dur="500"/>
+                                        <p:tgtEl>
+                                          <p:spTgt spid="66"/>
+                                        </p:tgtEl>
+                                      </p:cBhvr>
+                                    </p:animEffect>
+                                    <p:set>
+                                      <p:cBhvr>
+                                        <p:cTn id="73" dur="1" fill="hold">
+                                          <p:stCondLst>
+                                            <p:cond delay="499"/>
+                                          </p:stCondLst>
+                                        </p:cTn>
+                                        <p:tgtEl>
+                                          <p:spTgt spid="66"/>
+                                        </p:tgtEl>
+                                        <p:attrNameLst>
+                                          <p:attrName>style.visibility</p:attrName>
+                                        </p:attrNameLst>
+                                      </p:cBhvr>
+                                      <p:to>
+                                        <p:strVal val="hidden"/>
+                                      </p:to>
+                                    </p:set>
+                                  </p:childTnLst>
+                                </p:cTn>
+                              </p:par>
+                              <p:par>
+                                <p:cTn id="74" presetID="10" presetClass="entr" presetSubtype="0" fill="hold" nodeType="withEffect">
+                                  <p:stCondLst>
+                                    <p:cond delay="0"/>
+                                  </p:stCondLst>
+                                  <p:childTnLst>
+                                    <p:set>
+                                      <p:cBhvr>
+                                        <p:cTn id="75" dur="1" fill="hold">
+                                          <p:stCondLst>
+                                            <p:cond delay="0"/>
+                                          </p:stCondLst>
+                                        </p:cTn>
+                                        <p:tgtEl>
+                                          <p:spTgt spid="70"/>
+                                        </p:tgtEl>
+                                        <p:attrNameLst>
+                                          <p:attrName>style.visibility</p:attrName>
+                                        </p:attrNameLst>
+                                      </p:cBhvr>
+                                      <p:to>
+                                        <p:strVal val="visible"/>
+                                      </p:to>
+                                    </p:set>
+                                    <p:animEffect transition="in" filter="fade">
+                                      <p:cBhvr>
+                                        <p:cTn id="76" dur="500"/>
+                                        <p:tgtEl>
+                                          <p:spTgt spid="70"/>
                                         </p:tgtEl>
                                       </p:cBhvr>
                                     </p:animEffect>
@@ -14340,600 +15263,16 @@
       <p:bldP spid="49" grpId="1" animBg="1"/>
       <p:bldP spid="50" grpId="0" animBg="1"/>
       <p:bldP spid="2" grpId="0" animBg="1"/>
+      <p:bldP spid="61" grpId="0" animBg="1"/>
+      <p:bldP spid="61" grpId="1" animBg="1"/>
+      <p:bldP spid="62" grpId="0" animBg="1"/>
+      <p:bldP spid="64" grpId="0" animBg="1"/>
     </p:bldLst>
   </p:timing>
 </p:sld>
 </file>
 
 <file path=ppt/slides/slide24.xml><?xml version="1.0" encoding="utf-8"?>
-<p:sld xmlns:a="http://schemas.openxmlformats.org/drawingml/2006/main" xmlns:r="http://schemas.openxmlformats.org/officeDocument/2006/relationships" xmlns:p="http://schemas.openxmlformats.org/presentationml/2006/main">
-  <p:cSld>
-    <p:bg>
-      <p:bgPr>
-        <a:solidFill>
-          <a:srgbClr val="1F4E79"/>
-        </a:solidFill>
-        <a:effectLst/>
-      </p:bgPr>
-    </p:bg>
-    <p:spTree>
-      <p:nvGrpSpPr>
-        <p:cNvPr id="1" name=""/>
-        <p:cNvGrpSpPr/>
-        <p:nvPr/>
-      </p:nvGrpSpPr>
-      <p:grpSpPr>
-        <a:xfrm>
-          <a:off x="0" y="0"/>
-          <a:ext cx="0" cy="0"/>
-          <a:chOff x="0" y="0"/>
-          <a:chExt cx="0" cy="0"/>
-        </a:xfrm>
-      </p:grpSpPr>
-      <p:cxnSp>
-        <p:nvCxnSpPr>
-          <p:cNvPr id="14" name="Straight Connector 13"/>
-          <p:cNvCxnSpPr>
-            <a:stCxn id="5" idx="3"/>
-          </p:cNvCxnSpPr>
-          <p:nvPr/>
-        </p:nvCxnSpPr>
-        <p:spPr>
-          <a:xfrm flipV="1">
-            <a:off x="2208679" y="1956547"/>
-            <a:ext cx="3331509" cy="470648"/>
-          </a:xfrm>
-          <a:prstGeom prst="line">
-            <a:avLst/>
-          </a:prstGeom>
-          <a:ln w="63500" cap="rnd">
-            <a:solidFill>
-              <a:schemeClr val="accent1">
-                <a:lumMod val="75000"/>
-              </a:schemeClr>
-            </a:solidFill>
-            <a:prstDash val="sysDash"/>
-            <a:round/>
-            <a:headEnd w="sm" len="med"/>
-            <a:tailEnd type="none" w="sm" len="sm"/>
-          </a:ln>
-          <a:effectLst/>
-          <a:scene3d>
-            <a:camera prst="orthographicFront"/>
-            <a:lightRig rig="threePt" dir="t"/>
-          </a:scene3d>
-          <a:sp3d/>
-        </p:spPr>
-        <p:style>
-          <a:lnRef idx="1">
-            <a:schemeClr val="accent1"/>
-          </a:lnRef>
-          <a:fillRef idx="0">
-            <a:schemeClr val="accent1"/>
-          </a:fillRef>
-          <a:effectRef idx="0">
-            <a:schemeClr val="accent1"/>
-          </a:effectRef>
-          <a:fontRef idx="minor">
-            <a:schemeClr val="tx1"/>
-          </a:fontRef>
-        </p:style>
-      </p:cxnSp>
-      <p:sp>
-        <p:nvSpPr>
-          <p:cNvPr id="3" name="Oval 2"/>
-          <p:cNvSpPr/>
-          <p:nvPr/>
-        </p:nvSpPr>
-        <p:spPr>
-          <a:xfrm>
-            <a:off x="5116605" y="699248"/>
-            <a:ext cx="5493123" cy="5493123"/>
-          </a:xfrm>
-          <a:prstGeom prst="ellipse">
-            <a:avLst/>
-          </a:prstGeom>
-          <a:noFill/>
-          <a:ln w="63500">
-            <a:solidFill>
-              <a:srgbClr val="58EC9F"/>
-            </a:solidFill>
-            <a:prstDash val="solid"/>
-          </a:ln>
-        </p:spPr>
-        <p:style>
-          <a:lnRef idx="2">
-            <a:schemeClr val="accent1">
-              <a:shade val="50000"/>
-            </a:schemeClr>
-          </a:lnRef>
-          <a:fillRef idx="1">
-            <a:schemeClr val="accent1"/>
-          </a:fillRef>
-          <a:effectRef idx="0">
-            <a:schemeClr val="accent1"/>
-          </a:effectRef>
-          <a:fontRef idx="minor">
-            <a:schemeClr val="lt1"/>
-          </a:fontRef>
-        </p:style>
-        <p:txBody>
-          <a:bodyPr rtlCol="0" anchor="ctr"/>
-          <a:lstStyle/>
-          <a:p>
-            <a:pPr algn="ctr"/>
-            <a:endParaRPr lang="sv-SE"/>
-          </a:p>
-        </p:txBody>
-      </p:sp>
-      <p:sp>
-        <p:nvSpPr>
-          <p:cNvPr id="6" name="Oval 5"/>
-          <p:cNvSpPr/>
-          <p:nvPr/>
-        </p:nvSpPr>
-        <p:spPr>
-          <a:xfrm>
-            <a:off x="8017809" y="113112"/>
-            <a:ext cx="1566582" cy="1472453"/>
-          </a:xfrm>
-          <a:prstGeom prst="ellipse">
-            <a:avLst/>
-          </a:prstGeom>
-          <a:solidFill>
-            <a:srgbClr val="43BFF7"/>
-          </a:solidFill>
-          <a:ln>
-            <a:noFill/>
-          </a:ln>
-        </p:spPr>
-        <p:style>
-          <a:lnRef idx="2">
-            <a:schemeClr val="accent1">
-              <a:shade val="50000"/>
-            </a:schemeClr>
-          </a:lnRef>
-          <a:fillRef idx="1">
-            <a:schemeClr val="accent1"/>
-          </a:fillRef>
-          <a:effectRef idx="0">
-            <a:schemeClr val="accent1"/>
-          </a:effectRef>
-          <a:fontRef idx="minor">
-            <a:schemeClr val="lt1"/>
-          </a:fontRef>
-        </p:style>
-        <p:txBody>
-          <a:bodyPr rtlCol="0" anchor="ctr"/>
-          <a:lstStyle/>
-          <a:p>
-            <a:pPr algn="ctr"/>
-            <a:r>
-              <a:rPr lang="sv-SE" dirty="0" smtClean="0"/>
-              <a:t>Node Foo</a:t>
-            </a:r>
-          </a:p>
-          <a:p>
-            <a:pPr algn="ctr"/>
-            <a:r>
-              <a:rPr lang="sv-SE" b="1" dirty="0" smtClean="0"/>
-              <a:t>433</a:t>
-            </a:r>
-            <a:endParaRPr lang="sv-SE" b="1" dirty="0"/>
-          </a:p>
-        </p:txBody>
-      </p:sp>
-      <p:sp>
-        <p:nvSpPr>
-          <p:cNvPr id="7" name="Oval 6"/>
-          <p:cNvSpPr/>
-          <p:nvPr/>
-        </p:nvSpPr>
-        <p:spPr>
-          <a:xfrm>
-            <a:off x="9826436" y="2632261"/>
-            <a:ext cx="1566582" cy="1472453"/>
-          </a:xfrm>
-          <a:prstGeom prst="ellipse">
-            <a:avLst/>
-          </a:prstGeom>
-          <a:solidFill>
-            <a:srgbClr val="43BFF7"/>
-          </a:solidFill>
-          <a:ln>
-            <a:noFill/>
-          </a:ln>
-        </p:spPr>
-        <p:style>
-          <a:lnRef idx="2">
-            <a:schemeClr val="accent1">
-              <a:shade val="50000"/>
-            </a:schemeClr>
-          </a:lnRef>
-          <a:fillRef idx="1">
-            <a:schemeClr val="accent1"/>
-          </a:fillRef>
-          <a:effectRef idx="0">
-            <a:schemeClr val="accent1"/>
-          </a:effectRef>
-          <a:fontRef idx="minor">
-            <a:schemeClr val="lt1"/>
-          </a:fontRef>
-        </p:style>
-        <p:txBody>
-          <a:bodyPr rtlCol="0" anchor="ctr"/>
-          <a:lstStyle/>
-          <a:p>
-            <a:pPr algn="ctr"/>
-            <a:r>
-              <a:rPr lang="sv-SE" dirty="0" smtClean="0"/>
-              <a:t>Node Bar</a:t>
-            </a:r>
-          </a:p>
-          <a:p>
-            <a:pPr algn="ctr"/>
-            <a:r>
-              <a:rPr lang="sv-SE" b="1" dirty="0" smtClean="0"/>
-              <a:t>24345</a:t>
-            </a:r>
-            <a:endParaRPr lang="sv-SE" b="1" dirty="0"/>
-          </a:p>
-        </p:txBody>
-      </p:sp>
-      <p:sp>
-        <p:nvSpPr>
-          <p:cNvPr id="8" name="Oval 7"/>
-          <p:cNvSpPr/>
-          <p:nvPr/>
-        </p:nvSpPr>
-        <p:spPr>
-          <a:xfrm>
-            <a:off x="8159003" y="5210734"/>
-            <a:ext cx="1566582" cy="1472453"/>
-          </a:xfrm>
-          <a:prstGeom prst="ellipse">
-            <a:avLst/>
-          </a:prstGeom>
-          <a:solidFill>
-            <a:srgbClr val="43BFF7"/>
-          </a:solidFill>
-          <a:ln>
-            <a:noFill/>
-          </a:ln>
-        </p:spPr>
-        <p:style>
-          <a:lnRef idx="2">
-            <a:schemeClr val="accent1">
-              <a:shade val="50000"/>
-            </a:schemeClr>
-          </a:lnRef>
-          <a:fillRef idx="1">
-            <a:schemeClr val="accent1"/>
-          </a:fillRef>
-          <a:effectRef idx="0">
-            <a:schemeClr val="accent1"/>
-          </a:effectRef>
-          <a:fontRef idx="minor">
-            <a:schemeClr val="lt1"/>
-          </a:fontRef>
-        </p:style>
-        <p:txBody>
-          <a:bodyPr rtlCol="0" anchor="ctr"/>
-          <a:lstStyle/>
-          <a:p>
-            <a:pPr algn="ctr"/>
-            <a:r>
-              <a:rPr lang="sv-SE" dirty="0" smtClean="0"/>
-              <a:t>Node Baz</a:t>
-            </a:r>
-          </a:p>
-          <a:p>
-            <a:pPr algn="ctr"/>
-            <a:r>
-              <a:rPr lang="sv-SE" b="1" dirty="0" smtClean="0"/>
-              <a:t>82327</a:t>
-            </a:r>
-            <a:endParaRPr lang="sv-SE" b="1" dirty="0"/>
-          </a:p>
-        </p:txBody>
-      </p:sp>
-      <p:sp>
-        <p:nvSpPr>
-          <p:cNvPr id="5" name="Rectangle 4"/>
-          <p:cNvSpPr/>
-          <p:nvPr/>
-        </p:nvSpPr>
-        <p:spPr>
-          <a:xfrm>
-            <a:off x="642097" y="1969995"/>
-            <a:ext cx="1566582" cy="914400"/>
-          </a:xfrm>
-          <a:prstGeom prst="rect">
-            <a:avLst/>
-          </a:prstGeom>
-          <a:solidFill>
-            <a:schemeClr val="accent1">
-              <a:lumMod val="75000"/>
-            </a:schemeClr>
-          </a:solidFill>
-          <a:ln>
-            <a:noFill/>
-          </a:ln>
-        </p:spPr>
-        <p:style>
-          <a:lnRef idx="2">
-            <a:schemeClr val="accent1">
-              <a:shade val="50000"/>
-            </a:schemeClr>
-          </a:lnRef>
-          <a:fillRef idx="1">
-            <a:schemeClr val="accent1"/>
-          </a:fillRef>
-          <a:effectRef idx="0">
-            <a:schemeClr val="accent1"/>
-          </a:effectRef>
-          <a:fontRef idx="minor">
-            <a:schemeClr val="lt1"/>
-          </a:fontRef>
-        </p:style>
-        <p:txBody>
-          <a:bodyPr rtlCol="0" anchor="ctr"/>
-          <a:lstStyle/>
-          <a:p>
-            <a:pPr algn="ctr"/>
-            <a:r>
-              <a:rPr lang="sv-SE" dirty="0" smtClean="0"/>
-              <a:t>Hash:</a:t>
-            </a:r>
-          </a:p>
-          <a:p>
-            <a:pPr algn="ctr"/>
-            <a:r>
-              <a:rPr lang="sv-SE" b="1" dirty="0" smtClean="0"/>
-              <a:t>989123</a:t>
-            </a:r>
-            <a:endParaRPr lang="sv-SE" b="1" dirty="0"/>
-          </a:p>
-        </p:txBody>
-      </p:sp>
-      <p:sp>
-        <p:nvSpPr>
-          <p:cNvPr id="9" name="Oval 8"/>
-          <p:cNvSpPr/>
-          <p:nvPr/>
-        </p:nvSpPr>
-        <p:spPr>
-          <a:xfrm>
-            <a:off x="4333315" y="2632261"/>
-            <a:ext cx="1566582" cy="1472453"/>
-          </a:xfrm>
-          <a:prstGeom prst="ellipse">
-            <a:avLst/>
-          </a:prstGeom>
-          <a:solidFill>
-            <a:srgbClr val="43BFF7"/>
-          </a:solidFill>
-          <a:ln>
-            <a:noFill/>
-          </a:ln>
-        </p:spPr>
-        <p:style>
-          <a:lnRef idx="2">
-            <a:schemeClr val="accent1">
-              <a:shade val="50000"/>
-            </a:schemeClr>
-          </a:lnRef>
-          <a:fillRef idx="1">
-            <a:schemeClr val="accent1"/>
-          </a:fillRef>
-          <a:effectRef idx="0">
-            <a:schemeClr val="accent1"/>
-          </a:effectRef>
-          <a:fontRef idx="minor">
-            <a:schemeClr val="lt1"/>
-          </a:fontRef>
-        </p:style>
-        <p:txBody>
-          <a:bodyPr rtlCol="0" anchor="ctr"/>
-          <a:lstStyle/>
-          <a:p>
-            <a:pPr algn="ctr"/>
-            <a:r>
-              <a:rPr lang="sv-SE" dirty="0" smtClean="0"/>
-              <a:t>Node Fob</a:t>
-            </a:r>
-          </a:p>
-          <a:p>
-            <a:pPr algn="ctr"/>
-            <a:r>
-              <a:rPr lang="sv-SE" b="1" dirty="0" smtClean="0"/>
-              <a:t>943772</a:t>
-            </a:r>
-            <a:endParaRPr lang="sv-SE" b="1" dirty="0"/>
-          </a:p>
-        </p:txBody>
-      </p:sp>
-      <p:cxnSp>
-        <p:nvCxnSpPr>
-          <p:cNvPr id="52" name="Straight Connector 51"/>
-          <p:cNvCxnSpPr>
-            <a:stCxn id="2" idx="3"/>
-          </p:cNvCxnSpPr>
-          <p:nvPr/>
-        </p:nvCxnSpPr>
-        <p:spPr>
-          <a:xfrm flipV="1">
-            <a:off x="2208679" y="1969995"/>
-            <a:ext cx="2954992" cy="1371599"/>
-          </a:xfrm>
-          <a:prstGeom prst="line">
-            <a:avLst/>
-          </a:prstGeom>
-          <a:ln w="63500" cap="rnd">
-            <a:solidFill>
-              <a:srgbClr val="50DE94"/>
-            </a:solidFill>
-            <a:round/>
-            <a:headEnd w="sm" len="med"/>
-            <a:tailEnd type="none" w="sm" len="sm"/>
-          </a:ln>
-          <a:effectLst/>
-          <a:scene3d>
-            <a:camera prst="orthographicFront"/>
-            <a:lightRig rig="threePt" dir="t"/>
-          </a:scene3d>
-          <a:sp3d/>
-        </p:spPr>
-        <p:style>
-          <a:lnRef idx="1">
-            <a:schemeClr val="accent1"/>
-          </a:lnRef>
-          <a:fillRef idx="0">
-            <a:schemeClr val="accent1"/>
-          </a:fillRef>
-          <a:effectRef idx="0">
-            <a:schemeClr val="accent1"/>
-          </a:effectRef>
-          <a:fontRef idx="minor">
-            <a:schemeClr val="tx1"/>
-          </a:fontRef>
-        </p:style>
-      </p:cxnSp>
-      <p:sp>
-        <p:nvSpPr>
-          <p:cNvPr id="50" name="Oval 49"/>
-          <p:cNvSpPr/>
-          <p:nvPr/>
-        </p:nvSpPr>
-        <p:spPr>
-          <a:xfrm>
-            <a:off x="5116605" y="1037945"/>
-            <a:ext cx="1566582" cy="1472453"/>
-          </a:xfrm>
-          <a:prstGeom prst="ellipse">
-            <a:avLst/>
-          </a:prstGeom>
-          <a:solidFill>
-            <a:srgbClr val="43BFF7"/>
-          </a:solidFill>
-          <a:ln>
-            <a:noFill/>
-          </a:ln>
-        </p:spPr>
-        <p:style>
-          <a:lnRef idx="2">
-            <a:schemeClr val="accent1">
-              <a:shade val="50000"/>
-            </a:schemeClr>
-          </a:lnRef>
-          <a:fillRef idx="1">
-            <a:schemeClr val="accent1"/>
-          </a:fillRef>
-          <a:effectRef idx="0">
-            <a:schemeClr val="accent1"/>
-          </a:effectRef>
-          <a:fontRef idx="minor">
-            <a:schemeClr val="lt1"/>
-          </a:fontRef>
-        </p:style>
-        <p:txBody>
-          <a:bodyPr wrap="none" rtlCol="0" anchor="ctr"/>
-          <a:lstStyle/>
-          <a:p>
-            <a:pPr algn="ctr"/>
-            <a:r>
-              <a:rPr lang="sv-SE" dirty="0" smtClean="0"/>
-              <a:t>Node Gnu</a:t>
-            </a:r>
-          </a:p>
-          <a:p>
-            <a:pPr algn="ctr"/>
-            <a:r>
-              <a:rPr lang="sv-SE" b="1" dirty="0" smtClean="0"/>
-              <a:t>987234</a:t>
-            </a:r>
-            <a:endParaRPr lang="sv-SE" b="1" dirty="0"/>
-          </a:p>
-        </p:txBody>
-      </p:sp>
-      <p:sp>
-        <p:nvSpPr>
-          <p:cNvPr id="2" name="Rectangle 1"/>
-          <p:cNvSpPr/>
-          <p:nvPr/>
-        </p:nvSpPr>
-        <p:spPr>
-          <a:xfrm>
-            <a:off x="642097" y="2884394"/>
-            <a:ext cx="1566582" cy="914400"/>
-          </a:xfrm>
-          <a:prstGeom prst="rect">
-            <a:avLst/>
-          </a:prstGeom>
-          <a:solidFill>
-            <a:srgbClr val="FF4909"/>
-          </a:solidFill>
-          <a:ln>
-            <a:noFill/>
-          </a:ln>
-        </p:spPr>
-        <p:style>
-          <a:lnRef idx="2">
-            <a:schemeClr val="accent1">
-              <a:shade val="50000"/>
-            </a:schemeClr>
-          </a:lnRef>
-          <a:fillRef idx="1">
-            <a:schemeClr val="accent1"/>
-          </a:fillRef>
-          <a:effectRef idx="0">
-            <a:schemeClr val="accent1"/>
-          </a:effectRef>
-          <a:fontRef idx="minor">
-            <a:schemeClr val="lt1"/>
-          </a:fontRef>
-        </p:style>
-        <p:txBody>
-          <a:bodyPr rtlCol="0" anchor="ctr"/>
-          <a:lstStyle/>
-          <a:p>
-            <a:pPr algn="ctr"/>
-            <a:r>
-              <a:rPr lang="sv-SE" dirty="0" smtClean="0"/>
-              <a:t>Grain Id:</a:t>
-            </a:r>
-          </a:p>
-          <a:p>
-            <a:pPr algn="ctr"/>
-            <a:r>
-              <a:rPr lang="sv-SE" b="1" dirty="0" smtClean="0"/>
-              <a:t>Roger</a:t>
-            </a:r>
-            <a:endParaRPr lang="sv-SE" b="1" dirty="0"/>
-          </a:p>
-        </p:txBody>
-      </p:sp>
-    </p:spTree>
-    <p:extLst>
-      <p:ext uri="{BB962C8B-B14F-4D97-AF65-F5344CB8AC3E}">
-        <p14:creationId xmlns:p14="http://schemas.microsoft.com/office/powerpoint/2010/main" val="506976330"/>
-      </p:ext>
-    </p:extLst>
-  </p:cSld>
-  <p:clrMapOvr>
-    <a:masterClrMapping/>
-  </p:clrMapOvr>
-  <p:timing>
-    <p:tnLst>
-      <p:par>
-        <p:cTn id="1" dur="indefinite" restart="never" nodeType="tmRoot"/>
-      </p:par>
-    </p:tnLst>
-  </p:timing>
-</p:sld>
-</file>
-
-<file path=ppt/slides/slide25.xml><?xml version="1.0" encoding="utf-8"?>
 <p:sld xmlns:a="http://schemas.openxmlformats.org/drawingml/2006/main" xmlns:r="http://schemas.openxmlformats.org/officeDocument/2006/relationships" xmlns:p="http://schemas.openxmlformats.org/presentationml/2006/main">
   <p:cSld>
     <p:bg>
@@ -15007,7 +15346,7 @@
 </p:sld>
 </file>
 
-<file path=ppt/slides/slide26.xml><?xml version="1.0" encoding="utf-8"?>
+<file path=ppt/slides/slide25.xml><?xml version="1.0" encoding="utf-8"?>
 <p:sld xmlns:a="http://schemas.openxmlformats.org/drawingml/2006/main" xmlns:r="http://schemas.openxmlformats.org/officeDocument/2006/relationships" xmlns:p="http://schemas.openxmlformats.org/presentationml/2006/main">
   <p:cSld>
     <p:bg>
@@ -17303,7 +17642,7 @@
 </p:sld>
 </file>
 
-<file path=ppt/slides/slide27.xml><?xml version="1.0" encoding="utf-8"?>
+<file path=ppt/slides/slide26.xml><?xml version="1.0" encoding="utf-8"?>
 <p:sld xmlns:a="http://schemas.openxmlformats.org/drawingml/2006/main" xmlns:r="http://schemas.openxmlformats.org/officeDocument/2006/relationships" xmlns:p="http://schemas.openxmlformats.org/presentationml/2006/main">
   <p:cSld>
     <p:bg>

--- a/FailingGracefully/QConSP/protoactor.pptx
+++ b/FailingGracefully/QConSP/protoactor.pptx
@@ -6,35 +6,36 @@
     <p:sldMasterId id="2147484500" r:id="rId4"/>
   </p:sldMasterIdLst>
   <p:notesMasterIdLst>
-    <p:notesMasterId r:id="rId31"/>
+    <p:notesMasterId r:id="rId32"/>
   </p:notesMasterIdLst>
   <p:sldIdLst>
     <p:sldId id="521" r:id="rId5"/>
-    <p:sldId id="522" r:id="rId6"/>
-    <p:sldId id="523" r:id="rId7"/>
-    <p:sldId id="524" r:id="rId8"/>
-    <p:sldId id="520" r:id="rId9"/>
-    <p:sldId id="518" r:id="rId10"/>
-    <p:sldId id="396" r:id="rId11"/>
-    <p:sldId id="517" r:id="rId12"/>
-    <p:sldId id="472" r:id="rId13"/>
-    <p:sldId id="480" r:id="rId14"/>
-    <p:sldId id="479" r:id="rId15"/>
-    <p:sldId id="424" r:id="rId16"/>
-    <p:sldId id="441" r:id="rId17"/>
-    <p:sldId id="526" r:id="rId18"/>
-    <p:sldId id="527" r:id="rId19"/>
-    <p:sldId id="528" r:id="rId20"/>
-    <p:sldId id="529" r:id="rId21"/>
-    <p:sldId id="530" r:id="rId22"/>
-    <p:sldId id="531" r:id="rId23"/>
-    <p:sldId id="532" r:id="rId24"/>
-    <p:sldId id="533" r:id="rId25"/>
-    <p:sldId id="534" r:id="rId26"/>
-    <p:sldId id="535" r:id="rId27"/>
-    <p:sldId id="536" r:id="rId28"/>
-    <p:sldId id="489" r:id="rId29"/>
-    <p:sldId id="506" r:id="rId30"/>
+    <p:sldId id="538" r:id="rId6"/>
+    <p:sldId id="522" r:id="rId7"/>
+    <p:sldId id="537" r:id="rId8"/>
+    <p:sldId id="524" r:id="rId9"/>
+    <p:sldId id="520" r:id="rId10"/>
+    <p:sldId id="518" r:id="rId11"/>
+    <p:sldId id="396" r:id="rId12"/>
+    <p:sldId id="517" r:id="rId13"/>
+    <p:sldId id="472" r:id="rId14"/>
+    <p:sldId id="480" r:id="rId15"/>
+    <p:sldId id="479" r:id="rId16"/>
+    <p:sldId id="424" r:id="rId17"/>
+    <p:sldId id="441" r:id="rId18"/>
+    <p:sldId id="526" r:id="rId19"/>
+    <p:sldId id="527" r:id="rId20"/>
+    <p:sldId id="528" r:id="rId21"/>
+    <p:sldId id="529" r:id="rId22"/>
+    <p:sldId id="530" r:id="rId23"/>
+    <p:sldId id="531" r:id="rId24"/>
+    <p:sldId id="532" r:id="rId25"/>
+    <p:sldId id="533" r:id="rId26"/>
+    <p:sldId id="534" r:id="rId27"/>
+    <p:sldId id="535" r:id="rId28"/>
+    <p:sldId id="536" r:id="rId29"/>
+    <p:sldId id="489" r:id="rId30"/>
+    <p:sldId id="506" r:id="rId31"/>
   </p:sldIdLst>
   <p:sldSz cx="12192000" cy="6858000"/>
   <p:notesSz cx="6858000" cy="9144000"/>
@@ -139,8 +140,9 @@
         <p14:section name="Start" id="{479DF580-2350-4205-909F-330A04EE41E6}">
           <p14:sldIdLst>
             <p14:sldId id="521"/>
+            <p14:sldId id="538"/>
             <p14:sldId id="522"/>
-            <p14:sldId id="523"/>
+            <p14:sldId id="537"/>
             <p14:sldId id="524"/>
             <p14:sldId id="520"/>
             <p14:sldId id="518"/>
@@ -310,7 +312,7 @@
           <a:p>
             <a:fld id="{826EE6A8-7E37-4A55-A586-C8FFB78609B1}" type="datetimeFigureOut">
               <a:rPr lang="sv-SE" smtClean="0"/>
-              <a:t>2017-03-25</a:t>
+              <a:t>2017-03-29</a:t>
             </a:fld>
             <a:endParaRPr lang="sv-SE"/>
           </a:p>
@@ -643,7 +645,7 @@
           <a:p>
             <a:fld id="{E3DB16A6-5F47-4FA9-BA4D-2BDC853A44B1}" type="slidenum">
               <a:rPr lang="sv-SE" smtClean="0"/>
-              <a:t>9</a:t>
+              <a:t>10</a:t>
             </a:fld>
             <a:endParaRPr lang="sv-SE"/>
           </a:p>
@@ -727,7 +729,7 @@
           <a:p>
             <a:fld id="{E3DB16A6-5F47-4FA9-BA4D-2BDC853A44B1}" type="slidenum">
               <a:rPr lang="sv-SE" smtClean="0"/>
-              <a:t>10</a:t>
+              <a:t>11</a:t>
             </a:fld>
             <a:endParaRPr lang="sv-SE"/>
           </a:p>
@@ -811,7 +813,7 @@
           <a:p>
             <a:fld id="{E3DB16A6-5F47-4FA9-BA4D-2BDC853A44B1}" type="slidenum">
               <a:rPr lang="sv-SE" smtClean="0"/>
-              <a:t>11</a:t>
+              <a:t>12</a:t>
             </a:fld>
             <a:endParaRPr lang="sv-SE"/>
           </a:p>
@@ -942,7 +944,7 @@
                 <a:tabLst/>
                 <a:defRPr/>
               </a:pPr>
-              <a:t>26</a:t>
+              <a:t>27</a:t>
             </a:fld>
             <a:endParaRPr kumimoji="0" lang="sv-SE" sz="1200" b="0" i="0" u="none" strike="noStrike" kern="1200" cap="none" spc="0" normalizeH="0" baseline="0" noProof="0">
               <a:ln>
@@ -1105,7 +1107,7 @@
           <a:p>
             <a:fld id="{FF633EE0-2569-4F58-A582-E56ADACD7068}" type="datetimeFigureOut">
               <a:rPr lang="sv-SE" smtClean="0"/>
-              <a:t>2017-03-25</a:t>
+              <a:t>2017-03-29</a:t>
             </a:fld>
             <a:endParaRPr lang="sv-SE"/>
           </a:p>
@@ -1275,7 +1277,7 @@
           <a:p>
             <a:fld id="{FF633EE0-2569-4F58-A582-E56ADACD7068}" type="datetimeFigureOut">
               <a:rPr lang="sv-SE" smtClean="0"/>
-              <a:t>2017-03-25</a:t>
+              <a:t>2017-03-29</a:t>
             </a:fld>
             <a:endParaRPr lang="sv-SE"/>
           </a:p>
@@ -1455,7 +1457,7 @@
           <a:p>
             <a:fld id="{FF633EE0-2569-4F58-A582-E56ADACD7068}" type="datetimeFigureOut">
               <a:rPr lang="sv-SE" smtClean="0"/>
-              <a:t>2017-03-25</a:t>
+              <a:t>2017-03-29</a:t>
             </a:fld>
             <a:endParaRPr lang="sv-SE"/>
           </a:p>
@@ -1647,7 +1649,7 @@
           <a:p>
             <a:fld id="{FF633EE0-2569-4F58-A582-E56ADACD7068}" type="datetimeFigureOut">
               <a:rPr lang="sv-SE" smtClean="0"/>
-              <a:t>2017-03-25</a:t>
+              <a:t>2017-03-29</a:t>
             </a:fld>
             <a:endParaRPr lang="sv-SE"/>
           </a:p>
@@ -1817,7 +1819,7 @@
           <a:p>
             <a:fld id="{FF633EE0-2569-4F58-A582-E56ADACD7068}" type="datetimeFigureOut">
               <a:rPr lang="sv-SE" smtClean="0"/>
-              <a:t>2017-03-25</a:t>
+              <a:t>2017-03-29</a:t>
             </a:fld>
             <a:endParaRPr lang="sv-SE"/>
           </a:p>
@@ -2063,7 +2065,7 @@
           <a:p>
             <a:fld id="{FF633EE0-2569-4F58-A582-E56ADACD7068}" type="datetimeFigureOut">
               <a:rPr lang="sv-SE" smtClean="0"/>
-              <a:t>2017-03-25</a:t>
+              <a:t>2017-03-29</a:t>
             </a:fld>
             <a:endParaRPr lang="sv-SE"/>
           </a:p>
@@ -2295,7 +2297,7 @@
           <a:p>
             <a:fld id="{FF633EE0-2569-4F58-A582-E56ADACD7068}" type="datetimeFigureOut">
               <a:rPr lang="sv-SE" smtClean="0"/>
-              <a:t>2017-03-25</a:t>
+              <a:t>2017-03-29</a:t>
             </a:fld>
             <a:endParaRPr lang="sv-SE"/>
           </a:p>
@@ -2662,7 +2664,7 @@
           <a:p>
             <a:fld id="{FF633EE0-2569-4F58-A582-E56ADACD7068}" type="datetimeFigureOut">
               <a:rPr lang="sv-SE" smtClean="0"/>
-              <a:t>2017-03-25</a:t>
+              <a:t>2017-03-29</a:t>
             </a:fld>
             <a:endParaRPr lang="sv-SE"/>
           </a:p>
@@ -2780,7 +2782,7 @@
           <a:p>
             <a:fld id="{FF633EE0-2569-4F58-A582-E56ADACD7068}" type="datetimeFigureOut">
               <a:rPr lang="sv-SE" smtClean="0"/>
-              <a:t>2017-03-25</a:t>
+              <a:t>2017-03-29</a:t>
             </a:fld>
             <a:endParaRPr lang="sv-SE"/>
           </a:p>
@@ -2875,7 +2877,7 @@
           <a:p>
             <a:fld id="{FF633EE0-2569-4F58-A582-E56ADACD7068}" type="datetimeFigureOut">
               <a:rPr lang="sv-SE" smtClean="0"/>
-              <a:t>2017-03-25</a:t>
+              <a:t>2017-03-29</a:t>
             </a:fld>
             <a:endParaRPr lang="sv-SE"/>
           </a:p>
@@ -3152,7 +3154,7 @@
           <a:p>
             <a:fld id="{FF633EE0-2569-4F58-A582-E56ADACD7068}" type="datetimeFigureOut">
               <a:rPr lang="sv-SE" smtClean="0"/>
-              <a:t>2017-03-25</a:t>
+              <a:t>2017-03-29</a:t>
             </a:fld>
             <a:endParaRPr lang="sv-SE"/>
           </a:p>
@@ -3322,7 +3324,7 @@
           <a:p>
             <a:fld id="{FF633EE0-2569-4F58-A582-E56ADACD7068}" type="datetimeFigureOut">
               <a:rPr lang="sv-SE" smtClean="0"/>
-              <a:t>2017-03-25</a:t>
+              <a:t>2017-03-29</a:t>
             </a:fld>
             <a:endParaRPr lang="sv-SE"/>
           </a:p>
@@ -3579,7 +3581,7 @@
           <a:p>
             <a:fld id="{FF633EE0-2569-4F58-A582-E56ADACD7068}" type="datetimeFigureOut">
               <a:rPr lang="sv-SE" smtClean="0"/>
-              <a:t>2017-03-25</a:t>
+              <a:t>2017-03-29</a:t>
             </a:fld>
             <a:endParaRPr lang="sv-SE"/>
           </a:p>
@@ -3749,7 +3751,7 @@
           <a:p>
             <a:fld id="{FF633EE0-2569-4F58-A582-E56ADACD7068}" type="datetimeFigureOut">
               <a:rPr lang="sv-SE" smtClean="0"/>
-              <a:t>2017-03-25</a:t>
+              <a:t>2017-03-29</a:t>
             </a:fld>
             <a:endParaRPr lang="sv-SE"/>
           </a:p>
@@ -3929,7 +3931,7 @@
           <a:p>
             <a:fld id="{FF633EE0-2569-4F58-A582-E56ADACD7068}" type="datetimeFigureOut">
               <a:rPr lang="sv-SE" smtClean="0"/>
-              <a:t>2017-03-25</a:t>
+              <a:t>2017-03-29</a:t>
             </a:fld>
             <a:endParaRPr lang="sv-SE"/>
           </a:p>
@@ -4175,7 +4177,7 @@
           <a:p>
             <a:fld id="{FF633EE0-2569-4F58-A582-E56ADACD7068}" type="datetimeFigureOut">
               <a:rPr lang="sv-SE" smtClean="0"/>
-              <a:t>2017-03-25</a:t>
+              <a:t>2017-03-29</a:t>
             </a:fld>
             <a:endParaRPr lang="sv-SE"/>
           </a:p>
@@ -4407,7 +4409,7 @@
           <a:p>
             <a:fld id="{FF633EE0-2569-4F58-A582-E56ADACD7068}" type="datetimeFigureOut">
               <a:rPr lang="sv-SE" smtClean="0"/>
-              <a:t>2017-03-25</a:t>
+              <a:t>2017-03-29</a:t>
             </a:fld>
             <a:endParaRPr lang="sv-SE"/>
           </a:p>
@@ -4774,7 +4776,7 @@
           <a:p>
             <a:fld id="{FF633EE0-2569-4F58-A582-E56ADACD7068}" type="datetimeFigureOut">
               <a:rPr lang="sv-SE" smtClean="0"/>
-              <a:t>2017-03-25</a:t>
+              <a:t>2017-03-29</a:t>
             </a:fld>
             <a:endParaRPr lang="sv-SE"/>
           </a:p>
@@ -4892,7 +4894,7 @@
           <a:p>
             <a:fld id="{FF633EE0-2569-4F58-A582-E56ADACD7068}" type="datetimeFigureOut">
               <a:rPr lang="sv-SE" smtClean="0"/>
-              <a:t>2017-03-25</a:t>
+              <a:t>2017-03-29</a:t>
             </a:fld>
             <a:endParaRPr lang="sv-SE"/>
           </a:p>
@@ -4987,7 +4989,7 @@
           <a:p>
             <a:fld id="{FF633EE0-2569-4F58-A582-E56ADACD7068}" type="datetimeFigureOut">
               <a:rPr lang="sv-SE" smtClean="0"/>
-              <a:t>2017-03-25</a:t>
+              <a:t>2017-03-29</a:t>
             </a:fld>
             <a:endParaRPr lang="sv-SE"/>
           </a:p>
@@ -5264,7 +5266,7 @@
           <a:p>
             <a:fld id="{FF633EE0-2569-4F58-A582-E56ADACD7068}" type="datetimeFigureOut">
               <a:rPr lang="sv-SE" smtClean="0"/>
-              <a:t>2017-03-25</a:t>
+              <a:t>2017-03-29</a:t>
             </a:fld>
             <a:endParaRPr lang="sv-SE"/>
           </a:p>
@@ -5521,7 +5523,7 @@
           <a:p>
             <a:fld id="{FF633EE0-2569-4F58-A582-E56ADACD7068}" type="datetimeFigureOut">
               <a:rPr lang="sv-SE" smtClean="0"/>
-              <a:t>2017-03-25</a:t>
+              <a:t>2017-03-29</a:t>
             </a:fld>
             <a:endParaRPr lang="sv-SE"/>
           </a:p>
@@ -5734,7 +5736,7 @@
           <a:p>
             <a:fld id="{FF633EE0-2569-4F58-A582-E56ADACD7068}" type="datetimeFigureOut">
               <a:rPr lang="sv-SE" smtClean="0"/>
-              <a:t>2017-03-25</a:t>
+              <a:t>2017-03-29</a:t>
             </a:fld>
             <a:endParaRPr lang="sv-SE"/>
           </a:p>
@@ -6274,7 +6276,7 @@
           <a:p>
             <a:fld id="{FF633EE0-2569-4F58-A582-E56ADACD7068}" type="datetimeFigureOut">
               <a:rPr lang="sv-SE" smtClean="0"/>
-              <a:t>2017-03-25</a:t>
+              <a:t>2017-03-29</a:t>
             </a:fld>
             <a:endParaRPr lang="sv-SE"/>
           </a:p>
@@ -6737,6 +6739,994 @@
 </file>
 
 <file path=ppt/slides/slide10.xml><?xml version="1.0" encoding="utf-8"?>
+<p:sld xmlns:a="http://schemas.openxmlformats.org/drawingml/2006/main" xmlns:r="http://schemas.openxmlformats.org/officeDocument/2006/relationships" xmlns:p="http://schemas.openxmlformats.org/presentationml/2006/main">
+  <p:cSld>
+    <p:bg>
+      <p:bgPr>
+        <a:solidFill>
+          <a:srgbClr val="1F4E79"/>
+        </a:solidFill>
+        <a:effectLst/>
+      </p:bgPr>
+    </p:bg>
+    <p:spTree>
+      <p:nvGrpSpPr>
+        <p:cNvPr id="1" name=""/>
+        <p:cNvGrpSpPr/>
+        <p:nvPr/>
+      </p:nvGrpSpPr>
+      <p:grpSpPr>
+        <a:xfrm>
+          <a:off x="0" y="0"/>
+          <a:ext cx="0" cy="0"/>
+          <a:chOff x="0" y="0"/>
+          <a:chExt cx="0" cy="0"/>
+        </a:xfrm>
+      </p:grpSpPr>
+      <p:sp>
+        <p:nvSpPr>
+          <p:cNvPr id="29" name="Kaffemaskin"/>
+          <p:cNvSpPr/>
+          <p:nvPr/>
+        </p:nvSpPr>
+        <p:spPr>
+          <a:xfrm>
+            <a:off x="6955299" y="4069691"/>
+            <a:ext cx="1512000" cy="1404000"/>
+          </a:xfrm>
+          <a:prstGeom prst="roundRect">
+            <a:avLst/>
+          </a:prstGeom>
+          <a:solidFill>
+            <a:srgbClr val="637B9B"/>
+          </a:solidFill>
+          <a:ln w="190500">
+            <a:solidFill>
+              <a:srgbClr val="637B9B">
+                <a:alpha val="46000"/>
+              </a:srgbClr>
+            </a:solidFill>
+          </a:ln>
+          <a:effectLst/>
+        </p:spPr>
+        <p:style>
+          <a:lnRef idx="0">
+            <a:schemeClr val="accent5"/>
+          </a:lnRef>
+          <a:fillRef idx="3">
+            <a:schemeClr val="accent5"/>
+          </a:fillRef>
+          <a:effectRef idx="3">
+            <a:schemeClr val="accent5"/>
+          </a:effectRef>
+          <a:fontRef idx="minor">
+            <a:schemeClr val="lt1"/>
+          </a:fontRef>
+        </p:style>
+        <p:txBody>
+          <a:bodyPr rtlCol="0" anchor="ctr"/>
+          <a:lstStyle/>
+          <a:p>
+            <a:pPr algn="ctr"/>
+            <a:r>
+              <a:rPr lang="sv-SE" sz="1400" b="1" dirty="0" smtClean="0"/>
+              <a:t>Component</a:t>
+            </a:r>
+            <a:endParaRPr lang="sv-SE" sz="1400" b="1" dirty="0"/>
+          </a:p>
+        </p:txBody>
+      </p:sp>
+      <p:sp>
+        <p:nvSpPr>
+          <p:cNvPr id="31" name="Jag"/>
+          <p:cNvSpPr/>
+          <p:nvPr/>
+        </p:nvSpPr>
+        <p:spPr>
+          <a:xfrm>
+            <a:off x="2864449" y="4069691"/>
+            <a:ext cx="1512000" cy="1404000"/>
+          </a:xfrm>
+          <a:prstGeom prst="roundRect">
+            <a:avLst/>
+          </a:prstGeom>
+          <a:solidFill>
+            <a:srgbClr val="43BFF7"/>
+          </a:solidFill>
+          <a:ln w="190500">
+            <a:solidFill>
+              <a:srgbClr val="43BFF7">
+                <a:alpha val="48000"/>
+              </a:srgbClr>
+            </a:solidFill>
+          </a:ln>
+        </p:spPr>
+        <p:style>
+          <a:lnRef idx="2">
+            <a:schemeClr val="accent1">
+              <a:shade val="50000"/>
+            </a:schemeClr>
+          </a:lnRef>
+          <a:fillRef idx="1">
+            <a:schemeClr val="accent1"/>
+          </a:fillRef>
+          <a:effectRef idx="0">
+            <a:schemeClr val="accent1"/>
+          </a:effectRef>
+          <a:fontRef idx="minor">
+            <a:schemeClr val="lt1"/>
+          </a:fontRef>
+        </p:style>
+        <p:txBody>
+          <a:bodyPr rtlCol="0" anchor="ctr"/>
+          <a:lstStyle/>
+          <a:p>
+            <a:pPr algn="ctr"/>
+            <a:r>
+              <a:rPr lang="sv-SE" sz="1400" b="1" dirty="0" err="1" smtClean="0"/>
+              <a:t>Consumer</a:t>
+            </a:r>
+            <a:r>
+              <a:rPr lang="sv-SE" sz="1400" b="1" dirty="0" smtClean="0"/>
+              <a:t> 2</a:t>
+            </a:r>
+            <a:endParaRPr lang="sv-SE" sz="1400" b="1" dirty="0"/>
+          </a:p>
+        </p:txBody>
+      </p:sp>
+      <p:grpSp>
+        <p:nvGrpSpPr>
+          <p:cNvPr id="6" name="Group 5"/>
+          <p:cNvGrpSpPr/>
+          <p:nvPr/>
+        </p:nvGrpSpPr>
+        <p:grpSpPr>
+          <a:xfrm>
+            <a:off x="4576209" y="4284276"/>
+            <a:ext cx="2197809" cy="1232605"/>
+            <a:chOff x="4576209" y="4284276"/>
+            <a:chExt cx="2197809" cy="1232605"/>
+          </a:xfrm>
+        </p:grpSpPr>
+        <p:cxnSp>
+          <p:nvCxnSpPr>
+            <p:cNvPr id="33" name="Straight Arrow Connector 32"/>
+            <p:cNvCxnSpPr/>
+            <p:nvPr/>
+          </p:nvCxnSpPr>
+          <p:spPr>
+            <a:xfrm>
+              <a:off x="4605392" y="4284276"/>
+              <a:ext cx="2168626" cy="11820"/>
+            </a:xfrm>
+            <a:prstGeom prst="straightConnector1">
+              <a:avLst/>
+            </a:prstGeom>
+            <a:ln w="53975">
+              <a:solidFill>
+                <a:srgbClr val="47B97D"/>
+              </a:solidFill>
+              <a:tailEnd type="triangle"/>
+            </a:ln>
+          </p:spPr>
+          <p:style>
+            <a:lnRef idx="1">
+              <a:schemeClr val="accent1"/>
+            </a:lnRef>
+            <a:fillRef idx="0">
+              <a:schemeClr val="accent1"/>
+            </a:fillRef>
+            <a:effectRef idx="0">
+              <a:schemeClr val="accent1"/>
+            </a:effectRef>
+            <a:fontRef idx="minor">
+              <a:schemeClr val="tx1"/>
+            </a:fontRef>
+          </p:style>
+        </p:cxnSp>
+        <p:cxnSp>
+          <p:nvCxnSpPr>
+            <p:cNvPr id="43" name="Straight Arrow Connector 42"/>
+            <p:cNvCxnSpPr/>
+            <p:nvPr/>
+          </p:nvCxnSpPr>
+          <p:spPr>
+            <a:xfrm>
+              <a:off x="4576209" y="5214966"/>
+              <a:ext cx="2168626" cy="17482"/>
+            </a:xfrm>
+            <a:prstGeom prst="straightConnector1">
+              <a:avLst/>
+            </a:prstGeom>
+            <a:ln w="53975">
+              <a:solidFill>
+                <a:srgbClr val="DB5151"/>
+              </a:solidFill>
+              <a:headEnd type="triangle"/>
+              <a:tailEnd type="none"/>
+            </a:ln>
+          </p:spPr>
+          <p:style>
+            <a:lnRef idx="1">
+              <a:schemeClr val="accent1"/>
+            </a:lnRef>
+            <a:fillRef idx="0">
+              <a:schemeClr val="accent1"/>
+            </a:fillRef>
+            <a:effectRef idx="0">
+              <a:schemeClr val="accent1"/>
+            </a:effectRef>
+            <a:fontRef idx="minor">
+              <a:schemeClr val="tx1"/>
+            </a:fontRef>
+          </p:style>
+        </p:cxnSp>
+        <p:grpSp>
+          <p:nvGrpSpPr>
+            <p:cNvPr id="45" name="Error"/>
+            <p:cNvGrpSpPr/>
+            <p:nvPr/>
+          </p:nvGrpSpPr>
+          <p:grpSpPr>
+            <a:xfrm>
+              <a:off x="5383271" y="4948015"/>
+              <a:ext cx="562367" cy="568866"/>
+              <a:chOff x="4665409" y="4631482"/>
+              <a:chExt cx="1610726" cy="1629341"/>
+            </a:xfrm>
+          </p:grpSpPr>
+          <p:grpSp>
+            <p:nvGrpSpPr>
+              <p:cNvPr id="46" name="Group 45"/>
+              <p:cNvGrpSpPr/>
+              <p:nvPr/>
+            </p:nvGrpSpPr>
+            <p:grpSpPr>
+              <a:xfrm>
+                <a:off x="4665409" y="4631482"/>
+                <a:ext cx="1610726" cy="1629341"/>
+                <a:chOff x="1627954" y="4762555"/>
+                <a:chExt cx="1610726" cy="1629341"/>
+              </a:xfrm>
+            </p:grpSpPr>
+            <p:sp>
+              <p:nvSpPr>
+                <p:cNvPr id="48" name="Oval 47"/>
+                <p:cNvSpPr/>
+                <p:nvPr/>
+              </p:nvSpPr>
+              <p:spPr>
+                <a:xfrm>
+                  <a:off x="1627954" y="4762555"/>
+                  <a:ext cx="1610726" cy="1627411"/>
+                </a:xfrm>
+                <a:prstGeom prst="ellipse">
+                  <a:avLst/>
+                </a:prstGeom>
+                <a:solidFill>
+                  <a:srgbClr val="B04242"/>
+                </a:solidFill>
+                <a:ln w="234950">
+                  <a:solidFill>
+                    <a:srgbClr val="B04242">
+                      <a:alpha val="54000"/>
+                    </a:srgbClr>
+                  </a:solidFill>
+                </a:ln>
+                <a:effectLst/>
+              </p:spPr>
+              <p:style>
+                <a:lnRef idx="2">
+                  <a:schemeClr val="accent1">
+                    <a:shade val="50000"/>
+                  </a:schemeClr>
+                </a:lnRef>
+                <a:fillRef idx="1">
+                  <a:schemeClr val="accent1"/>
+                </a:fillRef>
+                <a:effectRef idx="0">
+                  <a:schemeClr val="accent1"/>
+                </a:effectRef>
+                <a:fontRef idx="minor">
+                  <a:schemeClr val="lt1"/>
+                </a:fontRef>
+              </p:style>
+              <p:txBody>
+                <a:bodyPr rtlCol="0" anchor="ctr"/>
+                <a:lstStyle/>
+                <a:p>
+                  <a:pPr algn="ctr"/>
+                  <a:endParaRPr lang="sv-SE" sz="1400" dirty="0"/>
+                </a:p>
+              </p:txBody>
+            </p:sp>
+            <p:sp>
+              <p:nvSpPr>
+                <p:cNvPr id="49" name="Oval 48"/>
+                <p:cNvSpPr/>
+                <p:nvPr/>
+              </p:nvSpPr>
+              <p:spPr>
+                <a:xfrm>
+                  <a:off x="1627954" y="4764485"/>
+                  <a:ext cx="1610726" cy="1627411"/>
+                </a:xfrm>
+                <a:prstGeom prst="ellipse">
+                  <a:avLst/>
+                </a:prstGeom>
+                <a:noFill/>
+                <a:ln w="454025">
+                  <a:solidFill>
+                    <a:srgbClr val="B04242">
+                      <a:alpha val="31000"/>
+                    </a:srgbClr>
+                  </a:solidFill>
+                </a:ln>
+                <a:effectLst/>
+              </p:spPr>
+              <p:style>
+                <a:lnRef idx="2">
+                  <a:schemeClr val="accent1">
+                    <a:shade val="50000"/>
+                  </a:schemeClr>
+                </a:lnRef>
+                <a:fillRef idx="1">
+                  <a:schemeClr val="accent1"/>
+                </a:fillRef>
+                <a:effectRef idx="0">
+                  <a:schemeClr val="accent1"/>
+                </a:effectRef>
+                <a:fontRef idx="minor">
+                  <a:schemeClr val="lt1"/>
+                </a:fontRef>
+              </p:style>
+              <p:txBody>
+                <a:bodyPr rtlCol="0" anchor="ctr"/>
+                <a:lstStyle/>
+                <a:p>
+                  <a:pPr algn="ctr"/>
+                  <a:endParaRPr lang="sv-SE" sz="1400" dirty="0"/>
+                </a:p>
+              </p:txBody>
+            </p:sp>
+          </p:grpSp>
+          <p:sp>
+            <p:nvSpPr>
+              <p:cNvPr id="47" name="Cross 46"/>
+              <p:cNvSpPr/>
+              <p:nvPr/>
+            </p:nvSpPr>
+            <p:spPr>
+              <a:xfrm rot="18807735">
+                <a:off x="5193767" y="5142974"/>
+                <a:ext cx="554010" cy="527433"/>
+              </a:xfrm>
+              <a:prstGeom prst="plus">
+                <a:avLst>
+                  <a:gd name="adj" fmla="val 37886"/>
+                </a:avLst>
+              </a:prstGeom>
+              <a:solidFill>
+                <a:srgbClr val="922E2E"/>
+              </a:solidFill>
+              <a:ln w="25400">
+                <a:solidFill>
+                  <a:schemeClr val="tx1"/>
+                </a:solidFill>
+              </a:ln>
+              <a:effectLst/>
+            </p:spPr>
+            <p:style>
+              <a:lnRef idx="0">
+                <a:schemeClr val="accent2"/>
+              </a:lnRef>
+              <a:fillRef idx="3">
+                <a:schemeClr val="accent2"/>
+              </a:fillRef>
+              <a:effectRef idx="3">
+                <a:schemeClr val="accent2"/>
+              </a:effectRef>
+              <a:fontRef idx="minor">
+                <a:schemeClr val="lt1"/>
+              </a:fontRef>
+            </p:style>
+            <p:txBody>
+              <a:bodyPr rtlCol="0" anchor="ctr"/>
+              <a:lstStyle/>
+              <a:p>
+                <a:pPr algn="ctr"/>
+                <a:endParaRPr lang="sv-SE" sz="1400"/>
+              </a:p>
+            </p:txBody>
+          </p:sp>
+        </p:grpSp>
+      </p:grpSp>
+      <p:sp>
+        <p:nvSpPr>
+          <p:cNvPr id="30" name="Servicetekniker"/>
+          <p:cNvSpPr/>
+          <p:nvPr/>
+        </p:nvSpPr>
+        <p:spPr>
+          <a:xfrm>
+            <a:off x="6955299" y="854396"/>
+            <a:ext cx="1512000" cy="1404000"/>
+          </a:xfrm>
+          <a:prstGeom prst="roundRect">
+            <a:avLst/>
+          </a:prstGeom>
+          <a:solidFill>
+            <a:srgbClr val="43BFF7"/>
+          </a:solidFill>
+          <a:ln w="190500">
+            <a:solidFill>
+              <a:srgbClr val="43BFF7">
+                <a:alpha val="48000"/>
+              </a:srgbClr>
+            </a:solidFill>
+          </a:ln>
+        </p:spPr>
+        <p:style>
+          <a:lnRef idx="2">
+            <a:schemeClr val="accent1">
+              <a:shade val="50000"/>
+            </a:schemeClr>
+          </a:lnRef>
+          <a:fillRef idx="1">
+            <a:schemeClr val="accent1"/>
+          </a:fillRef>
+          <a:effectRef idx="0">
+            <a:schemeClr val="accent1"/>
+          </a:effectRef>
+          <a:fontRef idx="minor">
+            <a:schemeClr val="lt1"/>
+          </a:fontRef>
+        </p:style>
+        <p:txBody>
+          <a:bodyPr rtlCol="0" anchor="ctr"/>
+          <a:lstStyle/>
+          <a:p>
+            <a:pPr algn="ctr"/>
+            <a:r>
+              <a:rPr lang="sv-SE" sz="1400" b="1" dirty="0" err="1" smtClean="0"/>
+              <a:t>Consumer</a:t>
+            </a:r>
+            <a:r>
+              <a:rPr lang="sv-SE" sz="1400" b="1" dirty="0" smtClean="0"/>
+              <a:t> 1</a:t>
+            </a:r>
+            <a:endParaRPr lang="sv-SE" sz="1400" b="1" dirty="0"/>
+          </a:p>
+        </p:txBody>
+      </p:sp>
+      <p:grpSp>
+        <p:nvGrpSpPr>
+          <p:cNvPr id="5" name="Group 4"/>
+          <p:cNvGrpSpPr/>
+          <p:nvPr/>
+        </p:nvGrpSpPr>
+        <p:grpSpPr>
+          <a:xfrm>
+            <a:off x="7197920" y="2449574"/>
+            <a:ext cx="1309105" cy="1428939"/>
+            <a:chOff x="7197920" y="2449574"/>
+            <a:chExt cx="1309105" cy="1428939"/>
+          </a:xfrm>
+        </p:grpSpPr>
+        <p:cxnSp>
+          <p:nvCxnSpPr>
+            <p:cNvPr id="36" name="Straight Arrow Connector 35"/>
+            <p:cNvCxnSpPr/>
+            <p:nvPr/>
+          </p:nvCxnSpPr>
+          <p:spPr>
+            <a:xfrm>
+              <a:off x="8225842" y="2449574"/>
+              <a:ext cx="0" cy="1428939"/>
+            </a:xfrm>
+            <a:prstGeom prst="straightConnector1">
+              <a:avLst/>
+            </a:prstGeom>
+            <a:ln w="53975">
+              <a:solidFill>
+                <a:srgbClr val="DB5151"/>
+              </a:solidFill>
+              <a:headEnd type="triangle"/>
+              <a:tailEnd type="none"/>
+            </a:ln>
+          </p:spPr>
+          <p:style>
+            <a:lnRef idx="1">
+              <a:schemeClr val="accent1"/>
+            </a:lnRef>
+            <a:fillRef idx="0">
+              <a:schemeClr val="accent1"/>
+            </a:fillRef>
+            <a:effectRef idx="0">
+              <a:schemeClr val="accent1"/>
+            </a:effectRef>
+            <a:fontRef idx="minor">
+              <a:schemeClr val="tx1"/>
+            </a:fontRef>
+          </p:style>
+        </p:cxnSp>
+        <p:cxnSp>
+          <p:nvCxnSpPr>
+            <p:cNvPr id="40" name="Straight Arrow Connector 39"/>
+            <p:cNvCxnSpPr/>
+            <p:nvPr/>
+          </p:nvCxnSpPr>
+          <p:spPr>
+            <a:xfrm>
+              <a:off x="7197920" y="2449574"/>
+              <a:ext cx="0" cy="1428939"/>
+            </a:xfrm>
+            <a:prstGeom prst="straightConnector1">
+              <a:avLst/>
+            </a:prstGeom>
+            <a:ln w="53975">
+              <a:solidFill>
+                <a:srgbClr val="47B97D"/>
+              </a:solidFill>
+              <a:headEnd type="none"/>
+              <a:tailEnd type="triangle"/>
+            </a:ln>
+          </p:spPr>
+          <p:style>
+            <a:lnRef idx="1">
+              <a:schemeClr val="accent1"/>
+            </a:lnRef>
+            <a:fillRef idx="0">
+              <a:schemeClr val="accent1"/>
+            </a:fillRef>
+            <a:effectRef idx="0">
+              <a:schemeClr val="accent1"/>
+            </a:effectRef>
+            <a:fontRef idx="minor">
+              <a:schemeClr val="tx1"/>
+            </a:fontRef>
+          </p:style>
+        </p:cxnSp>
+        <p:grpSp>
+          <p:nvGrpSpPr>
+            <p:cNvPr id="50" name="Error"/>
+            <p:cNvGrpSpPr/>
+            <p:nvPr/>
+          </p:nvGrpSpPr>
+          <p:grpSpPr>
+            <a:xfrm>
+              <a:off x="7944658" y="2879610"/>
+              <a:ext cx="562367" cy="568866"/>
+              <a:chOff x="4665409" y="4631482"/>
+              <a:chExt cx="1610726" cy="1629341"/>
+            </a:xfrm>
+          </p:grpSpPr>
+          <p:grpSp>
+            <p:nvGrpSpPr>
+              <p:cNvPr id="51" name="Group 50"/>
+              <p:cNvGrpSpPr/>
+              <p:nvPr/>
+            </p:nvGrpSpPr>
+            <p:grpSpPr>
+              <a:xfrm>
+                <a:off x="4665409" y="4631482"/>
+                <a:ext cx="1610726" cy="1629341"/>
+                <a:chOff x="1627954" y="4762555"/>
+                <a:chExt cx="1610726" cy="1629341"/>
+              </a:xfrm>
+            </p:grpSpPr>
+            <p:sp>
+              <p:nvSpPr>
+                <p:cNvPr id="53" name="Oval 52"/>
+                <p:cNvSpPr/>
+                <p:nvPr/>
+              </p:nvSpPr>
+              <p:spPr>
+                <a:xfrm>
+                  <a:off x="1627954" y="4762555"/>
+                  <a:ext cx="1610726" cy="1627411"/>
+                </a:xfrm>
+                <a:prstGeom prst="ellipse">
+                  <a:avLst/>
+                </a:prstGeom>
+                <a:solidFill>
+                  <a:srgbClr val="B04242"/>
+                </a:solidFill>
+                <a:ln w="234950">
+                  <a:solidFill>
+                    <a:srgbClr val="B04242">
+                      <a:alpha val="54000"/>
+                    </a:srgbClr>
+                  </a:solidFill>
+                </a:ln>
+                <a:effectLst/>
+              </p:spPr>
+              <p:style>
+                <a:lnRef idx="2">
+                  <a:schemeClr val="accent1">
+                    <a:shade val="50000"/>
+                  </a:schemeClr>
+                </a:lnRef>
+                <a:fillRef idx="1">
+                  <a:schemeClr val="accent1"/>
+                </a:fillRef>
+                <a:effectRef idx="0">
+                  <a:schemeClr val="accent1"/>
+                </a:effectRef>
+                <a:fontRef idx="minor">
+                  <a:schemeClr val="lt1"/>
+                </a:fontRef>
+              </p:style>
+              <p:txBody>
+                <a:bodyPr rtlCol="0" anchor="ctr"/>
+                <a:lstStyle/>
+                <a:p>
+                  <a:pPr algn="ctr"/>
+                  <a:endParaRPr lang="sv-SE" sz="1400" dirty="0"/>
+                </a:p>
+              </p:txBody>
+            </p:sp>
+            <p:sp>
+              <p:nvSpPr>
+                <p:cNvPr id="54" name="Oval 53"/>
+                <p:cNvSpPr/>
+                <p:nvPr/>
+              </p:nvSpPr>
+              <p:spPr>
+                <a:xfrm>
+                  <a:off x="1627954" y="4764485"/>
+                  <a:ext cx="1610726" cy="1627411"/>
+                </a:xfrm>
+                <a:prstGeom prst="ellipse">
+                  <a:avLst/>
+                </a:prstGeom>
+                <a:noFill/>
+                <a:ln w="454025">
+                  <a:solidFill>
+                    <a:srgbClr val="B04242">
+                      <a:alpha val="31000"/>
+                    </a:srgbClr>
+                  </a:solidFill>
+                </a:ln>
+                <a:effectLst/>
+              </p:spPr>
+              <p:style>
+                <a:lnRef idx="2">
+                  <a:schemeClr val="accent1">
+                    <a:shade val="50000"/>
+                  </a:schemeClr>
+                </a:lnRef>
+                <a:fillRef idx="1">
+                  <a:schemeClr val="accent1"/>
+                </a:fillRef>
+                <a:effectRef idx="0">
+                  <a:schemeClr val="accent1"/>
+                </a:effectRef>
+                <a:fontRef idx="minor">
+                  <a:schemeClr val="lt1"/>
+                </a:fontRef>
+              </p:style>
+              <p:txBody>
+                <a:bodyPr rtlCol="0" anchor="ctr"/>
+                <a:lstStyle/>
+                <a:p>
+                  <a:pPr algn="ctr"/>
+                  <a:endParaRPr lang="sv-SE" sz="1400" dirty="0"/>
+                </a:p>
+              </p:txBody>
+            </p:sp>
+          </p:grpSp>
+          <p:sp>
+            <p:nvSpPr>
+              <p:cNvPr id="52" name="Cross 51"/>
+              <p:cNvSpPr/>
+              <p:nvPr/>
+            </p:nvSpPr>
+            <p:spPr>
+              <a:xfrm rot="18807735">
+                <a:off x="5193767" y="5142974"/>
+                <a:ext cx="554010" cy="527433"/>
+              </a:xfrm>
+              <a:prstGeom prst="plus">
+                <a:avLst>
+                  <a:gd name="adj" fmla="val 37886"/>
+                </a:avLst>
+              </a:prstGeom>
+              <a:solidFill>
+                <a:srgbClr val="922E2E"/>
+              </a:solidFill>
+              <a:ln w="25400">
+                <a:solidFill>
+                  <a:schemeClr val="tx1"/>
+                </a:solidFill>
+              </a:ln>
+              <a:effectLst/>
+            </p:spPr>
+            <p:style>
+              <a:lnRef idx="0">
+                <a:schemeClr val="accent2"/>
+              </a:lnRef>
+              <a:fillRef idx="3">
+                <a:schemeClr val="accent2"/>
+              </a:fillRef>
+              <a:effectRef idx="3">
+                <a:schemeClr val="accent2"/>
+              </a:effectRef>
+              <a:fontRef idx="minor">
+                <a:schemeClr val="lt1"/>
+              </a:fontRef>
+            </p:style>
+            <p:txBody>
+              <a:bodyPr rtlCol="0" anchor="ctr"/>
+              <a:lstStyle/>
+              <a:p>
+                <a:pPr algn="ctr"/>
+                <a:endParaRPr lang="sv-SE" sz="1400"/>
+              </a:p>
+            </p:txBody>
+          </p:sp>
+        </p:grpSp>
+      </p:grpSp>
+    </p:spTree>
+    <p:extLst>
+      <p:ext uri="{BB962C8B-B14F-4D97-AF65-F5344CB8AC3E}">
+        <p14:creationId xmlns:p14="http://schemas.microsoft.com/office/powerpoint/2010/main" val="733113702"/>
+      </p:ext>
+    </p:extLst>
+  </p:cSld>
+  <p:clrMapOvr>
+    <a:masterClrMapping/>
+  </p:clrMapOvr>
+  <p:timing>
+    <p:tnLst>
+      <p:par>
+        <p:cTn id="1" dur="indefinite" restart="never" nodeType="tmRoot">
+          <p:childTnLst>
+            <p:seq concurrent="1" nextAc="seek">
+              <p:cTn id="2" dur="indefinite" nodeType="mainSeq">
+                <p:childTnLst>
+                  <p:par>
+                    <p:cTn id="3" fill="hold">
+                      <p:stCondLst>
+                        <p:cond delay="indefinite"/>
+                      </p:stCondLst>
+                      <p:childTnLst>
+                        <p:par>
+                          <p:cTn id="4" fill="hold">
+                            <p:stCondLst>
+                              <p:cond delay="0"/>
+                            </p:stCondLst>
+                            <p:childTnLst>
+                              <p:par>
+                                <p:cTn id="5" presetID="10" presetClass="entr" presetSubtype="0" fill="hold" grpId="0" nodeType="clickEffect">
+                                  <p:stCondLst>
+                                    <p:cond delay="0"/>
+                                  </p:stCondLst>
+                                  <p:childTnLst>
+                                    <p:set>
+                                      <p:cBhvr>
+                                        <p:cTn id="6" dur="1" fill="hold">
+                                          <p:stCondLst>
+                                            <p:cond delay="0"/>
+                                          </p:stCondLst>
+                                        </p:cTn>
+                                        <p:tgtEl>
+                                          <p:spTgt spid="30"/>
+                                        </p:tgtEl>
+                                        <p:attrNameLst>
+                                          <p:attrName>style.visibility</p:attrName>
+                                        </p:attrNameLst>
+                                      </p:cBhvr>
+                                      <p:to>
+                                        <p:strVal val="visible"/>
+                                      </p:to>
+                                    </p:set>
+                                    <p:animEffect transition="in" filter="fade">
+                                      <p:cBhvr>
+                                        <p:cTn id="7" dur="500"/>
+                                        <p:tgtEl>
+                                          <p:spTgt spid="30"/>
+                                        </p:tgtEl>
+                                      </p:cBhvr>
+                                    </p:animEffect>
+                                  </p:childTnLst>
+                                </p:cTn>
+                              </p:par>
+                            </p:childTnLst>
+                          </p:cTn>
+                        </p:par>
+                      </p:childTnLst>
+                    </p:cTn>
+                  </p:par>
+                  <p:par>
+                    <p:cTn id="8" fill="hold">
+                      <p:stCondLst>
+                        <p:cond delay="indefinite"/>
+                      </p:stCondLst>
+                      <p:childTnLst>
+                        <p:par>
+                          <p:cTn id="9" fill="hold">
+                            <p:stCondLst>
+                              <p:cond delay="0"/>
+                            </p:stCondLst>
+                            <p:childTnLst>
+                              <p:par>
+                                <p:cTn id="10" presetID="10" presetClass="entr" presetSubtype="0" fill="hold" nodeType="clickEffect">
+                                  <p:stCondLst>
+                                    <p:cond delay="0"/>
+                                  </p:stCondLst>
+                                  <p:childTnLst>
+                                    <p:set>
+                                      <p:cBhvr>
+                                        <p:cTn id="11" dur="1" fill="hold">
+                                          <p:stCondLst>
+                                            <p:cond delay="0"/>
+                                          </p:stCondLst>
+                                        </p:cTn>
+                                        <p:tgtEl>
+                                          <p:spTgt spid="5"/>
+                                        </p:tgtEl>
+                                        <p:attrNameLst>
+                                          <p:attrName>style.visibility</p:attrName>
+                                        </p:attrNameLst>
+                                      </p:cBhvr>
+                                      <p:to>
+                                        <p:strVal val="visible"/>
+                                      </p:to>
+                                    </p:set>
+                                    <p:animEffect transition="in" filter="fade">
+                                      <p:cBhvr>
+                                        <p:cTn id="12" dur="500"/>
+                                        <p:tgtEl>
+                                          <p:spTgt spid="5"/>
+                                        </p:tgtEl>
+                                      </p:cBhvr>
+                                    </p:animEffect>
+                                  </p:childTnLst>
+                                </p:cTn>
+                              </p:par>
+                            </p:childTnLst>
+                          </p:cTn>
+                        </p:par>
+                      </p:childTnLst>
+                    </p:cTn>
+                  </p:par>
+                  <p:par>
+                    <p:cTn id="13" fill="hold">
+                      <p:stCondLst>
+                        <p:cond delay="indefinite"/>
+                      </p:stCondLst>
+                      <p:childTnLst>
+                        <p:par>
+                          <p:cTn id="14" fill="hold">
+                            <p:stCondLst>
+                              <p:cond delay="0"/>
+                            </p:stCondLst>
+                            <p:childTnLst>
+                              <p:par>
+                                <p:cTn id="15" presetID="10" presetClass="entr" presetSubtype="0" fill="hold" grpId="0" nodeType="clickEffect">
+                                  <p:stCondLst>
+                                    <p:cond delay="0"/>
+                                  </p:stCondLst>
+                                  <p:childTnLst>
+                                    <p:set>
+                                      <p:cBhvr>
+                                        <p:cTn id="16" dur="1" fill="hold">
+                                          <p:stCondLst>
+                                            <p:cond delay="0"/>
+                                          </p:stCondLst>
+                                        </p:cTn>
+                                        <p:tgtEl>
+                                          <p:spTgt spid="31"/>
+                                        </p:tgtEl>
+                                        <p:attrNameLst>
+                                          <p:attrName>style.visibility</p:attrName>
+                                        </p:attrNameLst>
+                                      </p:cBhvr>
+                                      <p:to>
+                                        <p:strVal val="visible"/>
+                                      </p:to>
+                                    </p:set>
+                                    <p:animEffect transition="in" filter="fade">
+                                      <p:cBhvr>
+                                        <p:cTn id="17" dur="500"/>
+                                        <p:tgtEl>
+                                          <p:spTgt spid="31"/>
+                                        </p:tgtEl>
+                                      </p:cBhvr>
+                                    </p:animEffect>
+                                  </p:childTnLst>
+                                </p:cTn>
+                              </p:par>
+                            </p:childTnLst>
+                          </p:cTn>
+                        </p:par>
+                      </p:childTnLst>
+                    </p:cTn>
+                  </p:par>
+                  <p:par>
+                    <p:cTn id="18" fill="hold">
+                      <p:stCondLst>
+                        <p:cond delay="indefinite"/>
+                      </p:stCondLst>
+                      <p:childTnLst>
+                        <p:par>
+                          <p:cTn id="19" fill="hold">
+                            <p:stCondLst>
+                              <p:cond delay="0"/>
+                            </p:stCondLst>
+                            <p:childTnLst>
+                              <p:par>
+                                <p:cTn id="20" presetID="10" presetClass="entr" presetSubtype="0" fill="hold" nodeType="clickEffect">
+                                  <p:stCondLst>
+                                    <p:cond delay="0"/>
+                                  </p:stCondLst>
+                                  <p:childTnLst>
+                                    <p:set>
+                                      <p:cBhvr>
+                                        <p:cTn id="21" dur="1" fill="hold">
+                                          <p:stCondLst>
+                                            <p:cond delay="0"/>
+                                          </p:stCondLst>
+                                        </p:cTn>
+                                        <p:tgtEl>
+                                          <p:spTgt spid="6"/>
+                                        </p:tgtEl>
+                                        <p:attrNameLst>
+                                          <p:attrName>style.visibility</p:attrName>
+                                        </p:attrNameLst>
+                                      </p:cBhvr>
+                                      <p:to>
+                                        <p:strVal val="visible"/>
+                                      </p:to>
+                                    </p:set>
+                                    <p:animEffect transition="in" filter="fade">
+                                      <p:cBhvr>
+                                        <p:cTn id="22" dur="500"/>
+                                        <p:tgtEl>
+                                          <p:spTgt spid="6"/>
+                                        </p:tgtEl>
+                                      </p:cBhvr>
+                                    </p:animEffect>
+                                  </p:childTnLst>
+                                </p:cTn>
+                              </p:par>
+                            </p:childTnLst>
+                          </p:cTn>
+                        </p:par>
+                      </p:childTnLst>
+                    </p:cTn>
+                  </p:par>
+                </p:childTnLst>
+              </p:cTn>
+              <p:prevCondLst>
+                <p:cond evt="onPrev" delay="0">
+                  <p:tgtEl>
+                    <p:sldTgt/>
+                  </p:tgtEl>
+                </p:cond>
+              </p:prevCondLst>
+              <p:nextCondLst>
+                <p:cond evt="onNext" delay="0">
+                  <p:tgtEl>
+                    <p:sldTgt/>
+                  </p:tgtEl>
+                </p:cond>
+              </p:nextCondLst>
+            </p:seq>
+          </p:childTnLst>
+        </p:cTn>
+      </p:par>
+    </p:tnLst>
+    <p:bldLst>
+      <p:bldP spid="31" grpId="0" animBg="1"/>
+      <p:bldP spid="30" grpId="0" animBg="1"/>
+    </p:bldLst>
+  </p:timing>
+</p:sld>
+</file>
+
+<file path=ppt/slides/slide11.xml><?xml version="1.0" encoding="utf-8"?>
 <p:sld xmlns:a="http://schemas.openxmlformats.org/drawingml/2006/main" xmlns:r="http://schemas.openxmlformats.org/officeDocument/2006/relationships" xmlns:p="http://schemas.openxmlformats.org/presentationml/2006/main">
   <p:cSld>
     <p:bg>
@@ -7477,7 +8467,7 @@
 </p:sld>
 </file>
 
-<file path=ppt/slides/slide11.xml><?xml version="1.0" encoding="utf-8"?>
+<file path=ppt/slides/slide12.xml><?xml version="1.0" encoding="utf-8"?>
 <p:sld xmlns:a="http://schemas.openxmlformats.org/drawingml/2006/main" xmlns:r="http://schemas.openxmlformats.org/officeDocument/2006/relationships" xmlns:p="http://schemas.openxmlformats.org/presentationml/2006/main">
   <p:cSld>
     <p:bg>
@@ -8983,7 +9973,7 @@
 </p:sld>
 </file>
 
-<file path=ppt/slides/slide12.xml><?xml version="1.0" encoding="utf-8"?>
+<file path=ppt/slides/slide13.xml><?xml version="1.0" encoding="utf-8"?>
 <p:sld xmlns:a="http://schemas.openxmlformats.org/drawingml/2006/main" xmlns:r="http://schemas.openxmlformats.org/officeDocument/2006/relationships" xmlns:p="http://schemas.openxmlformats.org/presentationml/2006/main">
   <p:cSld>
     <p:bg>
@@ -9560,7 +10550,7 @@
 </p:sld>
 </file>
 
-<file path=ppt/slides/slide13.xml><?xml version="1.0" encoding="utf-8"?>
+<file path=ppt/slides/slide14.xml><?xml version="1.0" encoding="utf-8"?>
 <p:sld xmlns:a="http://schemas.openxmlformats.org/drawingml/2006/main" xmlns:r="http://schemas.openxmlformats.org/officeDocument/2006/relationships" xmlns:p="http://schemas.openxmlformats.org/presentationml/2006/main">
   <p:cSld>
     <p:bg>
@@ -12269,80 +13259,6 @@
 </p:sld>
 </file>
 
-<file path=ppt/slides/slide14.xml><?xml version="1.0" encoding="utf-8"?>
-<p:sld xmlns:a="http://schemas.openxmlformats.org/drawingml/2006/main" xmlns:r="http://schemas.openxmlformats.org/officeDocument/2006/relationships" xmlns:p="http://schemas.openxmlformats.org/presentationml/2006/main">
-  <p:cSld>
-    <p:bg>
-      <p:bgPr>
-        <a:solidFill>
-          <a:srgbClr val="282828"/>
-        </a:solidFill>
-        <a:effectLst/>
-      </p:bgPr>
-    </p:bg>
-    <p:spTree>
-      <p:nvGrpSpPr>
-        <p:cNvPr id="1" name=""/>
-        <p:cNvGrpSpPr/>
-        <p:nvPr/>
-      </p:nvGrpSpPr>
-      <p:grpSpPr>
-        <a:xfrm>
-          <a:off x="0" y="0"/>
-          <a:ext cx="0" cy="0"/>
-          <a:chOff x="0" y="0"/>
-          <a:chExt cx="0" cy="0"/>
-        </a:xfrm>
-      </p:grpSpPr>
-      <p:sp>
-        <p:nvSpPr>
-          <p:cNvPr id="4" name="TextBox 3"/>
-          <p:cNvSpPr txBox="1"/>
-          <p:nvPr/>
-        </p:nvSpPr>
-        <p:spPr>
-          <a:xfrm>
-            <a:off x="4217324" y="2881745"/>
-            <a:ext cx="2033634" cy="369332"/>
-          </a:xfrm>
-          <a:prstGeom prst="rect">
-            <a:avLst/>
-          </a:prstGeom>
-          <a:noFill/>
-        </p:spPr>
-        <p:txBody>
-          <a:bodyPr wrap="none" rtlCol="0">
-            <a:spAutoFit/>
-          </a:bodyPr>
-          <a:lstStyle/>
-          <a:p>
-            <a:r>
-              <a:rPr lang="sv-SE" dirty="0" smtClean="0"/>
-              <a:t>Exponential Backoff</a:t>
-            </a:r>
-          </a:p>
-        </p:txBody>
-      </p:sp>
-    </p:spTree>
-    <p:extLst>
-      <p:ext uri="{BB962C8B-B14F-4D97-AF65-F5344CB8AC3E}">
-        <p14:creationId xmlns:p14="http://schemas.microsoft.com/office/powerpoint/2010/main" val="1517114611"/>
-      </p:ext>
-    </p:extLst>
-  </p:cSld>
-  <p:clrMapOvr>
-    <a:masterClrMapping/>
-  </p:clrMapOvr>
-  <p:timing>
-    <p:tnLst>
-      <p:par>
-        <p:cTn id="1" dur="indefinite" restart="never" nodeType="tmRoot"/>
-      </p:par>
-    </p:tnLst>
-  </p:timing>
-</p:sld>
-</file>
-
 <file path=ppt/slides/slide15.xml><?xml version="1.0" encoding="utf-8"?>
 <p:sld xmlns:a="http://schemas.openxmlformats.org/drawingml/2006/main" xmlns:r="http://schemas.openxmlformats.org/officeDocument/2006/relationships" xmlns:p="http://schemas.openxmlformats.org/presentationml/2006/main">
   <p:cSld>
@@ -12368,39 +13284,973 @@
           <a:chExt cx="0" cy="0"/>
         </a:xfrm>
       </p:grpSpPr>
+      <p:grpSp>
+        <p:nvGrpSpPr>
+          <p:cNvPr id="15" name="Group 14"/>
+          <p:cNvGrpSpPr/>
+          <p:nvPr/>
+        </p:nvGrpSpPr>
+        <p:grpSpPr>
+          <a:xfrm>
+            <a:off x="4183910" y="1921566"/>
+            <a:ext cx="3379298" cy="2729948"/>
+            <a:chOff x="4183910" y="1921566"/>
+            <a:chExt cx="3379298" cy="2729948"/>
+          </a:xfrm>
+        </p:grpSpPr>
+        <p:sp>
+          <p:nvSpPr>
+            <p:cNvPr id="2" name="Rectangle 1"/>
+            <p:cNvSpPr/>
+            <p:nvPr/>
+          </p:nvSpPr>
+          <p:spPr>
+            <a:xfrm>
+              <a:off x="4892899" y="4310270"/>
+              <a:ext cx="543339" cy="341243"/>
+            </a:xfrm>
+            <a:prstGeom prst="rect">
+              <a:avLst/>
+            </a:prstGeom>
+            <a:solidFill>
+              <a:srgbClr val="00B0F0"/>
+            </a:solidFill>
+            <a:ln>
+              <a:noFill/>
+            </a:ln>
+          </p:spPr>
+          <p:style>
+            <a:lnRef idx="2">
+              <a:schemeClr val="accent1">
+                <a:shade val="50000"/>
+              </a:schemeClr>
+            </a:lnRef>
+            <a:fillRef idx="1">
+              <a:schemeClr val="accent1"/>
+            </a:fillRef>
+            <a:effectRef idx="0">
+              <a:schemeClr val="accent1"/>
+            </a:effectRef>
+            <a:fontRef idx="minor">
+              <a:schemeClr val="lt1"/>
+            </a:fontRef>
+          </p:style>
+          <p:txBody>
+            <a:bodyPr rtlCol="0" anchor="ctr"/>
+            <a:lstStyle/>
+            <a:p>
+              <a:pPr algn="ctr"/>
+              <a:endParaRPr lang="sv-SE"/>
+            </a:p>
+          </p:txBody>
+        </p:sp>
+        <p:sp>
+          <p:nvSpPr>
+            <p:cNvPr id="7" name="Freeform 6"/>
+            <p:cNvSpPr/>
+            <p:nvPr/>
+          </p:nvSpPr>
+          <p:spPr>
+            <a:xfrm>
+              <a:off x="5601888" y="3969026"/>
+              <a:ext cx="543340" cy="682487"/>
+            </a:xfrm>
+            <a:custGeom>
+              <a:avLst/>
+              <a:gdLst>
+                <a:gd name="connsiteX0" fmla="*/ 0 w 543340"/>
+                <a:gd name="connsiteY0" fmla="*/ 0 h 927652"/>
+                <a:gd name="connsiteX1" fmla="*/ 543339 w 543340"/>
+                <a:gd name="connsiteY1" fmla="*/ 0 h 927652"/>
+                <a:gd name="connsiteX2" fmla="*/ 543339 w 543340"/>
+                <a:gd name="connsiteY2" fmla="*/ 463826 h 927652"/>
+                <a:gd name="connsiteX3" fmla="*/ 543340 w 543340"/>
+                <a:gd name="connsiteY3" fmla="*/ 463826 h 927652"/>
+                <a:gd name="connsiteX4" fmla="*/ 543340 w 543340"/>
+                <a:gd name="connsiteY4" fmla="*/ 927652 h 927652"/>
+                <a:gd name="connsiteX5" fmla="*/ 1 w 543340"/>
+                <a:gd name="connsiteY5" fmla="*/ 927652 h 927652"/>
+                <a:gd name="connsiteX6" fmla="*/ 1 w 543340"/>
+                <a:gd name="connsiteY6" fmla="*/ 463826 h 927652"/>
+                <a:gd name="connsiteX7" fmla="*/ 0 w 543340"/>
+                <a:gd name="connsiteY7" fmla="*/ 463826 h 927652"/>
+              </a:gdLst>
+              <a:ahLst/>
+              <a:cxnLst>
+                <a:cxn ang="0">
+                  <a:pos x="connsiteX0" y="connsiteY0"/>
+                </a:cxn>
+                <a:cxn ang="0">
+                  <a:pos x="connsiteX1" y="connsiteY1"/>
+                </a:cxn>
+                <a:cxn ang="0">
+                  <a:pos x="connsiteX2" y="connsiteY2"/>
+                </a:cxn>
+                <a:cxn ang="0">
+                  <a:pos x="connsiteX3" y="connsiteY3"/>
+                </a:cxn>
+                <a:cxn ang="0">
+                  <a:pos x="connsiteX4" y="connsiteY4"/>
+                </a:cxn>
+                <a:cxn ang="0">
+                  <a:pos x="connsiteX5" y="connsiteY5"/>
+                </a:cxn>
+                <a:cxn ang="0">
+                  <a:pos x="connsiteX6" y="connsiteY6"/>
+                </a:cxn>
+                <a:cxn ang="0">
+                  <a:pos x="connsiteX7" y="connsiteY7"/>
+                </a:cxn>
+              </a:cxnLst>
+              <a:rect l="l" t="t" r="r" b="b"/>
+              <a:pathLst>
+                <a:path w="543340" h="927652">
+                  <a:moveTo>
+                    <a:pt x="0" y="0"/>
+                  </a:moveTo>
+                  <a:lnTo>
+                    <a:pt x="543339" y="0"/>
+                  </a:lnTo>
+                  <a:lnTo>
+                    <a:pt x="543339" y="463826"/>
+                  </a:lnTo>
+                  <a:lnTo>
+                    <a:pt x="543340" y="463826"/>
+                  </a:lnTo>
+                  <a:lnTo>
+                    <a:pt x="543340" y="927652"/>
+                  </a:lnTo>
+                  <a:lnTo>
+                    <a:pt x="1" y="927652"/>
+                  </a:lnTo>
+                  <a:lnTo>
+                    <a:pt x="1" y="463826"/>
+                  </a:lnTo>
+                  <a:lnTo>
+                    <a:pt x="0" y="463826"/>
+                  </a:lnTo>
+                  <a:close/>
+                </a:path>
+              </a:pathLst>
+            </a:custGeom>
+            <a:solidFill>
+              <a:srgbClr val="00B0F0"/>
+            </a:solidFill>
+            <a:ln>
+              <a:noFill/>
+            </a:ln>
+          </p:spPr>
+          <p:style>
+            <a:lnRef idx="2">
+              <a:schemeClr val="accent1">
+                <a:shade val="50000"/>
+              </a:schemeClr>
+            </a:lnRef>
+            <a:fillRef idx="1">
+              <a:schemeClr val="accent1"/>
+            </a:fillRef>
+            <a:effectRef idx="0">
+              <a:schemeClr val="accent1"/>
+            </a:effectRef>
+            <a:fontRef idx="minor">
+              <a:schemeClr val="lt1"/>
+            </a:fontRef>
+          </p:style>
+          <p:txBody>
+            <a:bodyPr rtlCol="0" anchor="ctr"/>
+            <a:lstStyle/>
+            <a:p>
+              <a:pPr algn="ctr"/>
+              <a:endParaRPr lang="sv-SE"/>
+            </a:p>
+          </p:txBody>
+        </p:sp>
+        <p:sp>
+          <p:nvSpPr>
+            <p:cNvPr id="10" name="Freeform 9"/>
+            <p:cNvSpPr/>
+            <p:nvPr/>
+          </p:nvSpPr>
+          <p:spPr>
+            <a:xfrm>
+              <a:off x="6310878" y="3286540"/>
+              <a:ext cx="543340" cy="1364974"/>
+            </a:xfrm>
+            <a:custGeom>
+              <a:avLst/>
+              <a:gdLst>
+                <a:gd name="connsiteX0" fmla="*/ 0 w 543340"/>
+                <a:gd name="connsiteY0" fmla="*/ 0 h 1855304"/>
+                <a:gd name="connsiteX1" fmla="*/ 543339 w 543340"/>
+                <a:gd name="connsiteY1" fmla="*/ 0 h 1855304"/>
+                <a:gd name="connsiteX2" fmla="*/ 543339 w 543340"/>
+                <a:gd name="connsiteY2" fmla="*/ 463826 h 1855304"/>
+                <a:gd name="connsiteX3" fmla="*/ 543340 w 543340"/>
+                <a:gd name="connsiteY3" fmla="*/ 463826 h 1855304"/>
+                <a:gd name="connsiteX4" fmla="*/ 543340 w 543340"/>
+                <a:gd name="connsiteY4" fmla="*/ 927652 h 1855304"/>
+                <a:gd name="connsiteX5" fmla="*/ 543339 w 543340"/>
+                <a:gd name="connsiteY5" fmla="*/ 927652 h 1855304"/>
+                <a:gd name="connsiteX6" fmla="*/ 543339 w 543340"/>
+                <a:gd name="connsiteY6" fmla="*/ 1391478 h 1855304"/>
+                <a:gd name="connsiteX7" fmla="*/ 543340 w 543340"/>
+                <a:gd name="connsiteY7" fmla="*/ 1391478 h 1855304"/>
+                <a:gd name="connsiteX8" fmla="*/ 543340 w 543340"/>
+                <a:gd name="connsiteY8" fmla="*/ 1855304 h 1855304"/>
+                <a:gd name="connsiteX9" fmla="*/ 1 w 543340"/>
+                <a:gd name="connsiteY9" fmla="*/ 1855304 h 1855304"/>
+                <a:gd name="connsiteX10" fmla="*/ 1 w 543340"/>
+                <a:gd name="connsiteY10" fmla="*/ 1391478 h 1855304"/>
+                <a:gd name="connsiteX11" fmla="*/ 0 w 543340"/>
+                <a:gd name="connsiteY11" fmla="*/ 1391478 h 1855304"/>
+                <a:gd name="connsiteX12" fmla="*/ 0 w 543340"/>
+                <a:gd name="connsiteY12" fmla="*/ 927652 h 1855304"/>
+                <a:gd name="connsiteX13" fmla="*/ 1 w 543340"/>
+                <a:gd name="connsiteY13" fmla="*/ 927652 h 1855304"/>
+                <a:gd name="connsiteX14" fmla="*/ 1 w 543340"/>
+                <a:gd name="connsiteY14" fmla="*/ 463826 h 1855304"/>
+                <a:gd name="connsiteX15" fmla="*/ 0 w 543340"/>
+                <a:gd name="connsiteY15" fmla="*/ 463826 h 1855304"/>
+              </a:gdLst>
+              <a:ahLst/>
+              <a:cxnLst>
+                <a:cxn ang="0">
+                  <a:pos x="connsiteX0" y="connsiteY0"/>
+                </a:cxn>
+                <a:cxn ang="0">
+                  <a:pos x="connsiteX1" y="connsiteY1"/>
+                </a:cxn>
+                <a:cxn ang="0">
+                  <a:pos x="connsiteX2" y="connsiteY2"/>
+                </a:cxn>
+                <a:cxn ang="0">
+                  <a:pos x="connsiteX3" y="connsiteY3"/>
+                </a:cxn>
+                <a:cxn ang="0">
+                  <a:pos x="connsiteX4" y="connsiteY4"/>
+                </a:cxn>
+                <a:cxn ang="0">
+                  <a:pos x="connsiteX5" y="connsiteY5"/>
+                </a:cxn>
+                <a:cxn ang="0">
+                  <a:pos x="connsiteX6" y="connsiteY6"/>
+                </a:cxn>
+                <a:cxn ang="0">
+                  <a:pos x="connsiteX7" y="connsiteY7"/>
+                </a:cxn>
+                <a:cxn ang="0">
+                  <a:pos x="connsiteX8" y="connsiteY8"/>
+                </a:cxn>
+                <a:cxn ang="0">
+                  <a:pos x="connsiteX9" y="connsiteY9"/>
+                </a:cxn>
+                <a:cxn ang="0">
+                  <a:pos x="connsiteX10" y="connsiteY10"/>
+                </a:cxn>
+                <a:cxn ang="0">
+                  <a:pos x="connsiteX11" y="connsiteY11"/>
+                </a:cxn>
+                <a:cxn ang="0">
+                  <a:pos x="connsiteX12" y="connsiteY12"/>
+                </a:cxn>
+                <a:cxn ang="0">
+                  <a:pos x="connsiteX13" y="connsiteY13"/>
+                </a:cxn>
+                <a:cxn ang="0">
+                  <a:pos x="connsiteX14" y="connsiteY14"/>
+                </a:cxn>
+                <a:cxn ang="0">
+                  <a:pos x="connsiteX15" y="connsiteY15"/>
+                </a:cxn>
+              </a:cxnLst>
+              <a:rect l="l" t="t" r="r" b="b"/>
+              <a:pathLst>
+                <a:path w="543340" h="1855304">
+                  <a:moveTo>
+                    <a:pt x="0" y="0"/>
+                  </a:moveTo>
+                  <a:lnTo>
+                    <a:pt x="543339" y="0"/>
+                  </a:lnTo>
+                  <a:lnTo>
+                    <a:pt x="543339" y="463826"/>
+                  </a:lnTo>
+                  <a:lnTo>
+                    <a:pt x="543340" y="463826"/>
+                  </a:lnTo>
+                  <a:lnTo>
+                    <a:pt x="543340" y="927652"/>
+                  </a:lnTo>
+                  <a:lnTo>
+                    <a:pt x="543339" y="927652"/>
+                  </a:lnTo>
+                  <a:lnTo>
+                    <a:pt x="543339" y="1391478"/>
+                  </a:lnTo>
+                  <a:lnTo>
+                    <a:pt x="543340" y="1391478"/>
+                  </a:lnTo>
+                  <a:lnTo>
+                    <a:pt x="543340" y="1855304"/>
+                  </a:lnTo>
+                  <a:lnTo>
+                    <a:pt x="1" y="1855304"/>
+                  </a:lnTo>
+                  <a:lnTo>
+                    <a:pt x="1" y="1391478"/>
+                  </a:lnTo>
+                  <a:lnTo>
+                    <a:pt x="0" y="1391478"/>
+                  </a:lnTo>
+                  <a:lnTo>
+                    <a:pt x="0" y="927652"/>
+                  </a:lnTo>
+                  <a:lnTo>
+                    <a:pt x="1" y="927652"/>
+                  </a:lnTo>
+                  <a:lnTo>
+                    <a:pt x="1" y="463826"/>
+                  </a:lnTo>
+                  <a:lnTo>
+                    <a:pt x="0" y="463826"/>
+                  </a:lnTo>
+                  <a:close/>
+                </a:path>
+              </a:pathLst>
+            </a:custGeom>
+            <a:solidFill>
+              <a:srgbClr val="00B0F0"/>
+            </a:solidFill>
+            <a:ln>
+              <a:noFill/>
+            </a:ln>
+          </p:spPr>
+          <p:style>
+            <a:lnRef idx="2">
+              <a:schemeClr val="accent1">
+                <a:shade val="50000"/>
+              </a:schemeClr>
+            </a:lnRef>
+            <a:fillRef idx="1">
+              <a:schemeClr val="accent1"/>
+            </a:fillRef>
+            <a:effectRef idx="0">
+              <a:schemeClr val="accent1"/>
+            </a:effectRef>
+            <a:fontRef idx="minor">
+              <a:schemeClr val="lt1"/>
+            </a:fontRef>
+          </p:style>
+          <p:txBody>
+            <a:bodyPr rtlCol="0" anchor="ctr"/>
+            <a:lstStyle/>
+            <a:p>
+              <a:pPr algn="ctr"/>
+              <a:endParaRPr lang="sv-SE"/>
+            </a:p>
+          </p:txBody>
+        </p:sp>
+        <p:sp>
+          <p:nvSpPr>
+            <p:cNvPr id="13" name="Freeform 12"/>
+            <p:cNvSpPr/>
+            <p:nvPr/>
+          </p:nvSpPr>
+          <p:spPr>
+            <a:xfrm>
+              <a:off x="7019868" y="1921566"/>
+              <a:ext cx="543340" cy="2729947"/>
+            </a:xfrm>
+            <a:custGeom>
+              <a:avLst/>
+              <a:gdLst>
+                <a:gd name="connsiteX0" fmla="*/ 0 w 543340"/>
+                <a:gd name="connsiteY0" fmla="*/ 0 h 3710608"/>
+                <a:gd name="connsiteX1" fmla="*/ 543339 w 543340"/>
+                <a:gd name="connsiteY1" fmla="*/ 0 h 3710608"/>
+                <a:gd name="connsiteX2" fmla="*/ 543339 w 543340"/>
+                <a:gd name="connsiteY2" fmla="*/ 463826 h 3710608"/>
+                <a:gd name="connsiteX3" fmla="*/ 543340 w 543340"/>
+                <a:gd name="connsiteY3" fmla="*/ 463826 h 3710608"/>
+                <a:gd name="connsiteX4" fmla="*/ 543340 w 543340"/>
+                <a:gd name="connsiteY4" fmla="*/ 927652 h 3710608"/>
+                <a:gd name="connsiteX5" fmla="*/ 543339 w 543340"/>
+                <a:gd name="connsiteY5" fmla="*/ 927652 h 3710608"/>
+                <a:gd name="connsiteX6" fmla="*/ 543339 w 543340"/>
+                <a:gd name="connsiteY6" fmla="*/ 1391478 h 3710608"/>
+                <a:gd name="connsiteX7" fmla="*/ 543340 w 543340"/>
+                <a:gd name="connsiteY7" fmla="*/ 1391478 h 3710608"/>
+                <a:gd name="connsiteX8" fmla="*/ 543340 w 543340"/>
+                <a:gd name="connsiteY8" fmla="*/ 1855304 h 3710608"/>
+                <a:gd name="connsiteX9" fmla="*/ 543339 w 543340"/>
+                <a:gd name="connsiteY9" fmla="*/ 1855304 h 3710608"/>
+                <a:gd name="connsiteX10" fmla="*/ 543339 w 543340"/>
+                <a:gd name="connsiteY10" fmla="*/ 2319130 h 3710608"/>
+                <a:gd name="connsiteX11" fmla="*/ 543340 w 543340"/>
+                <a:gd name="connsiteY11" fmla="*/ 2319130 h 3710608"/>
+                <a:gd name="connsiteX12" fmla="*/ 543340 w 543340"/>
+                <a:gd name="connsiteY12" fmla="*/ 2782956 h 3710608"/>
+                <a:gd name="connsiteX13" fmla="*/ 543339 w 543340"/>
+                <a:gd name="connsiteY13" fmla="*/ 2782956 h 3710608"/>
+                <a:gd name="connsiteX14" fmla="*/ 543339 w 543340"/>
+                <a:gd name="connsiteY14" fmla="*/ 3246782 h 3710608"/>
+                <a:gd name="connsiteX15" fmla="*/ 543340 w 543340"/>
+                <a:gd name="connsiteY15" fmla="*/ 3246782 h 3710608"/>
+                <a:gd name="connsiteX16" fmla="*/ 543340 w 543340"/>
+                <a:gd name="connsiteY16" fmla="*/ 3710608 h 3710608"/>
+                <a:gd name="connsiteX17" fmla="*/ 1 w 543340"/>
+                <a:gd name="connsiteY17" fmla="*/ 3710608 h 3710608"/>
+                <a:gd name="connsiteX18" fmla="*/ 1 w 543340"/>
+                <a:gd name="connsiteY18" fmla="*/ 3246782 h 3710608"/>
+                <a:gd name="connsiteX19" fmla="*/ 0 w 543340"/>
+                <a:gd name="connsiteY19" fmla="*/ 3246782 h 3710608"/>
+                <a:gd name="connsiteX20" fmla="*/ 0 w 543340"/>
+                <a:gd name="connsiteY20" fmla="*/ 2782956 h 3710608"/>
+                <a:gd name="connsiteX21" fmla="*/ 1 w 543340"/>
+                <a:gd name="connsiteY21" fmla="*/ 2782956 h 3710608"/>
+                <a:gd name="connsiteX22" fmla="*/ 1 w 543340"/>
+                <a:gd name="connsiteY22" fmla="*/ 2319130 h 3710608"/>
+                <a:gd name="connsiteX23" fmla="*/ 0 w 543340"/>
+                <a:gd name="connsiteY23" fmla="*/ 2319130 h 3710608"/>
+                <a:gd name="connsiteX24" fmla="*/ 0 w 543340"/>
+                <a:gd name="connsiteY24" fmla="*/ 1855304 h 3710608"/>
+                <a:gd name="connsiteX25" fmla="*/ 1 w 543340"/>
+                <a:gd name="connsiteY25" fmla="*/ 1855304 h 3710608"/>
+                <a:gd name="connsiteX26" fmla="*/ 1 w 543340"/>
+                <a:gd name="connsiteY26" fmla="*/ 1391478 h 3710608"/>
+                <a:gd name="connsiteX27" fmla="*/ 0 w 543340"/>
+                <a:gd name="connsiteY27" fmla="*/ 1391478 h 3710608"/>
+                <a:gd name="connsiteX28" fmla="*/ 0 w 543340"/>
+                <a:gd name="connsiteY28" fmla="*/ 927652 h 3710608"/>
+                <a:gd name="connsiteX29" fmla="*/ 1 w 543340"/>
+                <a:gd name="connsiteY29" fmla="*/ 927652 h 3710608"/>
+                <a:gd name="connsiteX30" fmla="*/ 1 w 543340"/>
+                <a:gd name="connsiteY30" fmla="*/ 463826 h 3710608"/>
+                <a:gd name="connsiteX31" fmla="*/ 0 w 543340"/>
+                <a:gd name="connsiteY31" fmla="*/ 463826 h 3710608"/>
+              </a:gdLst>
+              <a:ahLst/>
+              <a:cxnLst>
+                <a:cxn ang="0">
+                  <a:pos x="connsiteX0" y="connsiteY0"/>
+                </a:cxn>
+                <a:cxn ang="0">
+                  <a:pos x="connsiteX1" y="connsiteY1"/>
+                </a:cxn>
+                <a:cxn ang="0">
+                  <a:pos x="connsiteX2" y="connsiteY2"/>
+                </a:cxn>
+                <a:cxn ang="0">
+                  <a:pos x="connsiteX3" y="connsiteY3"/>
+                </a:cxn>
+                <a:cxn ang="0">
+                  <a:pos x="connsiteX4" y="connsiteY4"/>
+                </a:cxn>
+                <a:cxn ang="0">
+                  <a:pos x="connsiteX5" y="connsiteY5"/>
+                </a:cxn>
+                <a:cxn ang="0">
+                  <a:pos x="connsiteX6" y="connsiteY6"/>
+                </a:cxn>
+                <a:cxn ang="0">
+                  <a:pos x="connsiteX7" y="connsiteY7"/>
+                </a:cxn>
+                <a:cxn ang="0">
+                  <a:pos x="connsiteX8" y="connsiteY8"/>
+                </a:cxn>
+                <a:cxn ang="0">
+                  <a:pos x="connsiteX9" y="connsiteY9"/>
+                </a:cxn>
+                <a:cxn ang="0">
+                  <a:pos x="connsiteX10" y="connsiteY10"/>
+                </a:cxn>
+                <a:cxn ang="0">
+                  <a:pos x="connsiteX11" y="connsiteY11"/>
+                </a:cxn>
+                <a:cxn ang="0">
+                  <a:pos x="connsiteX12" y="connsiteY12"/>
+                </a:cxn>
+                <a:cxn ang="0">
+                  <a:pos x="connsiteX13" y="connsiteY13"/>
+                </a:cxn>
+                <a:cxn ang="0">
+                  <a:pos x="connsiteX14" y="connsiteY14"/>
+                </a:cxn>
+                <a:cxn ang="0">
+                  <a:pos x="connsiteX15" y="connsiteY15"/>
+                </a:cxn>
+                <a:cxn ang="0">
+                  <a:pos x="connsiteX16" y="connsiteY16"/>
+                </a:cxn>
+                <a:cxn ang="0">
+                  <a:pos x="connsiteX17" y="connsiteY17"/>
+                </a:cxn>
+                <a:cxn ang="0">
+                  <a:pos x="connsiteX18" y="connsiteY18"/>
+                </a:cxn>
+                <a:cxn ang="0">
+                  <a:pos x="connsiteX19" y="connsiteY19"/>
+                </a:cxn>
+                <a:cxn ang="0">
+                  <a:pos x="connsiteX20" y="connsiteY20"/>
+                </a:cxn>
+                <a:cxn ang="0">
+                  <a:pos x="connsiteX21" y="connsiteY21"/>
+                </a:cxn>
+                <a:cxn ang="0">
+                  <a:pos x="connsiteX22" y="connsiteY22"/>
+                </a:cxn>
+                <a:cxn ang="0">
+                  <a:pos x="connsiteX23" y="connsiteY23"/>
+                </a:cxn>
+                <a:cxn ang="0">
+                  <a:pos x="connsiteX24" y="connsiteY24"/>
+                </a:cxn>
+                <a:cxn ang="0">
+                  <a:pos x="connsiteX25" y="connsiteY25"/>
+                </a:cxn>
+                <a:cxn ang="0">
+                  <a:pos x="connsiteX26" y="connsiteY26"/>
+                </a:cxn>
+                <a:cxn ang="0">
+                  <a:pos x="connsiteX27" y="connsiteY27"/>
+                </a:cxn>
+                <a:cxn ang="0">
+                  <a:pos x="connsiteX28" y="connsiteY28"/>
+                </a:cxn>
+                <a:cxn ang="0">
+                  <a:pos x="connsiteX29" y="connsiteY29"/>
+                </a:cxn>
+                <a:cxn ang="0">
+                  <a:pos x="connsiteX30" y="connsiteY30"/>
+                </a:cxn>
+                <a:cxn ang="0">
+                  <a:pos x="connsiteX31" y="connsiteY31"/>
+                </a:cxn>
+              </a:cxnLst>
+              <a:rect l="l" t="t" r="r" b="b"/>
+              <a:pathLst>
+                <a:path w="543340" h="3710608">
+                  <a:moveTo>
+                    <a:pt x="0" y="0"/>
+                  </a:moveTo>
+                  <a:lnTo>
+                    <a:pt x="543339" y="0"/>
+                  </a:lnTo>
+                  <a:lnTo>
+                    <a:pt x="543339" y="463826"/>
+                  </a:lnTo>
+                  <a:lnTo>
+                    <a:pt x="543340" y="463826"/>
+                  </a:lnTo>
+                  <a:lnTo>
+                    <a:pt x="543340" y="927652"/>
+                  </a:lnTo>
+                  <a:lnTo>
+                    <a:pt x="543339" y="927652"/>
+                  </a:lnTo>
+                  <a:lnTo>
+                    <a:pt x="543339" y="1391478"/>
+                  </a:lnTo>
+                  <a:lnTo>
+                    <a:pt x="543340" y="1391478"/>
+                  </a:lnTo>
+                  <a:lnTo>
+                    <a:pt x="543340" y="1855304"/>
+                  </a:lnTo>
+                  <a:lnTo>
+                    <a:pt x="543339" y="1855304"/>
+                  </a:lnTo>
+                  <a:lnTo>
+                    <a:pt x="543339" y="2319130"/>
+                  </a:lnTo>
+                  <a:lnTo>
+                    <a:pt x="543340" y="2319130"/>
+                  </a:lnTo>
+                  <a:lnTo>
+                    <a:pt x="543340" y="2782956"/>
+                  </a:lnTo>
+                  <a:lnTo>
+                    <a:pt x="543339" y="2782956"/>
+                  </a:lnTo>
+                  <a:lnTo>
+                    <a:pt x="543339" y="3246782"/>
+                  </a:lnTo>
+                  <a:lnTo>
+                    <a:pt x="543340" y="3246782"/>
+                  </a:lnTo>
+                  <a:lnTo>
+                    <a:pt x="543340" y="3710608"/>
+                  </a:lnTo>
+                  <a:lnTo>
+                    <a:pt x="1" y="3710608"/>
+                  </a:lnTo>
+                  <a:lnTo>
+                    <a:pt x="1" y="3246782"/>
+                  </a:lnTo>
+                  <a:lnTo>
+                    <a:pt x="0" y="3246782"/>
+                  </a:lnTo>
+                  <a:lnTo>
+                    <a:pt x="0" y="2782956"/>
+                  </a:lnTo>
+                  <a:lnTo>
+                    <a:pt x="1" y="2782956"/>
+                  </a:lnTo>
+                  <a:lnTo>
+                    <a:pt x="1" y="2319130"/>
+                  </a:lnTo>
+                  <a:lnTo>
+                    <a:pt x="0" y="2319130"/>
+                  </a:lnTo>
+                  <a:lnTo>
+                    <a:pt x="0" y="1855304"/>
+                  </a:lnTo>
+                  <a:lnTo>
+                    <a:pt x="1" y="1855304"/>
+                  </a:lnTo>
+                  <a:lnTo>
+                    <a:pt x="1" y="1391478"/>
+                  </a:lnTo>
+                  <a:lnTo>
+                    <a:pt x="0" y="1391478"/>
+                  </a:lnTo>
+                  <a:lnTo>
+                    <a:pt x="0" y="927652"/>
+                  </a:lnTo>
+                  <a:lnTo>
+                    <a:pt x="1" y="927652"/>
+                  </a:lnTo>
+                  <a:lnTo>
+                    <a:pt x="1" y="463826"/>
+                  </a:lnTo>
+                  <a:lnTo>
+                    <a:pt x="0" y="463826"/>
+                  </a:lnTo>
+                  <a:close/>
+                </a:path>
+              </a:pathLst>
+            </a:custGeom>
+            <a:solidFill>
+              <a:srgbClr val="00B0F0"/>
+            </a:solidFill>
+            <a:ln>
+              <a:noFill/>
+            </a:ln>
+          </p:spPr>
+          <p:style>
+            <a:lnRef idx="2">
+              <a:schemeClr val="accent1">
+                <a:shade val="50000"/>
+              </a:schemeClr>
+            </a:lnRef>
+            <a:fillRef idx="1">
+              <a:schemeClr val="accent1"/>
+            </a:fillRef>
+            <a:effectRef idx="0">
+              <a:schemeClr val="accent1"/>
+            </a:effectRef>
+            <a:fontRef idx="minor">
+              <a:schemeClr val="lt1"/>
+            </a:fontRef>
+          </p:style>
+          <p:txBody>
+            <a:bodyPr rtlCol="0" anchor="ctr"/>
+            <a:lstStyle/>
+            <a:p>
+              <a:pPr algn="ctr"/>
+              <a:endParaRPr lang="sv-SE"/>
+            </a:p>
+          </p:txBody>
+        </p:sp>
+        <p:sp>
+          <p:nvSpPr>
+            <p:cNvPr id="14" name="Rectangle 13"/>
+            <p:cNvSpPr/>
+            <p:nvPr/>
+          </p:nvSpPr>
+          <p:spPr>
+            <a:xfrm>
+              <a:off x="4183910" y="4495801"/>
+              <a:ext cx="543339" cy="155712"/>
+            </a:xfrm>
+            <a:prstGeom prst="rect">
+              <a:avLst/>
+            </a:prstGeom>
+            <a:solidFill>
+              <a:srgbClr val="00B0F0"/>
+            </a:solidFill>
+            <a:ln>
+              <a:noFill/>
+            </a:ln>
+          </p:spPr>
+          <p:style>
+            <a:lnRef idx="2">
+              <a:schemeClr val="accent1">
+                <a:shade val="50000"/>
+              </a:schemeClr>
+            </a:lnRef>
+            <a:fillRef idx="1">
+              <a:schemeClr val="accent1"/>
+            </a:fillRef>
+            <a:effectRef idx="0">
+              <a:schemeClr val="accent1"/>
+            </a:effectRef>
+            <a:fontRef idx="minor">
+              <a:schemeClr val="lt1"/>
+            </a:fontRef>
+          </p:style>
+          <p:txBody>
+            <a:bodyPr rtlCol="0" anchor="ctr"/>
+            <a:lstStyle/>
+            <a:p>
+              <a:pPr algn="ctr"/>
+              <a:endParaRPr lang="sv-SE"/>
+            </a:p>
+          </p:txBody>
+        </p:sp>
+      </p:grpSp>
       <p:sp>
         <p:nvSpPr>
-          <p:cNvPr id="4" name="TextBox 3"/>
-          <p:cNvSpPr txBox="1"/>
+          <p:cNvPr id="22" name="Oval 21"/>
+          <p:cNvSpPr/>
           <p:nvPr/>
         </p:nvSpPr>
         <p:spPr>
           <a:xfrm>
-            <a:off x="4217324" y="2881745"/>
-            <a:ext cx="2556277" cy="369332"/>
+            <a:off x="4138940" y="1831695"/>
+            <a:ext cx="2880928" cy="2664106"/>
           </a:xfrm>
-          <a:prstGeom prst="rect">
+          <a:custGeom>
             <a:avLst/>
-          </a:prstGeom>
+            <a:gdLst>
+              <a:gd name="connsiteX0" fmla="*/ 0 w 3652260"/>
+              <a:gd name="connsiteY0" fmla="*/ 1466889 h 2933777"/>
+              <a:gd name="connsiteX1" fmla="*/ 1826130 w 3652260"/>
+              <a:gd name="connsiteY1" fmla="*/ 0 h 2933777"/>
+              <a:gd name="connsiteX2" fmla="*/ 3652260 w 3652260"/>
+              <a:gd name="connsiteY2" fmla="*/ 1466889 h 2933777"/>
+              <a:gd name="connsiteX3" fmla="*/ 1826130 w 3652260"/>
+              <a:gd name="connsiteY3" fmla="*/ 2933778 h 2933777"/>
+              <a:gd name="connsiteX4" fmla="*/ 0 w 3652260"/>
+              <a:gd name="connsiteY4" fmla="*/ 1466889 h 2933777"/>
+              <a:gd name="connsiteX0" fmla="*/ 0 w 3703022"/>
+              <a:gd name="connsiteY0" fmla="*/ 183361 h 1650250"/>
+              <a:gd name="connsiteX1" fmla="*/ 3652260 w 3703022"/>
+              <a:gd name="connsiteY1" fmla="*/ 183361 h 1650250"/>
+              <a:gd name="connsiteX2" fmla="*/ 1826130 w 3703022"/>
+              <a:gd name="connsiteY2" fmla="*/ 1650250 h 1650250"/>
+              <a:gd name="connsiteX3" fmla="*/ 0 w 3703022"/>
+              <a:gd name="connsiteY3" fmla="*/ 183361 h 1650250"/>
+              <a:gd name="connsiteX0" fmla="*/ 0 w 3703022"/>
+              <a:gd name="connsiteY0" fmla="*/ 183361 h 1650250"/>
+              <a:gd name="connsiteX1" fmla="*/ 3652260 w 3703022"/>
+              <a:gd name="connsiteY1" fmla="*/ 183361 h 1650250"/>
+              <a:gd name="connsiteX2" fmla="*/ 1826130 w 3703022"/>
+              <a:gd name="connsiteY2" fmla="*/ 1650250 h 1650250"/>
+              <a:gd name="connsiteX3" fmla="*/ 91440 w 3703022"/>
+              <a:gd name="connsiteY3" fmla="*/ 274801 h 1650250"/>
+              <a:gd name="connsiteX0" fmla="*/ 2074136 w 3618575"/>
+              <a:gd name="connsiteY0" fmla="*/ 49954 h 2236371"/>
+              <a:gd name="connsiteX1" fmla="*/ 3567813 w 3618575"/>
+              <a:gd name="connsiteY1" fmla="*/ 769482 h 2236371"/>
+              <a:gd name="connsiteX2" fmla="*/ 1741683 w 3618575"/>
+              <a:gd name="connsiteY2" fmla="*/ 2236371 h 2236371"/>
+              <a:gd name="connsiteX3" fmla="*/ 6993 w 3618575"/>
+              <a:gd name="connsiteY3" fmla="*/ 860922 h 2236371"/>
+              <a:gd name="connsiteX0" fmla="*/ 3567813 w 3618575"/>
+              <a:gd name="connsiteY0" fmla="*/ 0 h 1466889"/>
+              <a:gd name="connsiteX1" fmla="*/ 1741683 w 3618575"/>
+              <a:gd name="connsiteY1" fmla="*/ 1466889 h 1466889"/>
+              <a:gd name="connsiteX2" fmla="*/ 6993 w 3618575"/>
+              <a:gd name="connsiteY2" fmla="*/ 91440 h 1466889"/>
+              <a:gd name="connsiteX0" fmla="*/ 3416248 w 3455189"/>
+              <a:gd name="connsiteY0" fmla="*/ 0 h 1740457"/>
+              <a:gd name="connsiteX1" fmla="*/ 1590118 w 3455189"/>
+              <a:gd name="connsiteY1" fmla="*/ 1466889 h 1740457"/>
+              <a:gd name="connsiteX2" fmla="*/ 5330 w 3455189"/>
+              <a:gd name="connsiteY2" fmla="*/ 1305643 h 1740457"/>
+              <a:gd name="connsiteX0" fmla="*/ 3759978 w 3800157"/>
+              <a:gd name="connsiteY0" fmla="*/ 0 h 2150981"/>
+              <a:gd name="connsiteX1" fmla="*/ 1933848 w 3800157"/>
+              <a:gd name="connsiteY1" fmla="*/ 1466889 h 2150981"/>
+              <a:gd name="connsiteX2" fmla="*/ 4286 w 3800157"/>
+              <a:gd name="connsiteY2" fmla="*/ 1860279 h 2150981"/>
+              <a:gd name="connsiteX0" fmla="*/ 3755692 w 3795871"/>
+              <a:gd name="connsiteY0" fmla="*/ 0 h 1860279"/>
+              <a:gd name="connsiteX1" fmla="*/ 1929562 w 3795871"/>
+              <a:gd name="connsiteY1" fmla="*/ 1466889 h 1860279"/>
+              <a:gd name="connsiteX2" fmla="*/ 0 w 3795871"/>
+              <a:gd name="connsiteY2" fmla="*/ 1860279 h 1860279"/>
+              <a:gd name="connsiteX0" fmla="*/ 3755692 w 3755692"/>
+              <a:gd name="connsiteY0" fmla="*/ 0 h 1860279"/>
+              <a:gd name="connsiteX1" fmla="*/ 0 w 3755692"/>
+              <a:gd name="connsiteY1" fmla="*/ 1860279 h 1860279"/>
+              <a:gd name="connsiteX0" fmla="*/ 3755692 w 3755692"/>
+              <a:gd name="connsiteY0" fmla="*/ 0 h 1860279"/>
+              <a:gd name="connsiteX1" fmla="*/ 0 w 3755692"/>
+              <a:gd name="connsiteY1" fmla="*/ 1860279 h 1860279"/>
+              <a:gd name="connsiteX0" fmla="*/ 3755692 w 3755692"/>
+              <a:gd name="connsiteY0" fmla="*/ 0 h 1860279"/>
+              <a:gd name="connsiteX1" fmla="*/ 0 w 3755692"/>
+              <a:gd name="connsiteY1" fmla="*/ 1860279 h 1860279"/>
+              <a:gd name="connsiteX0" fmla="*/ 3755692 w 3755692"/>
+              <a:gd name="connsiteY0" fmla="*/ 0 h 1860279"/>
+              <a:gd name="connsiteX1" fmla="*/ 0 w 3755692"/>
+              <a:gd name="connsiteY1" fmla="*/ 1860279 h 1860279"/>
+              <a:gd name="connsiteX0" fmla="*/ 3755692 w 3755692"/>
+              <a:gd name="connsiteY0" fmla="*/ 0 h 1860279"/>
+              <a:gd name="connsiteX1" fmla="*/ 0 w 3755692"/>
+              <a:gd name="connsiteY1" fmla="*/ 1860279 h 1860279"/>
+              <a:gd name="connsiteX0" fmla="*/ 3755692 w 3755692"/>
+              <a:gd name="connsiteY0" fmla="*/ 0 h 1860279"/>
+              <a:gd name="connsiteX1" fmla="*/ 0 w 3755692"/>
+              <a:gd name="connsiteY1" fmla="*/ 1860279 h 1860279"/>
+              <a:gd name="connsiteX0" fmla="*/ 3755692 w 3755692"/>
+              <a:gd name="connsiteY0" fmla="*/ 0 h 1860279"/>
+              <a:gd name="connsiteX1" fmla="*/ 0 w 3755692"/>
+              <a:gd name="connsiteY1" fmla="*/ 1860279 h 1860279"/>
+              <a:gd name="connsiteX0" fmla="*/ 3755692 w 3755692"/>
+              <a:gd name="connsiteY0" fmla="*/ 0 h 1860279"/>
+              <a:gd name="connsiteX1" fmla="*/ 0 w 3755692"/>
+              <a:gd name="connsiteY1" fmla="*/ 1860279 h 1860279"/>
+              <a:gd name="connsiteX0" fmla="*/ 3755692 w 3755692"/>
+              <a:gd name="connsiteY0" fmla="*/ 0 h 1860279"/>
+              <a:gd name="connsiteX1" fmla="*/ 0 w 3755692"/>
+              <a:gd name="connsiteY1" fmla="*/ 1860279 h 1860279"/>
+              <a:gd name="connsiteX0" fmla="*/ 3755692 w 3755692"/>
+              <a:gd name="connsiteY0" fmla="*/ 0 h 1860279"/>
+              <a:gd name="connsiteX1" fmla="*/ 0 w 3755692"/>
+              <a:gd name="connsiteY1" fmla="*/ 1860279 h 1860279"/>
+              <a:gd name="connsiteX0" fmla="*/ 3755692 w 3755692"/>
+              <a:gd name="connsiteY0" fmla="*/ 0 h 1860279"/>
+              <a:gd name="connsiteX1" fmla="*/ 0 w 3755692"/>
+              <a:gd name="connsiteY1" fmla="*/ 1860279 h 1860279"/>
+              <a:gd name="connsiteX0" fmla="*/ 3755692 w 3755692"/>
+              <a:gd name="connsiteY0" fmla="*/ 0 h 1860279"/>
+              <a:gd name="connsiteX1" fmla="*/ 0 w 3755692"/>
+              <a:gd name="connsiteY1" fmla="*/ 1860279 h 1860279"/>
+              <a:gd name="connsiteX0" fmla="*/ 3755692 w 3755692"/>
+              <a:gd name="connsiteY0" fmla="*/ 0 h 1860279"/>
+              <a:gd name="connsiteX1" fmla="*/ 0 w 3755692"/>
+              <a:gd name="connsiteY1" fmla="*/ 1860279 h 1860279"/>
+              <a:gd name="connsiteX0" fmla="*/ 3755692 w 3755692"/>
+              <a:gd name="connsiteY0" fmla="*/ 0 h 1860279"/>
+              <a:gd name="connsiteX1" fmla="*/ 0 w 3755692"/>
+              <a:gd name="connsiteY1" fmla="*/ 1860279 h 1860279"/>
+              <a:gd name="connsiteX0" fmla="*/ 3755692 w 3755692"/>
+              <a:gd name="connsiteY0" fmla="*/ 0 h 1860279"/>
+              <a:gd name="connsiteX1" fmla="*/ 0 w 3755692"/>
+              <a:gd name="connsiteY1" fmla="*/ 1860279 h 1860279"/>
+              <a:gd name="connsiteX0" fmla="*/ 3755692 w 3755692"/>
+              <a:gd name="connsiteY0" fmla="*/ 0 h 1860279"/>
+              <a:gd name="connsiteX1" fmla="*/ 0 w 3755692"/>
+              <a:gd name="connsiteY1" fmla="*/ 1860279 h 1860279"/>
+              <a:gd name="connsiteX0" fmla="*/ 3755692 w 3755692"/>
+              <a:gd name="connsiteY0" fmla="*/ 0 h 1860279"/>
+              <a:gd name="connsiteX1" fmla="*/ 0 w 3755692"/>
+              <a:gd name="connsiteY1" fmla="*/ 1860279 h 1860279"/>
+              <a:gd name="connsiteX0" fmla="*/ 3755692 w 3755692"/>
+              <a:gd name="connsiteY0" fmla="*/ 0 h 1860279"/>
+              <a:gd name="connsiteX1" fmla="*/ 0 w 3755692"/>
+              <a:gd name="connsiteY1" fmla="*/ 1860279 h 1860279"/>
+              <a:gd name="connsiteX0" fmla="*/ 3755692 w 3755692"/>
+              <a:gd name="connsiteY0" fmla="*/ 0 h 1860279"/>
+              <a:gd name="connsiteX1" fmla="*/ 0 w 3755692"/>
+              <a:gd name="connsiteY1" fmla="*/ 1860279 h 1860279"/>
+            </a:gdLst>
+            <a:ahLst/>
+            <a:cxnLst>
+              <a:cxn ang="0">
+                <a:pos x="connsiteX0" y="connsiteY0"/>
+              </a:cxn>
+              <a:cxn ang="0">
+                <a:pos x="connsiteX1" y="connsiteY1"/>
+              </a:cxn>
+            </a:cxnLst>
+            <a:rect l="l" t="t" r="r" b="b"/>
+            <a:pathLst>
+              <a:path w="3755692" h="1860279">
+                <a:moveTo>
+                  <a:pt x="3755692" y="0"/>
+                </a:moveTo>
+                <a:cubicBezTo>
+                  <a:pt x="2797338" y="1397646"/>
+                  <a:pt x="1653862" y="1643461"/>
+                  <a:pt x="0" y="1860279"/>
+                </a:cubicBezTo>
+              </a:path>
+            </a:pathLst>
+          </a:custGeom>
           <a:noFill/>
+          <a:ln w="44450">
+            <a:solidFill>
+              <a:srgbClr val="C00000"/>
+            </a:solidFill>
+          </a:ln>
+        </p:spPr>
+        <p:style>
+          <a:lnRef idx="2">
+            <a:schemeClr val="accent1">
+              <a:shade val="50000"/>
+            </a:schemeClr>
+          </a:lnRef>
+          <a:fillRef idx="1">
+            <a:schemeClr val="accent1"/>
+          </a:fillRef>
+          <a:effectRef idx="0">
+            <a:schemeClr val="accent1"/>
+          </a:effectRef>
+          <a:fontRef idx="minor">
+            <a:schemeClr val="lt1"/>
+          </a:fontRef>
+        </p:style>
+        <p:txBody>
+          <a:bodyPr rtlCol="0" anchor="ctr"/>
+          <a:lstStyle/>
+          <a:p>
+            <a:pPr algn="ctr"/>
+            <a:endParaRPr lang="sv-SE"/>
+          </a:p>
+        </p:txBody>
+      </p:sp>
+      <p:sp>
+        <p:nvSpPr>
+          <p:cNvPr id="23" name="Title 1"/>
+          <p:cNvSpPr>
+            <a:spLocks noGrp="1"/>
+          </p:cNvSpPr>
+          <p:nvPr>
+            <p:ph type="title"/>
+          </p:nvPr>
+        </p:nvSpPr>
+        <p:spPr>
+          <a:xfrm>
+            <a:off x="838200" y="365125"/>
+            <a:ext cx="10515600" cy="1325563"/>
+          </a:xfrm>
         </p:spPr>
         <p:txBody>
-          <a:bodyPr wrap="none" rtlCol="0">
-            <a:spAutoFit/>
-          </a:bodyPr>
+          <a:bodyPr/>
           <a:lstStyle/>
           <a:p>
-            <a:r>
-              <a:rPr lang="sv-SE" dirty="0" smtClean="0"/>
-              <a:t>Behaviors, circuit breaker</a:t>
-            </a:r>
+            <a:pPr algn="ctr"/>
+            <a:r>
+              <a:rPr lang="sv-SE" b="1" dirty="0" smtClean="0"/>
+              <a:t>Exponential </a:t>
+            </a:r>
+            <a:r>
+              <a:rPr lang="sv-SE" b="1" smtClean="0"/>
+              <a:t>Backoff Demo</a:t>
+            </a:r>
+            <a:endParaRPr lang="sv-SE" b="1" dirty="0"/>
           </a:p>
         </p:txBody>
       </p:sp>
     </p:spTree>
     <p:extLst>
       <p:ext uri="{BB962C8B-B14F-4D97-AF65-F5344CB8AC3E}">
-        <p14:creationId xmlns:p14="http://schemas.microsoft.com/office/powerpoint/2010/main" val="1526302349"/>
+        <p14:creationId xmlns:p14="http://schemas.microsoft.com/office/powerpoint/2010/main" val="1517114611"/>
       </p:ext>
     </p:extLst>
   </p:cSld>
@@ -12451,7 +14301,7 @@
         <p:spPr>
           <a:xfrm>
             <a:off x="4217324" y="2881745"/>
-            <a:ext cx="5242012" cy="369332"/>
+            <a:ext cx="2556277" cy="369332"/>
           </a:xfrm>
           <a:prstGeom prst="rect">
             <a:avLst/>
@@ -12466,7 +14316,7 @@
           <a:p>
             <a:r>
               <a:rPr lang="sv-SE" dirty="0" smtClean="0"/>
-              <a:t>Examples,Protocols, e.g. Akka Remote Endpoint states</a:t>
+              <a:t>Behaviors, circuit breaker</a:t>
             </a:r>
           </a:p>
         </p:txBody>
@@ -12474,7 +14324,7 @@
     </p:spTree>
     <p:extLst>
       <p:ext uri="{BB962C8B-B14F-4D97-AF65-F5344CB8AC3E}">
-        <p14:creationId xmlns:p14="http://schemas.microsoft.com/office/powerpoint/2010/main" val="1160295806"/>
+        <p14:creationId xmlns:p14="http://schemas.microsoft.com/office/powerpoint/2010/main" val="1526302349"/>
       </p:ext>
     </p:extLst>
   </p:cSld>
@@ -12524,8 +14374,8 @@
         </p:nvSpPr>
         <p:spPr>
           <a:xfrm>
-            <a:off x="5364481" y="2859577"/>
-            <a:ext cx="1496179" cy="369332"/>
+            <a:off x="4217324" y="2881745"/>
+            <a:ext cx="5242012" cy="369332"/>
           </a:xfrm>
           <a:prstGeom prst="rect">
             <a:avLst/>
@@ -12540,7 +14390,7 @@
           <a:p>
             <a:r>
               <a:rPr lang="sv-SE" dirty="0" smtClean="0"/>
-              <a:t>Actor lifecycle</a:t>
+              <a:t>Examples,Protocols, e.g. Akka Remote Endpoint states</a:t>
             </a:r>
           </a:p>
         </p:txBody>
@@ -12548,7 +14398,7 @@
     </p:spTree>
     <p:extLst>
       <p:ext uri="{BB962C8B-B14F-4D97-AF65-F5344CB8AC3E}">
-        <p14:creationId xmlns:p14="http://schemas.microsoft.com/office/powerpoint/2010/main" val="3500380864"/>
+        <p14:creationId xmlns:p14="http://schemas.microsoft.com/office/powerpoint/2010/main" val="1160295806"/>
       </p:ext>
     </p:extLst>
   </p:cSld>
@@ -12598,8 +14448,8 @@
         </p:nvSpPr>
         <p:spPr>
           <a:xfrm>
-            <a:off x="5425440" y="2898370"/>
-            <a:ext cx="1313180" cy="369332"/>
+            <a:off x="5364481" y="2859577"/>
+            <a:ext cx="1496179" cy="369332"/>
           </a:xfrm>
           <a:prstGeom prst="rect">
             <a:avLst/>
@@ -12614,7 +14464,7 @@
           <a:p>
             <a:r>
               <a:rPr lang="sv-SE" dirty="0" smtClean="0"/>
-              <a:t>Deathwatch</a:t>
+              <a:t>Actor lifecycle</a:t>
             </a:r>
           </a:p>
         </p:txBody>
@@ -12622,7 +14472,7 @@
     </p:spTree>
     <p:extLst>
       <p:ext uri="{BB962C8B-B14F-4D97-AF65-F5344CB8AC3E}">
-        <p14:creationId xmlns:p14="http://schemas.microsoft.com/office/powerpoint/2010/main" val="2098990944"/>
+        <p14:creationId xmlns:p14="http://schemas.microsoft.com/office/powerpoint/2010/main" val="3500380864"/>
       </p:ext>
     </p:extLst>
   </p:cSld>
@@ -12673,7 +14523,7 @@
         <p:spPr>
           <a:xfrm>
             <a:off x="5425440" y="2898370"/>
-            <a:ext cx="2508635" cy="1200329"/>
+            <a:ext cx="1313180" cy="369332"/>
           </a:xfrm>
           <a:prstGeom prst="rect">
             <a:avLst/>
@@ -12688,25 +14538,7 @@
           <a:p>
             <a:r>
               <a:rPr lang="sv-SE" dirty="0" smtClean="0"/>
-              <a:t>Distributed failures</a:t>
-            </a:r>
-          </a:p>
-          <a:p>
-            <a:r>
-              <a:rPr lang="sv-SE" dirty="0" smtClean="0"/>
-              <a:t>Lost nodes</a:t>
-            </a:r>
-          </a:p>
-          <a:p>
-            <a:r>
-              <a:rPr lang="sv-SE" dirty="0" smtClean="0"/>
-              <a:t>Network problems</a:t>
-            </a:r>
-          </a:p>
-          <a:p>
-            <a:r>
-              <a:rPr lang="sv-SE" dirty="0" smtClean="0"/>
-              <a:t>How do you handle this?</a:t>
+              <a:t>Deathwatch</a:t>
             </a:r>
           </a:p>
         </p:txBody>
@@ -12714,7 +14546,7 @@
     </p:spTree>
     <p:extLst>
       <p:ext uri="{BB962C8B-B14F-4D97-AF65-F5344CB8AC3E}">
-        <p14:creationId xmlns:p14="http://schemas.microsoft.com/office/powerpoint/2010/main" val="4086515343"/>
+        <p14:creationId xmlns:p14="http://schemas.microsoft.com/office/powerpoint/2010/main" val="2098990944"/>
       </p:ext>
     </p:extLst>
   </p:cSld>
@@ -12737,7 +14569,7 @@
     <p:bg>
       <p:bgPr>
         <a:solidFill>
-          <a:srgbClr val="282828"/>
+          <a:schemeClr val="tx1"/>
         </a:solidFill>
         <a:effectLst/>
       </p:bgPr>
@@ -12756,39 +14588,40 @@
           <a:chExt cx="0" cy="0"/>
         </a:xfrm>
       </p:grpSpPr>
-      <p:sp>
-        <p:nvSpPr>
-          <p:cNvPr id="4" name="TextBox 3"/>
-          <p:cNvSpPr txBox="1"/>
+      <p:pic>
+        <p:nvPicPr>
+          <p:cNvPr id="2" name="Picture 1"/>
+          <p:cNvPicPr>
+            <a:picLocks noChangeAspect="1"/>
+          </p:cNvPicPr>
           <p:nvPr/>
-        </p:nvSpPr>
+        </p:nvPicPr>
+        <p:blipFill>
+          <a:blip r:embed="rId2" cstate="print">
+            <a:extLst>
+              <a:ext uri="{28A0092B-C50C-407E-A947-70E740481C1C}">
+                <a14:useLocalDpi xmlns:a14="http://schemas.microsoft.com/office/drawing/2010/main" val="0"/>
+              </a:ext>
+            </a:extLst>
+          </a:blip>
+          <a:stretch>
+            <a:fillRect/>
+          </a:stretch>
+        </p:blipFill>
         <p:spPr>
           <a:xfrm>
-            <a:off x="4217324" y="2881745"/>
-            <a:ext cx="3437159" cy="369332"/>
+            <a:off x="2525260" y="509010"/>
+            <a:ext cx="7167380" cy="5649550"/>
           </a:xfrm>
           <a:prstGeom prst="rect">
             <a:avLst/>
           </a:prstGeom>
-          <a:noFill/>
         </p:spPr>
-        <p:txBody>
-          <a:bodyPr wrap="none" rtlCol="0">
-            <a:spAutoFit/>
-          </a:bodyPr>
-          <a:lstStyle/>
-          <a:p>
-            <a:r>
-              <a:rPr lang="sv-SE" dirty="0" smtClean="0"/>
-              <a:t>A failing Escalator is still a staircase</a:t>
-            </a:r>
-          </a:p>
-        </p:txBody>
-      </p:sp>
+      </p:pic>
     </p:spTree>
     <p:extLst>
       <p:ext uri="{BB962C8B-B14F-4D97-AF65-F5344CB8AC3E}">
-        <p14:creationId xmlns:p14="http://schemas.microsoft.com/office/powerpoint/2010/main" val="3083332508"/>
+        <p14:creationId xmlns:p14="http://schemas.microsoft.com/office/powerpoint/2010/main" val="740975454"/>
       </p:ext>
     </p:extLst>
   </p:cSld>
@@ -12838,8 +14671,8 @@
         </p:nvSpPr>
         <p:spPr>
           <a:xfrm>
-            <a:off x="3984567" y="2920538"/>
-            <a:ext cx="4476162" cy="369332"/>
+            <a:off x="5425440" y="2898370"/>
+            <a:ext cx="2508635" cy="1200329"/>
           </a:xfrm>
           <a:prstGeom prst="rect">
             <a:avLst/>
@@ -12854,7 +14687,25 @@
           <a:p>
             <a:r>
               <a:rPr lang="sv-SE" dirty="0" smtClean="0"/>
-              <a:t>Persistencec. Rehydrate actors on a new node</a:t>
+              <a:t>Distributed failures</a:t>
+            </a:r>
+          </a:p>
+          <a:p>
+            <a:r>
+              <a:rPr lang="sv-SE" dirty="0" smtClean="0"/>
+              <a:t>Lost nodes</a:t>
+            </a:r>
+          </a:p>
+          <a:p>
+            <a:r>
+              <a:rPr lang="sv-SE" dirty="0" smtClean="0"/>
+              <a:t>Network problems</a:t>
+            </a:r>
+          </a:p>
+          <a:p>
+            <a:r>
+              <a:rPr lang="sv-SE" dirty="0" smtClean="0"/>
+              <a:t>How do you handle this?</a:t>
             </a:r>
           </a:p>
         </p:txBody>
@@ -12862,7 +14713,7 @@
     </p:spTree>
     <p:extLst>
       <p:ext uri="{BB962C8B-B14F-4D97-AF65-F5344CB8AC3E}">
-        <p14:creationId xmlns:p14="http://schemas.microsoft.com/office/powerpoint/2010/main" val="280704041"/>
+        <p14:creationId xmlns:p14="http://schemas.microsoft.com/office/powerpoint/2010/main" val="4086515343"/>
       </p:ext>
     </p:extLst>
   </p:cSld>
@@ -12913,7 +14764,7 @@
         <p:spPr>
           <a:xfrm>
             <a:off x="3984567" y="2920538"/>
-            <a:ext cx="2729080" cy="646331"/>
+            <a:ext cx="4476162" cy="369332"/>
           </a:xfrm>
           <a:prstGeom prst="rect">
             <a:avLst/>
@@ -12927,8 +14778,8 @@
           <a:lstStyle/>
           <a:p>
             <a:r>
-              <a:rPr lang="sv-SE" sz="3600" dirty="0" smtClean="0"/>
-              <a:t>Virtual Actors</a:t>
+              <a:rPr lang="sv-SE" dirty="0" smtClean="0"/>
+              <a:t>Persistencec. Rehydrate actors on a new node</a:t>
             </a:r>
           </a:p>
         </p:txBody>
@@ -12936,7 +14787,7 @@
     </p:spTree>
     <p:extLst>
       <p:ext uri="{BB962C8B-B14F-4D97-AF65-F5344CB8AC3E}">
-        <p14:creationId xmlns:p14="http://schemas.microsoft.com/office/powerpoint/2010/main" val="3982595939"/>
+        <p14:creationId xmlns:p14="http://schemas.microsoft.com/office/powerpoint/2010/main" val="280704041"/>
       </p:ext>
     </p:extLst>
   </p:cSld>
@@ -12987,6 +14838,80 @@
         <p:spPr>
           <a:xfrm>
             <a:off x="3984567" y="2920538"/>
+            <a:ext cx="2729080" cy="646331"/>
+          </a:xfrm>
+          <a:prstGeom prst="rect">
+            <a:avLst/>
+          </a:prstGeom>
+          <a:noFill/>
+        </p:spPr>
+        <p:txBody>
+          <a:bodyPr wrap="none" rtlCol="0">
+            <a:spAutoFit/>
+          </a:bodyPr>
+          <a:lstStyle/>
+          <a:p>
+            <a:r>
+              <a:rPr lang="sv-SE" sz="3600" dirty="0" smtClean="0"/>
+              <a:t>Virtual Actors</a:t>
+            </a:r>
+          </a:p>
+        </p:txBody>
+      </p:sp>
+    </p:spTree>
+    <p:extLst>
+      <p:ext uri="{BB962C8B-B14F-4D97-AF65-F5344CB8AC3E}">
+        <p14:creationId xmlns:p14="http://schemas.microsoft.com/office/powerpoint/2010/main" val="3982595939"/>
+      </p:ext>
+    </p:extLst>
+  </p:cSld>
+  <p:clrMapOvr>
+    <a:masterClrMapping/>
+  </p:clrMapOvr>
+  <p:timing>
+    <p:tnLst>
+      <p:par>
+        <p:cTn id="1" dur="indefinite" restart="never" nodeType="tmRoot"/>
+      </p:par>
+    </p:tnLst>
+  </p:timing>
+</p:sld>
+</file>
+
+<file path=ppt/slides/slide23.xml><?xml version="1.0" encoding="utf-8"?>
+<p:sld xmlns:a="http://schemas.openxmlformats.org/drawingml/2006/main" xmlns:r="http://schemas.openxmlformats.org/officeDocument/2006/relationships" xmlns:p="http://schemas.openxmlformats.org/presentationml/2006/main">
+  <p:cSld>
+    <p:bg>
+      <p:bgPr>
+        <a:solidFill>
+          <a:srgbClr val="282828"/>
+        </a:solidFill>
+        <a:effectLst/>
+      </p:bgPr>
+    </p:bg>
+    <p:spTree>
+      <p:nvGrpSpPr>
+        <p:cNvPr id="1" name=""/>
+        <p:cNvGrpSpPr/>
+        <p:nvPr/>
+      </p:nvGrpSpPr>
+      <p:grpSpPr>
+        <a:xfrm>
+          <a:off x="0" y="0"/>
+          <a:ext cx="0" cy="0"/>
+          <a:chOff x="0" y="0"/>
+          <a:chExt cx="0" cy="0"/>
+        </a:xfrm>
+      </p:grpSpPr>
+      <p:sp>
+        <p:nvSpPr>
+          <p:cNvPr id="4" name="TextBox 3"/>
+          <p:cNvSpPr txBox="1"/>
+          <p:nvPr/>
+        </p:nvSpPr>
+        <p:spPr>
+          <a:xfrm>
+            <a:off x="3984567" y="2920538"/>
             <a:ext cx="2386744" cy="369332"/>
           </a:xfrm>
           <a:prstGeom prst="rect">
@@ -13027,7 +14952,7 @@
 </p:sld>
 </file>
 
-<file path=ppt/slides/slide23.xml><?xml version="1.0" encoding="utf-8"?>
+<file path=ppt/slides/slide24.xml><?xml version="1.0" encoding="utf-8"?>
 <p:sld xmlns:a="http://schemas.openxmlformats.org/drawingml/2006/main" xmlns:r="http://schemas.openxmlformats.org/officeDocument/2006/relationships" xmlns:p="http://schemas.openxmlformats.org/presentationml/2006/main">
   <p:cSld>
     <p:bg>
@@ -15236,6 +17161,267 @@
                       </p:childTnLst>
                     </p:cTn>
                   </p:par>
+                  <p:par>
+                    <p:cTn id="77" fill="hold">
+                      <p:stCondLst>
+                        <p:cond delay="indefinite"/>
+                      </p:stCondLst>
+                      <p:childTnLst>
+                        <p:par>
+                          <p:cTn id="78" fill="hold">
+                            <p:stCondLst>
+                              <p:cond delay="0"/>
+                            </p:stCondLst>
+                            <p:childTnLst>
+                              <p:par>
+                                <p:cTn id="79" presetID="53" presetClass="exit" presetSubtype="32" fill="hold" grpId="0" nodeType="clickEffect">
+                                  <p:stCondLst>
+                                    <p:cond delay="0"/>
+                                  </p:stCondLst>
+                                  <p:childTnLst>
+                                    <p:anim calcmode="lin" valueType="num">
+                                      <p:cBhvr>
+                                        <p:cTn id="80" dur="500"/>
+                                        <p:tgtEl>
+                                          <p:spTgt spid="9"/>
+                                        </p:tgtEl>
+                                        <p:attrNameLst>
+                                          <p:attrName>ppt_w</p:attrName>
+                                        </p:attrNameLst>
+                                      </p:cBhvr>
+                                      <p:tavLst>
+                                        <p:tav tm="0">
+                                          <p:val>
+                                            <p:strVal val="ppt_w"/>
+                                          </p:val>
+                                        </p:tav>
+                                        <p:tav tm="100000">
+                                          <p:val>
+                                            <p:fltVal val="0"/>
+                                          </p:val>
+                                        </p:tav>
+                                      </p:tavLst>
+                                    </p:anim>
+                                    <p:anim calcmode="lin" valueType="num">
+                                      <p:cBhvr>
+                                        <p:cTn id="81" dur="500"/>
+                                        <p:tgtEl>
+                                          <p:spTgt spid="9"/>
+                                        </p:tgtEl>
+                                        <p:attrNameLst>
+                                          <p:attrName>ppt_h</p:attrName>
+                                        </p:attrNameLst>
+                                      </p:cBhvr>
+                                      <p:tavLst>
+                                        <p:tav tm="0">
+                                          <p:val>
+                                            <p:strVal val="ppt_h"/>
+                                          </p:val>
+                                        </p:tav>
+                                        <p:tav tm="100000">
+                                          <p:val>
+                                            <p:fltVal val="0"/>
+                                          </p:val>
+                                        </p:tav>
+                                      </p:tavLst>
+                                    </p:anim>
+                                    <p:animEffect transition="out" filter="fade">
+                                      <p:cBhvr>
+                                        <p:cTn id="82" dur="500"/>
+                                        <p:tgtEl>
+                                          <p:spTgt spid="9"/>
+                                        </p:tgtEl>
+                                      </p:cBhvr>
+                                    </p:animEffect>
+                                    <p:set>
+                                      <p:cBhvr>
+                                        <p:cTn id="83" dur="1" fill="hold">
+                                          <p:stCondLst>
+                                            <p:cond delay="499"/>
+                                          </p:stCondLst>
+                                        </p:cTn>
+                                        <p:tgtEl>
+                                          <p:spTgt spid="9"/>
+                                        </p:tgtEl>
+                                        <p:attrNameLst>
+                                          <p:attrName>style.visibility</p:attrName>
+                                        </p:attrNameLst>
+                                      </p:cBhvr>
+                                      <p:to>
+                                        <p:strVal val="hidden"/>
+                                      </p:to>
+                                    </p:set>
+                                  </p:childTnLst>
+                                </p:cTn>
+                              </p:par>
+                              <p:par>
+                                <p:cTn id="84" presetID="53" presetClass="exit" presetSubtype="32" fill="hold" grpId="0" nodeType="withEffect">
+                                  <p:stCondLst>
+                                    <p:cond delay="0"/>
+                                  </p:stCondLst>
+                                  <p:childTnLst>
+                                    <p:anim calcmode="lin" valueType="num">
+                                      <p:cBhvr>
+                                        <p:cTn id="85" dur="500"/>
+                                        <p:tgtEl>
+                                          <p:spTgt spid="8"/>
+                                        </p:tgtEl>
+                                        <p:attrNameLst>
+                                          <p:attrName>ppt_w</p:attrName>
+                                        </p:attrNameLst>
+                                      </p:cBhvr>
+                                      <p:tavLst>
+                                        <p:tav tm="0">
+                                          <p:val>
+                                            <p:strVal val="ppt_w"/>
+                                          </p:val>
+                                        </p:tav>
+                                        <p:tav tm="100000">
+                                          <p:val>
+                                            <p:fltVal val="0"/>
+                                          </p:val>
+                                        </p:tav>
+                                      </p:tavLst>
+                                    </p:anim>
+                                    <p:anim calcmode="lin" valueType="num">
+                                      <p:cBhvr>
+                                        <p:cTn id="86" dur="500"/>
+                                        <p:tgtEl>
+                                          <p:spTgt spid="8"/>
+                                        </p:tgtEl>
+                                        <p:attrNameLst>
+                                          <p:attrName>ppt_h</p:attrName>
+                                        </p:attrNameLst>
+                                      </p:cBhvr>
+                                      <p:tavLst>
+                                        <p:tav tm="0">
+                                          <p:val>
+                                            <p:strVal val="ppt_h"/>
+                                          </p:val>
+                                        </p:tav>
+                                        <p:tav tm="100000">
+                                          <p:val>
+                                            <p:fltVal val="0"/>
+                                          </p:val>
+                                        </p:tav>
+                                      </p:tavLst>
+                                    </p:anim>
+                                    <p:animEffect transition="out" filter="fade">
+                                      <p:cBhvr>
+                                        <p:cTn id="87" dur="500"/>
+                                        <p:tgtEl>
+                                          <p:spTgt spid="8"/>
+                                        </p:tgtEl>
+                                      </p:cBhvr>
+                                    </p:animEffect>
+                                    <p:set>
+                                      <p:cBhvr>
+                                        <p:cTn id="88" dur="1" fill="hold">
+                                          <p:stCondLst>
+                                            <p:cond delay="499"/>
+                                          </p:stCondLst>
+                                        </p:cTn>
+                                        <p:tgtEl>
+                                          <p:spTgt spid="8"/>
+                                        </p:tgtEl>
+                                        <p:attrNameLst>
+                                          <p:attrName>style.visibility</p:attrName>
+                                        </p:attrNameLst>
+                                      </p:cBhvr>
+                                      <p:to>
+                                        <p:strVal val="hidden"/>
+                                      </p:to>
+                                    </p:set>
+                                  </p:childTnLst>
+                                </p:cTn>
+                              </p:par>
+                              <p:par>
+                                <p:cTn id="89" presetID="53" presetClass="exit" presetSubtype="32" fill="hold" grpId="0" nodeType="withEffect">
+                                  <p:stCondLst>
+                                    <p:cond delay="0"/>
+                                  </p:stCondLst>
+                                  <p:childTnLst>
+                                    <p:anim calcmode="lin" valueType="num">
+                                      <p:cBhvr>
+                                        <p:cTn id="90" dur="500"/>
+                                        <p:tgtEl>
+                                          <p:spTgt spid="6"/>
+                                        </p:tgtEl>
+                                        <p:attrNameLst>
+                                          <p:attrName>ppt_w</p:attrName>
+                                        </p:attrNameLst>
+                                      </p:cBhvr>
+                                      <p:tavLst>
+                                        <p:tav tm="0">
+                                          <p:val>
+                                            <p:strVal val="ppt_w"/>
+                                          </p:val>
+                                        </p:tav>
+                                        <p:tav tm="100000">
+                                          <p:val>
+                                            <p:fltVal val="0"/>
+                                          </p:val>
+                                        </p:tav>
+                                      </p:tavLst>
+                                    </p:anim>
+                                    <p:anim calcmode="lin" valueType="num">
+                                      <p:cBhvr>
+                                        <p:cTn id="91" dur="500"/>
+                                        <p:tgtEl>
+                                          <p:spTgt spid="6"/>
+                                        </p:tgtEl>
+                                        <p:attrNameLst>
+                                          <p:attrName>ppt_h</p:attrName>
+                                        </p:attrNameLst>
+                                      </p:cBhvr>
+                                      <p:tavLst>
+                                        <p:tav tm="0">
+                                          <p:val>
+                                            <p:strVal val="ppt_h"/>
+                                          </p:val>
+                                        </p:tav>
+                                        <p:tav tm="100000">
+                                          <p:val>
+                                            <p:fltVal val="0"/>
+                                          </p:val>
+                                        </p:tav>
+                                      </p:tavLst>
+                                    </p:anim>
+                                    <p:animEffect transition="out" filter="fade">
+                                      <p:cBhvr>
+                                        <p:cTn id="92" dur="500"/>
+                                        <p:tgtEl>
+                                          <p:spTgt spid="6"/>
+                                        </p:tgtEl>
+                                      </p:cBhvr>
+                                    </p:animEffect>
+                                    <p:set>
+                                      <p:cBhvr>
+                                        <p:cTn id="93" dur="1" fill="hold">
+                                          <p:stCondLst>
+                                            <p:cond delay="499"/>
+                                          </p:stCondLst>
+                                        </p:cTn>
+                                        <p:tgtEl>
+                                          <p:spTgt spid="6"/>
+                                        </p:tgtEl>
+                                        <p:attrNameLst>
+                                          <p:attrName>style.visibility</p:attrName>
+                                        </p:attrNameLst>
+                                      </p:cBhvr>
+                                      <p:to>
+                                        <p:strVal val="hidden"/>
+                                      </p:to>
+                                    </p:set>
+                                  </p:childTnLst>
+                                </p:cTn>
+                              </p:par>
+                            </p:childTnLst>
+                          </p:cTn>
+                        </p:par>
+                      </p:childTnLst>
+                    </p:cTn>
+                  </p:par>
                 </p:childTnLst>
               </p:cTn>
               <p:prevCondLst>
@@ -15258,7 +17444,10 @@
       </p:par>
     </p:tnLst>
     <p:bldLst>
+      <p:bldP spid="6" grpId="0" animBg="1"/>
+      <p:bldP spid="8" grpId="0" animBg="1"/>
       <p:bldP spid="5" grpId="0" animBg="1"/>
+      <p:bldP spid="9" grpId="0" animBg="1"/>
       <p:bldP spid="49" grpId="0" animBg="1"/>
       <p:bldP spid="49" grpId="1" animBg="1"/>
       <p:bldP spid="50" grpId="0" animBg="1"/>
@@ -15272,7 +17461,7 @@
 </p:sld>
 </file>
 
-<file path=ppt/slides/slide24.xml><?xml version="1.0" encoding="utf-8"?>
+<file path=ppt/slides/slide25.xml><?xml version="1.0" encoding="utf-8"?>
 <p:sld xmlns:a="http://schemas.openxmlformats.org/drawingml/2006/main" xmlns:r="http://schemas.openxmlformats.org/officeDocument/2006/relationships" xmlns:p="http://schemas.openxmlformats.org/presentationml/2006/main">
   <p:cSld>
     <p:bg>
@@ -15346,7 +17535,7 @@
 </p:sld>
 </file>
 
-<file path=ppt/slides/slide25.xml><?xml version="1.0" encoding="utf-8"?>
+<file path=ppt/slides/slide26.xml><?xml version="1.0" encoding="utf-8"?>
 <p:sld xmlns:a="http://schemas.openxmlformats.org/drawingml/2006/main" xmlns:r="http://schemas.openxmlformats.org/officeDocument/2006/relationships" xmlns:p="http://schemas.openxmlformats.org/presentationml/2006/main">
   <p:cSld>
     <p:bg>
@@ -17642,7 +19831,7 @@
 </p:sld>
 </file>
 
-<file path=ppt/slides/slide26.xml><?xml version="1.0" encoding="utf-8"?>
+<file path=ppt/slides/slide27.xml><?xml version="1.0" encoding="utf-8"?>
 <p:sld xmlns:a="http://schemas.openxmlformats.org/drawingml/2006/main" xmlns:r="http://schemas.openxmlformats.org/officeDocument/2006/relationships" xmlns:p="http://schemas.openxmlformats.org/presentationml/2006/main">
   <p:cSld>
     <p:bg>
@@ -18304,40 +20493,39 @@
           <a:chExt cx="0" cy="0"/>
         </a:xfrm>
       </p:grpSpPr>
-      <p:sp>
-        <p:nvSpPr>
-          <p:cNvPr id="4" name="TextBox 3"/>
-          <p:cNvSpPr txBox="1"/>
+      <p:pic>
+        <p:nvPicPr>
+          <p:cNvPr id="2" name="Picture 1"/>
+          <p:cNvPicPr>
+            <a:picLocks noChangeAspect="1"/>
+          </p:cNvPicPr>
           <p:nvPr/>
-        </p:nvSpPr>
+        </p:nvPicPr>
+        <p:blipFill rotWithShape="1">
+          <a:blip r:embed="rId2">
+            <a:extLst>
+              <a:ext uri="{28A0092B-C50C-407E-A947-70E740481C1C}">
+                <a14:useLocalDpi xmlns:a14="http://schemas.microsoft.com/office/drawing/2010/main" val="0"/>
+              </a:ext>
+            </a:extLst>
+          </a:blip>
+          <a:srcRect t="29825"/>
+          <a:stretch/>
+        </p:blipFill>
         <p:spPr>
           <a:xfrm>
-            <a:off x="4217324" y="2881745"/>
-            <a:ext cx="3528530" cy="369332"/>
+            <a:off x="0" y="0"/>
+            <a:ext cx="12192000" cy="6858000"/>
           </a:xfrm>
           <a:prstGeom prst="rect">
             <a:avLst/>
           </a:prstGeom>
-          <a:noFill/>
         </p:spPr>
-        <p:txBody>
-          <a:bodyPr wrap="none" rtlCol="0">
-            <a:spAutoFit/>
-          </a:bodyPr>
-          <a:lstStyle/>
-          <a:p>
-            <a:r>
-              <a:rPr lang="sv-SE" dirty="0"/>
-              <a:t>Bulkheading, compartmentalisation</a:t>
-            </a:r>
-            <a:endParaRPr lang="sv-SE" dirty="0" smtClean="0"/>
-          </a:p>
-        </p:txBody>
-      </p:sp>
+      </p:pic>
     </p:spTree>
     <p:extLst>
       <p:ext uri="{BB962C8B-B14F-4D97-AF65-F5344CB8AC3E}">
-        <p14:creationId xmlns:p14="http://schemas.microsoft.com/office/powerpoint/2010/main" val="1683269903"/>
+        <p14:creationId xmlns:p14="http://schemas.microsoft.com/office/powerpoint/2010/main" val="3083332508"/>
       </p:ext>
     </p:extLst>
   </p:cSld>
@@ -18360,7 +20548,7 @@
     <p:bg>
       <p:bgPr>
         <a:solidFill>
-          <a:srgbClr val="282828"/>
+          <a:srgbClr val="1F4E79"/>
         </a:solidFill>
         <a:effectLst/>
       </p:bgPr>
@@ -18379,16 +20567,1914 @@
           <a:chExt cx="0" cy="0"/>
         </a:xfrm>
       </p:grpSpPr>
+      <p:grpSp>
+        <p:nvGrpSpPr>
+          <p:cNvPr id="82" name="Group 81"/>
+          <p:cNvGrpSpPr/>
+          <p:nvPr/>
+        </p:nvGrpSpPr>
+        <p:grpSpPr>
+          <a:xfrm>
+            <a:off x="904596" y="478188"/>
+            <a:ext cx="10266002" cy="2916051"/>
+            <a:chOff x="355198" y="2973913"/>
+            <a:chExt cx="10266002" cy="2916051"/>
+          </a:xfrm>
+          <a:solidFill>
+            <a:srgbClr val="00B0F0"/>
+          </a:solidFill>
+          <a:effectLst/>
+        </p:grpSpPr>
+        <p:grpSp>
+          <p:nvGrpSpPr>
+            <p:cNvPr id="79" name="Group 78"/>
+            <p:cNvGrpSpPr/>
+            <p:nvPr/>
+          </p:nvGrpSpPr>
+          <p:grpSpPr>
+            <a:xfrm>
+              <a:off x="3792735" y="4048732"/>
+              <a:ext cx="3284070" cy="527563"/>
+              <a:chOff x="3792735" y="4048732"/>
+              <a:chExt cx="3284070" cy="527563"/>
+            </a:xfrm>
+            <a:grpFill/>
+          </p:grpSpPr>
+          <p:grpSp>
+            <p:nvGrpSpPr>
+              <p:cNvPr id="75" name="Group 74"/>
+              <p:cNvGrpSpPr/>
+              <p:nvPr/>
+            </p:nvGrpSpPr>
+            <p:grpSpPr>
+              <a:xfrm>
+                <a:off x="6618886" y="4048732"/>
+                <a:ext cx="457919" cy="510942"/>
+                <a:chOff x="5307806" y="2943224"/>
+                <a:chExt cx="226219" cy="252413"/>
+              </a:xfrm>
+              <a:grpFill/>
+            </p:grpSpPr>
+            <p:cxnSp>
+              <p:nvCxnSpPr>
+                <p:cNvPr id="77" name="Straight Connector 76"/>
+                <p:cNvCxnSpPr>
+                  <a:stCxn id="76" idx="3"/>
+                </p:cNvCxnSpPr>
+                <p:nvPr/>
+              </p:nvCxnSpPr>
+              <p:spPr>
+                <a:xfrm>
+                  <a:off x="5450682" y="3069431"/>
+                  <a:ext cx="83343" cy="126206"/>
+                </a:xfrm>
+                <a:prstGeom prst="line">
+                  <a:avLst/>
+                </a:prstGeom>
+                <a:grpFill/>
+                <a:ln w="38100" cap="sq">
+                  <a:solidFill>
+                    <a:srgbClr val="00B0F0"/>
+                  </a:solidFill>
+                  <a:bevel/>
+                  <a:headEnd w="sm" len="med"/>
+                  <a:tailEnd type="none" w="sm" len="sm"/>
+                </a:ln>
+                <a:effectLst/>
+                <a:scene3d>
+                  <a:camera prst="orthographicFront"/>
+                  <a:lightRig rig="threePt" dir="t"/>
+                </a:scene3d>
+                <a:sp3d/>
+              </p:spPr>
+              <p:style>
+                <a:lnRef idx="1">
+                  <a:schemeClr val="accent1"/>
+                </a:lnRef>
+                <a:fillRef idx="0">
+                  <a:schemeClr val="accent1"/>
+                </a:fillRef>
+                <a:effectRef idx="0">
+                  <a:schemeClr val="accent1"/>
+                </a:effectRef>
+                <a:fontRef idx="minor">
+                  <a:schemeClr val="tx1"/>
+                </a:fontRef>
+              </p:style>
+            </p:cxnSp>
+            <p:cxnSp>
+              <p:nvCxnSpPr>
+                <p:cNvPr id="78" name="Straight Connector 77"/>
+                <p:cNvCxnSpPr>
+                  <a:stCxn id="76" idx="1"/>
+                </p:cNvCxnSpPr>
+                <p:nvPr/>
+              </p:nvCxnSpPr>
+              <p:spPr>
+                <a:xfrm flipH="1">
+                  <a:off x="5307806" y="3069431"/>
+                  <a:ext cx="82153" cy="126206"/>
+                </a:xfrm>
+                <a:prstGeom prst="line">
+                  <a:avLst/>
+                </a:prstGeom>
+                <a:grpFill/>
+                <a:ln w="38100" cap="sq">
+                  <a:solidFill>
+                    <a:srgbClr val="00B0F0"/>
+                  </a:solidFill>
+                  <a:round/>
+                  <a:headEnd w="sm" len="med"/>
+                  <a:tailEnd type="none" w="sm" len="sm"/>
+                </a:ln>
+                <a:effectLst/>
+                <a:scene3d>
+                  <a:camera prst="orthographicFront"/>
+                  <a:lightRig rig="threePt" dir="t"/>
+                </a:scene3d>
+                <a:sp3d/>
+              </p:spPr>
+              <p:style>
+                <a:lnRef idx="1">
+                  <a:schemeClr val="accent1"/>
+                </a:lnRef>
+                <a:fillRef idx="0">
+                  <a:schemeClr val="accent1"/>
+                </a:fillRef>
+                <a:effectRef idx="0">
+                  <a:schemeClr val="accent1"/>
+                </a:effectRef>
+                <a:fontRef idx="minor">
+                  <a:schemeClr val="tx1"/>
+                </a:fontRef>
+              </p:style>
+            </p:cxnSp>
+            <p:sp>
+              <p:nvSpPr>
+                <p:cNvPr id="76" name="Rectangle 75"/>
+                <p:cNvSpPr/>
+                <p:nvPr/>
+              </p:nvSpPr>
+              <p:spPr>
+                <a:xfrm>
+                  <a:off x="5389959" y="2943224"/>
+                  <a:ext cx="60723" cy="252413"/>
+                </a:xfrm>
+                <a:prstGeom prst="rect">
+                  <a:avLst/>
+                </a:prstGeom>
+                <a:grpFill/>
+                <a:ln w="19050">
+                  <a:solidFill>
+                    <a:srgbClr val="1F4E79"/>
+                  </a:solidFill>
+                </a:ln>
+              </p:spPr>
+              <p:style>
+                <a:lnRef idx="2">
+                  <a:schemeClr val="accent1">
+                    <a:shade val="50000"/>
+                  </a:schemeClr>
+                </a:lnRef>
+                <a:fillRef idx="1">
+                  <a:schemeClr val="accent1"/>
+                </a:fillRef>
+                <a:effectRef idx="0">
+                  <a:schemeClr val="accent1"/>
+                </a:effectRef>
+                <a:fontRef idx="minor">
+                  <a:schemeClr val="lt1"/>
+                </a:fontRef>
+              </p:style>
+              <p:txBody>
+                <a:bodyPr rtlCol="0" anchor="ctr"/>
+                <a:lstStyle/>
+                <a:p>
+                  <a:pPr algn="ctr"/>
+                  <a:endParaRPr lang="sv-SE"/>
+                </a:p>
+              </p:txBody>
+            </p:sp>
+          </p:grpSp>
+          <p:grpSp>
+            <p:nvGrpSpPr>
+              <p:cNvPr id="71" name="Group 70"/>
+              <p:cNvGrpSpPr/>
+              <p:nvPr/>
+            </p:nvGrpSpPr>
+            <p:grpSpPr>
+              <a:xfrm>
+                <a:off x="5114633" y="4065353"/>
+                <a:ext cx="457919" cy="510942"/>
+                <a:chOff x="5307806" y="2943224"/>
+                <a:chExt cx="226219" cy="252413"/>
+              </a:xfrm>
+              <a:grpFill/>
+            </p:grpSpPr>
+            <p:cxnSp>
+              <p:nvCxnSpPr>
+                <p:cNvPr id="73" name="Straight Connector 72"/>
+                <p:cNvCxnSpPr>
+                  <a:stCxn id="72" idx="3"/>
+                </p:cNvCxnSpPr>
+                <p:nvPr/>
+              </p:nvCxnSpPr>
+              <p:spPr>
+                <a:xfrm>
+                  <a:off x="5450682" y="3069431"/>
+                  <a:ext cx="83343" cy="126206"/>
+                </a:xfrm>
+                <a:prstGeom prst="line">
+                  <a:avLst/>
+                </a:prstGeom>
+                <a:grpFill/>
+                <a:ln w="38100" cap="sq">
+                  <a:solidFill>
+                    <a:srgbClr val="00B0F0"/>
+                  </a:solidFill>
+                  <a:bevel/>
+                  <a:headEnd w="sm" len="med"/>
+                  <a:tailEnd type="none" w="sm" len="sm"/>
+                </a:ln>
+                <a:effectLst/>
+                <a:scene3d>
+                  <a:camera prst="orthographicFront"/>
+                  <a:lightRig rig="threePt" dir="t"/>
+                </a:scene3d>
+                <a:sp3d/>
+              </p:spPr>
+              <p:style>
+                <a:lnRef idx="1">
+                  <a:schemeClr val="accent1"/>
+                </a:lnRef>
+                <a:fillRef idx="0">
+                  <a:schemeClr val="accent1"/>
+                </a:fillRef>
+                <a:effectRef idx="0">
+                  <a:schemeClr val="accent1"/>
+                </a:effectRef>
+                <a:fontRef idx="minor">
+                  <a:schemeClr val="tx1"/>
+                </a:fontRef>
+              </p:style>
+            </p:cxnSp>
+            <p:cxnSp>
+              <p:nvCxnSpPr>
+                <p:cNvPr id="74" name="Straight Connector 73"/>
+                <p:cNvCxnSpPr>
+                  <a:stCxn id="72" idx="1"/>
+                </p:cNvCxnSpPr>
+                <p:nvPr/>
+              </p:nvCxnSpPr>
+              <p:spPr>
+                <a:xfrm flipH="1">
+                  <a:off x="5307806" y="3069431"/>
+                  <a:ext cx="82153" cy="126206"/>
+                </a:xfrm>
+                <a:prstGeom prst="line">
+                  <a:avLst/>
+                </a:prstGeom>
+                <a:grpFill/>
+                <a:ln w="38100" cap="sq">
+                  <a:solidFill>
+                    <a:srgbClr val="00B0F0"/>
+                  </a:solidFill>
+                  <a:round/>
+                  <a:headEnd w="sm" len="med"/>
+                  <a:tailEnd type="none" w="sm" len="sm"/>
+                </a:ln>
+                <a:effectLst/>
+                <a:scene3d>
+                  <a:camera prst="orthographicFront"/>
+                  <a:lightRig rig="threePt" dir="t"/>
+                </a:scene3d>
+                <a:sp3d/>
+              </p:spPr>
+              <p:style>
+                <a:lnRef idx="1">
+                  <a:schemeClr val="accent1"/>
+                </a:lnRef>
+                <a:fillRef idx="0">
+                  <a:schemeClr val="accent1"/>
+                </a:fillRef>
+                <a:effectRef idx="0">
+                  <a:schemeClr val="accent1"/>
+                </a:effectRef>
+                <a:fontRef idx="minor">
+                  <a:schemeClr val="tx1"/>
+                </a:fontRef>
+              </p:style>
+            </p:cxnSp>
+            <p:sp>
+              <p:nvSpPr>
+                <p:cNvPr id="72" name="Rectangle 71"/>
+                <p:cNvSpPr/>
+                <p:nvPr/>
+              </p:nvSpPr>
+              <p:spPr>
+                <a:xfrm>
+                  <a:off x="5389959" y="2943224"/>
+                  <a:ext cx="60723" cy="252413"/>
+                </a:xfrm>
+                <a:prstGeom prst="rect">
+                  <a:avLst/>
+                </a:prstGeom>
+                <a:grpFill/>
+                <a:ln w="19050">
+                  <a:solidFill>
+                    <a:srgbClr val="1F4E79"/>
+                  </a:solidFill>
+                </a:ln>
+              </p:spPr>
+              <p:style>
+                <a:lnRef idx="2">
+                  <a:schemeClr val="accent1">
+                    <a:shade val="50000"/>
+                  </a:schemeClr>
+                </a:lnRef>
+                <a:fillRef idx="1">
+                  <a:schemeClr val="accent1"/>
+                </a:fillRef>
+                <a:effectRef idx="0">
+                  <a:schemeClr val="accent1"/>
+                </a:effectRef>
+                <a:fontRef idx="minor">
+                  <a:schemeClr val="lt1"/>
+                </a:fontRef>
+              </p:style>
+              <p:txBody>
+                <a:bodyPr rtlCol="0" anchor="ctr"/>
+                <a:lstStyle/>
+                <a:p>
+                  <a:pPr algn="ctr"/>
+                  <a:endParaRPr lang="sv-SE"/>
+                </a:p>
+              </p:txBody>
+            </p:sp>
+          </p:grpSp>
+          <p:grpSp>
+            <p:nvGrpSpPr>
+              <p:cNvPr id="26" name="Group 25"/>
+              <p:cNvGrpSpPr/>
+              <p:nvPr/>
+            </p:nvGrpSpPr>
+            <p:grpSpPr>
+              <a:xfrm>
+                <a:off x="3792735" y="4065353"/>
+                <a:ext cx="457908" cy="510942"/>
+                <a:chOff x="5307816" y="2943224"/>
+                <a:chExt cx="226214" cy="252413"/>
+              </a:xfrm>
+              <a:grpFill/>
+            </p:grpSpPr>
+            <p:cxnSp>
+              <p:nvCxnSpPr>
+                <p:cNvPr id="28" name="Straight Connector 27"/>
+                <p:cNvCxnSpPr>
+                  <a:stCxn id="27" idx="3"/>
+                </p:cNvCxnSpPr>
+                <p:nvPr/>
+              </p:nvCxnSpPr>
+              <p:spPr>
+                <a:xfrm>
+                  <a:off x="5450687" y="3069431"/>
+                  <a:ext cx="83343" cy="126206"/>
+                </a:xfrm>
+                <a:prstGeom prst="line">
+                  <a:avLst/>
+                </a:prstGeom>
+                <a:grpFill/>
+                <a:ln w="38100" cap="sq">
+                  <a:solidFill>
+                    <a:srgbClr val="00B0F0"/>
+                  </a:solidFill>
+                  <a:bevel/>
+                  <a:headEnd w="sm" len="med"/>
+                  <a:tailEnd type="none" w="sm" len="sm"/>
+                </a:ln>
+                <a:effectLst/>
+                <a:scene3d>
+                  <a:camera prst="orthographicFront"/>
+                  <a:lightRig rig="threePt" dir="t"/>
+                </a:scene3d>
+                <a:sp3d/>
+              </p:spPr>
+              <p:style>
+                <a:lnRef idx="1">
+                  <a:schemeClr val="accent1"/>
+                </a:lnRef>
+                <a:fillRef idx="0">
+                  <a:schemeClr val="accent1"/>
+                </a:fillRef>
+                <a:effectRef idx="0">
+                  <a:schemeClr val="accent1"/>
+                </a:effectRef>
+                <a:fontRef idx="minor">
+                  <a:schemeClr val="tx1"/>
+                </a:fontRef>
+              </p:style>
+            </p:cxnSp>
+            <p:cxnSp>
+              <p:nvCxnSpPr>
+                <p:cNvPr id="29" name="Straight Connector 28"/>
+                <p:cNvCxnSpPr>
+                  <a:stCxn id="27" idx="1"/>
+                </p:cNvCxnSpPr>
+                <p:nvPr/>
+              </p:nvCxnSpPr>
+              <p:spPr>
+                <a:xfrm flipH="1">
+                  <a:off x="5307811" y="3069431"/>
+                  <a:ext cx="82153" cy="126206"/>
+                </a:xfrm>
+                <a:prstGeom prst="line">
+                  <a:avLst/>
+                </a:prstGeom>
+                <a:grpFill/>
+                <a:ln w="38100" cap="sq">
+                  <a:solidFill>
+                    <a:srgbClr val="00B0F0"/>
+                  </a:solidFill>
+                  <a:round/>
+                  <a:headEnd w="sm" len="med"/>
+                  <a:tailEnd type="none" w="sm" len="sm"/>
+                </a:ln>
+                <a:effectLst/>
+                <a:scene3d>
+                  <a:camera prst="orthographicFront"/>
+                  <a:lightRig rig="threePt" dir="t"/>
+                </a:scene3d>
+                <a:sp3d/>
+              </p:spPr>
+              <p:style>
+                <a:lnRef idx="1">
+                  <a:schemeClr val="accent1"/>
+                </a:lnRef>
+                <a:fillRef idx="0">
+                  <a:schemeClr val="accent1"/>
+                </a:fillRef>
+                <a:effectRef idx="0">
+                  <a:schemeClr val="accent1"/>
+                </a:effectRef>
+                <a:fontRef idx="minor">
+                  <a:schemeClr val="tx1"/>
+                </a:fontRef>
+              </p:style>
+            </p:cxnSp>
+            <p:sp>
+              <p:nvSpPr>
+                <p:cNvPr id="27" name="Rectangle 26"/>
+                <p:cNvSpPr/>
+                <p:nvPr/>
+              </p:nvSpPr>
+              <p:spPr>
+                <a:xfrm>
+                  <a:off x="5389959" y="2943224"/>
+                  <a:ext cx="60723" cy="252413"/>
+                </a:xfrm>
+                <a:prstGeom prst="rect">
+                  <a:avLst/>
+                </a:prstGeom>
+                <a:grpFill/>
+                <a:ln w="19050">
+                  <a:solidFill>
+                    <a:srgbClr val="1F4E79"/>
+                  </a:solidFill>
+                </a:ln>
+              </p:spPr>
+              <p:style>
+                <a:lnRef idx="2">
+                  <a:schemeClr val="accent1">
+                    <a:shade val="50000"/>
+                  </a:schemeClr>
+                </a:lnRef>
+                <a:fillRef idx="1">
+                  <a:schemeClr val="accent1"/>
+                </a:fillRef>
+                <a:effectRef idx="0">
+                  <a:schemeClr val="accent1"/>
+                </a:effectRef>
+                <a:fontRef idx="minor">
+                  <a:schemeClr val="lt1"/>
+                </a:fontRef>
+              </p:style>
+              <p:txBody>
+                <a:bodyPr rtlCol="0" anchor="ctr"/>
+                <a:lstStyle/>
+                <a:p>
+                  <a:pPr algn="ctr"/>
+                  <a:endParaRPr lang="sv-SE"/>
+                </a:p>
+              </p:txBody>
+            </p:sp>
+          </p:grpSp>
+        </p:grpSp>
+        <p:grpSp>
+          <p:nvGrpSpPr>
+            <p:cNvPr id="81" name="Group 80"/>
+            <p:cNvGrpSpPr/>
+            <p:nvPr/>
+          </p:nvGrpSpPr>
+          <p:grpSpPr>
+            <a:xfrm>
+              <a:off x="355198" y="2973913"/>
+              <a:ext cx="10266002" cy="2916051"/>
+              <a:chOff x="355198" y="2973913"/>
+              <a:chExt cx="10266002" cy="2916051"/>
+            </a:xfrm>
+            <a:grpFill/>
+          </p:grpSpPr>
+          <p:sp>
+            <p:nvSpPr>
+              <p:cNvPr id="2" name="Rectangle 1"/>
+              <p:cNvSpPr/>
+              <p:nvPr/>
+            </p:nvSpPr>
+            <p:spPr>
+              <a:xfrm>
+                <a:off x="1635777" y="3442728"/>
+                <a:ext cx="361864" cy="516411"/>
+              </a:xfrm>
+              <a:custGeom>
+                <a:avLst/>
+                <a:gdLst>
+                  <a:gd name="connsiteX0" fmla="*/ 0 w 228600"/>
+                  <a:gd name="connsiteY0" fmla="*/ 0 h 326232"/>
+                  <a:gd name="connsiteX1" fmla="*/ 228600 w 228600"/>
+                  <a:gd name="connsiteY1" fmla="*/ 0 h 326232"/>
+                  <a:gd name="connsiteX2" fmla="*/ 228600 w 228600"/>
+                  <a:gd name="connsiteY2" fmla="*/ 326232 h 326232"/>
+                  <a:gd name="connsiteX3" fmla="*/ 0 w 228600"/>
+                  <a:gd name="connsiteY3" fmla="*/ 326232 h 326232"/>
+                  <a:gd name="connsiteX4" fmla="*/ 0 w 228600"/>
+                  <a:gd name="connsiteY4" fmla="*/ 0 h 326232"/>
+                  <a:gd name="connsiteX0" fmla="*/ 2381 w 228600"/>
+                  <a:gd name="connsiteY0" fmla="*/ 35719 h 326232"/>
+                  <a:gd name="connsiteX1" fmla="*/ 228600 w 228600"/>
+                  <a:gd name="connsiteY1" fmla="*/ 0 h 326232"/>
+                  <a:gd name="connsiteX2" fmla="*/ 228600 w 228600"/>
+                  <a:gd name="connsiteY2" fmla="*/ 326232 h 326232"/>
+                  <a:gd name="connsiteX3" fmla="*/ 0 w 228600"/>
+                  <a:gd name="connsiteY3" fmla="*/ 326232 h 326232"/>
+                  <a:gd name="connsiteX4" fmla="*/ 2381 w 228600"/>
+                  <a:gd name="connsiteY4" fmla="*/ 35719 h 326232"/>
+                  <a:gd name="connsiteX0" fmla="*/ 2381 w 228600"/>
+                  <a:gd name="connsiteY0" fmla="*/ 45244 h 335757"/>
+                  <a:gd name="connsiteX1" fmla="*/ 183356 w 228600"/>
+                  <a:gd name="connsiteY1" fmla="*/ 0 h 335757"/>
+                  <a:gd name="connsiteX2" fmla="*/ 228600 w 228600"/>
+                  <a:gd name="connsiteY2" fmla="*/ 335757 h 335757"/>
+                  <a:gd name="connsiteX3" fmla="*/ 0 w 228600"/>
+                  <a:gd name="connsiteY3" fmla="*/ 335757 h 335757"/>
+                  <a:gd name="connsiteX4" fmla="*/ 2381 w 228600"/>
+                  <a:gd name="connsiteY4" fmla="*/ 45244 h 335757"/>
+                  <a:gd name="connsiteX0" fmla="*/ 2381 w 228600"/>
+                  <a:gd name="connsiteY0" fmla="*/ 35719 h 326232"/>
+                  <a:gd name="connsiteX1" fmla="*/ 180975 w 228600"/>
+                  <a:gd name="connsiteY1" fmla="*/ 0 h 326232"/>
+                  <a:gd name="connsiteX2" fmla="*/ 228600 w 228600"/>
+                  <a:gd name="connsiteY2" fmla="*/ 326232 h 326232"/>
+                  <a:gd name="connsiteX3" fmla="*/ 0 w 228600"/>
+                  <a:gd name="connsiteY3" fmla="*/ 326232 h 326232"/>
+                  <a:gd name="connsiteX4" fmla="*/ 2381 w 228600"/>
+                  <a:gd name="connsiteY4" fmla="*/ 35719 h 326232"/>
+                </a:gdLst>
+                <a:ahLst/>
+                <a:cxnLst>
+                  <a:cxn ang="0">
+                    <a:pos x="connsiteX0" y="connsiteY0"/>
+                  </a:cxn>
+                  <a:cxn ang="0">
+                    <a:pos x="connsiteX1" y="connsiteY1"/>
+                  </a:cxn>
+                  <a:cxn ang="0">
+                    <a:pos x="connsiteX2" y="connsiteY2"/>
+                  </a:cxn>
+                  <a:cxn ang="0">
+                    <a:pos x="connsiteX3" y="connsiteY3"/>
+                  </a:cxn>
+                  <a:cxn ang="0">
+                    <a:pos x="connsiteX4" y="connsiteY4"/>
+                  </a:cxn>
+                </a:cxnLst>
+                <a:rect l="l" t="t" r="r" b="b"/>
+                <a:pathLst>
+                  <a:path w="228600" h="326232">
+                    <a:moveTo>
+                      <a:pt x="2381" y="35719"/>
+                    </a:moveTo>
+                    <a:lnTo>
+                      <a:pt x="180975" y="0"/>
+                    </a:lnTo>
+                    <a:lnTo>
+                      <a:pt x="228600" y="326232"/>
+                    </a:lnTo>
+                    <a:lnTo>
+                      <a:pt x="0" y="326232"/>
+                    </a:lnTo>
+                    <a:cubicBezTo>
+                      <a:pt x="794" y="229394"/>
+                      <a:pt x="1587" y="132557"/>
+                      <a:pt x="2381" y="35719"/>
+                    </a:cubicBezTo>
+                    <a:close/>
+                  </a:path>
+                </a:pathLst>
+              </a:custGeom>
+              <a:grpFill/>
+              <a:ln w="19050">
+                <a:solidFill>
+                  <a:srgbClr val="1F4E79"/>
+                </a:solidFill>
+              </a:ln>
+            </p:spPr>
+            <p:style>
+              <a:lnRef idx="2">
+                <a:schemeClr val="accent1">
+                  <a:shade val="50000"/>
+                </a:schemeClr>
+              </a:lnRef>
+              <a:fillRef idx="1">
+                <a:schemeClr val="accent1"/>
+              </a:fillRef>
+              <a:effectRef idx="0">
+                <a:schemeClr val="accent1"/>
+              </a:effectRef>
+              <a:fontRef idx="minor">
+                <a:schemeClr val="lt1"/>
+              </a:fontRef>
+            </p:style>
+            <p:txBody>
+              <a:bodyPr rtlCol="0" anchor="ctr"/>
+              <a:lstStyle/>
+              <a:p>
+                <a:pPr algn="ctr"/>
+                <a:endParaRPr lang="sv-SE"/>
+              </a:p>
+            </p:txBody>
+          </p:sp>
+          <p:sp>
+            <p:nvSpPr>
+              <p:cNvPr id="70" name="Freeform 69"/>
+              <p:cNvSpPr/>
+              <p:nvPr/>
+            </p:nvSpPr>
+            <p:spPr>
+              <a:xfrm>
+                <a:off x="355198" y="2973913"/>
+                <a:ext cx="10266002" cy="2916051"/>
+              </a:xfrm>
+              <a:custGeom>
+                <a:avLst/>
+                <a:gdLst>
+                  <a:gd name="connsiteX0" fmla="*/ 1329239 w 6102996"/>
+                  <a:gd name="connsiteY0" fmla="*/ 0 h 1733552"/>
+                  <a:gd name="connsiteX1" fmla="*/ 1410361 w 6102996"/>
+                  <a:gd name="connsiteY1" fmla="*/ 0 h 1733552"/>
+                  <a:gd name="connsiteX2" fmla="*/ 1354138 w 6102996"/>
+                  <a:gd name="connsiteY2" fmla="*/ 54718 h 1733552"/>
+                  <a:gd name="connsiteX3" fmla="*/ 1354138 w 6102996"/>
+                  <a:gd name="connsiteY3" fmla="*/ 87563 h 1733552"/>
+                  <a:gd name="connsiteX4" fmla="*/ 1426656 w 6102996"/>
+                  <a:gd name="connsiteY4" fmla="*/ 87563 h 1733552"/>
+                  <a:gd name="connsiteX5" fmla="*/ 1354138 w 6102996"/>
+                  <a:gd name="connsiteY5" fmla="*/ 158140 h 1733552"/>
+                  <a:gd name="connsiteX6" fmla="*/ 1354138 w 6102996"/>
+                  <a:gd name="connsiteY6" fmla="*/ 171451 h 1733552"/>
+                  <a:gd name="connsiteX7" fmla="*/ 1458912 w 6102996"/>
+                  <a:gd name="connsiteY7" fmla="*/ 171451 h 1733552"/>
+                  <a:gd name="connsiteX8" fmla="*/ 1354138 w 6102996"/>
+                  <a:gd name="connsiteY8" fmla="*/ 273421 h 1733552"/>
+                  <a:gd name="connsiteX9" fmla="*/ 1354138 w 6102996"/>
+                  <a:gd name="connsiteY9" fmla="*/ 330202 h 1733552"/>
+                  <a:gd name="connsiteX10" fmla="*/ 1403350 w 6102996"/>
+                  <a:gd name="connsiteY10" fmla="*/ 330202 h 1733552"/>
+                  <a:gd name="connsiteX11" fmla="*/ 1427957 w 6102996"/>
+                  <a:gd name="connsiteY11" fmla="*/ 477840 h 1733552"/>
+                  <a:gd name="connsiteX12" fmla="*/ 1438274 w 6102996"/>
+                  <a:gd name="connsiteY12" fmla="*/ 477840 h 1733552"/>
+                  <a:gd name="connsiteX13" fmla="*/ 1441450 w 6102996"/>
+                  <a:gd name="connsiteY13" fmla="*/ 476252 h 1733552"/>
+                  <a:gd name="connsiteX14" fmla="*/ 1441927 w 6102996"/>
+                  <a:gd name="connsiteY14" fmla="*/ 477840 h 1733552"/>
+                  <a:gd name="connsiteX15" fmla="*/ 1480343 w 6102996"/>
+                  <a:gd name="connsiteY15" fmla="*/ 477840 h 1733552"/>
+                  <a:gd name="connsiteX16" fmla="*/ 1480343 w 6102996"/>
+                  <a:gd name="connsiteY16" fmla="*/ 592141 h 1733552"/>
+                  <a:gd name="connsiteX17" fmla="*/ 1554161 w 6102996"/>
+                  <a:gd name="connsiteY17" fmla="*/ 592141 h 1733552"/>
+                  <a:gd name="connsiteX18" fmla="*/ 1555750 w 6102996"/>
+                  <a:gd name="connsiteY18" fmla="*/ 933193 h 1733552"/>
+                  <a:gd name="connsiteX19" fmla="*/ 3066684 w 6102996"/>
+                  <a:gd name="connsiteY19" fmla="*/ 934524 h 1733552"/>
+                  <a:gd name="connsiteX20" fmla="*/ 3066684 w 6102996"/>
+                  <a:gd name="connsiteY20" fmla="*/ 938675 h 1733552"/>
+                  <a:gd name="connsiteX21" fmla="*/ 4346897 w 6102996"/>
+                  <a:gd name="connsiteY21" fmla="*/ 939802 h 1733552"/>
+                  <a:gd name="connsiteX22" fmla="*/ 6102996 w 6102996"/>
+                  <a:gd name="connsiteY22" fmla="*/ 800102 h 1733552"/>
+                  <a:gd name="connsiteX23" fmla="*/ 5851847 w 6102996"/>
+                  <a:gd name="connsiteY23" fmla="*/ 1162052 h 1733552"/>
+                  <a:gd name="connsiteX24" fmla="*/ 5832797 w 6102996"/>
+                  <a:gd name="connsiteY24" fmla="*/ 1720852 h 1733552"/>
+                  <a:gd name="connsiteX25" fmla="*/ 4972696 w 6102996"/>
+                  <a:gd name="connsiteY25" fmla="*/ 1733552 h 1733552"/>
+                  <a:gd name="connsiteX26" fmla="*/ 3066684 w 6102996"/>
+                  <a:gd name="connsiteY26" fmla="*/ 1733552 h 1733552"/>
+                  <a:gd name="connsiteX27" fmla="*/ 355730 w 6102996"/>
+                  <a:gd name="connsiteY27" fmla="*/ 1733552 h 1733552"/>
+                  <a:gd name="connsiteX28" fmla="*/ 400050 w 6102996"/>
+                  <a:gd name="connsiteY28" fmla="*/ 1346202 h 1733552"/>
+                  <a:gd name="connsiteX29" fmla="*/ 0 w 6102996"/>
+                  <a:gd name="connsiteY29" fmla="*/ 1117602 h 1733552"/>
+                  <a:gd name="connsiteX30" fmla="*/ 19050 w 6102996"/>
+                  <a:gd name="connsiteY30" fmla="*/ 939802 h 1733552"/>
+                  <a:gd name="connsiteX31" fmla="*/ 605284 w 6102996"/>
+                  <a:gd name="connsiteY31" fmla="*/ 927329 h 1733552"/>
+                  <a:gd name="connsiteX32" fmla="*/ 605284 w 6102996"/>
+                  <a:gd name="connsiteY32" fmla="*/ 258642 h 1733552"/>
+                  <a:gd name="connsiteX33" fmla="*/ 661504 w 6102996"/>
+                  <a:gd name="connsiteY33" fmla="*/ 571892 h 1733552"/>
+                  <a:gd name="connsiteX34" fmla="*/ 1042712 w 6102996"/>
+                  <a:gd name="connsiteY34" fmla="*/ 571397 h 1733552"/>
+                  <a:gd name="connsiteX35" fmla="*/ 1047474 w 6102996"/>
+                  <a:gd name="connsiteY35" fmla="*/ 477840 h 1733552"/>
+                  <a:gd name="connsiteX36" fmla="*/ 1285081 w 6102996"/>
+                  <a:gd name="connsiteY36" fmla="*/ 477840 h 1733552"/>
+                  <a:gd name="connsiteX37" fmla="*/ 1285081 w 6102996"/>
+                  <a:gd name="connsiteY37" fmla="*/ 1 h 1733552"/>
+                  <a:gd name="connsiteX38" fmla="*/ 1329240 w 6102996"/>
+                  <a:gd name="connsiteY38" fmla="*/ 1 h 1733552"/>
+                  <a:gd name="connsiteX0" fmla="*/ 1329239 w 6102996"/>
+                  <a:gd name="connsiteY0" fmla="*/ 0 h 1733552"/>
+                  <a:gd name="connsiteX1" fmla="*/ 1410361 w 6102996"/>
+                  <a:gd name="connsiteY1" fmla="*/ 0 h 1733552"/>
+                  <a:gd name="connsiteX2" fmla="*/ 1354138 w 6102996"/>
+                  <a:gd name="connsiteY2" fmla="*/ 54718 h 1733552"/>
+                  <a:gd name="connsiteX3" fmla="*/ 1354138 w 6102996"/>
+                  <a:gd name="connsiteY3" fmla="*/ 87563 h 1733552"/>
+                  <a:gd name="connsiteX4" fmla="*/ 1426656 w 6102996"/>
+                  <a:gd name="connsiteY4" fmla="*/ 87563 h 1733552"/>
+                  <a:gd name="connsiteX5" fmla="*/ 1354138 w 6102996"/>
+                  <a:gd name="connsiteY5" fmla="*/ 158140 h 1733552"/>
+                  <a:gd name="connsiteX6" fmla="*/ 1354138 w 6102996"/>
+                  <a:gd name="connsiteY6" fmla="*/ 171451 h 1733552"/>
+                  <a:gd name="connsiteX7" fmla="*/ 1458912 w 6102996"/>
+                  <a:gd name="connsiteY7" fmla="*/ 171451 h 1733552"/>
+                  <a:gd name="connsiteX8" fmla="*/ 1354138 w 6102996"/>
+                  <a:gd name="connsiteY8" fmla="*/ 273421 h 1733552"/>
+                  <a:gd name="connsiteX9" fmla="*/ 1354138 w 6102996"/>
+                  <a:gd name="connsiteY9" fmla="*/ 330202 h 1733552"/>
+                  <a:gd name="connsiteX10" fmla="*/ 1403350 w 6102996"/>
+                  <a:gd name="connsiteY10" fmla="*/ 330202 h 1733552"/>
+                  <a:gd name="connsiteX11" fmla="*/ 1427957 w 6102996"/>
+                  <a:gd name="connsiteY11" fmla="*/ 477840 h 1733552"/>
+                  <a:gd name="connsiteX12" fmla="*/ 1438274 w 6102996"/>
+                  <a:gd name="connsiteY12" fmla="*/ 477840 h 1733552"/>
+                  <a:gd name="connsiteX13" fmla="*/ 1441450 w 6102996"/>
+                  <a:gd name="connsiteY13" fmla="*/ 476252 h 1733552"/>
+                  <a:gd name="connsiteX14" fmla="*/ 1441927 w 6102996"/>
+                  <a:gd name="connsiteY14" fmla="*/ 477840 h 1733552"/>
+                  <a:gd name="connsiteX15" fmla="*/ 1480343 w 6102996"/>
+                  <a:gd name="connsiteY15" fmla="*/ 477840 h 1733552"/>
+                  <a:gd name="connsiteX16" fmla="*/ 1480343 w 6102996"/>
+                  <a:gd name="connsiteY16" fmla="*/ 592141 h 1733552"/>
+                  <a:gd name="connsiteX17" fmla="*/ 1554161 w 6102996"/>
+                  <a:gd name="connsiteY17" fmla="*/ 592141 h 1733552"/>
+                  <a:gd name="connsiteX18" fmla="*/ 1555750 w 6102996"/>
+                  <a:gd name="connsiteY18" fmla="*/ 933193 h 1733552"/>
+                  <a:gd name="connsiteX19" fmla="*/ 3066684 w 6102996"/>
+                  <a:gd name="connsiteY19" fmla="*/ 934524 h 1733552"/>
+                  <a:gd name="connsiteX20" fmla="*/ 4346897 w 6102996"/>
+                  <a:gd name="connsiteY20" fmla="*/ 939802 h 1733552"/>
+                  <a:gd name="connsiteX21" fmla="*/ 6102996 w 6102996"/>
+                  <a:gd name="connsiteY21" fmla="*/ 800102 h 1733552"/>
+                  <a:gd name="connsiteX22" fmla="*/ 5851847 w 6102996"/>
+                  <a:gd name="connsiteY22" fmla="*/ 1162052 h 1733552"/>
+                  <a:gd name="connsiteX23" fmla="*/ 5832797 w 6102996"/>
+                  <a:gd name="connsiteY23" fmla="*/ 1720852 h 1733552"/>
+                  <a:gd name="connsiteX24" fmla="*/ 4972696 w 6102996"/>
+                  <a:gd name="connsiteY24" fmla="*/ 1733552 h 1733552"/>
+                  <a:gd name="connsiteX25" fmla="*/ 3066684 w 6102996"/>
+                  <a:gd name="connsiteY25" fmla="*/ 1733552 h 1733552"/>
+                  <a:gd name="connsiteX26" fmla="*/ 355730 w 6102996"/>
+                  <a:gd name="connsiteY26" fmla="*/ 1733552 h 1733552"/>
+                  <a:gd name="connsiteX27" fmla="*/ 400050 w 6102996"/>
+                  <a:gd name="connsiteY27" fmla="*/ 1346202 h 1733552"/>
+                  <a:gd name="connsiteX28" fmla="*/ 0 w 6102996"/>
+                  <a:gd name="connsiteY28" fmla="*/ 1117602 h 1733552"/>
+                  <a:gd name="connsiteX29" fmla="*/ 19050 w 6102996"/>
+                  <a:gd name="connsiteY29" fmla="*/ 939802 h 1733552"/>
+                  <a:gd name="connsiteX30" fmla="*/ 605284 w 6102996"/>
+                  <a:gd name="connsiteY30" fmla="*/ 927329 h 1733552"/>
+                  <a:gd name="connsiteX31" fmla="*/ 605284 w 6102996"/>
+                  <a:gd name="connsiteY31" fmla="*/ 258642 h 1733552"/>
+                  <a:gd name="connsiteX32" fmla="*/ 661504 w 6102996"/>
+                  <a:gd name="connsiteY32" fmla="*/ 571892 h 1733552"/>
+                  <a:gd name="connsiteX33" fmla="*/ 1042712 w 6102996"/>
+                  <a:gd name="connsiteY33" fmla="*/ 571397 h 1733552"/>
+                  <a:gd name="connsiteX34" fmla="*/ 1047474 w 6102996"/>
+                  <a:gd name="connsiteY34" fmla="*/ 477840 h 1733552"/>
+                  <a:gd name="connsiteX35" fmla="*/ 1285081 w 6102996"/>
+                  <a:gd name="connsiteY35" fmla="*/ 477840 h 1733552"/>
+                  <a:gd name="connsiteX36" fmla="*/ 1285081 w 6102996"/>
+                  <a:gd name="connsiteY36" fmla="*/ 1 h 1733552"/>
+                  <a:gd name="connsiteX37" fmla="*/ 1329240 w 6102996"/>
+                  <a:gd name="connsiteY37" fmla="*/ 1 h 1733552"/>
+                  <a:gd name="connsiteX38" fmla="*/ 1329239 w 6102996"/>
+                  <a:gd name="connsiteY38" fmla="*/ 0 h 1733552"/>
+                </a:gdLst>
+                <a:ahLst/>
+                <a:cxnLst>
+                  <a:cxn ang="0">
+                    <a:pos x="connsiteX0" y="connsiteY0"/>
+                  </a:cxn>
+                  <a:cxn ang="0">
+                    <a:pos x="connsiteX1" y="connsiteY1"/>
+                  </a:cxn>
+                  <a:cxn ang="0">
+                    <a:pos x="connsiteX2" y="connsiteY2"/>
+                  </a:cxn>
+                  <a:cxn ang="0">
+                    <a:pos x="connsiteX3" y="connsiteY3"/>
+                  </a:cxn>
+                  <a:cxn ang="0">
+                    <a:pos x="connsiteX4" y="connsiteY4"/>
+                  </a:cxn>
+                  <a:cxn ang="0">
+                    <a:pos x="connsiteX5" y="connsiteY5"/>
+                  </a:cxn>
+                  <a:cxn ang="0">
+                    <a:pos x="connsiteX6" y="connsiteY6"/>
+                  </a:cxn>
+                  <a:cxn ang="0">
+                    <a:pos x="connsiteX7" y="connsiteY7"/>
+                  </a:cxn>
+                  <a:cxn ang="0">
+                    <a:pos x="connsiteX8" y="connsiteY8"/>
+                  </a:cxn>
+                  <a:cxn ang="0">
+                    <a:pos x="connsiteX9" y="connsiteY9"/>
+                  </a:cxn>
+                  <a:cxn ang="0">
+                    <a:pos x="connsiteX10" y="connsiteY10"/>
+                  </a:cxn>
+                  <a:cxn ang="0">
+                    <a:pos x="connsiteX11" y="connsiteY11"/>
+                  </a:cxn>
+                  <a:cxn ang="0">
+                    <a:pos x="connsiteX12" y="connsiteY12"/>
+                  </a:cxn>
+                  <a:cxn ang="0">
+                    <a:pos x="connsiteX13" y="connsiteY13"/>
+                  </a:cxn>
+                  <a:cxn ang="0">
+                    <a:pos x="connsiteX14" y="connsiteY14"/>
+                  </a:cxn>
+                  <a:cxn ang="0">
+                    <a:pos x="connsiteX15" y="connsiteY15"/>
+                  </a:cxn>
+                  <a:cxn ang="0">
+                    <a:pos x="connsiteX16" y="connsiteY16"/>
+                  </a:cxn>
+                  <a:cxn ang="0">
+                    <a:pos x="connsiteX17" y="connsiteY17"/>
+                  </a:cxn>
+                  <a:cxn ang="0">
+                    <a:pos x="connsiteX18" y="connsiteY18"/>
+                  </a:cxn>
+                  <a:cxn ang="0">
+                    <a:pos x="connsiteX19" y="connsiteY19"/>
+                  </a:cxn>
+                  <a:cxn ang="0">
+                    <a:pos x="connsiteX20" y="connsiteY20"/>
+                  </a:cxn>
+                  <a:cxn ang="0">
+                    <a:pos x="connsiteX21" y="connsiteY21"/>
+                  </a:cxn>
+                  <a:cxn ang="0">
+                    <a:pos x="connsiteX22" y="connsiteY22"/>
+                  </a:cxn>
+                  <a:cxn ang="0">
+                    <a:pos x="connsiteX23" y="connsiteY23"/>
+                  </a:cxn>
+                  <a:cxn ang="0">
+                    <a:pos x="connsiteX24" y="connsiteY24"/>
+                  </a:cxn>
+                  <a:cxn ang="0">
+                    <a:pos x="connsiteX25" y="connsiteY25"/>
+                  </a:cxn>
+                  <a:cxn ang="0">
+                    <a:pos x="connsiteX26" y="connsiteY26"/>
+                  </a:cxn>
+                  <a:cxn ang="0">
+                    <a:pos x="connsiteX27" y="connsiteY27"/>
+                  </a:cxn>
+                  <a:cxn ang="0">
+                    <a:pos x="connsiteX28" y="connsiteY28"/>
+                  </a:cxn>
+                  <a:cxn ang="0">
+                    <a:pos x="connsiteX29" y="connsiteY29"/>
+                  </a:cxn>
+                  <a:cxn ang="0">
+                    <a:pos x="connsiteX30" y="connsiteY30"/>
+                  </a:cxn>
+                  <a:cxn ang="0">
+                    <a:pos x="connsiteX31" y="connsiteY31"/>
+                  </a:cxn>
+                  <a:cxn ang="0">
+                    <a:pos x="connsiteX32" y="connsiteY32"/>
+                  </a:cxn>
+                  <a:cxn ang="0">
+                    <a:pos x="connsiteX33" y="connsiteY33"/>
+                  </a:cxn>
+                  <a:cxn ang="0">
+                    <a:pos x="connsiteX34" y="connsiteY34"/>
+                  </a:cxn>
+                  <a:cxn ang="0">
+                    <a:pos x="connsiteX35" y="connsiteY35"/>
+                  </a:cxn>
+                  <a:cxn ang="0">
+                    <a:pos x="connsiteX36" y="connsiteY36"/>
+                  </a:cxn>
+                  <a:cxn ang="0">
+                    <a:pos x="connsiteX37" y="connsiteY37"/>
+                  </a:cxn>
+                  <a:cxn ang="0">
+                    <a:pos x="connsiteX38" y="connsiteY38"/>
+                  </a:cxn>
+                </a:cxnLst>
+                <a:rect l="l" t="t" r="r" b="b"/>
+                <a:pathLst>
+                  <a:path w="6102996" h="1733552">
+                    <a:moveTo>
+                      <a:pt x="1329239" y="0"/>
+                    </a:moveTo>
+                    <a:lnTo>
+                      <a:pt x="1410361" y="0"/>
+                    </a:lnTo>
+                    <a:lnTo>
+                      <a:pt x="1354138" y="54718"/>
+                    </a:lnTo>
+                    <a:lnTo>
+                      <a:pt x="1354138" y="87563"/>
+                    </a:lnTo>
+                    <a:lnTo>
+                      <a:pt x="1426656" y="87563"/>
+                    </a:lnTo>
+                    <a:lnTo>
+                      <a:pt x="1354138" y="158140"/>
+                    </a:lnTo>
+                    <a:lnTo>
+                      <a:pt x="1354138" y="171451"/>
+                    </a:lnTo>
+                    <a:lnTo>
+                      <a:pt x="1458912" y="171451"/>
+                    </a:lnTo>
+                    <a:lnTo>
+                      <a:pt x="1354138" y="273421"/>
+                    </a:lnTo>
+                    <a:lnTo>
+                      <a:pt x="1354138" y="330202"/>
+                    </a:lnTo>
+                    <a:lnTo>
+                      <a:pt x="1403350" y="330202"/>
+                    </a:lnTo>
+                    <a:lnTo>
+                      <a:pt x="1427957" y="477840"/>
+                    </a:lnTo>
+                    <a:lnTo>
+                      <a:pt x="1438274" y="477840"/>
+                    </a:lnTo>
+                    <a:lnTo>
+                      <a:pt x="1441450" y="476252"/>
+                    </a:lnTo>
+                    <a:lnTo>
+                      <a:pt x="1441927" y="477840"/>
+                    </a:lnTo>
+                    <a:lnTo>
+                      <a:pt x="1480343" y="477840"/>
+                    </a:lnTo>
+                    <a:lnTo>
+                      <a:pt x="1480343" y="592141"/>
+                    </a:lnTo>
+                    <a:lnTo>
+                      <a:pt x="1554161" y="592141"/>
+                    </a:lnTo>
+                    <a:cubicBezTo>
+                      <a:pt x="1554691" y="705825"/>
+                      <a:pt x="1555220" y="819509"/>
+                      <a:pt x="1555750" y="933193"/>
+                    </a:cubicBezTo>
+                    <a:lnTo>
+                      <a:pt x="3066684" y="934524"/>
+                    </a:lnTo>
+                    <a:lnTo>
+                      <a:pt x="4346897" y="939802"/>
+                    </a:lnTo>
+                    <a:cubicBezTo>
+                      <a:pt x="4989413" y="931335"/>
+                      <a:pt x="5517630" y="846669"/>
+                      <a:pt x="6102996" y="800102"/>
+                    </a:cubicBezTo>
+                    <a:lnTo>
+                      <a:pt x="5851847" y="1162052"/>
+                    </a:lnTo>
+                    <a:cubicBezTo>
+                      <a:pt x="6264597" y="1595969"/>
+                      <a:pt x="6035997" y="1686985"/>
+                      <a:pt x="5832797" y="1720852"/>
+                    </a:cubicBezTo>
+                    <a:lnTo>
+                      <a:pt x="4972696" y="1733552"/>
+                    </a:lnTo>
+                    <a:lnTo>
+                      <a:pt x="3066684" y="1733552"/>
+                    </a:lnTo>
+                    <a:lnTo>
+                      <a:pt x="355730" y="1733552"/>
+                    </a:lnTo>
+                    <a:cubicBezTo>
+                      <a:pt x="330287" y="1521885"/>
+                      <a:pt x="349293" y="1526119"/>
+                      <a:pt x="400050" y="1346202"/>
+                    </a:cubicBezTo>
+                    <a:cubicBezTo>
+                      <a:pt x="266700" y="1270002"/>
+                      <a:pt x="152400" y="1263652"/>
+                      <a:pt x="0" y="1117602"/>
+                    </a:cubicBezTo>
+                    <a:lnTo>
+                      <a:pt x="19050" y="939802"/>
+                    </a:lnTo>
+                    <a:lnTo>
+                      <a:pt x="605284" y="927329"/>
+                    </a:lnTo>
+                    <a:lnTo>
+                      <a:pt x="605284" y="258642"/>
+                    </a:lnTo>
+                    <a:lnTo>
+                      <a:pt x="661504" y="571892"/>
+                    </a:lnTo>
+                    <a:lnTo>
+                      <a:pt x="1042712" y="571397"/>
+                    </a:lnTo>
+                    <a:lnTo>
+                      <a:pt x="1047474" y="477840"/>
+                    </a:lnTo>
+                    <a:lnTo>
+                      <a:pt x="1285081" y="477840"/>
+                    </a:lnTo>
+                    <a:lnTo>
+                      <a:pt x="1285081" y="1"/>
+                    </a:lnTo>
+                    <a:lnTo>
+                      <a:pt x="1329240" y="1"/>
+                    </a:lnTo>
+                    <a:lnTo>
+                      <a:pt x="1329239" y="0"/>
+                    </a:lnTo>
+                    <a:close/>
+                  </a:path>
+                </a:pathLst>
+              </a:custGeom>
+              <a:grpFill/>
+              <a:ln w="19050">
+                <a:solidFill>
+                  <a:srgbClr val="1F4E79"/>
+                </a:solidFill>
+              </a:ln>
+              <a:effectLst/>
+            </p:spPr>
+            <p:style>
+              <a:lnRef idx="2">
+                <a:schemeClr val="accent1">
+                  <a:shade val="50000"/>
+                </a:schemeClr>
+              </a:lnRef>
+              <a:fillRef idx="1">
+                <a:schemeClr val="accent1"/>
+              </a:fillRef>
+              <a:effectRef idx="0">
+                <a:schemeClr val="accent1"/>
+              </a:effectRef>
+              <a:fontRef idx="minor">
+                <a:schemeClr val="lt1"/>
+              </a:fontRef>
+            </p:style>
+            <p:txBody>
+              <a:bodyPr wrap="square" rtlCol="0" anchor="ctr">
+                <a:noAutofit/>
+              </a:bodyPr>
+              <a:lstStyle/>
+              <a:p>
+                <a:pPr algn="ctr"/>
+                <a:endParaRPr lang="sv-SE"/>
+              </a:p>
+            </p:txBody>
+          </p:sp>
+        </p:grpSp>
+      </p:grpSp>
+      <p:grpSp>
+        <p:nvGrpSpPr>
+          <p:cNvPr id="80" name="Group 79"/>
+          <p:cNvGrpSpPr/>
+          <p:nvPr/>
+        </p:nvGrpSpPr>
+        <p:grpSpPr>
+          <a:xfrm>
+            <a:off x="2579467" y="2361908"/>
+            <a:ext cx="7817251" cy="927316"/>
+            <a:chOff x="5468079" y="3279055"/>
+            <a:chExt cx="5462624" cy="648000"/>
+          </a:xfrm>
+          <a:solidFill>
+            <a:srgbClr val="1F4E79"/>
+          </a:solidFill>
+        </p:grpSpPr>
+        <p:sp>
+          <p:nvSpPr>
+            <p:cNvPr id="40" name="Rectangle 39"/>
+            <p:cNvSpPr/>
+            <p:nvPr/>
+          </p:nvSpPr>
+          <p:spPr>
+            <a:xfrm>
+              <a:off x="5468079" y="3279055"/>
+              <a:ext cx="324000" cy="648000"/>
+            </a:xfrm>
+            <a:prstGeom prst="rect">
+              <a:avLst/>
+            </a:prstGeom>
+            <a:grpFill/>
+            <a:ln w="25400">
+              <a:noFill/>
+              <a:prstDash val="sysDot"/>
+            </a:ln>
+          </p:spPr>
+          <p:style>
+            <a:lnRef idx="2">
+              <a:schemeClr val="accent1">
+                <a:shade val="50000"/>
+              </a:schemeClr>
+            </a:lnRef>
+            <a:fillRef idx="1">
+              <a:schemeClr val="accent1"/>
+            </a:fillRef>
+            <a:effectRef idx="0">
+              <a:schemeClr val="accent1"/>
+            </a:effectRef>
+            <a:fontRef idx="minor">
+              <a:schemeClr val="lt1"/>
+            </a:fontRef>
+          </p:style>
+          <p:txBody>
+            <a:bodyPr rtlCol="0" anchor="ctr"/>
+            <a:lstStyle/>
+            <a:p>
+              <a:pPr algn="ctr"/>
+              <a:endParaRPr lang="sv-SE"/>
+            </a:p>
+          </p:txBody>
+        </p:sp>
+        <p:sp>
+          <p:nvSpPr>
+            <p:cNvPr id="41" name="Rectangle 40"/>
+            <p:cNvSpPr/>
+            <p:nvPr/>
+          </p:nvSpPr>
+          <p:spPr>
+            <a:xfrm>
+              <a:off x="5861779" y="3279055"/>
+              <a:ext cx="324000" cy="648000"/>
+            </a:xfrm>
+            <a:prstGeom prst="rect">
+              <a:avLst/>
+            </a:prstGeom>
+            <a:grpFill/>
+            <a:ln w="25400">
+              <a:noFill/>
+              <a:prstDash val="sysDot"/>
+            </a:ln>
+          </p:spPr>
+          <p:style>
+            <a:lnRef idx="2">
+              <a:schemeClr val="accent1">
+                <a:shade val="50000"/>
+              </a:schemeClr>
+            </a:lnRef>
+            <a:fillRef idx="1">
+              <a:schemeClr val="accent1"/>
+            </a:fillRef>
+            <a:effectRef idx="0">
+              <a:schemeClr val="accent1"/>
+            </a:effectRef>
+            <a:fontRef idx="minor">
+              <a:schemeClr val="lt1"/>
+            </a:fontRef>
+          </p:style>
+          <p:txBody>
+            <a:bodyPr rtlCol="0" anchor="ctr"/>
+            <a:lstStyle/>
+            <a:p>
+              <a:pPr algn="ctr"/>
+              <a:endParaRPr lang="sv-SE"/>
+            </a:p>
+          </p:txBody>
+        </p:sp>
+        <p:sp>
+          <p:nvSpPr>
+            <p:cNvPr id="42" name="Rectangle 41"/>
+            <p:cNvSpPr/>
+            <p:nvPr/>
+          </p:nvSpPr>
+          <p:spPr>
+            <a:xfrm>
+              <a:off x="6255479" y="3279055"/>
+              <a:ext cx="324000" cy="648000"/>
+            </a:xfrm>
+            <a:prstGeom prst="rect">
+              <a:avLst/>
+            </a:prstGeom>
+            <a:grpFill/>
+            <a:ln w="25400">
+              <a:noFill/>
+              <a:prstDash val="sysDot"/>
+            </a:ln>
+          </p:spPr>
+          <p:style>
+            <a:lnRef idx="2">
+              <a:schemeClr val="accent1">
+                <a:shade val="50000"/>
+              </a:schemeClr>
+            </a:lnRef>
+            <a:fillRef idx="1">
+              <a:schemeClr val="accent1"/>
+            </a:fillRef>
+            <a:effectRef idx="0">
+              <a:schemeClr val="accent1"/>
+            </a:effectRef>
+            <a:fontRef idx="minor">
+              <a:schemeClr val="lt1"/>
+            </a:fontRef>
+          </p:style>
+          <p:txBody>
+            <a:bodyPr rtlCol="0" anchor="ctr"/>
+            <a:lstStyle/>
+            <a:p>
+              <a:pPr algn="ctr"/>
+              <a:endParaRPr lang="sv-SE"/>
+            </a:p>
+          </p:txBody>
+        </p:sp>
+        <p:sp>
+          <p:nvSpPr>
+            <p:cNvPr id="43" name="Rectangle 42"/>
+            <p:cNvSpPr/>
+            <p:nvPr/>
+          </p:nvSpPr>
+          <p:spPr>
+            <a:xfrm>
+              <a:off x="6653091" y="3279055"/>
+              <a:ext cx="324000" cy="648000"/>
+            </a:xfrm>
+            <a:prstGeom prst="rect">
+              <a:avLst/>
+            </a:prstGeom>
+            <a:grpFill/>
+            <a:ln w="25400">
+              <a:noFill/>
+              <a:prstDash val="sysDot"/>
+            </a:ln>
+          </p:spPr>
+          <p:style>
+            <a:lnRef idx="2">
+              <a:schemeClr val="accent1">
+                <a:shade val="50000"/>
+              </a:schemeClr>
+            </a:lnRef>
+            <a:fillRef idx="1">
+              <a:schemeClr val="accent1"/>
+            </a:fillRef>
+            <a:effectRef idx="0">
+              <a:schemeClr val="accent1"/>
+            </a:effectRef>
+            <a:fontRef idx="minor">
+              <a:schemeClr val="lt1"/>
+            </a:fontRef>
+          </p:style>
+          <p:txBody>
+            <a:bodyPr rtlCol="0" anchor="ctr"/>
+            <a:lstStyle/>
+            <a:p>
+              <a:pPr algn="ctr"/>
+              <a:endParaRPr lang="sv-SE"/>
+            </a:p>
+          </p:txBody>
+        </p:sp>
+        <p:sp>
+          <p:nvSpPr>
+            <p:cNvPr id="44" name="Rectangle 43"/>
+            <p:cNvSpPr/>
+            <p:nvPr/>
+          </p:nvSpPr>
+          <p:spPr>
+            <a:xfrm>
+              <a:off x="7053141" y="3279055"/>
+              <a:ext cx="324000" cy="648000"/>
+            </a:xfrm>
+            <a:prstGeom prst="rect">
+              <a:avLst/>
+            </a:prstGeom>
+            <a:grpFill/>
+            <a:ln w="25400">
+              <a:noFill/>
+              <a:prstDash val="sysDot"/>
+            </a:ln>
+          </p:spPr>
+          <p:style>
+            <a:lnRef idx="2">
+              <a:schemeClr val="accent1">
+                <a:shade val="50000"/>
+              </a:schemeClr>
+            </a:lnRef>
+            <a:fillRef idx="1">
+              <a:schemeClr val="accent1"/>
+            </a:fillRef>
+            <a:effectRef idx="0">
+              <a:schemeClr val="accent1"/>
+            </a:effectRef>
+            <a:fontRef idx="minor">
+              <a:schemeClr val="lt1"/>
+            </a:fontRef>
+          </p:style>
+          <p:txBody>
+            <a:bodyPr rtlCol="0" anchor="ctr"/>
+            <a:lstStyle/>
+            <a:p>
+              <a:pPr algn="ctr"/>
+              <a:endParaRPr lang="sv-SE"/>
+            </a:p>
+          </p:txBody>
+        </p:sp>
+        <p:sp>
+          <p:nvSpPr>
+            <p:cNvPr id="45" name="Rectangle 44"/>
+            <p:cNvSpPr/>
+            <p:nvPr/>
+          </p:nvSpPr>
+          <p:spPr>
+            <a:xfrm>
+              <a:off x="7446841" y="3279055"/>
+              <a:ext cx="324000" cy="648000"/>
+            </a:xfrm>
+            <a:prstGeom prst="rect">
+              <a:avLst/>
+            </a:prstGeom>
+            <a:grpFill/>
+            <a:ln w="25400">
+              <a:noFill/>
+              <a:prstDash val="sysDot"/>
+            </a:ln>
+          </p:spPr>
+          <p:style>
+            <a:lnRef idx="2">
+              <a:schemeClr val="accent1">
+                <a:shade val="50000"/>
+              </a:schemeClr>
+            </a:lnRef>
+            <a:fillRef idx="1">
+              <a:schemeClr val="accent1"/>
+            </a:fillRef>
+            <a:effectRef idx="0">
+              <a:schemeClr val="accent1"/>
+            </a:effectRef>
+            <a:fontRef idx="minor">
+              <a:schemeClr val="lt1"/>
+            </a:fontRef>
+          </p:style>
+          <p:txBody>
+            <a:bodyPr rtlCol="0" anchor="ctr"/>
+            <a:lstStyle/>
+            <a:p>
+              <a:pPr algn="ctr"/>
+              <a:endParaRPr lang="sv-SE"/>
+            </a:p>
+          </p:txBody>
+        </p:sp>
+        <p:sp>
+          <p:nvSpPr>
+            <p:cNvPr id="46" name="Rectangle 45"/>
+            <p:cNvSpPr/>
+            <p:nvPr/>
+          </p:nvSpPr>
+          <p:spPr>
+            <a:xfrm>
+              <a:off x="7840541" y="3279055"/>
+              <a:ext cx="324000" cy="648000"/>
+            </a:xfrm>
+            <a:prstGeom prst="rect">
+              <a:avLst/>
+            </a:prstGeom>
+            <a:grpFill/>
+            <a:ln w="25400">
+              <a:noFill/>
+              <a:prstDash val="sysDot"/>
+            </a:ln>
+          </p:spPr>
+          <p:style>
+            <a:lnRef idx="2">
+              <a:schemeClr val="accent1">
+                <a:shade val="50000"/>
+              </a:schemeClr>
+            </a:lnRef>
+            <a:fillRef idx="1">
+              <a:schemeClr val="accent1"/>
+            </a:fillRef>
+            <a:effectRef idx="0">
+              <a:schemeClr val="accent1"/>
+            </a:effectRef>
+            <a:fontRef idx="minor">
+              <a:schemeClr val="lt1"/>
+            </a:fontRef>
+          </p:style>
+          <p:txBody>
+            <a:bodyPr rtlCol="0" anchor="ctr"/>
+            <a:lstStyle/>
+            <a:p>
+              <a:pPr algn="ctr"/>
+              <a:endParaRPr lang="sv-SE"/>
+            </a:p>
+          </p:txBody>
+        </p:sp>
+        <p:sp>
+          <p:nvSpPr>
+            <p:cNvPr id="47" name="Rectangle 46"/>
+            <p:cNvSpPr/>
+            <p:nvPr/>
+          </p:nvSpPr>
+          <p:spPr>
+            <a:xfrm>
+              <a:off x="8234241" y="3279055"/>
+              <a:ext cx="324000" cy="648000"/>
+            </a:xfrm>
+            <a:prstGeom prst="rect">
+              <a:avLst/>
+            </a:prstGeom>
+            <a:grpFill/>
+            <a:ln w="25400">
+              <a:noFill/>
+              <a:prstDash val="sysDot"/>
+            </a:ln>
+          </p:spPr>
+          <p:style>
+            <a:lnRef idx="2">
+              <a:schemeClr val="accent1">
+                <a:shade val="50000"/>
+              </a:schemeClr>
+            </a:lnRef>
+            <a:fillRef idx="1">
+              <a:schemeClr val="accent1"/>
+            </a:fillRef>
+            <a:effectRef idx="0">
+              <a:schemeClr val="accent1"/>
+            </a:effectRef>
+            <a:fontRef idx="minor">
+              <a:schemeClr val="lt1"/>
+            </a:fontRef>
+          </p:style>
+          <p:txBody>
+            <a:bodyPr rtlCol="0" anchor="ctr"/>
+            <a:lstStyle/>
+            <a:p>
+              <a:pPr algn="ctr"/>
+              <a:endParaRPr lang="sv-SE"/>
+            </a:p>
+          </p:txBody>
+        </p:sp>
+        <p:sp>
+          <p:nvSpPr>
+            <p:cNvPr id="49" name="Rectangle 48"/>
+            <p:cNvSpPr/>
+            <p:nvPr/>
+          </p:nvSpPr>
+          <p:spPr>
+            <a:xfrm>
+              <a:off x="8627941" y="3279055"/>
+              <a:ext cx="324000" cy="648000"/>
+            </a:xfrm>
+            <a:prstGeom prst="rect">
+              <a:avLst/>
+            </a:prstGeom>
+            <a:grpFill/>
+            <a:ln w="25400">
+              <a:noFill/>
+              <a:prstDash val="sysDot"/>
+            </a:ln>
+          </p:spPr>
+          <p:style>
+            <a:lnRef idx="2">
+              <a:schemeClr val="accent1">
+                <a:shade val="50000"/>
+              </a:schemeClr>
+            </a:lnRef>
+            <a:fillRef idx="1">
+              <a:schemeClr val="accent1"/>
+            </a:fillRef>
+            <a:effectRef idx="0">
+              <a:schemeClr val="accent1"/>
+            </a:effectRef>
+            <a:fontRef idx="minor">
+              <a:schemeClr val="lt1"/>
+            </a:fontRef>
+          </p:style>
+          <p:txBody>
+            <a:bodyPr rtlCol="0" anchor="ctr"/>
+            <a:lstStyle/>
+            <a:p>
+              <a:pPr algn="ctr"/>
+              <a:endParaRPr lang="sv-SE"/>
+            </a:p>
+          </p:txBody>
+        </p:sp>
+        <p:sp>
+          <p:nvSpPr>
+            <p:cNvPr id="50" name="Rectangle 49"/>
+            <p:cNvSpPr/>
+            <p:nvPr/>
+          </p:nvSpPr>
+          <p:spPr>
+            <a:xfrm>
+              <a:off x="9021641" y="3279055"/>
+              <a:ext cx="324000" cy="648000"/>
+            </a:xfrm>
+            <a:prstGeom prst="rect">
+              <a:avLst/>
+            </a:prstGeom>
+            <a:grpFill/>
+            <a:ln w="25400">
+              <a:noFill/>
+              <a:prstDash val="sysDot"/>
+            </a:ln>
+          </p:spPr>
+          <p:style>
+            <a:lnRef idx="2">
+              <a:schemeClr val="accent1">
+                <a:shade val="50000"/>
+              </a:schemeClr>
+            </a:lnRef>
+            <a:fillRef idx="1">
+              <a:schemeClr val="accent1"/>
+            </a:fillRef>
+            <a:effectRef idx="0">
+              <a:schemeClr val="accent1"/>
+            </a:effectRef>
+            <a:fontRef idx="minor">
+              <a:schemeClr val="lt1"/>
+            </a:fontRef>
+          </p:style>
+          <p:txBody>
+            <a:bodyPr rtlCol="0" anchor="ctr"/>
+            <a:lstStyle/>
+            <a:p>
+              <a:pPr algn="ctr"/>
+              <a:endParaRPr lang="sv-SE"/>
+            </a:p>
+          </p:txBody>
+        </p:sp>
+        <p:sp>
+          <p:nvSpPr>
+            <p:cNvPr id="51" name="Rectangle 50"/>
+            <p:cNvSpPr/>
+            <p:nvPr/>
+          </p:nvSpPr>
+          <p:spPr>
+            <a:xfrm>
+              <a:off x="9415341" y="3279055"/>
+              <a:ext cx="324000" cy="648000"/>
+            </a:xfrm>
+            <a:prstGeom prst="rect">
+              <a:avLst/>
+            </a:prstGeom>
+            <a:grpFill/>
+            <a:ln w="25400">
+              <a:noFill/>
+              <a:prstDash val="sysDot"/>
+            </a:ln>
+          </p:spPr>
+          <p:style>
+            <a:lnRef idx="2">
+              <a:schemeClr val="accent1">
+                <a:shade val="50000"/>
+              </a:schemeClr>
+            </a:lnRef>
+            <a:fillRef idx="1">
+              <a:schemeClr val="accent1"/>
+            </a:fillRef>
+            <a:effectRef idx="0">
+              <a:schemeClr val="accent1"/>
+            </a:effectRef>
+            <a:fontRef idx="minor">
+              <a:schemeClr val="lt1"/>
+            </a:fontRef>
+          </p:style>
+          <p:txBody>
+            <a:bodyPr rtlCol="0" anchor="ctr"/>
+            <a:lstStyle/>
+            <a:p>
+              <a:pPr algn="ctr"/>
+              <a:endParaRPr lang="sv-SE"/>
+            </a:p>
+          </p:txBody>
+        </p:sp>
+        <p:sp>
+          <p:nvSpPr>
+            <p:cNvPr id="52" name="Rectangle 51"/>
+            <p:cNvSpPr/>
+            <p:nvPr/>
+          </p:nvSpPr>
+          <p:spPr>
+            <a:xfrm>
+              <a:off x="9812953" y="3279055"/>
+              <a:ext cx="324000" cy="648000"/>
+            </a:xfrm>
+            <a:prstGeom prst="rect">
+              <a:avLst/>
+            </a:prstGeom>
+            <a:grpFill/>
+            <a:ln w="25400">
+              <a:noFill/>
+              <a:prstDash val="sysDot"/>
+            </a:ln>
+          </p:spPr>
+          <p:style>
+            <a:lnRef idx="2">
+              <a:schemeClr val="accent1">
+                <a:shade val="50000"/>
+              </a:schemeClr>
+            </a:lnRef>
+            <a:fillRef idx="1">
+              <a:schemeClr val="accent1"/>
+            </a:fillRef>
+            <a:effectRef idx="0">
+              <a:schemeClr val="accent1"/>
+            </a:effectRef>
+            <a:fontRef idx="minor">
+              <a:schemeClr val="lt1"/>
+            </a:fontRef>
+          </p:style>
+          <p:txBody>
+            <a:bodyPr rtlCol="0" anchor="ctr"/>
+            <a:lstStyle/>
+            <a:p>
+              <a:pPr algn="ctr"/>
+              <a:endParaRPr lang="sv-SE"/>
+            </a:p>
+          </p:txBody>
+        </p:sp>
+        <p:sp>
+          <p:nvSpPr>
+            <p:cNvPr id="53" name="Rectangle 52"/>
+            <p:cNvSpPr/>
+            <p:nvPr/>
+          </p:nvSpPr>
+          <p:spPr>
+            <a:xfrm>
+              <a:off x="10213003" y="3279055"/>
+              <a:ext cx="324000" cy="648000"/>
+            </a:xfrm>
+            <a:prstGeom prst="rect">
+              <a:avLst/>
+            </a:prstGeom>
+            <a:grpFill/>
+            <a:ln w="25400">
+              <a:noFill/>
+              <a:prstDash val="sysDot"/>
+            </a:ln>
+          </p:spPr>
+          <p:style>
+            <a:lnRef idx="2">
+              <a:schemeClr val="accent1">
+                <a:shade val="50000"/>
+              </a:schemeClr>
+            </a:lnRef>
+            <a:fillRef idx="1">
+              <a:schemeClr val="accent1"/>
+            </a:fillRef>
+            <a:effectRef idx="0">
+              <a:schemeClr val="accent1"/>
+            </a:effectRef>
+            <a:fontRef idx="minor">
+              <a:schemeClr val="lt1"/>
+            </a:fontRef>
+          </p:style>
+          <p:txBody>
+            <a:bodyPr rtlCol="0" anchor="ctr"/>
+            <a:lstStyle/>
+            <a:p>
+              <a:pPr algn="ctr"/>
+              <a:endParaRPr lang="sv-SE"/>
+            </a:p>
+          </p:txBody>
+        </p:sp>
+        <p:sp>
+          <p:nvSpPr>
+            <p:cNvPr id="54" name="Rectangle 53"/>
+            <p:cNvSpPr/>
+            <p:nvPr/>
+          </p:nvSpPr>
+          <p:spPr>
+            <a:xfrm>
+              <a:off x="10606703" y="3279055"/>
+              <a:ext cx="324000" cy="648000"/>
+            </a:xfrm>
+            <a:prstGeom prst="rect">
+              <a:avLst/>
+            </a:prstGeom>
+            <a:grpFill/>
+            <a:ln w="25400">
+              <a:noFill/>
+              <a:prstDash val="sysDot"/>
+            </a:ln>
+          </p:spPr>
+          <p:style>
+            <a:lnRef idx="2">
+              <a:schemeClr val="accent1">
+                <a:shade val="50000"/>
+              </a:schemeClr>
+            </a:lnRef>
+            <a:fillRef idx="1">
+              <a:schemeClr val="accent1"/>
+            </a:fillRef>
+            <a:effectRef idx="0">
+              <a:schemeClr val="accent1"/>
+            </a:effectRef>
+            <a:fontRef idx="minor">
+              <a:schemeClr val="lt1"/>
+            </a:fontRef>
+          </p:style>
+          <p:txBody>
+            <a:bodyPr rtlCol="0" anchor="ctr"/>
+            <a:lstStyle/>
+            <a:p>
+              <a:pPr algn="ctr"/>
+              <a:endParaRPr lang="sv-SE"/>
+            </a:p>
+          </p:txBody>
+        </p:sp>
+      </p:grpSp>
       <p:sp>
         <p:nvSpPr>
-          <p:cNvPr id="4" name="TextBox 3"/>
+          <p:cNvPr id="90" name="Rounded Rectangle 89"/>
+          <p:cNvSpPr/>
+          <p:nvPr/>
+        </p:nvSpPr>
+        <p:spPr>
+          <a:xfrm>
+            <a:off x="5411161" y="2361908"/>
+            <a:ext cx="463658" cy="927316"/>
+          </a:xfrm>
+          <a:prstGeom prst="roundRect">
+            <a:avLst/>
+          </a:prstGeom>
+          <a:solidFill>
+            <a:srgbClr val="C00000"/>
+          </a:solidFill>
+          <a:ln w="63500">
+            <a:solidFill>
+              <a:srgbClr val="C00000"/>
+            </a:solidFill>
+          </a:ln>
+        </p:spPr>
+        <p:style>
+          <a:lnRef idx="2">
+            <a:schemeClr val="accent1">
+              <a:shade val="50000"/>
+            </a:schemeClr>
+          </a:lnRef>
+          <a:fillRef idx="1">
+            <a:schemeClr val="accent1"/>
+          </a:fillRef>
+          <a:effectRef idx="0">
+            <a:schemeClr val="accent1"/>
+          </a:effectRef>
+          <a:fontRef idx="minor">
+            <a:schemeClr val="lt1"/>
+          </a:fontRef>
+        </p:style>
+        <p:txBody>
+          <a:bodyPr rtlCol="0" anchor="ctr"/>
+          <a:lstStyle/>
+          <a:p>
+            <a:pPr algn="ctr"/>
+            <a:endParaRPr lang="sv-SE"/>
+          </a:p>
+        </p:txBody>
+      </p:sp>
+      <p:sp>
+        <p:nvSpPr>
+          <p:cNvPr id="91" name="Rounded Rectangle 90"/>
+          <p:cNvSpPr/>
+          <p:nvPr/>
+        </p:nvSpPr>
+        <p:spPr>
+          <a:xfrm>
+            <a:off x="7664768" y="2361908"/>
+            <a:ext cx="463658" cy="927316"/>
+          </a:xfrm>
+          <a:prstGeom prst="roundRect">
+            <a:avLst/>
+          </a:prstGeom>
+          <a:solidFill>
+            <a:srgbClr val="C00000"/>
+          </a:solidFill>
+          <a:ln w="63500">
+            <a:solidFill>
+              <a:srgbClr val="C00000"/>
+            </a:solidFill>
+          </a:ln>
+        </p:spPr>
+        <p:style>
+          <a:lnRef idx="2">
+            <a:schemeClr val="accent1">
+              <a:shade val="50000"/>
+            </a:schemeClr>
+          </a:lnRef>
+          <a:fillRef idx="1">
+            <a:schemeClr val="accent1"/>
+          </a:fillRef>
+          <a:effectRef idx="0">
+            <a:schemeClr val="accent1"/>
+          </a:effectRef>
+          <a:fontRef idx="minor">
+            <a:schemeClr val="lt1"/>
+          </a:fontRef>
+        </p:style>
+        <p:txBody>
+          <a:bodyPr rtlCol="0" anchor="ctr"/>
+          <a:lstStyle/>
+          <a:p>
+            <a:pPr algn="ctr"/>
+            <a:endParaRPr lang="sv-SE"/>
+          </a:p>
+        </p:txBody>
+      </p:sp>
+      <p:sp>
+        <p:nvSpPr>
+          <p:cNvPr id="48" name="Rectangle 47"/>
+          <p:cNvSpPr/>
+          <p:nvPr/>
+        </p:nvSpPr>
+        <p:spPr>
+          <a:xfrm>
+            <a:off x="0" y="3831704"/>
+            <a:ext cx="12192000" cy="3026296"/>
+          </a:xfrm>
+          <a:prstGeom prst="rect">
+            <a:avLst/>
+          </a:prstGeom>
+          <a:solidFill>
+            <a:srgbClr val="282828"/>
+          </a:solidFill>
+          <a:ln w="38100">
+            <a:noFill/>
+          </a:ln>
+        </p:spPr>
+        <p:style>
+          <a:lnRef idx="2">
+            <a:schemeClr val="accent1">
+              <a:shade val="50000"/>
+            </a:schemeClr>
+          </a:lnRef>
+          <a:fillRef idx="1">
+            <a:schemeClr val="accent1"/>
+          </a:fillRef>
+          <a:effectRef idx="0">
+            <a:schemeClr val="accent1"/>
+          </a:effectRef>
+          <a:fontRef idx="minor">
+            <a:schemeClr val="lt1"/>
+          </a:fontRef>
+        </p:style>
+        <p:txBody>
+          <a:bodyPr rtlCol="0" anchor="ctr"/>
+          <a:lstStyle/>
+          <a:p>
+            <a:pPr algn="ctr"/>
+            <a:endParaRPr lang="sv-SE" sz="4800" b="1" dirty="0"/>
+          </a:p>
+        </p:txBody>
+      </p:sp>
+      <p:sp>
+        <p:nvSpPr>
+          <p:cNvPr id="55" name="TextBox 54"/>
           <p:cNvSpPr txBox="1"/>
           <p:nvPr/>
         </p:nvSpPr>
         <p:spPr>
           <a:xfrm>
-            <a:off x="4217324" y="2881745"/>
-            <a:ext cx="2166170" cy="830997"/>
+            <a:off x="1579782" y="4443574"/>
+            <a:ext cx="9424224" cy="1677382"/>
           </a:xfrm>
           <a:prstGeom prst="rect">
             <a:avLst/>
@@ -18396,22 +22482,394 @@
           <a:noFill/>
         </p:spPr>
         <p:txBody>
-          <a:bodyPr wrap="none" rtlCol="0">
+          <a:bodyPr wrap="square" rtlCol="0">
             <a:spAutoFit/>
           </a:bodyPr>
           <a:lstStyle/>
           <a:p>
-            <a:r>
-              <a:rPr lang="sv-SE" sz="4800" dirty="0" smtClean="0"/>
-              <a:t>ACTORS</a:t>
-            </a:r>
+            <a:pPr algn="ctr"/>
+            <a:r>
+              <a:rPr lang="sv-SE" sz="10300" b="1" spc="-1000" dirty="0" smtClean="0">
+                <a:ln w="15240">
+                  <a:solidFill>
+                    <a:srgbClr val="434343"/>
+                  </a:solidFill>
+                </a:ln>
+                <a:solidFill>
+                  <a:prstClr val="white"/>
+                </a:solidFill>
+                <a:latin typeface="Arial Black" panose="020B0A04020102020204" pitchFamily="34" charset="0"/>
+              </a:rPr>
+              <a:t>Bulkhead</a:t>
+            </a:r>
+            <a:endParaRPr lang="sv-SE" sz="10300" b="1" spc="-1000" dirty="0">
+              <a:ln w="15240">
+                <a:solidFill>
+                  <a:srgbClr val="434343"/>
+                </a:solidFill>
+              </a:ln>
+              <a:solidFill>
+                <a:prstClr val="white"/>
+              </a:solidFill>
+              <a:latin typeface="Arial Black" panose="020B0A04020102020204" pitchFamily="34" charset="0"/>
+            </a:endParaRPr>
           </a:p>
         </p:txBody>
       </p:sp>
+      <p:grpSp>
+        <p:nvGrpSpPr>
+          <p:cNvPr id="38" name="Group 37"/>
+          <p:cNvGrpSpPr/>
+          <p:nvPr/>
+        </p:nvGrpSpPr>
+        <p:grpSpPr>
+          <a:xfrm>
+            <a:off x="1876688" y="4594616"/>
+            <a:ext cx="1166437" cy="1366685"/>
+            <a:chOff x="3464818" y="2490713"/>
+            <a:chExt cx="845749" cy="990943"/>
+          </a:xfrm>
+        </p:grpSpPr>
+        <p:grpSp>
+          <p:nvGrpSpPr>
+            <p:cNvPr id="39" name="Group 38"/>
+            <p:cNvGrpSpPr/>
+            <p:nvPr/>
+          </p:nvGrpSpPr>
+          <p:grpSpPr>
+            <a:xfrm>
+              <a:off x="3464818" y="2522797"/>
+              <a:ext cx="845749" cy="958859"/>
+              <a:chOff x="3178679" y="2204286"/>
+              <a:chExt cx="1721001" cy="1951168"/>
+            </a:xfrm>
+          </p:grpSpPr>
+          <p:sp>
+            <p:nvSpPr>
+              <p:cNvPr id="57" name="Freeform 56"/>
+              <p:cNvSpPr/>
+              <p:nvPr/>
+            </p:nvSpPr>
+            <p:spPr>
+              <a:xfrm rot="9000000">
+                <a:off x="3178679" y="2558486"/>
+                <a:ext cx="922364" cy="1596968"/>
+              </a:xfrm>
+              <a:custGeom>
+                <a:avLst/>
+                <a:gdLst>
+                  <a:gd name="connsiteX0" fmla="*/ 0 w 2013626"/>
+                  <a:gd name="connsiteY0" fmla="*/ 1735884 h 3471768"/>
+                  <a:gd name="connsiteX1" fmla="*/ 1006813 w 2013626"/>
+                  <a:gd name="connsiteY1" fmla="*/ 0 h 3471768"/>
+                  <a:gd name="connsiteX2" fmla="*/ 2013626 w 2013626"/>
+                  <a:gd name="connsiteY2" fmla="*/ 1735884 h 3471768"/>
+                  <a:gd name="connsiteX3" fmla="*/ 1006813 w 2013626"/>
+                  <a:gd name="connsiteY3" fmla="*/ 3471768 h 3471768"/>
+                </a:gdLst>
+                <a:ahLst/>
+                <a:cxnLst>
+                  <a:cxn ang="0">
+                    <a:pos x="connsiteX0" y="connsiteY0"/>
+                  </a:cxn>
+                  <a:cxn ang="0">
+                    <a:pos x="connsiteX1" y="connsiteY1"/>
+                  </a:cxn>
+                  <a:cxn ang="0">
+                    <a:pos x="connsiteX2" y="connsiteY2"/>
+                  </a:cxn>
+                  <a:cxn ang="0">
+                    <a:pos x="connsiteX3" y="connsiteY3"/>
+                  </a:cxn>
+                </a:cxnLst>
+                <a:rect l="l" t="t" r="r" b="b"/>
+                <a:pathLst>
+                  <a:path w="2013626" h="3471768">
+                    <a:moveTo>
+                      <a:pt x="0" y="1735884"/>
+                    </a:moveTo>
+                    <a:lnTo>
+                      <a:pt x="1006813" y="0"/>
+                    </a:lnTo>
+                    <a:lnTo>
+                      <a:pt x="2013626" y="1735884"/>
+                    </a:lnTo>
+                    <a:lnTo>
+                      <a:pt x="1006813" y="3471768"/>
+                    </a:lnTo>
+                    <a:close/>
+                  </a:path>
+                </a:pathLst>
+              </a:custGeom>
+              <a:solidFill>
+                <a:srgbClr val="FFA484"/>
+              </a:solidFill>
+              <a:ln cap="rnd">
+                <a:noFill/>
+                <a:round/>
+              </a:ln>
+            </p:spPr>
+            <p:style>
+              <a:lnRef idx="2">
+                <a:schemeClr val="accent1">
+                  <a:shade val="50000"/>
+                </a:schemeClr>
+              </a:lnRef>
+              <a:fillRef idx="1">
+                <a:schemeClr val="accent1"/>
+              </a:fillRef>
+              <a:effectRef idx="0">
+                <a:schemeClr val="accent1"/>
+              </a:effectRef>
+              <a:fontRef idx="minor">
+                <a:schemeClr val="lt1"/>
+              </a:fontRef>
+            </p:style>
+            <p:txBody>
+              <a:bodyPr rtlCol="0" anchor="ctr"/>
+              <a:lstStyle/>
+              <a:p>
+                <a:pPr algn="ctr"/>
+                <a:endParaRPr lang="sv-SE"/>
+              </a:p>
+            </p:txBody>
+          </p:sp>
+          <p:sp>
+            <p:nvSpPr>
+              <p:cNvPr id="58" name="Freeform 57"/>
+              <p:cNvSpPr/>
+              <p:nvPr/>
+            </p:nvSpPr>
+            <p:spPr>
+              <a:xfrm rot="12600000" flipH="1">
+                <a:off x="3977316" y="2558484"/>
+                <a:ext cx="922364" cy="1596966"/>
+              </a:xfrm>
+              <a:custGeom>
+                <a:avLst/>
+                <a:gdLst>
+                  <a:gd name="connsiteX0" fmla="*/ 0 w 2013626"/>
+                  <a:gd name="connsiteY0" fmla="*/ 1735884 h 3471768"/>
+                  <a:gd name="connsiteX1" fmla="*/ 1006813 w 2013626"/>
+                  <a:gd name="connsiteY1" fmla="*/ 0 h 3471768"/>
+                  <a:gd name="connsiteX2" fmla="*/ 2013626 w 2013626"/>
+                  <a:gd name="connsiteY2" fmla="*/ 1735884 h 3471768"/>
+                  <a:gd name="connsiteX3" fmla="*/ 1006813 w 2013626"/>
+                  <a:gd name="connsiteY3" fmla="*/ 3471768 h 3471768"/>
+                </a:gdLst>
+                <a:ahLst/>
+                <a:cxnLst>
+                  <a:cxn ang="0">
+                    <a:pos x="connsiteX0" y="connsiteY0"/>
+                  </a:cxn>
+                  <a:cxn ang="0">
+                    <a:pos x="connsiteX1" y="connsiteY1"/>
+                  </a:cxn>
+                  <a:cxn ang="0">
+                    <a:pos x="connsiteX2" y="connsiteY2"/>
+                  </a:cxn>
+                  <a:cxn ang="0">
+                    <a:pos x="connsiteX3" y="connsiteY3"/>
+                  </a:cxn>
+                </a:cxnLst>
+                <a:rect l="l" t="t" r="r" b="b"/>
+                <a:pathLst>
+                  <a:path w="2013626" h="3471768">
+                    <a:moveTo>
+                      <a:pt x="0" y="1735884"/>
+                    </a:moveTo>
+                    <a:lnTo>
+                      <a:pt x="1006813" y="0"/>
+                    </a:lnTo>
+                    <a:lnTo>
+                      <a:pt x="2013626" y="1735884"/>
+                    </a:lnTo>
+                    <a:lnTo>
+                      <a:pt x="1006813" y="3471768"/>
+                    </a:lnTo>
+                    <a:close/>
+                  </a:path>
+                </a:pathLst>
+              </a:custGeom>
+              <a:solidFill>
+                <a:srgbClr val="CD80E9"/>
+              </a:solidFill>
+              <a:ln cap="rnd">
+                <a:noFill/>
+                <a:round/>
+              </a:ln>
+            </p:spPr>
+            <p:style>
+              <a:lnRef idx="2">
+                <a:schemeClr val="accent1">
+                  <a:shade val="50000"/>
+                </a:schemeClr>
+              </a:lnRef>
+              <a:fillRef idx="1">
+                <a:schemeClr val="accent1"/>
+              </a:fillRef>
+              <a:effectRef idx="0">
+                <a:schemeClr val="accent1"/>
+              </a:effectRef>
+              <a:fontRef idx="minor">
+                <a:schemeClr val="lt1"/>
+              </a:fontRef>
+            </p:style>
+            <p:txBody>
+              <a:bodyPr rtlCol="0" anchor="ctr"/>
+              <a:lstStyle/>
+              <a:p>
+                <a:pPr algn="ctr"/>
+                <a:endParaRPr lang="sv-SE"/>
+              </a:p>
+            </p:txBody>
+          </p:sp>
+          <p:sp>
+            <p:nvSpPr>
+              <p:cNvPr id="59" name="Freeform 58"/>
+              <p:cNvSpPr/>
+              <p:nvPr/>
+            </p:nvSpPr>
+            <p:spPr>
+              <a:xfrm rot="5400000">
+                <a:off x="3578912" y="1867301"/>
+                <a:ext cx="922365" cy="1596336"/>
+              </a:xfrm>
+              <a:custGeom>
+                <a:avLst/>
+                <a:gdLst>
+                  <a:gd name="connsiteX0" fmla="*/ 0 w 2013626"/>
+                  <a:gd name="connsiteY0" fmla="*/ 1735884 h 3471768"/>
+                  <a:gd name="connsiteX1" fmla="*/ 1006813 w 2013626"/>
+                  <a:gd name="connsiteY1" fmla="*/ 0 h 3471768"/>
+                  <a:gd name="connsiteX2" fmla="*/ 2013626 w 2013626"/>
+                  <a:gd name="connsiteY2" fmla="*/ 1735884 h 3471768"/>
+                  <a:gd name="connsiteX3" fmla="*/ 1006813 w 2013626"/>
+                  <a:gd name="connsiteY3" fmla="*/ 3471768 h 3471768"/>
+                </a:gdLst>
+                <a:ahLst/>
+                <a:cxnLst>
+                  <a:cxn ang="0">
+                    <a:pos x="connsiteX0" y="connsiteY0"/>
+                  </a:cxn>
+                  <a:cxn ang="0">
+                    <a:pos x="connsiteX1" y="connsiteY1"/>
+                  </a:cxn>
+                  <a:cxn ang="0">
+                    <a:pos x="connsiteX2" y="connsiteY2"/>
+                  </a:cxn>
+                  <a:cxn ang="0">
+                    <a:pos x="connsiteX3" y="connsiteY3"/>
+                  </a:cxn>
+                </a:cxnLst>
+                <a:rect l="l" t="t" r="r" b="b"/>
+                <a:pathLst>
+                  <a:path w="2013626" h="3471768">
+                    <a:moveTo>
+                      <a:pt x="0" y="1735884"/>
+                    </a:moveTo>
+                    <a:lnTo>
+                      <a:pt x="1006813" y="0"/>
+                    </a:lnTo>
+                    <a:lnTo>
+                      <a:pt x="2013626" y="1735884"/>
+                    </a:lnTo>
+                    <a:lnTo>
+                      <a:pt x="1006813" y="3471768"/>
+                    </a:lnTo>
+                    <a:close/>
+                  </a:path>
+                </a:pathLst>
+              </a:custGeom>
+              <a:solidFill>
+                <a:srgbClr val="FFE694"/>
+              </a:solidFill>
+              <a:ln cap="rnd">
+                <a:noFill/>
+                <a:round/>
+              </a:ln>
+            </p:spPr>
+            <p:style>
+              <a:lnRef idx="2">
+                <a:schemeClr val="accent1">
+                  <a:shade val="50000"/>
+                </a:schemeClr>
+              </a:lnRef>
+              <a:fillRef idx="1">
+                <a:schemeClr val="accent1"/>
+              </a:fillRef>
+              <a:effectRef idx="0">
+                <a:schemeClr val="accent1"/>
+              </a:effectRef>
+              <a:fontRef idx="minor">
+                <a:schemeClr val="lt1"/>
+              </a:fontRef>
+            </p:style>
+            <p:txBody>
+              <a:bodyPr rtlCol="0" anchor="ctr"/>
+              <a:lstStyle/>
+              <a:p>
+                <a:pPr algn="ctr"/>
+                <a:endParaRPr lang="sv-SE"/>
+              </a:p>
+            </p:txBody>
+          </p:sp>
+        </p:grpSp>
+        <p:sp>
+          <p:nvSpPr>
+            <p:cNvPr id="56" name="Hexagon 55"/>
+            <p:cNvSpPr/>
+            <p:nvPr/>
+          </p:nvSpPr>
+          <p:spPr>
+            <a:xfrm rot="5400000">
+              <a:off x="3409267" y="2548302"/>
+              <a:ext cx="956852" cy="841673"/>
+            </a:xfrm>
+            <a:prstGeom prst="hexagon">
+              <a:avLst>
+                <a:gd name="adj" fmla="val 29001"/>
+                <a:gd name="vf" fmla="val 115470"/>
+              </a:avLst>
+            </a:prstGeom>
+            <a:noFill/>
+            <a:ln w="95250" cap="rnd">
+              <a:solidFill>
+                <a:schemeClr val="bg1"/>
+              </a:solidFill>
+              <a:miter lim="800000"/>
+            </a:ln>
+          </p:spPr>
+          <p:style>
+            <a:lnRef idx="2">
+              <a:schemeClr val="accent1">
+                <a:shade val="50000"/>
+              </a:schemeClr>
+            </a:lnRef>
+            <a:fillRef idx="1">
+              <a:schemeClr val="accent1"/>
+            </a:fillRef>
+            <a:effectRef idx="0">
+              <a:schemeClr val="accent1"/>
+            </a:effectRef>
+            <a:fontRef idx="minor">
+              <a:schemeClr val="lt1"/>
+            </a:fontRef>
+          </p:style>
+          <p:txBody>
+            <a:bodyPr rtlCol="0" anchor="ctr"/>
+            <a:lstStyle/>
+            <a:p>
+              <a:pPr algn="ctr"/>
+              <a:endParaRPr lang="sv-SE"/>
+            </a:p>
+          </p:txBody>
+        </p:sp>
+      </p:grpSp>
     </p:spTree>
     <p:extLst>
       <p:ext uri="{BB962C8B-B14F-4D97-AF65-F5344CB8AC3E}">
-        <p14:creationId xmlns:p14="http://schemas.microsoft.com/office/powerpoint/2010/main" val="2458642203"/>
+        <p14:creationId xmlns:p14="http://schemas.microsoft.com/office/powerpoint/2010/main" val="2366628369"/>
       </p:ext>
     </p:extLst>
   </p:cSld>
@@ -18421,9 +22879,269 @@
   <p:timing>
     <p:tnLst>
       <p:par>
-        <p:cTn id="1" dur="indefinite" restart="never" nodeType="tmRoot"/>
+        <p:cTn id="1" dur="indefinite" restart="never" nodeType="tmRoot">
+          <p:childTnLst>
+            <p:seq concurrent="1" nextAc="seek">
+              <p:cTn id="2" dur="indefinite" nodeType="mainSeq">
+                <p:childTnLst>
+                  <p:par>
+                    <p:cTn id="3" fill="hold">
+                      <p:stCondLst>
+                        <p:cond delay="indefinite"/>
+                      </p:stCondLst>
+                      <p:childTnLst>
+                        <p:par>
+                          <p:cTn id="4" fill="hold">
+                            <p:stCondLst>
+                              <p:cond delay="0"/>
+                            </p:stCondLst>
+                            <p:childTnLst>
+                              <p:par>
+                                <p:cTn id="5" presetID="22" presetClass="entr" presetSubtype="8" fill="hold" nodeType="clickEffect">
+                                  <p:stCondLst>
+                                    <p:cond delay="0"/>
+                                  </p:stCondLst>
+                                  <p:childTnLst>
+                                    <p:set>
+                                      <p:cBhvr>
+                                        <p:cTn id="6" dur="1" fill="hold">
+                                          <p:stCondLst>
+                                            <p:cond delay="0"/>
+                                          </p:stCondLst>
+                                        </p:cTn>
+                                        <p:tgtEl>
+                                          <p:spTgt spid="80"/>
+                                        </p:tgtEl>
+                                        <p:attrNameLst>
+                                          <p:attrName>style.visibility</p:attrName>
+                                        </p:attrNameLst>
+                                      </p:cBhvr>
+                                      <p:to>
+                                        <p:strVal val="visible"/>
+                                      </p:to>
+                                    </p:set>
+                                    <p:animEffect transition="in" filter="wipe(left)">
+                                      <p:cBhvr>
+                                        <p:cTn id="7" dur="500"/>
+                                        <p:tgtEl>
+                                          <p:spTgt spid="80"/>
+                                        </p:tgtEl>
+                                      </p:cBhvr>
+                                    </p:animEffect>
+                                  </p:childTnLst>
+                                </p:cTn>
+                              </p:par>
+                            </p:childTnLst>
+                          </p:cTn>
+                        </p:par>
+                      </p:childTnLst>
+                    </p:cTn>
+                  </p:par>
+                  <p:par>
+                    <p:cTn id="8" fill="hold">
+                      <p:stCondLst>
+                        <p:cond delay="indefinite"/>
+                      </p:stCondLst>
+                      <p:childTnLst>
+                        <p:par>
+                          <p:cTn id="9" fill="hold">
+                            <p:stCondLst>
+                              <p:cond delay="0"/>
+                            </p:stCondLst>
+                            <p:childTnLst>
+                              <p:par>
+                                <p:cTn id="10" presetID="53" presetClass="entr" presetSubtype="16" fill="hold" grpId="0" nodeType="clickEffect">
+                                  <p:stCondLst>
+                                    <p:cond delay="0"/>
+                                  </p:stCondLst>
+                                  <p:childTnLst>
+                                    <p:set>
+                                      <p:cBhvr>
+                                        <p:cTn id="11" dur="1" fill="hold">
+                                          <p:stCondLst>
+                                            <p:cond delay="0"/>
+                                          </p:stCondLst>
+                                        </p:cTn>
+                                        <p:tgtEl>
+                                          <p:spTgt spid="91"/>
+                                        </p:tgtEl>
+                                        <p:attrNameLst>
+                                          <p:attrName>style.visibility</p:attrName>
+                                        </p:attrNameLst>
+                                      </p:cBhvr>
+                                      <p:to>
+                                        <p:strVal val="visible"/>
+                                      </p:to>
+                                    </p:set>
+                                    <p:anim calcmode="lin" valueType="num">
+                                      <p:cBhvr>
+                                        <p:cTn id="12" dur="500" fill="hold"/>
+                                        <p:tgtEl>
+                                          <p:spTgt spid="91"/>
+                                        </p:tgtEl>
+                                        <p:attrNameLst>
+                                          <p:attrName>ppt_w</p:attrName>
+                                        </p:attrNameLst>
+                                      </p:cBhvr>
+                                      <p:tavLst>
+                                        <p:tav tm="0">
+                                          <p:val>
+                                            <p:fltVal val="0"/>
+                                          </p:val>
+                                        </p:tav>
+                                        <p:tav tm="100000">
+                                          <p:val>
+                                            <p:strVal val="#ppt_w"/>
+                                          </p:val>
+                                        </p:tav>
+                                      </p:tavLst>
+                                    </p:anim>
+                                    <p:anim calcmode="lin" valueType="num">
+                                      <p:cBhvr>
+                                        <p:cTn id="13" dur="500" fill="hold"/>
+                                        <p:tgtEl>
+                                          <p:spTgt spid="91"/>
+                                        </p:tgtEl>
+                                        <p:attrNameLst>
+                                          <p:attrName>ppt_h</p:attrName>
+                                        </p:attrNameLst>
+                                      </p:cBhvr>
+                                      <p:tavLst>
+                                        <p:tav tm="0">
+                                          <p:val>
+                                            <p:fltVal val="0"/>
+                                          </p:val>
+                                        </p:tav>
+                                        <p:tav tm="100000">
+                                          <p:val>
+                                            <p:strVal val="#ppt_h"/>
+                                          </p:val>
+                                        </p:tav>
+                                      </p:tavLst>
+                                    </p:anim>
+                                    <p:animEffect transition="in" filter="fade">
+                                      <p:cBhvr>
+                                        <p:cTn id="14" dur="500"/>
+                                        <p:tgtEl>
+                                          <p:spTgt spid="91"/>
+                                        </p:tgtEl>
+                                      </p:cBhvr>
+                                    </p:animEffect>
+                                  </p:childTnLst>
+                                </p:cTn>
+                              </p:par>
+                              <p:par>
+                                <p:cTn id="15" presetID="53" presetClass="entr" presetSubtype="16" fill="hold" grpId="0" nodeType="withEffect">
+                                  <p:stCondLst>
+                                    <p:cond delay="0"/>
+                                  </p:stCondLst>
+                                  <p:childTnLst>
+                                    <p:set>
+                                      <p:cBhvr>
+                                        <p:cTn id="16" dur="1" fill="hold">
+                                          <p:stCondLst>
+                                            <p:cond delay="0"/>
+                                          </p:stCondLst>
+                                        </p:cTn>
+                                        <p:tgtEl>
+                                          <p:spTgt spid="90"/>
+                                        </p:tgtEl>
+                                        <p:attrNameLst>
+                                          <p:attrName>style.visibility</p:attrName>
+                                        </p:attrNameLst>
+                                      </p:cBhvr>
+                                      <p:to>
+                                        <p:strVal val="visible"/>
+                                      </p:to>
+                                    </p:set>
+                                    <p:anim calcmode="lin" valueType="num">
+                                      <p:cBhvr>
+                                        <p:cTn id="17" dur="500" fill="hold"/>
+                                        <p:tgtEl>
+                                          <p:spTgt spid="90"/>
+                                        </p:tgtEl>
+                                        <p:attrNameLst>
+                                          <p:attrName>ppt_w</p:attrName>
+                                        </p:attrNameLst>
+                                      </p:cBhvr>
+                                      <p:tavLst>
+                                        <p:tav tm="0">
+                                          <p:val>
+                                            <p:fltVal val="0"/>
+                                          </p:val>
+                                        </p:tav>
+                                        <p:tav tm="100000">
+                                          <p:val>
+                                            <p:strVal val="#ppt_w"/>
+                                          </p:val>
+                                        </p:tav>
+                                      </p:tavLst>
+                                    </p:anim>
+                                    <p:anim calcmode="lin" valueType="num">
+                                      <p:cBhvr>
+                                        <p:cTn id="18" dur="500" fill="hold"/>
+                                        <p:tgtEl>
+                                          <p:spTgt spid="90"/>
+                                        </p:tgtEl>
+                                        <p:attrNameLst>
+                                          <p:attrName>ppt_h</p:attrName>
+                                        </p:attrNameLst>
+                                      </p:cBhvr>
+                                      <p:tavLst>
+                                        <p:tav tm="0">
+                                          <p:val>
+                                            <p:fltVal val="0"/>
+                                          </p:val>
+                                        </p:tav>
+                                        <p:tav tm="100000">
+                                          <p:val>
+                                            <p:strVal val="#ppt_h"/>
+                                          </p:val>
+                                        </p:tav>
+                                      </p:tavLst>
+                                    </p:anim>
+                                    <p:animEffect transition="in" filter="fade">
+                                      <p:cBhvr>
+                                        <p:cTn id="19" dur="500"/>
+                                        <p:tgtEl>
+                                          <p:spTgt spid="90"/>
+                                        </p:tgtEl>
+                                      </p:cBhvr>
+                                    </p:animEffect>
+                                  </p:childTnLst>
+                                </p:cTn>
+                              </p:par>
+                            </p:childTnLst>
+                          </p:cTn>
+                        </p:par>
+                      </p:childTnLst>
+                    </p:cTn>
+                  </p:par>
+                </p:childTnLst>
+              </p:cTn>
+              <p:prevCondLst>
+                <p:cond evt="onPrev" delay="0">
+                  <p:tgtEl>
+                    <p:sldTgt/>
+                  </p:tgtEl>
+                </p:cond>
+              </p:prevCondLst>
+              <p:nextCondLst>
+                <p:cond evt="onNext" delay="0">
+                  <p:tgtEl>
+                    <p:sldTgt/>
+                  </p:tgtEl>
+                </p:cond>
+              </p:nextCondLst>
+            </p:seq>
+          </p:childTnLst>
+        </p:cTn>
       </p:par>
     </p:tnLst>
+    <p:bldLst>
+      <p:bldP spid="90" grpId="0" animBg="1"/>
+      <p:bldP spid="91" grpId="0" animBg="1"/>
+    </p:bldLst>
   </p:timing>
 </p:sld>
 </file>
@@ -18453,9 +23171,60 @@
           <a:chExt cx="0" cy="0"/>
         </a:xfrm>
       </p:grpSpPr>
+      <p:sp>
+        <p:nvSpPr>
+          <p:cNvPr id="3" name="TextBox 2"/>
+          <p:cNvSpPr txBox="1"/>
+          <p:nvPr/>
+        </p:nvSpPr>
+        <p:spPr>
+          <a:xfrm>
+            <a:off x="1579782" y="2362983"/>
+            <a:ext cx="9424224" cy="1677382"/>
+          </a:xfrm>
+          <a:prstGeom prst="rect">
+            <a:avLst/>
+          </a:prstGeom>
+          <a:noFill/>
+        </p:spPr>
+        <p:txBody>
+          <a:bodyPr wrap="square" rtlCol="0">
+            <a:spAutoFit/>
+          </a:bodyPr>
+          <a:lstStyle/>
+          <a:p>
+            <a:pPr algn="ctr"/>
+            <a:r>
+              <a:rPr lang="sv-SE" sz="10300" b="1" spc="-1000" dirty="0" smtClean="0">
+                <a:ln w="15240">
+                  <a:solidFill>
+                    <a:srgbClr val="434343"/>
+                  </a:solidFill>
+                </a:ln>
+                <a:solidFill>
+                  <a:prstClr val="white"/>
+                </a:solidFill>
+                <a:latin typeface="Arial Black" panose="020B0A04020102020204" pitchFamily="34" charset="0"/>
+              </a:rPr>
+              <a:t>Actors</a:t>
+            </a:r>
+            <a:endParaRPr lang="sv-SE" sz="10300" b="1" spc="-1000" dirty="0">
+              <a:ln w="15240">
+                <a:solidFill>
+                  <a:srgbClr val="434343"/>
+                </a:solidFill>
+              </a:ln>
+              <a:solidFill>
+                <a:prstClr val="white"/>
+              </a:solidFill>
+              <a:latin typeface="Arial Black" panose="020B0A04020102020204" pitchFamily="34" charset="0"/>
+            </a:endParaRPr>
+          </a:p>
+        </p:txBody>
+      </p:sp>
       <p:pic>
         <p:nvPicPr>
-          <p:cNvPr id="44" name="Picture 43"/>
+          <p:cNvPr id="2" name="Picture 1"/>
           <p:cNvPicPr>
             <a:picLocks noChangeAspect="1"/>
           </p:cNvPicPr>
@@ -18475,447 +23244,27 @@
         </p:blipFill>
         <p:spPr>
           <a:xfrm>
-            <a:off x="3063220" y="4245915"/>
-            <a:ext cx="5901439" cy="2017951"/>
+            <a:off x="1579782" y="1795699"/>
+            <a:ext cx="2456901" cy="2365453"/>
           </a:xfrm>
           <a:prstGeom prst="rect">
             <a:avLst/>
           </a:prstGeom>
         </p:spPr>
       </p:pic>
-      <p:sp>
-        <p:nvSpPr>
-          <p:cNvPr id="97" name="Title 1"/>
-          <p:cNvSpPr>
-            <a:spLocks noGrp="1"/>
-          </p:cNvSpPr>
-          <p:nvPr>
-            <p:ph type="title"/>
-          </p:nvPr>
-        </p:nvSpPr>
-        <p:spPr>
-          <a:xfrm>
-            <a:off x="838200" y="365125"/>
-            <a:ext cx="10515600" cy="1325563"/>
-          </a:xfrm>
-        </p:spPr>
-        <p:txBody>
-          <a:bodyPr/>
-          <a:lstStyle/>
-          <a:p>
-            <a:pPr algn="ctr"/>
-            <a:r>
-              <a:rPr lang="sv-SE" b="1" dirty="0" err="1" smtClean="0"/>
-              <a:t>Actor</a:t>
-            </a:r>
-            <a:r>
-              <a:rPr lang="sv-SE" b="1" dirty="0" smtClean="0"/>
-              <a:t> </a:t>
-            </a:r>
-            <a:r>
-              <a:rPr lang="sv-SE" b="1" dirty="0" err="1" smtClean="0"/>
-              <a:t>Model</a:t>
-            </a:r>
-            <a:endParaRPr lang="sv-SE" b="1" dirty="0"/>
-          </a:p>
-        </p:txBody>
-      </p:sp>
-      <p:sp>
-        <p:nvSpPr>
-          <p:cNvPr id="124" name="Content Placeholder 2"/>
-          <p:cNvSpPr>
-            <a:spLocks noGrp="1"/>
-          </p:cNvSpPr>
-          <p:nvPr>
-            <p:ph idx="1"/>
-          </p:nvPr>
-        </p:nvSpPr>
-        <p:spPr>
-          <a:xfrm>
-            <a:off x="838200" y="1607167"/>
-            <a:ext cx="10515600" cy="2224537"/>
-          </a:xfrm>
-        </p:spPr>
-        <p:txBody>
-          <a:bodyPr>
-            <a:normAutofit/>
-          </a:bodyPr>
-          <a:lstStyle/>
-          <a:p>
-            <a:pPr marL="0" indent="0">
-              <a:buNone/>
-            </a:pPr>
-            <a:r>
-              <a:rPr lang="sv-SE" b="1" dirty="0" smtClean="0"/>
-              <a:t>Three axioms:</a:t>
-            </a:r>
-          </a:p>
-          <a:p>
-            <a:pPr marL="0" indent="0">
-              <a:buNone/>
-            </a:pPr>
-            <a:r>
-              <a:rPr lang="sv-SE" sz="2400" b="1" dirty="0" err="1" smtClean="0"/>
-              <a:t>Send</a:t>
-            </a:r>
-            <a:r>
-              <a:rPr lang="sv-SE" sz="2400" dirty="0" smtClean="0"/>
-              <a:t> </a:t>
-            </a:r>
-            <a:r>
-              <a:rPr lang="sv-SE" sz="2400" dirty="0" smtClean="0">
-                <a:solidFill>
-                  <a:srgbClr val="FFE699"/>
-                </a:solidFill>
-              </a:rPr>
-              <a:t>– an </a:t>
-            </a:r>
-            <a:r>
-              <a:rPr lang="sv-SE" sz="2400" dirty="0" err="1" smtClean="0">
-                <a:solidFill>
-                  <a:srgbClr val="FFE699"/>
-                </a:solidFill>
-              </a:rPr>
-              <a:t>actor</a:t>
-            </a:r>
-            <a:r>
-              <a:rPr lang="sv-SE" sz="2400" dirty="0" smtClean="0">
-                <a:solidFill>
-                  <a:srgbClr val="FFE699"/>
-                </a:solidFill>
-              </a:rPr>
-              <a:t> </a:t>
-            </a:r>
-            <a:r>
-              <a:rPr lang="sv-SE" sz="2400" dirty="0" err="1" smtClean="0">
-                <a:solidFill>
-                  <a:srgbClr val="FFE699"/>
-                </a:solidFill>
-              </a:rPr>
-              <a:t>can</a:t>
-            </a:r>
-            <a:r>
-              <a:rPr lang="sv-SE" sz="2400" dirty="0" smtClean="0">
-                <a:solidFill>
-                  <a:srgbClr val="FFE699"/>
-                </a:solidFill>
-              </a:rPr>
-              <a:t> </a:t>
-            </a:r>
-            <a:r>
-              <a:rPr lang="sv-SE" sz="2400" dirty="0" err="1" smtClean="0">
-                <a:solidFill>
-                  <a:srgbClr val="FFE699"/>
-                </a:solidFill>
-              </a:rPr>
-              <a:t>send</a:t>
-            </a:r>
-            <a:r>
-              <a:rPr lang="sv-SE" sz="2400" dirty="0" smtClean="0">
-                <a:solidFill>
-                  <a:srgbClr val="FFE699"/>
-                </a:solidFill>
-              </a:rPr>
-              <a:t> </a:t>
-            </a:r>
-            <a:r>
-              <a:rPr lang="sv-SE" sz="2400" dirty="0" err="1" smtClean="0">
-                <a:solidFill>
-                  <a:srgbClr val="FFE699"/>
-                </a:solidFill>
-              </a:rPr>
-              <a:t>messages</a:t>
-            </a:r>
-            <a:r>
-              <a:rPr lang="sv-SE" sz="2400" dirty="0" smtClean="0">
-                <a:solidFill>
-                  <a:srgbClr val="FFE699"/>
-                </a:solidFill>
-              </a:rPr>
-              <a:t> to </a:t>
-            </a:r>
-            <a:r>
-              <a:rPr lang="sv-SE" sz="2400" dirty="0" err="1" smtClean="0">
-                <a:solidFill>
-                  <a:srgbClr val="FFE699"/>
-                </a:solidFill>
-              </a:rPr>
-              <a:t>other</a:t>
-            </a:r>
-            <a:r>
-              <a:rPr lang="sv-SE" sz="2400" dirty="0" smtClean="0">
-                <a:solidFill>
-                  <a:srgbClr val="FFE699"/>
-                </a:solidFill>
-              </a:rPr>
-              <a:t> </a:t>
-            </a:r>
-            <a:r>
-              <a:rPr lang="sv-SE" sz="2400" dirty="0" err="1" smtClean="0">
-                <a:solidFill>
-                  <a:srgbClr val="FFE699"/>
-                </a:solidFill>
-              </a:rPr>
-              <a:t>actors</a:t>
-            </a:r>
-            <a:endParaRPr lang="sv-SE" sz="2400" dirty="0" smtClean="0">
-              <a:solidFill>
-                <a:srgbClr val="FFE699"/>
-              </a:solidFill>
-            </a:endParaRPr>
-          </a:p>
-          <a:p>
-            <a:pPr marL="0" indent="0">
-              <a:buNone/>
-            </a:pPr>
-            <a:r>
-              <a:rPr lang="sv-SE" sz="2400" b="1" dirty="0" err="1" smtClean="0"/>
-              <a:t>Create</a:t>
-            </a:r>
-            <a:r>
-              <a:rPr lang="sv-SE" sz="2400" dirty="0" smtClean="0"/>
-              <a:t> </a:t>
-            </a:r>
-            <a:r>
-              <a:rPr lang="sv-SE" sz="2400" dirty="0" smtClean="0">
-                <a:solidFill>
-                  <a:srgbClr val="FFE699"/>
-                </a:solidFill>
-              </a:rPr>
-              <a:t>– an </a:t>
-            </a:r>
-            <a:r>
-              <a:rPr lang="sv-SE" sz="2400" dirty="0" err="1" smtClean="0">
-                <a:solidFill>
-                  <a:srgbClr val="FFE699"/>
-                </a:solidFill>
-              </a:rPr>
-              <a:t>actor</a:t>
-            </a:r>
-            <a:r>
-              <a:rPr lang="sv-SE" sz="2400" dirty="0" smtClean="0">
-                <a:solidFill>
-                  <a:srgbClr val="FFE699"/>
-                </a:solidFill>
-              </a:rPr>
-              <a:t> </a:t>
-            </a:r>
-            <a:r>
-              <a:rPr lang="sv-SE" sz="2400" dirty="0" err="1" smtClean="0">
-                <a:solidFill>
-                  <a:srgbClr val="FFE699"/>
-                </a:solidFill>
-              </a:rPr>
-              <a:t>can</a:t>
-            </a:r>
-            <a:r>
-              <a:rPr lang="sv-SE" sz="2400" dirty="0" smtClean="0">
-                <a:solidFill>
-                  <a:srgbClr val="FFE699"/>
-                </a:solidFill>
-              </a:rPr>
-              <a:t> </a:t>
-            </a:r>
-            <a:r>
-              <a:rPr lang="sv-SE" sz="2400" dirty="0" err="1" smtClean="0">
-                <a:solidFill>
-                  <a:srgbClr val="FFE699"/>
-                </a:solidFill>
-              </a:rPr>
-              <a:t>create</a:t>
-            </a:r>
-            <a:r>
-              <a:rPr lang="sv-SE" sz="2400" dirty="0" smtClean="0">
-                <a:solidFill>
-                  <a:srgbClr val="FFE699"/>
-                </a:solidFill>
-              </a:rPr>
-              <a:t> new </a:t>
-            </a:r>
-            <a:r>
-              <a:rPr lang="sv-SE" sz="2400" dirty="0" err="1" smtClean="0">
-                <a:solidFill>
-                  <a:srgbClr val="FFE699"/>
-                </a:solidFill>
-              </a:rPr>
-              <a:t>actors</a:t>
-            </a:r>
-            <a:endParaRPr lang="sv-SE" sz="2400" dirty="0" smtClean="0">
-              <a:solidFill>
-                <a:srgbClr val="FFE699"/>
-              </a:solidFill>
-            </a:endParaRPr>
-          </a:p>
-          <a:p>
-            <a:pPr marL="0" indent="0">
-              <a:buNone/>
-            </a:pPr>
-            <a:r>
-              <a:rPr lang="sv-SE" sz="2400" b="1" dirty="0" err="1" smtClean="0"/>
-              <a:t>Become</a:t>
-            </a:r>
-            <a:r>
-              <a:rPr lang="sv-SE" sz="2400" dirty="0" smtClean="0"/>
-              <a:t> </a:t>
-            </a:r>
-            <a:r>
-              <a:rPr lang="sv-SE" sz="2400" dirty="0" smtClean="0">
-                <a:solidFill>
-                  <a:srgbClr val="FFE699"/>
-                </a:solidFill>
-              </a:rPr>
-              <a:t>– an </a:t>
-            </a:r>
-            <a:r>
-              <a:rPr lang="sv-SE" sz="2400" dirty="0" err="1" smtClean="0">
-                <a:solidFill>
-                  <a:srgbClr val="FFE699"/>
-                </a:solidFill>
-              </a:rPr>
-              <a:t>actor</a:t>
-            </a:r>
-            <a:r>
-              <a:rPr lang="sv-SE" sz="2400" dirty="0" smtClean="0">
-                <a:solidFill>
-                  <a:srgbClr val="FFE699"/>
-                </a:solidFill>
-              </a:rPr>
-              <a:t> </a:t>
-            </a:r>
-            <a:r>
-              <a:rPr lang="sv-SE" sz="2400" dirty="0" err="1" smtClean="0">
-                <a:solidFill>
-                  <a:srgbClr val="FFE699"/>
-                </a:solidFill>
-              </a:rPr>
-              <a:t>can</a:t>
-            </a:r>
-            <a:r>
-              <a:rPr lang="sv-SE" sz="2400" dirty="0" smtClean="0">
-                <a:solidFill>
-                  <a:srgbClr val="FFE699"/>
-                </a:solidFill>
-              </a:rPr>
-              <a:t> </a:t>
-            </a:r>
-            <a:r>
-              <a:rPr lang="sv-SE" sz="2400" dirty="0" err="1" smtClean="0">
-                <a:solidFill>
-                  <a:srgbClr val="FFE699"/>
-                </a:solidFill>
-              </a:rPr>
-              <a:t>decide</a:t>
-            </a:r>
-            <a:r>
-              <a:rPr lang="sv-SE" sz="2400" dirty="0" smtClean="0">
-                <a:solidFill>
-                  <a:srgbClr val="FFE699"/>
-                </a:solidFill>
-              </a:rPr>
-              <a:t> </a:t>
-            </a:r>
-            <a:r>
-              <a:rPr lang="sv-SE" sz="2400" dirty="0" err="1" smtClean="0">
-                <a:solidFill>
-                  <a:srgbClr val="FFE699"/>
-                </a:solidFill>
-              </a:rPr>
-              <a:t>how</a:t>
-            </a:r>
-            <a:r>
-              <a:rPr lang="sv-SE" sz="2400" dirty="0" smtClean="0">
-                <a:solidFill>
-                  <a:srgbClr val="FFE699"/>
-                </a:solidFill>
-              </a:rPr>
-              <a:t> to </a:t>
-            </a:r>
-            <a:r>
-              <a:rPr lang="sv-SE" sz="2400" dirty="0" err="1" smtClean="0">
-                <a:solidFill>
-                  <a:srgbClr val="FFE699"/>
-                </a:solidFill>
-              </a:rPr>
-              <a:t>handle</a:t>
-            </a:r>
-            <a:r>
-              <a:rPr lang="sv-SE" sz="2400" dirty="0" smtClean="0">
-                <a:solidFill>
-                  <a:srgbClr val="FFE699"/>
-                </a:solidFill>
-              </a:rPr>
-              <a:t> </a:t>
-            </a:r>
-            <a:r>
-              <a:rPr lang="sv-SE" sz="2400" dirty="0" err="1" smtClean="0">
-                <a:solidFill>
-                  <a:srgbClr val="FFE699"/>
-                </a:solidFill>
-              </a:rPr>
-              <a:t>it’s</a:t>
-            </a:r>
-            <a:r>
-              <a:rPr lang="sv-SE" sz="2400" dirty="0" smtClean="0">
-                <a:solidFill>
-                  <a:srgbClr val="FFE699"/>
-                </a:solidFill>
-              </a:rPr>
-              <a:t> </a:t>
-            </a:r>
-            <a:r>
-              <a:rPr lang="sv-SE" sz="2400" dirty="0" err="1" smtClean="0">
-                <a:solidFill>
-                  <a:srgbClr val="FFE699"/>
-                </a:solidFill>
-              </a:rPr>
-              <a:t>next</a:t>
-            </a:r>
-            <a:r>
-              <a:rPr lang="sv-SE" sz="2400" dirty="0" smtClean="0">
-                <a:solidFill>
-                  <a:srgbClr val="FFE699"/>
-                </a:solidFill>
-              </a:rPr>
-              <a:t> </a:t>
-            </a:r>
-            <a:r>
-              <a:rPr lang="sv-SE" sz="2400" dirty="0" err="1" smtClean="0">
-                <a:solidFill>
-                  <a:srgbClr val="FFE699"/>
-                </a:solidFill>
-              </a:rPr>
-              <a:t>message</a:t>
-            </a:r>
-            <a:endParaRPr lang="sv-SE" sz="2400" dirty="0" smtClean="0">
-              <a:solidFill>
-                <a:srgbClr val="FFE699"/>
-              </a:solidFill>
-            </a:endParaRPr>
-          </a:p>
-        </p:txBody>
-      </p:sp>
     </p:spTree>
     <p:extLst>
       <p:ext uri="{BB962C8B-B14F-4D97-AF65-F5344CB8AC3E}">
-        <p14:creationId xmlns:p14="http://schemas.microsoft.com/office/powerpoint/2010/main" val="3082712165"/>
+        <p14:creationId xmlns:p14="http://schemas.microsoft.com/office/powerpoint/2010/main" val="2458642203"/>
       </p:ext>
     </p:extLst>
   </p:cSld>
   <p:clrMapOvr>
     <a:masterClrMapping/>
   </p:clrMapOvr>
-  <mc:AlternateContent xmlns:mc="http://schemas.openxmlformats.org/markup-compatibility/2006" xmlns:p14="http://schemas.microsoft.com/office/powerpoint/2010/main">
-    <mc:Choice Requires="p14">
-      <p:transition spd="med" p14:dur="700">
-        <p:fade/>
-      </p:transition>
-    </mc:Choice>
-    <mc:Fallback xmlns="">
-      <p:transition spd="med">
-        <p:fade/>
-      </p:transition>
-    </mc:Fallback>
-  </mc:AlternateContent>
+  <p:transition spd="slow">
+    <p:push dir="u"/>
+  </p:transition>
   <p:timing>
     <p:tnLst>
       <p:par>
@@ -18951,36 +23300,474 @@
           <a:chExt cx="0" cy="0"/>
         </a:xfrm>
       </p:grpSpPr>
-      <p:pic>
-        <p:nvPicPr>
-          <p:cNvPr id="44" name="Picture 43"/>
-          <p:cNvPicPr>
-            <a:picLocks noChangeAspect="1"/>
-          </p:cNvPicPr>
-          <p:nvPr/>
-        </p:nvPicPr>
-        <p:blipFill>
-          <a:blip r:embed="rId2">
-            <a:extLst>
-              <a:ext uri="{28A0092B-C50C-407E-A947-70E740481C1C}">
-                <a14:useLocalDpi xmlns:a14="http://schemas.microsoft.com/office/drawing/2010/main" val="0"/>
-              </a:ext>
-            </a:extLst>
-          </a:blip>
-          <a:stretch>
-            <a:fillRect/>
-          </a:stretch>
-        </p:blipFill>
+      <p:sp>
+        <p:nvSpPr>
+          <p:cNvPr id="97" name="Title 1"/>
+          <p:cNvSpPr>
+            <a:spLocks noGrp="1"/>
+          </p:cNvSpPr>
+          <p:nvPr>
+            <p:ph type="title"/>
+          </p:nvPr>
+        </p:nvSpPr>
         <p:spPr>
           <a:xfrm>
-            <a:off x="3063220" y="4245915"/>
-            <a:ext cx="5901439" cy="2017951"/>
+            <a:off x="838200" y="365125"/>
+            <a:ext cx="10515600" cy="1325563"/>
           </a:xfrm>
-          <a:prstGeom prst="rect">
-            <a:avLst/>
-          </a:prstGeom>
         </p:spPr>
-      </p:pic>
+        <p:txBody>
+          <a:bodyPr/>
+          <a:lstStyle/>
+          <a:p>
+            <a:pPr algn="ctr"/>
+            <a:r>
+              <a:rPr lang="sv-SE" b="1" dirty="0" err="1" smtClean="0"/>
+              <a:t>Actor</a:t>
+            </a:r>
+            <a:r>
+              <a:rPr lang="sv-SE" b="1" dirty="0" smtClean="0"/>
+              <a:t> </a:t>
+            </a:r>
+            <a:r>
+              <a:rPr lang="sv-SE" b="1" dirty="0" err="1" smtClean="0"/>
+              <a:t>Model</a:t>
+            </a:r>
+            <a:endParaRPr lang="sv-SE" b="1" dirty="0"/>
+          </a:p>
+        </p:txBody>
+      </p:sp>
+      <p:sp>
+        <p:nvSpPr>
+          <p:cNvPr id="124" name="Content Placeholder 2"/>
+          <p:cNvSpPr>
+            <a:spLocks noGrp="1"/>
+          </p:cNvSpPr>
+          <p:nvPr>
+            <p:ph idx="1"/>
+          </p:nvPr>
+        </p:nvSpPr>
+        <p:spPr>
+          <a:xfrm>
+            <a:off x="838200" y="1690688"/>
+            <a:ext cx="10515600" cy="2224537"/>
+          </a:xfrm>
+        </p:spPr>
+        <p:txBody>
+          <a:bodyPr>
+            <a:normAutofit/>
+          </a:bodyPr>
+          <a:lstStyle/>
+          <a:p>
+            <a:pPr marL="0" indent="0">
+              <a:buNone/>
+            </a:pPr>
+            <a:r>
+              <a:rPr lang="sv-SE" b="1" dirty="0" smtClean="0"/>
+              <a:t>Three axioms:</a:t>
+            </a:r>
+          </a:p>
+          <a:p>
+            <a:pPr marL="0" indent="0">
+              <a:buNone/>
+            </a:pPr>
+            <a:r>
+              <a:rPr lang="sv-SE" sz="2400" b="1" dirty="0" err="1" smtClean="0"/>
+              <a:t>Send</a:t>
+            </a:r>
+            <a:r>
+              <a:rPr lang="sv-SE" sz="2400" dirty="0" smtClean="0"/>
+              <a:t> </a:t>
+            </a:r>
+            <a:r>
+              <a:rPr lang="sv-SE" sz="2400" dirty="0" smtClean="0">
+                <a:solidFill>
+                  <a:srgbClr val="FFE699"/>
+                </a:solidFill>
+              </a:rPr>
+              <a:t>– an </a:t>
+            </a:r>
+            <a:r>
+              <a:rPr lang="sv-SE" sz="2400" dirty="0" err="1" smtClean="0">
+                <a:solidFill>
+                  <a:srgbClr val="FFE699"/>
+                </a:solidFill>
+              </a:rPr>
+              <a:t>actor</a:t>
+            </a:r>
+            <a:r>
+              <a:rPr lang="sv-SE" sz="2400" dirty="0" smtClean="0">
+                <a:solidFill>
+                  <a:srgbClr val="FFE699"/>
+                </a:solidFill>
+              </a:rPr>
+              <a:t> </a:t>
+            </a:r>
+            <a:r>
+              <a:rPr lang="sv-SE" sz="2400" dirty="0" err="1" smtClean="0">
+                <a:solidFill>
+                  <a:srgbClr val="FFE699"/>
+                </a:solidFill>
+              </a:rPr>
+              <a:t>can</a:t>
+            </a:r>
+            <a:r>
+              <a:rPr lang="sv-SE" sz="2400" dirty="0" smtClean="0">
+                <a:solidFill>
+                  <a:srgbClr val="FFE699"/>
+                </a:solidFill>
+              </a:rPr>
+              <a:t> </a:t>
+            </a:r>
+            <a:r>
+              <a:rPr lang="sv-SE" sz="2400" dirty="0" err="1" smtClean="0">
+                <a:solidFill>
+                  <a:srgbClr val="FFE699"/>
+                </a:solidFill>
+              </a:rPr>
+              <a:t>send</a:t>
+            </a:r>
+            <a:r>
+              <a:rPr lang="sv-SE" sz="2400" dirty="0" smtClean="0">
+                <a:solidFill>
+                  <a:srgbClr val="FFE699"/>
+                </a:solidFill>
+              </a:rPr>
+              <a:t> </a:t>
+            </a:r>
+            <a:r>
+              <a:rPr lang="sv-SE" sz="2400" dirty="0" err="1" smtClean="0">
+                <a:solidFill>
+                  <a:srgbClr val="FFE699"/>
+                </a:solidFill>
+              </a:rPr>
+              <a:t>messages</a:t>
+            </a:r>
+            <a:r>
+              <a:rPr lang="sv-SE" sz="2400" dirty="0" smtClean="0">
+                <a:solidFill>
+                  <a:srgbClr val="FFE699"/>
+                </a:solidFill>
+              </a:rPr>
+              <a:t> to </a:t>
+            </a:r>
+            <a:r>
+              <a:rPr lang="sv-SE" sz="2400" dirty="0" err="1" smtClean="0">
+                <a:solidFill>
+                  <a:srgbClr val="FFE699"/>
+                </a:solidFill>
+              </a:rPr>
+              <a:t>other</a:t>
+            </a:r>
+            <a:r>
+              <a:rPr lang="sv-SE" sz="2400" dirty="0" smtClean="0">
+                <a:solidFill>
+                  <a:srgbClr val="FFE699"/>
+                </a:solidFill>
+              </a:rPr>
+              <a:t> </a:t>
+            </a:r>
+            <a:r>
+              <a:rPr lang="sv-SE" sz="2400" dirty="0" err="1" smtClean="0">
+                <a:solidFill>
+                  <a:srgbClr val="FFE699"/>
+                </a:solidFill>
+              </a:rPr>
+              <a:t>actors</a:t>
+            </a:r>
+            <a:endParaRPr lang="sv-SE" sz="2400" dirty="0" smtClean="0">
+              <a:solidFill>
+                <a:srgbClr val="FFE699"/>
+              </a:solidFill>
+            </a:endParaRPr>
+          </a:p>
+          <a:p>
+            <a:pPr marL="0" indent="0">
+              <a:buNone/>
+            </a:pPr>
+            <a:r>
+              <a:rPr lang="sv-SE" sz="2400" b="1" dirty="0" err="1" smtClean="0"/>
+              <a:t>Create</a:t>
+            </a:r>
+            <a:r>
+              <a:rPr lang="sv-SE" sz="2400" dirty="0" smtClean="0"/>
+              <a:t> </a:t>
+            </a:r>
+            <a:r>
+              <a:rPr lang="sv-SE" sz="2400" dirty="0" smtClean="0">
+                <a:solidFill>
+                  <a:srgbClr val="FFE699"/>
+                </a:solidFill>
+              </a:rPr>
+              <a:t>– an </a:t>
+            </a:r>
+            <a:r>
+              <a:rPr lang="sv-SE" sz="2400" dirty="0" err="1" smtClean="0">
+                <a:solidFill>
+                  <a:srgbClr val="FFE699"/>
+                </a:solidFill>
+              </a:rPr>
+              <a:t>actor</a:t>
+            </a:r>
+            <a:r>
+              <a:rPr lang="sv-SE" sz="2400" dirty="0" smtClean="0">
+                <a:solidFill>
+                  <a:srgbClr val="FFE699"/>
+                </a:solidFill>
+              </a:rPr>
+              <a:t> </a:t>
+            </a:r>
+            <a:r>
+              <a:rPr lang="sv-SE" sz="2400" dirty="0" err="1" smtClean="0">
+                <a:solidFill>
+                  <a:srgbClr val="FFE699"/>
+                </a:solidFill>
+              </a:rPr>
+              <a:t>can</a:t>
+            </a:r>
+            <a:r>
+              <a:rPr lang="sv-SE" sz="2400" dirty="0" smtClean="0">
+                <a:solidFill>
+                  <a:srgbClr val="FFE699"/>
+                </a:solidFill>
+              </a:rPr>
+              <a:t> </a:t>
+            </a:r>
+            <a:r>
+              <a:rPr lang="sv-SE" sz="2400" dirty="0" err="1" smtClean="0">
+                <a:solidFill>
+                  <a:srgbClr val="FFE699"/>
+                </a:solidFill>
+              </a:rPr>
+              <a:t>create</a:t>
+            </a:r>
+            <a:r>
+              <a:rPr lang="sv-SE" sz="2400" dirty="0" smtClean="0">
+                <a:solidFill>
+                  <a:srgbClr val="FFE699"/>
+                </a:solidFill>
+              </a:rPr>
+              <a:t> new </a:t>
+            </a:r>
+            <a:r>
+              <a:rPr lang="sv-SE" sz="2400" dirty="0" err="1" smtClean="0">
+                <a:solidFill>
+                  <a:srgbClr val="FFE699"/>
+                </a:solidFill>
+              </a:rPr>
+              <a:t>actors</a:t>
+            </a:r>
+            <a:endParaRPr lang="sv-SE" sz="2400" dirty="0" smtClean="0">
+              <a:solidFill>
+                <a:srgbClr val="FFE699"/>
+              </a:solidFill>
+            </a:endParaRPr>
+          </a:p>
+          <a:p>
+            <a:pPr marL="0" indent="0">
+              <a:buNone/>
+            </a:pPr>
+            <a:r>
+              <a:rPr lang="sv-SE" sz="2400" b="1" dirty="0" err="1" smtClean="0"/>
+              <a:t>Become</a:t>
+            </a:r>
+            <a:r>
+              <a:rPr lang="sv-SE" sz="2400" dirty="0" smtClean="0"/>
+              <a:t> </a:t>
+            </a:r>
+            <a:r>
+              <a:rPr lang="sv-SE" sz="2400" dirty="0" smtClean="0">
+                <a:solidFill>
+                  <a:srgbClr val="FFE699"/>
+                </a:solidFill>
+              </a:rPr>
+              <a:t>– an </a:t>
+            </a:r>
+            <a:r>
+              <a:rPr lang="sv-SE" sz="2400" dirty="0" err="1" smtClean="0">
+                <a:solidFill>
+                  <a:srgbClr val="FFE699"/>
+                </a:solidFill>
+              </a:rPr>
+              <a:t>actor</a:t>
+            </a:r>
+            <a:r>
+              <a:rPr lang="sv-SE" sz="2400" dirty="0" smtClean="0">
+                <a:solidFill>
+                  <a:srgbClr val="FFE699"/>
+                </a:solidFill>
+              </a:rPr>
+              <a:t> </a:t>
+            </a:r>
+            <a:r>
+              <a:rPr lang="sv-SE" sz="2400" dirty="0" err="1" smtClean="0">
+                <a:solidFill>
+                  <a:srgbClr val="FFE699"/>
+                </a:solidFill>
+              </a:rPr>
+              <a:t>can</a:t>
+            </a:r>
+            <a:r>
+              <a:rPr lang="sv-SE" sz="2400" dirty="0" smtClean="0">
+                <a:solidFill>
+                  <a:srgbClr val="FFE699"/>
+                </a:solidFill>
+              </a:rPr>
+              <a:t> </a:t>
+            </a:r>
+            <a:r>
+              <a:rPr lang="sv-SE" sz="2400" dirty="0" err="1" smtClean="0">
+                <a:solidFill>
+                  <a:srgbClr val="FFE699"/>
+                </a:solidFill>
+              </a:rPr>
+              <a:t>decide</a:t>
+            </a:r>
+            <a:r>
+              <a:rPr lang="sv-SE" sz="2400" dirty="0" smtClean="0">
+                <a:solidFill>
+                  <a:srgbClr val="FFE699"/>
+                </a:solidFill>
+              </a:rPr>
+              <a:t> </a:t>
+            </a:r>
+            <a:r>
+              <a:rPr lang="sv-SE" sz="2400" dirty="0" err="1" smtClean="0">
+                <a:solidFill>
+                  <a:srgbClr val="FFE699"/>
+                </a:solidFill>
+              </a:rPr>
+              <a:t>how</a:t>
+            </a:r>
+            <a:r>
+              <a:rPr lang="sv-SE" sz="2400" dirty="0" smtClean="0">
+                <a:solidFill>
+                  <a:srgbClr val="FFE699"/>
+                </a:solidFill>
+              </a:rPr>
+              <a:t> to </a:t>
+            </a:r>
+            <a:r>
+              <a:rPr lang="sv-SE" sz="2400" dirty="0" err="1" smtClean="0">
+                <a:solidFill>
+                  <a:srgbClr val="FFE699"/>
+                </a:solidFill>
+              </a:rPr>
+              <a:t>handle</a:t>
+            </a:r>
+            <a:r>
+              <a:rPr lang="sv-SE" sz="2400" dirty="0" smtClean="0">
+                <a:solidFill>
+                  <a:srgbClr val="FFE699"/>
+                </a:solidFill>
+              </a:rPr>
+              <a:t> </a:t>
+            </a:r>
+            <a:r>
+              <a:rPr lang="sv-SE" sz="2400" dirty="0" err="1" smtClean="0">
+                <a:solidFill>
+                  <a:srgbClr val="FFE699"/>
+                </a:solidFill>
+              </a:rPr>
+              <a:t>it’s</a:t>
+            </a:r>
+            <a:r>
+              <a:rPr lang="sv-SE" sz="2400" dirty="0" smtClean="0">
+                <a:solidFill>
+                  <a:srgbClr val="FFE699"/>
+                </a:solidFill>
+              </a:rPr>
+              <a:t> </a:t>
+            </a:r>
+            <a:r>
+              <a:rPr lang="sv-SE" sz="2400" dirty="0" err="1" smtClean="0">
+                <a:solidFill>
+                  <a:srgbClr val="FFE699"/>
+                </a:solidFill>
+              </a:rPr>
+              <a:t>next</a:t>
+            </a:r>
+            <a:r>
+              <a:rPr lang="sv-SE" sz="2400" dirty="0" smtClean="0">
+                <a:solidFill>
+                  <a:srgbClr val="FFE699"/>
+                </a:solidFill>
+              </a:rPr>
+              <a:t> </a:t>
+            </a:r>
+            <a:r>
+              <a:rPr lang="sv-SE" sz="2400" dirty="0" err="1" smtClean="0">
+                <a:solidFill>
+                  <a:srgbClr val="FFE699"/>
+                </a:solidFill>
+              </a:rPr>
+              <a:t>message</a:t>
+            </a:r>
+            <a:endParaRPr lang="sv-SE" sz="2400" dirty="0" smtClean="0">
+              <a:solidFill>
+                <a:srgbClr val="FFE699"/>
+              </a:solidFill>
+            </a:endParaRPr>
+          </a:p>
+        </p:txBody>
+      </p:sp>
+    </p:spTree>
+    <p:extLst>
+      <p:ext uri="{BB962C8B-B14F-4D97-AF65-F5344CB8AC3E}">
+        <p14:creationId xmlns:p14="http://schemas.microsoft.com/office/powerpoint/2010/main" val="3082712165"/>
+      </p:ext>
+    </p:extLst>
+  </p:cSld>
+  <p:clrMapOvr>
+    <a:masterClrMapping/>
+  </p:clrMapOvr>
+  <mc:AlternateContent xmlns:mc="http://schemas.openxmlformats.org/markup-compatibility/2006" xmlns:p14="http://schemas.microsoft.com/office/powerpoint/2010/main">
+    <mc:Choice Requires="p14">
+      <p:transition spd="med" p14:dur="700">
+        <p:fade/>
+      </p:transition>
+    </mc:Choice>
+    <mc:Fallback xmlns="">
+      <p:transition spd="med">
+        <p:fade/>
+      </p:transition>
+    </mc:Fallback>
+  </mc:AlternateContent>
+  <p:timing>
+    <p:tnLst>
+      <p:par>
+        <p:cTn id="1" dur="indefinite" restart="never" nodeType="tmRoot"/>
+      </p:par>
+    </p:tnLst>
+  </p:timing>
+</p:sld>
+</file>
+
+<file path=ppt/slides/slide7.xml><?xml version="1.0" encoding="utf-8"?>
+<p:sld xmlns:a="http://schemas.openxmlformats.org/drawingml/2006/main" xmlns:r="http://schemas.openxmlformats.org/officeDocument/2006/relationships" xmlns:p="http://schemas.openxmlformats.org/presentationml/2006/main">
+  <p:cSld>
+    <p:bg>
+      <p:bgPr>
+        <a:solidFill>
+          <a:srgbClr val="282828"/>
+        </a:solidFill>
+        <a:effectLst/>
+      </p:bgPr>
+    </p:bg>
+    <p:spTree>
+      <p:nvGrpSpPr>
+        <p:cNvPr id="1" name=""/>
+        <p:cNvGrpSpPr/>
+        <p:nvPr/>
+      </p:nvGrpSpPr>
+      <p:grpSpPr>
+        <a:xfrm>
+          <a:off x="0" y="0"/>
+          <a:ext cx="0" cy="0"/>
+          <a:chOff x="0" y="0"/>
+          <a:chExt cx="0" cy="0"/>
+        </a:xfrm>
+      </p:grpSpPr>
       <p:sp>
         <p:nvSpPr>
           <p:cNvPr id="8" name="TextBox 7"/>
@@ -18989,7 +23776,7 @@
         </p:nvSpPr>
         <p:spPr>
           <a:xfrm>
-            <a:off x="838200" y="1021579"/>
+            <a:off x="838200" y="1690688"/>
             <a:ext cx="10515600" cy="2215991"/>
           </a:xfrm>
           <a:prstGeom prst="rect">
@@ -19242,6 +24029,43 @@
                 <a:srgbClr val="FFE699"/>
               </a:solidFill>
             </a:endParaRPr>
+          </a:p>
+        </p:txBody>
+      </p:sp>
+      <p:sp>
+        <p:nvSpPr>
+          <p:cNvPr id="4" name="Title 1"/>
+          <p:cNvSpPr>
+            <a:spLocks noGrp="1"/>
+          </p:cNvSpPr>
+          <p:nvPr>
+            <p:ph type="title"/>
+          </p:nvPr>
+        </p:nvSpPr>
+        <p:spPr>
+          <a:xfrm>
+            <a:off x="838200" y="365125"/>
+            <a:ext cx="10515600" cy="1325563"/>
+          </a:xfrm>
+        </p:spPr>
+        <p:txBody>
+          <a:bodyPr/>
+          <a:lstStyle/>
+          <a:p>
+            <a:pPr algn="ctr"/>
+            <a:r>
+              <a:rPr lang="sv-SE" b="1" dirty="0" err="1" smtClean="0"/>
+              <a:t>Actor</a:t>
+            </a:r>
+            <a:r>
+              <a:rPr lang="sv-SE" b="1" dirty="0" smtClean="0"/>
+              <a:t> </a:t>
+            </a:r>
+            <a:r>
+              <a:rPr lang="sv-SE" b="1" dirty="0" err="1" smtClean="0"/>
+              <a:t>Model</a:t>
+            </a:r>
+            <a:endParaRPr lang="sv-SE" b="1" dirty="0"/>
           </a:p>
         </p:txBody>
       </p:sp>
@@ -19277,7 +24101,7 @@
 </p:sld>
 </file>
 
-<file path=ppt/slides/slide7.xml><?xml version="1.0" encoding="utf-8"?>
+<file path=ppt/slides/slide8.xml><?xml version="1.0" encoding="utf-8"?>
 <p:sld xmlns:a="http://schemas.openxmlformats.org/drawingml/2006/main" xmlns:r="http://schemas.openxmlformats.org/officeDocument/2006/relationships" xmlns:p="http://schemas.openxmlformats.org/presentationml/2006/main">
   <p:cSld>
     <p:bg>
@@ -21582,7 +26406,7 @@
 </p:sld>
 </file>
 
-<file path=ppt/slides/slide8.xml><?xml version="1.0" encoding="utf-8"?>
+<file path=ppt/slides/slide9.xml><?xml version="1.0" encoding="utf-8"?>
 <p:sld xmlns:a="http://schemas.openxmlformats.org/drawingml/2006/main" xmlns:r="http://schemas.openxmlformats.org/officeDocument/2006/relationships" xmlns:p="http://schemas.openxmlformats.org/presentationml/2006/main">
   <p:cSld>
     <p:bg>
@@ -23260,994 +28084,6 @@
 </p:sld>
 </file>
 
-<file path=ppt/slides/slide9.xml><?xml version="1.0" encoding="utf-8"?>
-<p:sld xmlns:a="http://schemas.openxmlformats.org/drawingml/2006/main" xmlns:r="http://schemas.openxmlformats.org/officeDocument/2006/relationships" xmlns:p="http://schemas.openxmlformats.org/presentationml/2006/main">
-  <p:cSld>
-    <p:bg>
-      <p:bgPr>
-        <a:solidFill>
-          <a:srgbClr val="1F4E79"/>
-        </a:solidFill>
-        <a:effectLst/>
-      </p:bgPr>
-    </p:bg>
-    <p:spTree>
-      <p:nvGrpSpPr>
-        <p:cNvPr id="1" name=""/>
-        <p:cNvGrpSpPr/>
-        <p:nvPr/>
-      </p:nvGrpSpPr>
-      <p:grpSpPr>
-        <a:xfrm>
-          <a:off x="0" y="0"/>
-          <a:ext cx="0" cy="0"/>
-          <a:chOff x="0" y="0"/>
-          <a:chExt cx="0" cy="0"/>
-        </a:xfrm>
-      </p:grpSpPr>
-      <p:sp>
-        <p:nvSpPr>
-          <p:cNvPr id="29" name="Kaffemaskin"/>
-          <p:cNvSpPr/>
-          <p:nvPr/>
-        </p:nvSpPr>
-        <p:spPr>
-          <a:xfrm>
-            <a:off x="6955299" y="4069691"/>
-            <a:ext cx="1512000" cy="1404000"/>
-          </a:xfrm>
-          <a:prstGeom prst="roundRect">
-            <a:avLst/>
-          </a:prstGeom>
-          <a:solidFill>
-            <a:srgbClr val="637B9B"/>
-          </a:solidFill>
-          <a:ln w="190500">
-            <a:solidFill>
-              <a:srgbClr val="637B9B">
-                <a:alpha val="46000"/>
-              </a:srgbClr>
-            </a:solidFill>
-          </a:ln>
-          <a:effectLst/>
-        </p:spPr>
-        <p:style>
-          <a:lnRef idx="0">
-            <a:schemeClr val="accent5"/>
-          </a:lnRef>
-          <a:fillRef idx="3">
-            <a:schemeClr val="accent5"/>
-          </a:fillRef>
-          <a:effectRef idx="3">
-            <a:schemeClr val="accent5"/>
-          </a:effectRef>
-          <a:fontRef idx="minor">
-            <a:schemeClr val="lt1"/>
-          </a:fontRef>
-        </p:style>
-        <p:txBody>
-          <a:bodyPr rtlCol="0" anchor="ctr"/>
-          <a:lstStyle/>
-          <a:p>
-            <a:pPr algn="ctr"/>
-            <a:r>
-              <a:rPr lang="sv-SE" sz="1400" b="1" dirty="0" smtClean="0"/>
-              <a:t>Component</a:t>
-            </a:r>
-            <a:endParaRPr lang="sv-SE" sz="1400" b="1" dirty="0"/>
-          </a:p>
-        </p:txBody>
-      </p:sp>
-      <p:sp>
-        <p:nvSpPr>
-          <p:cNvPr id="31" name="Jag"/>
-          <p:cNvSpPr/>
-          <p:nvPr/>
-        </p:nvSpPr>
-        <p:spPr>
-          <a:xfrm>
-            <a:off x="2864449" y="4069691"/>
-            <a:ext cx="1512000" cy="1404000"/>
-          </a:xfrm>
-          <a:prstGeom prst="roundRect">
-            <a:avLst/>
-          </a:prstGeom>
-          <a:solidFill>
-            <a:srgbClr val="43BFF7"/>
-          </a:solidFill>
-          <a:ln w="190500">
-            <a:solidFill>
-              <a:srgbClr val="43BFF7">
-                <a:alpha val="48000"/>
-              </a:srgbClr>
-            </a:solidFill>
-          </a:ln>
-        </p:spPr>
-        <p:style>
-          <a:lnRef idx="2">
-            <a:schemeClr val="accent1">
-              <a:shade val="50000"/>
-            </a:schemeClr>
-          </a:lnRef>
-          <a:fillRef idx="1">
-            <a:schemeClr val="accent1"/>
-          </a:fillRef>
-          <a:effectRef idx="0">
-            <a:schemeClr val="accent1"/>
-          </a:effectRef>
-          <a:fontRef idx="minor">
-            <a:schemeClr val="lt1"/>
-          </a:fontRef>
-        </p:style>
-        <p:txBody>
-          <a:bodyPr rtlCol="0" anchor="ctr"/>
-          <a:lstStyle/>
-          <a:p>
-            <a:pPr algn="ctr"/>
-            <a:r>
-              <a:rPr lang="sv-SE" sz="1400" b="1" dirty="0" err="1" smtClean="0"/>
-              <a:t>Consumer</a:t>
-            </a:r>
-            <a:r>
-              <a:rPr lang="sv-SE" sz="1400" b="1" dirty="0" smtClean="0"/>
-              <a:t> 2</a:t>
-            </a:r>
-            <a:endParaRPr lang="sv-SE" sz="1400" b="1" dirty="0"/>
-          </a:p>
-        </p:txBody>
-      </p:sp>
-      <p:grpSp>
-        <p:nvGrpSpPr>
-          <p:cNvPr id="6" name="Group 5"/>
-          <p:cNvGrpSpPr/>
-          <p:nvPr/>
-        </p:nvGrpSpPr>
-        <p:grpSpPr>
-          <a:xfrm>
-            <a:off x="4576209" y="4284276"/>
-            <a:ext cx="2197809" cy="1232605"/>
-            <a:chOff x="4576209" y="4284276"/>
-            <a:chExt cx="2197809" cy="1232605"/>
-          </a:xfrm>
-        </p:grpSpPr>
-        <p:cxnSp>
-          <p:nvCxnSpPr>
-            <p:cNvPr id="33" name="Straight Arrow Connector 32"/>
-            <p:cNvCxnSpPr/>
-            <p:nvPr/>
-          </p:nvCxnSpPr>
-          <p:spPr>
-            <a:xfrm>
-              <a:off x="4605392" y="4284276"/>
-              <a:ext cx="2168626" cy="11820"/>
-            </a:xfrm>
-            <a:prstGeom prst="straightConnector1">
-              <a:avLst/>
-            </a:prstGeom>
-            <a:ln w="53975">
-              <a:solidFill>
-                <a:srgbClr val="47B97D"/>
-              </a:solidFill>
-              <a:tailEnd type="triangle"/>
-            </a:ln>
-          </p:spPr>
-          <p:style>
-            <a:lnRef idx="1">
-              <a:schemeClr val="accent1"/>
-            </a:lnRef>
-            <a:fillRef idx="0">
-              <a:schemeClr val="accent1"/>
-            </a:fillRef>
-            <a:effectRef idx="0">
-              <a:schemeClr val="accent1"/>
-            </a:effectRef>
-            <a:fontRef idx="minor">
-              <a:schemeClr val="tx1"/>
-            </a:fontRef>
-          </p:style>
-        </p:cxnSp>
-        <p:cxnSp>
-          <p:nvCxnSpPr>
-            <p:cNvPr id="43" name="Straight Arrow Connector 42"/>
-            <p:cNvCxnSpPr/>
-            <p:nvPr/>
-          </p:nvCxnSpPr>
-          <p:spPr>
-            <a:xfrm>
-              <a:off x="4576209" y="5214966"/>
-              <a:ext cx="2168626" cy="17482"/>
-            </a:xfrm>
-            <a:prstGeom prst="straightConnector1">
-              <a:avLst/>
-            </a:prstGeom>
-            <a:ln w="53975">
-              <a:solidFill>
-                <a:srgbClr val="DB5151"/>
-              </a:solidFill>
-              <a:headEnd type="triangle"/>
-              <a:tailEnd type="none"/>
-            </a:ln>
-          </p:spPr>
-          <p:style>
-            <a:lnRef idx="1">
-              <a:schemeClr val="accent1"/>
-            </a:lnRef>
-            <a:fillRef idx="0">
-              <a:schemeClr val="accent1"/>
-            </a:fillRef>
-            <a:effectRef idx="0">
-              <a:schemeClr val="accent1"/>
-            </a:effectRef>
-            <a:fontRef idx="minor">
-              <a:schemeClr val="tx1"/>
-            </a:fontRef>
-          </p:style>
-        </p:cxnSp>
-        <p:grpSp>
-          <p:nvGrpSpPr>
-            <p:cNvPr id="45" name="Error"/>
-            <p:cNvGrpSpPr/>
-            <p:nvPr/>
-          </p:nvGrpSpPr>
-          <p:grpSpPr>
-            <a:xfrm>
-              <a:off x="5383271" y="4948015"/>
-              <a:ext cx="562367" cy="568866"/>
-              <a:chOff x="4665409" y="4631482"/>
-              <a:chExt cx="1610726" cy="1629341"/>
-            </a:xfrm>
-          </p:grpSpPr>
-          <p:grpSp>
-            <p:nvGrpSpPr>
-              <p:cNvPr id="46" name="Group 45"/>
-              <p:cNvGrpSpPr/>
-              <p:nvPr/>
-            </p:nvGrpSpPr>
-            <p:grpSpPr>
-              <a:xfrm>
-                <a:off x="4665409" y="4631482"/>
-                <a:ext cx="1610726" cy="1629341"/>
-                <a:chOff x="1627954" y="4762555"/>
-                <a:chExt cx="1610726" cy="1629341"/>
-              </a:xfrm>
-            </p:grpSpPr>
-            <p:sp>
-              <p:nvSpPr>
-                <p:cNvPr id="48" name="Oval 47"/>
-                <p:cNvSpPr/>
-                <p:nvPr/>
-              </p:nvSpPr>
-              <p:spPr>
-                <a:xfrm>
-                  <a:off x="1627954" y="4762555"/>
-                  <a:ext cx="1610726" cy="1627411"/>
-                </a:xfrm>
-                <a:prstGeom prst="ellipse">
-                  <a:avLst/>
-                </a:prstGeom>
-                <a:solidFill>
-                  <a:srgbClr val="B04242"/>
-                </a:solidFill>
-                <a:ln w="234950">
-                  <a:solidFill>
-                    <a:srgbClr val="B04242">
-                      <a:alpha val="54000"/>
-                    </a:srgbClr>
-                  </a:solidFill>
-                </a:ln>
-                <a:effectLst/>
-              </p:spPr>
-              <p:style>
-                <a:lnRef idx="2">
-                  <a:schemeClr val="accent1">
-                    <a:shade val="50000"/>
-                  </a:schemeClr>
-                </a:lnRef>
-                <a:fillRef idx="1">
-                  <a:schemeClr val="accent1"/>
-                </a:fillRef>
-                <a:effectRef idx="0">
-                  <a:schemeClr val="accent1"/>
-                </a:effectRef>
-                <a:fontRef idx="minor">
-                  <a:schemeClr val="lt1"/>
-                </a:fontRef>
-              </p:style>
-              <p:txBody>
-                <a:bodyPr rtlCol="0" anchor="ctr"/>
-                <a:lstStyle/>
-                <a:p>
-                  <a:pPr algn="ctr"/>
-                  <a:endParaRPr lang="sv-SE" sz="1400" dirty="0"/>
-                </a:p>
-              </p:txBody>
-            </p:sp>
-            <p:sp>
-              <p:nvSpPr>
-                <p:cNvPr id="49" name="Oval 48"/>
-                <p:cNvSpPr/>
-                <p:nvPr/>
-              </p:nvSpPr>
-              <p:spPr>
-                <a:xfrm>
-                  <a:off x="1627954" y="4764485"/>
-                  <a:ext cx="1610726" cy="1627411"/>
-                </a:xfrm>
-                <a:prstGeom prst="ellipse">
-                  <a:avLst/>
-                </a:prstGeom>
-                <a:noFill/>
-                <a:ln w="454025">
-                  <a:solidFill>
-                    <a:srgbClr val="B04242">
-                      <a:alpha val="31000"/>
-                    </a:srgbClr>
-                  </a:solidFill>
-                </a:ln>
-                <a:effectLst/>
-              </p:spPr>
-              <p:style>
-                <a:lnRef idx="2">
-                  <a:schemeClr val="accent1">
-                    <a:shade val="50000"/>
-                  </a:schemeClr>
-                </a:lnRef>
-                <a:fillRef idx="1">
-                  <a:schemeClr val="accent1"/>
-                </a:fillRef>
-                <a:effectRef idx="0">
-                  <a:schemeClr val="accent1"/>
-                </a:effectRef>
-                <a:fontRef idx="minor">
-                  <a:schemeClr val="lt1"/>
-                </a:fontRef>
-              </p:style>
-              <p:txBody>
-                <a:bodyPr rtlCol="0" anchor="ctr"/>
-                <a:lstStyle/>
-                <a:p>
-                  <a:pPr algn="ctr"/>
-                  <a:endParaRPr lang="sv-SE" sz="1400" dirty="0"/>
-                </a:p>
-              </p:txBody>
-            </p:sp>
-          </p:grpSp>
-          <p:sp>
-            <p:nvSpPr>
-              <p:cNvPr id="47" name="Cross 46"/>
-              <p:cNvSpPr/>
-              <p:nvPr/>
-            </p:nvSpPr>
-            <p:spPr>
-              <a:xfrm rot="18807735">
-                <a:off x="5193767" y="5142974"/>
-                <a:ext cx="554010" cy="527433"/>
-              </a:xfrm>
-              <a:prstGeom prst="plus">
-                <a:avLst>
-                  <a:gd name="adj" fmla="val 37886"/>
-                </a:avLst>
-              </a:prstGeom>
-              <a:solidFill>
-                <a:srgbClr val="922E2E"/>
-              </a:solidFill>
-              <a:ln w="25400">
-                <a:solidFill>
-                  <a:schemeClr val="tx1"/>
-                </a:solidFill>
-              </a:ln>
-              <a:effectLst/>
-            </p:spPr>
-            <p:style>
-              <a:lnRef idx="0">
-                <a:schemeClr val="accent2"/>
-              </a:lnRef>
-              <a:fillRef idx="3">
-                <a:schemeClr val="accent2"/>
-              </a:fillRef>
-              <a:effectRef idx="3">
-                <a:schemeClr val="accent2"/>
-              </a:effectRef>
-              <a:fontRef idx="minor">
-                <a:schemeClr val="lt1"/>
-              </a:fontRef>
-            </p:style>
-            <p:txBody>
-              <a:bodyPr rtlCol="0" anchor="ctr"/>
-              <a:lstStyle/>
-              <a:p>
-                <a:pPr algn="ctr"/>
-                <a:endParaRPr lang="sv-SE" sz="1400"/>
-              </a:p>
-            </p:txBody>
-          </p:sp>
-        </p:grpSp>
-      </p:grpSp>
-      <p:sp>
-        <p:nvSpPr>
-          <p:cNvPr id="30" name="Servicetekniker"/>
-          <p:cNvSpPr/>
-          <p:nvPr/>
-        </p:nvSpPr>
-        <p:spPr>
-          <a:xfrm>
-            <a:off x="6955299" y="854396"/>
-            <a:ext cx="1512000" cy="1404000"/>
-          </a:xfrm>
-          <a:prstGeom prst="roundRect">
-            <a:avLst/>
-          </a:prstGeom>
-          <a:solidFill>
-            <a:srgbClr val="43BFF7"/>
-          </a:solidFill>
-          <a:ln w="190500">
-            <a:solidFill>
-              <a:srgbClr val="43BFF7">
-                <a:alpha val="48000"/>
-              </a:srgbClr>
-            </a:solidFill>
-          </a:ln>
-        </p:spPr>
-        <p:style>
-          <a:lnRef idx="2">
-            <a:schemeClr val="accent1">
-              <a:shade val="50000"/>
-            </a:schemeClr>
-          </a:lnRef>
-          <a:fillRef idx="1">
-            <a:schemeClr val="accent1"/>
-          </a:fillRef>
-          <a:effectRef idx="0">
-            <a:schemeClr val="accent1"/>
-          </a:effectRef>
-          <a:fontRef idx="minor">
-            <a:schemeClr val="lt1"/>
-          </a:fontRef>
-        </p:style>
-        <p:txBody>
-          <a:bodyPr rtlCol="0" anchor="ctr"/>
-          <a:lstStyle/>
-          <a:p>
-            <a:pPr algn="ctr"/>
-            <a:r>
-              <a:rPr lang="sv-SE" sz="1400" b="1" dirty="0" err="1" smtClean="0"/>
-              <a:t>Consumer</a:t>
-            </a:r>
-            <a:r>
-              <a:rPr lang="sv-SE" sz="1400" b="1" dirty="0" smtClean="0"/>
-              <a:t> 1</a:t>
-            </a:r>
-            <a:endParaRPr lang="sv-SE" sz="1400" b="1" dirty="0"/>
-          </a:p>
-        </p:txBody>
-      </p:sp>
-      <p:grpSp>
-        <p:nvGrpSpPr>
-          <p:cNvPr id="5" name="Group 4"/>
-          <p:cNvGrpSpPr/>
-          <p:nvPr/>
-        </p:nvGrpSpPr>
-        <p:grpSpPr>
-          <a:xfrm>
-            <a:off x="7197920" y="2449574"/>
-            <a:ext cx="1309105" cy="1428939"/>
-            <a:chOff x="7197920" y="2449574"/>
-            <a:chExt cx="1309105" cy="1428939"/>
-          </a:xfrm>
-        </p:grpSpPr>
-        <p:cxnSp>
-          <p:nvCxnSpPr>
-            <p:cNvPr id="36" name="Straight Arrow Connector 35"/>
-            <p:cNvCxnSpPr/>
-            <p:nvPr/>
-          </p:nvCxnSpPr>
-          <p:spPr>
-            <a:xfrm>
-              <a:off x="8225842" y="2449574"/>
-              <a:ext cx="0" cy="1428939"/>
-            </a:xfrm>
-            <a:prstGeom prst="straightConnector1">
-              <a:avLst/>
-            </a:prstGeom>
-            <a:ln w="53975">
-              <a:solidFill>
-                <a:srgbClr val="DB5151"/>
-              </a:solidFill>
-              <a:headEnd type="triangle"/>
-              <a:tailEnd type="none"/>
-            </a:ln>
-          </p:spPr>
-          <p:style>
-            <a:lnRef idx="1">
-              <a:schemeClr val="accent1"/>
-            </a:lnRef>
-            <a:fillRef idx="0">
-              <a:schemeClr val="accent1"/>
-            </a:fillRef>
-            <a:effectRef idx="0">
-              <a:schemeClr val="accent1"/>
-            </a:effectRef>
-            <a:fontRef idx="minor">
-              <a:schemeClr val="tx1"/>
-            </a:fontRef>
-          </p:style>
-        </p:cxnSp>
-        <p:cxnSp>
-          <p:nvCxnSpPr>
-            <p:cNvPr id="40" name="Straight Arrow Connector 39"/>
-            <p:cNvCxnSpPr/>
-            <p:nvPr/>
-          </p:nvCxnSpPr>
-          <p:spPr>
-            <a:xfrm>
-              <a:off x="7197920" y="2449574"/>
-              <a:ext cx="0" cy="1428939"/>
-            </a:xfrm>
-            <a:prstGeom prst="straightConnector1">
-              <a:avLst/>
-            </a:prstGeom>
-            <a:ln w="53975">
-              <a:solidFill>
-                <a:srgbClr val="47B97D"/>
-              </a:solidFill>
-              <a:headEnd type="none"/>
-              <a:tailEnd type="triangle"/>
-            </a:ln>
-          </p:spPr>
-          <p:style>
-            <a:lnRef idx="1">
-              <a:schemeClr val="accent1"/>
-            </a:lnRef>
-            <a:fillRef idx="0">
-              <a:schemeClr val="accent1"/>
-            </a:fillRef>
-            <a:effectRef idx="0">
-              <a:schemeClr val="accent1"/>
-            </a:effectRef>
-            <a:fontRef idx="minor">
-              <a:schemeClr val="tx1"/>
-            </a:fontRef>
-          </p:style>
-        </p:cxnSp>
-        <p:grpSp>
-          <p:nvGrpSpPr>
-            <p:cNvPr id="50" name="Error"/>
-            <p:cNvGrpSpPr/>
-            <p:nvPr/>
-          </p:nvGrpSpPr>
-          <p:grpSpPr>
-            <a:xfrm>
-              <a:off x="7944658" y="2879610"/>
-              <a:ext cx="562367" cy="568866"/>
-              <a:chOff x="4665409" y="4631482"/>
-              <a:chExt cx="1610726" cy="1629341"/>
-            </a:xfrm>
-          </p:grpSpPr>
-          <p:grpSp>
-            <p:nvGrpSpPr>
-              <p:cNvPr id="51" name="Group 50"/>
-              <p:cNvGrpSpPr/>
-              <p:nvPr/>
-            </p:nvGrpSpPr>
-            <p:grpSpPr>
-              <a:xfrm>
-                <a:off x="4665409" y="4631482"/>
-                <a:ext cx="1610726" cy="1629341"/>
-                <a:chOff x="1627954" y="4762555"/>
-                <a:chExt cx="1610726" cy="1629341"/>
-              </a:xfrm>
-            </p:grpSpPr>
-            <p:sp>
-              <p:nvSpPr>
-                <p:cNvPr id="53" name="Oval 52"/>
-                <p:cNvSpPr/>
-                <p:nvPr/>
-              </p:nvSpPr>
-              <p:spPr>
-                <a:xfrm>
-                  <a:off x="1627954" y="4762555"/>
-                  <a:ext cx="1610726" cy="1627411"/>
-                </a:xfrm>
-                <a:prstGeom prst="ellipse">
-                  <a:avLst/>
-                </a:prstGeom>
-                <a:solidFill>
-                  <a:srgbClr val="B04242"/>
-                </a:solidFill>
-                <a:ln w="234950">
-                  <a:solidFill>
-                    <a:srgbClr val="B04242">
-                      <a:alpha val="54000"/>
-                    </a:srgbClr>
-                  </a:solidFill>
-                </a:ln>
-                <a:effectLst/>
-              </p:spPr>
-              <p:style>
-                <a:lnRef idx="2">
-                  <a:schemeClr val="accent1">
-                    <a:shade val="50000"/>
-                  </a:schemeClr>
-                </a:lnRef>
-                <a:fillRef idx="1">
-                  <a:schemeClr val="accent1"/>
-                </a:fillRef>
-                <a:effectRef idx="0">
-                  <a:schemeClr val="accent1"/>
-                </a:effectRef>
-                <a:fontRef idx="minor">
-                  <a:schemeClr val="lt1"/>
-                </a:fontRef>
-              </p:style>
-              <p:txBody>
-                <a:bodyPr rtlCol="0" anchor="ctr"/>
-                <a:lstStyle/>
-                <a:p>
-                  <a:pPr algn="ctr"/>
-                  <a:endParaRPr lang="sv-SE" sz="1400" dirty="0"/>
-                </a:p>
-              </p:txBody>
-            </p:sp>
-            <p:sp>
-              <p:nvSpPr>
-                <p:cNvPr id="54" name="Oval 53"/>
-                <p:cNvSpPr/>
-                <p:nvPr/>
-              </p:nvSpPr>
-              <p:spPr>
-                <a:xfrm>
-                  <a:off x="1627954" y="4764485"/>
-                  <a:ext cx="1610726" cy="1627411"/>
-                </a:xfrm>
-                <a:prstGeom prst="ellipse">
-                  <a:avLst/>
-                </a:prstGeom>
-                <a:noFill/>
-                <a:ln w="454025">
-                  <a:solidFill>
-                    <a:srgbClr val="B04242">
-                      <a:alpha val="31000"/>
-                    </a:srgbClr>
-                  </a:solidFill>
-                </a:ln>
-                <a:effectLst/>
-              </p:spPr>
-              <p:style>
-                <a:lnRef idx="2">
-                  <a:schemeClr val="accent1">
-                    <a:shade val="50000"/>
-                  </a:schemeClr>
-                </a:lnRef>
-                <a:fillRef idx="1">
-                  <a:schemeClr val="accent1"/>
-                </a:fillRef>
-                <a:effectRef idx="0">
-                  <a:schemeClr val="accent1"/>
-                </a:effectRef>
-                <a:fontRef idx="minor">
-                  <a:schemeClr val="lt1"/>
-                </a:fontRef>
-              </p:style>
-              <p:txBody>
-                <a:bodyPr rtlCol="0" anchor="ctr"/>
-                <a:lstStyle/>
-                <a:p>
-                  <a:pPr algn="ctr"/>
-                  <a:endParaRPr lang="sv-SE" sz="1400" dirty="0"/>
-                </a:p>
-              </p:txBody>
-            </p:sp>
-          </p:grpSp>
-          <p:sp>
-            <p:nvSpPr>
-              <p:cNvPr id="52" name="Cross 51"/>
-              <p:cNvSpPr/>
-              <p:nvPr/>
-            </p:nvSpPr>
-            <p:spPr>
-              <a:xfrm rot="18807735">
-                <a:off x="5193767" y="5142974"/>
-                <a:ext cx="554010" cy="527433"/>
-              </a:xfrm>
-              <a:prstGeom prst="plus">
-                <a:avLst>
-                  <a:gd name="adj" fmla="val 37886"/>
-                </a:avLst>
-              </a:prstGeom>
-              <a:solidFill>
-                <a:srgbClr val="922E2E"/>
-              </a:solidFill>
-              <a:ln w="25400">
-                <a:solidFill>
-                  <a:schemeClr val="tx1"/>
-                </a:solidFill>
-              </a:ln>
-              <a:effectLst/>
-            </p:spPr>
-            <p:style>
-              <a:lnRef idx="0">
-                <a:schemeClr val="accent2"/>
-              </a:lnRef>
-              <a:fillRef idx="3">
-                <a:schemeClr val="accent2"/>
-              </a:fillRef>
-              <a:effectRef idx="3">
-                <a:schemeClr val="accent2"/>
-              </a:effectRef>
-              <a:fontRef idx="minor">
-                <a:schemeClr val="lt1"/>
-              </a:fontRef>
-            </p:style>
-            <p:txBody>
-              <a:bodyPr rtlCol="0" anchor="ctr"/>
-              <a:lstStyle/>
-              <a:p>
-                <a:pPr algn="ctr"/>
-                <a:endParaRPr lang="sv-SE" sz="1400"/>
-              </a:p>
-            </p:txBody>
-          </p:sp>
-        </p:grpSp>
-      </p:grpSp>
-    </p:spTree>
-    <p:extLst>
-      <p:ext uri="{BB962C8B-B14F-4D97-AF65-F5344CB8AC3E}">
-        <p14:creationId xmlns:p14="http://schemas.microsoft.com/office/powerpoint/2010/main" val="733113702"/>
-      </p:ext>
-    </p:extLst>
-  </p:cSld>
-  <p:clrMapOvr>
-    <a:masterClrMapping/>
-  </p:clrMapOvr>
-  <p:timing>
-    <p:tnLst>
-      <p:par>
-        <p:cTn id="1" dur="indefinite" restart="never" nodeType="tmRoot">
-          <p:childTnLst>
-            <p:seq concurrent="1" nextAc="seek">
-              <p:cTn id="2" dur="indefinite" nodeType="mainSeq">
-                <p:childTnLst>
-                  <p:par>
-                    <p:cTn id="3" fill="hold">
-                      <p:stCondLst>
-                        <p:cond delay="indefinite"/>
-                      </p:stCondLst>
-                      <p:childTnLst>
-                        <p:par>
-                          <p:cTn id="4" fill="hold">
-                            <p:stCondLst>
-                              <p:cond delay="0"/>
-                            </p:stCondLst>
-                            <p:childTnLst>
-                              <p:par>
-                                <p:cTn id="5" presetID="10" presetClass="entr" presetSubtype="0" fill="hold" grpId="0" nodeType="clickEffect">
-                                  <p:stCondLst>
-                                    <p:cond delay="0"/>
-                                  </p:stCondLst>
-                                  <p:childTnLst>
-                                    <p:set>
-                                      <p:cBhvr>
-                                        <p:cTn id="6" dur="1" fill="hold">
-                                          <p:stCondLst>
-                                            <p:cond delay="0"/>
-                                          </p:stCondLst>
-                                        </p:cTn>
-                                        <p:tgtEl>
-                                          <p:spTgt spid="30"/>
-                                        </p:tgtEl>
-                                        <p:attrNameLst>
-                                          <p:attrName>style.visibility</p:attrName>
-                                        </p:attrNameLst>
-                                      </p:cBhvr>
-                                      <p:to>
-                                        <p:strVal val="visible"/>
-                                      </p:to>
-                                    </p:set>
-                                    <p:animEffect transition="in" filter="fade">
-                                      <p:cBhvr>
-                                        <p:cTn id="7" dur="500"/>
-                                        <p:tgtEl>
-                                          <p:spTgt spid="30"/>
-                                        </p:tgtEl>
-                                      </p:cBhvr>
-                                    </p:animEffect>
-                                  </p:childTnLst>
-                                </p:cTn>
-                              </p:par>
-                            </p:childTnLst>
-                          </p:cTn>
-                        </p:par>
-                      </p:childTnLst>
-                    </p:cTn>
-                  </p:par>
-                  <p:par>
-                    <p:cTn id="8" fill="hold">
-                      <p:stCondLst>
-                        <p:cond delay="indefinite"/>
-                      </p:stCondLst>
-                      <p:childTnLst>
-                        <p:par>
-                          <p:cTn id="9" fill="hold">
-                            <p:stCondLst>
-                              <p:cond delay="0"/>
-                            </p:stCondLst>
-                            <p:childTnLst>
-                              <p:par>
-                                <p:cTn id="10" presetID="10" presetClass="entr" presetSubtype="0" fill="hold" nodeType="clickEffect">
-                                  <p:stCondLst>
-                                    <p:cond delay="0"/>
-                                  </p:stCondLst>
-                                  <p:childTnLst>
-                                    <p:set>
-                                      <p:cBhvr>
-                                        <p:cTn id="11" dur="1" fill="hold">
-                                          <p:stCondLst>
-                                            <p:cond delay="0"/>
-                                          </p:stCondLst>
-                                        </p:cTn>
-                                        <p:tgtEl>
-                                          <p:spTgt spid="5"/>
-                                        </p:tgtEl>
-                                        <p:attrNameLst>
-                                          <p:attrName>style.visibility</p:attrName>
-                                        </p:attrNameLst>
-                                      </p:cBhvr>
-                                      <p:to>
-                                        <p:strVal val="visible"/>
-                                      </p:to>
-                                    </p:set>
-                                    <p:animEffect transition="in" filter="fade">
-                                      <p:cBhvr>
-                                        <p:cTn id="12" dur="500"/>
-                                        <p:tgtEl>
-                                          <p:spTgt spid="5"/>
-                                        </p:tgtEl>
-                                      </p:cBhvr>
-                                    </p:animEffect>
-                                  </p:childTnLst>
-                                </p:cTn>
-                              </p:par>
-                            </p:childTnLst>
-                          </p:cTn>
-                        </p:par>
-                      </p:childTnLst>
-                    </p:cTn>
-                  </p:par>
-                  <p:par>
-                    <p:cTn id="13" fill="hold">
-                      <p:stCondLst>
-                        <p:cond delay="indefinite"/>
-                      </p:stCondLst>
-                      <p:childTnLst>
-                        <p:par>
-                          <p:cTn id="14" fill="hold">
-                            <p:stCondLst>
-                              <p:cond delay="0"/>
-                            </p:stCondLst>
-                            <p:childTnLst>
-                              <p:par>
-                                <p:cTn id="15" presetID="10" presetClass="entr" presetSubtype="0" fill="hold" grpId="0" nodeType="clickEffect">
-                                  <p:stCondLst>
-                                    <p:cond delay="0"/>
-                                  </p:stCondLst>
-                                  <p:childTnLst>
-                                    <p:set>
-                                      <p:cBhvr>
-                                        <p:cTn id="16" dur="1" fill="hold">
-                                          <p:stCondLst>
-                                            <p:cond delay="0"/>
-                                          </p:stCondLst>
-                                        </p:cTn>
-                                        <p:tgtEl>
-                                          <p:spTgt spid="31"/>
-                                        </p:tgtEl>
-                                        <p:attrNameLst>
-                                          <p:attrName>style.visibility</p:attrName>
-                                        </p:attrNameLst>
-                                      </p:cBhvr>
-                                      <p:to>
-                                        <p:strVal val="visible"/>
-                                      </p:to>
-                                    </p:set>
-                                    <p:animEffect transition="in" filter="fade">
-                                      <p:cBhvr>
-                                        <p:cTn id="17" dur="500"/>
-                                        <p:tgtEl>
-                                          <p:spTgt spid="31"/>
-                                        </p:tgtEl>
-                                      </p:cBhvr>
-                                    </p:animEffect>
-                                  </p:childTnLst>
-                                </p:cTn>
-                              </p:par>
-                            </p:childTnLst>
-                          </p:cTn>
-                        </p:par>
-                      </p:childTnLst>
-                    </p:cTn>
-                  </p:par>
-                  <p:par>
-                    <p:cTn id="18" fill="hold">
-                      <p:stCondLst>
-                        <p:cond delay="indefinite"/>
-                      </p:stCondLst>
-                      <p:childTnLst>
-                        <p:par>
-                          <p:cTn id="19" fill="hold">
-                            <p:stCondLst>
-                              <p:cond delay="0"/>
-                            </p:stCondLst>
-                            <p:childTnLst>
-                              <p:par>
-                                <p:cTn id="20" presetID="10" presetClass="entr" presetSubtype="0" fill="hold" nodeType="clickEffect">
-                                  <p:stCondLst>
-                                    <p:cond delay="0"/>
-                                  </p:stCondLst>
-                                  <p:childTnLst>
-                                    <p:set>
-                                      <p:cBhvr>
-                                        <p:cTn id="21" dur="1" fill="hold">
-                                          <p:stCondLst>
-                                            <p:cond delay="0"/>
-                                          </p:stCondLst>
-                                        </p:cTn>
-                                        <p:tgtEl>
-                                          <p:spTgt spid="6"/>
-                                        </p:tgtEl>
-                                        <p:attrNameLst>
-                                          <p:attrName>style.visibility</p:attrName>
-                                        </p:attrNameLst>
-                                      </p:cBhvr>
-                                      <p:to>
-                                        <p:strVal val="visible"/>
-                                      </p:to>
-                                    </p:set>
-                                    <p:animEffect transition="in" filter="fade">
-                                      <p:cBhvr>
-                                        <p:cTn id="22" dur="500"/>
-                                        <p:tgtEl>
-                                          <p:spTgt spid="6"/>
-                                        </p:tgtEl>
-                                      </p:cBhvr>
-                                    </p:animEffect>
-                                  </p:childTnLst>
-                                </p:cTn>
-                              </p:par>
-                            </p:childTnLst>
-                          </p:cTn>
-                        </p:par>
-                      </p:childTnLst>
-                    </p:cTn>
-                  </p:par>
-                </p:childTnLst>
-              </p:cTn>
-              <p:prevCondLst>
-                <p:cond evt="onPrev" delay="0">
-                  <p:tgtEl>
-                    <p:sldTgt/>
-                  </p:tgtEl>
-                </p:cond>
-              </p:prevCondLst>
-              <p:nextCondLst>
-                <p:cond evt="onNext" delay="0">
-                  <p:tgtEl>
-                    <p:sldTgt/>
-                  </p:tgtEl>
-                </p:cond>
-              </p:nextCondLst>
-            </p:seq>
-          </p:childTnLst>
-        </p:cTn>
-      </p:par>
-    </p:tnLst>
-    <p:bldLst>
-      <p:bldP spid="31" grpId="0" animBg="1"/>
-      <p:bldP spid="30" grpId="0" animBg="1"/>
-    </p:bldLst>
-  </p:timing>
-</p:sld>
-</file>
-
 <file path=ppt/theme/theme1.xml><?xml version="1.0" encoding="utf-8"?>
 <a:theme xmlns:a="http://schemas.openxmlformats.org/drawingml/2006/main" name="Office Theme">
   <a:themeElements>

--- a/FailingGracefully/QConSP/protoactor.pptx
+++ b/FailingGracefully/QConSP/protoactor.pptx
@@ -9220,6 +9220,60 @@
           </p:txBody>
         </p:sp>
       </p:grpSp>
+      <p:sp>
+        <p:nvSpPr>
+          <p:cNvPr id="24" name="Servicetekniker"/>
+          <p:cNvSpPr/>
+          <p:nvPr/>
+        </p:nvSpPr>
+        <p:spPr>
+          <a:xfrm>
+            <a:off x="6955299" y="1338858"/>
+            <a:ext cx="1512000" cy="1404000"/>
+          </a:xfrm>
+          <a:prstGeom prst="roundRect">
+            <a:avLst/>
+          </a:prstGeom>
+          <a:solidFill>
+            <a:srgbClr val="43BFF7"/>
+          </a:solidFill>
+          <a:ln w="190500">
+            <a:solidFill>
+              <a:srgbClr val="43BFF7">
+                <a:alpha val="48000"/>
+              </a:srgbClr>
+            </a:solidFill>
+          </a:ln>
+        </p:spPr>
+        <p:style>
+          <a:lnRef idx="2">
+            <a:schemeClr val="accent1">
+              <a:shade val="50000"/>
+            </a:schemeClr>
+          </a:lnRef>
+          <a:fillRef idx="1">
+            <a:schemeClr val="accent1"/>
+          </a:fillRef>
+          <a:effectRef idx="0">
+            <a:schemeClr val="accent1"/>
+          </a:effectRef>
+          <a:fontRef idx="minor">
+            <a:schemeClr val="lt1"/>
+          </a:fontRef>
+        </p:style>
+        <p:txBody>
+          <a:bodyPr rtlCol="0" anchor="ctr"/>
+          <a:lstStyle/>
+          <a:p>
+            <a:pPr algn="ctr"/>
+            <a:r>
+              <a:rPr lang="sv-SE" sz="1400" b="1" dirty="0" smtClean="0"/>
+              <a:t>Service guy</a:t>
+            </a:r>
+            <a:endParaRPr lang="sv-SE" sz="1400" b="1" dirty="0"/>
+          </a:p>
+        </p:txBody>
+      </p:sp>
     </p:spTree>
     <p:extLst>
       <p:ext uri="{BB962C8B-B14F-4D97-AF65-F5344CB8AC3E}">
@@ -9943,6 +9997,51 @@
                       </p:childTnLst>
                     </p:cTn>
                   </p:par>
+                  <p:par>
+                    <p:cTn id="67" fill="hold">
+                      <p:stCondLst>
+                        <p:cond delay="indefinite"/>
+                      </p:stCondLst>
+                      <p:childTnLst>
+                        <p:par>
+                          <p:cTn id="68" fill="hold">
+                            <p:stCondLst>
+                              <p:cond delay="0"/>
+                            </p:stCondLst>
+                            <p:childTnLst>
+                              <p:par>
+                                <p:cTn id="69" presetID="1" presetClass="entr" presetSubtype="0" fill="hold" grpId="0" nodeType="clickEffect">
+                                  <p:stCondLst>
+                                    <p:cond delay="0"/>
+                                  </p:stCondLst>
+                                  <p:childTnLst>
+                                    <p:set>
+                                      <p:cBhvr>
+                                        <p:cTn id="70" dur="1" fill="hold">
+                                          <p:stCondLst>
+                                            <p:cond delay="0"/>
+                                          </p:stCondLst>
+                                        </p:cTn>
+                                        <p:tgtEl>
+                                          <p:spTgt spid="24"/>
+                                        </p:tgtEl>
+                                        <p:attrNameLst>
+                                          <p:attrName>style.visibility</p:attrName>
+                                        </p:attrNameLst>
+                                      </p:cBhvr>
+                                      <p:to>
+                                        <p:strVal val="visible"/>
+                                      </p:to>
+                                    </p:set>
+                                  </p:childTnLst>
+                                </p:cTn>
+                              </p:par>
+                            </p:childTnLst>
+                          </p:cTn>
+                        </p:par>
+                      </p:childTnLst>
+                    </p:cTn>
+                  </p:par>
                 </p:childTnLst>
               </p:cTn>
               <p:prevCondLst>
@@ -9968,6 +10067,7 @@
       <p:bldP spid="21" grpId="0" animBg="1"/>
       <p:bldP spid="11" grpId="0" animBg="1"/>
       <p:bldP spid="38" grpId="0" animBg="1"/>
+      <p:bldP spid="24" grpId="0" animBg="1"/>
     </p:bldLst>
   </p:timing>
 </p:sld>
@@ -14273,7 +14373,7 @@
     <p:bg>
       <p:bgPr>
         <a:solidFill>
-          <a:srgbClr val="282828"/>
+          <a:srgbClr val="1F4E79"/>
         </a:solidFill>
         <a:effectLst/>
       </p:bgPr>
@@ -14294,33 +14394,1697 @@
       </p:grpSpPr>
       <p:sp>
         <p:nvSpPr>
-          <p:cNvPr id="4" name="TextBox 3"/>
-          <p:cNvSpPr txBox="1"/>
+          <p:cNvPr id="3" name="DB Actor"/>
+          <p:cNvSpPr/>
           <p:nvPr/>
         </p:nvSpPr>
         <p:spPr>
           <a:xfrm>
-            <a:off x="4217324" y="2881745"/>
-            <a:ext cx="2556277" cy="369332"/>
+            <a:off x="4011694" y="2701420"/>
+            <a:ext cx="4513181" cy="1512711"/>
           </a:xfrm>
-          <a:prstGeom prst="rect">
+          <a:prstGeom prst="roundRect">
             <a:avLst/>
           </a:prstGeom>
-          <a:noFill/>
+          <a:solidFill>
+            <a:srgbClr val="43BFF7"/>
+          </a:solidFill>
+          <a:ln w="190500">
+            <a:noFill/>
+          </a:ln>
         </p:spPr>
+        <p:style>
+          <a:lnRef idx="2">
+            <a:schemeClr val="accent1">
+              <a:shade val="50000"/>
+            </a:schemeClr>
+          </a:lnRef>
+          <a:fillRef idx="1">
+            <a:schemeClr val="accent1"/>
+          </a:fillRef>
+          <a:effectRef idx="0">
+            <a:schemeClr val="accent1"/>
+          </a:effectRef>
+          <a:fontRef idx="minor">
+            <a:schemeClr val="lt1"/>
+          </a:fontRef>
+        </p:style>
         <p:txBody>
-          <a:bodyPr wrap="none" rtlCol="0">
-            <a:spAutoFit/>
-          </a:bodyPr>
+          <a:bodyPr rtlCol="0" anchor="ctr"/>
           <a:lstStyle/>
           <a:p>
             <a:r>
-              <a:rPr lang="sv-SE" dirty="0" smtClean="0"/>
-              <a:t>Behaviors, circuit breaker</a:t>
+              <a:rPr lang="sv-SE" b="1" dirty="0"/>
+              <a:t>DB Actor</a:t>
             </a:r>
+            <a:endParaRPr lang="sv-SE" b="1" dirty="0"/>
           </a:p>
         </p:txBody>
       </p:sp>
+      <p:grpSp>
+        <p:nvGrpSpPr>
+          <p:cNvPr id="63" name="DB Up Interaction"/>
+          <p:cNvGrpSpPr/>
+          <p:nvPr/>
+        </p:nvGrpSpPr>
+        <p:grpSpPr>
+          <a:xfrm>
+            <a:off x="4185119" y="1023526"/>
+            <a:ext cx="3694045" cy="5054276"/>
+            <a:chOff x="4185119" y="1023526"/>
+            <a:chExt cx="3694045" cy="5054276"/>
+          </a:xfrm>
+        </p:grpSpPr>
+        <p:sp>
+          <p:nvSpPr>
+            <p:cNvPr id="2" name="Flowchart: Magnetic Disk 1"/>
+            <p:cNvSpPr/>
+            <p:nvPr/>
+          </p:nvSpPr>
+          <p:spPr>
+            <a:xfrm>
+              <a:off x="5537282" y="5248275"/>
+              <a:ext cx="993422" cy="829527"/>
+            </a:xfrm>
+            <a:prstGeom prst="flowChartMagneticDisk">
+              <a:avLst/>
+            </a:prstGeom>
+            <a:solidFill>
+              <a:schemeClr val="accent4">
+                <a:lumMod val="60000"/>
+                <a:lumOff val="40000"/>
+              </a:schemeClr>
+            </a:solidFill>
+            <a:ln w="25400">
+              <a:solidFill>
+                <a:srgbClr val="1F4E79"/>
+              </a:solidFill>
+            </a:ln>
+          </p:spPr>
+          <p:style>
+            <a:lnRef idx="2">
+              <a:schemeClr val="accent1">
+                <a:shade val="50000"/>
+              </a:schemeClr>
+            </a:lnRef>
+            <a:fillRef idx="1">
+              <a:schemeClr val="accent1"/>
+            </a:fillRef>
+            <a:effectRef idx="0">
+              <a:schemeClr val="accent1"/>
+            </a:effectRef>
+            <a:fontRef idx="minor">
+              <a:schemeClr val="lt1"/>
+            </a:fontRef>
+          </p:style>
+          <p:txBody>
+            <a:bodyPr rtlCol="0" anchor="ctr"/>
+            <a:lstStyle/>
+            <a:p>
+              <a:pPr algn="ctr"/>
+              <a:endParaRPr lang="sv-SE" b="1" dirty="0">
+                <a:solidFill>
+                  <a:schemeClr val="tx1"/>
+                </a:solidFill>
+              </a:endParaRPr>
+            </a:p>
+          </p:txBody>
+        </p:sp>
+        <p:cxnSp>
+          <p:nvCxnSpPr>
+            <p:cNvPr id="30" name="Straight Connector 29"/>
+            <p:cNvCxnSpPr>
+              <a:stCxn id="20" idx="3"/>
+              <a:endCxn id="8" idx="1"/>
+            </p:cNvCxnSpPr>
+            <p:nvPr/>
+          </p:nvCxnSpPr>
+          <p:spPr>
+            <a:xfrm>
+              <a:off x="5680192" y="1483979"/>
+              <a:ext cx="3174" cy="1621118"/>
+            </a:xfrm>
+            <a:prstGeom prst="line">
+              <a:avLst/>
+            </a:prstGeom>
+            <a:ln w="63500" cap="rnd">
+              <a:solidFill>
+                <a:srgbClr val="50DE94"/>
+              </a:solidFill>
+              <a:round/>
+              <a:headEnd w="sm" len="med"/>
+              <a:tailEnd type="triangle" w="med" len="lg"/>
+            </a:ln>
+            <a:effectLst/>
+            <a:scene3d>
+              <a:camera prst="orthographicFront"/>
+              <a:lightRig rig="threePt" dir="t"/>
+            </a:scene3d>
+            <a:sp3d/>
+          </p:spPr>
+          <p:style>
+            <a:lnRef idx="1">
+              <a:schemeClr val="accent1"/>
+            </a:lnRef>
+            <a:fillRef idx="0">
+              <a:schemeClr val="accent1"/>
+            </a:fillRef>
+            <a:effectRef idx="0">
+              <a:schemeClr val="accent1"/>
+            </a:effectRef>
+            <a:fontRef idx="minor">
+              <a:schemeClr val="tx1"/>
+            </a:fontRef>
+          </p:style>
+        </p:cxnSp>
+        <p:cxnSp>
+          <p:nvCxnSpPr>
+            <p:cNvPr id="33" name="Straight Connector 32"/>
+            <p:cNvCxnSpPr>
+              <a:stCxn id="8" idx="7"/>
+              <a:endCxn id="26" idx="3"/>
+            </p:cNvCxnSpPr>
+            <p:nvPr/>
+          </p:nvCxnSpPr>
+          <p:spPr>
+            <a:xfrm flipV="1">
+              <a:off x="6388725" y="1483979"/>
+              <a:ext cx="3171" cy="1621118"/>
+            </a:xfrm>
+            <a:prstGeom prst="line">
+              <a:avLst/>
+            </a:prstGeom>
+            <a:ln w="63500" cap="rnd">
+              <a:solidFill>
+                <a:srgbClr val="50DE94"/>
+              </a:solidFill>
+              <a:round/>
+              <a:headEnd w="sm" len="med"/>
+              <a:tailEnd type="triangle" w="med" len="lg"/>
+            </a:ln>
+            <a:effectLst/>
+            <a:scene3d>
+              <a:camera prst="orthographicFront"/>
+              <a:lightRig rig="threePt" dir="t"/>
+            </a:scene3d>
+            <a:sp3d/>
+          </p:spPr>
+          <p:style>
+            <a:lnRef idx="1">
+              <a:schemeClr val="accent1"/>
+            </a:lnRef>
+            <a:fillRef idx="0">
+              <a:schemeClr val="accent1"/>
+            </a:fillRef>
+            <a:effectRef idx="0">
+              <a:schemeClr val="accent1"/>
+            </a:effectRef>
+            <a:fontRef idx="minor">
+              <a:schemeClr val="tx1"/>
+            </a:fontRef>
+          </p:style>
+        </p:cxnSp>
+        <p:grpSp>
+          <p:nvGrpSpPr>
+            <p:cNvPr id="22" name="Group 21"/>
+            <p:cNvGrpSpPr/>
+            <p:nvPr/>
+          </p:nvGrpSpPr>
+          <p:grpSpPr>
+            <a:xfrm>
+              <a:off x="5375825" y="1023526"/>
+              <a:ext cx="608735" cy="460453"/>
+              <a:chOff x="2573867" y="733778"/>
+              <a:chExt cx="880533" cy="666044"/>
+            </a:xfrm>
+          </p:grpSpPr>
+          <p:sp>
+            <p:nvSpPr>
+              <p:cNvPr id="19" name="Rounded Rectangle 18"/>
+              <p:cNvSpPr/>
+              <p:nvPr/>
+            </p:nvSpPr>
+            <p:spPr>
+              <a:xfrm>
+                <a:off x="2573867" y="733778"/>
+                <a:ext cx="880533" cy="666044"/>
+              </a:xfrm>
+              <a:prstGeom prst="roundRect">
+                <a:avLst>
+                  <a:gd name="adj" fmla="val 9887"/>
+                </a:avLst>
+              </a:prstGeom>
+              <a:solidFill>
+                <a:srgbClr val="00B0F0"/>
+              </a:solidFill>
+              <a:ln w="22225" cap="rnd">
+                <a:solidFill>
+                  <a:srgbClr val="1F4E79"/>
+                </a:solidFill>
+                <a:round/>
+              </a:ln>
+            </p:spPr>
+            <p:style>
+              <a:lnRef idx="2">
+                <a:schemeClr val="accent1">
+                  <a:shade val="50000"/>
+                </a:schemeClr>
+              </a:lnRef>
+              <a:fillRef idx="1">
+                <a:schemeClr val="accent1"/>
+              </a:fillRef>
+              <a:effectRef idx="0">
+                <a:schemeClr val="accent1"/>
+              </a:effectRef>
+              <a:fontRef idx="minor">
+                <a:schemeClr val="lt1"/>
+              </a:fontRef>
+            </p:style>
+            <p:txBody>
+              <a:bodyPr rtlCol="0" anchor="ctr"/>
+              <a:lstStyle/>
+              <a:p>
+                <a:pPr algn="ctr"/>
+                <a:endParaRPr lang="sv-SE"/>
+              </a:p>
+            </p:txBody>
+          </p:sp>
+          <p:sp>
+            <p:nvSpPr>
+              <p:cNvPr id="20" name="Isosceles Triangle 19"/>
+              <p:cNvSpPr/>
+              <p:nvPr/>
+            </p:nvSpPr>
+            <p:spPr>
+              <a:xfrm>
+                <a:off x="2585155" y="924787"/>
+                <a:ext cx="857955" cy="475035"/>
+              </a:xfrm>
+              <a:prstGeom prst="triangle">
+                <a:avLst/>
+              </a:prstGeom>
+              <a:solidFill>
+                <a:srgbClr val="00B0F0"/>
+              </a:solidFill>
+              <a:ln w="22225" cap="rnd">
+                <a:solidFill>
+                  <a:srgbClr val="1F4E79"/>
+                </a:solidFill>
+                <a:round/>
+              </a:ln>
+            </p:spPr>
+            <p:style>
+              <a:lnRef idx="2">
+                <a:schemeClr val="accent1">
+                  <a:shade val="50000"/>
+                </a:schemeClr>
+              </a:lnRef>
+              <a:fillRef idx="1">
+                <a:schemeClr val="accent1"/>
+              </a:fillRef>
+              <a:effectRef idx="0">
+                <a:schemeClr val="accent1"/>
+              </a:effectRef>
+              <a:fontRef idx="minor">
+                <a:schemeClr val="lt1"/>
+              </a:fontRef>
+            </p:style>
+            <p:txBody>
+              <a:bodyPr rtlCol="0" anchor="ctr"/>
+              <a:lstStyle/>
+              <a:p>
+                <a:pPr algn="ctr"/>
+                <a:endParaRPr lang="sv-SE"/>
+              </a:p>
+            </p:txBody>
+          </p:sp>
+          <p:sp>
+            <p:nvSpPr>
+              <p:cNvPr id="21" name="Isosceles Triangle 20"/>
+              <p:cNvSpPr/>
+              <p:nvPr/>
+            </p:nvSpPr>
+            <p:spPr>
+              <a:xfrm rot="10800000">
+                <a:off x="2585155" y="733778"/>
+                <a:ext cx="857955" cy="475035"/>
+              </a:xfrm>
+              <a:prstGeom prst="triangle">
+                <a:avLst/>
+              </a:prstGeom>
+              <a:solidFill>
+                <a:srgbClr val="00B0F0"/>
+              </a:solidFill>
+              <a:ln w="22225" cap="rnd">
+                <a:solidFill>
+                  <a:srgbClr val="1F4E79"/>
+                </a:solidFill>
+                <a:round/>
+              </a:ln>
+            </p:spPr>
+            <p:style>
+              <a:lnRef idx="2">
+                <a:schemeClr val="accent1">
+                  <a:shade val="50000"/>
+                </a:schemeClr>
+              </a:lnRef>
+              <a:fillRef idx="1">
+                <a:schemeClr val="accent1"/>
+              </a:fillRef>
+              <a:effectRef idx="0">
+                <a:schemeClr val="accent1"/>
+              </a:effectRef>
+              <a:fontRef idx="minor">
+                <a:schemeClr val="lt1"/>
+              </a:fontRef>
+            </p:style>
+            <p:txBody>
+              <a:bodyPr rtlCol="0" anchor="ctr"/>
+              <a:lstStyle/>
+              <a:p>
+                <a:pPr algn="ctr"/>
+                <a:endParaRPr lang="sv-SE"/>
+              </a:p>
+            </p:txBody>
+          </p:sp>
+        </p:grpSp>
+        <p:sp>
+          <p:nvSpPr>
+            <p:cNvPr id="23" name="Servicetekniker"/>
+            <p:cNvSpPr/>
+            <p:nvPr/>
+          </p:nvSpPr>
+          <p:spPr>
+            <a:xfrm>
+              <a:off x="4185119" y="1033929"/>
+              <a:ext cx="1190705" cy="427952"/>
+            </a:xfrm>
+            <a:prstGeom prst="roundRect">
+              <a:avLst/>
+            </a:prstGeom>
+            <a:noFill/>
+            <a:ln w="190500">
+              <a:noFill/>
+            </a:ln>
+          </p:spPr>
+          <p:style>
+            <a:lnRef idx="2">
+              <a:schemeClr val="accent1">
+                <a:shade val="50000"/>
+              </a:schemeClr>
+            </a:lnRef>
+            <a:fillRef idx="1">
+              <a:schemeClr val="accent1"/>
+            </a:fillRef>
+            <a:effectRef idx="0">
+              <a:schemeClr val="accent1"/>
+            </a:effectRef>
+            <a:fontRef idx="minor">
+              <a:schemeClr val="lt1"/>
+            </a:fontRef>
+          </p:style>
+          <p:txBody>
+            <a:bodyPr rtlCol="0" anchor="ctr"/>
+            <a:lstStyle/>
+            <a:p>
+              <a:pPr algn="ctr"/>
+              <a:r>
+                <a:rPr lang="sv-SE" b="1" dirty="0" smtClean="0"/>
+                <a:t>DB Query</a:t>
+              </a:r>
+              <a:endParaRPr lang="sv-SE" b="1" dirty="0"/>
+            </a:p>
+          </p:txBody>
+        </p:sp>
+        <p:grpSp>
+          <p:nvGrpSpPr>
+            <p:cNvPr id="24" name="Group 23"/>
+            <p:cNvGrpSpPr/>
+            <p:nvPr/>
+          </p:nvGrpSpPr>
+          <p:grpSpPr>
+            <a:xfrm>
+              <a:off x="6087529" y="1023526"/>
+              <a:ext cx="608735" cy="460453"/>
+              <a:chOff x="2573867" y="733778"/>
+              <a:chExt cx="880533" cy="666044"/>
+            </a:xfrm>
+          </p:grpSpPr>
+          <p:sp>
+            <p:nvSpPr>
+              <p:cNvPr id="25" name="Rounded Rectangle 24"/>
+              <p:cNvSpPr/>
+              <p:nvPr/>
+            </p:nvSpPr>
+            <p:spPr>
+              <a:xfrm>
+                <a:off x="2573867" y="733778"/>
+                <a:ext cx="880533" cy="666044"/>
+              </a:xfrm>
+              <a:prstGeom prst="roundRect">
+                <a:avLst>
+                  <a:gd name="adj" fmla="val 9887"/>
+                </a:avLst>
+              </a:prstGeom>
+              <a:solidFill>
+                <a:srgbClr val="00B0F0"/>
+              </a:solidFill>
+              <a:ln w="22225" cap="rnd">
+                <a:solidFill>
+                  <a:srgbClr val="1F4E79"/>
+                </a:solidFill>
+                <a:round/>
+              </a:ln>
+            </p:spPr>
+            <p:style>
+              <a:lnRef idx="2">
+                <a:schemeClr val="accent1">
+                  <a:shade val="50000"/>
+                </a:schemeClr>
+              </a:lnRef>
+              <a:fillRef idx="1">
+                <a:schemeClr val="accent1"/>
+              </a:fillRef>
+              <a:effectRef idx="0">
+                <a:schemeClr val="accent1"/>
+              </a:effectRef>
+              <a:fontRef idx="minor">
+                <a:schemeClr val="lt1"/>
+              </a:fontRef>
+            </p:style>
+            <p:txBody>
+              <a:bodyPr rtlCol="0" anchor="ctr"/>
+              <a:lstStyle/>
+              <a:p>
+                <a:pPr algn="ctr"/>
+                <a:endParaRPr lang="sv-SE"/>
+              </a:p>
+            </p:txBody>
+          </p:sp>
+          <p:sp>
+            <p:nvSpPr>
+              <p:cNvPr id="26" name="Isosceles Triangle 25"/>
+              <p:cNvSpPr/>
+              <p:nvPr/>
+            </p:nvSpPr>
+            <p:spPr>
+              <a:xfrm>
+                <a:off x="2585155" y="924787"/>
+                <a:ext cx="857955" cy="475035"/>
+              </a:xfrm>
+              <a:prstGeom prst="triangle">
+                <a:avLst/>
+              </a:prstGeom>
+              <a:solidFill>
+                <a:srgbClr val="00B0F0"/>
+              </a:solidFill>
+              <a:ln w="22225" cap="rnd">
+                <a:solidFill>
+                  <a:srgbClr val="1F4E79"/>
+                </a:solidFill>
+                <a:round/>
+              </a:ln>
+            </p:spPr>
+            <p:style>
+              <a:lnRef idx="2">
+                <a:schemeClr val="accent1">
+                  <a:shade val="50000"/>
+                </a:schemeClr>
+              </a:lnRef>
+              <a:fillRef idx="1">
+                <a:schemeClr val="accent1"/>
+              </a:fillRef>
+              <a:effectRef idx="0">
+                <a:schemeClr val="accent1"/>
+              </a:effectRef>
+              <a:fontRef idx="minor">
+                <a:schemeClr val="lt1"/>
+              </a:fontRef>
+            </p:style>
+            <p:txBody>
+              <a:bodyPr rtlCol="0" anchor="ctr"/>
+              <a:lstStyle/>
+              <a:p>
+                <a:pPr algn="ctr"/>
+                <a:endParaRPr lang="sv-SE"/>
+              </a:p>
+            </p:txBody>
+          </p:sp>
+          <p:sp>
+            <p:nvSpPr>
+              <p:cNvPr id="27" name="Isosceles Triangle 26"/>
+              <p:cNvSpPr/>
+              <p:nvPr/>
+            </p:nvSpPr>
+            <p:spPr>
+              <a:xfrm rot="10800000">
+                <a:off x="2585155" y="733778"/>
+                <a:ext cx="857955" cy="475035"/>
+              </a:xfrm>
+              <a:prstGeom prst="triangle">
+                <a:avLst/>
+              </a:prstGeom>
+              <a:solidFill>
+                <a:srgbClr val="00B0F0"/>
+              </a:solidFill>
+              <a:ln w="22225" cap="rnd">
+                <a:solidFill>
+                  <a:srgbClr val="1F4E79"/>
+                </a:solidFill>
+                <a:round/>
+              </a:ln>
+            </p:spPr>
+            <p:style>
+              <a:lnRef idx="2">
+                <a:schemeClr val="accent1">
+                  <a:shade val="50000"/>
+                </a:schemeClr>
+              </a:lnRef>
+              <a:fillRef idx="1">
+                <a:schemeClr val="accent1"/>
+              </a:fillRef>
+              <a:effectRef idx="0">
+                <a:schemeClr val="accent1"/>
+              </a:effectRef>
+              <a:fontRef idx="minor">
+                <a:schemeClr val="lt1"/>
+              </a:fontRef>
+            </p:style>
+            <p:txBody>
+              <a:bodyPr rtlCol="0" anchor="ctr"/>
+              <a:lstStyle/>
+              <a:p>
+                <a:pPr algn="ctr"/>
+                <a:endParaRPr lang="sv-SE"/>
+              </a:p>
+            </p:txBody>
+          </p:sp>
+        </p:grpSp>
+        <p:sp>
+          <p:nvSpPr>
+            <p:cNvPr id="28" name="Servicetekniker"/>
+            <p:cNvSpPr/>
+            <p:nvPr/>
+          </p:nvSpPr>
+          <p:spPr>
+            <a:xfrm>
+              <a:off x="6688459" y="1039776"/>
+              <a:ext cx="1190705" cy="427952"/>
+            </a:xfrm>
+            <a:prstGeom prst="roundRect">
+              <a:avLst/>
+            </a:prstGeom>
+            <a:noFill/>
+            <a:ln w="190500">
+              <a:noFill/>
+            </a:ln>
+          </p:spPr>
+          <p:style>
+            <a:lnRef idx="2">
+              <a:schemeClr val="accent1">
+                <a:shade val="50000"/>
+              </a:schemeClr>
+            </a:lnRef>
+            <a:fillRef idx="1">
+              <a:schemeClr val="accent1"/>
+            </a:fillRef>
+            <a:effectRef idx="0">
+              <a:schemeClr val="accent1"/>
+            </a:effectRef>
+            <a:fontRef idx="minor">
+              <a:schemeClr val="lt1"/>
+            </a:fontRef>
+          </p:style>
+          <p:txBody>
+            <a:bodyPr rtlCol="0" anchor="ctr"/>
+            <a:lstStyle/>
+            <a:p>
+              <a:pPr algn="ctr"/>
+              <a:r>
+                <a:rPr lang="sv-SE" b="1" dirty="0" smtClean="0"/>
+                <a:t>DB Result</a:t>
+              </a:r>
+              <a:endParaRPr lang="sv-SE" b="1" dirty="0"/>
+            </a:p>
+          </p:txBody>
+        </p:sp>
+        <p:cxnSp>
+          <p:nvCxnSpPr>
+            <p:cNvPr id="36" name="Straight Connector 35"/>
+            <p:cNvCxnSpPr>
+              <a:stCxn id="8" idx="3"/>
+            </p:cNvCxnSpPr>
+            <p:nvPr/>
+          </p:nvCxnSpPr>
+          <p:spPr>
+            <a:xfrm>
+              <a:off x="5683366" y="3810456"/>
+              <a:ext cx="0" cy="1437819"/>
+            </a:xfrm>
+            <a:prstGeom prst="line">
+              <a:avLst/>
+            </a:prstGeom>
+            <a:ln w="63500" cap="rnd">
+              <a:solidFill>
+                <a:srgbClr val="50DE94"/>
+              </a:solidFill>
+              <a:round/>
+              <a:headEnd w="sm" len="med"/>
+              <a:tailEnd type="triangle" w="med" len="lg"/>
+            </a:ln>
+            <a:effectLst/>
+            <a:scene3d>
+              <a:camera prst="orthographicFront"/>
+              <a:lightRig rig="threePt" dir="t"/>
+            </a:scene3d>
+            <a:sp3d/>
+          </p:spPr>
+          <p:style>
+            <a:lnRef idx="1">
+              <a:schemeClr val="accent1"/>
+            </a:lnRef>
+            <a:fillRef idx="0">
+              <a:schemeClr val="accent1"/>
+            </a:fillRef>
+            <a:effectRef idx="0">
+              <a:schemeClr val="accent1"/>
+            </a:effectRef>
+            <a:fontRef idx="minor">
+              <a:schemeClr val="tx1"/>
+            </a:fontRef>
+          </p:style>
+        </p:cxnSp>
+        <p:cxnSp>
+          <p:nvCxnSpPr>
+            <p:cNvPr id="39" name="Straight Connector 38"/>
+            <p:cNvCxnSpPr>
+              <a:endCxn id="8" idx="5"/>
+            </p:cNvCxnSpPr>
+            <p:nvPr/>
+          </p:nvCxnSpPr>
+          <p:spPr>
+            <a:xfrm flipV="1">
+              <a:off x="6388725" y="3810456"/>
+              <a:ext cx="0" cy="1363941"/>
+            </a:xfrm>
+            <a:prstGeom prst="line">
+              <a:avLst/>
+            </a:prstGeom>
+            <a:ln w="63500" cap="rnd">
+              <a:solidFill>
+                <a:srgbClr val="50DE94"/>
+              </a:solidFill>
+              <a:round/>
+              <a:headEnd w="sm" len="med"/>
+              <a:tailEnd type="triangle" w="med" len="lg"/>
+            </a:ln>
+            <a:effectLst/>
+            <a:scene3d>
+              <a:camera prst="orthographicFront"/>
+              <a:lightRig rig="threePt" dir="t"/>
+            </a:scene3d>
+            <a:sp3d/>
+          </p:spPr>
+          <p:style>
+            <a:lnRef idx="1">
+              <a:schemeClr val="accent1"/>
+            </a:lnRef>
+            <a:fillRef idx="0">
+              <a:schemeClr val="accent1"/>
+            </a:fillRef>
+            <a:effectRef idx="0">
+              <a:schemeClr val="accent1"/>
+            </a:effectRef>
+            <a:fontRef idx="minor">
+              <a:schemeClr val="tx1"/>
+            </a:fontRef>
+          </p:style>
+        </p:cxnSp>
+      </p:grpSp>
+      <p:sp>
+        <p:nvSpPr>
+          <p:cNvPr id="8" name="DB Up"/>
+          <p:cNvSpPr/>
+          <p:nvPr/>
+        </p:nvSpPr>
+        <p:spPr>
+          <a:xfrm>
+            <a:off x="5537282" y="2959013"/>
+            <a:ext cx="997527" cy="997527"/>
+          </a:xfrm>
+          <a:prstGeom prst="ellipse">
+            <a:avLst/>
+          </a:prstGeom>
+          <a:solidFill>
+            <a:schemeClr val="accent6">
+              <a:lumMod val="60000"/>
+              <a:lumOff val="40000"/>
+            </a:schemeClr>
+          </a:solidFill>
+          <a:ln w="25400">
+            <a:solidFill>
+              <a:srgbClr val="1F4E79"/>
+            </a:solidFill>
+          </a:ln>
+        </p:spPr>
+        <p:style>
+          <a:lnRef idx="2">
+            <a:schemeClr val="accent1">
+              <a:shade val="50000"/>
+            </a:schemeClr>
+          </a:lnRef>
+          <a:fillRef idx="1">
+            <a:schemeClr val="accent1"/>
+          </a:fillRef>
+          <a:effectRef idx="0">
+            <a:schemeClr val="accent1"/>
+          </a:effectRef>
+          <a:fontRef idx="minor">
+            <a:schemeClr val="lt1"/>
+          </a:fontRef>
+        </p:style>
+        <p:txBody>
+          <a:bodyPr wrap="none" rtlCol="0" anchor="ctr"/>
+          <a:lstStyle/>
+          <a:p>
+            <a:pPr algn="ctr"/>
+            <a:r>
+              <a:rPr lang="sv-SE" b="1" dirty="0" smtClean="0"/>
+              <a:t>Up</a:t>
+            </a:r>
+            <a:endParaRPr lang="sv-SE" b="1" dirty="0"/>
+          </a:p>
+        </p:txBody>
+      </p:sp>
+      <p:grpSp>
+        <p:nvGrpSpPr>
+          <p:cNvPr id="64" name="DB Down Interaction"/>
+          <p:cNvGrpSpPr/>
+          <p:nvPr/>
+        </p:nvGrpSpPr>
+        <p:grpSpPr>
+          <a:xfrm>
+            <a:off x="5609777" y="1023526"/>
+            <a:ext cx="3694045" cy="5054276"/>
+            <a:chOff x="4185119" y="1023526"/>
+            <a:chExt cx="3694045" cy="5054276"/>
+          </a:xfrm>
+        </p:grpSpPr>
+        <p:sp>
+          <p:nvSpPr>
+            <p:cNvPr id="65" name="Flowchart: Magnetic Disk 64"/>
+            <p:cNvSpPr/>
+            <p:nvPr/>
+          </p:nvSpPr>
+          <p:spPr>
+            <a:xfrm>
+              <a:off x="5537282" y="5248275"/>
+              <a:ext cx="993422" cy="829527"/>
+            </a:xfrm>
+            <a:prstGeom prst="flowChartMagneticDisk">
+              <a:avLst/>
+            </a:prstGeom>
+            <a:solidFill>
+              <a:schemeClr val="accent4">
+                <a:lumMod val="60000"/>
+                <a:lumOff val="40000"/>
+              </a:schemeClr>
+            </a:solidFill>
+            <a:ln w="25400">
+              <a:solidFill>
+                <a:srgbClr val="1F4E79"/>
+              </a:solidFill>
+            </a:ln>
+          </p:spPr>
+          <p:style>
+            <a:lnRef idx="2">
+              <a:schemeClr val="accent1">
+                <a:shade val="50000"/>
+              </a:schemeClr>
+            </a:lnRef>
+            <a:fillRef idx="1">
+              <a:schemeClr val="accent1"/>
+            </a:fillRef>
+            <a:effectRef idx="0">
+              <a:schemeClr val="accent1"/>
+            </a:effectRef>
+            <a:fontRef idx="minor">
+              <a:schemeClr val="lt1"/>
+            </a:fontRef>
+          </p:style>
+          <p:txBody>
+            <a:bodyPr rtlCol="0" anchor="ctr"/>
+            <a:lstStyle/>
+            <a:p>
+              <a:pPr algn="ctr"/>
+              <a:endParaRPr lang="sv-SE" b="1" dirty="0">
+                <a:solidFill>
+                  <a:schemeClr val="bg1"/>
+                </a:solidFill>
+              </a:endParaRPr>
+            </a:p>
+          </p:txBody>
+        </p:sp>
+        <p:cxnSp>
+          <p:nvCxnSpPr>
+            <p:cNvPr id="66" name="Straight Connector 65"/>
+            <p:cNvCxnSpPr>
+              <a:stCxn id="77" idx="3"/>
+            </p:cNvCxnSpPr>
+            <p:nvPr/>
+          </p:nvCxnSpPr>
+          <p:spPr>
+            <a:xfrm>
+              <a:off x="5680192" y="1483979"/>
+              <a:ext cx="3174" cy="1621118"/>
+            </a:xfrm>
+            <a:prstGeom prst="line">
+              <a:avLst/>
+            </a:prstGeom>
+            <a:ln w="63500" cap="rnd">
+              <a:solidFill>
+                <a:srgbClr val="50DE94"/>
+              </a:solidFill>
+              <a:round/>
+              <a:headEnd w="sm" len="med"/>
+              <a:tailEnd type="triangle" w="med" len="lg"/>
+            </a:ln>
+            <a:effectLst/>
+            <a:scene3d>
+              <a:camera prst="orthographicFront"/>
+              <a:lightRig rig="threePt" dir="t"/>
+            </a:scene3d>
+            <a:sp3d/>
+          </p:spPr>
+          <p:style>
+            <a:lnRef idx="1">
+              <a:schemeClr val="accent1"/>
+            </a:lnRef>
+            <a:fillRef idx="0">
+              <a:schemeClr val="accent1"/>
+            </a:fillRef>
+            <a:effectRef idx="0">
+              <a:schemeClr val="accent1"/>
+            </a:effectRef>
+            <a:fontRef idx="minor">
+              <a:schemeClr val="tx1"/>
+            </a:fontRef>
+          </p:style>
+        </p:cxnSp>
+        <p:cxnSp>
+          <p:nvCxnSpPr>
+            <p:cNvPr id="67" name="Straight Connector 66"/>
+            <p:cNvCxnSpPr>
+              <a:endCxn id="74" idx="3"/>
+            </p:cNvCxnSpPr>
+            <p:nvPr/>
+          </p:nvCxnSpPr>
+          <p:spPr>
+            <a:xfrm flipV="1">
+              <a:off x="6388725" y="1483979"/>
+              <a:ext cx="3171" cy="1621118"/>
+            </a:xfrm>
+            <a:prstGeom prst="line">
+              <a:avLst/>
+            </a:prstGeom>
+            <a:ln w="63500" cap="rnd">
+              <a:solidFill>
+                <a:srgbClr val="50DE94"/>
+              </a:solidFill>
+              <a:round/>
+              <a:headEnd w="sm" len="med"/>
+              <a:tailEnd type="triangle" w="med" len="lg"/>
+            </a:ln>
+            <a:effectLst/>
+            <a:scene3d>
+              <a:camera prst="orthographicFront"/>
+              <a:lightRig rig="threePt" dir="t"/>
+            </a:scene3d>
+            <a:sp3d/>
+          </p:spPr>
+          <p:style>
+            <a:lnRef idx="1">
+              <a:schemeClr val="accent1"/>
+            </a:lnRef>
+            <a:fillRef idx="0">
+              <a:schemeClr val="accent1"/>
+            </a:fillRef>
+            <a:effectRef idx="0">
+              <a:schemeClr val="accent1"/>
+            </a:effectRef>
+            <a:fontRef idx="minor">
+              <a:schemeClr val="tx1"/>
+            </a:fontRef>
+          </p:style>
+        </p:cxnSp>
+        <p:grpSp>
+          <p:nvGrpSpPr>
+            <p:cNvPr id="68" name="Group 67"/>
+            <p:cNvGrpSpPr/>
+            <p:nvPr/>
+          </p:nvGrpSpPr>
+          <p:grpSpPr>
+            <a:xfrm>
+              <a:off x="5375825" y="1023526"/>
+              <a:ext cx="608735" cy="460453"/>
+              <a:chOff x="2573867" y="733778"/>
+              <a:chExt cx="880533" cy="666044"/>
+            </a:xfrm>
+          </p:grpSpPr>
+          <p:sp>
+            <p:nvSpPr>
+              <p:cNvPr id="76" name="Rounded Rectangle 75"/>
+              <p:cNvSpPr/>
+              <p:nvPr/>
+            </p:nvSpPr>
+            <p:spPr>
+              <a:xfrm>
+                <a:off x="2573867" y="733778"/>
+                <a:ext cx="880533" cy="666044"/>
+              </a:xfrm>
+              <a:prstGeom prst="roundRect">
+                <a:avLst>
+                  <a:gd name="adj" fmla="val 9887"/>
+                </a:avLst>
+              </a:prstGeom>
+              <a:solidFill>
+                <a:srgbClr val="00B0F0"/>
+              </a:solidFill>
+              <a:ln w="22225" cap="rnd">
+                <a:solidFill>
+                  <a:srgbClr val="1F4E79"/>
+                </a:solidFill>
+                <a:round/>
+              </a:ln>
+            </p:spPr>
+            <p:style>
+              <a:lnRef idx="2">
+                <a:schemeClr val="accent1">
+                  <a:shade val="50000"/>
+                </a:schemeClr>
+              </a:lnRef>
+              <a:fillRef idx="1">
+                <a:schemeClr val="accent1"/>
+              </a:fillRef>
+              <a:effectRef idx="0">
+                <a:schemeClr val="accent1"/>
+              </a:effectRef>
+              <a:fontRef idx="minor">
+                <a:schemeClr val="lt1"/>
+              </a:fontRef>
+            </p:style>
+            <p:txBody>
+              <a:bodyPr rtlCol="0" anchor="ctr"/>
+              <a:lstStyle/>
+              <a:p>
+                <a:pPr algn="ctr"/>
+                <a:endParaRPr lang="sv-SE"/>
+              </a:p>
+            </p:txBody>
+          </p:sp>
+          <p:sp>
+            <p:nvSpPr>
+              <p:cNvPr id="77" name="Isosceles Triangle 76"/>
+              <p:cNvSpPr/>
+              <p:nvPr/>
+            </p:nvSpPr>
+            <p:spPr>
+              <a:xfrm>
+                <a:off x="2585155" y="924787"/>
+                <a:ext cx="857955" cy="475035"/>
+              </a:xfrm>
+              <a:prstGeom prst="triangle">
+                <a:avLst/>
+              </a:prstGeom>
+              <a:solidFill>
+                <a:srgbClr val="00B0F0"/>
+              </a:solidFill>
+              <a:ln w="22225" cap="rnd">
+                <a:solidFill>
+                  <a:srgbClr val="1F4E79"/>
+                </a:solidFill>
+                <a:round/>
+              </a:ln>
+            </p:spPr>
+            <p:style>
+              <a:lnRef idx="2">
+                <a:schemeClr val="accent1">
+                  <a:shade val="50000"/>
+                </a:schemeClr>
+              </a:lnRef>
+              <a:fillRef idx="1">
+                <a:schemeClr val="accent1"/>
+              </a:fillRef>
+              <a:effectRef idx="0">
+                <a:schemeClr val="accent1"/>
+              </a:effectRef>
+              <a:fontRef idx="minor">
+                <a:schemeClr val="lt1"/>
+              </a:fontRef>
+            </p:style>
+            <p:txBody>
+              <a:bodyPr rtlCol="0" anchor="ctr"/>
+              <a:lstStyle/>
+              <a:p>
+                <a:pPr algn="ctr"/>
+                <a:endParaRPr lang="sv-SE"/>
+              </a:p>
+            </p:txBody>
+          </p:sp>
+          <p:sp>
+            <p:nvSpPr>
+              <p:cNvPr id="78" name="Isosceles Triangle 77"/>
+              <p:cNvSpPr/>
+              <p:nvPr/>
+            </p:nvSpPr>
+            <p:spPr>
+              <a:xfrm rot="10800000">
+                <a:off x="2585155" y="733778"/>
+                <a:ext cx="857955" cy="475035"/>
+              </a:xfrm>
+              <a:prstGeom prst="triangle">
+                <a:avLst/>
+              </a:prstGeom>
+              <a:solidFill>
+                <a:srgbClr val="00B0F0"/>
+              </a:solidFill>
+              <a:ln w="22225" cap="rnd">
+                <a:solidFill>
+                  <a:srgbClr val="1F4E79"/>
+                </a:solidFill>
+                <a:round/>
+              </a:ln>
+            </p:spPr>
+            <p:style>
+              <a:lnRef idx="2">
+                <a:schemeClr val="accent1">
+                  <a:shade val="50000"/>
+                </a:schemeClr>
+              </a:lnRef>
+              <a:fillRef idx="1">
+                <a:schemeClr val="accent1"/>
+              </a:fillRef>
+              <a:effectRef idx="0">
+                <a:schemeClr val="accent1"/>
+              </a:effectRef>
+              <a:fontRef idx="minor">
+                <a:schemeClr val="lt1"/>
+              </a:fontRef>
+            </p:style>
+            <p:txBody>
+              <a:bodyPr rtlCol="0" anchor="ctr"/>
+              <a:lstStyle/>
+              <a:p>
+                <a:pPr algn="ctr"/>
+                <a:endParaRPr lang="sv-SE"/>
+              </a:p>
+            </p:txBody>
+          </p:sp>
+        </p:grpSp>
+        <p:sp>
+          <p:nvSpPr>
+            <p:cNvPr id="69" name="Servicetekniker"/>
+            <p:cNvSpPr/>
+            <p:nvPr/>
+          </p:nvSpPr>
+          <p:spPr>
+            <a:xfrm>
+              <a:off x="4185119" y="1033929"/>
+              <a:ext cx="1190705" cy="427952"/>
+            </a:xfrm>
+            <a:prstGeom prst="roundRect">
+              <a:avLst/>
+            </a:prstGeom>
+            <a:noFill/>
+            <a:ln w="190500">
+              <a:noFill/>
+            </a:ln>
+          </p:spPr>
+          <p:style>
+            <a:lnRef idx="2">
+              <a:schemeClr val="accent1">
+                <a:shade val="50000"/>
+              </a:schemeClr>
+            </a:lnRef>
+            <a:fillRef idx="1">
+              <a:schemeClr val="accent1"/>
+            </a:fillRef>
+            <a:effectRef idx="0">
+              <a:schemeClr val="accent1"/>
+            </a:effectRef>
+            <a:fontRef idx="minor">
+              <a:schemeClr val="lt1"/>
+            </a:fontRef>
+          </p:style>
+          <p:txBody>
+            <a:bodyPr rtlCol="0" anchor="ctr"/>
+            <a:lstStyle/>
+            <a:p>
+              <a:pPr algn="ctr"/>
+              <a:r>
+                <a:rPr lang="sv-SE" b="1" dirty="0" smtClean="0"/>
+                <a:t>DB Query</a:t>
+              </a:r>
+              <a:endParaRPr lang="sv-SE" b="1" dirty="0"/>
+            </a:p>
+          </p:txBody>
+        </p:sp>
+        <p:grpSp>
+          <p:nvGrpSpPr>
+            <p:cNvPr id="70" name="Group 69"/>
+            <p:cNvGrpSpPr/>
+            <p:nvPr/>
+          </p:nvGrpSpPr>
+          <p:grpSpPr>
+            <a:xfrm>
+              <a:off x="6087529" y="1023526"/>
+              <a:ext cx="608735" cy="460453"/>
+              <a:chOff x="2573867" y="733778"/>
+              <a:chExt cx="880533" cy="666044"/>
+            </a:xfrm>
+          </p:grpSpPr>
+          <p:sp>
+            <p:nvSpPr>
+              <p:cNvPr id="73" name="Rounded Rectangle 72"/>
+              <p:cNvSpPr/>
+              <p:nvPr/>
+            </p:nvSpPr>
+            <p:spPr>
+              <a:xfrm>
+                <a:off x="2573867" y="733778"/>
+                <a:ext cx="880533" cy="666044"/>
+              </a:xfrm>
+              <a:prstGeom prst="roundRect">
+                <a:avLst>
+                  <a:gd name="adj" fmla="val 9887"/>
+                </a:avLst>
+              </a:prstGeom>
+              <a:solidFill>
+                <a:srgbClr val="00B0F0"/>
+              </a:solidFill>
+              <a:ln w="22225" cap="rnd">
+                <a:solidFill>
+                  <a:srgbClr val="1F4E79"/>
+                </a:solidFill>
+                <a:round/>
+              </a:ln>
+            </p:spPr>
+            <p:style>
+              <a:lnRef idx="2">
+                <a:schemeClr val="accent1">
+                  <a:shade val="50000"/>
+                </a:schemeClr>
+              </a:lnRef>
+              <a:fillRef idx="1">
+                <a:schemeClr val="accent1"/>
+              </a:fillRef>
+              <a:effectRef idx="0">
+                <a:schemeClr val="accent1"/>
+              </a:effectRef>
+              <a:fontRef idx="minor">
+                <a:schemeClr val="lt1"/>
+              </a:fontRef>
+            </p:style>
+            <p:txBody>
+              <a:bodyPr rtlCol="0" anchor="ctr"/>
+              <a:lstStyle/>
+              <a:p>
+                <a:pPr algn="ctr"/>
+                <a:endParaRPr lang="sv-SE"/>
+              </a:p>
+            </p:txBody>
+          </p:sp>
+          <p:sp>
+            <p:nvSpPr>
+              <p:cNvPr id="74" name="Isosceles Triangle 73"/>
+              <p:cNvSpPr/>
+              <p:nvPr/>
+            </p:nvSpPr>
+            <p:spPr>
+              <a:xfrm>
+                <a:off x="2585155" y="924787"/>
+                <a:ext cx="857955" cy="475035"/>
+              </a:xfrm>
+              <a:prstGeom prst="triangle">
+                <a:avLst/>
+              </a:prstGeom>
+              <a:solidFill>
+                <a:srgbClr val="00B0F0"/>
+              </a:solidFill>
+              <a:ln w="22225" cap="rnd">
+                <a:solidFill>
+                  <a:srgbClr val="1F4E79"/>
+                </a:solidFill>
+                <a:round/>
+              </a:ln>
+            </p:spPr>
+            <p:style>
+              <a:lnRef idx="2">
+                <a:schemeClr val="accent1">
+                  <a:shade val="50000"/>
+                </a:schemeClr>
+              </a:lnRef>
+              <a:fillRef idx="1">
+                <a:schemeClr val="accent1"/>
+              </a:fillRef>
+              <a:effectRef idx="0">
+                <a:schemeClr val="accent1"/>
+              </a:effectRef>
+              <a:fontRef idx="minor">
+                <a:schemeClr val="lt1"/>
+              </a:fontRef>
+            </p:style>
+            <p:txBody>
+              <a:bodyPr rtlCol="0" anchor="ctr"/>
+              <a:lstStyle/>
+              <a:p>
+                <a:pPr algn="ctr"/>
+                <a:endParaRPr lang="sv-SE"/>
+              </a:p>
+            </p:txBody>
+          </p:sp>
+          <p:sp>
+            <p:nvSpPr>
+              <p:cNvPr id="75" name="Isosceles Triangle 74"/>
+              <p:cNvSpPr/>
+              <p:nvPr/>
+            </p:nvSpPr>
+            <p:spPr>
+              <a:xfrm rot="10800000">
+                <a:off x="2585155" y="733778"/>
+                <a:ext cx="857955" cy="475035"/>
+              </a:xfrm>
+              <a:prstGeom prst="triangle">
+                <a:avLst/>
+              </a:prstGeom>
+              <a:solidFill>
+                <a:srgbClr val="00B0F0"/>
+              </a:solidFill>
+              <a:ln w="22225" cap="rnd">
+                <a:solidFill>
+                  <a:srgbClr val="1F4E79"/>
+                </a:solidFill>
+                <a:round/>
+              </a:ln>
+            </p:spPr>
+            <p:style>
+              <a:lnRef idx="2">
+                <a:schemeClr val="accent1">
+                  <a:shade val="50000"/>
+                </a:schemeClr>
+              </a:lnRef>
+              <a:fillRef idx="1">
+                <a:schemeClr val="accent1"/>
+              </a:fillRef>
+              <a:effectRef idx="0">
+                <a:schemeClr val="accent1"/>
+              </a:effectRef>
+              <a:fontRef idx="minor">
+                <a:schemeClr val="lt1"/>
+              </a:fontRef>
+            </p:style>
+            <p:txBody>
+              <a:bodyPr rtlCol="0" anchor="ctr"/>
+              <a:lstStyle/>
+              <a:p>
+                <a:pPr algn="ctr"/>
+                <a:endParaRPr lang="sv-SE"/>
+              </a:p>
+            </p:txBody>
+          </p:sp>
+        </p:grpSp>
+        <p:sp>
+          <p:nvSpPr>
+            <p:cNvPr id="71" name="Servicetekniker"/>
+            <p:cNvSpPr/>
+            <p:nvPr/>
+          </p:nvSpPr>
+          <p:spPr>
+            <a:xfrm>
+              <a:off x="6688459" y="1039776"/>
+              <a:ext cx="1190705" cy="427952"/>
+            </a:xfrm>
+            <a:prstGeom prst="roundRect">
+              <a:avLst/>
+            </a:prstGeom>
+            <a:noFill/>
+            <a:ln w="190500">
+              <a:noFill/>
+            </a:ln>
+          </p:spPr>
+          <p:style>
+            <a:lnRef idx="2">
+              <a:schemeClr val="accent1">
+                <a:shade val="50000"/>
+              </a:schemeClr>
+            </a:lnRef>
+            <a:fillRef idx="1">
+              <a:schemeClr val="accent1"/>
+            </a:fillRef>
+            <a:effectRef idx="0">
+              <a:schemeClr val="accent1"/>
+            </a:effectRef>
+            <a:fontRef idx="minor">
+              <a:schemeClr val="lt1"/>
+            </a:fontRef>
+          </p:style>
+          <p:txBody>
+            <a:bodyPr rtlCol="0" anchor="ctr"/>
+            <a:lstStyle/>
+            <a:p>
+              <a:pPr algn="ctr"/>
+              <a:r>
+                <a:rPr lang="sv-SE" b="1" dirty="0" smtClean="0"/>
+                <a:t>DB Error</a:t>
+              </a:r>
+              <a:endParaRPr lang="sv-SE" b="1" dirty="0"/>
+            </a:p>
+          </p:txBody>
+        </p:sp>
+        <p:cxnSp>
+          <p:nvCxnSpPr>
+            <p:cNvPr id="72" name="Straight Connector 71"/>
+            <p:cNvCxnSpPr/>
+            <p:nvPr/>
+          </p:nvCxnSpPr>
+          <p:spPr>
+            <a:xfrm>
+              <a:off x="6032143" y="3956538"/>
+              <a:ext cx="0" cy="1215537"/>
+            </a:xfrm>
+            <a:prstGeom prst="line">
+              <a:avLst/>
+            </a:prstGeom>
+            <a:ln w="63500" cap="rnd">
+              <a:solidFill>
+                <a:srgbClr val="50DE94"/>
+              </a:solidFill>
+              <a:prstDash val="sysDash"/>
+              <a:round/>
+              <a:headEnd w="sm" len="med"/>
+              <a:tailEnd type="triangle" w="med" len="lg"/>
+            </a:ln>
+            <a:effectLst/>
+            <a:scene3d>
+              <a:camera prst="orthographicFront"/>
+              <a:lightRig rig="threePt" dir="t"/>
+            </a:scene3d>
+            <a:sp3d/>
+          </p:spPr>
+          <p:style>
+            <a:lnRef idx="1">
+              <a:schemeClr val="accent1"/>
+            </a:lnRef>
+            <a:fillRef idx="0">
+              <a:schemeClr val="accent1"/>
+            </a:fillRef>
+            <a:effectRef idx="0">
+              <a:schemeClr val="accent1"/>
+            </a:effectRef>
+            <a:fontRef idx="minor">
+              <a:schemeClr val="tx1"/>
+            </a:fontRef>
+          </p:style>
+        </p:cxnSp>
+        <p:sp>
+          <p:nvSpPr>
+            <p:cNvPr id="90" name="Servicetekniker"/>
+            <p:cNvSpPr/>
+            <p:nvPr/>
+          </p:nvSpPr>
+          <p:spPr>
+            <a:xfrm>
+              <a:off x="6043656" y="4315389"/>
+              <a:ext cx="1661249" cy="427952"/>
+            </a:xfrm>
+            <a:prstGeom prst="roundRect">
+              <a:avLst/>
+            </a:prstGeom>
+            <a:noFill/>
+            <a:ln w="190500">
+              <a:noFill/>
+            </a:ln>
+          </p:spPr>
+          <p:style>
+            <a:lnRef idx="2">
+              <a:schemeClr val="accent1">
+                <a:shade val="50000"/>
+              </a:schemeClr>
+            </a:lnRef>
+            <a:fillRef idx="1">
+              <a:schemeClr val="accent1"/>
+            </a:fillRef>
+            <a:effectRef idx="0">
+              <a:schemeClr val="accent1"/>
+            </a:effectRef>
+            <a:fontRef idx="minor">
+              <a:schemeClr val="lt1"/>
+            </a:fontRef>
+          </p:style>
+          <p:txBody>
+            <a:bodyPr rtlCol="0" anchor="ctr"/>
+            <a:lstStyle/>
+            <a:p>
+              <a:pPr algn="ctr"/>
+              <a:r>
+                <a:rPr lang="sv-SE" b="1" dirty="0"/>
+                <a:t>Poll DB Status</a:t>
+              </a:r>
+              <a:endParaRPr lang="sv-SE" b="1" dirty="0"/>
+            </a:p>
+          </p:txBody>
+        </p:sp>
+      </p:grpSp>
+      <p:sp>
+        <p:nvSpPr>
+          <p:cNvPr id="7" name="DB Down"/>
+          <p:cNvSpPr/>
+          <p:nvPr/>
+        </p:nvSpPr>
+        <p:spPr>
+          <a:xfrm>
+            <a:off x="6958037" y="2959011"/>
+            <a:ext cx="997527" cy="997527"/>
+          </a:xfrm>
+          <a:prstGeom prst="ellipse">
+            <a:avLst/>
+          </a:prstGeom>
+          <a:solidFill>
+            <a:srgbClr val="DB5151"/>
+          </a:solidFill>
+          <a:ln w="25400">
+            <a:solidFill>
+              <a:srgbClr val="1F4E79"/>
+            </a:solidFill>
+          </a:ln>
+          <a:effectLst/>
+        </p:spPr>
+        <p:style>
+          <a:lnRef idx="0">
+            <a:schemeClr val="accent5"/>
+          </a:lnRef>
+          <a:fillRef idx="3">
+            <a:schemeClr val="accent5"/>
+          </a:fillRef>
+          <a:effectRef idx="3">
+            <a:schemeClr val="accent5"/>
+          </a:effectRef>
+          <a:fontRef idx="minor">
+            <a:schemeClr val="lt1"/>
+          </a:fontRef>
+        </p:style>
+        <p:txBody>
+          <a:bodyPr wrap="none" rtlCol="0" anchor="ctr"/>
+          <a:lstStyle/>
+          <a:p>
+            <a:pPr algn="ctr"/>
+            <a:r>
+              <a:rPr lang="sv-SE" b="1" dirty="0" smtClean="0"/>
+              <a:t>Down</a:t>
+            </a:r>
+            <a:endParaRPr lang="sv-SE" b="1" dirty="0"/>
+          </a:p>
+        </p:txBody>
+      </p:sp>
+      <p:grpSp>
+        <p:nvGrpSpPr>
+          <p:cNvPr id="82" name="Error"/>
+          <p:cNvGrpSpPr/>
+          <p:nvPr/>
+        </p:nvGrpSpPr>
+        <p:grpSpPr>
+          <a:xfrm>
+            <a:off x="6126092" y="4377466"/>
+            <a:ext cx="562367" cy="568866"/>
+            <a:chOff x="4665409" y="4631482"/>
+            <a:chExt cx="1610726" cy="1629341"/>
+          </a:xfrm>
+        </p:grpSpPr>
+        <p:grpSp>
+          <p:nvGrpSpPr>
+            <p:cNvPr id="83" name="Group 82"/>
+            <p:cNvGrpSpPr/>
+            <p:nvPr/>
+          </p:nvGrpSpPr>
+          <p:grpSpPr>
+            <a:xfrm>
+              <a:off x="4665409" y="4631482"/>
+              <a:ext cx="1610726" cy="1629341"/>
+              <a:chOff x="1627954" y="4762555"/>
+              <a:chExt cx="1610726" cy="1629341"/>
+            </a:xfrm>
+          </p:grpSpPr>
+          <p:sp>
+            <p:nvSpPr>
+              <p:cNvPr id="85" name="Oval 84"/>
+              <p:cNvSpPr/>
+              <p:nvPr/>
+            </p:nvSpPr>
+            <p:spPr>
+              <a:xfrm>
+                <a:off x="1627954" y="4762555"/>
+                <a:ext cx="1610726" cy="1627411"/>
+              </a:xfrm>
+              <a:prstGeom prst="ellipse">
+                <a:avLst/>
+              </a:prstGeom>
+              <a:solidFill>
+                <a:srgbClr val="B04242"/>
+              </a:solidFill>
+              <a:ln w="234950">
+                <a:solidFill>
+                  <a:srgbClr val="B04242">
+                    <a:alpha val="54000"/>
+                  </a:srgbClr>
+                </a:solidFill>
+              </a:ln>
+              <a:effectLst/>
+            </p:spPr>
+            <p:style>
+              <a:lnRef idx="2">
+                <a:schemeClr val="accent1">
+                  <a:shade val="50000"/>
+                </a:schemeClr>
+              </a:lnRef>
+              <a:fillRef idx="1">
+                <a:schemeClr val="accent1"/>
+              </a:fillRef>
+              <a:effectRef idx="0">
+                <a:schemeClr val="accent1"/>
+              </a:effectRef>
+              <a:fontRef idx="minor">
+                <a:schemeClr val="lt1"/>
+              </a:fontRef>
+            </p:style>
+            <p:txBody>
+              <a:bodyPr rtlCol="0" anchor="ctr"/>
+              <a:lstStyle/>
+              <a:p>
+                <a:pPr algn="ctr"/>
+                <a:endParaRPr lang="sv-SE" sz="1400" dirty="0"/>
+              </a:p>
+            </p:txBody>
+          </p:sp>
+          <p:sp>
+            <p:nvSpPr>
+              <p:cNvPr id="86" name="Oval 85"/>
+              <p:cNvSpPr/>
+              <p:nvPr/>
+            </p:nvSpPr>
+            <p:spPr>
+              <a:xfrm>
+                <a:off x="1627954" y="4764485"/>
+                <a:ext cx="1610726" cy="1627411"/>
+              </a:xfrm>
+              <a:prstGeom prst="ellipse">
+                <a:avLst/>
+              </a:prstGeom>
+              <a:noFill/>
+              <a:ln w="454025">
+                <a:solidFill>
+                  <a:srgbClr val="B04242">
+                    <a:alpha val="31000"/>
+                  </a:srgbClr>
+                </a:solidFill>
+              </a:ln>
+              <a:effectLst/>
+            </p:spPr>
+            <p:style>
+              <a:lnRef idx="2">
+                <a:schemeClr val="accent1">
+                  <a:shade val="50000"/>
+                </a:schemeClr>
+              </a:lnRef>
+              <a:fillRef idx="1">
+                <a:schemeClr val="accent1"/>
+              </a:fillRef>
+              <a:effectRef idx="0">
+                <a:schemeClr val="accent1"/>
+              </a:effectRef>
+              <a:fontRef idx="minor">
+                <a:schemeClr val="lt1"/>
+              </a:fontRef>
+            </p:style>
+            <p:txBody>
+              <a:bodyPr rtlCol="0" anchor="ctr"/>
+              <a:lstStyle/>
+              <a:p>
+                <a:pPr algn="ctr"/>
+                <a:endParaRPr lang="sv-SE" sz="1400" dirty="0"/>
+              </a:p>
+            </p:txBody>
+          </p:sp>
+        </p:grpSp>
+        <p:sp>
+          <p:nvSpPr>
+            <p:cNvPr id="84" name="Cross 83"/>
+            <p:cNvSpPr/>
+            <p:nvPr/>
+          </p:nvSpPr>
+          <p:spPr>
+            <a:xfrm rot="18807735">
+              <a:off x="5193767" y="5142974"/>
+              <a:ext cx="554010" cy="527433"/>
+            </a:xfrm>
+            <a:prstGeom prst="plus">
+              <a:avLst>
+                <a:gd name="adj" fmla="val 37886"/>
+              </a:avLst>
+            </a:prstGeom>
+            <a:solidFill>
+              <a:srgbClr val="922E2E"/>
+            </a:solidFill>
+            <a:ln w="25400">
+              <a:solidFill>
+                <a:schemeClr val="tx1"/>
+              </a:solidFill>
+            </a:ln>
+            <a:effectLst/>
+          </p:spPr>
+          <p:style>
+            <a:lnRef idx="0">
+              <a:schemeClr val="accent2"/>
+            </a:lnRef>
+            <a:fillRef idx="3">
+              <a:schemeClr val="accent2"/>
+            </a:fillRef>
+            <a:effectRef idx="3">
+              <a:schemeClr val="accent2"/>
+            </a:effectRef>
+            <a:fontRef idx="minor">
+              <a:schemeClr val="lt1"/>
+            </a:fontRef>
+          </p:style>
+          <p:txBody>
+            <a:bodyPr rtlCol="0" anchor="ctr"/>
+            <a:lstStyle/>
+            <a:p>
+              <a:pPr algn="ctr"/>
+              <a:endParaRPr lang="sv-SE" sz="1400"/>
+            </a:p>
+          </p:txBody>
+        </p:sp>
+      </p:grpSp>
     </p:spTree>
     <p:extLst>
       <p:ext uri="{BB962C8B-B14F-4D97-AF65-F5344CB8AC3E}">
@@ -14334,7 +16098,347 @@
   <p:timing>
     <p:tnLst>
       <p:par>
-        <p:cTn id="1" dur="indefinite" restart="never" nodeType="tmRoot"/>
+        <p:cTn id="1" dur="indefinite" restart="never" nodeType="tmRoot">
+          <p:childTnLst>
+            <p:seq concurrent="1" nextAc="seek">
+              <p:cTn id="2" dur="indefinite" nodeType="mainSeq">
+                <p:childTnLst>
+                  <p:par>
+                    <p:cTn id="3" fill="hold">
+                      <p:stCondLst>
+                        <p:cond delay="indefinite"/>
+                      </p:stCondLst>
+                      <p:childTnLst>
+                        <p:par>
+                          <p:cTn id="4" fill="hold">
+                            <p:stCondLst>
+                              <p:cond delay="0"/>
+                            </p:stCondLst>
+                            <p:childTnLst>
+                              <p:par>
+                                <p:cTn id="5" presetID="10" presetClass="entr" presetSubtype="0" fill="hold" nodeType="clickEffect">
+                                  <p:stCondLst>
+                                    <p:cond delay="0"/>
+                                  </p:stCondLst>
+                                  <p:childTnLst>
+                                    <p:set>
+                                      <p:cBhvr>
+                                        <p:cTn id="6" dur="1" fill="hold">
+                                          <p:stCondLst>
+                                            <p:cond delay="0"/>
+                                          </p:stCondLst>
+                                        </p:cTn>
+                                        <p:tgtEl>
+                                          <p:spTgt spid="63"/>
+                                        </p:tgtEl>
+                                        <p:attrNameLst>
+                                          <p:attrName>style.visibility</p:attrName>
+                                        </p:attrNameLst>
+                                      </p:cBhvr>
+                                      <p:to>
+                                        <p:strVal val="visible"/>
+                                      </p:to>
+                                    </p:set>
+                                    <p:animEffect transition="in" filter="fade">
+                                      <p:cBhvr>
+                                        <p:cTn id="7" dur="500"/>
+                                        <p:tgtEl>
+                                          <p:spTgt spid="63"/>
+                                        </p:tgtEl>
+                                      </p:cBhvr>
+                                    </p:animEffect>
+                                  </p:childTnLst>
+                                </p:cTn>
+                              </p:par>
+                            </p:childTnLst>
+                          </p:cTn>
+                        </p:par>
+                      </p:childTnLst>
+                    </p:cTn>
+                  </p:par>
+                  <p:par>
+                    <p:cTn id="8" fill="hold">
+                      <p:stCondLst>
+                        <p:cond delay="indefinite"/>
+                      </p:stCondLst>
+                      <p:childTnLst>
+                        <p:par>
+                          <p:cTn id="9" fill="hold">
+                            <p:stCondLst>
+                              <p:cond delay="0"/>
+                            </p:stCondLst>
+                            <p:childTnLst>
+                              <p:par>
+                                <p:cTn id="10" presetID="10" presetClass="entr" presetSubtype="0" fill="hold" nodeType="clickEffect">
+                                  <p:stCondLst>
+                                    <p:cond delay="0"/>
+                                  </p:stCondLst>
+                                  <p:childTnLst>
+                                    <p:set>
+                                      <p:cBhvr>
+                                        <p:cTn id="11" dur="1" fill="hold">
+                                          <p:stCondLst>
+                                            <p:cond delay="0"/>
+                                          </p:stCondLst>
+                                        </p:cTn>
+                                        <p:tgtEl>
+                                          <p:spTgt spid="82"/>
+                                        </p:tgtEl>
+                                        <p:attrNameLst>
+                                          <p:attrName>style.visibility</p:attrName>
+                                        </p:attrNameLst>
+                                      </p:cBhvr>
+                                      <p:to>
+                                        <p:strVal val="visible"/>
+                                      </p:to>
+                                    </p:set>
+                                    <p:animEffect transition="in" filter="fade">
+                                      <p:cBhvr>
+                                        <p:cTn id="12" dur="500"/>
+                                        <p:tgtEl>
+                                          <p:spTgt spid="82"/>
+                                        </p:tgtEl>
+                                      </p:cBhvr>
+                                    </p:animEffect>
+                                  </p:childTnLst>
+                                </p:cTn>
+                              </p:par>
+                            </p:childTnLst>
+                          </p:cTn>
+                        </p:par>
+                      </p:childTnLst>
+                    </p:cTn>
+                  </p:par>
+                  <p:par>
+                    <p:cTn id="13" fill="hold">
+                      <p:stCondLst>
+                        <p:cond delay="indefinite"/>
+                      </p:stCondLst>
+                      <p:childTnLst>
+                        <p:par>
+                          <p:cTn id="14" fill="hold">
+                            <p:stCondLst>
+                              <p:cond delay="0"/>
+                            </p:stCondLst>
+                            <p:childTnLst>
+                              <p:par>
+                                <p:cTn id="15" presetID="10" presetClass="exit" presetSubtype="0" fill="hold" nodeType="clickEffect">
+                                  <p:stCondLst>
+                                    <p:cond delay="0"/>
+                                  </p:stCondLst>
+                                  <p:childTnLst>
+                                    <p:animEffect transition="out" filter="fade">
+                                      <p:cBhvr>
+                                        <p:cTn id="16" dur="500"/>
+                                        <p:tgtEl>
+                                          <p:spTgt spid="63"/>
+                                        </p:tgtEl>
+                                      </p:cBhvr>
+                                    </p:animEffect>
+                                    <p:set>
+                                      <p:cBhvr>
+                                        <p:cTn id="17" dur="1" fill="hold">
+                                          <p:stCondLst>
+                                            <p:cond delay="499"/>
+                                          </p:stCondLst>
+                                        </p:cTn>
+                                        <p:tgtEl>
+                                          <p:spTgt spid="63"/>
+                                        </p:tgtEl>
+                                        <p:attrNameLst>
+                                          <p:attrName>style.visibility</p:attrName>
+                                        </p:attrNameLst>
+                                      </p:cBhvr>
+                                      <p:to>
+                                        <p:strVal val="hidden"/>
+                                      </p:to>
+                                    </p:set>
+                                  </p:childTnLst>
+                                </p:cTn>
+                              </p:par>
+                              <p:par>
+                                <p:cTn id="18" presetID="10" presetClass="exit" presetSubtype="0" fill="hold" nodeType="withEffect">
+                                  <p:stCondLst>
+                                    <p:cond delay="0"/>
+                                  </p:stCondLst>
+                                  <p:childTnLst>
+                                    <p:animEffect transition="out" filter="fade">
+                                      <p:cBhvr>
+                                        <p:cTn id="19" dur="500"/>
+                                        <p:tgtEl>
+                                          <p:spTgt spid="82"/>
+                                        </p:tgtEl>
+                                      </p:cBhvr>
+                                    </p:animEffect>
+                                    <p:set>
+                                      <p:cBhvr>
+                                        <p:cTn id="20" dur="1" fill="hold">
+                                          <p:stCondLst>
+                                            <p:cond delay="499"/>
+                                          </p:stCondLst>
+                                        </p:cTn>
+                                        <p:tgtEl>
+                                          <p:spTgt spid="82"/>
+                                        </p:tgtEl>
+                                        <p:attrNameLst>
+                                          <p:attrName>style.visibility</p:attrName>
+                                        </p:attrNameLst>
+                                      </p:cBhvr>
+                                      <p:to>
+                                        <p:strVal val="hidden"/>
+                                      </p:to>
+                                    </p:set>
+                                  </p:childTnLst>
+                                </p:cTn>
+                              </p:par>
+                              <p:par>
+                                <p:cTn id="21" presetID="10" presetClass="entr" presetSubtype="0" fill="hold" nodeType="withEffect">
+                                  <p:stCondLst>
+                                    <p:cond delay="0"/>
+                                  </p:stCondLst>
+                                  <p:childTnLst>
+                                    <p:set>
+                                      <p:cBhvr>
+                                        <p:cTn id="22" dur="1" fill="hold">
+                                          <p:stCondLst>
+                                            <p:cond delay="0"/>
+                                          </p:stCondLst>
+                                        </p:cTn>
+                                        <p:tgtEl>
+                                          <p:spTgt spid="64"/>
+                                        </p:tgtEl>
+                                        <p:attrNameLst>
+                                          <p:attrName>style.visibility</p:attrName>
+                                        </p:attrNameLst>
+                                      </p:cBhvr>
+                                      <p:to>
+                                        <p:strVal val="visible"/>
+                                      </p:to>
+                                    </p:set>
+                                    <p:animEffect transition="in" filter="fade">
+                                      <p:cBhvr>
+                                        <p:cTn id="23" dur="500"/>
+                                        <p:tgtEl>
+                                          <p:spTgt spid="64"/>
+                                        </p:tgtEl>
+                                      </p:cBhvr>
+                                    </p:animEffect>
+                                  </p:childTnLst>
+                                </p:cTn>
+                              </p:par>
+                            </p:childTnLst>
+                          </p:cTn>
+                        </p:par>
+                      </p:childTnLst>
+                    </p:cTn>
+                  </p:par>
+                  <p:par>
+                    <p:cTn id="24" fill="hold">
+                      <p:stCondLst>
+                        <p:cond delay="indefinite"/>
+                      </p:stCondLst>
+                      <p:childTnLst>
+                        <p:par>
+                          <p:cTn id="25" fill="hold">
+                            <p:stCondLst>
+                              <p:cond delay="0"/>
+                            </p:stCondLst>
+                            <p:childTnLst>
+                              <p:par>
+                                <p:cTn id="26" presetID="10" presetClass="exit" presetSubtype="0" fill="hold" nodeType="clickEffect">
+                                  <p:stCondLst>
+                                    <p:cond delay="0"/>
+                                  </p:stCondLst>
+                                  <p:childTnLst>
+                                    <p:animEffect transition="out" filter="fade">
+                                      <p:cBhvr>
+                                        <p:cTn id="27" dur="500"/>
+                                        <p:tgtEl>
+                                          <p:spTgt spid="64"/>
+                                        </p:tgtEl>
+                                      </p:cBhvr>
+                                    </p:animEffect>
+                                    <p:set>
+                                      <p:cBhvr>
+                                        <p:cTn id="28" dur="1" fill="hold">
+                                          <p:stCondLst>
+                                            <p:cond delay="499"/>
+                                          </p:stCondLst>
+                                        </p:cTn>
+                                        <p:tgtEl>
+                                          <p:spTgt spid="64"/>
+                                        </p:tgtEl>
+                                        <p:attrNameLst>
+                                          <p:attrName>style.visibility</p:attrName>
+                                        </p:attrNameLst>
+                                      </p:cBhvr>
+                                      <p:to>
+                                        <p:strVal val="hidden"/>
+                                      </p:to>
+                                    </p:set>
+                                  </p:childTnLst>
+                                </p:cTn>
+                              </p:par>
+                              <p:par>
+                                <p:cTn id="29" presetID="10" presetClass="entr" presetSubtype="0" fill="hold" nodeType="withEffect">
+                                  <p:stCondLst>
+                                    <p:cond delay="0"/>
+                                  </p:stCondLst>
+                                  <p:childTnLst>
+                                    <p:set>
+                                      <p:cBhvr>
+                                        <p:cTn id="30" dur="1" fill="hold">
+                                          <p:stCondLst>
+                                            <p:cond delay="0"/>
+                                          </p:stCondLst>
+                                        </p:cTn>
+                                        <p:tgtEl>
+                                          <p:spTgt spid="63"/>
+                                        </p:tgtEl>
+                                        <p:attrNameLst>
+                                          <p:attrName>style.visibility</p:attrName>
+                                        </p:attrNameLst>
+                                      </p:cBhvr>
+                                      <p:to>
+                                        <p:strVal val="visible"/>
+                                      </p:to>
+                                    </p:set>
+                                    <p:animEffect transition="in" filter="fade">
+                                      <p:cBhvr>
+                                        <p:cTn id="31" dur="500"/>
+                                        <p:tgtEl>
+                                          <p:spTgt spid="63"/>
+                                        </p:tgtEl>
+                                      </p:cBhvr>
+                                    </p:animEffect>
+                                  </p:childTnLst>
+                                </p:cTn>
+                              </p:par>
+                            </p:childTnLst>
+                          </p:cTn>
+                        </p:par>
+                      </p:childTnLst>
+                    </p:cTn>
+                  </p:par>
+                </p:childTnLst>
+              </p:cTn>
+              <p:prevCondLst>
+                <p:cond evt="onPrev" delay="0">
+                  <p:tgtEl>
+                    <p:sldTgt/>
+                  </p:tgtEl>
+                </p:cond>
+              </p:prevCondLst>
+              <p:nextCondLst>
+                <p:cond evt="onNext" delay="0">
+                  <p:tgtEl>
+                    <p:sldTgt/>
+                  </p:tgtEl>
+                </p:cond>
+              </p:nextCondLst>
+            </p:seq>
+          </p:childTnLst>
+        </p:cTn>
       </p:par>
     </p:tnLst>
   </p:timing>

--- a/FailingGracefully/QConSP/protoactor.pptx
+++ b/FailingGracefully/QConSP/protoactor.pptx
@@ -6,7 +6,7 @@
     <p:sldMasterId id="2147484500" r:id="rId4"/>
   </p:sldMasterIdLst>
   <p:notesMasterIdLst>
-    <p:notesMasterId r:id="rId36"/>
+    <p:notesMasterId r:id="rId39"/>
   </p:notesMasterIdLst>
   <p:sldIdLst>
     <p:sldId id="540" r:id="rId5"/>
@@ -25,21 +25,24 @@
     <p:sldId id="424" r:id="rId18"/>
     <p:sldId id="441" r:id="rId19"/>
     <p:sldId id="526" r:id="rId20"/>
-    <p:sldId id="527" r:id="rId21"/>
-    <p:sldId id="528" r:id="rId22"/>
-    <p:sldId id="529" r:id="rId23"/>
-    <p:sldId id="530" r:id="rId24"/>
-    <p:sldId id="531" r:id="rId25"/>
-    <p:sldId id="532" r:id="rId26"/>
-    <p:sldId id="533" r:id="rId27"/>
-    <p:sldId id="534" r:id="rId28"/>
-    <p:sldId id="541" r:id="rId29"/>
-    <p:sldId id="539" r:id="rId30"/>
-    <p:sldId id="543" r:id="rId31"/>
-    <p:sldId id="535" r:id="rId32"/>
-    <p:sldId id="536" r:id="rId33"/>
-    <p:sldId id="489" r:id="rId34"/>
-    <p:sldId id="506" r:id="rId35"/>
+    <p:sldId id="544" r:id="rId21"/>
+    <p:sldId id="527" r:id="rId22"/>
+    <p:sldId id="545" r:id="rId23"/>
+    <p:sldId id="546" r:id="rId24"/>
+    <p:sldId id="528" r:id="rId25"/>
+    <p:sldId id="529" r:id="rId26"/>
+    <p:sldId id="530" r:id="rId27"/>
+    <p:sldId id="531" r:id="rId28"/>
+    <p:sldId id="532" r:id="rId29"/>
+    <p:sldId id="533" r:id="rId30"/>
+    <p:sldId id="534" r:id="rId31"/>
+    <p:sldId id="541" r:id="rId32"/>
+    <p:sldId id="539" r:id="rId33"/>
+    <p:sldId id="543" r:id="rId34"/>
+    <p:sldId id="535" r:id="rId35"/>
+    <p:sldId id="536" r:id="rId36"/>
+    <p:sldId id="489" r:id="rId37"/>
+    <p:sldId id="506" r:id="rId38"/>
   </p:sldIdLst>
   <p:sldSz cx="12192000" cy="6858000"/>
   <p:notesSz cx="6858000" cy="9144000"/>
@@ -159,7 +162,10 @@
             <p14:sldId id="424"/>
             <p14:sldId id="441"/>
             <p14:sldId id="526"/>
+            <p14:sldId id="544"/>
             <p14:sldId id="527"/>
+            <p14:sldId id="545"/>
+            <p14:sldId id="546"/>
             <p14:sldId id="528"/>
             <p14:sldId id="529"/>
             <p14:sldId id="530"/>
@@ -952,7 +958,7 @@
                 <a:tabLst/>
                 <a:defRPr/>
               </a:pPr>
-              <a:t>31</a:t>
+              <a:t>34</a:t>
             </a:fld>
             <a:endParaRPr kumimoji="0" lang="sv-SE" sz="1200" b="0" i="0" u="none" strike="noStrike" kern="1200" cap="none" spc="0" normalizeH="0" baseline="0" noProof="0">
               <a:ln>
@@ -7097,8 +7103,17 @@
                 <a:uFillTx/>
                 <a:latin typeface="Calibri" panose="020F0502020204030204"/>
               </a:rPr>
-              <a:t>roger.johansson@betsson.com</a:t>
+              <a:t>rogeralsing@gmail.com</a:t>
             </a:r>
+            <a:endParaRPr kumimoji="0" lang="sv-SE" sz="2400" i="0" u="none" strike="noStrike" kern="1200" cap="none" spc="0" normalizeH="0" baseline="0" noProof="0" dirty="0" smtClean="0">
+              <a:ln w="12700">
+                <a:noFill/>
+              </a:ln>
+              <a:effectLst/>
+              <a:uLnTx/>
+              <a:uFillTx/>
+              <a:latin typeface="Calibri" panose="020F0502020204030204"/>
+            </a:endParaRPr>
           </a:p>
           <a:p>
             <a:pPr>
@@ -7293,7 +7308,7 @@
         </p:nvGrpSpPr>
         <p:grpSpPr>
           <a:xfrm>
-            <a:off x="3449805" y="313324"/>
+            <a:off x="3338573" y="313324"/>
             <a:ext cx="5514854" cy="3207014"/>
             <a:chOff x="1670570" y="1481800"/>
             <a:chExt cx="8511834" cy="4949826"/>
@@ -8611,8 +8626,8 @@
         </p:nvSpPr>
         <p:spPr>
           <a:xfrm>
-            <a:off x="1579782" y="4443574"/>
-            <a:ext cx="9424224" cy="1677382"/>
+            <a:off x="0" y="4443574"/>
+            <a:ext cx="12192000" cy="1677382"/>
           </a:xfrm>
           <a:prstGeom prst="rect">
             <a:avLst/>
@@ -8638,7 +8653,7 @@
                 </a:solidFill>
                 <a:latin typeface="Arial Black" panose="020B0A04020102020204" pitchFamily="34" charset="0"/>
               </a:rPr>
-              <a:t>Fault tolerance</a:t>
+              <a:t>Supervision</a:t>
             </a:r>
             <a:endParaRPr lang="sv-SE" sz="10300" b="1" spc="-1000" dirty="0">
               <a:ln w="15240">
@@ -8654,212 +8669,227 @@
           </a:p>
         </p:txBody>
       </p:sp>
-      <p:sp>
-        <p:nvSpPr>
-          <p:cNvPr id="39" name="Freeform 38"/>
-          <p:cNvSpPr/>
+      <p:grpSp>
+        <p:nvGrpSpPr>
+          <p:cNvPr id="3" name="Group 2"/>
+          <p:cNvGrpSpPr/>
           <p:nvPr/>
-        </p:nvSpPr>
-        <p:spPr>
+        </p:nvGrpSpPr>
+        <p:grpSpPr>
           <a:xfrm>
-            <a:off x="1250718" y="4365932"/>
-            <a:ext cx="806623" cy="683742"/>
+            <a:off x="980459" y="4267611"/>
+            <a:ext cx="1856812" cy="1853345"/>
+            <a:chOff x="200529" y="4267611"/>
+            <a:chExt cx="1856812" cy="1853345"/>
           </a:xfrm>
-          <a:custGeom>
-            <a:avLst/>
-            <a:gdLst>
-              <a:gd name="connsiteX0" fmla="*/ 341871 w 806623"/>
-              <a:gd name="connsiteY0" fmla="*/ 0 h 683742"/>
-              <a:gd name="connsiteX1" fmla="*/ 676796 w 806623"/>
-              <a:gd name="connsiteY1" fmla="*/ 272972 h 683742"/>
-              <a:gd name="connsiteX2" fmla="*/ 679304 w 806623"/>
-              <a:gd name="connsiteY2" fmla="*/ 297850 h 683742"/>
-              <a:gd name="connsiteX3" fmla="*/ 683741 w 806623"/>
-              <a:gd name="connsiteY3" fmla="*/ 296954 h 683742"/>
-              <a:gd name="connsiteX4" fmla="*/ 806623 w 806623"/>
-              <a:gd name="connsiteY4" fmla="*/ 419836 h 683742"/>
-              <a:gd name="connsiteX5" fmla="*/ 683741 w 806623"/>
-              <a:gd name="connsiteY5" fmla="*/ 542718 h 683742"/>
-              <a:gd name="connsiteX6" fmla="*/ 635910 w 806623"/>
-              <a:gd name="connsiteY6" fmla="*/ 533062 h 683742"/>
-              <a:gd name="connsiteX7" fmla="*/ 628165 w 806623"/>
-              <a:gd name="connsiteY7" fmla="*/ 527840 h 683742"/>
-              <a:gd name="connsiteX8" fmla="*/ 625356 w 806623"/>
-              <a:gd name="connsiteY8" fmla="*/ 533015 h 683742"/>
-              <a:gd name="connsiteX9" fmla="*/ 341871 w 806623"/>
-              <a:gd name="connsiteY9" fmla="*/ 683742 h 683742"/>
-              <a:gd name="connsiteX10" fmla="*/ 0 w 806623"/>
-              <a:gd name="connsiteY10" fmla="*/ 341871 h 683742"/>
-              <a:gd name="connsiteX11" fmla="*/ 341871 w 806623"/>
-              <a:gd name="connsiteY11" fmla="*/ 0 h 683742"/>
-            </a:gdLst>
-            <a:ahLst/>
-            <a:cxnLst>
-              <a:cxn ang="0">
-                <a:pos x="connsiteX0" y="connsiteY0"/>
-              </a:cxn>
-              <a:cxn ang="0">
-                <a:pos x="connsiteX1" y="connsiteY1"/>
-              </a:cxn>
-              <a:cxn ang="0">
-                <a:pos x="connsiteX2" y="connsiteY2"/>
-              </a:cxn>
-              <a:cxn ang="0">
-                <a:pos x="connsiteX3" y="connsiteY3"/>
-              </a:cxn>
-              <a:cxn ang="0">
-                <a:pos x="connsiteX4" y="connsiteY4"/>
-              </a:cxn>
-              <a:cxn ang="0">
-                <a:pos x="connsiteX5" y="connsiteY5"/>
-              </a:cxn>
-              <a:cxn ang="0">
-                <a:pos x="connsiteX6" y="connsiteY6"/>
-              </a:cxn>
-              <a:cxn ang="0">
-                <a:pos x="connsiteX7" y="connsiteY7"/>
-              </a:cxn>
-              <a:cxn ang="0">
-                <a:pos x="connsiteX8" y="connsiteY8"/>
-              </a:cxn>
-              <a:cxn ang="0">
-                <a:pos x="connsiteX9" y="connsiteY9"/>
-              </a:cxn>
-              <a:cxn ang="0">
-                <a:pos x="connsiteX10" y="connsiteY10"/>
-              </a:cxn>
-              <a:cxn ang="0">
-                <a:pos x="connsiteX11" y="connsiteY11"/>
-              </a:cxn>
-            </a:cxnLst>
-            <a:rect l="l" t="t" r="r" b="b"/>
-            <a:pathLst>
-              <a:path w="806623" h="683742">
-                <a:moveTo>
-                  <a:pt x="341871" y="0"/>
-                </a:moveTo>
-                <a:cubicBezTo>
-                  <a:pt x="507080" y="0"/>
-                  <a:pt x="644918" y="117187"/>
-                  <a:pt x="676796" y="272972"/>
-                </a:cubicBezTo>
-                <a:lnTo>
-                  <a:pt x="679304" y="297850"/>
-                </a:lnTo>
-                <a:lnTo>
-                  <a:pt x="683741" y="296954"/>
-                </a:lnTo>
-                <a:cubicBezTo>
-                  <a:pt x="751607" y="296954"/>
-                  <a:pt x="806623" y="351970"/>
-                  <a:pt x="806623" y="419836"/>
-                </a:cubicBezTo>
-                <a:cubicBezTo>
-                  <a:pt x="806623" y="487702"/>
-                  <a:pt x="751607" y="542718"/>
-                  <a:pt x="683741" y="542718"/>
-                </a:cubicBezTo>
-                <a:cubicBezTo>
-                  <a:pt x="666775" y="542718"/>
-                  <a:pt x="650611" y="539280"/>
-                  <a:pt x="635910" y="533062"/>
-                </a:cubicBezTo>
-                <a:lnTo>
-                  <a:pt x="628165" y="527840"/>
-                </a:lnTo>
-                <a:lnTo>
-                  <a:pt x="625356" y="533015"/>
-                </a:lnTo>
-                <a:cubicBezTo>
-                  <a:pt x="563919" y="623953"/>
-                  <a:pt x="459877" y="683742"/>
-                  <a:pt x="341871" y="683742"/>
-                </a:cubicBezTo>
-                <a:cubicBezTo>
-                  <a:pt x="153061" y="683742"/>
-                  <a:pt x="0" y="530681"/>
-                  <a:pt x="0" y="341871"/>
-                </a:cubicBezTo>
-                <a:cubicBezTo>
-                  <a:pt x="0" y="153061"/>
-                  <a:pt x="153061" y="0"/>
-                  <a:pt x="341871" y="0"/>
-                </a:cubicBezTo>
-                <a:close/>
-              </a:path>
-            </a:pathLst>
-          </a:custGeom>
-          <a:solidFill>
-            <a:srgbClr val="C00000"/>
-          </a:solidFill>
-          <a:ln w="25400">
+        </p:grpSpPr>
+        <p:sp>
+          <p:nvSpPr>
+            <p:cNvPr id="39" name="Freeform 38"/>
+            <p:cNvSpPr/>
+            <p:nvPr/>
+          </p:nvSpPr>
+          <p:spPr>
+            <a:xfrm>
+              <a:off x="1250718" y="4365932"/>
+              <a:ext cx="806623" cy="683742"/>
+            </a:xfrm>
+            <a:custGeom>
+              <a:avLst/>
+              <a:gdLst>
+                <a:gd name="connsiteX0" fmla="*/ 341871 w 806623"/>
+                <a:gd name="connsiteY0" fmla="*/ 0 h 683742"/>
+                <a:gd name="connsiteX1" fmla="*/ 676796 w 806623"/>
+                <a:gd name="connsiteY1" fmla="*/ 272972 h 683742"/>
+                <a:gd name="connsiteX2" fmla="*/ 679304 w 806623"/>
+                <a:gd name="connsiteY2" fmla="*/ 297850 h 683742"/>
+                <a:gd name="connsiteX3" fmla="*/ 683741 w 806623"/>
+                <a:gd name="connsiteY3" fmla="*/ 296954 h 683742"/>
+                <a:gd name="connsiteX4" fmla="*/ 806623 w 806623"/>
+                <a:gd name="connsiteY4" fmla="*/ 419836 h 683742"/>
+                <a:gd name="connsiteX5" fmla="*/ 683741 w 806623"/>
+                <a:gd name="connsiteY5" fmla="*/ 542718 h 683742"/>
+                <a:gd name="connsiteX6" fmla="*/ 635910 w 806623"/>
+                <a:gd name="connsiteY6" fmla="*/ 533062 h 683742"/>
+                <a:gd name="connsiteX7" fmla="*/ 628165 w 806623"/>
+                <a:gd name="connsiteY7" fmla="*/ 527840 h 683742"/>
+                <a:gd name="connsiteX8" fmla="*/ 625356 w 806623"/>
+                <a:gd name="connsiteY8" fmla="*/ 533015 h 683742"/>
+                <a:gd name="connsiteX9" fmla="*/ 341871 w 806623"/>
+                <a:gd name="connsiteY9" fmla="*/ 683742 h 683742"/>
+                <a:gd name="connsiteX10" fmla="*/ 0 w 806623"/>
+                <a:gd name="connsiteY10" fmla="*/ 341871 h 683742"/>
+                <a:gd name="connsiteX11" fmla="*/ 341871 w 806623"/>
+                <a:gd name="connsiteY11" fmla="*/ 0 h 683742"/>
+              </a:gdLst>
+              <a:ahLst/>
+              <a:cxnLst>
+                <a:cxn ang="0">
+                  <a:pos x="connsiteX0" y="connsiteY0"/>
+                </a:cxn>
+                <a:cxn ang="0">
+                  <a:pos x="connsiteX1" y="connsiteY1"/>
+                </a:cxn>
+                <a:cxn ang="0">
+                  <a:pos x="connsiteX2" y="connsiteY2"/>
+                </a:cxn>
+                <a:cxn ang="0">
+                  <a:pos x="connsiteX3" y="connsiteY3"/>
+                </a:cxn>
+                <a:cxn ang="0">
+                  <a:pos x="connsiteX4" y="connsiteY4"/>
+                </a:cxn>
+                <a:cxn ang="0">
+                  <a:pos x="connsiteX5" y="connsiteY5"/>
+                </a:cxn>
+                <a:cxn ang="0">
+                  <a:pos x="connsiteX6" y="connsiteY6"/>
+                </a:cxn>
+                <a:cxn ang="0">
+                  <a:pos x="connsiteX7" y="connsiteY7"/>
+                </a:cxn>
+                <a:cxn ang="0">
+                  <a:pos x="connsiteX8" y="connsiteY8"/>
+                </a:cxn>
+                <a:cxn ang="0">
+                  <a:pos x="connsiteX9" y="connsiteY9"/>
+                </a:cxn>
+                <a:cxn ang="0">
+                  <a:pos x="connsiteX10" y="connsiteY10"/>
+                </a:cxn>
+                <a:cxn ang="0">
+                  <a:pos x="connsiteX11" y="connsiteY11"/>
+                </a:cxn>
+              </a:cxnLst>
+              <a:rect l="l" t="t" r="r" b="b"/>
+              <a:pathLst>
+                <a:path w="806623" h="683742">
+                  <a:moveTo>
+                    <a:pt x="341871" y="0"/>
+                  </a:moveTo>
+                  <a:cubicBezTo>
+                    <a:pt x="507080" y="0"/>
+                    <a:pt x="644918" y="117187"/>
+                    <a:pt x="676796" y="272972"/>
+                  </a:cubicBezTo>
+                  <a:lnTo>
+                    <a:pt x="679304" y="297850"/>
+                  </a:lnTo>
+                  <a:lnTo>
+                    <a:pt x="683741" y="296954"/>
+                  </a:lnTo>
+                  <a:cubicBezTo>
+                    <a:pt x="751607" y="296954"/>
+                    <a:pt x="806623" y="351970"/>
+                    <a:pt x="806623" y="419836"/>
+                  </a:cubicBezTo>
+                  <a:cubicBezTo>
+                    <a:pt x="806623" y="487702"/>
+                    <a:pt x="751607" y="542718"/>
+                    <a:pt x="683741" y="542718"/>
+                  </a:cubicBezTo>
+                  <a:cubicBezTo>
+                    <a:pt x="666775" y="542718"/>
+                    <a:pt x="650611" y="539280"/>
+                    <a:pt x="635910" y="533062"/>
+                  </a:cubicBezTo>
+                  <a:lnTo>
+                    <a:pt x="628165" y="527840"/>
+                  </a:lnTo>
+                  <a:lnTo>
+                    <a:pt x="625356" y="533015"/>
+                  </a:lnTo>
+                  <a:cubicBezTo>
+                    <a:pt x="563919" y="623953"/>
+                    <a:pt x="459877" y="683742"/>
+                    <a:pt x="341871" y="683742"/>
+                  </a:cubicBezTo>
+                  <a:cubicBezTo>
+                    <a:pt x="153061" y="683742"/>
+                    <a:pt x="0" y="530681"/>
+                    <a:pt x="0" y="341871"/>
+                  </a:cubicBezTo>
+                  <a:cubicBezTo>
+                    <a:pt x="0" y="153061"/>
+                    <a:pt x="153061" y="0"/>
+                    <a:pt x="341871" y="0"/>
+                  </a:cubicBezTo>
+                  <a:close/>
+                </a:path>
+              </a:pathLst>
+            </a:custGeom>
             <a:solidFill>
-              <a:schemeClr val="bg1"/>
+              <a:srgbClr val="C00000"/>
             </a:solidFill>
-          </a:ln>
-          <a:effectLst>
-            <a:innerShdw dist="38100" dir="18480000">
-              <a:schemeClr val="tx1"/>
-            </a:innerShdw>
-          </a:effectLst>
-        </p:spPr>
-        <p:style>
-          <a:lnRef idx="2">
-            <a:schemeClr val="accent1">
-              <a:shade val="50000"/>
-            </a:schemeClr>
-          </a:lnRef>
-          <a:fillRef idx="1">
-            <a:schemeClr val="accent1"/>
-          </a:fillRef>
-          <a:effectRef idx="0">
-            <a:schemeClr val="accent1"/>
-          </a:effectRef>
-          <a:fontRef idx="minor">
-            <a:schemeClr val="lt1"/>
-          </a:fontRef>
-        </p:style>
-        <p:txBody>
-          <a:bodyPr wrap="square" rtlCol="0" anchor="ctr">
-            <a:noAutofit/>
-          </a:bodyPr>
-          <a:lstStyle/>
-          <a:p>
-            <a:pPr algn="ctr"/>
-            <a:endParaRPr lang="sv-SE"/>
-          </a:p>
-        </p:txBody>
-      </p:sp>
-      <p:pic>
-        <p:nvPicPr>
-          <p:cNvPr id="2" name="Picture 1"/>
-          <p:cNvPicPr>
-            <a:picLocks noChangeAspect="1"/>
-          </p:cNvPicPr>
-          <p:nvPr/>
-        </p:nvPicPr>
-        <p:blipFill>
-          <a:blip r:embed="rId2">
-            <a:extLst>
-              <a:ext uri="{28A0092B-C50C-407E-A947-70E740481C1C}">
-                <a14:useLocalDpi xmlns:a14="http://schemas.microsoft.com/office/drawing/2010/main" val="0"/>
-              </a:ext>
-            </a:extLst>
-          </a:blip>
-          <a:stretch>
-            <a:fillRect/>
-          </a:stretch>
-        </p:blipFill>
-        <p:spPr>
-          <a:xfrm>
-            <a:off x="276729" y="4267611"/>
-            <a:ext cx="1767993" cy="1853345"/>
-          </a:xfrm>
-          <a:prstGeom prst="rect">
-            <a:avLst/>
-          </a:prstGeom>
-        </p:spPr>
-      </p:pic>
+            <a:ln w="25400">
+              <a:solidFill>
+                <a:schemeClr val="bg1"/>
+              </a:solidFill>
+            </a:ln>
+            <a:effectLst>
+              <a:innerShdw dist="38100" dir="18480000">
+                <a:schemeClr val="tx1"/>
+              </a:innerShdw>
+            </a:effectLst>
+          </p:spPr>
+          <p:style>
+            <a:lnRef idx="2">
+              <a:schemeClr val="accent1">
+                <a:shade val="50000"/>
+              </a:schemeClr>
+            </a:lnRef>
+            <a:fillRef idx="1">
+              <a:schemeClr val="accent1"/>
+            </a:fillRef>
+            <a:effectRef idx="0">
+              <a:schemeClr val="accent1"/>
+            </a:effectRef>
+            <a:fontRef idx="minor">
+              <a:schemeClr val="lt1"/>
+            </a:fontRef>
+          </p:style>
+          <p:txBody>
+            <a:bodyPr wrap="square" rtlCol="0" anchor="ctr">
+              <a:noAutofit/>
+            </a:bodyPr>
+            <a:lstStyle/>
+            <a:p>
+              <a:pPr algn="ctr"/>
+              <a:endParaRPr lang="sv-SE"/>
+            </a:p>
+          </p:txBody>
+        </p:sp>
+        <p:pic>
+          <p:nvPicPr>
+            <p:cNvPr id="2" name="Picture 1"/>
+            <p:cNvPicPr>
+              <a:picLocks noChangeAspect="1"/>
+            </p:cNvPicPr>
+            <p:nvPr/>
+          </p:nvPicPr>
+          <p:blipFill>
+            <a:blip r:embed="rId2">
+              <a:extLst>
+                <a:ext uri="{28A0092B-C50C-407E-A947-70E740481C1C}">
+                  <a14:useLocalDpi xmlns:a14="http://schemas.microsoft.com/office/drawing/2010/main" val="0"/>
+                </a:ext>
+              </a:extLst>
+            </a:blip>
+            <a:stretch>
+              <a:fillRect/>
+            </a:stretch>
+          </p:blipFill>
+          <p:spPr>
+            <a:xfrm>
+              <a:off x="200529" y="4267611"/>
+              <a:ext cx="1767993" cy="1853345"/>
+            </a:xfrm>
+            <a:prstGeom prst="rect">
+              <a:avLst/>
+            </a:prstGeom>
+          </p:spPr>
+        </p:pic>
+      </p:grpSp>
       <p:sp>
         <p:nvSpPr>
           <p:cNvPr id="36" name="Rounded Rectangle 35"/>
@@ -12687,13 +12717,13 @@
   <p:clrMapOvr>
     <a:masterClrMapping/>
   </p:clrMapOvr>
-  <mc:AlternateContent xmlns:mc="http://schemas.openxmlformats.org/markup-compatibility/2006">
-    <mc:Choice xmlns:p14="http://schemas.microsoft.com/office/powerpoint/2010/main" Requires="p14">
+  <mc:AlternateContent xmlns:mc="http://schemas.openxmlformats.org/markup-compatibility/2006" xmlns:p14="http://schemas.microsoft.com/office/powerpoint/2010/main">
+    <mc:Choice Requires="p14">
       <p:transition spd="med" p14:dur="700">
         <p:fade/>
       </p:transition>
     </mc:Choice>
-    <mc:Fallback>
+    <mc:Fallback xmlns="">
       <p:transition spd="med">
         <p:fade/>
       </p:transition>
@@ -14174,12 +14204,12 @@
           </a:fontRef>
         </p:style>
         <p:txBody>
-          <a:bodyPr rtlCol="0" anchor="ctr"/>
+          <a:bodyPr wrap="none" rtlCol="0" anchor="ctr"/>
           <a:lstStyle/>
           <a:p>
             <a:pPr algn="ctr"/>
             <a:r>
-              <a:rPr lang="sv-SE" sz="1600" b="1" dirty="0" err="1">
+              <a:rPr lang="sv-SE" b="1" dirty="0" err="1">
                 <a:solidFill>
                   <a:schemeClr val="bg1"/>
                 </a:solidFill>
@@ -14187,7 +14217,7 @@
               <a:t>OneForOne</a:t>
             </a:r>
             <a:r>
-              <a:rPr lang="sv-SE" sz="1600" b="1" dirty="0">
+              <a:rPr lang="sv-SE" b="1" dirty="0">
                 <a:solidFill>
                   <a:schemeClr val="bg1"/>
                 </a:solidFill>
@@ -14472,7 +14502,7 @@
           </a:fontRef>
         </p:style>
         <p:txBody>
-          <a:bodyPr rtlCol="0" anchor="ctr"/>
+          <a:bodyPr wrap="none" rtlCol="0" anchor="ctr"/>
           <a:lstStyle/>
           <a:p>
             <a:pPr algn="ctr"/>
@@ -14490,8 +14520,21 @@
                   <a:schemeClr val="bg1"/>
                 </a:solidFill>
               </a:rPr>
-              <a:t> supervisor</a:t>
+              <a:t> </a:t>
             </a:r>
+            <a:r>
+              <a:rPr lang="sv-SE" b="1" dirty="0">
+                <a:solidFill>
+                  <a:schemeClr val="bg1"/>
+                </a:solidFill>
+              </a:rPr>
+              <a:t>supervisor</a:t>
+            </a:r>
+            <a:endParaRPr lang="sv-SE" sz="1600" b="1" dirty="0">
+              <a:solidFill>
+                <a:schemeClr val="bg1"/>
+              </a:solidFill>
+            </a:endParaRPr>
           </a:p>
         </p:txBody>
       </p:sp>
@@ -15596,953 +15639,6 @@
           </a:p>
         </p:txBody>
       </p:sp>
-      <p:grpSp>
-        <p:nvGrpSpPr>
-          <p:cNvPr id="3" name="Group 2"/>
-          <p:cNvGrpSpPr/>
-          <p:nvPr/>
-        </p:nvGrpSpPr>
-        <p:grpSpPr>
-          <a:xfrm>
-            <a:off x="2922259" y="3272304"/>
-            <a:ext cx="3193794" cy="2650426"/>
-            <a:chOff x="3986376" y="1746433"/>
-            <a:chExt cx="3567434" cy="2960499"/>
-          </a:xfrm>
-        </p:grpSpPr>
-        <p:grpSp>
-          <p:nvGrpSpPr>
-            <p:cNvPr id="15" name="Group 14"/>
-            <p:cNvGrpSpPr/>
-            <p:nvPr/>
-          </p:nvGrpSpPr>
-          <p:grpSpPr>
-            <a:xfrm>
-              <a:off x="4174512" y="1976984"/>
-              <a:ext cx="3379298" cy="2729948"/>
-              <a:chOff x="4183910" y="1921566"/>
-              <a:chExt cx="3379298" cy="2729948"/>
-            </a:xfrm>
-          </p:grpSpPr>
-          <p:sp>
-            <p:nvSpPr>
-              <p:cNvPr id="2" name="Rectangle 1"/>
-              <p:cNvSpPr/>
-              <p:nvPr/>
-            </p:nvSpPr>
-            <p:spPr>
-              <a:xfrm>
-                <a:off x="4892899" y="4310270"/>
-                <a:ext cx="543339" cy="341243"/>
-              </a:xfrm>
-              <a:prstGeom prst="rect">
-                <a:avLst/>
-              </a:prstGeom>
-              <a:solidFill>
-                <a:srgbClr val="00B0F0"/>
-              </a:solidFill>
-              <a:ln>
-                <a:noFill/>
-              </a:ln>
-            </p:spPr>
-            <p:style>
-              <a:lnRef idx="2">
-                <a:schemeClr val="accent1">
-                  <a:shade val="50000"/>
-                </a:schemeClr>
-              </a:lnRef>
-              <a:fillRef idx="1">
-                <a:schemeClr val="accent1"/>
-              </a:fillRef>
-              <a:effectRef idx="0">
-                <a:schemeClr val="accent1"/>
-              </a:effectRef>
-              <a:fontRef idx="minor">
-                <a:schemeClr val="lt1"/>
-              </a:fontRef>
-            </p:style>
-            <p:txBody>
-              <a:bodyPr rtlCol="0" anchor="ctr"/>
-              <a:lstStyle/>
-              <a:p>
-                <a:pPr algn="ctr"/>
-                <a:endParaRPr lang="sv-SE"/>
-              </a:p>
-            </p:txBody>
-          </p:sp>
-          <p:sp>
-            <p:nvSpPr>
-              <p:cNvPr id="7" name="Freeform 6"/>
-              <p:cNvSpPr/>
-              <p:nvPr/>
-            </p:nvSpPr>
-            <p:spPr>
-              <a:xfrm>
-                <a:off x="5601888" y="3969026"/>
-                <a:ext cx="543340" cy="682487"/>
-              </a:xfrm>
-              <a:custGeom>
-                <a:avLst/>
-                <a:gdLst>
-                  <a:gd name="connsiteX0" fmla="*/ 0 w 543340"/>
-                  <a:gd name="connsiteY0" fmla="*/ 0 h 927652"/>
-                  <a:gd name="connsiteX1" fmla="*/ 543339 w 543340"/>
-                  <a:gd name="connsiteY1" fmla="*/ 0 h 927652"/>
-                  <a:gd name="connsiteX2" fmla="*/ 543339 w 543340"/>
-                  <a:gd name="connsiteY2" fmla="*/ 463826 h 927652"/>
-                  <a:gd name="connsiteX3" fmla="*/ 543340 w 543340"/>
-                  <a:gd name="connsiteY3" fmla="*/ 463826 h 927652"/>
-                  <a:gd name="connsiteX4" fmla="*/ 543340 w 543340"/>
-                  <a:gd name="connsiteY4" fmla="*/ 927652 h 927652"/>
-                  <a:gd name="connsiteX5" fmla="*/ 1 w 543340"/>
-                  <a:gd name="connsiteY5" fmla="*/ 927652 h 927652"/>
-                  <a:gd name="connsiteX6" fmla="*/ 1 w 543340"/>
-                  <a:gd name="connsiteY6" fmla="*/ 463826 h 927652"/>
-                  <a:gd name="connsiteX7" fmla="*/ 0 w 543340"/>
-                  <a:gd name="connsiteY7" fmla="*/ 463826 h 927652"/>
-                </a:gdLst>
-                <a:ahLst/>
-                <a:cxnLst>
-                  <a:cxn ang="0">
-                    <a:pos x="connsiteX0" y="connsiteY0"/>
-                  </a:cxn>
-                  <a:cxn ang="0">
-                    <a:pos x="connsiteX1" y="connsiteY1"/>
-                  </a:cxn>
-                  <a:cxn ang="0">
-                    <a:pos x="connsiteX2" y="connsiteY2"/>
-                  </a:cxn>
-                  <a:cxn ang="0">
-                    <a:pos x="connsiteX3" y="connsiteY3"/>
-                  </a:cxn>
-                  <a:cxn ang="0">
-                    <a:pos x="connsiteX4" y="connsiteY4"/>
-                  </a:cxn>
-                  <a:cxn ang="0">
-                    <a:pos x="connsiteX5" y="connsiteY5"/>
-                  </a:cxn>
-                  <a:cxn ang="0">
-                    <a:pos x="connsiteX6" y="connsiteY6"/>
-                  </a:cxn>
-                  <a:cxn ang="0">
-                    <a:pos x="connsiteX7" y="connsiteY7"/>
-                  </a:cxn>
-                </a:cxnLst>
-                <a:rect l="l" t="t" r="r" b="b"/>
-                <a:pathLst>
-                  <a:path w="543340" h="927652">
-                    <a:moveTo>
-                      <a:pt x="0" y="0"/>
-                    </a:moveTo>
-                    <a:lnTo>
-                      <a:pt x="543339" y="0"/>
-                    </a:lnTo>
-                    <a:lnTo>
-                      <a:pt x="543339" y="463826"/>
-                    </a:lnTo>
-                    <a:lnTo>
-                      <a:pt x="543340" y="463826"/>
-                    </a:lnTo>
-                    <a:lnTo>
-                      <a:pt x="543340" y="927652"/>
-                    </a:lnTo>
-                    <a:lnTo>
-                      <a:pt x="1" y="927652"/>
-                    </a:lnTo>
-                    <a:lnTo>
-                      <a:pt x="1" y="463826"/>
-                    </a:lnTo>
-                    <a:lnTo>
-                      <a:pt x="0" y="463826"/>
-                    </a:lnTo>
-                    <a:close/>
-                  </a:path>
-                </a:pathLst>
-              </a:custGeom>
-              <a:solidFill>
-                <a:srgbClr val="00B0F0"/>
-              </a:solidFill>
-              <a:ln>
-                <a:noFill/>
-              </a:ln>
-            </p:spPr>
-            <p:style>
-              <a:lnRef idx="2">
-                <a:schemeClr val="accent1">
-                  <a:shade val="50000"/>
-                </a:schemeClr>
-              </a:lnRef>
-              <a:fillRef idx="1">
-                <a:schemeClr val="accent1"/>
-              </a:fillRef>
-              <a:effectRef idx="0">
-                <a:schemeClr val="accent1"/>
-              </a:effectRef>
-              <a:fontRef idx="minor">
-                <a:schemeClr val="lt1"/>
-              </a:fontRef>
-            </p:style>
-            <p:txBody>
-              <a:bodyPr rtlCol="0" anchor="ctr"/>
-              <a:lstStyle/>
-              <a:p>
-                <a:pPr algn="ctr"/>
-                <a:endParaRPr lang="sv-SE"/>
-              </a:p>
-            </p:txBody>
-          </p:sp>
-          <p:sp>
-            <p:nvSpPr>
-              <p:cNvPr id="10" name="Freeform 9"/>
-              <p:cNvSpPr/>
-              <p:nvPr/>
-            </p:nvSpPr>
-            <p:spPr>
-              <a:xfrm>
-                <a:off x="6310878" y="3286540"/>
-                <a:ext cx="543340" cy="1364974"/>
-              </a:xfrm>
-              <a:custGeom>
-                <a:avLst/>
-                <a:gdLst>
-                  <a:gd name="connsiteX0" fmla="*/ 0 w 543340"/>
-                  <a:gd name="connsiteY0" fmla="*/ 0 h 1855304"/>
-                  <a:gd name="connsiteX1" fmla="*/ 543339 w 543340"/>
-                  <a:gd name="connsiteY1" fmla="*/ 0 h 1855304"/>
-                  <a:gd name="connsiteX2" fmla="*/ 543339 w 543340"/>
-                  <a:gd name="connsiteY2" fmla="*/ 463826 h 1855304"/>
-                  <a:gd name="connsiteX3" fmla="*/ 543340 w 543340"/>
-                  <a:gd name="connsiteY3" fmla="*/ 463826 h 1855304"/>
-                  <a:gd name="connsiteX4" fmla="*/ 543340 w 543340"/>
-                  <a:gd name="connsiteY4" fmla="*/ 927652 h 1855304"/>
-                  <a:gd name="connsiteX5" fmla="*/ 543339 w 543340"/>
-                  <a:gd name="connsiteY5" fmla="*/ 927652 h 1855304"/>
-                  <a:gd name="connsiteX6" fmla="*/ 543339 w 543340"/>
-                  <a:gd name="connsiteY6" fmla="*/ 1391478 h 1855304"/>
-                  <a:gd name="connsiteX7" fmla="*/ 543340 w 543340"/>
-                  <a:gd name="connsiteY7" fmla="*/ 1391478 h 1855304"/>
-                  <a:gd name="connsiteX8" fmla="*/ 543340 w 543340"/>
-                  <a:gd name="connsiteY8" fmla="*/ 1855304 h 1855304"/>
-                  <a:gd name="connsiteX9" fmla="*/ 1 w 543340"/>
-                  <a:gd name="connsiteY9" fmla="*/ 1855304 h 1855304"/>
-                  <a:gd name="connsiteX10" fmla="*/ 1 w 543340"/>
-                  <a:gd name="connsiteY10" fmla="*/ 1391478 h 1855304"/>
-                  <a:gd name="connsiteX11" fmla="*/ 0 w 543340"/>
-                  <a:gd name="connsiteY11" fmla="*/ 1391478 h 1855304"/>
-                  <a:gd name="connsiteX12" fmla="*/ 0 w 543340"/>
-                  <a:gd name="connsiteY12" fmla="*/ 927652 h 1855304"/>
-                  <a:gd name="connsiteX13" fmla="*/ 1 w 543340"/>
-                  <a:gd name="connsiteY13" fmla="*/ 927652 h 1855304"/>
-                  <a:gd name="connsiteX14" fmla="*/ 1 w 543340"/>
-                  <a:gd name="connsiteY14" fmla="*/ 463826 h 1855304"/>
-                  <a:gd name="connsiteX15" fmla="*/ 0 w 543340"/>
-                  <a:gd name="connsiteY15" fmla="*/ 463826 h 1855304"/>
-                </a:gdLst>
-                <a:ahLst/>
-                <a:cxnLst>
-                  <a:cxn ang="0">
-                    <a:pos x="connsiteX0" y="connsiteY0"/>
-                  </a:cxn>
-                  <a:cxn ang="0">
-                    <a:pos x="connsiteX1" y="connsiteY1"/>
-                  </a:cxn>
-                  <a:cxn ang="0">
-                    <a:pos x="connsiteX2" y="connsiteY2"/>
-                  </a:cxn>
-                  <a:cxn ang="0">
-                    <a:pos x="connsiteX3" y="connsiteY3"/>
-                  </a:cxn>
-                  <a:cxn ang="0">
-                    <a:pos x="connsiteX4" y="connsiteY4"/>
-                  </a:cxn>
-                  <a:cxn ang="0">
-                    <a:pos x="connsiteX5" y="connsiteY5"/>
-                  </a:cxn>
-                  <a:cxn ang="0">
-                    <a:pos x="connsiteX6" y="connsiteY6"/>
-                  </a:cxn>
-                  <a:cxn ang="0">
-                    <a:pos x="connsiteX7" y="connsiteY7"/>
-                  </a:cxn>
-                  <a:cxn ang="0">
-                    <a:pos x="connsiteX8" y="connsiteY8"/>
-                  </a:cxn>
-                  <a:cxn ang="0">
-                    <a:pos x="connsiteX9" y="connsiteY9"/>
-                  </a:cxn>
-                  <a:cxn ang="0">
-                    <a:pos x="connsiteX10" y="connsiteY10"/>
-                  </a:cxn>
-                  <a:cxn ang="0">
-                    <a:pos x="connsiteX11" y="connsiteY11"/>
-                  </a:cxn>
-                  <a:cxn ang="0">
-                    <a:pos x="connsiteX12" y="connsiteY12"/>
-                  </a:cxn>
-                  <a:cxn ang="0">
-                    <a:pos x="connsiteX13" y="connsiteY13"/>
-                  </a:cxn>
-                  <a:cxn ang="0">
-                    <a:pos x="connsiteX14" y="connsiteY14"/>
-                  </a:cxn>
-                  <a:cxn ang="0">
-                    <a:pos x="connsiteX15" y="connsiteY15"/>
-                  </a:cxn>
-                </a:cxnLst>
-                <a:rect l="l" t="t" r="r" b="b"/>
-                <a:pathLst>
-                  <a:path w="543340" h="1855304">
-                    <a:moveTo>
-                      <a:pt x="0" y="0"/>
-                    </a:moveTo>
-                    <a:lnTo>
-                      <a:pt x="543339" y="0"/>
-                    </a:lnTo>
-                    <a:lnTo>
-                      <a:pt x="543339" y="463826"/>
-                    </a:lnTo>
-                    <a:lnTo>
-                      <a:pt x="543340" y="463826"/>
-                    </a:lnTo>
-                    <a:lnTo>
-                      <a:pt x="543340" y="927652"/>
-                    </a:lnTo>
-                    <a:lnTo>
-                      <a:pt x="543339" y="927652"/>
-                    </a:lnTo>
-                    <a:lnTo>
-                      <a:pt x="543339" y="1391478"/>
-                    </a:lnTo>
-                    <a:lnTo>
-                      <a:pt x="543340" y="1391478"/>
-                    </a:lnTo>
-                    <a:lnTo>
-                      <a:pt x="543340" y="1855304"/>
-                    </a:lnTo>
-                    <a:lnTo>
-                      <a:pt x="1" y="1855304"/>
-                    </a:lnTo>
-                    <a:lnTo>
-                      <a:pt x="1" y="1391478"/>
-                    </a:lnTo>
-                    <a:lnTo>
-                      <a:pt x="0" y="1391478"/>
-                    </a:lnTo>
-                    <a:lnTo>
-                      <a:pt x="0" y="927652"/>
-                    </a:lnTo>
-                    <a:lnTo>
-                      <a:pt x="1" y="927652"/>
-                    </a:lnTo>
-                    <a:lnTo>
-                      <a:pt x="1" y="463826"/>
-                    </a:lnTo>
-                    <a:lnTo>
-                      <a:pt x="0" y="463826"/>
-                    </a:lnTo>
-                    <a:close/>
-                  </a:path>
-                </a:pathLst>
-              </a:custGeom>
-              <a:solidFill>
-                <a:srgbClr val="00B0F0"/>
-              </a:solidFill>
-              <a:ln>
-                <a:noFill/>
-              </a:ln>
-            </p:spPr>
-            <p:style>
-              <a:lnRef idx="2">
-                <a:schemeClr val="accent1">
-                  <a:shade val="50000"/>
-                </a:schemeClr>
-              </a:lnRef>
-              <a:fillRef idx="1">
-                <a:schemeClr val="accent1"/>
-              </a:fillRef>
-              <a:effectRef idx="0">
-                <a:schemeClr val="accent1"/>
-              </a:effectRef>
-              <a:fontRef idx="minor">
-                <a:schemeClr val="lt1"/>
-              </a:fontRef>
-            </p:style>
-            <p:txBody>
-              <a:bodyPr rtlCol="0" anchor="ctr"/>
-              <a:lstStyle/>
-              <a:p>
-                <a:pPr algn="ctr"/>
-                <a:endParaRPr lang="sv-SE"/>
-              </a:p>
-            </p:txBody>
-          </p:sp>
-          <p:sp>
-            <p:nvSpPr>
-              <p:cNvPr id="13" name="Freeform 12"/>
-              <p:cNvSpPr/>
-              <p:nvPr/>
-            </p:nvSpPr>
-            <p:spPr>
-              <a:xfrm>
-                <a:off x="7019868" y="1921566"/>
-                <a:ext cx="543340" cy="2729947"/>
-              </a:xfrm>
-              <a:custGeom>
-                <a:avLst/>
-                <a:gdLst>
-                  <a:gd name="connsiteX0" fmla="*/ 0 w 543340"/>
-                  <a:gd name="connsiteY0" fmla="*/ 0 h 3710608"/>
-                  <a:gd name="connsiteX1" fmla="*/ 543339 w 543340"/>
-                  <a:gd name="connsiteY1" fmla="*/ 0 h 3710608"/>
-                  <a:gd name="connsiteX2" fmla="*/ 543339 w 543340"/>
-                  <a:gd name="connsiteY2" fmla="*/ 463826 h 3710608"/>
-                  <a:gd name="connsiteX3" fmla="*/ 543340 w 543340"/>
-                  <a:gd name="connsiteY3" fmla="*/ 463826 h 3710608"/>
-                  <a:gd name="connsiteX4" fmla="*/ 543340 w 543340"/>
-                  <a:gd name="connsiteY4" fmla="*/ 927652 h 3710608"/>
-                  <a:gd name="connsiteX5" fmla="*/ 543339 w 543340"/>
-                  <a:gd name="connsiteY5" fmla="*/ 927652 h 3710608"/>
-                  <a:gd name="connsiteX6" fmla="*/ 543339 w 543340"/>
-                  <a:gd name="connsiteY6" fmla="*/ 1391478 h 3710608"/>
-                  <a:gd name="connsiteX7" fmla="*/ 543340 w 543340"/>
-                  <a:gd name="connsiteY7" fmla="*/ 1391478 h 3710608"/>
-                  <a:gd name="connsiteX8" fmla="*/ 543340 w 543340"/>
-                  <a:gd name="connsiteY8" fmla="*/ 1855304 h 3710608"/>
-                  <a:gd name="connsiteX9" fmla="*/ 543339 w 543340"/>
-                  <a:gd name="connsiteY9" fmla="*/ 1855304 h 3710608"/>
-                  <a:gd name="connsiteX10" fmla="*/ 543339 w 543340"/>
-                  <a:gd name="connsiteY10" fmla="*/ 2319130 h 3710608"/>
-                  <a:gd name="connsiteX11" fmla="*/ 543340 w 543340"/>
-                  <a:gd name="connsiteY11" fmla="*/ 2319130 h 3710608"/>
-                  <a:gd name="connsiteX12" fmla="*/ 543340 w 543340"/>
-                  <a:gd name="connsiteY12" fmla="*/ 2782956 h 3710608"/>
-                  <a:gd name="connsiteX13" fmla="*/ 543339 w 543340"/>
-                  <a:gd name="connsiteY13" fmla="*/ 2782956 h 3710608"/>
-                  <a:gd name="connsiteX14" fmla="*/ 543339 w 543340"/>
-                  <a:gd name="connsiteY14" fmla="*/ 3246782 h 3710608"/>
-                  <a:gd name="connsiteX15" fmla="*/ 543340 w 543340"/>
-                  <a:gd name="connsiteY15" fmla="*/ 3246782 h 3710608"/>
-                  <a:gd name="connsiteX16" fmla="*/ 543340 w 543340"/>
-                  <a:gd name="connsiteY16" fmla="*/ 3710608 h 3710608"/>
-                  <a:gd name="connsiteX17" fmla="*/ 1 w 543340"/>
-                  <a:gd name="connsiteY17" fmla="*/ 3710608 h 3710608"/>
-                  <a:gd name="connsiteX18" fmla="*/ 1 w 543340"/>
-                  <a:gd name="connsiteY18" fmla="*/ 3246782 h 3710608"/>
-                  <a:gd name="connsiteX19" fmla="*/ 0 w 543340"/>
-                  <a:gd name="connsiteY19" fmla="*/ 3246782 h 3710608"/>
-                  <a:gd name="connsiteX20" fmla="*/ 0 w 543340"/>
-                  <a:gd name="connsiteY20" fmla="*/ 2782956 h 3710608"/>
-                  <a:gd name="connsiteX21" fmla="*/ 1 w 543340"/>
-                  <a:gd name="connsiteY21" fmla="*/ 2782956 h 3710608"/>
-                  <a:gd name="connsiteX22" fmla="*/ 1 w 543340"/>
-                  <a:gd name="connsiteY22" fmla="*/ 2319130 h 3710608"/>
-                  <a:gd name="connsiteX23" fmla="*/ 0 w 543340"/>
-                  <a:gd name="connsiteY23" fmla="*/ 2319130 h 3710608"/>
-                  <a:gd name="connsiteX24" fmla="*/ 0 w 543340"/>
-                  <a:gd name="connsiteY24" fmla="*/ 1855304 h 3710608"/>
-                  <a:gd name="connsiteX25" fmla="*/ 1 w 543340"/>
-                  <a:gd name="connsiteY25" fmla="*/ 1855304 h 3710608"/>
-                  <a:gd name="connsiteX26" fmla="*/ 1 w 543340"/>
-                  <a:gd name="connsiteY26" fmla="*/ 1391478 h 3710608"/>
-                  <a:gd name="connsiteX27" fmla="*/ 0 w 543340"/>
-                  <a:gd name="connsiteY27" fmla="*/ 1391478 h 3710608"/>
-                  <a:gd name="connsiteX28" fmla="*/ 0 w 543340"/>
-                  <a:gd name="connsiteY28" fmla="*/ 927652 h 3710608"/>
-                  <a:gd name="connsiteX29" fmla="*/ 1 w 543340"/>
-                  <a:gd name="connsiteY29" fmla="*/ 927652 h 3710608"/>
-                  <a:gd name="connsiteX30" fmla="*/ 1 w 543340"/>
-                  <a:gd name="connsiteY30" fmla="*/ 463826 h 3710608"/>
-                  <a:gd name="connsiteX31" fmla="*/ 0 w 543340"/>
-                  <a:gd name="connsiteY31" fmla="*/ 463826 h 3710608"/>
-                </a:gdLst>
-                <a:ahLst/>
-                <a:cxnLst>
-                  <a:cxn ang="0">
-                    <a:pos x="connsiteX0" y="connsiteY0"/>
-                  </a:cxn>
-                  <a:cxn ang="0">
-                    <a:pos x="connsiteX1" y="connsiteY1"/>
-                  </a:cxn>
-                  <a:cxn ang="0">
-                    <a:pos x="connsiteX2" y="connsiteY2"/>
-                  </a:cxn>
-                  <a:cxn ang="0">
-                    <a:pos x="connsiteX3" y="connsiteY3"/>
-                  </a:cxn>
-                  <a:cxn ang="0">
-                    <a:pos x="connsiteX4" y="connsiteY4"/>
-                  </a:cxn>
-                  <a:cxn ang="0">
-                    <a:pos x="connsiteX5" y="connsiteY5"/>
-                  </a:cxn>
-                  <a:cxn ang="0">
-                    <a:pos x="connsiteX6" y="connsiteY6"/>
-                  </a:cxn>
-                  <a:cxn ang="0">
-                    <a:pos x="connsiteX7" y="connsiteY7"/>
-                  </a:cxn>
-                  <a:cxn ang="0">
-                    <a:pos x="connsiteX8" y="connsiteY8"/>
-                  </a:cxn>
-                  <a:cxn ang="0">
-                    <a:pos x="connsiteX9" y="connsiteY9"/>
-                  </a:cxn>
-                  <a:cxn ang="0">
-                    <a:pos x="connsiteX10" y="connsiteY10"/>
-                  </a:cxn>
-                  <a:cxn ang="0">
-                    <a:pos x="connsiteX11" y="connsiteY11"/>
-                  </a:cxn>
-                  <a:cxn ang="0">
-                    <a:pos x="connsiteX12" y="connsiteY12"/>
-                  </a:cxn>
-                  <a:cxn ang="0">
-                    <a:pos x="connsiteX13" y="connsiteY13"/>
-                  </a:cxn>
-                  <a:cxn ang="0">
-                    <a:pos x="connsiteX14" y="connsiteY14"/>
-                  </a:cxn>
-                  <a:cxn ang="0">
-                    <a:pos x="connsiteX15" y="connsiteY15"/>
-                  </a:cxn>
-                  <a:cxn ang="0">
-                    <a:pos x="connsiteX16" y="connsiteY16"/>
-                  </a:cxn>
-                  <a:cxn ang="0">
-                    <a:pos x="connsiteX17" y="connsiteY17"/>
-                  </a:cxn>
-                  <a:cxn ang="0">
-                    <a:pos x="connsiteX18" y="connsiteY18"/>
-                  </a:cxn>
-                  <a:cxn ang="0">
-                    <a:pos x="connsiteX19" y="connsiteY19"/>
-                  </a:cxn>
-                  <a:cxn ang="0">
-                    <a:pos x="connsiteX20" y="connsiteY20"/>
-                  </a:cxn>
-                  <a:cxn ang="0">
-                    <a:pos x="connsiteX21" y="connsiteY21"/>
-                  </a:cxn>
-                  <a:cxn ang="0">
-                    <a:pos x="connsiteX22" y="connsiteY22"/>
-                  </a:cxn>
-                  <a:cxn ang="0">
-                    <a:pos x="connsiteX23" y="connsiteY23"/>
-                  </a:cxn>
-                  <a:cxn ang="0">
-                    <a:pos x="connsiteX24" y="connsiteY24"/>
-                  </a:cxn>
-                  <a:cxn ang="0">
-                    <a:pos x="connsiteX25" y="connsiteY25"/>
-                  </a:cxn>
-                  <a:cxn ang="0">
-                    <a:pos x="connsiteX26" y="connsiteY26"/>
-                  </a:cxn>
-                  <a:cxn ang="0">
-                    <a:pos x="connsiteX27" y="connsiteY27"/>
-                  </a:cxn>
-                  <a:cxn ang="0">
-                    <a:pos x="connsiteX28" y="connsiteY28"/>
-                  </a:cxn>
-                  <a:cxn ang="0">
-                    <a:pos x="connsiteX29" y="connsiteY29"/>
-                  </a:cxn>
-                  <a:cxn ang="0">
-                    <a:pos x="connsiteX30" y="connsiteY30"/>
-                  </a:cxn>
-                  <a:cxn ang="0">
-                    <a:pos x="connsiteX31" y="connsiteY31"/>
-                  </a:cxn>
-                </a:cxnLst>
-                <a:rect l="l" t="t" r="r" b="b"/>
-                <a:pathLst>
-                  <a:path w="543340" h="3710608">
-                    <a:moveTo>
-                      <a:pt x="0" y="0"/>
-                    </a:moveTo>
-                    <a:lnTo>
-                      <a:pt x="543339" y="0"/>
-                    </a:lnTo>
-                    <a:lnTo>
-                      <a:pt x="543339" y="463826"/>
-                    </a:lnTo>
-                    <a:lnTo>
-                      <a:pt x="543340" y="463826"/>
-                    </a:lnTo>
-                    <a:lnTo>
-                      <a:pt x="543340" y="927652"/>
-                    </a:lnTo>
-                    <a:lnTo>
-                      <a:pt x="543339" y="927652"/>
-                    </a:lnTo>
-                    <a:lnTo>
-                      <a:pt x="543339" y="1391478"/>
-                    </a:lnTo>
-                    <a:lnTo>
-                      <a:pt x="543340" y="1391478"/>
-                    </a:lnTo>
-                    <a:lnTo>
-                      <a:pt x="543340" y="1855304"/>
-                    </a:lnTo>
-                    <a:lnTo>
-                      <a:pt x="543339" y="1855304"/>
-                    </a:lnTo>
-                    <a:lnTo>
-                      <a:pt x="543339" y="2319130"/>
-                    </a:lnTo>
-                    <a:lnTo>
-                      <a:pt x="543340" y="2319130"/>
-                    </a:lnTo>
-                    <a:lnTo>
-                      <a:pt x="543340" y="2782956"/>
-                    </a:lnTo>
-                    <a:lnTo>
-                      <a:pt x="543339" y="2782956"/>
-                    </a:lnTo>
-                    <a:lnTo>
-                      <a:pt x="543339" y="3246782"/>
-                    </a:lnTo>
-                    <a:lnTo>
-                      <a:pt x="543340" y="3246782"/>
-                    </a:lnTo>
-                    <a:lnTo>
-                      <a:pt x="543340" y="3710608"/>
-                    </a:lnTo>
-                    <a:lnTo>
-                      <a:pt x="1" y="3710608"/>
-                    </a:lnTo>
-                    <a:lnTo>
-                      <a:pt x="1" y="3246782"/>
-                    </a:lnTo>
-                    <a:lnTo>
-                      <a:pt x="0" y="3246782"/>
-                    </a:lnTo>
-                    <a:lnTo>
-                      <a:pt x="0" y="2782956"/>
-                    </a:lnTo>
-                    <a:lnTo>
-                      <a:pt x="1" y="2782956"/>
-                    </a:lnTo>
-                    <a:lnTo>
-                      <a:pt x="1" y="2319130"/>
-                    </a:lnTo>
-                    <a:lnTo>
-                      <a:pt x="0" y="2319130"/>
-                    </a:lnTo>
-                    <a:lnTo>
-                      <a:pt x="0" y="1855304"/>
-                    </a:lnTo>
-                    <a:lnTo>
-                      <a:pt x="1" y="1855304"/>
-                    </a:lnTo>
-                    <a:lnTo>
-                      <a:pt x="1" y="1391478"/>
-                    </a:lnTo>
-                    <a:lnTo>
-                      <a:pt x="0" y="1391478"/>
-                    </a:lnTo>
-                    <a:lnTo>
-                      <a:pt x="0" y="927652"/>
-                    </a:lnTo>
-                    <a:lnTo>
-                      <a:pt x="1" y="927652"/>
-                    </a:lnTo>
-                    <a:lnTo>
-                      <a:pt x="1" y="463826"/>
-                    </a:lnTo>
-                    <a:lnTo>
-                      <a:pt x="0" y="463826"/>
-                    </a:lnTo>
-                    <a:close/>
-                  </a:path>
-                </a:pathLst>
-              </a:custGeom>
-              <a:solidFill>
-                <a:srgbClr val="00B0F0"/>
-              </a:solidFill>
-              <a:ln>
-                <a:noFill/>
-              </a:ln>
-            </p:spPr>
-            <p:style>
-              <a:lnRef idx="2">
-                <a:schemeClr val="accent1">
-                  <a:shade val="50000"/>
-                </a:schemeClr>
-              </a:lnRef>
-              <a:fillRef idx="1">
-                <a:schemeClr val="accent1"/>
-              </a:fillRef>
-              <a:effectRef idx="0">
-                <a:schemeClr val="accent1"/>
-              </a:effectRef>
-              <a:fontRef idx="minor">
-                <a:schemeClr val="lt1"/>
-              </a:fontRef>
-            </p:style>
-            <p:txBody>
-              <a:bodyPr rtlCol="0" anchor="ctr"/>
-              <a:lstStyle/>
-              <a:p>
-                <a:pPr algn="ctr"/>
-                <a:endParaRPr lang="sv-SE"/>
-              </a:p>
-            </p:txBody>
-          </p:sp>
-          <p:sp>
-            <p:nvSpPr>
-              <p:cNvPr id="14" name="Rectangle 13"/>
-              <p:cNvSpPr/>
-              <p:nvPr/>
-            </p:nvSpPr>
-            <p:spPr>
-              <a:xfrm>
-                <a:off x="4183910" y="4495801"/>
-                <a:ext cx="543339" cy="155712"/>
-              </a:xfrm>
-              <a:prstGeom prst="rect">
-                <a:avLst/>
-              </a:prstGeom>
-              <a:solidFill>
-                <a:srgbClr val="00B0F0"/>
-              </a:solidFill>
-              <a:ln>
-                <a:noFill/>
-              </a:ln>
-            </p:spPr>
-            <p:style>
-              <a:lnRef idx="2">
-                <a:schemeClr val="accent1">
-                  <a:shade val="50000"/>
-                </a:schemeClr>
-              </a:lnRef>
-              <a:fillRef idx="1">
-                <a:schemeClr val="accent1"/>
-              </a:fillRef>
-              <a:effectRef idx="0">
-                <a:schemeClr val="accent1"/>
-              </a:effectRef>
-              <a:fontRef idx="minor">
-                <a:schemeClr val="lt1"/>
-              </a:fontRef>
-            </p:style>
-            <p:txBody>
-              <a:bodyPr rtlCol="0" anchor="ctr"/>
-              <a:lstStyle/>
-              <a:p>
-                <a:pPr algn="ctr"/>
-                <a:endParaRPr lang="sv-SE"/>
-              </a:p>
-            </p:txBody>
-          </p:sp>
-        </p:grpSp>
-        <p:sp>
-          <p:nvSpPr>
-            <p:cNvPr id="22" name="Oval 21"/>
-            <p:cNvSpPr/>
-            <p:nvPr/>
-          </p:nvSpPr>
-          <p:spPr>
-            <a:xfrm>
-              <a:off x="3986376" y="1746433"/>
-              <a:ext cx="2880928" cy="2664107"/>
-            </a:xfrm>
-            <a:custGeom>
-              <a:avLst/>
-              <a:gdLst>
-                <a:gd name="connsiteX0" fmla="*/ 0 w 3652260"/>
-                <a:gd name="connsiteY0" fmla="*/ 1466889 h 2933777"/>
-                <a:gd name="connsiteX1" fmla="*/ 1826130 w 3652260"/>
-                <a:gd name="connsiteY1" fmla="*/ 0 h 2933777"/>
-                <a:gd name="connsiteX2" fmla="*/ 3652260 w 3652260"/>
-                <a:gd name="connsiteY2" fmla="*/ 1466889 h 2933777"/>
-                <a:gd name="connsiteX3" fmla="*/ 1826130 w 3652260"/>
-                <a:gd name="connsiteY3" fmla="*/ 2933778 h 2933777"/>
-                <a:gd name="connsiteX4" fmla="*/ 0 w 3652260"/>
-                <a:gd name="connsiteY4" fmla="*/ 1466889 h 2933777"/>
-                <a:gd name="connsiteX0" fmla="*/ 0 w 3703022"/>
-                <a:gd name="connsiteY0" fmla="*/ 183361 h 1650250"/>
-                <a:gd name="connsiteX1" fmla="*/ 3652260 w 3703022"/>
-                <a:gd name="connsiteY1" fmla="*/ 183361 h 1650250"/>
-                <a:gd name="connsiteX2" fmla="*/ 1826130 w 3703022"/>
-                <a:gd name="connsiteY2" fmla="*/ 1650250 h 1650250"/>
-                <a:gd name="connsiteX3" fmla="*/ 0 w 3703022"/>
-                <a:gd name="connsiteY3" fmla="*/ 183361 h 1650250"/>
-                <a:gd name="connsiteX0" fmla="*/ 0 w 3703022"/>
-                <a:gd name="connsiteY0" fmla="*/ 183361 h 1650250"/>
-                <a:gd name="connsiteX1" fmla="*/ 3652260 w 3703022"/>
-                <a:gd name="connsiteY1" fmla="*/ 183361 h 1650250"/>
-                <a:gd name="connsiteX2" fmla="*/ 1826130 w 3703022"/>
-                <a:gd name="connsiteY2" fmla="*/ 1650250 h 1650250"/>
-                <a:gd name="connsiteX3" fmla="*/ 91440 w 3703022"/>
-                <a:gd name="connsiteY3" fmla="*/ 274801 h 1650250"/>
-                <a:gd name="connsiteX0" fmla="*/ 2074136 w 3618575"/>
-                <a:gd name="connsiteY0" fmla="*/ 49954 h 2236371"/>
-                <a:gd name="connsiteX1" fmla="*/ 3567813 w 3618575"/>
-                <a:gd name="connsiteY1" fmla="*/ 769482 h 2236371"/>
-                <a:gd name="connsiteX2" fmla="*/ 1741683 w 3618575"/>
-                <a:gd name="connsiteY2" fmla="*/ 2236371 h 2236371"/>
-                <a:gd name="connsiteX3" fmla="*/ 6993 w 3618575"/>
-                <a:gd name="connsiteY3" fmla="*/ 860922 h 2236371"/>
-                <a:gd name="connsiteX0" fmla="*/ 3567813 w 3618575"/>
-                <a:gd name="connsiteY0" fmla="*/ 0 h 1466889"/>
-                <a:gd name="connsiteX1" fmla="*/ 1741683 w 3618575"/>
-                <a:gd name="connsiteY1" fmla="*/ 1466889 h 1466889"/>
-                <a:gd name="connsiteX2" fmla="*/ 6993 w 3618575"/>
-                <a:gd name="connsiteY2" fmla="*/ 91440 h 1466889"/>
-                <a:gd name="connsiteX0" fmla="*/ 3416248 w 3455189"/>
-                <a:gd name="connsiteY0" fmla="*/ 0 h 1740457"/>
-                <a:gd name="connsiteX1" fmla="*/ 1590118 w 3455189"/>
-                <a:gd name="connsiteY1" fmla="*/ 1466889 h 1740457"/>
-                <a:gd name="connsiteX2" fmla="*/ 5330 w 3455189"/>
-                <a:gd name="connsiteY2" fmla="*/ 1305643 h 1740457"/>
-                <a:gd name="connsiteX0" fmla="*/ 3759978 w 3800157"/>
-                <a:gd name="connsiteY0" fmla="*/ 0 h 2150981"/>
-                <a:gd name="connsiteX1" fmla="*/ 1933848 w 3800157"/>
-                <a:gd name="connsiteY1" fmla="*/ 1466889 h 2150981"/>
-                <a:gd name="connsiteX2" fmla="*/ 4286 w 3800157"/>
-                <a:gd name="connsiteY2" fmla="*/ 1860279 h 2150981"/>
-                <a:gd name="connsiteX0" fmla="*/ 3755692 w 3795871"/>
-                <a:gd name="connsiteY0" fmla="*/ 0 h 1860279"/>
-                <a:gd name="connsiteX1" fmla="*/ 1929562 w 3795871"/>
-                <a:gd name="connsiteY1" fmla="*/ 1466889 h 1860279"/>
-                <a:gd name="connsiteX2" fmla="*/ 0 w 3795871"/>
-                <a:gd name="connsiteY2" fmla="*/ 1860279 h 1860279"/>
-                <a:gd name="connsiteX0" fmla="*/ 3755692 w 3755692"/>
-                <a:gd name="connsiteY0" fmla="*/ 0 h 1860279"/>
-                <a:gd name="connsiteX1" fmla="*/ 0 w 3755692"/>
-                <a:gd name="connsiteY1" fmla="*/ 1860279 h 1860279"/>
-                <a:gd name="connsiteX0" fmla="*/ 3755692 w 3755692"/>
-                <a:gd name="connsiteY0" fmla="*/ 0 h 1860279"/>
-                <a:gd name="connsiteX1" fmla="*/ 0 w 3755692"/>
-                <a:gd name="connsiteY1" fmla="*/ 1860279 h 1860279"/>
-                <a:gd name="connsiteX0" fmla="*/ 3755692 w 3755692"/>
-                <a:gd name="connsiteY0" fmla="*/ 0 h 1860279"/>
-                <a:gd name="connsiteX1" fmla="*/ 0 w 3755692"/>
-                <a:gd name="connsiteY1" fmla="*/ 1860279 h 1860279"/>
-                <a:gd name="connsiteX0" fmla="*/ 3755692 w 3755692"/>
-                <a:gd name="connsiteY0" fmla="*/ 0 h 1860279"/>
-                <a:gd name="connsiteX1" fmla="*/ 0 w 3755692"/>
-                <a:gd name="connsiteY1" fmla="*/ 1860279 h 1860279"/>
-                <a:gd name="connsiteX0" fmla="*/ 3755692 w 3755692"/>
-                <a:gd name="connsiteY0" fmla="*/ 0 h 1860279"/>
-                <a:gd name="connsiteX1" fmla="*/ 0 w 3755692"/>
-                <a:gd name="connsiteY1" fmla="*/ 1860279 h 1860279"/>
-                <a:gd name="connsiteX0" fmla="*/ 3755692 w 3755692"/>
-                <a:gd name="connsiteY0" fmla="*/ 0 h 1860279"/>
-                <a:gd name="connsiteX1" fmla="*/ 0 w 3755692"/>
-                <a:gd name="connsiteY1" fmla="*/ 1860279 h 1860279"/>
-                <a:gd name="connsiteX0" fmla="*/ 3755692 w 3755692"/>
-                <a:gd name="connsiteY0" fmla="*/ 0 h 1860279"/>
-                <a:gd name="connsiteX1" fmla="*/ 0 w 3755692"/>
-                <a:gd name="connsiteY1" fmla="*/ 1860279 h 1860279"/>
-                <a:gd name="connsiteX0" fmla="*/ 3755692 w 3755692"/>
-                <a:gd name="connsiteY0" fmla="*/ 0 h 1860279"/>
-                <a:gd name="connsiteX1" fmla="*/ 0 w 3755692"/>
-                <a:gd name="connsiteY1" fmla="*/ 1860279 h 1860279"/>
-                <a:gd name="connsiteX0" fmla="*/ 3755692 w 3755692"/>
-                <a:gd name="connsiteY0" fmla="*/ 0 h 1860279"/>
-                <a:gd name="connsiteX1" fmla="*/ 0 w 3755692"/>
-                <a:gd name="connsiteY1" fmla="*/ 1860279 h 1860279"/>
-                <a:gd name="connsiteX0" fmla="*/ 3755692 w 3755692"/>
-                <a:gd name="connsiteY0" fmla="*/ 0 h 1860279"/>
-                <a:gd name="connsiteX1" fmla="*/ 0 w 3755692"/>
-                <a:gd name="connsiteY1" fmla="*/ 1860279 h 1860279"/>
-                <a:gd name="connsiteX0" fmla="*/ 3755692 w 3755692"/>
-                <a:gd name="connsiteY0" fmla="*/ 0 h 1860279"/>
-                <a:gd name="connsiteX1" fmla="*/ 0 w 3755692"/>
-                <a:gd name="connsiteY1" fmla="*/ 1860279 h 1860279"/>
-                <a:gd name="connsiteX0" fmla="*/ 3755692 w 3755692"/>
-                <a:gd name="connsiteY0" fmla="*/ 0 h 1860279"/>
-                <a:gd name="connsiteX1" fmla="*/ 0 w 3755692"/>
-                <a:gd name="connsiteY1" fmla="*/ 1860279 h 1860279"/>
-                <a:gd name="connsiteX0" fmla="*/ 3755692 w 3755692"/>
-                <a:gd name="connsiteY0" fmla="*/ 0 h 1860279"/>
-                <a:gd name="connsiteX1" fmla="*/ 0 w 3755692"/>
-                <a:gd name="connsiteY1" fmla="*/ 1860279 h 1860279"/>
-                <a:gd name="connsiteX0" fmla="*/ 3755692 w 3755692"/>
-                <a:gd name="connsiteY0" fmla="*/ 0 h 1860279"/>
-                <a:gd name="connsiteX1" fmla="*/ 0 w 3755692"/>
-                <a:gd name="connsiteY1" fmla="*/ 1860279 h 1860279"/>
-                <a:gd name="connsiteX0" fmla="*/ 3755692 w 3755692"/>
-                <a:gd name="connsiteY0" fmla="*/ 0 h 1860279"/>
-                <a:gd name="connsiteX1" fmla="*/ 0 w 3755692"/>
-                <a:gd name="connsiteY1" fmla="*/ 1860279 h 1860279"/>
-                <a:gd name="connsiteX0" fmla="*/ 3755692 w 3755692"/>
-                <a:gd name="connsiteY0" fmla="*/ 0 h 1860279"/>
-                <a:gd name="connsiteX1" fmla="*/ 0 w 3755692"/>
-                <a:gd name="connsiteY1" fmla="*/ 1860279 h 1860279"/>
-                <a:gd name="connsiteX0" fmla="*/ 3755692 w 3755692"/>
-                <a:gd name="connsiteY0" fmla="*/ 0 h 1860279"/>
-                <a:gd name="connsiteX1" fmla="*/ 0 w 3755692"/>
-                <a:gd name="connsiteY1" fmla="*/ 1860279 h 1860279"/>
-                <a:gd name="connsiteX0" fmla="*/ 3755692 w 3755692"/>
-                <a:gd name="connsiteY0" fmla="*/ 0 h 1860279"/>
-                <a:gd name="connsiteX1" fmla="*/ 0 w 3755692"/>
-                <a:gd name="connsiteY1" fmla="*/ 1860279 h 1860279"/>
-                <a:gd name="connsiteX0" fmla="*/ 3755692 w 3755692"/>
-                <a:gd name="connsiteY0" fmla="*/ 0 h 1860279"/>
-                <a:gd name="connsiteX1" fmla="*/ 0 w 3755692"/>
-                <a:gd name="connsiteY1" fmla="*/ 1860279 h 1860279"/>
-              </a:gdLst>
-              <a:ahLst/>
-              <a:cxnLst>
-                <a:cxn ang="0">
-                  <a:pos x="connsiteX0" y="connsiteY0"/>
-                </a:cxn>
-                <a:cxn ang="0">
-                  <a:pos x="connsiteX1" y="connsiteY1"/>
-                </a:cxn>
-              </a:cxnLst>
-              <a:rect l="l" t="t" r="r" b="b"/>
-              <a:pathLst>
-                <a:path w="3755692" h="1860279">
-                  <a:moveTo>
-                    <a:pt x="3755692" y="0"/>
-                  </a:moveTo>
-                  <a:cubicBezTo>
-                    <a:pt x="2797338" y="1397646"/>
-                    <a:pt x="1653862" y="1643461"/>
-                    <a:pt x="0" y="1860279"/>
-                  </a:cubicBezTo>
-                </a:path>
-              </a:pathLst>
-            </a:custGeom>
-            <a:noFill/>
-            <a:ln w="63500">
-              <a:solidFill>
-                <a:srgbClr val="58EC9F"/>
-              </a:solidFill>
-              <a:prstDash val="sysDash"/>
-              <a:headEnd type="triangle" w="med" len="lg"/>
-            </a:ln>
-          </p:spPr>
-          <p:style>
-            <a:lnRef idx="2">
-              <a:schemeClr val="accent1">
-                <a:shade val="50000"/>
-              </a:schemeClr>
-            </a:lnRef>
-            <a:fillRef idx="1">
-              <a:schemeClr val="accent1"/>
-            </a:fillRef>
-            <a:effectRef idx="0">
-              <a:schemeClr val="accent1"/>
-            </a:effectRef>
-            <a:fontRef idx="minor">
-              <a:schemeClr val="lt1"/>
-            </a:fontRef>
-          </p:style>
-          <p:txBody>
-            <a:bodyPr rtlCol="0" anchor="ctr"/>
-            <a:lstStyle/>
-            <a:p>
-              <a:pPr algn="ctr"/>
-              <a:endParaRPr lang="sv-SE"/>
-            </a:p>
-          </p:txBody>
-        </p:sp>
-      </p:grpSp>
       <p:sp>
         <p:nvSpPr>
           <p:cNvPr id="12" name="TextBox 11"/>
@@ -16551,8 +15647,8 @@
         </p:nvSpPr>
         <p:spPr>
           <a:xfrm>
-            <a:off x="2113320" y="922376"/>
-            <a:ext cx="7965359" cy="1107996"/>
+            <a:off x="0" y="922376"/>
+            <a:ext cx="12192000" cy="1107996"/>
           </a:xfrm>
           <a:prstGeom prst="rect">
             <a:avLst/>
@@ -16580,9 +15676,10 @@
           </a:lstStyle>
           <a:p>
             <a:r>
-              <a:rPr lang="sv-SE" dirty="0"/>
-              <a:t>Exponential Backoff</a:t>
+              <a:rPr lang="sv-SE" dirty="0" smtClean="0"/>
+              <a:t>Redshirt - Character Actor</a:t>
             </a:r>
+            <a:endParaRPr lang="sv-SE" dirty="0"/>
           </a:p>
         </p:txBody>
       </p:sp>
@@ -16594,7 +15691,7 @@
         </p:nvGrpSpPr>
         <p:grpSpPr>
           <a:xfrm>
-            <a:off x="7156970" y="3335539"/>
+            <a:off x="5290636" y="3335539"/>
             <a:ext cx="1610726" cy="2891319"/>
             <a:chOff x="1670570" y="3540307"/>
             <a:chExt cx="1610726" cy="2891319"/>
@@ -16762,122 +15859,65 @@
             </a:fontRef>
           </p:style>
         </p:cxnSp>
-        <p:grpSp>
-          <p:nvGrpSpPr>
-            <p:cNvPr id="21" name="Group 20"/>
-            <p:cNvGrpSpPr/>
+        <p:sp>
+          <p:nvSpPr>
+            <p:cNvPr id="23" name="Oval 22"/>
+            <p:cNvSpPr/>
             <p:nvPr/>
-          </p:nvGrpSpPr>
-          <p:grpSpPr>
+          </p:nvSpPr>
+          <p:spPr>
             <a:xfrm>
               <a:off x="1977169" y="5108400"/>
               <a:ext cx="997527" cy="997527"/>
-              <a:chOff x="1978560" y="5109171"/>
-              <a:chExt cx="997527" cy="997527"/>
             </a:xfrm>
+            <a:prstGeom prst="ellipse">
+              <a:avLst/>
+            </a:prstGeom>
+            <a:solidFill>
+              <a:srgbClr val="FF493E"/>
+            </a:solidFill>
+            <a:ln w="38100">
+              <a:solidFill>
+                <a:srgbClr val="DB5151"/>
+              </a:solidFill>
+            </a:ln>
             <a:effectLst/>
-          </p:grpSpPr>
-          <p:sp>
-            <p:nvSpPr>
-              <p:cNvPr id="23" name="Oval 22"/>
-              <p:cNvSpPr/>
-              <p:nvPr/>
-            </p:nvSpPr>
-            <p:spPr>
-              <a:xfrm>
-                <a:off x="1978560" y="5109171"/>
-                <a:ext cx="997527" cy="997527"/>
-              </a:xfrm>
-              <a:prstGeom prst="ellipse">
-                <a:avLst/>
-              </a:prstGeom>
-              <a:solidFill>
-                <a:srgbClr val="FF493E"/>
-              </a:solidFill>
-              <a:ln w="38100">
-                <a:solidFill>
-                  <a:srgbClr val="DB5151"/>
-                </a:solidFill>
-              </a:ln>
-              <a:effectLst/>
-            </p:spPr>
-            <p:style>
-              <a:lnRef idx="3">
-                <a:schemeClr val="lt1"/>
-              </a:lnRef>
-              <a:fillRef idx="1">
-                <a:schemeClr val="accent1"/>
-              </a:fillRef>
-              <a:effectRef idx="1">
-                <a:schemeClr val="accent1"/>
-              </a:effectRef>
-              <a:fontRef idx="minor">
-                <a:schemeClr val="lt1"/>
-              </a:fontRef>
-            </p:style>
-            <p:txBody>
-              <a:bodyPr rtlCol="0" anchor="ctr"/>
-              <a:lstStyle/>
-              <a:p>
-                <a:pPr algn="ctr"/>
-                <a:endParaRPr lang="sv-SE" sz="1400" dirty="0">
+          </p:spPr>
+          <p:style>
+            <a:lnRef idx="3">
+              <a:schemeClr val="lt1"/>
+            </a:lnRef>
+            <a:fillRef idx="1">
+              <a:schemeClr val="accent1"/>
+            </a:fillRef>
+            <a:effectRef idx="1">
+              <a:schemeClr val="accent1"/>
+            </a:effectRef>
+            <a:fontRef idx="minor">
+              <a:schemeClr val="lt1"/>
+            </a:fontRef>
+          </p:style>
+          <p:txBody>
+            <a:bodyPr wrap="none" rtlCol="0" anchor="ctr"/>
+            <a:lstStyle/>
+            <a:p>
+              <a:pPr algn="ctr"/>
+              <a:r>
+                <a:rPr lang="sv-SE" b="1" dirty="0" smtClean="0">
                   <a:solidFill>
                     <a:schemeClr val="tx1"/>
                   </a:solidFill>
-                </a:endParaRPr>
-              </a:p>
-            </p:txBody>
-          </p:sp>
-          <p:sp>
-            <p:nvSpPr>
-              <p:cNvPr id="24" name="Cross 23"/>
-              <p:cNvSpPr/>
-              <p:nvPr/>
-            </p:nvSpPr>
-            <p:spPr>
-              <a:xfrm rot="18807735">
-                <a:off x="2200318" y="5366639"/>
-                <a:ext cx="554010" cy="527433"/>
-              </a:xfrm>
-              <a:prstGeom prst="plus">
-                <a:avLst>
-                  <a:gd name="adj" fmla="val 37886"/>
-                </a:avLst>
-              </a:prstGeom>
-              <a:solidFill>
-                <a:srgbClr val="922E2E"/>
-              </a:solidFill>
-              <a:ln w="25400">
+                </a:rPr>
+                <a:t>child</a:t>
+              </a:r>
+              <a:endParaRPr lang="sv-SE" b="1" dirty="0">
                 <a:solidFill>
                   <a:schemeClr val="tx1"/>
                 </a:solidFill>
-              </a:ln>
-              <a:effectLst/>
-            </p:spPr>
-            <p:style>
-              <a:lnRef idx="0">
-                <a:schemeClr val="accent2"/>
-              </a:lnRef>
-              <a:fillRef idx="3">
-                <a:schemeClr val="accent2"/>
-              </a:fillRef>
-              <a:effectRef idx="3">
-                <a:schemeClr val="accent2"/>
-              </a:effectRef>
-              <a:fontRef idx="minor">
-                <a:schemeClr val="lt1"/>
-              </a:fontRef>
-            </p:style>
-            <p:txBody>
-              <a:bodyPr rtlCol="0" anchor="ctr"/>
-              <a:lstStyle/>
-              <a:p>
-                <a:pPr algn="ctr"/>
-                <a:endParaRPr lang="sv-SE" sz="1400"/>
-              </a:p>
-            </p:txBody>
-          </p:sp>
-        </p:grpSp>
+              </a:endParaRPr>
+            </a:p>
+          </p:txBody>
+        </p:sp>
         <p:sp>
           <p:nvSpPr>
             <p:cNvPr id="25" name="b1 supervising"/>
@@ -16893,19 +15933,10 @@
               <a:avLst/>
             </a:prstGeom>
             <a:solidFill>
-              <a:schemeClr val="accent6">
-                <a:lumMod val="60000"/>
-                <a:lumOff val="40000"/>
-              </a:schemeClr>
+              <a:srgbClr val="43BFF7"/>
             </a:solidFill>
             <a:ln w="168275">
-              <a:solidFill>
-                <a:schemeClr val="accent6">
-                  <a:lumMod val="60000"/>
-                  <a:lumOff val="40000"/>
-                  <a:alpha val="30000"/>
-                </a:schemeClr>
-              </a:solidFill>
+              <a:noFill/>
             </a:ln>
           </p:spPr>
           <p:style>
@@ -16930,14 +15961,150 @@
             <a:p>
               <a:pPr algn="ctr"/>
               <a:r>
-                <a:rPr lang="sv-SE" sz="1400" b="1" dirty="0" smtClean="0"/>
-                <a:t>/parent</a:t>
+                <a:rPr lang="sv-SE" b="1" dirty="0" smtClean="0"/>
+                <a:t>parent</a:t>
               </a:r>
-              <a:endParaRPr lang="sv-SE" sz="1400" b="1" dirty="0"/>
+              <a:endParaRPr lang="sv-SE" b="1" dirty="0"/>
             </a:p>
           </p:txBody>
         </p:sp>
       </p:grpSp>
+      <p:sp>
+        <p:nvSpPr>
+          <p:cNvPr id="26" name="Oval Callout 25"/>
+          <p:cNvSpPr/>
+          <p:nvPr/>
+        </p:nvSpPr>
+        <p:spPr>
+          <a:xfrm>
+            <a:off x="1672495" y="3398125"/>
+            <a:ext cx="3017840" cy="872354"/>
+          </a:xfrm>
+          <a:prstGeom prst="wedgeEllipseCallout">
+            <a:avLst>
+              <a:gd name="adj1" fmla="val 67095"/>
+              <a:gd name="adj2" fmla="val -1663"/>
+            </a:avLst>
+          </a:prstGeom>
+          <a:solidFill>
+            <a:schemeClr val="tx1"/>
+          </a:solidFill>
+          <a:ln w="38100">
+            <a:solidFill>
+              <a:schemeClr val="bg1"/>
+            </a:solidFill>
+          </a:ln>
+        </p:spPr>
+        <p:style>
+          <a:lnRef idx="2">
+            <a:schemeClr val="accent1">
+              <a:shade val="50000"/>
+            </a:schemeClr>
+          </a:lnRef>
+          <a:fillRef idx="1">
+            <a:schemeClr val="accent1"/>
+          </a:fillRef>
+          <a:effectRef idx="0">
+            <a:schemeClr val="accent1"/>
+          </a:effectRef>
+          <a:fontRef idx="minor">
+            <a:schemeClr val="lt1"/>
+          </a:fontRef>
+        </p:style>
+        <p:txBody>
+          <a:bodyPr rtlCol="0" anchor="ctr"/>
+          <a:lstStyle/>
+          <a:p>
+            <a:pPr algn="ctr"/>
+            <a:r>
+              <a:rPr lang="sv-SE" b="1" dirty="0" smtClean="0">
+                <a:solidFill>
+                  <a:schemeClr val="bg1"/>
+                </a:solidFill>
+              </a:rPr>
+              <a:t>Protect state by delegating work</a:t>
+            </a:r>
+            <a:endParaRPr lang="sv-SE" b="1" dirty="0">
+              <a:solidFill>
+                <a:schemeClr val="bg1"/>
+              </a:solidFill>
+            </a:endParaRPr>
+          </a:p>
+        </p:txBody>
+      </p:sp>
+      <p:sp>
+        <p:nvSpPr>
+          <p:cNvPr id="27" name="Oval Callout 26"/>
+          <p:cNvSpPr/>
+          <p:nvPr/>
+        </p:nvSpPr>
+        <p:spPr>
+          <a:xfrm>
+            <a:off x="1672495" y="4966218"/>
+            <a:ext cx="3017840" cy="872354"/>
+          </a:xfrm>
+          <a:prstGeom prst="wedgeEllipseCallout">
+            <a:avLst>
+              <a:gd name="adj1" fmla="val 67095"/>
+              <a:gd name="adj2" fmla="val -1663"/>
+            </a:avLst>
+          </a:prstGeom>
+          <a:solidFill>
+            <a:schemeClr val="tx1"/>
+          </a:solidFill>
+          <a:ln w="38100">
+            <a:solidFill>
+              <a:schemeClr val="bg1"/>
+            </a:solidFill>
+          </a:ln>
+        </p:spPr>
+        <p:style>
+          <a:lnRef idx="2">
+            <a:schemeClr val="accent1">
+              <a:shade val="50000"/>
+            </a:schemeClr>
+          </a:lnRef>
+          <a:fillRef idx="1">
+            <a:schemeClr val="accent1"/>
+          </a:fillRef>
+          <a:effectRef idx="0">
+            <a:schemeClr val="accent1"/>
+          </a:effectRef>
+          <a:fontRef idx="minor">
+            <a:schemeClr val="lt1"/>
+          </a:fontRef>
+        </p:style>
+        <p:txBody>
+          <a:bodyPr rtlCol="0" anchor="ctr"/>
+          <a:lstStyle/>
+          <a:p>
+            <a:pPr algn="ctr"/>
+            <a:r>
+              <a:rPr lang="sv-SE" b="1" dirty="0" smtClean="0">
+                <a:solidFill>
+                  <a:schemeClr val="bg1"/>
+                </a:solidFill>
+              </a:rPr>
+              <a:t>Performs work, </a:t>
+            </a:r>
+            <a:br>
+              <a:rPr lang="sv-SE" b="1" dirty="0" smtClean="0">
+                <a:solidFill>
+                  <a:schemeClr val="bg1"/>
+                </a:solidFill>
+              </a:rPr>
+            </a:br>
+            <a:r>
+              <a:rPr lang="sv-SE" b="1" dirty="0" smtClean="0">
+                <a:solidFill>
+                  <a:schemeClr val="bg1"/>
+                </a:solidFill>
+              </a:rPr>
+              <a:t>can be restarted</a:t>
+            </a:r>
+          </a:p>
+        </p:txBody>
+      </p:sp>
     </p:spTree>
     <p:extLst>
       <p:ext uri="{BB962C8B-B14F-4D97-AF65-F5344CB8AC3E}">
@@ -16985,13 +16152,1627 @@
       </p:grpSpPr>
       <p:sp>
         <p:nvSpPr>
+          <p:cNvPr id="16" name="Rounded Rectangle 15"/>
+          <p:cNvSpPr/>
+          <p:nvPr/>
+        </p:nvSpPr>
+        <p:spPr>
+          <a:xfrm>
+            <a:off x="0" y="2636976"/>
+            <a:ext cx="12192000" cy="264970"/>
+          </a:xfrm>
+          <a:prstGeom prst="roundRect">
+            <a:avLst>
+              <a:gd name="adj" fmla="val 0"/>
+            </a:avLst>
+          </a:prstGeom>
+          <a:solidFill>
+            <a:srgbClr val="233B50"/>
+          </a:solidFill>
+          <a:ln/>
+          <a:effectLst/>
+        </p:spPr>
+        <p:style>
+          <a:lnRef idx="0">
+            <a:schemeClr val="accent5"/>
+          </a:lnRef>
+          <a:fillRef idx="3">
+            <a:schemeClr val="accent5"/>
+          </a:fillRef>
+          <a:effectRef idx="3">
+            <a:schemeClr val="accent5"/>
+          </a:effectRef>
+          <a:fontRef idx="minor">
+            <a:schemeClr val="lt1"/>
+          </a:fontRef>
+        </p:style>
+        <p:txBody>
+          <a:bodyPr rtlCol="0" anchor="ctr" anchorCtr="0"/>
+          <a:lstStyle/>
+          <a:p>
+            <a:endParaRPr lang="sv-SE" sz="4000" dirty="0">
+              <a:solidFill>
+                <a:schemeClr val="tx1"/>
+              </a:solidFill>
+            </a:endParaRPr>
+          </a:p>
+        </p:txBody>
+      </p:sp>
+      <p:sp>
+        <p:nvSpPr>
+          <p:cNvPr id="11" name="Rounded Rectangle 10"/>
+          <p:cNvSpPr/>
+          <p:nvPr/>
+        </p:nvSpPr>
+        <p:spPr>
+          <a:xfrm>
+            <a:off x="0" y="0"/>
+            <a:ext cx="12192000" cy="2637495"/>
+          </a:xfrm>
+          <a:prstGeom prst="roundRect">
+            <a:avLst>
+              <a:gd name="adj" fmla="val 0"/>
+            </a:avLst>
+          </a:prstGeom>
+          <a:solidFill>
+            <a:srgbClr val="282828"/>
+          </a:solidFill>
+          <a:ln/>
+          <a:effectLst/>
+        </p:spPr>
+        <p:style>
+          <a:lnRef idx="0">
+            <a:schemeClr val="accent5"/>
+          </a:lnRef>
+          <a:fillRef idx="3">
+            <a:schemeClr val="accent5"/>
+          </a:fillRef>
+          <a:effectRef idx="3">
+            <a:schemeClr val="accent5"/>
+          </a:effectRef>
+          <a:fontRef idx="minor">
+            <a:schemeClr val="lt1"/>
+          </a:fontRef>
+        </p:style>
+        <p:txBody>
+          <a:bodyPr rtlCol="0" anchor="ctr" anchorCtr="0"/>
+          <a:lstStyle/>
+          <a:p>
+            <a:endParaRPr lang="sv-SE" sz="4000" dirty="0">
+              <a:solidFill>
+                <a:schemeClr val="tx1"/>
+              </a:solidFill>
+            </a:endParaRPr>
+          </a:p>
+        </p:txBody>
+      </p:sp>
+      <p:sp>
+        <p:nvSpPr>
+          <p:cNvPr id="12" name="TextBox 11"/>
+          <p:cNvSpPr txBox="1"/>
+          <p:nvPr/>
+        </p:nvSpPr>
+        <p:spPr>
+          <a:xfrm>
+            <a:off x="0" y="922376"/>
+            <a:ext cx="12192000" cy="1107996"/>
+          </a:xfrm>
+          <a:prstGeom prst="rect">
+            <a:avLst/>
+          </a:prstGeom>
+          <a:noFill/>
+          <a:effectLst>
+            <a:outerShdw dist="88900" dir="2700000" algn="tl" rotWithShape="0">
+              <a:prstClr val="black"/>
+            </a:outerShdw>
+          </a:effectLst>
+        </p:spPr>
+        <p:txBody>
+          <a:bodyPr wrap="square" rtlCol="0">
+            <a:spAutoFit/>
+          </a:bodyPr>
+          <a:lstStyle>
+            <a:defPPr>
+              <a:defRPr lang="sv-SE"/>
+            </a:defPPr>
+            <a:lvl1pPr algn="ctr">
+              <a:defRPr sz="6600" b="1">
+                <a:latin typeface="Lobster Two" panose="02000506000000020003" pitchFamily="50" charset="0"/>
+              </a:defRPr>
+            </a:lvl1pPr>
+          </a:lstStyle>
+          <a:p>
+            <a:r>
+              <a:rPr lang="sv-SE" dirty="0"/>
+              <a:t>Exponential Backoff</a:t>
+            </a:r>
+          </a:p>
+        </p:txBody>
+      </p:sp>
+      <p:grpSp>
+        <p:nvGrpSpPr>
+          <p:cNvPr id="4" name="Group 3"/>
+          <p:cNvGrpSpPr/>
+          <p:nvPr/>
+        </p:nvGrpSpPr>
+        <p:grpSpPr>
+          <a:xfrm>
+            <a:off x="5290636" y="3335539"/>
+            <a:ext cx="1610726" cy="2891319"/>
+            <a:chOff x="1670570" y="3540307"/>
+            <a:chExt cx="1610726" cy="2891319"/>
+          </a:xfrm>
+        </p:grpSpPr>
+        <p:grpSp>
+          <p:nvGrpSpPr>
+            <p:cNvPr id="17" name="Group 16"/>
+            <p:cNvGrpSpPr/>
+            <p:nvPr/>
+          </p:nvGrpSpPr>
+          <p:grpSpPr>
+            <a:xfrm>
+              <a:off x="1670570" y="4802285"/>
+              <a:ext cx="1610726" cy="1629341"/>
+              <a:chOff x="1627954" y="4762555"/>
+              <a:chExt cx="1610726" cy="1629341"/>
+            </a:xfrm>
+          </p:grpSpPr>
+          <p:sp>
+            <p:nvSpPr>
+              <p:cNvPr id="18" name="Oval 17"/>
+              <p:cNvSpPr/>
+              <p:nvPr/>
+            </p:nvSpPr>
+            <p:spPr>
+              <a:xfrm>
+                <a:off x="1627954" y="4762555"/>
+                <a:ext cx="1610726" cy="1627411"/>
+              </a:xfrm>
+              <a:prstGeom prst="ellipse">
+                <a:avLst/>
+              </a:prstGeom>
+              <a:solidFill>
+                <a:srgbClr val="B04242"/>
+              </a:solidFill>
+              <a:ln w="234950">
+                <a:solidFill>
+                  <a:srgbClr val="B04242">
+                    <a:alpha val="54000"/>
+                  </a:srgbClr>
+                </a:solidFill>
+              </a:ln>
+              <a:effectLst/>
+            </p:spPr>
+            <p:style>
+              <a:lnRef idx="2">
+                <a:schemeClr val="accent1">
+                  <a:shade val="50000"/>
+                </a:schemeClr>
+              </a:lnRef>
+              <a:fillRef idx="1">
+                <a:schemeClr val="accent1"/>
+              </a:fillRef>
+              <a:effectRef idx="0">
+                <a:schemeClr val="accent1"/>
+              </a:effectRef>
+              <a:fontRef idx="minor">
+                <a:schemeClr val="lt1"/>
+              </a:fontRef>
+            </p:style>
+            <p:txBody>
+              <a:bodyPr rtlCol="0" anchor="ctr"/>
+              <a:lstStyle/>
+              <a:p>
+                <a:pPr algn="ctr"/>
+                <a:endParaRPr lang="sv-SE" sz="1400" dirty="0"/>
+              </a:p>
+            </p:txBody>
+          </p:sp>
+          <p:sp>
+            <p:nvSpPr>
+              <p:cNvPr id="19" name="Oval 18"/>
+              <p:cNvSpPr/>
+              <p:nvPr/>
+            </p:nvSpPr>
+            <p:spPr>
+              <a:xfrm>
+                <a:off x="1627954" y="4764485"/>
+                <a:ext cx="1610726" cy="1627411"/>
+              </a:xfrm>
+              <a:prstGeom prst="ellipse">
+                <a:avLst/>
+              </a:prstGeom>
+              <a:noFill/>
+              <a:ln w="454025">
+                <a:solidFill>
+                  <a:srgbClr val="B04242">
+                    <a:alpha val="31000"/>
+                  </a:srgbClr>
+                </a:solidFill>
+              </a:ln>
+              <a:effectLst/>
+            </p:spPr>
+            <p:style>
+              <a:lnRef idx="2">
+                <a:schemeClr val="accent1">
+                  <a:shade val="50000"/>
+                </a:schemeClr>
+              </a:lnRef>
+              <a:fillRef idx="1">
+                <a:schemeClr val="accent1"/>
+              </a:fillRef>
+              <a:effectRef idx="0">
+                <a:schemeClr val="accent1"/>
+              </a:effectRef>
+              <a:fontRef idx="minor">
+                <a:schemeClr val="lt1"/>
+              </a:fontRef>
+            </p:style>
+            <p:txBody>
+              <a:bodyPr rtlCol="0" anchor="ctr"/>
+              <a:lstStyle/>
+              <a:p>
+                <a:pPr algn="ctr"/>
+                <a:endParaRPr lang="sv-SE" sz="1400" dirty="0"/>
+              </a:p>
+            </p:txBody>
+          </p:sp>
+        </p:grpSp>
+        <p:cxnSp>
+          <p:nvCxnSpPr>
+            <p:cNvPr id="20" name="Straight Connector 19"/>
+            <p:cNvCxnSpPr>
+              <a:stCxn id="25" idx="4"/>
+              <a:endCxn id="23" idx="0"/>
+            </p:cNvCxnSpPr>
+            <p:nvPr/>
+          </p:nvCxnSpPr>
+          <p:spPr>
+            <a:xfrm>
+              <a:off x="2475932" y="4537834"/>
+              <a:ext cx="1" cy="570566"/>
+            </a:xfrm>
+            <a:prstGeom prst="line">
+              <a:avLst/>
+            </a:prstGeom>
+            <a:ln w="63500" cap="rnd">
+              <a:solidFill>
+                <a:srgbClr val="50DE94"/>
+              </a:solidFill>
+              <a:round/>
+              <a:headEnd w="sm" len="med"/>
+              <a:tailEnd type="none" w="sm" len="sm"/>
+            </a:ln>
+            <a:effectLst/>
+            <a:scene3d>
+              <a:camera prst="orthographicFront"/>
+              <a:lightRig rig="threePt" dir="t"/>
+            </a:scene3d>
+            <a:sp3d/>
+          </p:spPr>
+          <p:style>
+            <a:lnRef idx="1">
+              <a:schemeClr val="accent1"/>
+            </a:lnRef>
+            <a:fillRef idx="0">
+              <a:schemeClr val="accent1"/>
+            </a:fillRef>
+            <a:effectRef idx="0">
+              <a:schemeClr val="accent1"/>
+            </a:effectRef>
+            <a:fontRef idx="minor">
+              <a:schemeClr val="tx1"/>
+            </a:fontRef>
+          </p:style>
+        </p:cxnSp>
+        <p:sp>
+          <p:nvSpPr>
+            <p:cNvPr id="23" name="Oval 22"/>
+            <p:cNvSpPr/>
+            <p:nvPr/>
+          </p:nvSpPr>
+          <p:spPr>
+            <a:xfrm>
+              <a:off x="1977169" y="5108400"/>
+              <a:ext cx="997527" cy="997527"/>
+            </a:xfrm>
+            <a:prstGeom prst="ellipse">
+              <a:avLst/>
+            </a:prstGeom>
+            <a:solidFill>
+              <a:srgbClr val="FF493E"/>
+            </a:solidFill>
+            <a:ln w="38100">
+              <a:solidFill>
+                <a:srgbClr val="DB5151"/>
+              </a:solidFill>
+            </a:ln>
+            <a:effectLst/>
+          </p:spPr>
+          <p:style>
+            <a:lnRef idx="3">
+              <a:schemeClr val="lt1"/>
+            </a:lnRef>
+            <a:fillRef idx="1">
+              <a:schemeClr val="accent1"/>
+            </a:fillRef>
+            <a:effectRef idx="1">
+              <a:schemeClr val="accent1"/>
+            </a:effectRef>
+            <a:fontRef idx="minor">
+              <a:schemeClr val="lt1"/>
+            </a:fontRef>
+          </p:style>
+          <p:txBody>
+            <a:bodyPr wrap="none" rtlCol="0" anchor="ctr"/>
+            <a:lstStyle/>
+            <a:p>
+              <a:pPr algn="ctr"/>
+              <a:r>
+                <a:rPr lang="sv-SE" b="1" dirty="0" smtClean="0">
+                  <a:solidFill>
+                    <a:schemeClr val="tx1"/>
+                  </a:solidFill>
+                </a:rPr>
+                <a:t>child</a:t>
+              </a:r>
+              <a:endParaRPr lang="sv-SE" b="1" dirty="0">
+                <a:solidFill>
+                  <a:schemeClr val="tx1"/>
+                </a:solidFill>
+              </a:endParaRPr>
+            </a:p>
+          </p:txBody>
+        </p:sp>
+        <p:sp>
+          <p:nvSpPr>
+            <p:cNvPr id="25" name="b1 supervising"/>
+            <p:cNvSpPr/>
+            <p:nvPr/>
+          </p:nvSpPr>
+          <p:spPr>
+            <a:xfrm>
+              <a:off x="1977168" y="3540307"/>
+              <a:ext cx="997527" cy="997527"/>
+            </a:xfrm>
+            <a:prstGeom prst="ellipse">
+              <a:avLst/>
+            </a:prstGeom>
+            <a:solidFill>
+              <a:srgbClr val="43BFF7"/>
+            </a:solidFill>
+            <a:ln w="168275">
+              <a:noFill/>
+            </a:ln>
+          </p:spPr>
+          <p:style>
+            <a:lnRef idx="2">
+              <a:schemeClr val="accent1">
+                <a:shade val="50000"/>
+              </a:schemeClr>
+            </a:lnRef>
+            <a:fillRef idx="1">
+              <a:schemeClr val="accent1"/>
+            </a:fillRef>
+            <a:effectRef idx="0">
+              <a:schemeClr val="accent1"/>
+            </a:effectRef>
+            <a:fontRef idx="minor">
+              <a:schemeClr val="lt1"/>
+            </a:fontRef>
+          </p:style>
+          <p:txBody>
+            <a:bodyPr wrap="none" rtlCol="0" anchor="ctr"/>
+            <a:lstStyle/>
+            <a:p>
+              <a:pPr algn="ctr"/>
+              <a:r>
+                <a:rPr lang="sv-SE" b="1" dirty="0" smtClean="0"/>
+                <a:t>parent</a:t>
+              </a:r>
+              <a:endParaRPr lang="sv-SE" b="1" dirty="0"/>
+            </a:p>
+          </p:txBody>
+        </p:sp>
+      </p:grpSp>
+      <p:grpSp>
+        <p:nvGrpSpPr>
+          <p:cNvPr id="29" name="Group 28"/>
+          <p:cNvGrpSpPr/>
+          <p:nvPr/>
+        </p:nvGrpSpPr>
+        <p:grpSpPr>
+          <a:xfrm>
+            <a:off x="1300011" y="3325812"/>
+            <a:ext cx="3339271" cy="2899116"/>
+            <a:chOff x="853080" y="3293136"/>
+            <a:chExt cx="3794224" cy="3294101"/>
+          </a:xfrm>
+        </p:grpSpPr>
+        <p:grpSp>
+          <p:nvGrpSpPr>
+            <p:cNvPr id="3" name="Group 2"/>
+            <p:cNvGrpSpPr/>
+            <p:nvPr/>
+          </p:nvGrpSpPr>
+          <p:grpSpPr>
+            <a:xfrm>
+              <a:off x="1300803" y="3293136"/>
+              <a:ext cx="3193794" cy="2650426"/>
+              <a:chOff x="3986376" y="1746433"/>
+              <a:chExt cx="3567434" cy="2960499"/>
+            </a:xfrm>
+          </p:grpSpPr>
+          <p:grpSp>
+            <p:nvGrpSpPr>
+              <p:cNvPr id="15" name="Group 14"/>
+              <p:cNvGrpSpPr/>
+              <p:nvPr/>
+            </p:nvGrpSpPr>
+            <p:grpSpPr>
+              <a:xfrm>
+                <a:off x="4174512" y="1976984"/>
+                <a:ext cx="3379298" cy="2729948"/>
+                <a:chOff x="4183910" y="1921566"/>
+                <a:chExt cx="3379298" cy="2729948"/>
+              </a:xfrm>
+            </p:grpSpPr>
+            <p:sp>
+              <p:nvSpPr>
+                <p:cNvPr id="2" name="Rectangle 1"/>
+                <p:cNvSpPr/>
+                <p:nvPr/>
+              </p:nvSpPr>
+              <p:spPr>
+                <a:xfrm>
+                  <a:off x="4892899" y="4310270"/>
+                  <a:ext cx="543339" cy="341243"/>
+                </a:xfrm>
+                <a:prstGeom prst="rect">
+                  <a:avLst/>
+                </a:prstGeom>
+                <a:solidFill>
+                  <a:srgbClr val="00B0F0"/>
+                </a:solidFill>
+                <a:ln>
+                  <a:noFill/>
+                </a:ln>
+              </p:spPr>
+              <p:style>
+                <a:lnRef idx="2">
+                  <a:schemeClr val="accent1">
+                    <a:shade val="50000"/>
+                  </a:schemeClr>
+                </a:lnRef>
+                <a:fillRef idx="1">
+                  <a:schemeClr val="accent1"/>
+                </a:fillRef>
+                <a:effectRef idx="0">
+                  <a:schemeClr val="accent1"/>
+                </a:effectRef>
+                <a:fontRef idx="minor">
+                  <a:schemeClr val="lt1"/>
+                </a:fontRef>
+              </p:style>
+              <p:txBody>
+                <a:bodyPr rtlCol="0" anchor="ctr"/>
+                <a:lstStyle/>
+                <a:p>
+                  <a:pPr algn="ctr"/>
+                  <a:endParaRPr lang="sv-SE"/>
+                </a:p>
+              </p:txBody>
+            </p:sp>
+            <p:sp>
+              <p:nvSpPr>
+                <p:cNvPr id="7" name="Freeform 6"/>
+                <p:cNvSpPr/>
+                <p:nvPr/>
+              </p:nvSpPr>
+              <p:spPr>
+                <a:xfrm>
+                  <a:off x="5601888" y="3969026"/>
+                  <a:ext cx="543340" cy="682487"/>
+                </a:xfrm>
+                <a:custGeom>
+                  <a:avLst/>
+                  <a:gdLst>
+                    <a:gd name="connsiteX0" fmla="*/ 0 w 543340"/>
+                    <a:gd name="connsiteY0" fmla="*/ 0 h 927652"/>
+                    <a:gd name="connsiteX1" fmla="*/ 543339 w 543340"/>
+                    <a:gd name="connsiteY1" fmla="*/ 0 h 927652"/>
+                    <a:gd name="connsiteX2" fmla="*/ 543339 w 543340"/>
+                    <a:gd name="connsiteY2" fmla="*/ 463826 h 927652"/>
+                    <a:gd name="connsiteX3" fmla="*/ 543340 w 543340"/>
+                    <a:gd name="connsiteY3" fmla="*/ 463826 h 927652"/>
+                    <a:gd name="connsiteX4" fmla="*/ 543340 w 543340"/>
+                    <a:gd name="connsiteY4" fmla="*/ 927652 h 927652"/>
+                    <a:gd name="connsiteX5" fmla="*/ 1 w 543340"/>
+                    <a:gd name="connsiteY5" fmla="*/ 927652 h 927652"/>
+                    <a:gd name="connsiteX6" fmla="*/ 1 w 543340"/>
+                    <a:gd name="connsiteY6" fmla="*/ 463826 h 927652"/>
+                    <a:gd name="connsiteX7" fmla="*/ 0 w 543340"/>
+                    <a:gd name="connsiteY7" fmla="*/ 463826 h 927652"/>
+                  </a:gdLst>
+                  <a:ahLst/>
+                  <a:cxnLst>
+                    <a:cxn ang="0">
+                      <a:pos x="connsiteX0" y="connsiteY0"/>
+                    </a:cxn>
+                    <a:cxn ang="0">
+                      <a:pos x="connsiteX1" y="connsiteY1"/>
+                    </a:cxn>
+                    <a:cxn ang="0">
+                      <a:pos x="connsiteX2" y="connsiteY2"/>
+                    </a:cxn>
+                    <a:cxn ang="0">
+                      <a:pos x="connsiteX3" y="connsiteY3"/>
+                    </a:cxn>
+                    <a:cxn ang="0">
+                      <a:pos x="connsiteX4" y="connsiteY4"/>
+                    </a:cxn>
+                    <a:cxn ang="0">
+                      <a:pos x="connsiteX5" y="connsiteY5"/>
+                    </a:cxn>
+                    <a:cxn ang="0">
+                      <a:pos x="connsiteX6" y="connsiteY6"/>
+                    </a:cxn>
+                    <a:cxn ang="0">
+                      <a:pos x="connsiteX7" y="connsiteY7"/>
+                    </a:cxn>
+                  </a:cxnLst>
+                  <a:rect l="l" t="t" r="r" b="b"/>
+                  <a:pathLst>
+                    <a:path w="543340" h="927652">
+                      <a:moveTo>
+                        <a:pt x="0" y="0"/>
+                      </a:moveTo>
+                      <a:lnTo>
+                        <a:pt x="543339" y="0"/>
+                      </a:lnTo>
+                      <a:lnTo>
+                        <a:pt x="543339" y="463826"/>
+                      </a:lnTo>
+                      <a:lnTo>
+                        <a:pt x="543340" y="463826"/>
+                      </a:lnTo>
+                      <a:lnTo>
+                        <a:pt x="543340" y="927652"/>
+                      </a:lnTo>
+                      <a:lnTo>
+                        <a:pt x="1" y="927652"/>
+                      </a:lnTo>
+                      <a:lnTo>
+                        <a:pt x="1" y="463826"/>
+                      </a:lnTo>
+                      <a:lnTo>
+                        <a:pt x="0" y="463826"/>
+                      </a:lnTo>
+                      <a:close/>
+                    </a:path>
+                  </a:pathLst>
+                </a:custGeom>
+                <a:solidFill>
+                  <a:srgbClr val="00B0F0"/>
+                </a:solidFill>
+                <a:ln>
+                  <a:noFill/>
+                </a:ln>
+              </p:spPr>
+              <p:style>
+                <a:lnRef idx="2">
+                  <a:schemeClr val="accent1">
+                    <a:shade val="50000"/>
+                  </a:schemeClr>
+                </a:lnRef>
+                <a:fillRef idx="1">
+                  <a:schemeClr val="accent1"/>
+                </a:fillRef>
+                <a:effectRef idx="0">
+                  <a:schemeClr val="accent1"/>
+                </a:effectRef>
+                <a:fontRef idx="minor">
+                  <a:schemeClr val="lt1"/>
+                </a:fontRef>
+              </p:style>
+              <p:txBody>
+                <a:bodyPr rtlCol="0" anchor="ctr"/>
+                <a:lstStyle/>
+                <a:p>
+                  <a:pPr algn="ctr"/>
+                  <a:endParaRPr lang="sv-SE"/>
+                </a:p>
+              </p:txBody>
+            </p:sp>
+            <p:sp>
+              <p:nvSpPr>
+                <p:cNvPr id="10" name="Freeform 9"/>
+                <p:cNvSpPr/>
+                <p:nvPr/>
+              </p:nvSpPr>
+              <p:spPr>
+                <a:xfrm>
+                  <a:off x="6310878" y="3286540"/>
+                  <a:ext cx="543340" cy="1364974"/>
+                </a:xfrm>
+                <a:custGeom>
+                  <a:avLst/>
+                  <a:gdLst>
+                    <a:gd name="connsiteX0" fmla="*/ 0 w 543340"/>
+                    <a:gd name="connsiteY0" fmla="*/ 0 h 1855304"/>
+                    <a:gd name="connsiteX1" fmla="*/ 543339 w 543340"/>
+                    <a:gd name="connsiteY1" fmla="*/ 0 h 1855304"/>
+                    <a:gd name="connsiteX2" fmla="*/ 543339 w 543340"/>
+                    <a:gd name="connsiteY2" fmla="*/ 463826 h 1855304"/>
+                    <a:gd name="connsiteX3" fmla="*/ 543340 w 543340"/>
+                    <a:gd name="connsiteY3" fmla="*/ 463826 h 1855304"/>
+                    <a:gd name="connsiteX4" fmla="*/ 543340 w 543340"/>
+                    <a:gd name="connsiteY4" fmla="*/ 927652 h 1855304"/>
+                    <a:gd name="connsiteX5" fmla="*/ 543339 w 543340"/>
+                    <a:gd name="connsiteY5" fmla="*/ 927652 h 1855304"/>
+                    <a:gd name="connsiteX6" fmla="*/ 543339 w 543340"/>
+                    <a:gd name="connsiteY6" fmla="*/ 1391478 h 1855304"/>
+                    <a:gd name="connsiteX7" fmla="*/ 543340 w 543340"/>
+                    <a:gd name="connsiteY7" fmla="*/ 1391478 h 1855304"/>
+                    <a:gd name="connsiteX8" fmla="*/ 543340 w 543340"/>
+                    <a:gd name="connsiteY8" fmla="*/ 1855304 h 1855304"/>
+                    <a:gd name="connsiteX9" fmla="*/ 1 w 543340"/>
+                    <a:gd name="connsiteY9" fmla="*/ 1855304 h 1855304"/>
+                    <a:gd name="connsiteX10" fmla="*/ 1 w 543340"/>
+                    <a:gd name="connsiteY10" fmla="*/ 1391478 h 1855304"/>
+                    <a:gd name="connsiteX11" fmla="*/ 0 w 543340"/>
+                    <a:gd name="connsiteY11" fmla="*/ 1391478 h 1855304"/>
+                    <a:gd name="connsiteX12" fmla="*/ 0 w 543340"/>
+                    <a:gd name="connsiteY12" fmla="*/ 927652 h 1855304"/>
+                    <a:gd name="connsiteX13" fmla="*/ 1 w 543340"/>
+                    <a:gd name="connsiteY13" fmla="*/ 927652 h 1855304"/>
+                    <a:gd name="connsiteX14" fmla="*/ 1 w 543340"/>
+                    <a:gd name="connsiteY14" fmla="*/ 463826 h 1855304"/>
+                    <a:gd name="connsiteX15" fmla="*/ 0 w 543340"/>
+                    <a:gd name="connsiteY15" fmla="*/ 463826 h 1855304"/>
+                  </a:gdLst>
+                  <a:ahLst/>
+                  <a:cxnLst>
+                    <a:cxn ang="0">
+                      <a:pos x="connsiteX0" y="connsiteY0"/>
+                    </a:cxn>
+                    <a:cxn ang="0">
+                      <a:pos x="connsiteX1" y="connsiteY1"/>
+                    </a:cxn>
+                    <a:cxn ang="0">
+                      <a:pos x="connsiteX2" y="connsiteY2"/>
+                    </a:cxn>
+                    <a:cxn ang="0">
+                      <a:pos x="connsiteX3" y="connsiteY3"/>
+                    </a:cxn>
+                    <a:cxn ang="0">
+                      <a:pos x="connsiteX4" y="connsiteY4"/>
+                    </a:cxn>
+                    <a:cxn ang="0">
+                      <a:pos x="connsiteX5" y="connsiteY5"/>
+                    </a:cxn>
+                    <a:cxn ang="0">
+                      <a:pos x="connsiteX6" y="connsiteY6"/>
+                    </a:cxn>
+                    <a:cxn ang="0">
+                      <a:pos x="connsiteX7" y="connsiteY7"/>
+                    </a:cxn>
+                    <a:cxn ang="0">
+                      <a:pos x="connsiteX8" y="connsiteY8"/>
+                    </a:cxn>
+                    <a:cxn ang="0">
+                      <a:pos x="connsiteX9" y="connsiteY9"/>
+                    </a:cxn>
+                    <a:cxn ang="0">
+                      <a:pos x="connsiteX10" y="connsiteY10"/>
+                    </a:cxn>
+                    <a:cxn ang="0">
+                      <a:pos x="connsiteX11" y="connsiteY11"/>
+                    </a:cxn>
+                    <a:cxn ang="0">
+                      <a:pos x="connsiteX12" y="connsiteY12"/>
+                    </a:cxn>
+                    <a:cxn ang="0">
+                      <a:pos x="connsiteX13" y="connsiteY13"/>
+                    </a:cxn>
+                    <a:cxn ang="0">
+                      <a:pos x="connsiteX14" y="connsiteY14"/>
+                    </a:cxn>
+                    <a:cxn ang="0">
+                      <a:pos x="connsiteX15" y="connsiteY15"/>
+                    </a:cxn>
+                  </a:cxnLst>
+                  <a:rect l="l" t="t" r="r" b="b"/>
+                  <a:pathLst>
+                    <a:path w="543340" h="1855304">
+                      <a:moveTo>
+                        <a:pt x="0" y="0"/>
+                      </a:moveTo>
+                      <a:lnTo>
+                        <a:pt x="543339" y="0"/>
+                      </a:lnTo>
+                      <a:lnTo>
+                        <a:pt x="543339" y="463826"/>
+                      </a:lnTo>
+                      <a:lnTo>
+                        <a:pt x="543340" y="463826"/>
+                      </a:lnTo>
+                      <a:lnTo>
+                        <a:pt x="543340" y="927652"/>
+                      </a:lnTo>
+                      <a:lnTo>
+                        <a:pt x="543339" y="927652"/>
+                      </a:lnTo>
+                      <a:lnTo>
+                        <a:pt x="543339" y="1391478"/>
+                      </a:lnTo>
+                      <a:lnTo>
+                        <a:pt x="543340" y="1391478"/>
+                      </a:lnTo>
+                      <a:lnTo>
+                        <a:pt x="543340" y="1855304"/>
+                      </a:lnTo>
+                      <a:lnTo>
+                        <a:pt x="1" y="1855304"/>
+                      </a:lnTo>
+                      <a:lnTo>
+                        <a:pt x="1" y="1391478"/>
+                      </a:lnTo>
+                      <a:lnTo>
+                        <a:pt x="0" y="1391478"/>
+                      </a:lnTo>
+                      <a:lnTo>
+                        <a:pt x="0" y="927652"/>
+                      </a:lnTo>
+                      <a:lnTo>
+                        <a:pt x="1" y="927652"/>
+                      </a:lnTo>
+                      <a:lnTo>
+                        <a:pt x="1" y="463826"/>
+                      </a:lnTo>
+                      <a:lnTo>
+                        <a:pt x="0" y="463826"/>
+                      </a:lnTo>
+                      <a:close/>
+                    </a:path>
+                  </a:pathLst>
+                </a:custGeom>
+                <a:solidFill>
+                  <a:srgbClr val="00B0F0"/>
+                </a:solidFill>
+                <a:ln>
+                  <a:noFill/>
+                </a:ln>
+              </p:spPr>
+              <p:style>
+                <a:lnRef idx="2">
+                  <a:schemeClr val="accent1">
+                    <a:shade val="50000"/>
+                  </a:schemeClr>
+                </a:lnRef>
+                <a:fillRef idx="1">
+                  <a:schemeClr val="accent1"/>
+                </a:fillRef>
+                <a:effectRef idx="0">
+                  <a:schemeClr val="accent1"/>
+                </a:effectRef>
+                <a:fontRef idx="minor">
+                  <a:schemeClr val="lt1"/>
+                </a:fontRef>
+              </p:style>
+              <p:txBody>
+                <a:bodyPr rtlCol="0" anchor="ctr"/>
+                <a:lstStyle/>
+                <a:p>
+                  <a:pPr algn="ctr"/>
+                  <a:endParaRPr lang="sv-SE"/>
+                </a:p>
+              </p:txBody>
+            </p:sp>
+            <p:sp>
+              <p:nvSpPr>
+                <p:cNvPr id="13" name="Freeform 12"/>
+                <p:cNvSpPr/>
+                <p:nvPr/>
+              </p:nvSpPr>
+              <p:spPr>
+                <a:xfrm>
+                  <a:off x="7019868" y="1921566"/>
+                  <a:ext cx="543340" cy="2729947"/>
+                </a:xfrm>
+                <a:custGeom>
+                  <a:avLst/>
+                  <a:gdLst>
+                    <a:gd name="connsiteX0" fmla="*/ 0 w 543340"/>
+                    <a:gd name="connsiteY0" fmla="*/ 0 h 3710608"/>
+                    <a:gd name="connsiteX1" fmla="*/ 543339 w 543340"/>
+                    <a:gd name="connsiteY1" fmla="*/ 0 h 3710608"/>
+                    <a:gd name="connsiteX2" fmla="*/ 543339 w 543340"/>
+                    <a:gd name="connsiteY2" fmla="*/ 463826 h 3710608"/>
+                    <a:gd name="connsiteX3" fmla="*/ 543340 w 543340"/>
+                    <a:gd name="connsiteY3" fmla="*/ 463826 h 3710608"/>
+                    <a:gd name="connsiteX4" fmla="*/ 543340 w 543340"/>
+                    <a:gd name="connsiteY4" fmla="*/ 927652 h 3710608"/>
+                    <a:gd name="connsiteX5" fmla="*/ 543339 w 543340"/>
+                    <a:gd name="connsiteY5" fmla="*/ 927652 h 3710608"/>
+                    <a:gd name="connsiteX6" fmla="*/ 543339 w 543340"/>
+                    <a:gd name="connsiteY6" fmla="*/ 1391478 h 3710608"/>
+                    <a:gd name="connsiteX7" fmla="*/ 543340 w 543340"/>
+                    <a:gd name="connsiteY7" fmla="*/ 1391478 h 3710608"/>
+                    <a:gd name="connsiteX8" fmla="*/ 543340 w 543340"/>
+                    <a:gd name="connsiteY8" fmla="*/ 1855304 h 3710608"/>
+                    <a:gd name="connsiteX9" fmla="*/ 543339 w 543340"/>
+                    <a:gd name="connsiteY9" fmla="*/ 1855304 h 3710608"/>
+                    <a:gd name="connsiteX10" fmla="*/ 543339 w 543340"/>
+                    <a:gd name="connsiteY10" fmla="*/ 2319130 h 3710608"/>
+                    <a:gd name="connsiteX11" fmla="*/ 543340 w 543340"/>
+                    <a:gd name="connsiteY11" fmla="*/ 2319130 h 3710608"/>
+                    <a:gd name="connsiteX12" fmla="*/ 543340 w 543340"/>
+                    <a:gd name="connsiteY12" fmla="*/ 2782956 h 3710608"/>
+                    <a:gd name="connsiteX13" fmla="*/ 543339 w 543340"/>
+                    <a:gd name="connsiteY13" fmla="*/ 2782956 h 3710608"/>
+                    <a:gd name="connsiteX14" fmla="*/ 543339 w 543340"/>
+                    <a:gd name="connsiteY14" fmla="*/ 3246782 h 3710608"/>
+                    <a:gd name="connsiteX15" fmla="*/ 543340 w 543340"/>
+                    <a:gd name="connsiteY15" fmla="*/ 3246782 h 3710608"/>
+                    <a:gd name="connsiteX16" fmla="*/ 543340 w 543340"/>
+                    <a:gd name="connsiteY16" fmla="*/ 3710608 h 3710608"/>
+                    <a:gd name="connsiteX17" fmla="*/ 1 w 543340"/>
+                    <a:gd name="connsiteY17" fmla="*/ 3710608 h 3710608"/>
+                    <a:gd name="connsiteX18" fmla="*/ 1 w 543340"/>
+                    <a:gd name="connsiteY18" fmla="*/ 3246782 h 3710608"/>
+                    <a:gd name="connsiteX19" fmla="*/ 0 w 543340"/>
+                    <a:gd name="connsiteY19" fmla="*/ 3246782 h 3710608"/>
+                    <a:gd name="connsiteX20" fmla="*/ 0 w 543340"/>
+                    <a:gd name="connsiteY20" fmla="*/ 2782956 h 3710608"/>
+                    <a:gd name="connsiteX21" fmla="*/ 1 w 543340"/>
+                    <a:gd name="connsiteY21" fmla="*/ 2782956 h 3710608"/>
+                    <a:gd name="connsiteX22" fmla="*/ 1 w 543340"/>
+                    <a:gd name="connsiteY22" fmla="*/ 2319130 h 3710608"/>
+                    <a:gd name="connsiteX23" fmla="*/ 0 w 543340"/>
+                    <a:gd name="connsiteY23" fmla="*/ 2319130 h 3710608"/>
+                    <a:gd name="connsiteX24" fmla="*/ 0 w 543340"/>
+                    <a:gd name="connsiteY24" fmla="*/ 1855304 h 3710608"/>
+                    <a:gd name="connsiteX25" fmla="*/ 1 w 543340"/>
+                    <a:gd name="connsiteY25" fmla="*/ 1855304 h 3710608"/>
+                    <a:gd name="connsiteX26" fmla="*/ 1 w 543340"/>
+                    <a:gd name="connsiteY26" fmla="*/ 1391478 h 3710608"/>
+                    <a:gd name="connsiteX27" fmla="*/ 0 w 543340"/>
+                    <a:gd name="connsiteY27" fmla="*/ 1391478 h 3710608"/>
+                    <a:gd name="connsiteX28" fmla="*/ 0 w 543340"/>
+                    <a:gd name="connsiteY28" fmla="*/ 927652 h 3710608"/>
+                    <a:gd name="connsiteX29" fmla="*/ 1 w 543340"/>
+                    <a:gd name="connsiteY29" fmla="*/ 927652 h 3710608"/>
+                    <a:gd name="connsiteX30" fmla="*/ 1 w 543340"/>
+                    <a:gd name="connsiteY30" fmla="*/ 463826 h 3710608"/>
+                    <a:gd name="connsiteX31" fmla="*/ 0 w 543340"/>
+                    <a:gd name="connsiteY31" fmla="*/ 463826 h 3710608"/>
+                  </a:gdLst>
+                  <a:ahLst/>
+                  <a:cxnLst>
+                    <a:cxn ang="0">
+                      <a:pos x="connsiteX0" y="connsiteY0"/>
+                    </a:cxn>
+                    <a:cxn ang="0">
+                      <a:pos x="connsiteX1" y="connsiteY1"/>
+                    </a:cxn>
+                    <a:cxn ang="0">
+                      <a:pos x="connsiteX2" y="connsiteY2"/>
+                    </a:cxn>
+                    <a:cxn ang="0">
+                      <a:pos x="connsiteX3" y="connsiteY3"/>
+                    </a:cxn>
+                    <a:cxn ang="0">
+                      <a:pos x="connsiteX4" y="connsiteY4"/>
+                    </a:cxn>
+                    <a:cxn ang="0">
+                      <a:pos x="connsiteX5" y="connsiteY5"/>
+                    </a:cxn>
+                    <a:cxn ang="0">
+                      <a:pos x="connsiteX6" y="connsiteY6"/>
+                    </a:cxn>
+                    <a:cxn ang="0">
+                      <a:pos x="connsiteX7" y="connsiteY7"/>
+                    </a:cxn>
+                    <a:cxn ang="0">
+                      <a:pos x="connsiteX8" y="connsiteY8"/>
+                    </a:cxn>
+                    <a:cxn ang="0">
+                      <a:pos x="connsiteX9" y="connsiteY9"/>
+                    </a:cxn>
+                    <a:cxn ang="0">
+                      <a:pos x="connsiteX10" y="connsiteY10"/>
+                    </a:cxn>
+                    <a:cxn ang="0">
+                      <a:pos x="connsiteX11" y="connsiteY11"/>
+                    </a:cxn>
+                    <a:cxn ang="0">
+                      <a:pos x="connsiteX12" y="connsiteY12"/>
+                    </a:cxn>
+                    <a:cxn ang="0">
+                      <a:pos x="connsiteX13" y="connsiteY13"/>
+                    </a:cxn>
+                    <a:cxn ang="0">
+                      <a:pos x="connsiteX14" y="connsiteY14"/>
+                    </a:cxn>
+                    <a:cxn ang="0">
+                      <a:pos x="connsiteX15" y="connsiteY15"/>
+                    </a:cxn>
+                    <a:cxn ang="0">
+                      <a:pos x="connsiteX16" y="connsiteY16"/>
+                    </a:cxn>
+                    <a:cxn ang="0">
+                      <a:pos x="connsiteX17" y="connsiteY17"/>
+                    </a:cxn>
+                    <a:cxn ang="0">
+                      <a:pos x="connsiteX18" y="connsiteY18"/>
+                    </a:cxn>
+                    <a:cxn ang="0">
+                      <a:pos x="connsiteX19" y="connsiteY19"/>
+                    </a:cxn>
+                    <a:cxn ang="0">
+                      <a:pos x="connsiteX20" y="connsiteY20"/>
+                    </a:cxn>
+                    <a:cxn ang="0">
+                      <a:pos x="connsiteX21" y="connsiteY21"/>
+                    </a:cxn>
+                    <a:cxn ang="0">
+                      <a:pos x="connsiteX22" y="connsiteY22"/>
+                    </a:cxn>
+                    <a:cxn ang="0">
+                      <a:pos x="connsiteX23" y="connsiteY23"/>
+                    </a:cxn>
+                    <a:cxn ang="0">
+                      <a:pos x="connsiteX24" y="connsiteY24"/>
+                    </a:cxn>
+                    <a:cxn ang="0">
+                      <a:pos x="connsiteX25" y="connsiteY25"/>
+                    </a:cxn>
+                    <a:cxn ang="0">
+                      <a:pos x="connsiteX26" y="connsiteY26"/>
+                    </a:cxn>
+                    <a:cxn ang="0">
+                      <a:pos x="connsiteX27" y="connsiteY27"/>
+                    </a:cxn>
+                    <a:cxn ang="0">
+                      <a:pos x="connsiteX28" y="connsiteY28"/>
+                    </a:cxn>
+                    <a:cxn ang="0">
+                      <a:pos x="connsiteX29" y="connsiteY29"/>
+                    </a:cxn>
+                    <a:cxn ang="0">
+                      <a:pos x="connsiteX30" y="connsiteY30"/>
+                    </a:cxn>
+                    <a:cxn ang="0">
+                      <a:pos x="connsiteX31" y="connsiteY31"/>
+                    </a:cxn>
+                  </a:cxnLst>
+                  <a:rect l="l" t="t" r="r" b="b"/>
+                  <a:pathLst>
+                    <a:path w="543340" h="3710608">
+                      <a:moveTo>
+                        <a:pt x="0" y="0"/>
+                      </a:moveTo>
+                      <a:lnTo>
+                        <a:pt x="543339" y="0"/>
+                      </a:lnTo>
+                      <a:lnTo>
+                        <a:pt x="543339" y="463826"/>
+                      </a:lnTo>
+                      <a:lnTo>
+                        <a:pt x="543340" y="463826"/>
+                      </a:lnTo>
+                      <a:lnTo>
+                        <a:pt x="543340" y="927652"/>
+                      </a:lnTo>
+                      <a:lnTo>
+                        <a:pt x="543339" y="927652"/>
+                      </a:lnTo>
+                      <a:lnTo>
+                        <a:pt x="543339" y="1391478"/>
+                      </a:lnTo>
+                      <a:lnTo>
+                        <a:pt x="543340" y="1391478"/>
+                      </a:lnTo>
+                      <a:lnTo>
+                        <a:pt x="543340" y="1855304"/>
+                      </a:lnTo>
+                      <a:lnTo>
+                        <a:pt x="543339" y="1855304"/>
+                      </a:lnTo>
+                      <a:lnTo>
+                        <a:pt x="543339" y="2319130"/>
+                      </a:lnTo>
+                      <a:lnTo>
+                        <a:pt x="543340" y="2319130"/>
+                      </a:lnTo>
+                      <a:lnTo>
+                        <a:pt x="543340" y="2782956"/>
+                      </a:lnTo>
+                      <a:lnTo>
+                        <a:pt x="543339" y="2782956"/>
+                      </a:lnTo>
+                      <a:lnTo>
+                        <a:pt x="543339" y="3246782"/>
+                      </a:lnTo>
+                      <a:lnTo>
+                        <a:pt x="543340" y="3246782"/>
+                      </a:lnTo>
+                      <a:lnTo>
+                        <a:pt x="543340" y="3710608"/>
+                      </a:lnTo>
+                      <a:lnTo>
+                        <a:pt x="1" y="3710608"/>
+                      </a:lnTo>
+                      <a:lnTo>
+                        <a:pt x="1" y="3246782"/>
+                      </a:lnTo>
+                      <a:lnTo>
+                        <a:pt x="0" y="3246782"/>
+                      </a:lnTo>
+                      <a:lnTo>
+                        <a:pt x="0" y="2782956"/>
+                      </a:lnTo>
+                      <a:lnTo>
+                        <a:pt x="1" y="2782956"/>
+                      </a:lnTo>
+                      <a:lnTo>
+                        <a:pt x="1" y="2319130"/>
+                      </a:lnTo>
+                      <a:lnTo>
+                        <a:pt x="0" y="2319130"/>
+                      </a:lnTo>
+                      <a:lnTo>
+                        <a:pt x="0" y="1855304"/>
+                      </a:lnTo>
+                      <a:lnTo>
+                        <a:pt x="1" y="1855304"/>
+                      </a:lnTo>
+                      <a:lnTo>
+                        <a:pt x="1" y="1391478"/>
+                      </a:lnTo>
+                      <a:lnTo>
+                        <a:pt x="0" y="1391478"/>
+                      </a:lnTo>
+                      <a:lnTo>
+                        <a:pt x="0" y="927652"/>
+                      </a:lnTo>
+                      <a:lnTo>
+                        <a:pt x="1" y="927652"/>
+                      </a:lnTo>
+                      <a:lnTo>
+                        <a:pt x="1" y="463826"/>
+                      </a:lnTo>
+                      <a:lnTo>
+                        <a:pt x="0" y="463826"/>
+                      </a:lnTo>
+                      <a:close/>
+                    </a:path>
+                  </a:pathLst>
+                </a:custGeom>
+                <a:solidFill>
+                  <a:srgbClr val="00B0F0"/>
+                </a:solidFill>
+                <a:ln>
+                  <a:noFill/>
+                </a:ln>
+              </p:spPr>
+              <p:style>
+                <a:lnRef idx="2">
+                  <a:schemeClr val="accent1">
+                    <a:shade val="50000"/>
+                  </a:schemeClr>
+                </a:lnRef>
+                <a:fillRef idx="1">
+                  <a:schemeClr val="accent1"/>
+                </a:fillRef>
+                <a:effectRef idx="0">
+                  <a:schemeClr val="accent1"/>
+                </a:effectRef>
+                <a:fontRef idx="minor">
+                  <a:schemeClr val="lt1"/>
+                </a:fontRef>
+              </p:style>
+              <p:txBody>
+                <a:bodyPr rtlCol="0" anchor="ctr"/>
+                <a:lstStyle/>
+                <a:p>
+                  <a:pPr algn="ctr"/>
+                  <a:endParaRPr lang="sv-SE"/>
+                </a:p>
+              </p:txBody>
+            </p:sp>
+            <p:sp>
+              <p:nvSpPr>
+                <p:cNvPr id="14" name="Rectangle 13"/>
+                <p:cNvSpPr/>
+                <p:nvPr/>
+              </p:nvSpPr>
+              <p:spPr>
+                <a:xfrm>
+                  <a:off x="4183910" y="4495801"/>
+                  <a:ext cx="543339" cy="155712"/>
+                </a:xfrm>
+                <a:prstGeom prst="rect">
+                  <a:avLst/>
+                </a:prstGeom>
+                <a:solidFill>
+                  <a:srgbClr val="00B0F0"/>
+                </a:solidFill>
+                <a:ln>
+                  <a:noFill/>
+                </a:ln>
+              </p:spPr>
+              <p:style>
+                <a:lnRef idx="2">
+                  <a:schemeClr val="accent1">
+                    <a:shade val="50000"/>
+                  </a:schemeClr>
+                </a:lnRef>
+                <a:fillRef idx="1">
+                  <a:schemeClr val="accent1"/>
+                </a:fillRef>
+                <a:effectRef idx="0">
+                  <a:schemeClr val="accent1"/>
+                </a:effectRef>
+                <a:fontRef idx="minor">
+                  <a:schemeClr val="lt1"/>
+                </a:fontRef>
+              </p:style>
+              <p:txBody>
+                <a:bodyPr rtlCol="0" anchor="ctr"/>
+                <a:lstStyle/>
+                <a:p>
+                  <a:pPr algn="ctr"/>
+                  <a:endParaRPr lang="sv-SE"/>
+                </a:p>
+              </p:txBody>
+            </p:sp>
+          </p:grpSp>
+          <p:sp>
+            <p:nvSpPr>
+              <p:cNvPr id="22" name="Oval 21"/>
+              <p:cNvSpPr/>
+              <p:nvPr/>
+            </p:nvSpPr>
+            <p:spPr>
+              <a:xfrm>
+                <a:off x="3986376" y="1746433"/>
+                <a:ext cx="2880928" cy="2664107"/>
+              </a:xfrm>
+              <a:custGeom>
+                <a:avLst/>
+                <a:gdLst>
+                  <a:gd name="connsiteX0" fmla="*/ 0 w 3652260"/>
+                  <a:gd name="connsiteY0" fmla="*/ 1466889 h 2933777"/>
+                  <a:gd name="connsiteX1" fmla="*/ 1826130 w 3652260"/>
+                  <a:gd name="connsiteY1" fmla="*/ 0 h 2933777"/>
+                  <a:gd name="connsiteX2" fmla="*/ 3652260 w 3652260"/>
+                  <a:gd name="connsiteY2" fmla="*/ 1466889 h 2933777"/>
+                  <a:gd name="connsiteX3" fmla="*/ 1826130 w 3652260"/>
+                  <a:gd name="connsiteY3" fmla="*/ 2933778 h 2933777"/>
+                  <a:gd name="connsiteX4" fmla="*/ 0 w 3652260"/>
+                  <a:gd name="connsiteY4" fmla="*/ 1466889 h 2933777"/>
+                  <a:gd name="connsiteX0" fmla="*/ 0 w 3703022"/>
+                  <a:gd name="connsiteY0" fmla="*/ 183361 h 1650250"/>
+                  <a:gd name="connsiteX1" fmla="*/ 3652260 w 3703022"/>
+                  <a:gd name="connsiteY1" fmla="*/ 183361 h 1650250"/>
+                  <a:gd name="connsiteX2" fmla="*/ 1826130 w 3703022"/>
+                  <a:gd name="connsiteY2" fmla="*/ 1650250 h 1650250"/>
+                  <a:gd name="connsiteX3" fmla="*/ 0 w 3703022"/>
+                  <a:gd name="connsiteY3" fmla="*/ 183361 h 1650250"/>
+                  <a:gd name="connsiteX0" fmla="*/ 0 w 3703022"/>
+                  <a:gd name="connsiteY0" fmla="*/ 183361 h 1650250"/>
+                  <a:gd name="connsiteX1" fmla="*/ 3652260 w 3703022"/>
+                  <a:gd name="connsiteY1" fmla="*/ 183361 h 1650250"/>
+                  <a:gd name="connsiteX2" fmla="*/ 1826130 w 3703022"/>
+                  <a:gd name="connsiteY2" fmla="*/ 1650250 h 1650250"/>
+                  <a:gd name="connsiteX3" fmla="*/ 91440 w 3703022"/>
+                  <a:gd name="connsiteY3" fmla="*/ 274801 h 1650250"/>
+                  <a:gd name="connsiteX0" fmla="*/ 2074136 w 3618575"/>
+                  <a:gd name="connsiteY0" fmla="*/ 49954 h 2236371"/>
+                  <a:gd name="connsiteX1" fmla="*/ 3567813 w 3618575"/>
+                  <a:gd name="connsiteY1" fmla="*/ 769482 h 2236371"/>
+                  <a:gd name="connsiteX2" fmla="*/ 1741683 w 3618575"/>
+                  <a:gd name="connsiteY2" fmla="*/ 2236371 h 2236371"/>
+                  <a:gd name="connsiteX3" fmla="*/ 6993 w 3618575"/>
+                  <a:gd name="connsiteY3" fmla="*/ 860922 h 2236371"/>
+                  <a:gd name="connsiteX0" fmla="*/ 3567813 w 3618575"/>
+                  <a:gd name="connsiteY0" fmla="*/ 0 h 1466889"/>
+                  <a:gd name="connsiteX1" fmla="*/ 1741683 w 3618575"/>
+                  <a:gd name="connsiteY1" fmla="*/ 1466889 h 1466889"/>
+                  <a:gd name="connsiteX2" fmla="*/ 6993 w 3618575"/>
+                  <a:gd name="connsiteY2" fmla="*/ 91440 h 1466889"/>
+                  <a:gd name="connsiteX0" fmla="*/ 3416248 w 3455189"/>
+                  <a:gd name="connsiteY0" fmla="*/ 0 h 1740457"/>
+                  <a:gd name="connsiteX1" fmla="*/ 1590118 w 3455189"/>
+                  <a:gd name="connsiteY1" fmla="*/ 1466889 h 1740457"/>
+                  <a:gd name="connsiteX2" fmla="*/ 5330 w 3455189"/>
+                  <a:gd name="connsiteY2" fmla="*/ 1305643 h 1740457"/>
+                  <a:gd name="connsiteX0" fmla="*/ 3759978 w 3800157"/>
+                  <a:gd name="connsiteY0" fmla="*/ 0 h 2150981"/>
+                  <a:gd name="connsiteX1" fmla="*/ 1933848 w 3800157"/>
+                  <a:gd name="connsiteY1" fmla="*/ 1466889 h 2150981"/>
+                  <a:gd name="connsiteX2" fmla="*/ 4286 w 3800157"/>
+                  <a:gd name="connsiteY2" fmla="*/ 1860279 h 2150981"/>
+                  <a:gd name="connsiteX0" fmla="*/ 3755692 w 3795871"/>
+                  <a:gd name="connsiteY0" fmla="*/ 0 h 1860279"/>
+                  <a:gd name="connsiteX1" fmla="*/ 1929562 w 3795871"/>
+                  <a:gd name="connsiteY1" fmla="*/ 1466889 h 1860279"/>
+                  <a:gd name="connsiteX2" fmla="*/ 0 w 3795871"/>
+                  <a:gd name="connsiteY2" fmla="*/ 1860279 h 1860279"/>
+                  <a:gd name="connsiteX0" fmla="*/ 3755692 w 3755692"/>
+                  <a:gd name="connsiteY0" fmla="*/ 0 h 1860279"/>
+                  <a:gd name="connsiteX1" fmla="*/ 0 w 3755692"/>
+                  <a:gd name="connsiteY1" fmla="*/ 1860279 h 1860279"/>
+                  <a:gd name="connsiteX0" fmla="*/ 3755692 w 3755692"/>
+                  <a:gd name="connsiteY0" fmla="*/ 0 h 1860279"/>
+                  <a:gd name="connsiteX1" fmla="*/ 0 w 3755692"/>
+                  <a:gd name="connsiteY1" fmla="*/ 1860279 h 1860279"/>
+                  <a:gd name="connsiteX0" fmla="*/ 3755692 w 3755692"/>
+                  <a:gd name="connsiteY0" fmla="*/ 0 h 1860279"/>
+                  <a:gd name="connsiteX1" fmla="*/ 0 w 3755692"/>
+                  <a:gd name="connsiteY1" fmla="*/ 1860279 h 1860279"/>
+                  <a:gd name="connsiteX0" fmla="*/ 3755692 w 3755692"/>
+                  <a:gd name="connsiteY0" fmla="*/ 0 h 1860279"/>
+                  <a:gd name="connsiteX1" fmla="*/ 0 w 3755692"/>
+                  <a:gd name="connsiteY1" fmla="*/ 1860279 h 1860279"/>
+                  <a:gd name="connsiteX0" fmla="*/ 3755692 w 3755692"/>
+                  <a:gd name="connsiteY0" fmla="*/ 0 h 1860279"/>
+                  <a:gd name="connsiteX1" fmla="*/ 0 w 3755692"/>
+                  <a:gd name="connsiteY1" fmla="*/ 1860279 h 1860279"/>
+                  <a:gd name="connsiteX0" fmla="*/ 3755692 w 3755692"/>
+                  <a:gd name="connsiteY0" fmla="*/ 0 h 1860279"/>
+                  <a:gd name="connsiteX1" fmla="*/ 0 w 3755692"/>
+                  <a:gd name="connsiteY1" fmla="*/ 1860279 h 1860279"/>
+                  <a:gd name="connsiteX0" fmla="*/ 3755692 w 3755692"/>
+                  <a:gd name="connsiteY0" fmla="*/ 0 h 1860279"/>
+                  <a:gd name="connsiteX1" fmla="*/ 0 w 3755692"/>
+                  <a:gd name="connsiteY1" fmla="*/ 1860279 h 1860279"/>
+                  <a:gd name="connsiteX0" fmla="*/ 3755692 w 3755692"/>
+                  <a:gd name="connsiteY0" fmla="*/ 0 h 1860279"/>
+                  <a:gd name="connsiteX1" fmla="*/ 0 w 3755692"/>
+                  <a:gd name="connsiteY1" fmla="*/ 1860279 h 1860279"/>
+                  <a:gd name="connsiteX0" fmla="*/ 3755692 w 3755692"/>
+                  <a:gd name="connsiteY0" fmla="*/ 0 h 1860279"/>
+                  <a:gd name="connsiteX1" fmla="*/ 0 w 3755692"/>
+                  <a:gd name="connsiteY1" fmla="*/ 1860279 h 1860279"/>
+                  <a:gd name="connsiteX0" fmla="*/ 3755692 w 3755692"/>
+                  <a:gd name="connsiteY0" fmla="*/ 0 h 1860279"/>
+                  <a:gd name="connsiteX1" fmla="*/ 0 w 3755692"/>
+                  <a:gd name="connsiteY1" fmla="*/ 1860279 h 1860279"/>
+                  <a:gd name="connsiteX0" fmla="*/ 3755692 w 3755692"/>
+                  <a:gd name="connsiteY0" fmla="*/ 0 h 1860279"/>
+                  <a:gd name="connsiteX1" fmla="*/ 0 w 3755692"/>
+                  <a:gd name="connsiteY1" fmla="*/ 1860279 h 1860279"/>
+                  <a:gd name="connsiteX0" fmla="*/ 3755692 w 3755692"/>
+                  <a:gd name="connsiteY0" fmla="*/ 0 h 1860279"/>
+                  <a:gd name="connsiteX1" fmla="*/ 0 w 3755692"/>
+                  <a:gd name="connsiteY1" fmla="*/ 1860279 h 1860279"/>
+                  <a:gd name="connsiteX0" fmla="*/ 3755692 w 3755692"/>
+                  <a:gd name="connsiteY0" fmla="*/ 0 h 1860279"/>
+                  <a:gd name="connsiteX1" fmla="*/ 0 w 3755692"/>
+                  <a:gd name="connsiteY1" fmla="*/ 1860279 h 1860279"/>
+                  <a:gd name="connsiteX0" fmla="*/ 3755692 w 3755692"/>
+                  <a:gd name="connsiteY0" fmla="*/ 0 h 1860279"/>
+                  <a:gd name="connsiteX1" fmla="*/ 0 w 3755692"/>
+                  <a:gd name="connsiteY1" fmla="*/ 1860279 h 1860279"/>
+                  <a:gd name="connsiteX0" fmla="*/ 3755692 w 3755692"/>
+                  <a:gd name="connsiteY0" fmla="*/ 0 h 1860279"/>
+                  <a:gd name="connsiteX1" fmla="*/ 0 w 3755692"/>
+                  <a:gd name="connsiteY1" fmla="*/ 1860279 h 1860279"/>
+                  <a:gd name="connsiteX0" fmla="*/ 3755692 w 3755692"/>
+                  <a:gd name="connsiteY0" fmla="*/ 0 h 1860279"/>
+                  <a:gd name="connsiteX1" fmla="*/ 0 w 3755692"/>
+                  <a:gd name="connsiteY1" fmla="*/ 1860279 h 1860279"/>
+                  <a:gd name="connsiteX0" fmla="*/ 3755692 w 3755692"/>
+                  <a:gd name="connsiteY0" fmla="*/ 0 h 1860279"/>
+                  <a:gd name="connsiteX1" fmla="*/ 0 w 3755692"/>
+                  <a:gd name="connsiteY1" fmla="*/ 1860279 h 1860279"/>
+                  <a:gd name="connsiteX0" fmla="*/ 3755692 w 3755692"/>
+                  <a:gd name="connsiteY0" fmla="*/ 0 h 1860279"/>
+                  <a:gd name="connsiteX1" fmla="*/ 0 w 3755692"/>
+                  <a:gd name="connsiteY1" fmla="*/ 1860279 h 1860279"/>
+                  <a:gd name="connsiteX0" fmla="*/ 3755692 w 3755692"/>
+                  <a:gd name="connsiteY0" fmla="*/ 0 h 1860279"/>
+                  <a:gd name="connsiteX1" fmla="*/ 0 w 3755692"/>
+                  <a:gd name="connsiteY1" fmla="*/ 1860279 h 1860279"/>
+                </a:gdLst>
+                <a:ahLst/>
+                <a:cxnLst>
+                  <a:cxn ang="0">
+                    <a:pos x="connsiteX0" y="connsiteY0"/>
+                  </a:cxn>
+                  <a:cxn ang="0">
+                    <a:pos x="connsiteX1" y="connsiteY1"/>
+                  </a:cxn>
+                </a:cxnLst>
+                <a:rect l="l" t="t" r="r" b="b"/>
+                <a:pathLst>
+                  <a:path w="3755692" h="1860279">
+                    <a:moveTo>
+                      <a:pt x="3755692" y="0"/>
+                    </a:moveTo>
+                    <a:cubicBezTo>
+                      <a:pt x="2797338" y="1397646"/>
+                      <a:pt x="1653862" y="1643461"/>
+                      <a:pt x="0" y="1860279"/>
+                    </a:cubicBezTo>
+                  </a:path>
+                </a:pathLst>
+              </a:custGeom>
+              <a:noFill/>
+              <a:ln w="63500">
+                <a:solidFill>
+                  <a:srgbClr val="58EC9F"/>
+                </a:solidFill>
+                <a:prstDash val="sysDash"/>
+                <a:headEnd type="triangle" w="med" len="lg"/>
+              </a:ln>
+            </p:spPr>
+            <p:style>
+              <a:lnRef idx="2">
+                <a:schemeClr val="accent1">
+                  <a:shade val="50000"/>
+                </a:schemeClr>
+              </a:lnRef>
+              <a:fillRef idx="1">
+                <a:schemeClr val="accent1"/>
+              </a:fillRef>
+              <a:effectRef idx="0">
+                <a:schemeClr val="accent1"/>
+              </a:effectRef>
+              <a:fontRef idx="minor">
+                <a:schemeClr val="lt1"/>
+              </a:fontRef>
+            </p:style>
+            <p:txBody>
+              <a:bodyPr rtlCol="0" anchor="ctr"/>
+              <a:lstStyle/>
+              <a:p>
+                <a:pPr algn="ctr"/>
+                <a:endParaRPr lang="sv-SE"/>
+              </a:p>
+            </p:txBody>
+          </p:sp>
+        </p:grpSp>
+        <p:cxnSp>
+          <p:nvCxnSpPr>
+            <p:cNvPr id="6" name="Straight Connector 5"/>
+            <p:cNvCxnSpPr/>
+            <p:nvPr/>
+          </p:nvCxnSpPr>
+          <p:spPr>
+            <a:xfrm>
+              <a:off x="1281306" y="3523129"/>
+              <a:ext cx="10757" cy="2624866"/>
+            </a:xfrm>
+            <a:prstGeom prst="line">
+              <a:avLst/>
+            </a:prstGeom>
+            <a:ln w="63500" cap="sq">
+              <a:solidFill>
+                <a:srgbClr val="50DE94"/>
+              </a:solidFill>
+              <a:round/>
+              <a:headEnd w="sm" len="med"/>
+              <a:tailEnd type="none" w="sm" len="sm"/>
+            </a:ln>
+            <a:effectLst/>
+            <a:scene3d>
+              <a:camera prst="orthographicFront"/>
+              <a:lightRig rig="threePt" dir="t"/>
+            </a:scene3d>
+            <a:sp3d/>
+          </p:spPr>
+          <p:style>
+            <a:lnRef idx="1">
+              <a:schemeClr val="accent1"/>
+            </a:lnRef>
+            <a:fillRef idx="0">
+              <a:schemeClr val="accent1"/>
+            </a:fillRef>
+            <a:effectRef idx="0">
+              <a:schemeClr val="accent1"/>
+            </a:effectRef>
+            <a:fontRef idx="minor">
+              <a:schemeClr val="tx1"/>
+            </a:fontRef>
+          </p:style>
+        </p:cxnSp>
+        <p:cxnSp>
+          <p:nvCxnSpPr>
+            <p:cNvPr id="9" name="Straight Connector 8"/>
+            <p:cNvCxnSpPr/>
+            <p:nvPr/>
+          </p:nvCxnSpPr>
+          <p:spPr>
+            <a:xfrm>
+              <a:off x="1296296" y="6147995"/>
+              <a:ext cx="3351008" cy="0"/>
+            </a:xfrm>
+            <a:prstGeom prst="line">
+              <a:avLst/>
+            </a:prstGeom>
+            <a:ln w="63500" cap="sq">
+              <a:solidFill>
+                <a:srgbClr val="50DE94"/>
+              </a:solidFill>
+              <a:round/>
+              <a:headEnd w="sm" len="med"/>
+              <a:tailEnd type="none" w="sm" len="sm"/>
+            </a:ln>
+            <a:effectLst/>
+            <a:scene3d>
+              <a:camera prst="orthographicFront"/>
+              <a:lightRig rig="threePt" dir="t"/>
+            </a:scene3d>
+            <a:sp3d/>
+          </p:spPr>
+          <p:style>
+            <a:lnRef idx="1">
+              <a:schemeClr val="accent1"/>
+            </a:lnRef>
+            <a:fillRef idx="0">
+              <a:schemeClr val="accent1"/>
+            </a:fillRef>
+            <a:effectRef idx="0">
+              <a:schemeClr val="accent1"/>
+            </a:effectRef>
+            <a:fontRef idx="minor">
+              <a:schemeClr val="tx1"/>
+            </a:fontRef>
+          </p:style>
+        </p:cxnSp>
+        <p:sp>
+          <p:nvSpPr>
+            <p:cNvPr id="27" name="Servicetekniker"/>
+            <p:cNvSpPr/>
+            <p:nvPr/>
+          </p:nvSpPr>
+          <p:spPr>
+            <a:xfrm>
+              <a:off x="2300653" y="6159285"/>
+              <a:ext cx="1362524" cy="427952"/>
+            </a:xfrm>
+            <a:prstGeom prst="roundRect">
+              <a:avLst/>
+            </a:prstGeom>
+            <a:noFill/>
+            <a:ln w="190500">
+              <a:noFill/>
+            </a:ln>
+          </p:spPr>
+          <p:style>
+            <a:lnRef idx="2">
+              <a:schemeClr val="accent1">
+                <a:shade val="50000"/>
+              </a:schemeClr>
+            </a:lnRef>
+            <a:fillRef idx="1">
+              <a:schemeClr val="accent1"/>
+            </a:fillRef>
+            <a:effectRef idx="0">
+              <a:schemeClr val="accent1"/>
+            </a:effectRef>
+            <a:fontRef idx="minor">
+              <a:schemeClr val="lt1"/>
+            </a:fontRef>
+          </p:style>
+          <p:txBody>
+            <a:bodyPr rtlCol="0" anchor="ctr"/>
+            <a:lstStyle/>
+            <a:p>
+              <a:r>
+                <a:rPr lang="sv-SE" b="1" dirty="0" smtClean="0"/>
+                <a:t>Attempts</a:t>
+              </a:r>
+              <a:endParaRPr lang="sv-SE" b="1" dirty="0"/>
+            </a:p>
+          </p:txBody>
+        </p:sp>
+        <p:sp>
+          <p:nvSpPr>
+            <p:cNvPr id="28" name="Servicetekniker"/>
+            <p:cNvSpPr/>
+            <p:nvPr/>
+          </p:nvSpPr>
+          <p:spPr>
+            <a:xfrm rot="16200000">
+              <a:off x="421792" y="4552307"/>
+              <a:ext cx="1290528" cy="427952"/>
+            </a:xfrm>
+            <a:prstGeom prst="roundRect">
+              <a:avLst/>
+            </a:prstGeom>
+            <a:noFill/>
+            <a:ln w="190500">
+              <a:noFill/>
+            </a:ln>
+          </p:spPr>
+          <p:style>
+            <a:lnRef idx="2">
+              <a:schemeClr val="accent1">
+                <a:shade val="50000"/>
+              </a:schemeClr>
+            </a:lnRef>
+            <a:fillRef idx="1">
+              <a:schemeClr val="accent1"/>
+            </a:fillRef>
+            <a:effectRef idx="0">
+              <a:schemeClr val="accent1"/>
+            </a:effectRef>
+            <a:fontRef idx="minor">
+              <a:schemeClr val="lt1"/>
+            </a:fontRef>
+          </p:style>
+          <p:txBody>
+            <a:bodyPr rtlCol="0" anchor="ctr"/>
+            <a:lstStyle/>
+            <a:p>
+              <a:r>
+                <a:rPr lang="sv-SE" b="1" dirty="0" smtClean="0"/>
+                <a:t>Delay</a:t>
+              </a:r>
+              <a:endParaRPr lang="sv-SE" b="1" dirty="0"/>
+            </a:p>
+          </p:txBody>
+        </p:sp>
+      </p:grpSp>
+    </p:spTree>
+    <p:extLst>
+      <p:ext uri="{BB962C8B-B14F-4D97-AF65-F5344CB8AC3E}">
+        <p14:creationId xmlns:p14="http://schemas.microsoft.com/office/powerpoint/2010/main" val="4067324404"/>
+      </p:ext>
+    </p:extLst>
+  </p:cSld>
+  <p:clrMapOvr>
+    <a:masterClrMapping/>
+  </p:clrMapOvr>
+  <p:timing>
+    <p:tnLst>
+      <p:par>
+        <p:cTn id="1" dur="indefinite" restart="never" nodeType="tmRoot"/>
+      </p:par>
+    </p:tnLst>
+  </p:timing>
+</p:sld>
+</file>
+
+<file path=ppt/slides/slide18.xml><?xml version="1.0" encoding="utf-8"?>
+<p:sld xmlns:a="http://schemas.openxmlformats.org/drawingml/2006/main" xmlns:r="http://schemas.openxmlformats.org/officeDocument/2006/relationships" xmlns:p="http://schemas.openxmlformats.org/presentationml/2006/main">
+  <p:cSld>
+    <p:bg>
+      <p:bgPr>
+        <a:solidFill>
+          <a:srgbClr val="1F4E79"/>
+        </a:solidFill>
+        <a:effectLst/>
+      </p:bgPr>
+    </p:bg>
+    <p:spTree>
+      <p:nvGrpSpPr>
+        <p:cNvPr id="1" name=""/>
+        <p:cNvGrpSpPr/>
+        <p:nvPr/>
+      </p:nvGrpSpPr>
+      <p:grpSpPr>
+        <a:xfrm>
+          <a:off x="0" y="0"/>
+          <a:ext cx="0" cy="0"/>
+          <a:chOff x="0" y="0"/>
+          <a:chExt cx="0" cy="0"/>
+        </a:xfrm>
+      </p:grpSpPr>
+      <p:sp>
+        <p:nvSpPr>
           <p:cNvPr id="79" name="Can 78"/>
           <p:cNvSpPr/>
           <p:nvPr/>
         </p:nvSpPr>
         <p:spPr>
           <a:xfrm>
-            <a:off x="8872218" y="3848768"/>
+            <a:off x="9055098" y="3848768"/>
             <a:ext cx="1173480" cy="2079255"/>
           </a:xfrm>
           <a:prstGeom prst="can">
@@ -17144,7 +17925,7 @@
         </p:nvSpPr>
         <p:spPr>
           <a:xfrm>
-            <a:off x="5077151" y="3117846"/>
+            <a:off x="5260031" y="3117846"/>
             <a:ext cx="1656986" cy="3276600"/>
           </a:xfrm>
           <a:prstGeom prst="roundRect">
@@ -17197,7 +17978,7 @@
         </p:nvGrpSpPr>
         <p:grpSpPr>
           <a:xfrm>
-            <a:off x="1438990" y="3521379"/>
+            <a:off x="1621870" y="3521379"/>
             <a:ext cx="4838766" cy="1207367"/>
             <a:chOff x="219790" y="3457774"/>
             <a:chExt cx="4838766" cy="1207367"/>
@@ -17735,9 +18516,9 @@
             </a:xfrm>
             <a:prstGeom prst="bentConnector5">
               <a:avLst>
-                <a:gd name="adj1" fmla="val 1801"/>
-                <a:gd name="adj2" fmla="val 19204276"/>
-                <a:gd name="adj3" fmla="val 100000"/>
+                <a:gd name="adj1" fmla="val -3100"/>
+                <a:gd name="adj2" fmla="val 18646890"/>
+                <a:gd name="adj3" fmla="val 103100"/>
               </a:avLst>
             </a:prstGeom>
             <a:ln w="63500" cap="rnd">
@@ -17779,7 +18560,7 @@
         </p:nvSpPr>
         <p:spPr>
           <a:xfrm>
-            <a:off x="5419963" y="3634438"/>
+            <a:off x="5602843" y="3634438"/>
             <a:ext cx="997527" cy="997527"/>
           </a:xfrm>
           <a:prstGeom prst="ellipse">
@@ -17793,7 +18574,7 @@
           </a:solidFill>
           <a:ln w="25400">
             <a:solidFill>
-              <a:srgbClr val="1F4E79"/>
+              <a:schemeClr val="accent6"/>
             </a:solidFill>
           </a:ln>
         </p:spPr>
@@ -17834,7 +18615,7 @@
         </p:nvGrpSpPr>
         <p:grpSpPr>
           <a:xfrm>
-            <a:off x="1438989" y="5054247"/>
+            <a:off x="1621869" y="5054247"/>
             <a:ext cx="7433229" cy="1202180"/>
             <a:chOff x="-1204869" y="4990642"/>
             <a:chExt cx="7433229" cy="1202180"/>
@@ -18457,7 +19238,7 @@
         </p:nvSpPr>
         <p:spPr>
           <a:xfrm>
-            <a:off x="5405212" y="5152258"/>
+            <a:off x="5588092" y="5152258"/>
             <a:ext cx="997527" cy="997527"/>
           </a:xfrm>
           <a:prstGeom prst="ellipse">
@@ -18468,7 +19249,7 @@
           </a:solidFill>
           <a:ln w="25400">
             <a:solidFill>
-              <a:srgbClr val="1F4E79"/>
+              <a:srgbClr val="C00000"/>
             </a:solidFill>
           </a:ln>
           <a:effectLst/>
@@ -18508,7 +19289,7 @@
         </p:nvGrpSpPr>
         <p:grpSpPr>
           <a:xfrm>
-            <a:off x="8415837" y="3848768"/>
+            <a:off x="8598717" y="3848768"/>
             <a:ext cx="562367" cy="568866"/>
             <a:chOff x="4665409" y="4631482"/>
             <a:chExt cx="1610726" cy="1629341"/>
@@ -18687,8 +19468,8 @@
         </p:nvSpPr>
         <p:spPr>
           <a:xfrm>
-            <a:off x="2113320" y="922376"/>
-            <a:ext cx="7965359" cy="1107996"/>
+            <a:off x="0" y="922376"/>
+            <a:ext cx="12192000" cy="1107996"/>
           </a:xfrm>
           <a:prstGeom prst="rect">
             <a:avLst/>
@@ -19076,7 +19857,2243 @@
 </p:sld>
 </file>
 
-<file path=ppt/slides/slide18.xml><?xml version="1.0" encoding="utf-8"?>
+<file path=ppt/slides/slide19.xml><?xml version="1.0" encoding="utf-8"?>
+<p:sld xmlns:a="http://schemas.openxmlformats.org/drawingml/2006/main" xmlns:r="http://schemas.openxmlformats.org/officeDocument/2006/relationships" xmlns:p="http://schemas.openxmlformats.org/presentationml/2006/main">
+  <p:cSld>
+    <p:bg>
+      <p:bgPr>
+        <a:solidFill>
+          <a:srgbClr val="1F4E79"/>
+        </a:solidFill>
+        <a:effectLst/>
+      </p:bgPr>
+    </p:bg>
+    <p:spTree>
+      <p:nvGrpSpPr>
+        <p:cNvPr id="1" name=""/>
+        <p:cNvGrpSpPr/>
+        <p:nvPr/>
+      </p:nvGrpSpPr>
+      <p:grpSpPr>
+        <a:xfrm>
+          <a:off x="0" y="0"/>
+          <a:ext cx="0" cy="0"/>
+          <a:chOff x="0" y="0"/>
+          <a:chExt cx="0" cy="0"/>
+        </a:xfrm>
+      </p:grpSpPr>
+      <p:sp>
+        <p:nvSpPr>
+          <p:cNvPr id="16" name="Rounded Rectangle 15"/>
+          <p:cNvSpPr/>
+          <p:nvPr/>
+        </p:nvSpPr>
+        <p:spPr>
+          <a:xfrm>
+            <a:off x="0" y="2636976"/>
+            <a:ext cx="12192000" cy="264970"/>
+          </a:xfrm>
+          <a:prstGeom prst="roundRect">
+            <a:avLst>
+              <a:gd name="adj" fmla="val 0"/>
+            </a:avLst>
+          </a:prstGeom>
+          <a:solidFill>
+            <a:srgbClr val="233B50"/>
+          </a:solidFill>
+          <a:ln/>
+          <a:effectLst/>
+        </p:spPr>
+        <p:style>
+          <a:lnRef idx="0">
+            <a:schemeClr val="accent5"/>
+          </a:lnRef>
+          <a:fillRef idx="3">
+            <a:schemeClr val="accent5"/>
+          </a:fillRef>
+          <a:effectRef idx="3">
+            <a:schemeClr val="accent5"/>
+          </a:effectRef>
+          <a:fontRef idx="minor">
+            <a:schemeClr val="lt1"/>
+          </a:fontRef>
+        </p:style>
+        <p:txBody>
+          <a:bodyPr rtlCol="0" anchor="ctr" anchorCtr="0"/>
+          <a:lstStyle/>
+          <a:p>
+            <a:endParaRPr lang="sv-SE" sz="4000" dirty="0">
+              <a:solidFill>
+                <a:schemeClr val="tx1"/>
+              </a:solidFill>
+            </a:endParaRPr>
+          </a:p>
+        </p:txBody>
+      </p:sp>
+      <p:sp>
+        <p:nvSpPr>
+          <p:cNvPr id="11" name="Rounded Rectangle 10"/>
+          <p:cNvSpPr/>
+          <p:nvPr/>
+        </p:nvSpPr>
+        <p:spPr>
+          <a:xfrm>
+            <a:off x="0" y="0"/>
+            <a:ext cx="12192000" cy="2637495"/>
+          </a:xfrm>
+          <a:prstGeom prst="roundRect">
+            <a:avLst>
+              <a:gd name="adj" fmla="val 0"/>
+            </a:avLst>
+          </a:prstGeom>
+          <a:solidFill>
+            <a:srgbClr val="282828"/>
+          </a:solidFill>
+          <a:ln/>
+          <a:effectLst/>
+        </p:spPr>
+        <p:style>
+          <a:lnRef idx="0">
+            <a:schemeClr val="accent5"/>
+          </a:lnRef>
+          <a:fillRef idx="3">
+            <a:schemeClr val="accent5"/>
+          </a:fillRef>
+          <a:effectRef idx="3">
+            <a:schemeClr val="accent5"/>
+          </a:effectRef>
+          <a:fontRef idx="minor">
+            <a:schemeClr val="lt1"/>
+          </a:fontRef>
+        </p:style>
+        <p:txBody>
+          <a:bodyPr rtlCol="0" anchor="ctr" anchorCtr="0"/>
+          <a:lstStyle/>
+          <a:p>
+            <a:endParaRPr lang="sv-SE" sz="4000" dirty="0">
+              <a:solidFill>
+                <a:schemeClr val="tx1"/>
+              </a:solidFill>
+            </a:endParaRPr>
+          </a:p>
+        </p:txBody>
+      </p:sp>
+      <p:sp>
+        <p:nvSpPr>
+          <p:cNvPr id="12" name="TextBox 11"/>
+          <p:cNvSpPr txBox="1"/>
+          <p:nvPr/>
+        </p:nvSpPr>
+        <p:spPr>
+          <a:xfrm>
+            <a:off x="0" y="922376"/>
+            <a:ext cx="12192000" cy="1107996"/>
+          </a:xfrm>
+          <a:prstGeom prst="rect">
+            <a:avLst/>
+          </a:prstGeom>
+          <a:noFill/>
+          <a:effectLst>
+            <a:outerShdw dist="88900" dir="2700000" algn="tl" rotWithShape="0">
+              <a:prstClr val="black"/>
+            </a:outerShdw>
+          </a:effectLst>
+        </p:spPr>
+        <p:txBody>
+          <a:bodyPr wrap="square" rtlCol="0">
+            <a:spAutoFit/>
+          </a:bodyPr>
+          <a:lstStyle>
+            <a:defPPr>
+              <a:defRPr lang="sv-SE"/>
+            </a:defPPr>
+            <a:lvl1pPr algn="ctr">
+              <a:defRPr sz="6600" b="1">
+                <a:latin typeface="Lobster Two" panose="02000506000000020003" pitchFamily="50" charset="0"/>
+              </a:defRPr>
+            </a:lvl1pPr>
+          </a:lstStyle>
+          <a:p>
+            <a:r>
+              <a:rPr lang="sv-SE" dirty="0" smtClean="0"/>
+              <a:t>Limit Concurrency</a:t>
+            </a:r>
+            <a:endParaRPr lang="sv-SE" dirty="0"/>
+          </a:p>
+        </p:txBody>
+      </p:sp>
+      <p:grpSp>
+        <p:nvGrpSpPr>
+          <p:cNvPr id="26" name="Group 25"/>
+          <p:cNvGrpSpPr/>
+          <p:nvPr/>
+        </p:nvGrpSpPr>
+        <p:grpSpPr>
+          <a:xfrm>
+            <a:off x="2770722" y="4207850"/>
+            <a:ext cx="6650556" cy="1701873"/>
+            <a:chOff x="1351005" y="2396288"/>
+            <a:chExt cx="6650556" cy="1701873"/>
+          </a:xfrm>
+        </p:grpSpPr>
+        <p:cxnSp>
+          <p:nvCxnSpPr>
+            <p:cNvPr id="30" name="Elbow Connector 29"/>
+            <p:cNvCxnSpPr>
+              <a:stCxn id="42" idx="3"/>
+              <a:endCxn id="45" idx="1"/>
+            </p:cNvCxnSpPr>
+            <p:nvPr/>
+          </p:nvCxnSpPr>
+          <p:spPr>
+            <a:xfrm>
+              <a:off x="4924729" y="3241590"/>
+              <a:ext cx="1668159" cy="606832"/>
+            </a:xfrm>
+            <a:prstGeom prst="bentConnector3">
+              <a:avLst>
+                <a:gd name="adj1" fmla="val 13457"/>
+              </a:avLst>
+            </a:prstGeom>
+            <a:ln w="63500" cap="rnd">
+              <a:solidFill>
+                <a:srgbClr val="50DE94"/>
+              </a:solidFill>
+              <a:round/>
+              <a:headEnd w="sm" len="med"/>
+              <a:tailEnd type="arrow" w="sm" len="sm"/>
+            </a:ln>
+            <a:effectLst/>
+            <a:scene3d>
+              <a:camera prst="orthographicFront"/>
+              <a:lightRig rig="threePt" dir="t"/>
+            </a:scene3d>
+            <a:sp3d/>
+          </p:spPr>
+          <p:style>
+            <a:lnRef idx="1">
+              <a:schemeClr val="accent1"/>
+            </a:lnRef>
+            <a:fillRef idx="0">
+              <a:schemeClr val="accent1"/>
+            </a:fillRef>
+            <a:effectRef idx="0">
+              <a:schemeClr val="accent1"/>
+            </a:effectRef>
+            <a:fontRef idx="minor">
+              <a:schemeClr val="tx1"/>
+            </a:fontRef>
+          </p:style>
+        </p:cxnSp>
+        <p:cxnSp>
+          <p:nvCxnSpPr>
+            <p:cNvPr id="31" name="Elbow Connector 30"/>
+            <p:cNvCxnSpPr>
+              <a:stCxn id="42" idx="3"/>
+              <a:endCxn id="43" idx="1"/>
+            </p:cNvCxnSpPr>
+            <p:nvPr/>
+          </p:nvCxnSpPr>
+          <p:spPr>
+            <a:xfrm flipV="1">
+              <a:off x="4924729" y="2646027"/>
+              <a:ext cx="1668161" cy="595563"/>
+            </a:xfrm>
+            <a:prstGeom prst="bentConnector3">
+              <a:avLst>
+                <a:gd name="adj1" fmla="val 13457"/>
+              </a:avLst>
+            </a:prstGeom>
+            <a:ln w="63500" cap="rnd">
+              <a:solidFill>
+                <a:srgbClr val="50DE94"/>
+              </a:solidFill>
+              <a:round/>
+              <a:headEnd w="sm" len="med"/>
+              <a:tailEnd type="arrow" w="sm" len="sm"/>
+            </a:ln>
+            <a:effectLst/>
+            <a:scene3d>
+              <a:camera prst="orthographicFront"/>
+              <a:lightRig rig="threePt" dir="t"/>
+            </a:scene3d>
+            <a:sp3d/>
+          </p:spPr>
+          <p:style>
+            <a:lnRef idx="1">
+              <a:schemeClr val="accent1"/>
+            </a:lnRef>
+            <a:fillRef idx="0">
+              <a:schemeClr val="accent1"/>
+            </a:fillRef>
+            <a:effectRef idx="0">
+              <a:schemeClr val="accent1"/>
+            </a:effectRef>
+            <a:fontRef idx="minor">
+              <a:schemeClr val="tx1"/>
+            </a:fontRef>
+          </p:style>
+        </p:cxnSp>
+        <p:cxnSp>
+          <p:nvCxnSpPr>
+            <p:cNvPr id="32" name="Straight Arrow Connector 31"/>
+            <p:cNvCxnSpPr>
+              <a:stCxn id="42" idx="3"/>
+              <a:endCxn id="44" idx="1"/>
+            </p:cNvCxnSpPr>
+            <p:nvPr/>
+          </p:nvCxnSpPr>
+          <p:spPr>
+            <a:xfrm>
+              <a:off x="4924729" y="3241590"/>
+              <a:ext cx="1668160" cy="7315"/>
+            </a:xfrm>
+            <a:prstGeom prst="straightConnector1">
+              <a:avLst/>
+            </a:prstGeom>
+            <a:ln w="63500" cap="rnd">
+              <a:solidFill>
+                <a:srgbClr val="50DE94"/>
+              </a:solidFill>
+              <a:round/>
+              <a:headEnd w="sm" len="med"/>
+              <a:tailEnd type="arrow" w="sm" len="sm"/>
+            </a:ln>
+            <a:effectLst/>
+            <a:scene3d>
+              <a:camera prst="orthographicFront"/>
+              <a:lightRig rig="threePt" dir="t"/>
+            </a:scene3d>
+            <a:sp3d/>
+          </p:spPr>
+          <p:style>
+            <a:lnRef idx="1">
+              <a:schemeClr val="accent1"/>
+            </a:lnRef>
+            <a:fillRef idx="0">
+              <a:schemeClr val="accent1"/>
+            </a:fillRef>
+            <a:effectRef idx="0">
+              <a:schemeClr val="accent1"/>
+            </a:effectRef>
+            <a:fontRef idx="minor">
+              <a:schemeClr val="tx1"/>
+            </a:fontRef>
+          </p:style>
+        </p:cxnSp>
+        <p:cxnSp>
+          <p:nvCxnSpPr>
+            <p:cNvPr id="33" name="Straight Arrow Connector 32"/>
+            <p:cNvCxnSpPr/>
+            <p:nvPr/>
+          </p:nvCxnSpPr>
+          <p:spPr>
+            <a:xfrm>
+              <a:off x="1351005" y="3248905"/>
+              <a:ext cx="2165053" cy="0"/>
+            </a:xfrm>
+            <a:prstGeom prst="straightConnector1">
+              <a:avLst/>
+            </a:prstGeom>
+            <a:ln w="63500" cap="rnd">
+              <a:solidFill>
+                <a:srgbClr val="50DE94"/>
+              </a:solidFill>
+              <a:round/>
+              <a:headEnd w="sm" len="med"/>
+              <a:tailEnd type="none" w="sm" len="sm"/>
+            </a:ln>
+            <a:effectLst/>
+            <a:scene3d>
+              <a:camera prst="orthographicFront"/>
+              <a:lightRig rig="threePt" dir="t"/>
+            </a:scene3d>
+            <a:sp3d/>
+          </p:spPr>
+          <p:style>
+            <a:lnRef idx="1">
+              <a:schemeClr val="accent1"/>
+            </a:lnRef>
+            <a:fillRef idx="0">
+              <a:schemeClr val="accent1"/>
+            </a:fillRef>
+            <a:effectRef idx="0">
+              <a:schemeClr val="accent1"/>
+            </a:effectRef>
+            <a:fontRef idx="minor">
+              <a:schemeClr val="tx1"/>
+            </a:fontRef>
+          </p:style>
+        </p:cxnSp>
+        <p:sp>
+          <p:nvSpPr>
+            <p:cNvPr id="34" name="Rounded Rectangle 33"/>
+            <p:cNvSpPr/>
+            <p:nvPr/>
+          </p:nvSpPr>
+          <p:spPr>
+            <a:xfrm>
+              <a:off x="2805452" y="3061481"/>
+              <a:ext cx="267855" cy="360218"/>
+            </a:xfrm>
+            <a:prstGeom prst="roundRect">
+              <a:avLst/>
+            </a:prstGeom>
+            <a:ln w="25400" cap="rnd" cmpd="sng">
+              <a:solidFill>
+                <a:schemeClr val="bg1"/>
+              </a:solidFill>
+              <a:round/>
+            </a:ln>
+            <a:effectLst/>
+          </p:spPr>
+          <p:style>
+            <a:lnRef idx="2">
+              <a:schemeClr val="dk1"/>
+            </a:lnRef>
+            <a:fillRef idx="1">
+              <a:schemeClr val="lt1"/>
+            </a:fillRef>
+            <a:effectRef idx="0">
+              <a:schemeClr val="dk1"/>
+            </a:effectRef>
+            <a:fontRef idx="minor">
+              <a:schemeClr val="dk1"/>
+            </a:fontRef>
+          </p:style>
+          <p:txBody>
+            <a:bodyPr rtlCol="0" anchor="ctr"/>
+            <a:lstStyle/>
+            <a:p>
+              <a:pPr algn="ctr"/>
+              <a:r>
+                <a:rPr lang="sv-SE" dirty="0">
+                  <a:solidFill>
+                    <a:schemeClr val="bg1"/>
+                  </a:solidFill>
+                </a:rPr>
+                <a:t>1</a:t>
+              </a:r>
+            </a:p>
+          </p:txBody>
+        </p:sp>
+        <p:sp>
+          <p:nvSpPr>
+            <p:cNvPr id="35" name="Rounded Rectangle 34"/>
+            <p:cNvSpPr/>
+            <p:nvPr/>
+          </p:nvSpPr>
+          <p:spPr>
+            <a:xfrm>
+              <a:off x="2362701" y="3059919"/>
+              <a:ext cx="267855" cy="360218"/>
+            </a:xfrm>
+            <a:prstGeom prst="roundRect">
+              <a:avLst/>
+            </a:prstGeom>
+            <a:ln w="25400" cap="rnd" cmpd="sng">
+              <a:solidFill>
+                <a:schemeClr val="bg1"/>
+              </a:solidFill>
+              <a:round/>
+            </a:ln>
+            <a:effectLst/>
+          </p:spPr>
+          <p:style>
+            <a:lnRef idx="2">
+              <a:schemeClr val="dk1"/>
+            </a:lnRef>
+            <a:fillRef idx="1">
+              <a:schemeClr val="lt1"/>
+            </a:fillRef>
+            <a:effectRef idx="0">
+              <a:schemeClr val="dk1"/>
+            </a:effectRef>
+            <a:fontRef idx="minor">
+              <a:schemeClr val="dk1"/>
+            </a:fontRef>
+          </p:style>
+          <p:txBody>
+            <a:bodyPr rtlCol="0" anchor="ctr"/>
+            <a:lstStyle/>
+            <a:p>
+              <a:pPr algn="ctr"/>
+              <a:r>
+                <a:rPr lang="sv-SE" dirty="0">
+                  <a:solidFill>
+                    <a:schemeClr val="bg1"/>
+                  </a:solidFill>
+                </a:rPr>
+                <a:t>2</a:t>
+              </a:r>
+            </a:p>
+          </p:txBody>
+        </p:sp>
+        <p:sp>
+          <p:nvSpPr>
+            <p:cNvPr id="36" name="Rounded Rectangle 35"/>
+            <p:cNvSpPr/>
+            <p:nvPr/>
+          </p:nvSpPr>
+          <p:spPr>
+            <a:xfrm>
+              <a:off x="5940477" y="2446444"/>
+              <a:ext cx="267855" cy="360218"/>
+            </a:xfrm>
+            <a:prstGeom prst="roundRect">
+              <a:avLst/>
+            </a:prstGeom>
+            <a:ln w="25400" cap="rnd" cmpd="sng">
+              <a:solidFill>
+                <a:schemeClr val="bg1"/>
+              </a:solidFill>
+              <a:round/>
+            </a:ln>
+            <a:effectLst/>
+          </p:spPr>
+          <p:style>
+            <a:lnRef idx="2">
+              <a:schemeClr val="dk1"/>
+            </a:lnRef>
+            <a:fillRef idx="1">
+              <a:schemeClr val="lt1"/>
+            </a:fillRef>
+            <a:effectRef idx="0">
+              <a:schemeClr val="dk1"/>
+            </a:effectRef>
+            <a:fontRef idx="minor">
+              <a:schemeClr val="dk1"/>
+            </a:fontRef>
+          </p:style>
+          <p:txBody>
+            <a:bodyPr rtlCol="0" anchor="ctr"/>
+            <a:lstStyle/>
+            <a:p>
+              <a:pPr algn="ctr"/>
+              <a:r>
+                <a:rPr lang="sv-SE" dirty="0">
+                  <a:solidFill>
+                    <a:schemeClr val="bg1"/>
+                  </a:solidFill>
+                </a:rPr>
+                <a:t>1</a:t>
+              </a:r>
+            </a:p>
+          </p:txBody>
+        </p:sp>
+        <p:sp>
+          <p:nvSpPr>
+            <p:cNvPr id="37" name="Rounded Rectangle 36"/>
+            <p:cNvSpPr/>
+            <p:nvPr/>
+          </p:nvSpPr>
+          <p:spPr>
+            <a:xfrm>
+              <a:off x="5940477" y="3054839"/>
+              <a:ext cx="267855" cy="360218"/>
+            </a:xfrm>
+            <a:prstGeom prst="roundRect">
+              <a:avLst/>
+            </a:prstGeom>
+            <a:ln w="25400" cap="rnd" cmpd="sng">
+              <a:solidFill>
+                <a:schemeClr val="bg1"/>
+              </a:solidFill>
+              <a:round/>
+            </a:ln>
+            <a:effectLst/>
+          </p:spPr>
+          <p:style>
+            <a:lnRef idx="2">
+              <a:schemeClr val="dk1"/>
+            </a:lnRef>
+            <a:fillRef idx="1">
+              <a:schemeClr val="lt1"/>
+            </a:fillRef>
+            <a:effectRef idx="0">
+              <a:schemeClr val="dk1"/>
+            </a:effectRef>
+            <a:fontRef idx="minor">
+              <a:schemeClr val="dk1"/>
+            </a:fontRef>
+          </p:style>
+          <p:txBody>
+            <a:bodyPr rtlCol="0" anchor="ctr"/>
+            <a:lstStyle/>
+            <a:p>
+              <a:pPr algn="ctr"/>
+              <a:r>
+                <a:rPr lang="sv-SE" dirty="0">
+                  <a:solidFill>
+                    <a:schemeClr val="bg1"/>
+                  </a:solidFill>
+                </a:rPr>
+                <a:t>2</a:t>
+              </a:r>
+            </a:p>
+          </p:txBody>
+        </p:sp>
+        <p:sp>
+          <p:nvSpPr>
+            <p:cNvPr id="38" name="Rounded Rectangle 37"/>
+            <p:cNvSpPr/>
+            <p:nvPr/>
+          </p:nvSpPr>
+          <p:spPr>
+            <a:xfrm>
+              <a:off x="5940477" y="3659167"/>
+              <a:ext cx="267855" cy="360218"/>
+            </a:xfrm>
+            <a:prstGeom prst="roundRect">
+              <a:avLst/>
+            </a:prstGeom>
+            <a:ln w="25400" cap="rnd" cmpd="sng">
+              <a:solidFill>
+                <a:schemeClr val="bg1"/>
+              </a:solidFill>
+              <a:round/>
+            </a:ln>
+            <a:effectLst/>
+          </p:spPr>
+          <p:style>
+            <a:lnRef idx="2">
+              <a:schemeClr val="dk1"/>
+            </a:lnRef>
+            <a:fillRef idx="1">
+              <a:schemeClr val="lt1"/>
+            </a:fillRef>
+            <a:effectRef idx="0">
+              <a:schemeClr val="dk1"/>
+            </a:effectRef>
+            <a:fontRef idx="minor">
+              <a:schemeClr val="dk1"/>
+            </a:fontRef>
+          </p:style>
+          <p:txBody>
+            <a:bodyPr rtlCol="0" anchor="ctr"/>
+            <a:lstStyle/>
+            <a:p>
+              <a:pPr algn="ctr"/>
+              <a:r>
+                <a:rPr lang="sv-SE" dirty="0">
+                  <a:solidFill>
+                    <a:schemeClr val="bg1"/>
+                  </a:solidFill>
+                </a:rPr>
+                <a:t>3</a:t>
+              </a:r>
+            </a:p>
+          </p:txBody>
+        </p:sp>
+        <p:sp>
+          <p:nvSpPr>
+            <p:cNvPr id="39" name="Rounded Rectangle 38"/>
+            <p:cNvSpPr/>
+            <p:nvPr/>
+          </p:nvSpPr>
+          <p:spPr>
+            <a:xfrm>
+              <a:off x="1919950" y="3053277"/>
+              <a:ext cx="267855" cy="360218"/>
+            </a:xfrm>
+            <a:prstGeom prst="roundRect">
+              <a:avLst/>
+            </a:prstGeom>
+            <a:ln w="25400" cap="rnd" cmpd="sng">
+              <a:solidFill>
+                <a:schemeClr val="bg1"/>
+              </a:solidFill>
+              <a:round/>
+            </a:ln>
+            <a:effectLst/>
+          </p:spPr>
+          <p:style>
+            <a:lnRef idx="2">
+              <a:schemeClr val="dk1"/>
+            </a:lnRef>
+            <a:fillRef idx="1">
+              <a:schemeClr val="lt1"/>
+            </a:fillRef>
+            <a:effectRef idx="0">
+              <a:schemeClr val="dk1"/>
+            </a:effectRef>
+            <a:fontRef idx="minor">
+              <a:schemeClr val="dk1"/>
+            </a:fontRef>
+          </p:style>
+          <p:txBody>
+            <a:bodyPr rtlCol="0" anchor="ctr"/>
+            <a:lstStyle/>
+            <a:p>
+              <a:pPr algn="ctr"/>
+              <a:r>
+                <a:rPr lang="sv-SE" dirty="0">
+                  <a:solidFill>
+                    <a:schemeClr val="bg1"/>
+                  </a:solidFill>
+                </a:rPr>
+                <a:t>3</a:t>
+              </a:r>
+            </a:p>
+          </p:txBody>
+        </p:sp>
+        <p:sp>
+          <p:nvSpPr>
+            <p:cNvPr id="40" name="Rounded Rectangle 39"/>
+            <p:cNvSpPr/>
+            <p:nvPr/>
+          </p:nvSpPr>
+          <p:spPr>
+            <a:xfrm>
+              <a:off x="1477199" y="3053277"/>
+              <a:ext cx="267855" cy="360218"/>
+            </a:xfrm>
+            <a:prstGeom prst="roundRect">
+              <a:avLst/>
+            </a:prstGeom>
+            <a:ln w="25400" cap="rnd" cmpd="sng">
+              <a:solidFill>
+                <a:schemeClr val="bg1"/>
+              </a:solidFill>
+              <a:round/>
+            </a:ln>
+            <a:effectLst/>
+          </p:spPr>
+          <p:style>
+            <a:lnRef idx="2">
+              <a:schemeClr val="dk1"/>
+            </a:lnRef>
+            <a:fillRef idx="1">
+              <a:schemeClr val="lt1"/>
+            </a:fillRef>
+            <a:effectRef idx="0">
+              <a:schemeClr val="dk1"/>
+            </a:effectRef>
+            <a:fontRef idx="minor">
+              <a:schemeClr val="dk1"/>
+            </a:fontRef>
+          </p:style>
+          <p:txBody>
+            <a:bodyPr rtlCol="0" anchor="ctr"/>
+            <a:lstStyle/>
+            <a:p>
+              <a:pPr algn="ctr"/>
+              <a:r>
+                <a:rPr lang="sv-SE" dirty="0">
+                  <a:solidFill>
+                    <a:schemeClr val="bg1"/>
+                  </a:solidFill>
+                </a:rPr>
+                <a:t>4</a:t>
+              </a:r>
+            </a:p>
+          </p:txBody>
+        </p:sp>
+        <p:sp>
+          <p:nvSpPr>
+            <p:cNvPr id="41" name="Rounded Rectangle 40"/>
+            <p:cNvSpPr/>
+            <p:nvPr/>
+          </p:nvSpPr>
+          <p:spPr>
+            <a:xfrm>
+              <a:off x="5486772" y="2446444"/>
+              <a:ext cx="267855" cy="360218"/>
+            </a:xfrm>
+            <a:prstGeom prst="roundRect">
+              <a:avLst/>
+            </a:prstGeom>
+            <a:ln w="25400" cap="rnd" cmpd="sng">
+              <a:solidFill>
+                <a:schemeClr val="bg1"/>
+              </a:solidFill>
+              <a:round/>
+            </a:ln>
+            <a:effectLst/>
+          </p:spPr>
+          <p:style>
+            <a:lnRef idx="2">
+              <a:schemeClr val="dk1"/>
+            </a:lnRef>
+            <a:fillRef idx="1">
+              <a:schemeClr val="lt1"/>
+            </a:fillRef>
+            <a:effectRef idx="0">
+              <a:schemeClr val="dk1"/>
+            </a:effectRef>
+            <a:fontRef idx="minor">
+              <a:schemeClr val="dk1"/>
+            </a:fontRef>
+          </p:style>
+          <p:txBody>
+            <a:bodyPr rtlCol="0" anchor="ctr"/>
+            <a:lstStyle/>
+            <a:p>
+              <a:pPr algn="ctr"/>
+              <a:r>
+                <a:rPr lang="sv-SE" dirty="0">
+                  <a:solidFill>
+                    <a:schemeClr val="bg1"/>
+                  </a:solidFill>
+                </a:rPr>
+                <a:t>4</a:t>
+              </a:r>
+            </a:p>
+          </p:txBody>
+        </p:sp>
+        <p:sp>
+          <p:nvSpPr>
+            <p:cNvPr id="42" name="Rounded Rectangle 41"/>
+            <p:cNvSpPr/>
+            <p:nvPr/>
+          </p:nvSpPr>
+          <p:spPr>
+            <a:xfrm>
+              <a:off x="3516058" y="2991851"/>
+              <a:ext cx="1408671" cy="499478"/>
+            </a:xfrm>
+            <a:prstGeom prst="roundRect">
+              <a:avLst>
+                <a:gd name="adj" fmla="val 6176"/>
+              </a:avLst>
+            </a:prstGeom>
+            <a:solidFill>
+              <a:srgbClr val="43BFF7"/>
+            </a:solidFill>
+            <a:ln w="38100">
+              <a:noFill/>
+            </a:ln>
+          </p:spPr>
+          <p:style>
+            <a:lnRef idx="2">
+              <a:schemeClr val="accent1">
+                <a:shade val="50000"/>
+              </a:schemeClr>
+            </a:lnRef>
+            <a:fillRef idx="1">
+              <a:schemeClr val="accent1"/>
+            </a:fillRef>
+            <a:effectRef idx="0">
+              <a:schemeClr val="accent1"/>
+            </a:effectRef>
+            <a:fontRef idx="minor">
+              <a:schemeClr val="lt1"/>
+            </a:fontRef>
+          </p:style>
+          <p:txBody>
+            <a:bodyPr rtlCol="0" anchor="ctr"/>
+            <a:lstStyle/>
+            <a:p>
+              <a:pPr algn="ctr"/>
+              <a:r>
+                <a:rPr lang="sv-SE" b="1" dirty="0"/>
+                <a:t>Router</a:t>
+              </a:r>
+            </a:p>
+          </p:txBody>
+        </p:sp>
+        <p:sp>
+          <p:nvSpPr>
+            <p:cNvPr id="43" name="Rounded Rectangle 42"/>
+            <p:cNvSpPr/>
+            <p:nvPr/>
+          </p:nvSpPr>
+          <p:spPr>
+            <a:xfrm>
+              <a:off x="6592890" y="2396288"/>
+              <a:ext cx="1408671" cy="499478"/>
+            </a:xfrm>
+            <a:prstGeom prst="roundRect">
+              <a:avLst>
+                <a:gd name="adj" fmla="val 6176"/>
+              </a:avLst>
+            </a:prstGeom>
+            <a:solidFill>
+              <a:srgbClr val="43BFF7"/>
+            </a:solidFill>
+            <a:ln w="38100">
+              <a:noFill/>
+            </a:ln>
+          </p:spPr>
+          <p:style>
+            <a:lnRef idx="2">
+              <a:schemeClr val="accent1">
+                <a:shade val="50000"/>
+              </a:schemeClr>
+            </a:lnRef>
+            <a:fillRef idx="1">
+              <a:schemeClr val="accent1"/>
+            </a:fillRef>
+            <a:effectRef idx="0">
+              <a:schemeClr val="accent1"/>
+            </a:effectRef>
+            <a:fontRef idx="minor">
+              <a:schemeClr val="lt1"/>
+            </a:fontRef>
+          </p:style>
+          <p:txBody>
+            <a:bodyPr rtlCol="0" anchor="ctr"/>
+            <a:lstStyle/>
+            <a:p>
+              <a:pPr algn="ctr"/>
+              <a:r>
+                <a:rPr lang="sv-SE" b="1" dirty="0"/>
+                <a:t>Routee1</a:t>
+              </a:r>
+            </a:p>
+          </p:txBody>
+        </p:sp>
+        <p:sp>
+          <p:nvSpPr>
+            <p:cNvPr id="44" name="Rounded Rectangle 43"/>
+            <p:cNvSpPr/>
+            <p:nvPr/>
+          </p:nvSpPr>
+          <p:spPr>
+            <a:xfrm>
+              <a:off x="6592889" y="2999166"/>
+              <a:ext cx="1408671" cy="499478"/>
+            </a:xfrm>
+            <a:prstGeom prst="roundRect">
+              <a:avLst>
+                <a:gd name="adj" fmla="val 6176"/>
+              </a:avLst>
+            </a:prstGeom>
+            <a:solidFill>
+              <a:srgbClr val="43BFF7"/>
+            </a:solidFill>
+            <a:ln w="38100">
+              <a:noFill/>
+            </a:ln>
+          </p:spPr>
+          <p:style>
+            <a:lnRef idx="2">
+              <a:schemeClr val="accent1">
+                <a:shade val="50000"/>
+              </a:schemeClr>
+            </a:lnRef>
+            <a:fillRef idx="1">
+              <a:schemeClr val="accent1"/>
+            </a:fillRef>
+            <a:effectRef idx="0">
+              <a:schemeClr val="accent1"/>
+            </a:effectRef>
+            <a:fontRef idx="minor">
+              <a:schemeClr val="lt1"/>
+            </a:fontRef>
+          </p:style>
+          <p:txBody>
+            <a:bodyPr rtlCol="0" anchor="ctr"/>
+            <a:lstStyle/>
+            <a:p>
+              <a:pPr algn="ctr"/>
+              <a:r>
+                <a:rPr lang="sv-SE" b="1" dirty="0"/>
+                <a:t>Routee2</a:t>
+              </a:r>
+            </a:p>
+          </p:txBody>
+        </p:sp>
+        <p:sp>
+          <p:nvSpPr>
+            <p:cNvPr id="45" name="Rounded Rectangle 44"/>
+            <p:cNvSpPr/>
+            <p:nvPr/>
+          </p:nvSpPr>
+          <p:spPr>
+            <a:xfrm>
+              <a:off x="6592888" y="3598683"/>
+              <a:ext cx="1408671" cy="499478"/>
+            </a:xfrm>
+            <a:prstGeom prst="roundRect">
+              <a:avLst>
+                <a:gd name="adj" fmla="val 6176"/>
+              </a:avLst>
+            </a:prstGeom>
+            <a:solidFill>
+              <a:srgbClr val="43BFF7"/>
+            </a:solidFill>
+            <a:ln w="38100">
+              <a:noFill/>
+            </a:ln>
+          </p:spPr>
+          <p:style>
+            <a:lnRef idx="2">
+              <a:schemeClr val="accent1">
+                <a:shade val="50000"/>
+              </a:schemeClr>
+            </a:lnRef>
+            <a:fillRef idx="1">
+              <a:schemeClr val="accent1"/>
+            </a:fillRef>
+            <a:effectRef idx="0">
+              <a:schemeClr val="accent1"/>
+            </a:effectRef>
+            <a:fontRef idx="minor">
+              <a:schemeClr val="lt1"/>
+            </a:fontRef>
+          </p:style>
+          <p:txBody>
+            <a:bodyPr rtlCol="0" anchor="ctr"/>
+            <a:lstStyle/>
+            <a:p>
+              <a:pPr algn="ctr"/>
+              <a:r>
+                <a:rPr lang="sv-SE" b="1" dirty="0"/>
+                <a:t>Routee3</a:t>
+              </a:r>
+            </a:p>
+          </p:txBody>
+        </p:sp>
+      </p:grpSp>
+      <p:sp>
+        <p:nvSpPr>
+          <p:cNvPr id="46" name="Oval Callout 45"/>
+          <p:cNvSpPr/>
+          <p:nvPr/>
+        </p:nvSpPr>
+        <p:spPr>
+          <a:xfrm>
+            <a:off x="4131190" y="3311434"/>
+            <a:ext cx="3017840" cy="872354"/>
+          </a:xfrm>
+          <a:prstGeom prst="wedgeEllipseCallout">
+            <a:avLst>
+              <a:gd name="adj1" fmla="val 814"/>
+              <a:gd name="adj2" fmla="val 99517"/>
+            </a:avLst>
+          </a:prstGeom>
+          <a:solidFill>
+            <a:schemeClr val="tx1"/>
+          </a:solidFill>
+          <a:ln w="38100">
+            <a:solidFill>
+              <a:schemeClr val="bg1"/>
+            </a:solidFill>
+          </a:ln>
+        </p:spPr>
+        <p:style>
+          <a:lnRef idx="2">
+            <a:schemeClr val="accent1">
+              <a:shade val="50000"/>
+            </a:schemeClr>
+          </a:lnRef>
+          <a:fillRef idx="1">
+            <a:schemeClr val="accent1"/>
+          </a:fillRef>
+          <a:effectRef idx="0">
+            <a:schemeClr val="accent1"/>
+          </a:effectRef>
+          <a:fontRef idx="minor">
+            <a:schemeClr val="lt1"/>
+          </a:fontRef>
+        </p:style>
+        <p:txBody>
+          <a:bodyPr rtlCol="0" anchor="ctr"/>
+          <a:lstStyle/>
+          <a:p>
+            <a:pPr algn="ctr"/>
+            <a:r>
+              <a:rPr lang="sv-SE" b="1" dirty="0" smtClean="0">
+                <a:solidFill>
+                  <a:schemeClr val="bg1"/>
+                </a:solidFill>
+              </a:rPr>
+              <a:t>Limit concurrent access to a resource</a:t>
+            </a:r>
+            <a:endParaRPr lang="sv-SE" b="1" dirty="0">
+              <a:solidFill>
+                <a:schemeClr val="bg1"/>
+              </a:solidFill>
+            </a:endParaRPr>
+          </a:p>
+        </p:txBody>
+      </p:sp>
+    </p:spTree>
+    <p:extLst>
+      <p:ext uri="{BB962C8B-B14F-4D97-AF65-F5344CB8AC3E}">
+        <p14:creationId xmlns:p14="http://schemas.microsoft.com/office/powerpoint/2010/main" val="1205851188"/>
+      </p:ext>
+    </p:extLst>
+  </p:cSld>
+  <p:clrMapOvr>
+    <a:masterClrMapping/>
+  </p:clrMapOvr>
+  <p:timing>
+    <p:tnLst>
+      <p:par>
+        <p:cTn id="1" dur="indefinite" restart="never" nodeType="tmRoot"/>
+      </p:par>
+    </p:tnLst>
+  </p:timing>
+</p:sld>
+</file>
+
+<file path=ppt/slides/slide2.xml><?xml version="1.0" encoding="utf-8"?>
+<p:sld xmlns:a="http://schemas.openxmlformats.org/drawingml/2006/main" xmlns:r="http://schemas.openxmlformats.org/officeDocument/2006/relationships" xmlns:p="http://schemas.openxmlformats.org/presentationml/2006/main">
+  <p:cSld>
+    <p:bg>
+      <p:bgPr>
+        <a:solidFill>
+          <a:srgbClr val="282828"/>
+        </a:solidFill>
+        <a:effectLst/>
+      </p:bgPr>
+    </p:bg>
+    <p:spTree>
+      <p:nvGrpSpPr>
+        <p:cNvPr id="1" name=""/>
+        <p:cNvGrpSpPr/>
+        <p:nvPr/>
+      </p:nvGrpSpPr>
+      <p:grpSpPr>
+        <a:xfrm>
+          <a:off x="0" y="0"/>
+          <a:ext cx="0" cy="0"/>
+          <a:chOff x="0" y="0"/>
+          <a:chExt cx="0" cy="0"/>
+        </a:xfrm>
+      </p:grpSpPr>
+      <p:sp>
+        <p:nvSpPr>
+          <p:cNvPr id="3" name="TextBox 2"/>
+          <p:cNvSpPr txBox="1"/>
+          <p:nvPr/>
+        </p:nvSpPr>
+        <p:spPr>
+          <a:xfrm>
+            <a:off x="0" y="1572296"/>
+            <a:ext cx="12192000" cy="1569660"/>
+          </a:xfrm>
+          <a:prstGeom prst="rect">
+            <a:avLst/>
+          </a:prstGeom>
+          <a:noFill/>
+          <a:effectLst>
+            <a:outerShdw dist="88900" dir="2700000" algn="tl" rotWithShape="0">
+              <a:prstClr val="black"/>
+            </a:outerShdw>
+          </a:effectLst>
+        </p:spPr>
+        <p:txBody>
+          <a:bodyPr wrap="square" rtlCol="0">
+            <a:spAutoFit/>
+          </a:bodyPr>
+          <a:lstStyle>
+            <a:defPPr>
+              <a:defRPr lang="sv-SE"/>
+            </a:defPPr>
+            <a:lvl1pPr algn="ctr">
+              <a:defRPr sz="6600" b="1">
+                <a:latin typeface="Lobster Two" panose="02000506000000020003" pitchFamily="50" charset="0"/>
+              </a:defRPr>
+            </a:lvl1pPr>
+          </a:lstStyle>
+          <a:p>
+            <a:r>
+              <a:rPr lang="sv-SE" sz="9600" dirty="0" smtClean="0"/>
+              <a:t>Design for failure</a:t>
+            </a:r>
+            <a:endParaRPr lang="sv-SE" sz="9600" dirty="0"/>
+          </a:p>
+        </p:txBody>
+      </p:sp>
+      <p:sp>
+        <p:nvSpPr>
+          <p:cNvPr id="4" name="TextBox 3"/>
+          <p:cNvSpPr txBox="1"/>
+          <p:nvPr/>
+        </p:nvSpPr>
+        <p:spPr>
+          <a:xfrm>
+            <a:off x="838200" y="3141956"/>
+            <a:ext cx="10515600" cy="1323439"/>
+          </a:xfrm>
+          <a:prstGeom prst="rect">
+            <a:avLst/>
+          </a:prstGeom>
+          <a:noFill/>
+          <a:effectLst>
+            <a:outerShdw dist="50800" dir="2700000" algn="tl" rotWithShape="0">
+              <a:prstClr val="black"/>
+            </a:outerShdw>
+          </a:effectLst>
+        </p:spPr>
+        <p:txBody>
+          <a:bodyPr wrap="square" rtlCol="0">
+            <a:spAutoFit/>
+          </a:bodyPr>
+          <a:lstStyle>
+            <a:defPPr>
+              <a:defRPr lang="sv-SE"/>
+            </a:defPPr>
+            <a:lvl1pPr algn="ctr">
+              <a:defRPr sz="9600" b="1">
+                <a:latin typeface="Lobster Two" panose="02000506000000020003" pitchFamily="50" charset="0"/>
+              </a:defRPr>
+            </a:lvl1pPr>
+          </a:lstStyle>
+          <a:p>
+            <a:r>
+              <a:rPr lang="sv-SE" sz="4000" i="1" dirty="0">
+                <a:latin typeface="+mn-lt"/>
+              </a:rPr>
+              <a:t>Dealing with, mitigating and preventing failures.</a:t>
+            </a:r>
+          </a:p>
+          <a:p>
+            <a:r>
+              <a:rPr lang="sv-SE" sz="4000" i="1" dirty="0">
+                <a:latin typeface="+mn-lt"/>
+              </a:rPr>
+              <a:t>In the small, and at scale.</a:t>
+            </a:r>
+          </a:p>
+        </p:txBody>
+      </p:sp>
+    </p:spTree>
+    <p:extLst>
+      <p:ext uri="{BB962C8B-B14F-4D97-AF65-F5344CB8AC3E}">
+        <p14:creationId xmlns:p14="http://schemas.microsoft.com/office/powerpoint/2010/main" val="3415941446"/>
+      </p:ext>
+    </p:extLst>
+  </p:cSld>
+  <p:clrMapOvr>
+    <a:masterClrMapping/>
+  </p:clrMapOvr>
+  <p:timing>
+    <p:tnLst>
+      <p:par>
+        <p:cTn id="1" dur="indefinite" restart="never" nodeType="tmRoot"/>
+      </p:par>
+    </p:tnLst>
+  </p:timing>
+</p:sld>
+</file>
+
+<file path=ppt/slides/slide20.xml><?xml version="1.0" encoding="utf-8"?>
+<p:sld xmlns:a="http://schemas.openxmlformats.org/drawingml/2006/main" xmlns:r="http://schemas.openxmlformats.org/officeDocument/2006/relationships" xmlns:p="http://schemas.openxmlformats.org/presentationml/2006/main">
+  <p:cSld>
+    <p:bg>
+      <p:bgPr>
+        <a:solidFill>
+          <a:srgbClr val="1F4E79"/>
+        </a:solidFill>
+        <a:effectLst/>
+      </p:bgPr>
+    </p:bg>
+    <p:spTree>
+      <p:nvGrpSpPr>
+        <p:cNvPr id="1" name=""/>
+        <p:cNvGrpSpPr/>
+        <p:nvPr/>
+      </p:nvGrpSpPr>
+      <p:grpSpPr>
+        <a:xfrm>
+          <a:off x="0" y="0"/>
+          <a:ext cx="0" cy="0"/>
+          <a:chOff x="0" y="0"/>
+          <a:chExt cx="0" cy="0"/>
+        </a:xfrm>
+      </p:grpSpPr>
+      <p:cxnSp>
+        <p:nvCxnSpPr>
+          <p:cNvPr id="73" name="Straight Arrow Connector 72"/>
+          <p:cNvCxnSpPr/>
+          <p:nvPr/>
+        </p:nvCxnSpPr>
+        <p:spPr>
+          <a:xfrm>
+            <a:off x="3243263" y="5262139"/>
+            <a:ext cx="1300666" cy="0"/>
+          </a:xfrm>
+          <a:prstGeom prst="straightConnector1">
+            <a:avLst/>
+          </a:prstGeom>
+          <a:ln w="63500" cap="rnd">
+            <a:solidFill>
+              <a:srgbClr val="50DE94"/>
+            </a:solidFill>
+            <a:round/>
+            <a:headEnd type="arrow" w="sm" len="sm"/>
+            <a:tailEnd type="none" w="sm" len="sm"/>
+          </a:ln>
+          <a:effectLst/>
+          <a:scene3d>
+            <a:camera prst="orthographicFront"/>
+            <a:lightRig rig="threePt" dir="t"/>
+          </a:scene3d>
+          <a:sp3d/>
+        </p:spPr>
+        <p:style>
+          <a:lnRef idx="1">
+            <a:schemeClr val="accent1"/>
+          </a:lnRef>
+          <a:fillRef idx="0">
+            <a:schemeClr val="accent1"/>
+          </a:fillRef>
+          <a:effectRef idx="0">
+            <a:schemeClr val="accent1"/>
+          </a:effectRef>
+          <a:fontRef idx="minor">
+            <a:schemeClr val="tx1"/>
+          </a:fontRef>
+        </p:style>
+      </p:cxnSp>
+      <p:sp>
+        <p:nvSpPr>
+          <p:cNvPr id="74" name="Rounded Rectangle 73"/>
+          <p:cNvSpPr/>
+          <p:nvPr/>
+        </p:nvSpPr>
+        <p:spPr>
+          <a:xfrm>
+            <a:off x="3989525" y="5066511"/>
+            <a:ext cx="268970" cy="360218"/>
+          </a:xfrm>
+          <a:prstGeom prst="roundRect">
+            <a:avLst/>
+          </a:prstGeom>
+          <a:ln w="25400" cap="rnd" cmpd="sng">
+            <a:solidFill>
+              <a:schemeClr val="bg1"/>
+            </a:solidFill>
+            <a:round/>
+          </a:ln>
+          <a:effectLst/>
+        </p:spPr>
+        <p:style>
+          <a:lnRef idx="2">
+            <a:schemeClr val="dk1"/>
+          </a:lnRef>
+          <a:fillRef idx="1">
+            <a:schemeClr val="lt1"/>
+          </a:fillRef>
+          <a:effectRef idx="0">
+            <a:schemeClr val="dk1"/>
+          </a:effectRef>
+          <a:fontRef idx="minor">
+            <a:schemeClr val="dk1"/>
+          </a:fontRef>
+        </p:style>
+        <p:txBody>
+          <a:bodyPr rtlCol="0" anchor="ctr"/>
+          <a:lstStyle/>
+          <a:p>
+            <a:pPr algn="ctr"/>
+            <a:r>
+              <a:rPr lang="sv-SE" dirty="0" smtClean="0">
+                <a:solidFill>
+                  <a:schemeClr val="bg1"/>
+                </a:solidFill>
+              </a:rPr>
+              <a:t>!</a:t>
+            </a:r>
+            <a:endParaRPr lang="sv-SE" dirty="0">
+              <a:solidFill>
+                <a:schemeClr val="bg1"/>
+              </a:solidFill>
+            </a:endParaRPr>
+          </a:p>
+        </p:txBody>
+      </p:sp>
+      <p:sp>
+        <p:nvSpPr>
+          <p:cNvPr id="16" name="Rounded Rectangle 15"/>
+          <p:cNvSpPr/>
+          <p:nvPr/>
+        </p:nvSpPr>
+        <p:spPr>
+          <a:xfrm>
+            <a:off x="0" y="2636976"/>
+            <a:ext cx="12192000" cy="264970"/>
+          </a:xfrm>
+          <a:prstGeom prst="roundRect">
+            <a:avLst>
+              <a:gd name="adj" fmla="val 0"/>
+            </a:avLst>
+          </a:prstGeom>
+          <a:solidFill>
+            <a:srgbClr val="233B50"/>
+          </a:solidFill>
+          <a:ln/>
+          <a:effectLst/>
+        </p:spPr>
+        <p:style>
+          <a:lnRef idx="0">
+            <a:schemeClr val="accent5"/>
+          </a:lnRef>
+          <a:fillRef idx="3">
+            <a:schemeClr val="accent5"/>
+          </a:fillRef>
+          <a:effectRef idx="3">
+            <a:schemeClr val="accent5"/>
+          </a:effectRef>
+          <a:fontRef idx="minor">
+            <a:schemeClr val="lt1"/>
+          </a:fontRef>
+        </p:style>
+        <p:txBody>
+          <a:bodyPr rtlCol="0" anchor="ctr" anchorCtr="0"/>
+          <a:lstStyle/>
+          <a:p>
+            <a:endParaRPr lang="sv-SE" sz="4000" dirty="0">
+              <a:solidFill>
+                <a:schemeClr val="tx1"/>
+              </a:solidFill>
+            </a:endParaRPr>
+          </a:p>
+        </p:txBody>
+      </p:sp>
+      <p:sp>
+        <p:nvSpPr>
+          <p:cNvPr id="11" name="Rounded Rectangle 10"/>
+          <p:cNvSpPr/>
+          <p:nvPr/>
+        </p:nvSpPr>
+        <p:spPr>
+          <a:xfrm>
+            <a:off x="0" y="0"/>
+            <a:ext cx="12192000" cy="2637495"/>
+          </a:xfrm>
+          <a:prstGeom prst="roundRect">
+            <a:avLst>
+              <a:gd name="adj" fmla="val 0"/>
+            </a:avLst>
+          </a:prstGeom>
+          <a:solidFill>
+            <a:srgbClr val="282828"/>
+          </a:solidFill>
+          <a:ln/>
+          <a:effectLst/>
+        </p:spPr>
+        <p:style>
+          <a:lnRef idx="0">
+            <a:schemeClr val="accent5"/>
+          </a:lnRef>
+          <a:fillRef idx="3">
+            <a:schemeClr val="accent5"/>
+          </a:fillRef>
+          <a:effectRef idx="3">
+            <a:schemeClr val="accent5"/>
+          </a:effectRef>
+          <a:fontRef idx="minor">
+            <a:schemeClr val="lt1"/>
+          </a:fontRef>
+        </p:style>
+        <p:txBody>
+          <a:bodyPr rtlCol="0" anchor="ctr" anchorCtr="0"/>
+          <a:lstStyle/>
+          <a:p>
+            <a:endParaRPr lang="sv-SE" sz="4000" dirty="0">
+              <a:solidFill>
+                <a:schemeClr val="tx1"/>
+              </a:solidFill>
+            </a:endParaRPr>
+          </a:p>
+        </p:txBody>
+      </p:sp>
+      <p:sp>
+        <p:nvSpPr>
+          <p:cNvPr id="12" name="TextBox 11"/>
+          <p:cNvSpPr txBox="1"/>
+          <p:nvPr/>
+        </p:nvSpPr>
+        <p:spPr>
+          <a:xfrm>
+            <a:off x="0" y="922376"/>
+            <a:ext cx="12192000" cy="1107996"/>
+          </a:xfrm>
+          <a:prstGeom prst="rect">
+            <a:avLst/>
+          </a:prstGeom>
+          <a:noFill/>
+          <a:effectLst>
+            <a:outerShdw dist="88900" dir="2700000" algn="tl" rotWithShape="0">
+              <a:prstClr val="black"/>
+            </a:outerShdw>
+          </a:effectLst>
+        </p:spPr>
+        <p:txBody>
+          <a:bodyPr wrap="square" rtlCol="0">
+            <a:spAutoFit/>
+          </a:bodyPr>
+          <a:lstStyle>
+            <a:defPPr>
+              <a:defRPr lang="sv-SE"/>
+            </a:defPPr>
+            <a:lvl1pPr algn="ctr">
+              <a:defRPr sz="6600" b="1">
+                <a:latin typeface="Lobster Two" panose="02000506000000020003" pitchFamily="50" charset="0"/>
+              </a:defRPr>
+            </a:lvl1pPr>
+          </a:lstStyle>
+          <a:p>
+            <a:r>
+              <a:rPr lang="sv-SE" dirty="0" smtClean="0"/>
+              <a:t>Fan out and quickest reply</a:t>
+            </a:r>
+            <a:endParaRPr lang="sv-SE" dirty="0"/>
+          </a:p>
+        </p:txBody>
+      </p:sp>
+      <p:cxnSp>
+        <p:nvCxnSpPr>
+          <p:cNvPr id="30" name="Elbow Connector 29"/>
+          <p:cNvCxnSpPr>
+            <a:stCxn id="42" idx="3"/>
+            <a:endCxn id="45" idx="1"/>
+          </p:cNvCxnSpPr>
+          <p:nvPr/>
+        </p:nvCxnSpPr>
+        <p:spPr>
+          <a:xfrm>
+            <a:off x="5958466" y="5053152"/>
+            <a:ext cx="2048274" cy="606832"/>
+          </a:xfrm>
+          <a:prstGeom prst="bentConnector3">
+            <a:avLst>
+              <a:gd name="adj1" fmla="val 50000"/>
+            </a:avLst>
+          </a:prstGeom>
+          <a:ln w="63500" cap="rnd">
+            <a:solidFill>
+              <a:srgbClr val="50DE94"/>
+            </a:solidFill>
+            <a:round/>
+            <a:headEnd type="arrow" w="sm" len="sm"/>
+            <a:tailEnd type="arrow" w="sm" len="sm"/>
+          </a:ln>
+          <a:effectLst/>
+          <a:scene3d>
+            <a:camera prst="orthographicFront"/>
+            <a:lightRig rig="threePt" dir="t"/>
+          </a:scene3d>
+          <a:sp3d/>
+        </p:spPr>
+        <p:style>
+          <a:lnRef idx="1">
+            <a:schemeClr val="accent1"/>
+          </a:lnRef>
+          <a:fillRef idx="0">
+            <a:schemeClr val="accent1"/>
+          </a:fillRef>
+          <a:effectRef idx="0">
+            <a:schemeClr val="accent1"/>
+          </a:effectRef>
+          <a:fontRef idx="minor">
+            <a:schemeClr val="tx1"/>
+          </a:fontRef>
+        </p:style>
+      </p:cxnSp>
+      <p:cxnSp>
+        <p:nvCxnSpPr>
+          <p:cNvPr id="31" name="Elbow Connector 30"/>
+          <p:cNvCxnSpPr>
+            <a:stCxn id="42" idx="3"/>
+            <a:endCxn id="43" idx="1"/>
+          </p:cNvCxnSpPr>
+          <p:nvPr/>
+        </p:nvCxnSpPr>
+        <p:spPr>
+          <a:xfrm flipV="1">
+            <a:off x="5958466" y="4457589"/>
+            <a:ext cx="2048276" cy="595563"/>
+          </a:xfrm>
+          <a:prstGeom prst="bentConnector3">
+            <a:avLst>
+              <a:gd name="adj1" fmla="val 50000"/>
+            </a:avLst>
+          </a:prstGeom>
+          <a:ln w="63500" cap="rnd">
+            <a:solidFill>
+              <a:srgbClr val="50DE94"/>
+            </a:solidFill>
+            <a:round/>
+            <a:headEnd type="arrow" w="sm" len="sm"/>
+            <a:tailEnd type="arrow" w="sm" len="sm"/>
+          </a:ln>
+          <a:effectLst/>
+          <a:scene3d>
+            <a:camera prst="orthographicFront"/>
+            <a:lightRig rig="threePt" dir="t"/>
+          </a:scene3d>
+          <a:sp3d/>
+        </p:spPr>
+        <p:style>
+          <a:lnRef idx="1">
+            <a:schemeClr val="accent1"/>
+          </a:lnRef>
+          <a:fillRef idx="0">
+            <a:schemeClr val="accent1"/>
+          </a:fillRef>
+          <a:effectRef idx="0">
+            <a:schemeClr val="accent1"/>
+          </a:effectRef>
+          <a:fontRef idx="minor">
+            <a:schemeClr val="tx1"/>
+          </a:fontRef>
+        </p:style>
+      </p:cxnSp>
+      <p:cxnSp>
+        <p:nvCxnSpPr>
+          <p:cNvPr id="32" name="Straight Arrow Connector 31"/>
+          <p:cNvCxnSpPr>
+            <a:stCxn id="42" idx="3"/>
+            <a:endCxn id="44" idx="1"/>
+          </p:cNvCxnSpPr>
+          <p:nvPr/>
+        </p:nvCxnSpPr>
+        <p:spPr>
+          <a:xfrm>
+            <a:off x="5958466" y="5053152"/>
+            <a:ext cx="2048275" cy="7315"/>
+          </a:xfrm>
+          <a:prstGeom prst="straightConnector1">
+            <a:avLst/>
+          </a:prstGeom>
+          <a:ln w="63500" cap="rnd">
+            <a:solidFill>
+              <a:srgbClr val="50DE94"/>
+            </a:solidFill>
+            <a:round/>
+            <a:headEnd type="arrow" w="sm" len="sm"/>
+            <a:tailEnd type="arrow" w="sm" len="sm"/>
+          </a:ln>
+          <a:effectLst/>
+          <a:scene3d>
+            <a:camera prst="orthographicFront"/>
+            <a:lightRig rig="threePt" dir="t"/>
+          </a:scene3d>
+          <a:sp3d/>
+        </p:spPr>
+        <p:style>
+          <a:lnRef idx="1">
+            <a:schemeClr val="accent1"/>
+          </a:lnRef>
+          <a:fillRef idx="0">
+            <a:schemeClr val="accent1"/>
+          </a:fillRef>
+          <a:effectRef idx="0">
+            <a:schemeClr val="accent1"/>
+          </a:effectRef>
+          <a:fontRef idx="minor">
+            <a:schemeClr val="tx1"/>
+          </a:fontRef>
+        </p:style>
+      </p:cxnSp>
+      <p:cxnSp>
+        <p:nvCxnSpPr>
+          <p:cNvPr id="33" name="Straight Arrow Connector 32"/>
+          <p:cNvCxnSpPr/>
+          <p:nvPr/>
+        </p:nvCxnSpPr>
+        <p:spPr>
+          <a:xfrm>
+            <a:off x="3243263" y="4913390"/>
+            <a:ext cx="1300666" cy="1"/>
+          </a:xfrm>
+          <a:prstGeom prst="straightConnector1">
+            <a:avLst/>
+          </a:prstGeom>
+          <a:ln w="63500" cap="rnd">
+            <a:solidFill>
+              <a:srgbClr val="50DE94"/>
+            </a:solidFill>
+            <a:round/>
+            <a:headEnd w="sm" len="med"/>
+            <a:tailEnd type="arrow" w="sm" len="sm"/>
+          </a:ln>
+          <a:effectLst/>
+          <a:scene3d>
+            <a:camera prst="orthographicFront"/>
+            <a:lightRig rig="threePt" dir="t"/>
+          </a:scene3d>
+          <a:sp3d/>
+        </p:spPr>
+        <p:style>
+          <a:lnRef idx="1">
+            <a:schemeClr val="accent1"/>
+          </a:lnRef>
+          <a:fillRef idx="0">
+            <a:schemeClr val="accent1"/>
+          </a:fillRef>
+          <a:effectRef idx="0">
+            <a:schemeClr val="accent1"/>
+          </a:effectRef>
+          <a:fontRef idx="minor">
+            <a:schemeClr val="tx1"/>
+          </a:fontRef>
+        </p:style>
+      </p:cxnSp>
+      <p:sp>
+        <p:nvSpPr>
+          <p:cNvPr id="36" name="Rounded Rectangle 35"/>
+          <p:cNvSpPr/>
+          <p:nvPr/>
+        </p:nvSpPr>
+        <p:spPr>
+          <a:xfrm>
+            <a:off x="7351613" y="4258006"/>
+            <a:ext cx="268970" cy="360218"/>
+          </a:xfrm>
+          <a:prstGeom prst="roundRect">
+            <a:avLst/>
+          </a:prstGeom>
+          <a:ln w="25400" cap="rnd" cmpd="sng">
+            <a:solidFill>
+              <a:schemeClr val="bg1"/>
+            </a:solidFill>
+            <a:round/>
+          </a:ln>
+          <a:effectLst/>
+        </p:spPr>
+        <p:style>
+          <a:lnRef idx="2">
+            <a:schemeClr val="dk1"/>
+          </a:lnRef>
+          <a:fillRef idx="1">
+            <a:schemeClr val="lt1"/>
+          </a:fillRef>
+          <a:effectRef idx="0">
+            <a:schemeClr val="dk1"/>
+          </a:effectRef>
+          <a:fontRef idx="minor">
+            <a:schemeClr val="dk1"/>
+          </a:fontRef>
+        </p:style>
+        <p:txBody>
+          <a:bodyPr rtlCol="0" anchor="ctr"/>
+          <a:lstStyle/>
+          <a:p>
+            <a:pPr algn="ctr"/>
+            <a:r>
+              <a:rPr lang="sv-SE" dirty="0" smtClean="0">
+                <a:solidFill>
+                  <a:schemeClr val="bg1"/>
+                </a:solidFill>
+              </a:rPr>
+              <a:t>?</a:t>
+            </a:r>
+            <a:endParaRPr lang="sv-SE" dirty="0">
+              <a:solidFill>
+                <a:schemeClr val="bg1"/>
+              </a:solidFill>
+            </a:endParaRPr>
+          </a:p>
+        </p:txBody>
+      </p:sp>
+      <p:sp>
+        <p:nvSpPr>
+          <p:cNvPr id="37" name="Rounded Rectangle 36"/>
+          <p:cNvSpPr/>
+          <p:nvPr/>
+        </p:nvSpPr>
+        <p:spPr>
+          <a:xfrm>
+            <a:off x="7351613" y="4866401"/>
+            <a:ext cx="268970" cy="360218"/>
+          </a:xfrm>
+          <a:prstGeom prst="roundRect">
+            <a:avLst/>
+          </a:prstGeom>
+          <a:ln w="25400" cap="rnd" cmpd="sng">
+            <a:solidFill>
+              <a:schemeClr val="bg1"/>
+            </a:solidFill>
+            <a:round/>
+          </a:ln>
+          <a:effectLst/>
+        </p:spPr>
+        <p:style>
+          <a:lnRef idx="2">
+            <a:schemeClr val="dk1"/>
+          </a:lnRef>
+          <a:fillRef idx="1">
+            <a:schemeClr val="lt1"/>
+          </a:fillRef>
+          <a:effectRef idx="0">
+            <a:schemeClr val="dk1"/>
+          </a:effectRef>
+          <a:fontRef idx="minor">
+            <a:schemeClr val="dk1"/>
+          </a:fontRef>
+        </p:style>
+        <p:txBody>
+          <a:bodyPr rtlCol="0" anchor="ctr"/>
+          <a:lstStyle/>
+          <a:p>
+            <a:pPr algn="ctr"/>
+            <a:r>
+              <a:rPr lang="sv-SE" dirty="0" smtClean="0">
+                <a:solidFill>
+                  <a:schemeClr val="bg1"/>
+                </a:solidFill>
+              </a:rPr>
+              <a:t>?</a:t>
+            </a:r>
+            <a:endParaRPr lang="sv-SE" dirty="0">
+              <a:solidFill>
+                <a:schemeClr val="bg1"/>
+              </a:solidFill>
+            </a:endParaRPr>
+          </a:p>
+        </p:txBody>
+      </p:sp>
+      <p:sp>
+        <p:nvSpPr>
+          <p:cNvPr id="38" name="Rounded Rectangle 37"/>
+          <p:cNvSpPr/>
+          <p:nvPr/>
+        </p:nvSpPr>
+        <p:spPr>
+          <a:xfrm>
+            <a:off x="7351613" y="5470729"/>
+            <a:ext cx="268970" cy="360218"/>
+          </a:xfrm>
+          <a:prstGeom prst="roundRect">
+            <a:avLst/>
+          </a:prstGeom>
+          <a:ln w="25400" cap="rnd" cmpd="sng">
+            <a:solidFill>
+              <a:schemeClr val="bg1"/>
+            </a:solidFill>
+            <a:round/>
+          </a:ln>
+          <a:effectLst/>
+        </p:spPr>
+        <p:style>
+          <a:lnRef idx="2">
+            <a:schemeClr val="dk1"/>
+          </a:lnRef>
+          <a:fillRef idx="1">
+            <a:schemeClr val="lt1"/>
+          </a:fillRef>
+          <a:effectRef idx="0">
+            <a:schemeClr val="dk1"/>
+          </a:effectRef>
+          <a:fontRef idx="minor">
+            <a:schemeClr val="dk1"/>
+          </a:fontRef>
+        </p:style>
+        <p:txBody>
+          <a:bodyPr rtlCol="0" anchor="ctr"/>
+          <a:lstStyle/>
+          <a:p>
+            <a:pPr algn="ctr"/>
+            <a:r>
+              <a:rPr lang="sv-SE" dirty="0" smtClean="0">
+                <a:solidFill>
+                  <a:schemeClr val="bg1"/>
+                </a:solidFill>
+              </a:rPr>
+              <a:t>?</a:t>
+            </a:r>
+            <a:endParaRPr lang="sv-SE" dirty="0">
+              <a:solidFill>
+                <a:schemeClr val="bg1"/>
+              </a:solidFill>
+            </a:endParaRPr>
+          </a:p>
+        </p:txBody>
+      </p:sp>
+      <p:sp>
+        <p:nvSpPr>
+          <p:cNvPr id="40" name="Rounded Rectangle 39"/>
+          <p:cNvSpPr/>
+          <p:nvPr/>
+        </p:nvSpPr>
+        <p:spPr>
+          <a:xfrm>
+            <a:off x="3454327" y="4717762"/>
+            <a:ext cx="268970" cy="360218"/>
+          </a:xfrm>
+          <a:prstGeom prst="roundRect">
+            <a:avLst/>
+          </a:prstGeom>
+          <a:ln w="25400" cap="rnd" cmpd="sng">
+            <a:solidFill>
+              <a:schemeClr val="bg1"/>
+            </a:solidFill>
+            <a:round/>
+          </a:ln>
+          <a:effectLst/>
+        </p:spPr>
+        <p:style>
+          <a:lnRef idx="2">
+            <a:schemeClr val="dk1"/>
+          </a:lnRef>
+          <a:fillRef idx="1">
+            <a:schemeClr val="lt1"/>
+          </a:fillRef>
+          <a:effectRef idx="0">
+            <a:schemeClr val="dk1"/>
+          </a:effectRef>
+          <a:fontRef idx="minor">
+            <a:schemeClr val="dk1"/>
+          </a:fontRef>
+        </p:style>
+        <p:txBody>
+          <a:bodyPr rtlCol="0" anchor="ctr"/>
+          <a:lstStyle/>
+          <a:p>
+            <a:pPr algn="ctr"/>
+            <a:r>
+              <a:rPr lang="sv-SE" dirty="0">
+                <a:solidFill>
+                  <a:schemeClr val="bg1"/>
+                </a:solidFill>
+              </a:rPr>
+              <a:t>?</a:t>
+            </a:r>
+            <a:endParaRPr lang="sv-SE" dirty="0">
+              <a:solidFill>
+                <a:schemeClr val="bg1"/>
+              </a:solidFill>
+            </a:endParaRPr>
+          </a:p>
+        </p:txBody>
+      </p:sp>
+      <p:sp>
+        <p:nvSpPr>
+          <p:cNvPr id="42" name="Rounded Rectangle 41"/>
+          <p:cNvSpPr/>
+          <p:nvPr/>
+        </p:nvSpPr>
+        <p:spPr>
+          <a:xfrm>
+            <a:off x="4543930" y="4803413"/>
+            <a:ext cx="1414536" cy="499478"/>
+          </a:xfrm>
+          <a:prstGeom prst="roundRect">
+            <a:avLst>
+              <a:gd name="adj" fmla="val 6176"/>
+            </a:avLst>
+          </a:prstGeom>
+          <a:solidFill>
+            <a:srgbClr val="43BFF7"/>
+          </a:solidFill>
+          <a:ln w="38100">
+            <a:noFill/>
+          </a:ln>
+        </p:spPr>
+        <p:style>
+          <a:lnRef idx="2">
+            <a:schemeClr val="accent1">
+              <a:shade val="50000"/>
+            </a:schemeClr>
+          </a:lnRef>
+          <a:fillRef idx="1">
+            <a:schemeClr val="accent1"/>
+          </a:fillRef>
+          <a:effectRef idx="0">
+            <a:schemeClr val="accent1"/>
+          </a:effectRef>
+          <a:fontRef idx="minor">
+            <a:schemeClr val="lt1"/>
+          </a:fontRef>
+        </p:style>
+        <p:txBody>
+          <a:bodyPr rtlCol="0" anchor="ctr"/>
+          <a:lstStyle/>
+          <a:p>
+            <a:pPr algn="ctr"/>
+            <a:r>
+              <a:rPr lang="sv-SE" b="1" dirty="0"/>
+              <a:t>Router</a:t>
+            </a:r>
+          </a:p>
+        </p:txBody>
+      </p:sp>
+      <p:sp>
+        <p:nvSpPr>
+          <p:cNvPr id="43" name="Rounded Rectangle 42"/>
+          <p:cNvSpPr/>
+          <p:nvPr/>
+        </p:nvSpPr>
+        <p:spPr>
+          <a:xfrm>
+            <a:off x="8006742" y="4207850"/>
+            <a:ext cx="1414536" cy="499478"/>
+          </a:xfrm>
+          <a:prstGeom prst="roundRect">
+            <a:avLst>
+              <a:gd name="adj" fmla="val 6176"/>
+            </a:avLst>
+          </a:prstGeom>
+          <a:solidFill>
+            <a:srgbClr val="43BFF7"/>
+          </a:solidFill>
+          <a:ln w="38100">
+            <a:noFill/>
+          </a:ln>
+        </p:spPr>
+        <p:style>
+          <a:lnRef idx="2">
+            <a:schemeClr val="accent1">
+              <a:shade val="50000"/>
+            </a:schemeClr>
+          </a:lnRef>
+          <a:fillRef idx="1">
+            <a:schemeClr val="accent1"/>
+          </a:fillRef>
+          <a:effectRef idx="0">
+            <a:schemeClr val="accent1"/>
+          </a:effectRef>
+          <a:fontRef idx="minor">
+            <a:schemeClr val="lt1"/>
+          </a:fontRef>
+        </p:style>
+        <p:txBody>
+          <a:bodyPr rtlCol="0" anchor="ctr"/>
+          <a:lstStyle/>
+          <a:p>
+            <a:pPr algn="ctr"/>
+            <a:r>
+              <a:rPr lang="sv-SE" b="1" dirty="0"/>
+              <a:t>Routee1</a:t>
+            </a:r>
+          </a:p>
+        </p:txBody>
+      </p:sp>
+      <p:sp>
+        <p:nvSpPr>
+          <p:cNvPr id="44" name="Rounded Rectangle 43"/>
+          <p:cNvSpPr/>
+          <p:nvPr/>
+        </p:nvSpPr>
+        <p:spPr>
+          <a:xfrm>
+            <a:off x="8006741" y="4810728"/>
+            <a:ext cx="1414536" cy="499478"/>
+          </a:xfrm>
+          <a:prstGeom prst="roundRect">
+            <a:avLst>
+              <a:gd name="adj" fmla="val 6176"/>
+            </a:avLst>
+          </a:prstGeom>
+          <a:solidFill>
+            <a:srgbClr val="43BFF7"/>
+          </a:solidFill>
+          <a:ln w="38100">
+            <a:noFill/>
+          </a:ln>
+        </p:spPr>
+        <p:style>
+          <a:lnRef idx="2">
+            <a:schemeClr val="accent1">
+              <a:shade val="50000"/>
+            </a:schemeClr>
+          </a:lnRef>
+          <a:fillRef idx="1">
+            <a:schemeClr val="accent1"/>
+          </a:fillRef>
+          <a:effectRef idx="0">
+            <a:schemeClr val="accent1"/>
+          </a:effectRef>
+          <a:fontRef idx="minor">
+            <a:schemeClr val="lt1"/>
+          </a:fontRef>
+        </p:style>
+        <p:txBody>
+          <a:bodyPr rtlCol="0" anchor="ctr"/>
+          <a:lstStyle/>
+          <a:p>
+            <a:pPr algn="ctr"/>
+            <a:r>
+              <a:rPr lang="sv-SE" b="1" dirty="0"/>
+              <a:t>Routee2</a:t>
+            </a:r>
+          </a:p>
+        </p:txBody>
+      </p:sp>
+      <p:sp>
+        <p:nvSpPr>
+          <p:cNvPr id="45" name="Rounded Rectangle 44"/>
+          <p:cNvSpPr/>
+          <p:nvPr/>
+        </p:nvSpPr>
+        <p:spPr>
+          <a:xfrm>
+            <a:off x="8006740" y="5410245"/>
+            <a:ext cx="1414536" cy="499478"/>
+          </a:xfrm>
+          <a:prstGeom prst="roundRect">
+            <a:avLst>
+              <a:gd name="adj" fmla="val 6176"/>
+            </a:avLst>
+          </a:prstGeom>
+          <a:solidFill>
+            <a:srgbClr val="43BFF7"/>
+          </a:solidFill>
+          <a:ln w="38100">
+            <a:noFill/>
+          </a:ln>
+        </p:spPr>
+        <p:style>
+          <a:lnRef idx="2">
+            <a:schemeClr val="accent1">
+              <a:shade val="50000"/>
+            </a:schemeClr>
+          </a:lnRef>
+          <a:fillRef idx="1">
+            <a:schemeClr val="accent1"/>
+          </a:fillRef>
+          <a:effectRef idx="0">
+            <a:schemeClr val="accent1"/>
+          </a:effectRef>
+          <a:fontRef idx="minor">
+            <a:schemeClr val="lt1"/>
+          </a:fontRef>
+        </p:style>
+        <p:txBody>
+          <a:bodyPr rtlCol="0" anchor="ctr"/>
+          <a:lstStyle/>
+          <a:p>
+            <a:pPr algn="ctr"/>
+            <a:r>
+              <a:rPr lang="sv-SE" b="1" dirty="0"/>
+              <a:t>Routee3</a:t>
+            </a:r>
+          </a:p>
+        </p:txBody>
+      </p:sp>
+      <p:sp>
+        <p:nvSpPr>
+          <p:cNvPr id="46" name="Oval Callout 45"/>
+          <p:cNvSpPr/>
+          <p:nvPr/>
+        </p:nvSpPr>
+        <p:spPr>
+          <a:xfrm>
+            <a:off x="4131190" y="3311434"/>
+            <a:ext cx="3017840" cy="872354"/>
+          </a:xfrm>
+          <a:prstGeom prst="wedgeEllipseCallout">
+            <a:avLst>
+              <a:gd name="adj1" fmla="val 814"/>
+              <a:gd name="adj2" fmla="val 99517"/>
+            </a:avLst>
+          </a:prstGeom>
+          <a:solidFill>
+            <a:schemeClr val="tx1"/>
+          </a:solidFill>
+          <a:ln w="38100">
+            <a:solidFill>
+              <a:schemeClr val="bg1"/>
+            </a:solidFill>
+          </a:ln>
+        </p:spPr>
+        <p:style>
+          <a:lnRef idx="2">
+            <a:schemeClr val="accent1">
+              <a:shade val="50000"/>
+            </a:schemeClr>
+          </a:lnRef>
+          <a:fillRef idx="1">
+            <a:schemeClr val="accent1"/>
+          </a:fillRef>
+          <a:effectRef idx="0">
+            <a:schemeClr val="accent1"/>
+          </a:effectRef>
+          <a:fontRef idx="minor">
+            <a:schemeClr val="lt1"/>
+          </a:fontRef>
+        </p:style>
+        <p:txBody>
+          <a:bodyPr rtlCol="0" anchor="ctr"/>
+          <a:lstStyle/>
+          <a:p>
+            <a:pPr algn="ctr"/>
+            <a:r>
+              <a:rPr lang="sv-SE" b="1" dirty="0" smtClean="0">
+                <a:solidFill>
+                  <a:schemeClr val="bg1"/>
+                </a:solidFill>
+              </a:rPr>
+              <a:t>Fan out, return first reply</a:t>
+            </a:r>
+            <a:endParaRPr lang="sv-SE" b="1" dirty="0">
+              <a:solidFill>
+                <a:schemeClr val="bg1"/>
+              </a:solidFill>
+            </a:endParaRPr>
+          </a:p>
+        </p:txBody>
+      </p:sp>
+      <p:sp>
+        <p:nvSpPr>
+          <p:cNvPr id="72" name="Rounded Rectangle 71"/>
+          <p:cNvSpPr/>
+          <p:nvPr/>
+        </p:nvSpPr>
+        <p:spPr>
+          <a:xfrm>
+            <a:off x="1834592" y="4810728"/>
+            <a:ext cx="1408671" cy="499478"/>
+          </a:xfrm>
+          <a:prstGeom prst="roundRect">
+            <a:avLst>
+              <a:gd name="adj" fmla="val 6176"/>
+            </a:avLst>
+          </a:prstGeom>
+          <a:solidFill>
+            <a:srgbClr val="43BFF7"/>
+          </a:solidFill>
+          <a:ln w="38100">
+            <a:noFill/>
+          </a:ln>
+        </p:spPr>
+        <p:style>
+          <a:lnRef idx="2">
+            <a:schemeClr val="accent1">
+              <a:shade val="50000"/>
+            </a:schemeClr>
+          </a:lnRef>
+          <a:fillRef idx="1">
+            <a:schemeClr val="accent1"/>
+          </a:fillRef>
+          <a:effectRef idx="0">
+            <a:schemeClr val="accent1"/>
+          </a:effectRef>
+          <a:fontRef idx="minor">
+            <a:schemeClr val="lt1"/>
+          </a:fontRef>
+        </p:style>
+        <p:txBody>
+          <a:bodyPr rtlCol="0" anchor="ctr"/>
+          <a:lstStyle/>
+          <a:p>
+            <a:pPr algn="ctr"/>
+            <a:r>
+              <a:rPr lang="sv-SE" b="1" dirty="0" smtClean="0"/>
+              <a:t>Consumer</a:t>
+            </a:r>
+            <a:endParaRPr lang="sv-SE" b="1" dirty="0"/>
+          </a:p>
+        </p:txBody>
+      </p:sp>
+    </p:spTree>
+    <p:extLst>
+      <p:ext uri="{BB962C8B-B14F-4D97-AF65-F5344CB8AC3E}">
+        <p14:creationId xmlns:p14="http://schemas.microsoft.com/office/powerpoint/2010/main" val="1526015757"/>
+      </p:ext>
+    </p:extLst>
+  </p:cSld>
+  <p:clrMapOvr>
+    <a:masterClrMapping/>
+  </p:clrMapOvr>
+  <p:timing>
+    <p:tnLst>
+      <p:par>
+        <p:cTn id="1" dur="indefinite" restart="never" nodeType="tmRoot"/>
+      </p:par>
+    </p:tnLst>
+  </p:timing>
+</p:sld>
+</file>
+
+<file path=ppt/slides/slide21.xml><?xml version="1.0" encoding="utf-8"?>
 <p:sld xmlns:a="http://schemas.openxmlformats.org/drawingml/2006/main" xmlns:r="http://schemas.openxmlformats.org/officeDocument/2006/relationships" xmlns:p="http://schemas.openxmlformats.org/presentationml/2006/main">
   <p:cSld>
     <p:bg>
@@ -19150,7 +22167,7 @@
 </p:sld>
 </file>
 
-<file path=ppt/slides/slide19.xml><?xml version="1.0" encoding="utf-8"?>
+<file path=ppt/slides/slide22.xml><?xml version="1.0" encoding="utf-8"?>
 <p:sld xmlns:a="http://schemas.openxmlformats.org/drawingml/2006/main" xmlns:r="http://schemas.openxmlformats.org/officeDocument/2006/relationships" xmlns:p="http://schemas.openxmlformats.org/presentationml/2006/main">
   <p:cSld>
     <p:bg>
@@ -19224,96 +22241,7 @@
 </p:sld>
 </file>
 
-<file path=ppt/slides/slide2.xml><?xml version="1.0" encoding="utf-8"?>
-<p:sld xmlns:a="http://schemas.openxmlformats.org/drawingml/2006/main" xmlns:r="http://schemas.openxmlformats.org/officeDocument/2006/relationships" xmlns:p="http://schemas.openxmlformats.org/presentationml/2006/main">
-  <p:cSld>
-    <p:bg>
-      <p:bgPr>
-        <a:solidFill>
-          <a:srgbClr val="282828"/>
-        </a:solidFill>
-        <a:effectLst/>
-      </p:bgPr>
-    </p:bg>
-    <p:spTree>
-      <p:nvGrpSpPr>
-        <p:cNvPr id="1" name=""/>
-        <p:cNvGrpSpPr/>
-        <p:nvPr/>
-      </p:nvGrpSpPr>
-      <p:grpSpPr>
-        <a:xfrm>
-          <a:off x="0" y="0"/>
-          <a:ext cx="0" cy="0"/>
-          <a:chOff x="0" y="0"/>
-          <a:chExt cx="0" cy="0"/>
-        </a:xfrm>
-      </p:grpSpPr>
-      <p:sp>
-        <p:nvSpPr>
-          <p:cNvPr id="3" name="TextBox 2"/>
-          <p:cNvSpPr txBox="1"/>
-          <p:nvPr/>
-        </p:nvSpPr>
-        <p:spPr>
-          <a:xfrm>
-            <a:off x="0" y="2362983"/>
-            <a:ext cx="12192000" cy="1569660"/>
-          </a:xfrm>
-          <a:prstGeom prst="rect">
-            <a:avLst/>
-          </a:prstGeom>
-          <a:noFill/>
-          <a:effectLst>
-            <a:outerShdw dist="88900" dir="2700000" algn="tl" rotWithShape="0">
-              <a:prstClr val="black"/>
-            </a:outerShdw>
-          </a:effectLst>
-        </p:spPr>
-        <p:txBody>
-          <a:bodyPr wrap="square" rtlCol="0">
-            <a:spAutoFit/>
-          </a:bodyPr>
-          <a:lstStyle>
-            <a:defPPr>
-              <a:defRPr lang="sv-SE"/>
-            </a:defPPr>
-            <a:lvl1pPr algn="ctr">
-              <a:defRPr sz="6600" b="1">
-                <a:latin typeface="Lobster Two" panose="02000506000000020003" pitchFamily="50" charset="0"/>
-              </a:defRPr>
-            </a:lvl1pPr>
-          </a:lstStyle>
-          <a:p>
-            <a:r>
-              <a:rPr lang="sv-SE" sz="9600" dirty="0" smtClean="0"/>
-              <a:t>Design for failure</a:t>
-            </a:r>
-            <a:endParaRPr lang="sv-SE" sz="9600" dirty="0"/>
-          </a:p>
-        </p:txBody>
-      </p:sp>
-    </p:spTree>
-    <p:extLst>
-      <p:ext uri="{BB962C8B-B14F-4D97-AF65-F5344CB8AC3E}">
-        <p14:creationId xmlns:p14="http://schemas.microsoft.com/office/powerpoint/2010/main" val="3415941446"/>
-      </p:ext>
-    </p:extLst>
-  </p:cSld>
-  <p:clrMapOvr>
-    <a:masterClrMapping/>
-  </p:clrMapOvr>
-  <p:timing>
-    <p:tnLst>
-      <p:par>
-        <p:cTn id="1" dur="indefinite" restart="never" nodeType="tmRoot"/>
-      </p:par>
-    </p:tnLst>
-  </p:timing>
-</p:sld>
-</file>
-
-<file path=ppt/slides/slide20.xml><?xml version="1.0" encoding="utf-8"?>
+<file path=ppt/slides/slide23.xml><?xml version="1.0" encoding="utf-8"?>
 <p:sld xmlns:a="http://schemas.openxmlformats.org/drawingml/2006/main" xmlns:r="http://schemas.openxmlformats.org/officeDocument/2006/relationships" xmlns:p="http://schemas.openxmlformats.org/presentationml/2006/main">
   <p:cSld>
     <p:bg>
@@ -19387,7 +22315,7 @@
 </p:sld>
 </file>
 
-<file path=ppt/slides/slide21.xml><?xml version="1.0" encoding="utf-8"?>
+<file path=ppt/slides/slide24.xml><?xml version="1.0" encoding="utf-8"?>
 <p:sld xmlns:a="http://schemas.openxmlformats.org/drawingml/2006/main" xmlns:r="http://schemas.openxmlformats.org/officeDocument/2006/relationships" xmlns:p="http://schemas.openxmlformats.org/presentationml/2006/main">
   <p:cSld>
     <p:bg>
@@ -19479,7 +22407,7 @@
 </p:sld>
 </file>
 
-<file path=ppt/slides/slide22.xml><?xml version="1.0" encoding="utf-8"?>
+<file path=ppt/slides/slide25.xml><?xml version="1.0" encoding="utf-8"?>
 <p:sld xmlns:a="http://schemas.openxmlformats.org/drawingml/2006/main" xmlns:r="http://schemas.openxmlformats.org/officeDocument/2006/relationships" xmlns:p="http://schemas.openxmlformats.org/presentationml/2006/main">
   <p:cSld>
     <p:bg>
@@ -19553,7 +22481,7 @@
 </p:sld>
 </file>
 
-<file path=ppt/slides/slide23.xml><?xml version="1.0" encoding="utf-8"?>
+<file path=ppt/slides/slide26.xml><?xml version="1.0" encoding="utf-8"?>
 <p:sld xmlns:a="http://schemas.openxmlformats.org/drawingml/2006/main" xmlns:r="http://schemas.openxmlformats.org/officeDocument/2006/relationships" xmlns:p="http://schemas.openxmlformats.org/presentationml/2006/main">
   <p:cSld>
     <p:bg>
@@ -19627,7 +22555,7 @@
 </p:sld>
 </file>
 
-<file path=ppt/slides/slide24.xml><?xml version="1.0" encoding="utf-8"?>
+<file path=ppt/slides/slide27.xml><?xml version="1.0" encoding="utf-8"?>
 <p:sld xmlns:a="http://schemas.openxmlformats.org/drawingml/2006/main" xmlns:r="http://schemas.openxmlformats.org/officeDocument/2006/relationships" xmlns:p="http://schemas.openxmlformats.org/presentationml/2006/main">
   <p:cSld>
     <p:bg>
@@ -19701,7 +22629,7 @@
 </p:sld>
 </file>
 
-<file path=ppt/slides/slide25.xml><?xml version="1.0" encoding="utf-8"?>
+<file path=ppt/slides/slide28.xml><?xml version="1.0" encoding="utf-8"?>
 <p:sld xmlns:a="http://schemas.openxmlformats.org/drawingml/2006/main" xmlns:r="http://schemas.openxmlformats.org/officeDocument/2006/relationships" xmlns:p="http://schemas.openxmlformats.org/presentationml/2006/main">
   <p:cSld>
     <p:bg>
@@ -19766,7 +22694,6 @@
               <a:rPr lang="sv-SE" dirty="0"/>
               <a:t>Virtual Actors</a:t>
             </a:r>
-            <a:endParaRPr lang="sv-SE" dirty="0"/>
           </a:p>
         </p:txBody>
       </p:sp>
@@ -19810,13 +22737,13 @@
   <p:clrMapOvr>
     <a:masterClrMapping/>
   </p:clrMapOvr>
-  <mc:AlternateContent xmlns:mc="http://schemas.openxmlformats.org/markup-compatibility/2006">
-    <mc:Choice xmlns:p14="http://schemas.microsoft.com/office/powerpoint/2010/main" Requires="p14">
+  <mc:AlternateContent xmlns:mc="http://schemas.openxmlformats.org/markup-compatibility/2006" xmlns:p14="http://schemas.microsoft.com/office/powerpoint/2010/main">
+    <mc:Choice Requires="p14">
       <p:transition spd="med" p14:dur="700">
         <p:fade/>
       </p:transition>
     </mc:Choice>
-    <mc:Fallback>
+    <mc:Fallback xmlns="">
       <p:transition spd="med">
         <p:fade/>
       </p:transition>
@@ -19832,7 +22759,7 @@
 </p:sld>
 </file>
 
-<file path=ppt/slides/slide26.xml><?xml version="1.0" encoding="utf-8"?>
+<file path=ppt/slides/slide29.xml><?xml version="1.0" encoding="utf-8"?>
 <p:sld xmlns:a="http://schemas.openxmlformats.org/drawingml/2006/main" xmlns:r="http://schemas.openxmlformats.org/officeDocument/2006/relationships" xmlns:p="http://schemas.openxmlformats.org/presentationml/2006/main">
   <p:cSld>
     <p:bg>
@@ -19979,13 +22906,13 @@
   <p:clrMapOvr>
     <a:masterClrMapping/>
   </p:clrMapOvr>
-  <mc:AlternateContent xmlns:mc="http://schemas.openxmlformats.org/markup-compatibility/2006">
-    <mc:Choice xmlns:p14="http://schemas.microsoft.com/office/powerpoint/2010/main" Requires="p14">
+  <mc:AlternateContent xmlns:mc="http://schemas.openxmlformats.org/markup-compatibility/2006" xmlns:p14="http://schemas.microsoft.com/office/powerpoint/2010/main">
+    <mc:Choice Requires="p14">
       <p:transition spd="med" p14:dur="700">
         <p:fade/>
       </p:transition>
     </mc:Choice>
-    <mc:Fallback>
+    <mc:Fallback xmlns="">
       <p:transition spd="med">
         <p:fade/>
       </p:transition>
@@ -20001,7 +22928,146 @@
 </p:sld>
 </file>
 
-<file path=ppt/slides/slide27.xml><?xml version="1.0" encoding="utf-8"?>
+<file path=ppt/slides/slide3.xml><?xml version="1.0" encoding="utf-8"?>
+<p:sld xmlns:a="http://schemas.openxmlformats.org/drawingml/2006/main" xmlns:r="http://schemas.openxmlformats.org/officeDocument/2006/relationships" xmlns:p="http://schemas.openxmlformats.org/presentationml/2006/main">
+  <p:cSld>
+    <p:bg>
+      <p:bgPr>
+        <a:blipFill dpi="0" rotWithShape="1">
+          <a:blip r:embed="rId2">
+            <a:lum/>
+          </a:blip>
+          <a:srcRect/>
+          <a:stretch>
+            <a:fillRect l="-18000" r="-18000"/>
+          </a:stretch>
+        </a:blipFill>
+        <a:effectLst/>
+      </p:bgPr>
+    </p:bg>
+    <p:spTree>
+      <p:nvGrpSpPr>
+        <p:cNvPr id="1" name=""/>
+        <p:cNvGrpSpPr/>
+        <p:nvPr/>
+      </p:nvGrpSpPr>
+      <p:grpSpPr>
+        <a:xfrm>
+          <a:off x="0" y="0"/>
+          <a:ext cx="0" cy="0"/>
+          <a:chOff x="0" y="0"/>
+          <a:chExt cx="0" cy="0"/>
+        </a:xfrm>
+      </p:grpSpPr>
+      <p:sp>
+        <p:nvSpPr>
+          <p:cNvPr id="3" name="TextBox 2"/>
+          <p:cNvSpPr txBox="1"/>
+          <p:nvPr/>
+        </p:nvSpPr>
+        <p:spPr>
+          <a:xfrm>
+            <a:off x="1043609" y="4075042"/>
+            <a:ext cx="10426148" cy="2554545"/>
+          </a:xfrm>
+          <a:prstGeom prst="rect">
+            <a:avLst/>
+          </a:prstGeom>
+          <a:noFill/>
+          <a:effectLst>
+            <a:outerShdw dist="38100" dir="2700000" algn="tl" rotWithShape="0">
+              <a:prstClr val="black"/>
+            </a:outerShdw>
+          </a:effectLst>
+        </p:spPr>
+        <p:txBody>
+          <a:bodyPr wrap="square" rtlCol="0">
+            <a:spAutoFit/>
+          </a:bodyPr>
+          <a:lstStyle>
+            <a:defPPr>
+              <a:defRPr lang="sv-SE"/>
+            </a:defPPr>
+            <a:lvl1pPr algn="ctr">
+              <a:defRPr sz="9600" b="1">
+                <a:latin typeface="Lobster Two" panose="02000506000000020003" pitchFamily="50" charset="0"/>
+              </a:defRPr>
+            </a:lvl1pPr>
+          </a:lstStyle>
+          <a:p>
+            <a:pPr algn="l"/>
+            <a:r>
+              <a:rPr lang="en-US" sz="3200" dirty="0">
+                <a:latin typeface="+mn-lt"/>
+              </a:rPr>
+              <a:t>An escalator can never break: it can only become stairs. </a:t>
+            </a:r>
+            <a:br>
+              <a:rPr lang="en-US" sz="3200" dirty="0">
+                <a:latin typeface="+mn-lt"/>
+              </a:rPr>
+            </a:br>
+            <a:r>
+              <a:rPr lang="en-US" sz="3200" dirty="0">
+                <a:latin typeface="+mn-lt"/>
+              </a:rPr>
+              <a:t>You should never see an Escalator Temporarily Out Of Order sign, just Escalator Temporarily Stairs. </a:t>
+            </a:r>
+            <a:br>
+              <a:rPr lang="en-US" sz="3200" dirty="0">
+                <a:latin typeface="+mn-lt"/>
+              </a:rPr>
+            </a:br>
+            <a:r>
+              <a:rPr lang="en-US" sz="3200" dirty="0">
+                <a:latin typeface="+mn-lt"/>
+              </a:rPr>
+              <a:t>Sorry for the convenience. </a:t>
+            </a:r>
+            <a:br>
+              <a:rPr lang="en-US" sz="3200" dirty="0">
+                <a:latin typeface="+mn-lt"/>
+              </a:rPr>
+            </a:br>
+            <a:r>
+              <a:rPr lang="en-US" sz="3200" i="1" dirty="0">
+                <a:latin typeface="+mn-lt"/>
+              </a:rPr>
+              <a:t>-Mitch </a:t>
+            </a:r>
+            <a:r>
+              <a:rPr lang="en-US" sz="3200" i="1" dirty="0" err="1" smtClean="0">
+                <a:latin typeface="+mn-lt"/>
+              </a:rPr>
+              <a:t>Hedberg</a:t>
+            </a:r>
+            <a:endParaRPr lang="sv-SE" sz="3200" dirty="0">
+              <a:latin typeface="+mn-lt"/>
+            </a:endParaRPr>
+          </a:p>
+        </p:txBody>
+      </p:sp>
+    </p:spTree>
+    <p:extLst>
+      <p:ext uri="{BB962C8B-B14F-4D97-AF65-F5344CB8AC3E}">
+        <p14:creationId xmlns:p14="http://schemas.microsoft.com/office/powerpoint/2010/main" val="3083332508"/>
+      </p:ext>
+    </p:extLst>
+  </p:cSld>
+  <p:clrMapOvr>
+    <a:masterClrMapping/>
+  </p:clrMapOvr>
+  <p:timing>
+    <p:tnLst>
+      <p:par>
+        <p:cTn id="1" dur="indefinite" restart="never" nodeType="tmRoot"/>
+      </p:par>
+    </p:tnLst>
+  </p:timing>
+</p:sld>
+</file>
+
+<file path=ppt/slides/slide30.xml><?xml version="1.0" encoding="utf-8"?>
 <p:sld xmlns:a="http://schemas.openxmlformats.org/drawingml/2006/main" xmlns:r="http://schemas.openxmlformats.org/officeDocument/2006/relationships" xmlns:p="http://schemas.openxmlformats.org/presentationml/2006/main">
   <p:cSld>
     <p:bg>
@@ -28490,10 +31556,9 @@
             </a:solidFill>
           </a:ln>
           <a:effectLst>
-            <a:glow rad="139700">
+            <a:glow rad="76200">
               <a:schemeClr val="accent2">
                 <a:satMod val="175000"/>
-                <a:alpha val="40000"/>
               </a:schemeClr>
             </a:glow>
           </a:effectLst>
@@ -28625,10 +31690,9 @@
             </a:solidFill>
           </a:ln>
           <a:effectLst>
-            <a:glow rad="139700">
+            <a:glow rad="76200">
               <a:schemeClr val="accent2">
                 <a:satMod val="175000"/>
-                <a:alpha val="40000"/>
               </a:schemeClr>
             </a:glow>
           </a:effectLst>
@@ -28882,10 +31946,9 @@
             </a:solidFill>
           </a:ln>
           <a:effectLst>
-            <a:glow rad="139700">
+            <a:glow rad="76200">
               <a:schemeClr val="accent2">
                 <a:satMod val="175000"/>
-                <a:alpha val="40000"/>
               </a:schemeClr>
             </a:glow>
           </a:effectLst>
@@ -28925,13 +31988,13 @@
   <p:clrMapOvr>
     <a:masterClrMapping/>
   </p:clrMapOvr>
-  <mc:AlternateContent xmlns:mc="http://schemas.openxmlformats.org/markup-compatibility/2006">
-    <mc:Choice xmlns:p14="http://schemas.microsoft.com/office/powerpoint/2010/main" Requires="p14">
+  <mc:AlternateContent xmlns:mc="http://schemas.openxmlformats.org/markup-compatibility/2006" xmlns:p14="http://schemas.microsoft.com/office/powerpoint/2010/main">
+    <mc:Choice Requires="p14">
       <p:transition spd="med" p14:dur="700">
         <p:fade/>
       </p:transition>
     </mc:Choice>
-    <mc:Fallback>
+    <mc:Fallback xmlns="">
       <p:transition spd="med">
         <p:fade/>
       </p:transition>
@@ -29335,7 +32398,7 @@
 </p:sld>
 </file>
 
-<file path=ppt/slides/slide28.xml><?xml version="1.0" encoding="utf-8"?>
+<file path=ppt/slides/slide31.xml><?xml version="1.0" encoding="utf-8"?>
 <p:sld xmlns:a="http://schemas.openxmlformats.org/drawingml/2006/main" xmlns:r="http://schemas.openxmlformats.org/officeDocument/2006/relationships" xmlns:p="http://schemas.openxmlformats.org/presentationml/2006/main">
   <p:cSld>
     <p:bg>
@@ -29588,13 +32651,8 @@
             <a:pPr algn="ctr"/>
             <a:r>
               <a:rPr lang="sv-SE" dirty="0" smtClean="0"/>
-              <a:t>Node </a:t>
+              <a:t>Node A</a:t>
             </a:r>
-            <a:r>
-              <a:rPr lang="sv-SE" dirty="0" smtClean="0"/>
-              <a:t>A</a:t>
-            </a:r>
-            <a:endParaRPr lang="sv-SE" dirty="0" smtClean="0"/>
           </a:p>
           <a:p>
             <a:pPr algn="ctr"/>
@@ -29650,13 +32708,8 @@
             <a:pPr algn="ctr"/>
             <a:r>
               <a:rPr lang="sv-SE" dirty="0" smtClean="0"/>
-              <a:t>Node </a:t>
+              <a:t>Node B</a:t>
             </a:r>
-            <a:r>
-              <a:rPr lang="sv-SE" dirty="0" smtClean="0"/>
-              <a:t>B</a:t>
-            </a:r>
-            <a:endParaRPr lang="sv-SE" dirty="0" smtClean="0"/>
           </a:p>
           <a:p>
             <a:pPr algn="ctr"/>
@@ -29712,13 +32765,8 @@
             <a:pPr algn="ctr"/>
             <a:r>
               <a:rPr lang="sv-SE" dirty="0" smtClean="0"/>
-              <a:t>Node </a:t>
+              <a:t>Node C</a:t>
             </a:r>
-            <a:r>
-              <a:rPr lang="sv-SE" dirty="0" smtClean="0"/>
-              <a:t>C</a:t>
-            </a:r>
-            <a:endParaRPr lang="sv-SE" dirty="0" smtClean="0"/>
           </a:p>
           <a:p>
             <a:pPr algn="ctr"/>
@@ -29877,13 +32925,8 @@
             <a:pPr algn="ctr"/>
             <a:r>
               <a:rPr lang="sv-SE" dirty="0" smtClean="0"/>
-              <a:t>Node </a:t>
+              <a:t>Node E</a:t>
             </a:r>
-            <a:r>
-              <a:rPr lang="sv-SE" dirty="0" smtClean="0"/>
-              <a:t>E</a:t>
-            </a:r>
-            <a:endParaRPr lang="sv-SE" dirty="0" smtClean="0"/>
           </a:p>
           <a:p>
             <a:pPr algn="ctr"/>
@@ -29939,13 +32982,8 @@
             <a:pPr algn="ctr"/>
             <a:r>
               <a:rPr lang="sv-SE" dirty="0" smtClean="0"/>
-              <a:t>Node </a:t>
+              <a:t>Node D</a:t>
             </a:r>
-            <a:r>
-              <a:rPr lang="sv-SE" dirty="0" smtClean="0"/>
-              <a:t>D</a:t>
-            </a:r>
-            <a:endParaRPr lang="sv-SE" dirty="0" smtClean="0"/>
           </a:p>
           <a:p>
             <a:pPr algn="ctr"/>
@@ -30047,13 +33085,8 @@
             <a:pPr algn="ctr"/>
             <a:r>
               <a:rPr lang="sv-SE" dirty="0" smtClean="0"/>
-              <a:t>Node </a:t>
+              <a:t>Node F</a:t>
             </a:r>
-            <a:r>
-              <a:rPr lang="sv-SE" dirty="0" smtClean="0"/>
-              <a:t>F</a:t>
-            </a:r>
-            <a:endParaRPr lang="sv-SE" dirty="0" smtClean="0"/>
           </a:p>
           <a:p>
             <a:pPr algn="ctr"/>
@@ -30671,7 +33704,7 @@
           <a:p>
             <a:pPr algn="ctr"/>
             <a:r>
-              <a:rPr lang="sv-SE" b="1" smtClean="0"/>
+              <a:rPr lang="sv-SE" b="1" dirty="0" smtClean="0"/>
               <a:t>Roger : User</a:t>
             </a:r>
             <a:endParaRPr lang="sv-SE" b="1" dirty="0"/>
@@ -31931,7 +34964,7 @@
 </p:sld>
 </file>
 
-<file path=ppt/slides/slide29.xml><?xml version="1.0" encoding="utf-8"?>
+<file path=ppt/slides/slide32.xml><?xml version="1.0" encoding="utf-8"?>
 <p:sld xmlns:a="http://schemas.openxmlformats.org/drawingml/2006/main" xmlns:r="http://schemas.openxmlformats.org/officeDocument/2006/relationships" xmlns:p="http://schemas.openxmlformats.org/presentationml/2006/main">
   <p:cSld>
     <p:bg>
@@ -32005,176 +35038,7 @@
 </p:sld>
 </file>
 
-<file path=ppt/slides/slide3.xml><?xml version="1.0" encoding="utf-8"?>
-<p:sld xmlns:a="http://schemas.openxmlformats.org/drawingml/2006/main" xmlns:r="http://schemas.openxmlformats.org/officeDocument/2006/relationships" xmlns:p="http://schemas.openxmlformats.org/presentationml/2006/main">
-  <p:cSld>
-    <p:bg>
-      <p:bgPr>
-        <a:blipFill dpi="0" rotWithShape="1">
-          <a:blip r:embed="rId2">
-            <a:lum/>
-          </a:blip>
-          <a:srcRect/>
-          <a:stretch>
-            <a:fillRect l="-18000" r="-18000"/>
-          </a:stretch>
-        </a:blipFill>
-        <a:effectLst/>
-      </p:bgPr>
-    </p:bg>
-    <p:spTree>
-      <p:nvGrpSpPr>
-        <p:cNvPr id="1" name=""/>
-        <p:cNvGrpSpPr/>
-        <p:nvPr/>
-      </p:nvGrpSpPr>
-      <p:grpSpPr>
-        <a:xfrm>
-          <a:off x="0" y="0"/>
-          <a:ext cx="0" cy="0"/>
-          <a:chOff x="0" y="0"/>
-          <a:chExt cx="0" cy="0"/>
-        </a:xfrm>
-      </p:grpSpPr>
-      <p:sp>
-        <p:nvSpPr>
-          <p:cNvPr id="3" name="TextBox 2"/>
-          <p:cNvSpPr txBox="1"/>
-          <p:nvPr/>
-        </p:nvSpPr>
-        <p:spPr>
-          <a:xfrm>
-            <a:off x="1043609" y="4075042"/>
-            <a:ext cx="10426148" cy="2554545"/>
-          </a:xfrm>
-          <a:prstGeom prst="rect">
-            <a:avLst/>
-          </a:prstGeom>
-          <a:noFill/>
-          <a:effectLst>
-            <a:outerShdw dist="38100" dir="2700000" algn="tl" rotWithShape="0">
-              <a:prstClr val="black"/>
-            </a:outerShdw>
-          </a:effectLst>
-        </p:spPr>
-        <p:txBody>
-          <a:bodyPr wrap="square" rtlCol="0">
-            <a:spAutoFit/>
-          </a:bodyPr>
-          <a:lstStyle>
-            <a:defPPr>
-              <a:defRPr lang="sv-SE"/>
-            </a:defPPr>
-            <a:lvl1pPr algn="ctr">
-              <a:defRPr sz="9600" b="1">
-                <a:latin typeface="Lobster Two" panose="02000506000000020003" pitchFamily="50" charset="0"/>
-              </a:defRPr>
-            </a:lvl1pPr>
-          </a:lstStyle>
-          <a:p>
-            <a:pPr algn="l"/>
-            <a:r>
-              <a:rPr lang="en-US" sz="3200" dirty="0">
-                <a:latin typeface="+mn-lt"/>
-              </a:rPr>
-              <a:t>An escalator can never break: it can only become stairs. </a:t>
-            </a:r>
-            <a:r>
-              <a:rPr lang="en-US" sz="3200" dirty="0">
-                <a:latin typeface="+mn-lt"/>
-              </a:rPr>
-              <a:t/>
-            </a:r>
-            <a:br>
-              <a:rPr lang="en-US" sz="3200" dirty="0">
-                <a:latin typeface="+mn-lt"/>
-              </a:rPr>
-            </a:br>
-            <a:r>
-              <a:rPr lang="en-US" sz="3200" dirty="0">
-                <a:latin typeface="+mn-lt"/>
-              </a:rPr>
-              <a:t>You </a:t>
-            </a:r>
-            <a:r>
-              <a:rPr lang="en-US" sz="3200" dirty="0">
-                <a:latin typeface="+mn-lt"/>
-              </a:rPr>
-              <a:t>should never see an Escalator Temporarily Out Of Order sign, just Escalator Temporarily Stairs. </a:t>
-            </a:r>
-            <a:r>
-              <a:rPr lang="en-US" sz="3200" dirty="0">
-                <a:latin typeface="+mn-lt"/>
-              </a:rPr>
-              <a:t/>
-            </a:r>
-            <a:br>
-              <a:rPr lang="en-US" sz="3200" dirty="0">
-                <a:latin typeface="+mn-lt"/>
-              </a:rPr>
-            </a:br>
-            <a:r>
-              <a:rPr lang="en-US" sz="3200" dirty="0">
-                <a:latin typeface="+mn-lt"/>
-              </a:rPr>
-              <a:t>Sorry </a:t>
-            </a:r>
-            <a:r>
-              <a:rPr lang="en-US" sz="3200" dirty="0">
-                <a:latin typeface="+mn-lt"/>
-              </a:rPr>
-              <a:t>for the convenience. </a:t>
-            </a:r>
-            <a:r>
-              <a:rPr lang="en-US" sz="3200" dirty="0">
-                <a:latin typeface="+mn-lt"/>
-              </a:rPr>
-              <a:t/>
-            </a:r>
-            <a:br>
-              <a:rPr lang="en-US" sz="3200" dirty="0">
-                <a:latin typeface="+mn-lt"/>
-              </a:rPr>
-            </a:br>
-            <a:r>
-              <a:rPr lang="en-US" sz="3200" i="1" dirty="0">
-                <a:latin typeface="+mn-lt"/>
-              </a:rPr>
-              <a:t>-Mitch </a:t>
-            </a:r>
-            <a:r>
-              <a:rPr lang="en-US" sz="3200" i="1" dirty="0" err="1" smtClean="0">
-                <a:latin typeface="+mn-lt"/>
-              </a:rPr>
-              <a:t>Hedberg</a:t>
-            </a:r>
-            <a:endParaRPr lang="sv-SE" sz="3200" dirty="0">
-              <a:latin typeface="+mn-lt"/>
-            </a:endParaRPr>
-          </a:p>
-        </p:txBody>
-      </p:sp>
-    </p:spTree>
-    <p:extLst>
-      <p:ext uri="{BB962C8B-B14F-4D97-AF65-F5344CB8AC3E}">
-        <p14:creationId xmlns:p14="http://schemas.microsoft.com/office/powerpoint/2010/main" val="3083332508"/>
-      </p:ext>
-    </p:extLst>
-  </p:cSld>
-  <p:clrMapOvr>
-    <a:masterClrMapping/>
-  </p:clrMapOvr>
-  <p:timing>
-    <p:tnLst>
-      <p:par>
-        <p:cTn id="1" dur="indefinite" restart="never" nodeType="tmRoot"/>
-      </p:par>
-    </p:tnLst>
-  </p:timing>
-</p:sld>
-</file>
-
-<file path=ppt/slides/slide30.xml><?xml version="1.0" encoding="utf-8"?>
+<file path=ppt/slides/slide33.xml><?xml version="1.0" encoding="utf-8"?>
 <p:sld xmlns:a="http://schemas.openxmlformats.org/drawingml/2006/main" xmlns:r="http://schemas.openxmlformats.org/officeDocument/2006/relationships" xmlns:p="http://schemas.openxmlformats.org/presentationml/2006/main">
   <p:cSld>
     <p:bg>
@@ -34470,7 +37334,7 @@
 </p:sld>
 </file>
 
-<file path=ppt/slides/slide31.xml><?xml version="1.0" encoding="utf-8"?>
+<file path=ppt/slides/slide34.xml><?xml version="1.0" encoding="utf-8"?>
 <p:sld xmlns:a="http://schemas.openxmlformats.org/drawingml/2006/main" xmlns:r="http://schemas.openxmlformats.org/officeDocument/2006/relationships" xmlns:p="http://schemas.openxmlformats.org/presentationml/2006/main">
   <p:cSld>
     <p:bg>
@@ -37038,8 +39902,8 @@
         </p:nvSpPr>
         <p:spPr>
           <a:xfrm>
-            <a:off x="1579782" y="4443574"/>
-            <a:ext cx="9424224" cy="1677382"/>
+            <a:off x="0" y="4443574"/>
+            <a:ext cx="12192000" cy="1677382"/>
           </a:xfrm>
           <a:prstGeom prst="rect">
             <a:avLst/>
@@ -37065,7 +39929,7 @@
                 </a:solidFill>
                 <a:latin typeface="Arial Black" panose="020B0A04020102020204" pitchFamily="34" charset="0"/>
               </a:rPr>
-              <a:t>Bulkhead</a:t>
+              <a:t>Bulkheads</a:t>
             </a:r>
             <a:endParaRPr lang="sv-SE" sz="10300" b="1" spc="-1000" dirty="0">
               <a:ln w="15240">
@@ -37139,13 +40003,13 @@
   <p:clrMapOvr>
     <a:masterClrMapping/>
   </p:clrMapOvr>
-  <mc:AlternateContent xmlns:mc="http://schemas.openxmlformats.org/markup-compatibility/2006">
-    <mc:Choice xmlns:p14="http://schemas.microsoft.com/office/powerpoint/2010/main" Requires="p14">
+  <mc:AlternateContent xmlns:mc="http://schemas.openxmlformats.org/markup-compatibility/2006" xmlns:p14="http://schemas.microsoft.com/office/powerpoint/2010/main">
+    <mc:Choice Requires="p14">
       <p:transition spd="med" p14:dur="700">
         <p:fade/>
       </p:transition>
     </mc:Choice>
-    <mc:Fallback>
+    <mc:Fallback xmlns="">
       <p:transition spd="med">
         <p:fade/>
       </p:transition>
@@ -41591,18 +44455,18 @@
 
 <file path=customXml/item1.xml><?xml version="1.0" encoding="utf-8"?>
 <Control xmlns="http://schemas.microsoft.com/VisualStudio/2011/storyboarding/control">
-  <Id Name="44a0c100-6804-4ba7-b49b-e7ac250487c7" Revision="1" Stencil="System.MyShapes" StencilVersion="1.0"/>
+  <Id Name="dc90df87-36f1-4586-bce0-8a0e230fa5e3" Revision="1" Stencil="System.MyShapes" StencilVersion="1.0"/>
 </Control>
 </file>
 
 <file path=customXml/item2.xml><?xml version="1.0" encoding="utf-8"?>
 <Control xmlns="http://schemas.microsoft.com/VisualStudio/2011/storyboarding/control">
-  <Id Name="dc90df87-36f1-4586-bce0-8a0e230fa5e3" Revision="1" Stencil="System.MyShapes" StencilVersion="1.0"/>
+  <Id Name="44a0c100-6804-4ba7-b49b-e7ac250487c7" Revision="1" Stencil="System.MyShapes" StencilVersion="1.0"/>
 </Control>
 </file>
 
 <file path=customXml/itemProps1.xml><?xml version="1.0" encoding="utf-8"?>
-<ds:datastoreItem xmlns:ds="http://schemas.openxmlformats.org/officeDocument/2006/customXml" ds:itemID="{C628A903-7748-4EDB-A72A-3ECFEA25BB5E}">
+<ds:datastoreItem xmlns:ds="http://schemas.openxmlformats.org/officeDocument/2006/customXml" ds:itemID="{CDA122B6-4EED-4C79-89A6-6B2CCEF25CD0}">
   <ds:schemaRefs>
     <ds:schemaRef ds:uri="http://schemas.microsoft.com/VisualStudio/2011/storyboarding/control"/>
   </ds:schemaRefs>
@@ -41610,7 +44474,7 @@
 </file>
 
 <file path=customXml/itemProps2.xml><?xml version="1.0" encoding="utf-8"?>
-<ds:datastoreItem xmlns:ds="http://schemas.openxmlformats.org/officeDocument/2006/customXml" ds:itemID="{CDA122B6-4EED-4C79-89A6-6B2CCEF25CD0}">
+<ds:datastoreItem xmlns:ds="http://schemas.openxmlformats.org/officeDocument/2006/customXml" ds:itemID="{C628A903-7748-4EDB-A72A-3ECFEA25BB5E}">
   <ds:schemaRefs>
     <ds:schemaRef ds:uri="http://schemas.microsoft.com/VisualStudio/2011/storyboarding/control"/>
   </ds:schemaRefs>

--- a/FailingGracefully/QConSP/protoactor.pptx
+++ b/FailingGracefully/QConSP/protoactor.pptx
@@ -6,7 +6,7 @@
     <p:sldMasterId id="2147484500" r:id="rId4"/>
   </p:sldMasterIdLst>
   <p:notesMasterIdLst>
-    <p:notesMasterId r:id="rId39"/>
+    <p:notesMasterId r:id="rId40"/>
   </p:notesMasterIdLst>
   <p:sldIdLst>
     <p:sldId id="540" r:id="rId5"/>
@@ -31,18 +31,19 @@
     <p:sldId id="546" r:id="rId24"/>
     <p:sldId id="528" r:id="rId25"/>
     <p:sldId id="529" r:id="rId26"/>
-    <p:sldId id="530" r:id="rId27"/>
-    <p:sldId id="531" r:id="rId28"/>
-    <p:sldId id="532" r:id="rId29"/>
-    <p:sldId id="533" r:id="rId30"/>
-    <p:sldId id="534" r:id="rId31"/>
-    <p:sldId id="541" r:id="rId32"/>
-    <p:sldId id="539" r:id="rId33"/>
-    <p:sldId id="543" r:id="rId34"/>
-    <p:sldId id="535" r:id="rId35"/>
-    <p:sldId id="536" r:id="rId36"/>
-    <p:sldId id="489" r:id="rId37"/>
-    <p:sldId id="506" r:id="rId38"/>
+    <p:sldId id="548" r:id="rId27"/>
+    <p:sldId id="530" r:id="rId28"/>
+    <p:sldId id="531" r:id="rId29"/>
+    <p:sldId id="532" r:id="rId30"/>
+    <p:sldId id="533" r:id="rId31"/>
+    <p:sldId id="534" r:id="rId32"/>
+    <p:sldId id="541" r:id="rId33"/>
+    <p:sldId id="539" r:id="rId34"/>
+    <p:sldId id="543" r:id="rId35"/>
+    <p:sldId id="535" r:id="rId36"/>
+    <p:sldId id="547" r:id="rId37"/>
+    <p:sldId id="489" r:id="rId38"/>
+    <p:sldId id="506" r:id="rId39"/>
   </p:sldIdLst>
   <p:sldSz cx="12192000" cy="6858000"/>
   <p:notesSz cx="6858000" cy="9144000"/>
@@ -168,6 +169,7 @@
             <p14:sldId id="546"/>
             <p14:sldId id="528"/>
             <p14:sldId id="529"/>
+            <p14:sldId id="548"/>
             <p14:sldId id="530"/>
             <p14:sldId id="531"/>
           </p14:sldIdLst>
@@ -181,7 +183,7 @@
             <p14:sldId id="539"/>
             <p14:sldId id="543"/>
             <p14:sldId id="535"/>
-            <p14:sldId id="536"/>
+            <p14:sldId id="547"/>
             <p14:sldId id="489"/>
             <p14:sldId id="506"/>
           </p14:sldIdLst>
@@ -326,7 +328,7 @@
           <a:p>
             <a:fld id="{826EE6A8-7E37-4A55-A586-C8FFB78609B1}" type="datetimeFigureOut">
               <a:rPr lang="sv-SE" smtClean="0"/>
-              <a:t>2017-03-31</a:t>
+              <a:t>2017-04-04</a:t>
             </a:fld>
             <a:endParaRPr lang="sv-SE"/>
           </a:p>
@@ -958,7 +960,7 @@
                 <a:tabLst/>
                 <a:defRPr/>
               </a:pPr>
-              <a:t>34</a:t>
+              <a:t>35</a:t>
             </a:fld>
             <a:endParaRPr kumimoji="0" lang="sv-SE" sz="1200" b="0" i="0" u="none" strike="noStrike" kern="1200" cap="none" spc="0" normalizeH="0" baseline="0" noProof="0">
               <a:ln>
@@ -1121,7 +1123,7 @@
           <a:p>
             <a:fld id="{FF633EE0-2569-4F58-A582-E56ADACD7068}" type="datetimeFigureOut">
               <a:rPr lang="sv-SE" smtClean="0"/>
-              <a:t>2017-03-31</a:t>
+              <a:t>2017-04-04</a:t>
             </a:fld>
             <a:endParaRPr lang="sv-SE"/>
           </a:p>
@@ -1291,7 +1293,7 @@
           <a:p>
             <a:fld id="{FF633EE0-2569-4F58-A582-E56ADACD7068}" type="datetimeFigureOut">
               <a:rPr lang="sv-SE" smtClean="0"/>
-              <a:t>2017-03-31</a:t>
+              <a:t>2017-04-04</a:t>
             </a:fld>
             <a:endParaRPr lang="sv-SE"/>
           </a:p>
@@ -1471,7 +1473,7 @@
           <a:p>
             <a:fld id="{FF633EE0-2569-4F58-A582-E56ADACD7068}" type="datetimeFigureOut">
               <a:rPr lang="sv-SE" smtClean="0"/>
-              <a:t>2017-03-31</a:t>
+              <a:t>2017-04-04</a:t>
             </a:fld>
             <a:endParaRPr lang="sv-SE"/>
           </a:p>
@@ -1663,7 +1665,7 @@
           <a:p>
             <a:fld id="{FF633EE0-2569-4F58-A582-E56ADACD7068}" type="datetimeFigureOut">
               <a:rPr lang="sv-SE" smtClean="0"/>
-              <a:t>2017-03-31</a:t>
+              <a:t>2017-04-04</a:t>
             </a:fld>
             <a:endParaRPr lang="sv-SE"/>
           </a:p>
@@ -1833,7 +1835,7 @@
           <a:p>
             <a:fld id="{FF633EE0-2569-4F58-A582-E56ADACD7068}" type="datetimeFigureOut">
               <a:rPr lang="sv-SE" smtClean="0"/>
-              <a:t>2017-03-31</a:t>
+              <a:t>2017-04-04</a:t>
             </a:fld>
             <a:endParaRPr lang="sv-SE"/>
           </a:p>
@@ -2079,7 +2081,7 @@
           <a:p>
             <a:fld id="{FF633EE0-2569-4F58-A582-E56ADACD7068}" type="datetimeFigureOut">
               <a:rPr lang="sv-SE" smtClean="0"/>
-              <a:t>2017-03-31</a:t>
+              <a:t>2017-04-04</a:t>
             </a:fld>
             <a:endParaRPr lang="sv-SE"/>
           </a:p>
@@ -2311,7 +2313,7 @@
           <a:p>
             <a:fld id="{FF633EE0-2569-4F58-A582-E56ADACD7068}" type="datetimeFigureOut">
               <a:rPr lang="sv-SE" smtClean="0"/>
-              <a:t>2017-03-31</a:t>
+              <a:t>2017-04-04</a:t>
             </a:fld>
             <a:endParaRPr lang="sv-SE"/>
           </a:p>
@@ -2678,7 +2680,7 @@
           <a:p>
             <a:fld id="{FF633EE0-2569-4F58-A582-E56ADACD7068}" type="datetimeFigureOut">
               <a:rPr lang="sv-SE" smtClean="0"/>
-              <a:t>2017-03-31</a:t>
+              <a:t>2017-04-04</a:t>
             </a:fld>
             <a:endParaRPr lang="sv-SE"/>
           </a:p>
@@ -2796,7 +2798,7 @@
           <a:p>
             <a:fld id="{FF633EE0-2569-4F58-A582-E56ADACD7068}" type="datetimeFigureOut">
               <a:rPr lang="sv-SE" smtClean="0"/>
-              <a:t>2017-03-31</a:t>
+              <a:t>2017-04-04</a:t>
             </a:fld>
             <a:endParaRPr lang="sv-SE"/>
           </a:p>
@@ -2891,7 +2893,7 @@
           <a:p>
             <a:fld id="{FF633EE0-2569-4F58-A582-E56ADACD7068}" type="datetimeFigureOut">
               <a:rPr lang="sv-SE" smtClean="0"/>
-              <a:t>2017-03-31</a:t>
+              <a:t>2017-04-04</a:t>
             </a:fld>
             <a:endParaRPr lang="sv-SE"/>
           </a:p>
@@ -3168,7 +3170,7 @@
           <a:p>
             <a:fld id="{FF633EE0-2569-4F58-A582-E56ADACD7068}" type="datetimeFigureOut">
               <a:rPr lang="sv-SE" smtClean="0"/>
-              <a:t>2017-03-31</a:t>
+              <a:t>2017-04-04</a:t>
             </a:fld>
             <a:endParaRPr lang="sv-SE"/>
           </a:p>
@@ -3338,7 +3340,7 @@
           <a:p>
             <a:fld id="{FF633EE0-2569-4F58-A582-E56ADACD7068}" type="datetimeFigureOut">
               <a:rPr lang="sv-SE" smtClean="0"/>
-              <a:t>2017-03-31</a:t>
+              <a:t>2017-04-04</a:t>
             </a:fld>
             <a:endParaRPr lang="sv-SE"/>
           </a:p>
@@ -3595,7 +3597,7 @@
           <a:p>
             <a:fld id="{FF633EE0-2569-4F58-A582-E56ADACD7068}" type="datetimeFigureOut">
               <a:rPr lang="sv-SE" smtClean="0"/>
-              <a:t>2017-03-31</a:t>
+              <a:t>2017-04-04</a:t>
             </a:fld>
             <a:endParaRPr lang="sv-SE"/>
           </a:p>
@@ -3765,7 +3767,7 @@
           <a:p>
             <a:fld id="{FF633EE0-2569-4F58-A582-E56ADACD7068}" type="datetimeFigureOut">
               <a:rPr lang="sv-SE" smtClean="0"/>
-              <a:t>2017-03-31</a:t>
+              <a:t>2017-04-04</a:t>
             </a:fld>
             <a:endParaRPr lang="sv-SE"/>
           </a:p>
@@ -3945,7 +3947,7 @@
           <a:p>
             <a:fld id="{FF633EE0-2569-4F58-A582-E56ADACD7068}" type="datetimeFigureOut">
               <a:rPr lang="sv-SE" smtClean="0"/>
-              <a:t>2017-03-31</a:t>
+              <a:t>2017-04-04</a:t>
             </a:fld>
             <a:endParaRPr lang="sv-SE"/>
           </a:p>
@@ -4191,7 +4193,7 @@
           <a:p>
             <a:fld id="{FF633EE0-2569-4F58-A582-E56ADACD7068}" type="datetimeFigureOut">
               <a:rPr lang="sv-SE" smtClean="0"/>
-              <a:t>2017-03-31</a:t>
+              <a:t>2017-04-04</a:t>
             </a:fld>
             <a:endParaRPr lang="sv-SE"/>
           </a:p>
@@ -4423,7 +4425,7 @@
           <a:p>
             <a:fld id="{FF633EE0-2569-4F58-A582-E56ADACD7068}" type="datetimeFigureOut">
               <a:rPr lang="sv-SE" smtClean="0"/>
-              <a:t>2017-03-31</a:t>
+              <a:t>2017-04-04</a:t>
             </a:fld>
             <a:endParaRPr lang="sv-SE"/>
           </a:p>
@@ -4790,7 +4792,7 @@
           <a:p>
             <a:fld id="{FF633EE0-2569-4F58-A582-E56ADACD7068}" type="datetimeFigureOut">
               <a:rPr lang="sv-SE" smtClean="0"/>
-              <a:t>2017-03-31</a:t>
+              <a:t>2017-04-04</a:t>
             </a:fld>
             <a:endParaRPr lang="sv-SE"/>
           </a:p>
@@ -4908,7 +4910,7 @@
           <a:p>
             <a:fld id="{FF633EE0-2569-4F58-A582-E56ADACD7068}" type="datetimeFigureOut">
               <a:rPr lang="sv-SE" smtClean="0"/>
-              <a:t>2017-03-31</a:t>
+              <a:t>2017-04-04</a:t>
             </a:fld>
             <a:endParaRPr lang="sv-SE"/>
           </a:p>
@@ -5003,7 +5005,7 @@
           <a:p>
             <a:fld id="{FF633EE0-2569-4F58-A582-E56ADACD7068}" type="datetimeFigureOut">
               <a:rPr lang="sv-SE" smtClean="0"/>
-              <a:t>2017-03-31</a:t>
+              <a:t>2017-04-04</a:t>
             </a:fld>
             <a:endParaRPr lang="sv-SE"/>
           </a:p>
@@ -5280,7 +5282,7 @@
           <a:p>
             <a:fld id="{FF633EE0-2569-4F58-A582-E56ADACD7068}" type="datetimeFigureOut">
               <a:rPr lang="sv-SE" smtClean="0"/>
-              <a:t>2017-03-31</a:t>
+              <a:t>2017-04-04</a:t>
             </a:fld>
             <a:endParaRPr lang="sv-SE"/>
           </a:p>
@@ -5537,7 +5539,7 @@
           <a:p>
             <a:fld id="{FF633EE0-2569-4F58-A582-E56ADACD7068}" type="datetimeFigureOut">
               <a:rPr lang="sv-SE" smtClean="0"/>
-              <a:t>2017-03-31</a:t>
+              <a:t>2017-04-04</a:t>
             </a:fld>
             <a:endParaRPr lang="sv-SE"/>
           </a:p>
@@ -5750,7 +5752,7 @@
           <a:p>
             <a:fld id="{FF633EE0-2569-4F58-A582-E56ADACD7068}" type="datetimeFigureOut">
               <a:rPr lang="sv-SE" smtClean="0"/>
-              <a:t>2017-03-31</a:t>
+              <a:t>2017-04-04</a:t>
             </a:fld>
             <a:endParaRPr lang="sv-SE"/>
           </a:p>
@@ -6290,7 +6292,7 @@
           <a:p>
             <a:fld id="{FF633EE0-2569-4F58-A582-E56ADACD7068}" type="datetimeFigureOut">
               <a:rPr lang="sv-SE" smtClean="0"/>
-              <a:t>2017-03-31</a:t>
+              <a:t>2017-04-04</a:t>
             </a:fld>
             <a:endParaRPr lang="sv-SE"/>
           </a:p>
@@ -7091,29 +7093,8 @@
                 <a:uFillTx/>
                 <a:latin typeface="Calibri" panose="020F0502020204030204"/>
               </a:rPr>
-              <a:t>Mail: </a:t>
+              <a:t>Mail: rogeralsing@gmail.com</a:t>
             </a:r>
-            <a:r>
-              <a:rPr kumimoji="0" lang="sv-SE" sz="2400" i="0" u="none" strike="noStrike" kern="1200" cap="none" spc="0" normalizeH="0" baseline="0" noProof="0" dirty="0" smtClean="0">
-                <a:ln w="12700">
-                  <a:noFill/>
-                </a:ln>
-                <a:effectLst/>
-                <a:uLnTx/>
-                <a:uFillTx/>
-                <a:latin typeface="Calibri" panose="020F0502020204030204"/>
-              </a:rPr>
-              <a:t>rogeralsing@gmail.com</a:t>
-            </a:r>
-            <a:endParaRPr kumimoji="0" lang="sv-SE" sz="2400" i="0" u="none" strike="noStrike" kern="1200" cap="none" spc="0" normalizeH="0" baseline="0" noProof="0" dirty="0" smtClean="0">
-              <a:ln w="12700">
-                <a:noFill/>
-              </a:ln>
-              <a:effectLst/>
-              <a:uLnTx/>
-              <a:uFillTx/>
-              <a:latin typeface="Calibri" panose="020F0502020204030204"/>
-            </a:endParaRPr>
           </a:p>
           <a:p>
             <a:pPr>
@@ -21746,11 +21727,6 @@
               </a:rPr>
               <a:t>?</a:t>
             </a:r>
-            <a:endParaRPr lang="sv-SE" dirty="0">
-              <a:solidFill>
-                <a:schemeClr val="bg1"/>
-              </a:solidFill>
-            </a:endParaRPr>
           </a:p>
         </p:txBody>
       </p:sp>
@@ -22201,7 +22177,7 @@
         <p:spPr>
           <a:xfrm>
             <a:off x="5364481" y="2859577"/>
-            <a:ext cx="1496179" cy="369332"/>
+            <a:ext cx="2559419" cy="369332"/>
           </a:xfrm>
           <a:prstGeom prst="rect">
             <a:avLst/>
@@ -22215,9 +22191,10 @@
           <a:lstStyle/>
           <a:p>
             <a:r>
-              <a:rPr lang="sv-SE" dirty="0" smtClean="0"/>
-              <a:t>Actor lifecycle</a:t>
+              <a:rPr lang="sv-SE" smtClean="0"/>
+              <a:t>Active Passive consumers</a:t>
             </a:r>
+            <a:endParaRPr lang="sv-SE" dirty="0" smtClean="0"/>
           </a:p>
         </p:txBody>
       </p:sp>
@@ -22242,6 +22219,80 @@
 </file>
 
 <file path=ppt/slides/slide23.xml><?xml version="1.0" encoding="utf-8"?>
+<p:sld xmlns:a="http://schemas.openxmlformats.org/drawingml/2006/main" xmlns:r="http://schemas.openxmlformats.org/officeDocument/2006/relationships" xmlns:p="http://schemas.openxmlformats.org/presentationml/2006/main">
+  <p:cSld>
+    <p:bg>
+      <p:bgPr>
+        <a:solidFill>
+          <a:srgbClr val="282828"/>
+        </a:solidFill>
+        <a:effectLst/>
+      </p:bgPr>
+    </p:bg>
+    <p:spTree>
+      <p:nvGrpSpPr>
+        <p:cNvPr id="1" name=""/>
+        <p:cNvGrpSpPr/>
+        <p:nvPr/>
+      </p:nvGrpSpPr>
+      <p:grpSpPr>
+        <a:xfrm>
+          <a:off x="0" y="0"/>
+          <a:ext cx="0" cy="0"/>
+          <a:chOff x="0" y="0"/>
+          <a:chExt cx="0" cy="0"/>
+        </a:xfrm>
+      </p:grpSpPr>
+      <p:sp>
+        <p:nvSpPr>
+          <p:cNvPr id="4" name="TextBox 3"/>
+          <p:cNvSpPr txBox="1"/>
+          <p:nvPr/>
+        </p:nvSpPr>
+        <p:spPr>
+          <a:xfrm>
+            <a:off x="5364481" y="2859577"/>
+            <a:ext cx="1496179" cy="369332"/>
+          </a:xfrm>
+          <a:prstGeom prst="rect">
+            <a:avLst/>
+          </a:prstGeom>
+          <a:noFill/>
+        </p:spPr>
+        <p:txBody>
+          <a:bodyPr wrap="none" rtlCol="0">
+            <a:spAutoFit/>
+          </a:bodyPr>
+          <a:lstStyle/>
+          <a:p>
+            <a:r>
+              <a:rPr lang="sv-SE" dirty="0" smtClean="0"/>
+              <a:t>Actor lifecycle</a:t>
+            </a:r>
+          </a:p>
+        </p:txBody>
+      </p:sp>
+    </p:spTree>
+    <p:extLst>
+      <p:ext uri="{BB962C8B-B14F-4D97-AF65-F5344CB8AC3E}">
+        <p14:creationId xmlns:p14="http://schemas.microsoft.com/office/powerpoint/2010/main" val="1028588050"/>
+      </p:ext>
+    </p:extLst>
+  </p:cSld>
+  <p:clrMapOvr>
+    <a:masterClrMapping/>
+  </p:clrMapOvr>
+  <p:timing>
+    <p:tnLst>
+      <p:par>
+        <p:cTn id="1" dur="indefinite" restart="never" nodeType="tmRoot"/>
+      </p:par>
+    </p:tnLst>
+  </p:timing>
+</p:sld>
+</file>
+
+<file path=ppt/slides/slide24.xml><?xml version="1.0" encoding="utf-8"?>
 <p:sld xmlns:a="http://schemas.openxmlformats.org/drawingml/2006/main" xmlns:r="http://schemas.openxmlformats.org/officeDocument/2006/relationships" xmlns:p="http://schemas.openxmlformats.org/presentationml/2006/main">
   <p:cSld>
     <p:bg>
@@ -22315,7 +22366,7 @@
 </p:sld>
 </file>
 
-<file path=ppt/slides/slide24.xml><?xml version="1.0" encoding="utf-8"?>
+<file path=ppt/slides/slide25.xml><?xml version="1.0" encoding="utf-8"?>
 <p:sld xmlns:a="http://schemas.openxmlformats.org/drawingml/2006/main" xmlns:r="http://schemas.openxmlformats.org/officeDocument/2006/relationships" xmlns:p="http://schemas.openxmlformats.org/presentationml/2006/main">
   <p:cSld>
     <p:bg>
@@ -22407,7 +22458,7 @@
 </p:sld>
 </file>
 
-<file path=ppt/slides/slide25.xml><?xml version="1.0" encoding="utf-8"?>
+<file path=ppt/slides/slide26.xml><?xml version="1.0" encoding="utf-8"?>
 <p:sld xmlns:a="http://schemas.openxmlformats.org/drawingml/2006/main" xmlns:r="http://schemas.openxmlformats.org/officeDocument/2006/relationships" xmlns:p="http://schemas.openxmlformats.org/presentationml/2006/main">
   <p:cSld>
     <p:bg>
@@ -22481,7 +22532,7 @@
 </p:sld>
 </file>
 
-<file path=ppt/slides/slide26.xml><?xml version="1.0" encoding="utf-8"?>
+<file path=ppt/slides/slide27.xml><?xml version="1.0" encoding="utf-8"?>
 <p:sld xmlns:a="http://schemas.openxmlformats.org/drawingml/2006/main" xmlns:r="http://schemas.openxmlformats.org/officeDocument/2006/relationships" xmlns:p="http://schemas.openxmlformats.org/presentationml/2006/main">
   <p:cSld>
     <p:bg>
@@ -22555,7 +22606,7 @@
 </p:sld>
 </file>
 
-<file path=ppt/slides/slide27.xml><?xml version="1.0" encoding="utf-8"?>
+<file path=ppt/slides/slide28.xml><?xml version="1.0" encoding="utf-8"?>
 <p:sld xmlns:a="http://schemas.openxmlformats.org/drawingml/2006/main" xmlns:r="http://schemas.openxmlformats.org/officeDocument/2006/relationships" xmlns:p="http://schemas.openxmlformats.org/presentationml/2006/main">
   <p:cSld>
     <p:bg>
@@ -22629,7 +22680,7 @@
 </p:sld>
 </file>
 
-<file path=ppt/slides/slide28.xml><?xml version="1.0" encoding="utf-8"?>
+<file path=ppt/slides/slide29.xml><?xml version="1.0" encoding="utf-8"?>
 <p:sld xmlns:a="http://schemas.openxmlformats.org/drawingml/2006/main" xmlns:r="http://schemas.openxmlformats.org/officeDocument/2006/relationships" xmlns:p="http://schemas.openxmlformats.org/presentationml/2006/main">
   <p:cSld>
     <p:bg>
@@ -22731,175 +22782,6 @@
     <p:extLst>
       <p:ext uri="{BB962C8B-B14F-4D97-AF65-F5344CB8AC3E}">
         <p14:creationId xmlns:p14="http://schemas.microsoft.com/office/powerpoint/2010/main" val="1935874197"/>
-      </p:ext>
-    </p:extLst>
-  </p:cSld>
-  <p:clrMapOvr>
-    <a:masterClrMapping/>
-  </p:clrMapOvr>
-  <mc:AlternateContent xmlns:mc="http://schemas.openxmlformats.org/markup-compatibility/2006" xmlns:p14="http://schemas.microsoft.com/office/powerpoint/2010/main">
-    <mc:Choice Requires="p14">
-      <p:transition spd="med" p14:dur="700">
-        <p:fade/>
-      </p:transition>
-    </mc:Choice>
-    <mc:Fallback xmlns="">
-      <p:transition spd="med">
-        <p:fade/>
-      </p:transition>
-    </mc:Fallback>
-  </mc:AlternateContent>
-  <p:timing>
-    <p:tnLst>
-      <p:par>
-        <p:cTn id="1" dur="indefinite" restart="never" nodeType="tmRoot"/>
-      </p:par>
-    </p:tnLst>
-  </p:timing>
-</p:sld>
-</file>
-
-<file path=ppt/slides/slide29.xml><?xml version="1.0" encoding="utf-8"?>
-<p:sld xmlns:a="http://schemas.openxmlformats.org/drawingml/2006/main" xmlns:r="http://schemas.openxmlformats.org/officeDocument/2006/relationships" xmlns:p="http://schemas.openxmlformats.org/presentationml/2006/main">
-  <p:cSld>
-    <p:bg>
-      <p:bgPr>
-        <a:solidFill>
-          <a:srgbClr val="282828"/>
-        </a:solidFill>
-        <a:effectLst/>
-      </p:bgPr>
-    </p:bg>
-    <p:spTree>
-      <p:nvGrpSpPr>
-        <p:cNvPr id="1" name=""/>
-        <p:cNvGrpSpPr/>
-        <p:nvPr/>
-      </p:nvGrpSpPr>
-      <p:grpSpPr>
-        <a:xfrm>
-          <a:off x="0" y="0"/>
-          <a:ext cx="0" cy="0"/>
-          <a:chOff x="0" y="0"/>
-          <a:chExt cx="0" cy="0"/>
-        </a:xfrm>
-      </p:grpSpPr>
-      <p:grpSp>
-        <p:nvGrpSpPr>
-          <p:cNvPr id="11" name="Group 10"/>
-          <p:cNvGrpSpPr/>
-          <p:nvPr/>
-        </p:nvGrpSpPr>
-        <p:grpSpPr>
-          <a:xfrm>
-            <a:off x="1274361" y="2457101"/>
-            <a:ext cx="9605341" cy="1475542"/>
-            <a:chOff x="1219695" y="4333410"/>
-            <a:chExt cx="9605341" cy="1475542"/>
-          </a:xfrm>
-        </p:grpSpPr>
-        <p:pic>
-          <p:nvPicPr>
-            <p:cNvPr id="8" name="Picture 7"/>
-            <p:cNvPicPr>
-              <a:picLocks noChangeAspect="1"/>
-            </p:cNvPicPr>
-            <p:nvPr/>
-          </p:nvPicPr>
-          <p:blipFill>
-            <a:blip r:embed="rId2" cstate="print">
-              <a:extLst>
-                <a:ext uri="{28A0092B-C50C-407E-A947-70E740481C1C}">
-                  <a14:useLocalDpi xmlns:a14="http://schemas.microsoft.com/office/drawing/2010/main" val="0"/>
-                </a:ext>
-              </a:extLst>
-            </a:blip>
-            <a:stretch>
-              <a:fillRect/>
-            </a:stretch>
-          </p:blipFill>
-          <p:spPr>
-            <a:xfrm>
-              <a:off x="1219695" y="4360748"/>
-              <a:ext cx="1420866" cy="1420866"/>
-            </a:xfrm>
-            <a:prstGeom prst="rect">
-              <a:avLst/>
-            </a:prstGeom>
-          </p:spPr>
-        </p:pic>
-        <p:pic>
-          <p:nvPicPr>
-            <p:cNvPr id="9" name="Picture 8"/>
-            <p:cNvPicPr>
-              <a:picLocks noChangeAspect="1"/>
-            </p:cNvPicPr>
-            <p:nvPr/>
-          </p:nvPicPr>
-          <p:blipFill>
-            <a:blip r:embed="rId3">
-              <a:duotone>
-                <a:schemeClr val="accent1">
-                  <a:shade val="45000"/>
-                  <a:satMod val="135000"/>
-                </a:schemeClr>
-                <a:prstClr val="white"/>
-              </a:duotone>
-              <a:extLst>
-                <a:ext uri="{28A0092B-C50C-407E-A947-70E740481C1C}">
-                  <a14:useLocalDpi xmlns:a14="http://schemas.microsoft.com/office/drawing/2010/main" val="0"/>
-                </a:ext>
-              </a:extLst>
-            </a:blip>
-            <a:stretch>
-              <a:fillRect/>
-            </a:stretch>
-          </p:blipFill>
-          <p:spPr>
-            <a:xfrm>
-              <a:off x="3144210" y="4357788"/>
-              <a:ext cx="3208418" cy="1423826"/>
-            </a:xfrm>
-            <a:prstGeom prst="rect">
-              <a:avLst/>
-            </a:prstGeom>
-          </p:spPr>
-        </p:pic>
-        <p:pic>
-          <p:nvPicPr>
-            <p:cNvPr id="10" name="Picture 9"/>
-            <p:cNvPicPr>
-              <a:picLocks noChangeAspect="1"/>
-            </p:cNvPicPr>
-            <p:nvPr/>
-          </p:nvPicPr>
-          <p:blipFill>
-            <a:blip r:embed="rId4">
-              <a:extLst>
-                <a:ext uri="{28A0092B-C50C-407E-A947-70E740481C1C}">
-                  <a14:useLocalDpi xmlns:a14="http://schemas.microsoft.com/office/drawing/2010/main" val="0"/>
-                </a:ext>
-              </a:extLst>
-            </a:blip>
-            <a:stretch>
-              <a:fillRect/>
-            </a:stretch>
-          </p:blipFill>
-          <p:spPr>
-            <a:xfrm>
-              <a:off x="7026965" y="4333410"/>
-              <a:ext cx="3798071" cy="1475542"/>
-            </a:xfrm>
-            <a:prstGeom prst="rect">
-              <a:avLst/>
-            </a:prstGeom>
-          </p:spPr>
-        </p:pic>
-      </p:grpSp>
-    </p:spTree>
-    <p:extLst>
-      <p:ext uri="{BB962C8B-B14F-4D97-AF65-F5344CB8AC3E}">
-        <p14:creationId xmlns:p14="http://schemas.microsoft.com/office/powerpoint/2010/main" val="1478673366"/>
       </p:ext>
     </p:extLst>
   </p:cSld>
@@ -23092,6 +22974,175 @@
           <a:chExt cx="0" cy="0"/>
         </a:xfrm>
       </p:grpSpPr>
+      <p:grpSp>
+        <p:nvGrpSpPr>
+          <p:cNvPr id="11" name="Group 10"/>
+          <p:cNvGrpSpPr/>
+          <p:nvPr/>
+        </p:nvGrpSpPr>
+        <p:grpSpPr>
+          <a:xfrm>
+            <a:off x="1274361" y="2457101"/>
+            <a:ext cx="9605341" cy="1475542"/>
+            <a:chOff x="1219695" y="4333410"/>
+            <a:chExt cx="9605341" cy="1475542"/>
+          </a:xfrm>
+        </p:grpSpPr>
+        <p:pic>
+          <p:nvPicPr>
+            <p:cNvPr id="8" name="Picture 7"/>
+            <p:cNvPicPr>
+              <a:picLocks noChangeAspect="1"/>
+            </p:cNvPicPr>
+            <p:nvPr/>
+          </p:nvPicPr>
+          <p:blipFill>
+            <a:blip r:embed="rId2" cstate="print">
+              <a:extLst>
+                <a:ext uri="{28A0092B-C50C-407E-A947-70E740481C1C}">
+                  <a14:useLocalDpi xmlns:a14="http://schemas.microsoft.com/office/drawing/2010/main" val="0"/>
+                </a:ext>
+              </a:extLst>
+            </a:blip>
+            <a:stretch>
+              <a:fillRect/>
+            </a:stretch>
+          </p:blipFill>
+          <p:spPr>
+            <a:xfrm>
+              <a:off x="1219695" y="4360748"/>
+              <a:ext cx="1420866" cy="1420866"/>
+            </a:xfrm>
+            <a:prstGeom prst="rect">
+              <a:avLst/>
+            </a:prstGeom>
+          </p:spPr>
+        </p:pic>
+        <p:pic>
+          <p:nvPicPr>
+            <p:cNvPr id="9" name="Picture 8"/>
+            <p:cNvPicPr>
+              <a:picLocks noChangeAspect="1"/>
+            </p:cNvPicPr>
+            <p:nvPr/>
+          </p:nvPicPr>
+          <p:blipFill>
+            <a:blip r:embed="rId3">
+              <a:duotone>
+                <a:schemeClr val="accent1">
+                  <a:shade val="45000"/>
+                  <a:satMod val="135000"/>
+                </a:schemeClr>
+                <a:prstClr val="white"/>
+              </a:duotone>
+              <a:extLst>
+                <a:ext uri="{28A0092B-C50C-407E-A947-70E740481C1C}">
+                  <a14:useLocalDpi xmlns:a14="http://schemas.microsoft.com/office/drawing/2010/main" val="0"/>
+                </a:ext>
+              </a:extLst>
+            </a:blip>
+            <a:stretch>
+              <a:fillRect/>
+            </a:stretch>
+          </p:blipFill>
+          <p:spPr>
+            <a:xfrm>
+              <a:off x="3144210" y="4357788"/>
+              <a:ext cx="3208418" cy="1423826"/>
+            </a:xfrm>
+            <a:prstGeom prst="rect">
+              <a:avLst/>
+            </a:prstGeom>
+          </p:spPr>
+        </p:pic>
+        <p:pic>
+          <p:nvPicPr>
+            <p:cNvPr id="10" name="Picture 9"/>
+            <p:cNvPicPr>
+              <a:picLocks noChangeAspect="1"/>
+            </p:cNvPicPr>
+            <p:nvPr/>
+          </p:nvPicPr>
+          <p:blipFill>
+            <a:blip r:embed="rId4">
+              <a:extLst>
+                <a:ext uri="{28A0092B-C50C-407E-A947-70E740481C1C}">
+                  <a14:useLocalDpi xmlns:a14="http://schemas.microsoft.com/office/drawing/2010/main" val="0"/>
+                </a:ext>
+              </a:extLst>
+            </a:blip>
+            <a:stretch>
+              <a:fillRect/>
+            </a:stretch>
+          </p:blipFill>
+          <p:spPr>
+            <a:xfrm>
+              <a:off x="7026965" y="4333410"/>
+              <a:ext cx="3798071" cy="1475542"/>
+            </a:xfrm>
+            <a:prstGeom prst="rect">
+              <a:avLst/>
+            </a:prstGeom>
+          </p:spPr>
+        </p:pic>
+      </p:grpSp>
+    </p:spTree>
+    <p:extLst>
+      <p:ext uri="{BB962C8B-B14F-4D97-AF65-F5344CB8AC3E}">
+        <p14:creationId xmlns:p14="http://schemas.microsoft.com/office/powerpoint/2010/main" val="1478673366"/>
+      </p:ext>
+    </p:extLst>
+  </p:cSld>
+  <p:clrMapOvr>
+    <a:masterClrMapping/>
+  </p:clrMapOvr>
+  <mc:AlternateContent xmlns:mc="http://schemas.openxmlformats.org/markup-compatibility/2006" xmlns:p14="http://schemas.microsoft.com/office/powerpoint/2010/main">
+    <mc:Choice Requires="p14">
+      <p:transition spd="med" p14:dur="700">
+        <p:fade/>
+      </p:transition>
+    </mc:Choice>
+    <mc:Fallback xmlns="">
+      <p:transition spd="med">
+        <p:fade/>
+      </p:transition>
+    </mc:Fallback>
+  </mc:AlternateContent>
+  <p:timing>
+    <p:tnLst>
+      <p:par>
+        <p:cTn id="1" dur="indefinite" restart="never" nodeType="tmRoot"/>
+      </p:par>
+    </p:tnLst>
+  </p:timing>
+</p:sld>
+</file>
+
+<file path=ppt/slides/slide31.xml><?xml version="1.0" encoding="utf-8"?>
+<p:sld xmlns:a="http://schemas.openxmlformats.org/drawingml/2006/main" xmlns:r="http://schemas.openxmlformats.org/officeDocument/2006/relationships" xmlns:p="http://schemas.openxmlformats.org/presentationml/2006/main">
+  <p:cSld>
+    <p:bg>
+      <p:bgPr>
+        <a:solidFill>
+          <a:srgbClr val="1F4E79"/>
+        </a:solidFill>
+        <a:effectLst/>
+      </p:bgPr>
+    </p:bg>
+    <p:spTree>
+      <p:nvGrpSpPr>
+        <p:cNvPr id="1" name=""/>
+        <p:cNvGrpSpPr/>
+        <p:nvPr/>
+      </p:nvGrpSpPr>
+      <p:grpSpPr>
+        <a:xfrm>
+          <a:off x="0" y="0"/>
+          <a:ext cx="0" cy="0"/>
+          <a:chOff x="0" y="0"/>
+          <a:chExt cx="0" cy="0"/>
+        </a:xfrm>
+      </p:grpSpPr>
       <p:sp>
         <p:nvSpPr>
           <p:cNvPr id="20" name="Hexagon 19"/>
@@ -23113,12 +23164,7 @@
             <a:srgbClr val="282828"/>
           </a:solidFill>
           <a:ln w="50800">
-            <a:solidFill>
-              <a:schemeClr val="bg1">
-                <a:lumMod val="65000"/>
-                <a:lumOff val="35000"/>
-              </a:schemeClr>
-            </a:solidFill>
+            <a:noFill/>
           </a:ln>
         </p:spPr>
         <p:style>
@@ -23167,12 +23213,7 @@
             <a:srgbClr val="282828"/>
           </a:solidFill>
           <a:ln w="50800">
-            <a:solidFill>
-              <a:schemeClr val="bg1">
-                <a:lumMod val="65000"/>
-                <a:lumOff val="35000"/>
-              </a:schemeClr>
-            </a:solidFill>
+            <a:noFill/>
           </a:ln>
         </p:spPr>
         <p:style>
@@ -23221,12 +23262,7 @@
             <a:srgbClr val="282828"/>
           </a:solidFill>
           <a:ln w="50800">
-            <a:solidFill>
-              <a:schemeClr val="bg1">
-                <a:lumMod val="65000"/>
-                <a:lumOff val="35000"/>
-              </a:schemeClr>
-            </a:solidFill>
+            <a:noFill/>
           </a:ln>
         </p:spPr>
         <p:style>
@@ -23290,12 +23326,7 @@
             </a:prstGeom>
             <a:grpFill/>
             <a:ln w="50800">
-              <a:solidFill>
-                <a:schemeClr val="bg1">
-                  <a:lumMod val="65000"/>
-                  <a:lumOff val="35000"/>
-                </a:schemeClr>
-              </a:solidFill>
+              <a:noFill/>
             </a:ln>
           </p:spPr>
           <p:style>
@@ -23342,12 +23373,7 @@
             </a:prstGeom>
             <a:grpFill/>
             <a:ln w="50800">
-              <a:solidFill>
-                <a:schemeClr val="bg1">
-                  <a:lumMod val="65000"/>
-                  <a:lumOff val="35000"/>
-                </a:schemeClr>
-              </a:solidFill>
+              <a:noFill/>
             </a:ln>
           </p:spPr>
           <p:style>
@@ -23394,12 +23420,7 @@
             </a:prstGeom>
             <a:grpFill/>
             <a:ln w="50800">
-              <a:solidFill>
-                <a:schemeClr val="bg1">
-                  <a:lumMod val="65000"/>
-                  <a:lumOff val="35000"/>
-                </a:schemeClr>
-              </a:solidFill>
+              <a:noFill/>
             </a:ln>
           </p:spPr>
           <p:style>
@@ -23464,12 +23485,7 @@
             </a:prstGeom>
             <a:grpFill/>
             <a:ln w="50800">
-              <a:solidFill>
-                <a:schemeClr val="bg1">
-                  <a:lumMod val="65000"/>
-                  <a:lumOff val="35000"/>
-                </a:schemeClr>
-              </a:solidFill>
+              <a:noFill/>
             </a:ln>
           </p:spPr>
           <p:style>
@@ -23516,12 +23532,7 @@
             </a:prstGeom>
             <a:grpFill/>
             <a:ln w="50800">
-              <a:solidFill>
-                <a:schemeClr val="bg1">
-                  <a:lumMod val="65000"/>
-                  <a:lumOff val="35000"/>
-                </a:schemeClr>
-              </a:solidFill>
+              <a:noFill/>
             </a:ln>
           </p:spPr>
           <p:style>
@@ -23568,12 +23579,7 @@
             </a:prstGeom>
             <a:grpFill/>
             <a:ln w="50800">
-              <a:solidFill>
-                <a:schemeClr val="bg1">
-                  <a:lumMod val="65000"/>
-                  <a:lumOff val="35000"/>
-                </a:schemeClr>
-              </a:solidFill>
+              <a:noFill/>
             </a:ln>
           </p:spPr>
           <p:style>
@@ -28686,12 +28692,7 @@
               <a:srgbClr val="282828"/>
             </a:solidFill>
             <a:ln w="50800">
-              <a:solidFill>
-                <a:schemeClr val="bg1">
-                  <a:lumMod val="65000"/>
-                  <a:lumOff val="35000"/>
-                </a:schemeClr>
-              </a:solidFill>
+              <a:noFill/>
             </a:ln>
           </p:spPr>
           <p:style>
@@ -32398,7 +32399,7 @@
 </p:sld>
 </file>
 
-<file path=ppt/slides/slide31.xml><?xml version="1.0" encoding="utf-8"?>
+<file path=ppt/slides/slide32.xml><?xml version="1.0" encoding="utf-8"?>
 <p:sld xmlns:a="http://schemas.openxmlformats.org/drawingml/2006/main" xmlns:r="http://schemas.openxmlformats.org/officeDocument/2006/relationships" xmlns:p="http://schemas.openxmlformats.org/presentationml/2006/main">
   <p:cSld>
     <p:bg>
@@ -34964,13 +34965,13 @@
 </p:sld>
 </file>
 
-<file path=ppt/slides/slide32.xml><?xml version="1.0" encoding="utf-8"?>
+<file path=ppt/slides/slide33.xml><?xml version="1.0" encoding="utf-8"?>
 <p:sld xmlns:a="http://schemas.openxmlformats.org/drawingml/2006/main" xmlns:r="http://schemas.openxmlformats.org/officeDocument/2006/relationships" xmlns:p="http://schemas.openxmlformats.org/presentationml/2006/main">
   <p:cSld>
     <p:bg>
       <p:bgPr>
         <a:solidFill>
-          <a:srgbClr val="282828"/>
+          <a:srgbClr val="1F4E79"/>
         </a:solidFill>
         <a:effectLst/>
       </p:bgPr>
@@ -34989,45 +34990,8367 @@
           <a:chExt cx="0" cy="0"/>
         </a:xfrm>
       </p:grpSpPr>
+      <p:grpSp>
+        <p:nvGrpSpPr>
+          <p:cNvPr id="6" name="Group 5"/>
+          <p:cNvGrpSpPr/>
+          <p:nvPr/>
+        </p:nvGrpSpPr>
+        <p:grpSpPr>
+          <a:xfrm>
+            <a:off x="2910683" y="780572"/>
+            <a:ext cx="5539073" cy="5238090"/>
+            <a:chOff x="2878410" y="543904"/>
+            <a:chExt cx="5539073" cy="5238090"/>
+          </a:xfrm>
+        </p:grpSpPr>
+        <p:grpSp>
+          <p:nvGrpSpPr>
+            <p:cNvPr id="4" name="Group 3"/>
+            <p:cNvGrpSpPr/>
+            <p:nvPr/>
+          </p:nvGrpSpPr>
+          <p:grpSpPr>
+            <a:xfrm>
+              <a:off x="2878410" y="543904"/>
+              <a:ext cx="5539073" cy="5238090"/>
+              <a:chOff x="2141882" y="965756"/>
+              <a:chExt cx="3621156" cy="3424389"/>
+            </a:xfrm>
+          </p:grpSpPr>
+          <p:sp>
+            <p:nvSpPr>
+              <p:cNvPr id="21" name="Hexagon 20"/>
+              <p:cNvSpPr/>
+              <p:nvPr/>
+            </p:nvSpPr>
+            <p:spPr>
+              <a:xfrm rot="5400000">
+                <a:off x="3985410" y="2612517"/>
+                <a:ext cx="1860634" cy="1694622"/>
+              </a:xfrm>
+              <a:prstGeom prst="hexagon">
+                <a:avLst>
+                  <a:gd name="adj" fmla="val 28674"/>
+                  <a:gd name="vf" fmla="val 115470"/>
+                </a:avLst>
+              </a:prstGeom>
+              <a:solidFill>
+                <a:srgbClr val="282828"/>
+              </a:solidFill>
+              <a:ln w="50800">
+                <a:noFill/>
+              </a:ln>
+            </p:spPr>
+            <p:style>
+              <a:lnRef idx="2">
+                <a:schemeClr val="accent1">
+                  <a:shade val="50000"/>
+                </a:schemeClr>
+              </a:lnRef>
+              <a:fillRef idx="1">
+                <a:schemeClr val="accent1"/>
+              </a:fillRef>
+              <a:effectRef idx="0">
+                <a:schemeClr val="accent1"/>
+              </a:effectRef>
+              <a:fontRef idx="minor">
+                <a:schemeClr val="lt1"/>
+              </a:fontRef>
+            </p:style>
+            <p:txBody>
+              <a:bodyPr rtlCol="0" anchor="ctr"/>
+              <a:lstStyle/>
+              <a:p>
+                <a:pPr algn="ctr"/>
+                <a:endParaRPr lang="sv-SE"/>
+              </a:p>
+            </p:txBody>
+          </p:sp>
+          <p:sp>
+            <p:nvSpPr>
+              <p:cNvPr id="20" name="Hexagon 19"/>
+              <p:cNvSpPr/>
+              <p:nvPr/>
+            </p:nvSpPr>
+            <p:spPr>
+              <a:xfrm rot="5400000">
+                <a:off x="2058876" y="2612517"/>
+                <a:ext cx="1860634" cy="1694622"/>
+              </a:xfrm>
+              <a:prstGeom prst="hexagon">
+                <a:avLst>
+                  <a:gd name="adj" fmla="val 28674"/>
+                  <a:gd name="vf" fmla="val 115470"/>
+                </a:avLst>
+              </a:prstGeom>
+              <a:solidFill>
+                <a:srgbClr val="282828"/>
+              </a:solidFill>
+              <a:ln w="50800">
+                <a:noFill/>
+              </a:ln>
+            </p:spPr>
+            <p:style>
+              <a:lnRef idx="2">
+                <a:schemeClr val="accent1">
+                  <a:shade val="50000"/>
+                </a:schemeClr>
+              </a:lnRef>
+              <a:fillRef idx="1">
+                <a:schemeClr val="accent1"/>
+              </a:fillRef>
+              <a:effectRef idx="0">
+                <a:schemeClr val="accent1"/>
+              </a:effectRef>
+              <a:fontRef idx="minor">
+                <a:schemeClr val="lt1"/>
+              </a:fontRef>
+            </p:style>
+            <p:txBody>
+              <a:bodyPr rtlCol="0" anchor="ctr"/>
+              <a:lstStyle/>
+              <a:p>
+                <a:pPr algn="ctr"/>
+                <a:endParaRPr lang="sv-SE"/>
+              </a:p>
+            </p:txBody>
+          </p:sp>
+          <p:sp>
+            <p:nvSpPr>
+              <p:cNvPr id="14" name="Hexagon 13"/>
+              <p:cNvSpPr/>
+              <p:nvPr/>
+            </p:nvSpPr>
+            <p:spPr>
+              <a:xfrm rot="5400000">
+                <a:off x="3022143" y="1048762"/>
+                <a:ext cx="1860634" cy="1694622"/>
+              </a:xfrm>
+              <a:prstGeom prst="hexagon">
+                <a:avLst>
+                  <a:gd name="adj" fmla="val 28674"/>
+                  <a:gd name="vf" fmla="val 115470"/>
+                </a:avLst>
+              </a:prstGeom>
+              <a:solidFill>
+                <a:srgbClr val="282828"/>
+              </a:solidFill>
+              <a:ln w="50800">
+                <a:noFill/>
+              </a:ln>
+            </p:spPr>
+            <p:style>
+              <a:lnRef idx="2">
+                <a:schemeClr val="accent1">
+                  <a:shade val="50000"/>
+                </a:schemeClr>
+              </a:lnRef>
+              <a:fillRef idx="1">
+                <a:schemeClr val="accent1"/>
+              </a:fillRef>
+              <a:effectRef idx="0">
+                <a:schemeClr val="accent1"/>
+              </a:effectRef>
+              <a:fontRef idx="minor">
+                <a:schemeClr val="lt1"/>
+              </a:fontRef>
+            </p:style>
+            <p:txBody>
+              <a:bodyPr rtlCol="0" anchor="ctr"/>
+              <a:lstStyle/>
+              <a:p>
+                <a:pPr algn="ctr"/>
+                <a:endParaRPr lang="sv-SE"/>
+              </a:p>
+            </p:txBody>
+          </p:sp>
+        </p:grpSp>
+        <p:sp>
+          <p:nvSpPr>
+            <p:cNvPr id="24" name="Heart 11"/>
+            <p:cNvSpPr/>
+            <p:nvPr/>
+          </p:nvSpPr>
+          <p:spPr>
+            <a:xfrm rot="14287302">
+              <a:off x="3635697" y="3736311"/>
+              <a:ext cx="309820" cy="237477"/>
+            </a:xfrm>
+            <a:custGeom>
+              <a:avLst/>
+              <a:gdLst>
+                <a:gd name="connsiteX0" fmla="*/ 1103128 w 2206256"/>
+                <a:gd name="connsiteY0" fmla="*/ 518337 h 2073349"/>
+                <a:gd name="connsiteX1" fmla="*/ 1103128 w 2206256"/>
+                <a:gd name="connsiteY1" fmla="*/ 2073349 h 2073349"/>
+                <a:gd name="connsiteX2" fmla="*/ 1103128 w 2206256"/>
+                <a:gd name="connsiteY2" fmla="*/ 518337 h 2073349"/>
+                <a:gd name="connsiteX0" fmla="*/ 1111170 w 2054204"/>
+                <a:gd name="connsiteY0" fmla="*/ 492652 h 2047664"/>
+                <a:gd name="connsiteX1" fmla="*/ 1111170 w 2054204"/>
+                <a:gd name="connsiteY1" fmla="*/ 2047664 h 2047664"/>
+                <a:gd name="connsiteX2" fmla="*/ 1111170 w 2054204"/>
+                <a:gd name="connsiteY2" fmla="*/ 492652 h 2047664"/>
+                <a:gd name="connsiteX0" fmla="*/ 1088688 w 2031722"/>
+                <a:gd name="connsiteY0" fmla="*/ 331388 h 1889191"/>
+                <a:gd name="connsiteX1" fmla="*/ 1088688 w 2031722"/>
+                <a:gd name="connsiteY1" fmla="*/ 1886400 h 1889191"/>
+                <a:gd name="connsiteX2" fmla="*/ 1088688 w 2031722"/>
+                <a:gd name="connsiteY2" fmla="*/ 331388 h 1889191"/>
+                <a:gd name="connsiteX0" fmla="*/ 1088688 w 2457034"/>
+                <a:gd name="connsiteY0" fmla="*/ 298057 h 1855860"/>
+                <a:gd name="connsiteX1" fmla="*/ 1088688 w 2457034"/>
+                <a:gd name="connsiteY1" fmla="*/ 1853069 h 1855860"/>
+                <a:gd name="connsiteX2" fmla="*/ 1088688 w 2457034"/>
+                <a:gd name="connsiteY2" fmla="*/ 298057 h 1855860"/>
+                <a:gd name="connsiteX0" fmla="*/ 1494094 w 2862440"/>
+                <a:gd name="connsiteY0" fmla="*/ 247986 h 1806068"/>
+                <a:gd name="connsiteX1" fmla="*/ 1494094 w 2862440"/>
+                <a:gd name="connsiteY1" fmla="*/ 1802998 h 1806068"/>
+                <a:gd name="connsiteX2" fmla="*/ 1494094 w 2862440"/>
+                <a:gd name="connsiteY2" fmla="*/ 247986 h 1806068"/>
+                <a:gd name="connsiteX0" fmla="*/ 1494094 w 2567564"/>
+                <a:gd name="connsiteY0" fmla="*/ 357092 h 1915174"/>
+                <a:gd name="connsiteX1" fmla="*/ 1494094 w 2567564"/>
+                <a:gd name="connsiteY1" fmla="*/ 1912104 h 1915174"/>
+                <a:gd name="connsiteX2" fmla="*/ 1494094 w 2567564"/>
+                <a:gd name="connsiteY2" fmla="*/ 357092 h 1915174"/>
+                <a:gd name="connsiteX0" fmla="*/ 1453444 w 2574663"/>
+                <a:gd name="connsiteY0" fmla="*/ 349168 h 1985886"/>
+                <a:gd name="connsiteX1" fmla="*/ 1529695 w 2574663"/>
+                <a:gd name="connsiteY1" fmla="*/ 1982904 h 1985886"/>
+                <a:gd name="connsiteX2" fmla="*/ 1453444 w 2574663"/>
+                <a:gd name="connsiteY2" fmla="*/ 349168 h 1985886"/>
+                <a:gd name="connsiteX0" fmla="*/ 478315 w 1599534"/>
+                <a:gd name="connsiteY0" fmla="*/ 349168 h 1982904"/>
+                <a:gd name="connsiteX1" fmla="*/ 554566 w 1599534"/>
+                <a:gd name="connsiteY1" fmla="*/ 1982904 h 1982904"/>
+                <a:gd name="connsiteX2" fmla="*/ 298 w 1599534"/>
+                <a:gd name="connsiteY2" fmla="*/ 166414 h 1982904"/>
+                <a:gd name="connsiteX3" fmla="*/ 478315 w 1599534"/>
+                <a:gd name="connsiteY3" fmla="*/ 349168 h 1982904"/>
+                <a:gd name="connsiteX0" fmla="*/ 1463983 w 2585202"/>
+                <a:gd name="connsiteY0" fmla="*/ 349168 h 1982904"/>
+                <a:gd name="connsiteX1" fmla="*/ 1540234 w 2585202"/>
+                <a:gd name="connsiteY1" fmla="*/ 1982904 h 1982904"/>
+                <a:gd name="connsiteX2" fmla="*/ 86 w 2585202"/>
+                <a:gd name="connsiteY2" fmla="*/ 805385 h 1982904"/>
+                <a:gd name="connsiteX3" fmla="*/ 1463983 w 2585202"/>
+                <a:gd name="connsiteY3" fmla="*/ 349168 h 1982904"/>
+                <a:gd name="connsiteX0" fmla="*/ 1500902 w 2622121"/>
+                <a:gd name="connsiteY0" fmla="*/ 349168 h 1982904"/>
+                <a:gd name="connsiteX1" fmla="*/ 1577153 w 2622121"/>
+                <a:gd name="connsiteY1" fmla="*/ 1982904 h 1982904"/>
+                <a:gd name="connsiteX2" fmla="*/ 37005 w 2622121"/>
+                <a:gd name="connsiteY2" fmla="*/ 805385 h 1982904"/>
+                <a:gd name="connsiteX3" fmla="*/ 1500902 w 2622121"/>
+                <a:gd name="connsiteY3" fmla="*/ 349168 h 1982904"/>
+                <a:gd name="connsiteX0" fmla="*/ 1343887 w 2567224"/>
+                <a:gd name="connsiteY0" fmla="*/ 334064 h 2128056"/>
+                <a:gd name="connsiteX1" fmla="*/ 1577153 w 2567224"/>
+                <a:gd name="connsiteY1" fmla="*/ 2128056 h 2128056"/>
+                <a:gd name="connsiteX2" fmla="*/ 37005 w 2567224"/>
+                <a:gd name="connsiteY2" fmla="*/ 950537 h 2128056"/>
+                <a:gd name="connsiteX3" fmla="*/ 1343887 w 2567224"/>
+                <a:gd name="connsiteY3" fmla="*/ 334064 h 2128056"/>
+                <a:gd name="connsiteX0" fmla="*/ 1343887 w 2567224"/>
+                <a:gd name="connsiteY0" fmla="*/ 334064 h 2128056"/>
+                <a:gd name="connsiteX1" fmla="*/ 1577153 w 2567224"/>
+                <a:gd name="connsiteY1" fmla="*/ 2128056 h 2128056"/>
+                <a:gd name="connsiteX2" fmla="*/ 37005 w 2567224"/>
+                <a:gd name="connsiteY2" fmla="*/ 950537 h 2128056"/>
+                <a:gd name="connsiteX3" fmla="*/ 1343887 w 2567224"/>
+                <a:gd name="connsiteY3" fmla="*/ 334064 h 2128056"/>
+                <a:gd name="connsiteX0" fmla="*/ 1398062 w 2621399"/>
+                <a:gd name="connsiteY0" fmla="*/ 334064 h 2128056"/>
+                <a:gd name="connsiteX1" fmla="*/ 1631328 w 2621399"/>
+                <a:gd name="connsiteY1" fmla="*/ 2128056 h 2128056"/>
+                <a:gd name="connsiteX2" fmla="*/ 36006 w 2621399"/>
+                <a:gd name="connsiteY2" fmla="*/ 465464 h 2128056"/>
+                <a:gd name="connsiteX3" fmla="*/ 1398062 w 2621399"/>
+                <a:gd name="connsiteY3" fmla="*/ 334064 h 2128056"/>
+                <a:gd name="connsiteX0" fmla="*/ 1398062 w 2621399"/>
+                <a:gd name="connsiteY0" fmla="*/ 334064 h 2128056"/>
+                <a:gd name="connsiteX1" fmla="*/ 1631328 w 2621399"/>
+                <a:gd name="connsiteY1" fmla="*/ 2128056 h 2128056"/>
+                <a:gd name="connsiteX2" fmla="*/ 36006 w 2621399"/>
+                <a:gd name="connsiteY2" fmla="*/ 465464 h 2128056"/>
+                <a:gd name="connsiteX3" fmla="*/ 1398062 w 2621399"/>
+                <a:gd name="connsiteY3" fmla="*/ 334064 h 2128056"/>
+                <a:gd name="connsiteX0" fmla="*/ 1398062 w 2488701"/>
+                <a:gd name="connsiteY0" fmla="*/ 179170 h 1973162"/>
+                <a:gd name="connsiteX1" fmla="*/ 1631328 w 2488701"/>
+                <a:gd name="connsiteY1" fmla="*/ 1973162 h 1973162"/>
+                <a:gd name="connsiteX2" fmla="*/ 36006 w 2488701"/>
+                <a:gd name="connsiteY2" fmla="*/ 310570 h 1973162"/>
+                <a:gd name="connsiteX3" fmla="*/ 1398062 w 2488701"/>
+                <a:gd name="connsiteY3" fmla="*/ 179170 h 1973162"/>
+                <a:gd name="connsiteX0" fmla="*/ 1830446 w 2621323"/>
+                <a:gd name="connsiteY0" fmla="*/ 168723 h 2144566"/>
+                <a:gd name="connsiteX1" fmla="*/ 1631328 w 2621323"/>
+                <a:gd name="connsiteY1" fmla="*/ 2144566 h 2144566"/>
+                <a:gd name="connsiteX2" fmla="*/ 36006 w 2621323"/>
+                <a:gd name="connsiteY2" fmla="*/ 481974 h 2144566"/>
+                <a:gd name="connsiteX3" fmla="*/ 1830446 w 2621323"/>
+                <a:gd name="connsiteY3" fmla="*/ 168723 h 2144566"/>
+                <a:gd name="connsiteX0" fmla="*/ 1830446 w 2562621"/>
+                <a:gd name="connsiteY0" fmla="*/ 174187 h 2150030"/>
+                <a:gd name="connsiteX1" fmla="*/ 1631328 w 2562621"/>
+                <a:gd name="connsiteY1" fmla="*/ 2150030 h 2150030"/>
+                <a:gd name="connsiteX2" fmla="*/ 36006 w 2562621"/>
+                <a:gd name="connsiteY2" fmla="*/ 487438 h 2150030"/>
+                <a:gd name="connsiteX3" fmla="*/ 1830446 w 2562621"/>
+                <a:gd name="connsiteY3" fmla="*/ 174187 h 2150030"/>
+                <a:gd name="connsiteX0" fmla="*/ 1830446 w 2946118"/>
+                <a:gd name="connsiteY0" fmla="*/ 143339 h 2119182"/>
+                <a:gd name="connsiteX1" fmla="*/ 1631328 w 2946118"/>
+                <a:gd name="connsiteY1" fmla="*/ 2119182 h 2119182"/>
+                <a:gd name="connsiteX2" fmla="*/ 36006 w 2946118"/>
+                <a:gd name="connsiteY2" fmla="*/ 456590 h 2119182"/>
+                <a:gd name="connsiteX3" fmla="*/ 1830446 w 2946118"/>
+                <a:gd name="connsiteY3" fmla="*/ 143339 h 2119182"/>
+                <a:gd name="connsiteX0" fmla="*/ 1585362 w 2701034"/>
+                <a:gd name="connsiteY0" fmla="*/ 143339 h 2119182"/>
+                <a:gd name="connsiteX1" fmla="*/ 1386244 w 2701034"/>
+                <a:gd name="connsiteY1" fmla="*/ 2119182 h 2119182"/>
+                <a:gd name="connsiteX2" fmla="*/ 41023 w 2701034"/>
+                <a:gd name="connsiteY2" fmla="*/ 155112 h 2119182"/>
+                <a:gd name="connsiteX3" fmla="*/ 1585362 w 2701034"/>
+                <a:gd name="connsiteY3" fmla="*/ 143339 h 2119182"/>
+                <a:gd name="connsiteX0" fmla="*/ 1708412 w 2824084"/>
+                <a:gd name="connsiteY0" fmla="*/ 143339 h 2119182"/>
+                <a:gd name="connsiteX1" fmla="*/ 1509294 w 2824084"/>
+                <a:gd name="connsiteY1" fmla="*/ 2119182 h 2119182"/>
+                <a:gd name="connsiteX2" fmla="*/ 164073 w 2824084"/>
+                <a:gd name="connsiteY2" fmla="*/ 155112 h 2119182"/>
+                <a:gd name="connsiteX3" fmla="*/ 1708412 w 2824084"/>
+                <a:gd name="connsiteY3" fmla="*/ 143339 h 2119182"/>
+                <a:gd name="connsiteX0" fmla="*/ 1708412 w 2824084"/>
+                <a:gd name="connsiteY0" fmla="*/ 205943 h 2181786"/>
+                <a:gd name="connsiteX1" fmla="*/ 1509294 w 2824084"/>
+                <a:gd name="connsiteY1" fmla="*/ 2181786 h 2181786"/>
+                <a:gd name="connsiteX2" fmla="*/ 164073 w 2824084"/>
+                <a:gd name="connsiteY2" fmla="*/ 217716 h 2181786"/>
+                <a:gd name="connsiteX3" fmla="*/ 1708412 w 2824084"/>
+                <a:gd name="connsiteY3" fmla="*/ 205943 h 2181786"/>
+                <a:gd name="connsiteX0" fmla="*/ 1708412 w 2800950"/>
+                <a:gd name="connsiteY0" fmla="*/ 205943 h 2181786"/>
+                <a:gd name="connsiteX1" fmla="*/ 1509294 w 2800950"/>
+                <a:gd name="connsiteY1" fmla="*/ 2181786 h 2181786"/>
+                <a:gd name="connsiteX2" fmla="*/ 164073 w 2800950"/>
+                <a:gd name="connsiteY2" fmla="*/ 217716 h 2181786"/>
+                <a:gd name="connsiteX3" fmla="*/ 1708412 w 2800950"/>
+                <a:gd name="connsiteY3" fmla="*/ 205943 h 2181786"/>
+                <a:gd name="connsiteX0" fmla="*/ 1753893 w 2846431"/>
+                <a:gd name="connsiteY0" fmla="*/ 205943 h 2181786"/>
+                <a:gd name="connsiteX1" fmla="*/ 1554775 w 2846431"/>
+                <a:gd name="connsiteY1" fmla="*/ 2181786 h 2181786"/>
+                <a:gd name="connsiteX2" fmla="*/ 209554 w 2846431"/>
+                <a:gd name="connsiteY2" fmla="*/ 217716 h 2181786"/>
+                <a:gd name="connsiteX3" fmla="*/ 1753893 w 2846431"/>
+                <a:gd name="connsiteY3" fmla="*/ 205943 h 2181786"/>
+              </a:gdLst>
+              <a:ahLst/>
+              <a:cxnLst>
+                <a:cxn ang="0">
+                  <a:pos x="connsiteX0" y="connsiteY0"/>
+                </a:cxn>
+                <a:cxn ang="0">
+                  <a:pos x="connsiteX1" y="connsiteY1"/>
+                </a:cxn>
+                <a:cxn ang="0">
+                  <a:pos x="connsiteX2" y="connsiteY2"/>
+                </a:cxn>
+                <a:cxn ang="0">
+                  <a:pos x="connsiteX3" y="connsiteY3"/>
+                </a:cxn>
+              </a:cxnLst>
+              <a:rect l="l" t="t" r="r" b="b"/>
+              <a:pathLst>
+                <a:path w="2846431" h="2181786">
+                  <a:moveTo>
+                    <a:pt x="1753893" y="205943"/>
+                  </a:moveTo>
+                  <a:cubicBezTo>
+                    <a:pt x="3258232" y="-529083"/>
+                    <a:pt x="3225113" y="2005322"/>
+                    <a:pt x="1554775" y="2181786"/>
+                  </a:cubicBezTo>
+                  <a:cubicBezTo>
+                    <a:pt x="880252" y="2000495"/>
+                    <a:pt x="-531837" y="1460942"/>
+                    <a:pt x="209554" y="217716"/>
+                  </a:cubicBezTo>
+                  <a:cubicBezTo>
+                    <a:pt x="803637" y="-365857"/>
+                    <a:pt x="1569146" y="434242"/>
+                    <a:pt x="1753893" y="205943"/>
+                  </a:cubicBezTo>
+                  <a:close/>
+                </a:path>
+              </a:pathLst>
+            </a:custGeom>
+            <a:solidFill>
+              <a:srgbClr val="FFCC29"/>
+            </a:solidFill>
+            <a:ln>
+              <a:noFill/>
+            </a:ln>
+          </p:spPr>
+          <p:style>
+            <a:lnRef idx="2">
+              <a:schemeClr val="accent1">
+                <a:shade val="50000"/>
+              </a:schemeClr>
+            </a:lnRef>
+            <a:fillRef idx="1">
+              <a:schemeClr val="accent1"/>
+            </a:fillRef>
+            <a:effectRef idx="0">
+              <a:schemeClr val="accent1"/>
+            </a:effectRef>
+            <a:fontRef idx="minor">
+              <a:schemeClr val="lt1"/>
+            </a:fontRef>
+          </p:style>
+          <p:txBody>
+            <a:bodyPr rtlCol="0" anchor="ctr"/>
+            <a:lstStyle/>
+            <a:p>
+              <a:pPr algn="ctr"/>
+              <a:endParaRPr lang="sv-SE" dirty="0"/>
+            </a:p>
+          </p:txBody>
+        </p:sp>
+        <p:sp>
+          <p:nvSpPr>
+            <p:cNvPr id="25" name="Heart 11"/>
+            <p:cNvSpPr/>
+            <p:nvPr/>
+          </p:nvSpPr>
+          <p:spPr>
+            <a:xfrm rot="14287302">
+              <a:off x="3390491" y="4070176"/>
+              <a:ext cx="309820" cy="237477"/>
+            </a:xfrm>
+            <a:custGeom>
+              <a:avLst/>
+              <a:gdLst>
+                <a:gd name="connsiteX0" fmla="*/ 1103128 w 2206256"/>
+                <a:gd name="connsiteY0" fmla="*/ 518337 h 2073349"/>
+                <a:gd name="connsiteX1" fmla="*/ 1103128 w 2206256"/>
+                <a:gd name="connsiteY1" fmla="*/ 2073349 h 2073349"/>
+                <a:gd name="connsiteX2" fmla="*/ 1103128 w 2206256"/>
+                <a:gd name="connsiteY2" fmla="*/ 518337 h 2073349"/>
+                <a:gd name="connsiteX0" fmla="*/ 1111170 w 2054204"/>
+                <a:gd name="connsiteY0" fmla="*/ 492652 h 2047664"/>
+                <a:gd name="connsiteX1" fmla="*/ 1111170 w 2054204"/>
+                <a:gd name="connsiteY1" fmla="*/ 2047664 h 2047664"/>
+                <a:gd name="connsiteX2" fmla="*/ 1111170 w 2054204"/>
+                <a:gd name="connsiteY2" fmla="*/ 492652 h 2047664"/>
+                <a:gd name="connsiteX0" fmla="*/ 1088688 w 2031722"/>
+                <a:gd name="connsiteY0" fmla="*/ 331388 h 1889191"/>
+                <a:gd name="connsiteX1" fmla="*/ 1088688 w 2031722"/>
+                <a:gd name="connsiteY1" fmla="*/ 1886400 h 1889191"/>
+                <a:gd name="connsiteX2" fmla="*/ 1088688 w 2031722"/>
+                <a:gd name="connsiteY2" fmla="*/ 331388 h 1889191"/>
+                <a:gd name="connsiteX0" fmla="*/ 1088688 w 2457034"/>
+                <a:gd name="connsiteY0" fmla="*/ 298057 h 1855860"/>
+                <a:gd name="connsiteX1" fmla="*/ 1088688 w 2457034"/>
+                <a:gd name="connsiteY1" fmla="*/ 1853069 h 1855860"/>
+                <a:gd name="connsiteX2" fmla="*/ 1088688 w 2457034"/>
+                <a:gd name="connsiteY2" fmla="*/ 298057 h 1855860"/>
+                <a:gd name="connsiteX0" fmla="*/ 1494094 w 2862440"/>
+                <a:gd name="connsiteY0" fmla="*/ 247986 h 1806068"/>
+                <a:gd name="connsiteX1" fmla="*/ 1494094 w 2862440"/>
+                <a:gd name="connsiteY1" fmla="*/ 1802998 h 1806068"/>
+                <a:gd name="connsiteX2" fmla="*/ 1494094 w 2862440"/>
+                <a:gd name="connsiteY2" fmla="*/ 247986 h 1806068"/>
+                <a:gd name="connsiteX0" fmla="*/ 1494094 w 2567564"/>
+                <a:gd name="connsiteY0" fmla="*/ 357092 h 1915174"/>
+                <a:gd name="connsiteX1" fmla="*/ 1494094 w 2567564"/>
+                <a:gd name="connsiteY1" fmla="*/ 1912104 h 1915174"/>
+                <a:gd name="connsiteX2" fmla="*/ 1494094 w 2567564"/>
+                <a:gd name="connsiteY2" fmla="*/ 357092 h 1915174"/>
+                <a:gd name="connsiteX0" fmla="*/ 1453444 w 2574663"/>
+                <a:gd name="connsiteY0" fmla="*/ 349168 h 1985886"/>
+                <a:gd name="connsiteX1" fmla="*/ 1529695 w 2574663"/>
+                <a:gd name="connsiteY1" fmla="*/ 1982904 h 1985886"/>
+                <a:gd name="connsiteX2" fmla="*/ 1453444 w 2574663"/>
+                <a:gd name="connsiteY2" fmla="*/ 349168 h 1985886"/>
+                <a:gd name="connsiteX0" fmla="*/ 478315 w 1599534"/>
+                <a:gd name="connsiteY0" fmla="*/ 349168 h 1982904"/>
+                <a:gd name="connsiteX1" fmla="*/ 554566 w 1599534"/>
+                <a:gd name="connsiteY1" fmla="*/ 1982904 h 1982904"/>
+                <a:gd name="connsiteX2" fmla="*/ 298 w 1599534"/>
+                <a:gd name="connsiteY2" fmla="*/ 166414 h 1982904"/>
+                <a:gd name="connsiteX3" fmla="*/ 478315 w 1599534"/>
+                <a:gd name="connsiteY3" fmla="*/ 349168 h 1982904"/>
+                <a:gd name="connsiteX0" fmla="*/ 1463983 w 2585202"/>
+                <a:gd name="connsiteY0" fmla="*/ 349168 h 1982904"/>
+                <a:gd name="connsiteX1" fmla="*/ 1540234 w 2585202"/>
+                <a:gd name="connsiteY1" fmla="*/ 1982904 h 1982904"/>
+                <a:gd name="connsiteX2" fmla="*/ 86 w 2585202"/>
+                <a:gd name="connsiteY2" fmla="*/ 805385 h 1982904"/>
+                <a:gd name="connsiteX3" fmla="*/ 1463983 w 2585202"/>
+                <a:gd name="connsiteY3" fmla="*/ 349168 h 1982904"/>
+                <a:gd name="connsiteX0" fmla="*/ 1500902 w 2622121"/>
+                <a:gd name="connsiteY0" fmla="*/ 349168 h 1982904"/>
+                <a:gd name="connsiteX1" fmla="*/ 1577153 w 2622121"/>
+                <a:gd name="connsiteY1" fmla="*/ 1982904 h 1982904"/>
+                <a:gd name="connsiteX2" fmla="*/ 37005 w 2622121"/>
+                <a:gd name="connsiteY2" fmla="*/ 805385 h 1982904"/>
+                <a:gd name="connsiteX3" fmla="*/ 1500902 w 2622121"/>
+                <a:gd name="connsiteY3" fmla="*/ 349168 h 1982904"/>
+                <a:gd name="connsiteX0" fmla="*/ 1343887 w 2567224"/>
+                <a:gd name="connsiteY0" fmla="*/ 334064 h 2128056"/>
+                <a:gd name="connsiteX1" fmla="*/ 1577153 w 2567224"/>
+                <a:gd name="connsiteY1" fmla="*/ 2128056 h 2128056"/>
+                <a:gd name="connsiteX2" fmla="*/ 37005 w 2567224"/>
+                <a:gd name="connsiteY2" fmla="*/ 950537 h 2128056"/>
+                <a:gd name="connsiteX3" fmla="*/ 1343887 w 2567224"/>
+                <a:gd name="connsiteY3" fmla="*/ 334064 h 2128056"/>
+                <a:gd name="connsiteX0" fmla="*/ 1343887 w 2567224"/>
+                <a:gd name="connsiteY0" fmla="*/ 334064 h 2128056"/>
+                <a:gd name="connsiteX1" fmla="*/ 1577153 w 2567224"/>
+                <a:gd name="connsiteY1" fmla="*/ 2128056 h 2128056"/>
+                <a:gd name="connsiteX2" fmla="*/ 37005 w 2567224"/>
+                <a:gd name="connsiteY2" fmla="*/ 950537 h 2128056"/>
+                <a:gd name="connsiteX3" fmla="*/ 1343887 w 2567224"/>
+                <a:gd name="connsiteY3" fmla="*/ 334064 h 2128056"/>
+                <a:gd name="connsiteX0" fmla="*/ 1398062 w 2621399"/>
+                <a:gd name="connsiteY0" fmla="*/ 334064 h 2128056"/>
+                <a:gd name="connsiteX1" fmla="*/ 1631328 w 2621399"/>
+                <a:gd name="connsiteY1" fmla="*/ 2128056 h 2128056"/>
+                <a:gd name="connsiteX2" fmla="*/ 36006 w 2621399"/>
+                <a:gd name="connsiteY2" fmla="*/ 465464 h 2128056"/>
+                <a:gd name="connsiteX3" fmla="*/ 1398062 w 2621399"/>
+                <a:gd name="connsiteY3" fmla="*/ 334064 h 2128056"/>
+                <a:gd name="connsiteX0" fmla="*/ 1398062 w 2621399"/>
+                <a:gd name="connsiteY0" fmla="*/ 334064 h 2128056"/>
+                <a:gd name="connsiteX1" fmla="*/ 1631328 w 2621399"/>
+                <a:gd name="connsiteY1" fmla="*/ 2128056 h 2128056"/>
+                <a:gd name="connsiteX2" fmla="*/ 36006 w 2621399"/>
+                <a:gd name="connsiteY2" fmla="*/ 465464 h 2128056"/>
+                <a:gd name="connsiteX3" fmla="*/ 1398062 w 2621399"/>
+                <a:gd name="connsiteY3" fmla="*/ 334064 h 2128056"/>
+                <a:gd name="connsiteX0" fmla="*/ 1398062 w 2488701"/>
+                <a:gd name="connsiteY0" fmla="*/ 179170 h 1973162"/>
+                <a:gd name="connsiteX1" fmla="*/ 1631328 w 2488701"/>
+                <a:gd name="connsiteY1" fmla="*/ 1973162 h 1973162"/>
+                <a:gd name="connsiteX2" fmla="*/ 36006 w 2488701"/>
+                <a:gd name="connsiteY2" fmla="*/ 310570 h 1973162"/>
+                <a:gd name="connsiteX3" fmla="*/ 1398062 w 2488701"/>
+                <a:gd name="connsiteY3" fmla="*/ 179170 h 1973162"/>
+                <a:gd name="connsiteX0" fmla="*/ 1830446 w 2621323"/>
+                <a:gd name="connsiteY0" fmla="*/ 168723 h 2144566"/>
+                <a:gd name="connsiteX1" fmla="*/ 1631328 w 2621323"/>
+                <a:gd name="connsiteY1" fmla="*/ 2144566 h 2144566"/>
+                <a:gd name="connsiteX2" fmla="*/ 36006 w 2621323"/>
+                <a:gd name="connsiteY2" fmla="*/ 481974 h 2144566"/>
+                <a:gd name="connsiteX3" fmla="*/ 1830446 w 2621323"/>
+                <a:gd name="connsiteY3" fmla="*/ 168723 h 2144566"/>
+                <a:gd name="connsiteX0" fmla="*/ 1830446 w 2562621"/>
+                <a:gd name="connsiteY0" fmla="*/ 174187 h 2150030"/>
+                <a:gd name="connsiteX1" fmla="*/ 1631328 w 2562621"/>
+                <a:gd name="connsiteY1" fmla="*/ 2150030 h 2150030"/>
+                <a:gd name="connsiteX2" fmla="*/ 36006 w 2562621"/>
+                <a:gd name="connsiteY2" fmla="*/ 487438 h 2150030"/>
+                <a:gd name="connsiteX3" fmla="*/ 1830446 w 2562621"/>
+                <a:gd name="connsiteY3" fmla="*/ 174187 h 2150030"/>
+                <a:gd name="connsiteX0" fmla="*/ 1830446 w 2946118"/>
+                <a:gd name="connsiteY0" fmla="*/ 143339 h 2119182"/>
+                <a:gd name="connsiteX1" fmla="*/ 1631328 w 2946118"/>
+                <a:gd name="connsiteY1" fmla="*/ 2119182 h 2119182"/>
+                <a:gd name="connsiteX2" fmla="*/ 36006 w 2946118"/>
+                <a:gd name="connsiteY2" fmla="*/ 456590 h 2119182"/>
+                <a:gd name="connsiteX3" fmla="*/ 1830446 w 2946118"/>
+                <a:gd name="connsiteY3" fmla="*/ 143339 h 2119182"/>
+                <a:gd name="connsiteX0" fmla="*/ 1585362 w 2701034"/>
+                <a:gd name="connsiteY0" fmla="*/ 143339 h 2119182"/>
+                <a:gd name="connsiteX1" fmla="*/ 1386244 w 2701034"/>
+                <a:gd name="connsiteY1" fmla="*/ 2119182 h 2119182"/>
+                <a:gd name="connsiteX2" fmla="*/ 41023 w 2701034"/>
+                <a:gd name="connsiteY2" fmla="*/ 155112 h 2119182"/>
+                <a:gd name="connsiteX3" fmla="*/ 1585362 w 2701034"/>
+                <a:gd name="connsiteY3" fmla="*/ 143339 h 2119182"/>
+                <a:gd name="connsiteX0" fmla="*/ 1708412 w 2824084"/>
+                <a:gd name="connsiteY0" fmla="*/ 143339 h 2119182"/>
+                <a:gd name="connsiteX1" fmla="*/ 1509294 w 2824084"/>
+                <a:gd name="connsiteY1" fmla="*/ 2119182 h 2119182"/>
+                <a:gd name="connsiteX2" fmla="*/ 164073 w 2824084"/>
+                <a:gd name="connsiteY2" fmla="*/ 155112 h 2119182"/>
+                <a:gd name="connsiteX3" fmla="*/ 1708412 w 2824084"/>
+                <a:gd name="connsiteY3" fmla="*/ 143339 h 2119182"/>
+                <a:gd name="connsiteX0" fmla="*/ 1708412 w 2824084"/>
+                <a:gd name="connsiteY0" fmla="*/ 205943 h 2181786"/>
+                <a:gd name="connsiteX1" fmla="*/ 1509294 w 2824084"/>
+                <a:gd name="connsiteY1" fmla="*/ 2181786 h 2181786"/>
+                <a:gd name="connsiteX2" fmla="*/ 164073 w 2824084"/>
+                <a:gd name="connsiteY2" fmla="*/ 217716 h 2181786"/>
+                <a:gd name="connsiteX3" fmla="*/ 1708412 w 2824084"/>
+                <a:gd name="connsiteY3" fmla="*/ 205943 h 2181786"/>
+                <a:gd name="connsiteX0" fmla="*/ 1708412 w 2800950"/>
+                <a:gd name="connsiteY0" fmla="*/ 205943 h 2181786"/>
+                <a:gd name="connsiteX1" fmla="*/ 1509294 w 2800950"/>
+                <a:gd name="connsiteY1" fmla="*/ 2181786 h 2181786"/>
+                <a:gd name="connsiteX2" fmla="*/ 164073 w 2800950"/>
+                <a:gd name="connsiteY2" fmla="*/ 217716 h 2181786"/>
+                <a:gd name="connsiteX3" fmla="*/ 1708412 w 2800950"/>
+                <a:gd name="connsiteY3" fmla="*/ 205943 h 2181786"/>
+                <a:gd name="connsiteX0" fmla="*/ 1753893 w 2846431"/>
+                <a:gd name="connsiteY0" fmla="*/ 205943 h 2181786"/>
+                <a:gd name="connsiteX1" fmla="*/ 1554775 w 2846431"/>
+                <a:gd name="connsiteY1" fmla="*/ 2181786 h 2181786"/>
+                <a:gd name="connsiteX2" fmla="*/ 209554 w 2846431"/>
+                <a:gd name="connsiteY2" fmla="*/ 217716 h 2181786"/>
+                <a:gd name="connsiteX3" fmla="*/ 1753893 w 2846431"/>
+                <a:gd name="connsiteY3" fmla="*/ 205943 h 2181786"/>
+              </a:gdLst>
+              <a:ahLst/>
+              <a:cxnLst>
+                <a:cxn ang="0">
+                  <a:pos x="connsiteX0" y="connsiteY0"/>
+                </a:cxn>
+                <a:cxn ang="0">
+                  <a:pos x="connsiteX1" y="connsiteY1"/>
+                </a:cxn>
+                <a:cxn ang="0">
+                  <a:pos x="connsiteX2" y="connsiteY2"/>
+                </a:cxn>
+                <a:cxn ang="0">
+                  <a:pos x="connsiteX3" y="connsiteY3"/>
+                </a:cxn>
+              </a:cxnLst>
+              <a:rect l="l" t="t" r="r" b="b"/>
+              <a:pathLst>
+                <a:path w="2846431" h="2181786">
+                  <a:moveTo>
+                    <a:pt x="1753893" y="205943"/>
+                  </a:moveTo>
+                  <a:cubicBezTo>
+                    <a:pt x="3258232" y="-529083"/>
+                    <a:pt x="3225113" y="2005322"/>
+                    <a:pt x="1554775" y="2181786"/>
+                  </a:cubicBezTo>
+                  <a:cubicBezTo>
+                    <a:pt x="880252" y="2000495"/>
+                    <a:pt x="-531837" y="1460942"/>
+                    <a:pt x="209554" y="217716"/>
+                  </a:cubicBezTo>
+                  <a:cubicBezTo>
+                    <a:pt x="803637" y="-365857"/>
+                    <a:pt x="1569146" y="434242"/>
+                    <a:pt x="1753893" y="205943"/>
+                  </a:cubicBezTo>
+                  <a:close/>
+                </a:path>
+              </a:pathLst>
+            </a:custGeom>
+            <a:solidFill>
+              <a:srgbClr val="FFCC29"/>
+            </a:solidFill>
+            <a:ln>
+              <a:noFill/>
+            </a:ln>
+          </p:spPr>
+          <p:style>
+            <a:lnRef idx="2">
+              <a:schemeClr val="accent1">
+                <a:shade val="50000"/>
+              </a:schemeClr>
+            </a:lnRef>
+            <a:fillRef idx="1">
+              <a:schemeClr val="accent1"/>
+            </a:fillRef>
+            <a:effectRef idx="0">
+              <a:schemeClr val="accent1"/>
+            </a:effectRef>
+            <a:fontRef idx="minor">
+              <a:schemeClr val="lt1"/>
+            </a:fontRef>
+          </p:style>
+          <p:txBody>
+            <a:bodyPr rtlCol="0" anchor="ctr"/>
+            <a:lstStyle/>
+            <a:p>
+              <a:pPr algn="ctr"/>
+              <a:endParaRPr lang="sv-SE" dirty="0"/>
+            </a:p>
+          </p:txBody>
+        </p:sp>
+        <p:sp>
+          <p:nvSpPr>
+            <p:cNvPr id="26" name="Oval 10"/>
+            <p:cNvSpPr/>
+            <p:nvPr/>
+          </p:nvSpPr>
+          <p:spPr>
+            <a:xfrm rot="2188284">
+              <a:off x="7324274" y="3945901"/>
+              <a:ext cx="263964" cy="229987"/>
+            </a:xfrm>
+            <a:custGeom>
+              <a:avLst/>
+              <a:gdLst>
+                <a:gd name="connsiteX0" fmla="*/ 0 w 1978090"/>
+                <a:gd name="connsiteY0" fmla="*/ 730121 h 1460241"/>
+                <a:gd name="connsiteX1" fmla="*/ 989045 w 1978090"/>
+                <a:gd name="connsiteY1" fmla="*/ 0 h 1460241"/>
+                <a:gd name="connsiteX2" fmla="*/ 1978090 w 1978090"/>
+                <a:gd name="connsiteY2" fmla="*/ 730121 h 1460241"/>
+                <a:gd name="connsiteX3" fmla="*/ 989045 w 1978090"/>
+                <a:gd name="connsiteY3" fmla="*/ 1460242 h 1460241"/>
+                <a:gd name="connsiteX4" fmla="*/ 0 w 1978090"/>
+                <a:gd name="connsiteY4" fmla="*/ 730121 h 1460241"/>
+                <a:gd name="connsiteX0" fmla="*/ 3797 w 1981887"/>
+                <a:gd name="connsiteY0" fmla="*/ 873303 h 1603424"/>
+                <a:gd name="connsiteX1" fmla="*/ 763031 w 1981887"/>
+                <a:gd name="connsiteY1" fmla="*/ 0 h 1603424"/>
+                <a:gd name="connsiteX2" fmla="*/ 1981887 w 1981887"/>
+                <a:gd name="connsiteY2" fmla="*/ 873303 h 1603424"/>
+                <a:gd name="connsiteX3" fmla="*/ 992842 w 1981887"/>
+                <a:gd name="connsiteY3" fmla="*/ 1603424 h 1603424"/>
+                <a:gd name="connsiteX4" fmla="*/ 3797 w 1981887"/>
+                <a:gd name="connsiteY4" fmla="*/ 873303 h 1603424"/>
+                <a:gd name="connsiteX0" fmla="*/ 38 w 1978128"/>
+                <a:gd name="connsiteY0" fmla="*/ 873303 h 1723502"/>
+                <a:gd name="connsiteX1" fmla="*/ 759272 w 1978128"/>
+                <a:gd name="connsiteY1" fmla="*/ 0 h 1723502"/>
+                <a:gd name="connsiteX2" fmla="*/ 1978128 w 1978128"/>
+                <a:gd name="connsiteY2" fmla="*/ 873303 h 1723502"/>
+                <a:gd name="connsiteX3" fmla="*/ 740247 w 1978128"/>
+                <a:gd name="connsiteY3" fmla="*/ 1723502 h 1723502"/>
+                <a:gd name="connsiteX4" fmla="*/ 38 w 1978128"/>
+                <a:gd name="connsiteY4" fmla="*/ 873303 h 1723502"/>
+              </a:gdLst>
+              <a:ahLst/>
+              <a:cxnLst>
+                <a:cxn ang="0">
+                  <a:pos x="connsiteX0" y="connsiteY0"/>
+                </a:cxn>
+                <a:cxn ang="0">
+                  <a:pos x="connsiteX1" y="connsiteY1"/>
+                </a:cxn>
+                <a:cxn ang="0">
+                  <a:pos x="connsiteX2" y="connsiteY2"/>
+                </a:cxn>
+                <a:cxn ang="0">
+                  <a:pos x="connsiteX3" y="connsiteY3"/>
+                </a:cxn>
+                <a:cxn ang="0">
+                  <a:pos x="connsiteX4" y="connsiteY4"/>
+                </a:cxn>
+              </a:cxnLst>
+              <a:rect l="l" t="t" r="r" b="b"/>
+              <a:pathLst>
+                <a:path w="1978128" h="1723502">
+                  <a:moveTo>
+                    <a:pt x="38" y="873303"/>
+                  </a:moveTo>
+                  <a:cubicBezTo>
+                    <a:pt x="3209" y="586053"/>
+                    <a:pt x="213038" y="0"/>
+                    <a:pt x="759272" y="0"/>
+                  </a:cubicBezTo>
+                  <a:cubicBezTo>
+                    <a:pt x="1305506" y="0"/>
+                    <a:pt x="1978128" y="470068"/>
+                    <a:pt x="1978128" y="873303"/>
+                  </a:cubicBezTo>
+                  <a:cubicBezTo>
+                    <a:pt x="1978128" y="1276538"/>
+                    <a:pt x="1286481" y="1723502"/>
+                    <a:pt x="740247" y="1723502"/>
+                  </a:cubicBezTo>
+                  <a:cubicBezTo>
+                    <a:pt x="194013" y="1723502"/>
+                    <a:pt x="-3133" y="1160553"/>
+                    <a:pt x="38" y="873303"/>
+                  </a:cubicBezTo>
+                  <a:close/>
+                </a:path>
+              </a:pathLst>
+            </a:custGeom>
+            <a:solidFill>
+              <a:srgbClr val="FF4909"/>
+            </a:solidFill>
+            <a:ln>
+              <a:noFill/>
+            </a:ln>
+          </p:spPr>
+          <p:style>
+            <a:lnRef idx="2">
+              <a:schemeClr val="accent1">
+                <a:shade val="50000"/>
+              </a:schemeClr>
+            </a:lnRef>
+            <a:fillRef idx="1">
+              <a:schemeClr val="accent1"/>
+            </a:fillRef>
+            <a:effectRef idx="0">
+              <a:schemeClr val="accent1"/>
+            </a:effectRef>
+            <a:fontRef idx="minor">
+              <a:schemeClr val="lt1"/>
+            </a:fontRef>
+          </p:style>
+          <p:txBody>
+            <a:bodyPr rtlCol="0" anchor="ctr"/>
+            <a:lstStyle/>
+            <a:p>
+              <a:pPr algn="ctr"/>
+              <a:endParaRPr lang="sv-SE"/>
+            </a:p>
+          </p:txBody>
+        </p:sp>
+        <p:sp>
+          <p:nvSpPr>
+            <p:cNvPr id="27" name="Rectangle 7"/>
+            <p:cNvSpPr/>
+            <p:nvPr/>
+          </p:nvSpPr>
+          <p:spPr>
+            <a:xfrm rot="18900000">
+              <a:off x="5747494" y="2319982"/>
+              <a:ext cx="233350" cy="238784"/>
+            </a:xfrm>
+            <a:custGeom>
+              <a:avLst/>
+              <a:gdLst>
+                <a:gd name="connsiteX0" fmla="*/ 0 w 1433404"/>
+                <a:gd name="connsiteY0" fmla="*/ 0 h 1422855"/>
+                <a:gd name="connsiteX1" fmla="*/ 1433404 w 1433404"/>
+                <a:gd name="connsiteY1" fmla="*/ 0 h 1422855"/>
+                <a:gd name="connsiteX2" fmla="*/ 1433404 w 1433404"/>
+                <a:gd name="connsiteY2" fmla="*/ 1422855 h 1422855"/>
+                <a:gd name="connsiteX3" fmla="*/ 0 w 1433404"/>
+                <a:gd name="connsiteY3" fmla="*/ 1422855 h 1422855"/>
+                <a:gd name="connsiteX4" fmla="*/ 0 w 1433404"/>
+                <a:gd name="connsiteY4" fmla="*/ 0 h 1422855"/>
+                <a:gd name="connsiteX0" fmla="*/ 0 w 1769741"/>
+                <a:gd name="connsiteY0" fmla="*/ 0 h 1759191"/>
+                <a:gd name="connsiteX1" fmla="*/ 1433404 w 1769741"/>
+                <a:gd name="connsiteY1" fmla="*/ 0 h 1759191"/>
+                <a:gd name="connsiteX2" fmla="*/ 1769741 w 1769741"/>
+                <a:gd name="connsiteY2" fmla="*/ 1759191 h 1759191"/>
+                <a:gd name="connsiteX3" fmla="*/ 0 w 1769741"/>
+                <a:gd name="connsiteY3" fmla="*/ 1422855 h 1759191"/>
+                <a:gd name="connsiteX4" fmla="*/ 0 w 1769741"/>
+                <a:gd name="connsiteY4" fmla="*/ 0 h 1759191"/>
+                <a:gd name="connsiteX0" fmla="*/ 0 w 1807313"/>
+                <a:gd name="connsiteY0" fmla="*/ 0 h 1759191"/>
+                <a:gd name="connsiteX1" fmla="*/ 1433404 w 1807313"/>
+                <a:gd name="connsiteY1" fmla="*/ 0 h 1759191"/>
+                <a:gd name="connsiteX2" fmla="*/ 1769741 w 1807313"/>
+                <a:gd name="connsiteY2" fmla="*/ 1759191 h 1759191"/>
+                <a:gd name="connsiteX3" fmla="*/ 0 w 1807313"/>
+                <a:gd name="connsiteY3" fmla="*/ 1422855 h 1759191"/>
+                <a:gd name="connsiteX4" fmla="*/ 0 w 1807313"/>
+                <a:gd name="connsiteY4" fmla="*/ 0 h 1759191"/>
+                <a:gd name="connsiteX0" fmla="*/ 0 w 1807313"/>
+                <a:gd name="connsiteY0" fmla="*/ 0 h 1799810"/>
+                <a:gd name="connsiteX1" fmla="*/ 1433404 w 1807313"/>
+                <a:gd name="connsiteY1" fmla="*/ 0 h 1799810"/>
+                <a:gd name="connsiteX2" fmla="*/ 1769741 w 1807313"/>
+                <a:gd name="connsiteY2" fmla="*/ 1759191 h 1799810"/>
+                <a:gd name="connsiteX3" fmla="*/ 0 w 1807313"/>
+                <a:gd name="connsiteY3" fmla="*/ 1422855 h 1799810"/>
+                <a:gd name="connsiteX4" fmla="*/ 0 w 1807313"/>
+                <a:gd name="connsiteY4" fmla="*/ 0 h 1799810"/>
+                <a:gd name="connsiteX0" fmla="*/ 0 w 1807313"/>
+                <a:gd name="connsiteY0" fmla="*/ 0 h 1825563"/>
+                <a:gd name="connsiteX1" fmla="*/ 1433404 w 1807313"/>
+                <a:gd name="connsiteY1" fmla="*/ 0 h 1825563"/>
+                <a:gd name="connsiteX2" fmla="*/ 1769741 w 1807313"/>
+                <a:gd name="connsiteY2" fmla="*/ 1759191 h 1825563"/>
+                <a:gd name="connsiteX3" fmla="*/ 0 w 1807313"/>
+                <a:gd name="connsiteY3" fmla="*/ 1422855 h 1825563"/>
+                <a:gd name="connsiteX4" fmla="*/ 0 w 1807313"/>
+                <a:gd name="connsiteY4" fmla="*/ 0 h 1825563"/>
+                <a:gd name="connsiteX0" fmla="*/ 90205 w 1897518"/>
+                <a:gd name="connsiteY0" fmla="*/ 0 h 1825563"/>
+                <a:gd name="connsiteX1" fmla="*/ 1523609 w 1897518"/>
+                <a:gd name="connsiteY1" fmla="*/ 0 h 1825563"/>
+                <a:gd name="connsiteX2" fmla="*/ 1859946 w 1897518"/>
+                <a:gd name="connsiteY2" fmla="*/ 1759191 h 1825563"/>
+                <a:gd name="connsiteX3" fmla="*/ 90205 w 1897518"/>
+                <a:gd name="connsiteY3" fmla="*/ 1422855 h 1825563"/>
+                <a:gd name="connsiteX4" fmla="*/ 90205 w 1897518"/>
+                <a:gd name="connsiteY4" fmla="*/ 0 h 1825563"/>
+                <a:gd name="connsiteX0" fmla="*/ 153310 w 1960623"/>
+                <a:gd name="connsiteY0" fmla="*/ 0 h 1825563"/>
+                <a:gd name="connsiteX1" fmla="*/ 1586714 w 1960623"/>
+                <a:gd name="connsiteY1" fmla="*/ 0 h 1825563"/>
+                <a:gd name="connsiteX2" fmla="*/ 1923051 w 1960623"/>
+                <a:gd name="connsiteY2" fmla="*/ 1759191 h 1825563"/>
+                <a:gd name="connsiteX3" fmla="*/ 153310 w 1960623"/>
+                <a:gd name="connsiteY3" fmla="*/ 1422855 h 1825563"/>
+                <a:gd name="connsiteX4" fmla="*/ 153310 w 1960623"/>
+                <a:gd name="connsiteY4" fmla="*/ 0 h 1825563"/>
+                <a:gd name="connsiteX0" fmla="*/ 153310 w 1960623"/>
+                <a:gd name="connsiteY0" fmla="*/ 134018 h 1959581"/>
+                <a:gd name="connsiteX1" fmla="*/ 1586714 w 1960623"/>
+                <a:gd name="connsiteY1" fmla="*/ 134018 h 1959581"/>
+                <a:gd name="connsiteX2" fmla="*/ 1923051 w 1960623"/>
+                <a:gd name="connsiteY2" fmla="*/ 1893209 h 1959581"/>
+                <a:gd name="connsiteX3" fmla="*/ 153310 w 1960623"/>
+                <a:gd name="connsiteY3" fmla="*/ 1556873 h 1959581"/>
+                <a:gd name="connsiteX4" fmla="*/ 153310 w 1960623"/>
+                <a:gd name="connsiteY4" fmla="*/ 134018 h 1959581"/>
+                <a:gd name="connsiteX0" fmla="*/ 153310 w 1960623"/>
+                <a:gd name="connsiteY0" fmla="*/ 188054 h 2013617"/>
+                <a:gd name="connsiteX1" fmla="*/ 1586714 w 1960623"/>
+                <a:gd name="connsiteY1" fmla="*/ 188054 h 2013617"/>
+                <a:gd name="connsiteX2" fmla="*/ 1923051 w 1960623"/>
+                <a:gd name="connsiteY2" fmla="*/ 1947245 h 2013617"/>
+                <a:gd name="connsiteX3" fmla="*/ 153310 w 1960623"/>
+                <a:gd name="connsiteY3" fmla="*/ 1610909 h 2013617"/>
+                <a:gd name="connsiteX4" fmla="*/ 153310 w 1960623"/>
+                <a:gd name="connsiteY4" fmla="*/ 188054 h 2013617"/>
+                <a:gd name="connsiteX0" fmla="*/ 153310 w 1971177"/>
+                <a:gd name="connsiteY0" fmla="*/ 188054 h 2013617"/>
+                <a:gd name="connsiteX1" fmla="*/ 1586714 w 1971177"/>
+                <a:gd name="connsiteY1" fmla="*/ 188054 h 2013617"/>
+                <a:gd name="connsiteX2" fmla="*/ 1923051 w 1971177"/>
+                <a:gd name="connsiteY2" fmla="*/ 1947245 h 2013617"/>
+                <a:gd name="connsiteX3" fmla="*/ 153310 w 1971177"/>
+                <a:gd name="connsiteY3" fmla="*/ 1610909 h 2013617"/>
+                <a:gd name="connsiteX4" fmla="*/ 153310 w 1971177"/>
+                <a:gd name="connsiteY4" fmla="*/ 188054 h 2013617"/>
+                <a:gd name="connsiteX0" fmla="*/ 85950 w 1903817"/>
+                <a:gd name="connsiteY0" fmla="*/ 188054 h 2037023"/>
+                <a:gd name="connsiteX1" fmla="*/ 1519354 w 1903817"/>
+                <a:gd name="connsiteY1" fmla="*/ 188054 h 2037023"/>
+                <a:gd name="connsiteX2" fmla="*/ 1855691 w 1903817"/>
+                <a:gd name="connsiteY2" fmla="*/ 1947245 h 2037023"/>
+                <a:gd name="connsiteX3" fmla="*/ 286012 w 1903817"/>
+                <a:gd name="connsiteY3" fmla="*/ 1712389 h 2037023"/>
+                <a:gd name="connsiteX4" fmla="*/ 85950 w 1903817"/>
+                <a:gd name="connsiteY4" fmla="*/ 188054 h 2037023"/>
+                <a:gd name="connsiteX0" fmla="*/ 85950 w 1921832"/>
+                <a:gd name="connsiteY0" fmla="*/ 117615 h 1966584"/>
+                <a:gd name="connsiteX1" fmla="*/ 1635333 w 1921832"/>
+                <a:gd name="connsiteY1" fmla="*/ 361169 h 1966584"/>
+                <a:gd name="connsiteX2" fmla="*/ 1855691 w 1921832"/>
+                <a:gd name="connsiteY2" fmla="*/ 1876806 h 1966584"/>
+                <a:gd name="connsiteX3" fmla="*/ 286012 w 1921832"/>
+                <a:gd name="connsiteY3" fmla="*/ 1641950 h 1966584"/>
+                <a:gd name="connsiteX4" fmla="*/ 85950 w 1921832"/>
+                <a:gd name="connsiteY4" fmla="*/ 117615 h 1966584"/>
+              </a:gdLst>
+              <a:ahLst/>
+              <a:cxnLst>
+                <a:cxn ang="0">
+                  <a:pos x="connsiteX0" y="connsiteY0"/>
+                </a:cxn>
+                <a:cxn ang="0">
+                  <a:pos x="connsiteX1" y="connsiteY1"/>
+                </a:cxn>
+                <a:cxn ang="0">
+                  <a:pos x="connsiteX2" y="connsiteY2"/>
+                </a:cxn>
+                <a:cxn ang="0">
+                  <a:pos x="connsiteX3" y="connsiteY3"/>
+                </a:cxn>
+                <a:cxn ang="0">
+                  <a:pos x="connsiteX4" y="connsiteY4"/>
+                </a:cxn>
+              </a:cxnLst>
+              <a:rect l="l" t="t" r="r" b="b"/>
+              <a:pathLst>
+                <a:path w="1921832" h="1966584">
+                  <a:moveTo>
+                    <a:pt x="85950" y="117615"/>
+                  </a:moveTo>
+                  <a:cubicBezTo>
+                    <a:pt x="372387" y="-183927"/>
+                    <a:pt x="1415583" y="166906"/>
+                    <a:pt x="1635333" y="361169"/>
+                  </a:cubicBezTo>
+                  <a:cubicBezTo>
+                    <a:pt x="1869222" y="628625"/>
+                    <a:pt x="2013230" y="1426683"/>
+                    <a:pt x="1855691" y="1876806"/>
+                  </a:cubicBezTo>
+                  <a:cubicBezTo>
+                    <a:pt x="1549924" y="2043041"/>
+                    <a:pt x="487400" y="1986018"/>
+                    <a:pt x="286012" y="1641950"/>
+                  </a:cubicBezTo>
+                  <a:cubicBezTo>
+                    <a:pt x="83050" y="1388023"/>
+                    <a:pt x="-119911" y="351245"/>
+                    <a:pt x="85950" y="117615"/>
+                  </a:cubicBezTo>
+                  <a:close/>
+                </a:path>
+              </a:pathLst>
+            </a:custGeom>
+            <a:solidFill>
+              <a:srgbClr val="43BFF7"/>
+            </a:solidFill>
+            <a:ln>
+              <a:noFill/>
+            </a:ln>
+          </p:spPr>
+          <p:style>
+            <a:lnRef idx="2">
+              <a:schemeClr val="accent1">
+                <a:shade val="50000"/>
+              </a:schemeClr>
+            </a:lnRef>
+            <a:fillRef idx="1">
+              <a:schemeClr val="accent1"/>
+            </a:fillRef>
+            <a:effectRef idx="0">
+              <a:schemeClr val="accent1"/>
+            </a:effectRef>
+            <a:fontRef idx="minor">
+              <a:schemeClr val="lt1"/>
+            </a:fontRef>
+          </p:style>
+          <p:txBody>
+            <a:bodyPr rtlCol="0" anchor="ctr"/>
+            <a:lstStyle/>
+            <a:p>
+              <a:pPr algn="ctr"/>
+              <a:endParaRPr lang="sv-SE"/>
+            </a:p>
+          </p:txBody>
+        </p:sp>
+        <p:sp>
+          <p:nvSpPr>
+            <p:cNvPr id="29" name="Heart 11"/>
+            <p:cNvSpPr/>
+            <p:nvPr/>
+          </p:nvSpPr>
+          <p:spPr>
+            <a:xfrm rot="14287302">
+              <a:off x="5927821" y="1453980"/>
+              <a:ext cx="309820" cy="237477"/>
+            </a:xfrm>
+            <a:custGeom>
+              <a:avLst/>
+              <a:gdLst>
+                <a:gd name="connsiteX0" fmla="*/ 1103128 w 2206256"/>
+                <a:gd name="connsiteY0" fmla="*/ 518337 h 2073349"/>
+                <a:gd name="connsiteX1" fmla="*/ 1103128 w 2206256"/>
+                <a:gd name="connsiteY1" fmla="*/ 2073349 h 2073349"/>
+                <a:gd name="connsiteX2" fmla="*/ 1103128 w 2206256"/>
+                <a:gd name="connsiteY2" fmla="*/ 518337 h 2073349"/>
+                <a:gd name="connsiteX0" fmla="*/ 1111170 w 2054204"/>
+                <a:gd name="connsiteY0" fmla="*/ 492652 h 2047664"/>
+                <a:gd name="connsiteX1" fmla="*/ 1111170 w 2054204"/>
+                <a:gd name="connsiteY1" fmla="*/ 2047664 h 2047664"/>
+                <a:gd name="connsiteX2" fmla="*/ 1111170 w 2054204"/>
+                <a:gd name="connsiteY2" fmla="*/ 492652 h 2047664"/>
+                <a:gd name="connsiteX0" fmla="*/ 1088688 w 2031722"/>
+                <a:gd name="connsiteY0" fmla="*/ 331388 h 1889191"/>
+                <a:gd name="connsiteX1" fmla="*/ 1088688 w 2031722"/>
+                <a:gd name="connsiteY1" fmla="*/ 1886400 h 1889191"/>
+                <a:gd name="connsiteX2" fmla="*/ 1088688 w 2031722"/>
+                <a:gd name="connsiteY2" fmla="*/ 331388 h 1889191"/>
+                <a:gd name="connsiteX0" fmla="*/ 1088688 w 2457034"/>
+                <a:gd name="connsiteY0" fmla="*/ 298057 h 1855860"/>
+                <a:gd name="connsiteX1" fmla="*/ 1088688 w 2457034"/>
+                <a:gd name="connsiteY1" fmla="*/ 1853069 h 1855860"/>
+                <a:gd name="connsiteX2" fmla="*/ 1088688 w 2457034"/>
+                <a:gd name="connsiteY2" fmla="*/ 298057 h 1855860"/>
+                <a:gd name="connsiteX0" fmla="*/ 1494094 w 2862440"/>
+                <a:gd name="connsiteY0" fmla="*/ 247986 h 1806068"/>
+                <a:gd name="connsiteX1" fmla="*/ 1494094 w 2862440"/>
+                <a:gd name="connsiteY1" fmla="*/ 1802998 h 1806068"/>
+                <a:gd name="connsiteX2" fmla="*/ 1494094 w 2862440"/>
+                <a:gd name="connsiteY2" fmla="*/ 247986 h 1806068"/>
+                <a:gd name="connsiteX0" fmla="*/ 1494094 w 2567564"/>
+                <a:gd name="connsiteY0" fmla="*/ 357092 h 1915174"/>
+                <a:gd name="connsiteX1" fmla="*/ 1494094 w 2567564"/>
+                <a:gd name="connsiteY1" fmla="*/ 1912104 h 1915174"/>
+                <a:gd name="connsiteX2" fmla="*/ 1494094 w 2567564"/>
+                <a:gd name="connsiteY2" fmla="*/ 357092 h 1915174"/>
+                <a:gd name="connsiteX0" fmla="*/ 1453444 w 2574663"/>
+                <a:gd name="connsiteY0" fmla="*/ 349168 h 1985886"/>
+                <a:gd name="connsiteX1" fmla="*/ 1529695 w 2574663"/>
+                <a:gd name="connsiteY1" fmla="*/ 1982904 h 1985886"/>
+                <a:gd name="connsiteX2" fmla="*/ 1453444 w 2574663"/>
+                <a:gd name="connsiteY2" fmla="*/ 349168 h 1985886"/>
+                <a:gd name="connsiteX0" fmla="*/ 478315 w 1599534"/>
+                <a:gd name="connsiteY0" fmla="*/ 349168 h 1982904"/>
+                <a:gd name="connsiteX1" fmla="*/ 554566 w 1599534"/>
+                <a:gd name="connsiteY1" fmla="*/ 1982904 h 1982904"/>
+                <a:gd name="connsiteX2" fmla="*/ 298 w 1599534"/>
+                <a:gd name="connsiteY2" fmla="*/ 166414 h 1982904"/>
+                <a:gd name="connsiteX3" fmla="*/ 478315 w 1599534"/>
+                <a:gd name="connsiteY3" fmla="*/ 349168 h 1982904"/>
+                <a:gd name="connsiteX0" fmla="*/ 1463983 w 2585202"/>
+                <a:gd name="connsiteY0" fmla="*/ 349168 h 1982904"/>
+                <a:gd name="connsiteX1" fmla="*/ 1540234 w 2585202"/>
+                <a:gd name="connsiteY1" fmla="*/ 1982904 h 1982904"/>
+                <a:gd name="connsiteX2" fmla="*/ 86 w 2585202"/>
+                <a:gd name="connsiteY2" fmla="*/ 805385 h 1982904"/>
+                <a:gd name="connsiteX3" fmla="*/ 1463983 w 2585202"/>
+                <a:gd name="connsiteY3" fmla="*/ 349168 h 1982904"/>
+                <a:gd name="connsiteX0" fmla="*/ 1500902 w 2622121"/>
+                <a:gd name="connsiteY0" fmla="*/ 349168 h 1982904"/>
+                <a:gd name="connsiteX1" fmla="*/ 1577153 w 2622121"/>
+                <a:gd name="connsiteY1" fmla="*/ 1982904 h 1982904"/>
+                <a:gd name="connsiteX2" fmla="*/ 37005 w 2622121"/>
+                <a:gd name="connsiteY2" fmla="*/ 805385 h 1982904"/>
+                <a:gd name="connsiteX3" fmla="*/ 1500902 w 2622121"/>
+                <a:gd name="connsiteY3" fmla="*/ 349168 h 1982904"/>
+                <a:gd name="connsiteX0" fmla="*/ 1343887 w 2567224"/>
+                <a:gd name="connsiteY0" fmla="*/ 334064 h 2128056"/>
+                <a:gd name="connsiteX1" fmla="*/ 1577153 w 2567224"/>
+                <a:gd name="connsiteY1" fmla="*/ 2128056 h 2128056"/>
+                <a:gd name="connsiteX2" fmla="*/ 37005 w 2567224"/>
+                <a:gd name="connsiteY2" fmla="*/ 950537 h 2128056"/>
+                <a:gd name="connsiteX3" fmla="*/ 1343887 w 2567224"/>
+                <a:gd name="connsiteY3" fmla="*/ 334064 h 2128056"/>
+                <a:gd name="connsiteX0" fmla="*/ 1343887 w 2567224"/>
+                <a:gd name="connsiteY0" fmla="*/ 334064 h 2128056"/>
+                <a:gd name="connsiteX1" fmla="*/ 1577153 w 2567224"/>
+                <a:gd name="connsiteY1" fmla="*/ 2128056 h 2128056"/>
+                <a:gd name="connsiteX2" fmla="*/ 37005 w 2567224"/>
+                <a:gd name="connsiteY2" fmla="*/ 950537 h 2128056"/>
+                <a:gd name="connsiteX3" fmla="*/ 1343887 w 2567224"/>
+                <a:gd name="connsiteY3" fmla="*/ 334064 h 2128056"/>
+                <a:gd name="connsiteX0" fmla="*/ 1398062 w 2621399"/>
+                <a:gd name="connsiteY0" fmla="*/ 334064 h 2128056"/>
+                <a:gd name="connsiteX1" fmla="*/ 1631328 w 2621399"/>
+                <a:gd name="connsiteY1" fmla="*/ 2128056 h 2128056"/>
+                <a:gd name="connsiteX2" fmla="*/ 36006 w 2621399"/>
+                <a:gd name="connsiteY2" fmla="*/ 465464 h 2128056"/>
+                <a:gd name="connsiteX3" fmla="*/ 1398062 w 2621399"/>
+                <a:gd name="connsiteY3" fmla="*/ 334064 h 2128056"/>
+                <a:gd name="connsiteX0" fmla="*/ 1398062 w 2621399"/>
+                <a:gd name="connsiteY0" fmla="*/ 334064 h 2128056"/>
+                <a:gd name="connsiteX1" fmla="*/ 1631328 w 2621399"/>
+                <a:gd name="connsiteY1" fmla="*/ 2128056 h 2128056"/>
+                <a:gd name="connsiteX2" fmla="*/ 36006 w 2621399"/>
+                <a:gd name="connsiteY2" fmla="*/ 465464 h 2128056"/>
+                <a:gd name="connsiteX3" fmla="*/ 1398062 w 2621399"/>
+                <a:gd name="connsiteY3" fmla="*/ 334064 h 2128056"/>
+                <a:gd name="connsiteX0" fmla="*/ 1398062 w 2488701"/>
+                <a:gd name="connsiteY0" fmla="*/ 179170 h 1973162"/>
+                <a:gd name="connsiteX1" fmla="*/ 1631328 w 2488701"/>
+                <a:gd name="connsiteY1" fmla="*/ 1973162 h 1973162"/>
+                <a:gd name="connsiteX2" fmla="*/ 36006 w 2488701"/>
+                <a:gd name="connsiteY2" fmla="*/ 310570 h 1973162"/>
+                <a:gd name="connsiteX3" fmla="*/ 1398062 w 2488701"/>
+                <a:gd name="connsiteY3" fmla="*/ 179170 h 1973162"/>
+                <a:gd name="connsiteX0" fmla="*/ 1830446 w 2621323"/>
+                <a:gd name="connsiteY0" fmla="*/ 168723 h 2144566"/>
+                <a:gd name="connsiteX1" fmla="*/ 1631328 w 2621323"/>
+                <a:gd name="connsiteY1" fmla="*/ 2144566 h 2144566"/>
+                <a:gd name="connsiteX2" fmla="*/ 36006 w 2621323"/>
+                <a:gd name="connsiteY2" fmla="*/ 481974 h 2144566"/>
+                <a:gd name="connsiteX3" fmla="*/ 1830446 w 2621323"/>
+                <a:gd name="connsiteY3" fmla="*/ 168723 h 2144566"/>
+                <a:gd name="connsiteX0" fmla="*/ 1830446 w 2562621"/>
+                <a:gd name="connsiteY0" fmla="*/ 174187 h 2150030"/>
+                <a:gd name="connsiteX1" fmla="*/ 1631328 w 2562621"/>
+                <a:gd name="connsiteY1" fmla="*/ 2150030 h 2150030"/>
+                <a:gd name="connsiteX2" fmla="*/ 36006 w 2562621"/>
+                <a:gd name="connsiteY2" fmla="*/ 487438 h 2150030"/>
+                <a:gd name="connsiteX3" fmla="*/ 1830446 w 2562621"/>
+                <a:gd name="connsiteY3" fmla="*/ 174187 h 2150030"/>
+                <a:gd name="connsiteX0" fmla="*/ 1830446 w 2946118"/>
+                <a:gd name="connsiteY0" fmla="*/ 143339 h 2119182"/>
+                <a:gd name="connsiteX1" fmla="*/ 1631328 w 2946118"/>
+                <a:gd name="connsiteY1" fmla="*/ 2119182 h 2119182"/>
+                <a:gd name="connsiteX2" fmla="*/ 36006 w 2946118"/>
+                <a:gd name="connsiteY2" fmla="*/ 456590 h 2119182"/>
+                <a:gd name="connsiteX3" fmla="*/ 1830446 w 2946118"/>
+                <a:gd name="connsiteY3" fmla="*/ 143339 h 2119182"/>
+                <a:gd name="connsiteX0" fmla="*/ 1585362 w 2701034"/>
+                <a:gd name="connsiteY0" fmla="*/ 143339 h 2119182"/>
+                <a:gd name="connsiteX1" fmla="*/ 1386244 w 2701034"/>
+                <a:gd name="connsiteY1" fmla="*/ 2119182 h 2119182"/>
+                <a:gd name="connsiteX2" fmla="*/ 41023 w 2701034"/>
+                <a:gd name="connsiteY2" fmla="*/ 155112 h 2119182"/>
+                <a:gd name="connsiteX3" fmla="*/ 1585362 w 2701034"/>
+                <a:gd name="connsiteY3" fmla="*/ 143339 h 2119182"/>
+                <a:gd name="connsiteX0" fmla="*/ 1708412 w 2824084"/>
+                <a:gd name="connsiteY0" fmla="*/ 143339 h 2119182"/>
+                <a:gd name="connsiteX1" fmla="*/ 1509294 w 2824084"/>
+                <a:gd name="connsiteY1" fmla="*/ 2119182 h 2119182"/>
+                <a:gd name="connsiteX2" fmla="*/ 164073 w 2824084"/>
+                <a:gd name="connsiteY2" fmla="*/ 155112 h 2119182"/>
+                <a:gd name="connsiteX3" fmla="*/ 1708412 w 2824084"/>
+                <a:gd name="connsiteY3" fmla="*/ 143339 h 2119182"/>
+                <a:gd name="connsiteX0" fmla="*/ 1708412 w 2824084"/>
+                <a:gd name="connsiteY0" fmla="*/ 205943 h 2181786"/>
+                <a:gd name="connsiteX1" fmla="*/ 1509294 w 2824084"/>
+                <a:gd name="connsiteY1" fmla="*/ 2181786 h 2181786"/>
+                <a:gd name="connsiteX2" fmla="*/ 164073 w 2824084"/>
+                <a:gd name="connsiteY2" fmla="*/ 217716 h 2181786"/>
+                <a:gd name="connsiteX3" fmla="*/ 1708412 w 2824084"/>
+                <a:gd name="connsiteY3" fmla="*/ 205943 h 2181786"/>
+                <a:gd name="connsiteX0" fmla="*/ 1708412 w 2800950"/>
+                <a:gd name="connsiteY0" fmla="*/ 205943 h 2181786"/>
+                <a:gd name="connsiteX1" fmla="*/ 1509294 w 2800950"/>
+                <a:gd name="connsiteY1" fmla="*/ 2181786 h 2181786"/>
+                <a:gd name="connsiteX2" fmla="*/ 164073 w 2800950"/>
+                <a:gd name="connsiteY2" fmla="*/ 217716 h 2181786"/>
+                <a:gd name="connsiteX3" fmla="*/ 1708412 w 2800950"/>
+                <a:gd name="connsiteY3" fmla="*/ 205943 h 2181786"/>
+                <a:gd name="connsiteX0" fmla="*/ 1753893 w 2846431"/>
+                <a:gd name="connsiteY0" fmla="*/ 205943 h 2181786"/>
+                <a:gd name="connsiteX1" fmla="*/ 1554775 w 2846431"/>
+                <a:gd name="connsiteY1" fmla="*/ 2181786 h 2181786"/>
+                <a:gd name="connsiteX2" fmla="*/ 209554 w 2846431"/>
+                <a:gd name="connsiteY2" fmla="*/ 217716 h 2181786"/>
+                <a:gd name="connsiteX3" fmla="*/ 1753893 w 2846431"/>
+                <a:gd name="connsiteY3" fmla="*/ 205943 h 2181786"/>
+              </a:gdLst>
+              <a:ahLst/>
+              <a:cxnLst>
+                <a:cxn ang="0">
+                  <a:pos x="connsiteX0" y="connsiteY0"/>
+                </a:cxn>
+                <a:cxn ang="0">
+                  <a:pos x="connsiteX1" y="connsiteY1"/>
+                </a:cxn>
+                <a:cxn ang="0">
+                  <a:pos x="connsiteX2" y="connsiteY2"/>
+                </a:cxn>
+                <a:cxn ang="0">
+                  <a:pos x="connsiteX3" y="connsiteY3"/>
+                </a:cxn>
+              </a:cxnLst>
+              <a:rect l="l" t="t" r="r" b="b"/>
+              <a:pathLst>
+                <a:path w="2846431" h="2181786">
+                  <a:moveTo>
+                    <a:pt x="1753893" y="205943"/>
+                  </a:moveTo>
+                  <a:cubicBezTo>
+                    <a:pt x="3258232" y="-529083"/>
+                    <a:pt x="3225113" y="2005322"/>
+                    <a:pt x="1554775" y="2181786"/>
+                  </a:cubicBezTo>
+                  <a:cubicBezTo>
+                    <a:pt x="880252" y="2000495"/>
+                    <a:pt x="-531837" y="1460942"/>
+                    <a:pt x="209554" y="217716"/>
+                  </a:cubicBezTo>
+                  <a:cubicBezTo>
+                    <a:pt x="803637" y="-365857"/>
+                    <a:pt x="1569146" y="434242"/>
+                    <a:pt x="1753893" y="205943"/>
+                  </a:cubicBezTo>
+                  <a:close/>
+                </a:path>
+              </a:pathLst>
+            </a:custGeom>
+            <a:solidFill>
+              <a:srgbClr val="FFCC29"/>
+            </a:solidFill>
+            <a:ln>
+              <a:noFill/>
+            </a:ln>
+          </p:spPr>
+          <p:style>
+            <a:lnRef idx="2">
+              <a:schemeClr val="accent1">
+                <a:shade val="50000"/>
+              </a:schemeClr>
+            </a:lnRef>
+            <a:fillRef idx="1">
+              <a:schemeClr val="accent1"/>
+            </a:fillRef>
+            <a:effectRef idx="0">
+              <a:schemeClr val="accent1"/>
+            </a:effectRef>
+            <a:fontRef idx="minor">
+              <a:schemeClr val="lt1"/>
+            </a:fontRef>
+          </p:style>
+          <p:txBody>
+            <a:bodyPr rtlCol="0" anchor="ctr"/>
+            <a:lstStyle/>
+            <a:p>
+              <a:pPr algn="ctr"/>
+              <a:endParaRPr lang="sv-SE" dirty="0"/>
+            </a:p>
+          </p:txBody>
+        </p:sp>
+        <p:sp>
+          <p:nvSpPr>
+            <p:cNvPr id="31" name="Oval 10"/>
+            <p:cNvSpPr/>
+            <p:nvPr/>
+          </p:nvSpPr>
+          <p:spPr>
+            <a:xfrm rot="2188284">
+              <a:off x="6855348" y="4845605"/>
+              <a:ext cx="263964" cy="229987"/>
+            </a:xfrm>
+            <a:custGeom>
+              <a:avLst/>
+              <a:gdLst>
+                <a:gd name="connsiteX0" fmla="*/ 0 w 1978090"/>
+                <a:gd name="connsiteY0" fmla="*/ 730121 h 1460241"/>
+                <a:gd name="connsiteX1" fmla="*/ 989045 w 1978090"/>
+                <a:gd name="connsiteY1" fmla="*/ 0 h 1460241"/>
+                <a:gd name="connsiteX2" fmla="*/ 1978090 w 1978090"/>
+                <a:gd name="connsiteY2" fmla="*/ 730121 h 1460241"/>
+                <a:gd name="connsiteX3" fmla="*/ 989045 w 1978090"/>
+                <a:gd name="connsiteY3" fmla="*/ 1460242 h 1460241"/>
+                <a:gd name="connsiteX4" fmla="*/ 0 w 1978090"/>
+                <a:gd name="connsiteY4" fmla="*/ 730121 h 1460241"/>
+                <a:gd name="connsiteX0" fmla="*/ 3797 w 1981887"/>
+                <a:gd name="connsiteY0" fmla="*/ 873303 h 1603424"/>
+                <a:gd name="connsiteX1" fmla="*/ 763031 w 1981887"/>
+                <a:gd name="connsiteY1" fmla="*/ 0 h 1603424"/>
+                <a:gd name="connsiteX2" fmla="*/ 1981887 w 1981887"/>
+                <a:gd name="connsiteY2" fmla="*/ 873303 h 1603424"/>
+                <a:gd name="connsiteX3" fmla="*/ 992842 w 1981887"/>
+                <a:gd name="connsiteY3" fmla="*/ 1603424 h 1603424"/>
+                <a:gd name="connsiteX4" fmla="*/ 3797 w 1981887"/>
+                <a:gd name="connsiteY4" fmla="*/ 873303 h 1603424"/>
+                <a:gd name="connsiteX0" fmla="*/ 38 w 1978128"/>
+                <a:gd name="connsiteY0" fmla="*/ 873303 h 1723502"/>
+                <a:gd name="connsiteX1" fmla="*/ 759272 w 1978128"/>
+                <a:gd name="connsiteY1" fmla="*/ 0 h 1723502"/>
+                <a:gd name="connsiteX2" fmla="*/ 1978128 w 1978128"/>
+                <a:gd name="connsiteY2" fmla="*/ 873303 h 1723502"/>
+                <a:gd name="connsiteX3" fmla="*/ 740247 w 1978128"/>
+                <a:gd name="connsiteY3" fmla="*/ 1723502 h 1723502"/>
+                <a:gd name="connsiteX4" fmla="*/ 38 w 1978128"/>
+                <a:gd name="connsiteY4" fmla="*/ 873303 h 1723502"/>
+              </a:gdLst>
+              <a:ahLst/>
+              <a:cxnLst>
+                <a:cxn ang="0">
+                  <a:pos x="connsiteX0" y="connsiteY0"/>
+                </a:cxn>
+                <a:cxn ang="0">
+                  <a:pos x="connsiteX1" y="connsiteY1"/>
+                </a:cxn>
+                <a:cxn ang="0">
+                  <a:pos x="connsiteX2" y="connsiteY2"/>
+                </a:cxn>
+                <a:cxn ang="0">
+                  <a:pos x="connsiteX3" y="connsiteY3"/>
+                </a:cxn>
+                <a:cxn ang="0">
+                  <a:pos x="connsiteX4" y="connsiteY4"/>
+                </a:cxn>
+              </a:cxnLst>
+              <a:rect l="l" t="t" r="r" b="b"/>
+              <a:pathLst>
+                <a:path w="1978128" h="1723502">
+                  <a:moveTo>
+                    <a:pt x="38" y="873303"/>
+                  </a:moveTo>
+                  <a:cubicBezTo>
+                    <a:pt x="3209" y="586053"/>
+                    <a:pt x="213038" y="0"/>
+                    <a:pt x="759272" y="0"/>
+                  </a:cubicBezTo>
+                  <a:cubicBezTo>
+                    <a:pt x="1305506" y="0"/>
+                    <a:pt x="1978128" y="470068"/>
+                    <a:pt x="1978128" y="873303"/>
+                  </a:cubicBezTo>
+                  <a:cubicBezTo>
+                    <a:pt x="1978128" y="1276538"/>
+                    <a:pt x="1286481" y="1723502"/>
+                    <a:pt x="740247" y="1723502"/>
+                  </a:cubicBezTo>
+                  <a:cubicBezTo>
+                    <a:pt x="194013" y="1723502"/>
+                    <a:pt x="-3133" y="1160553"/>
+                    <a:pt x="38" y="873303"/>
+                  </a:cubicBezTo>
+                  <a:close/>
+                </a:path>
+              </a:pathLst>
+            </a:custGeom>
+            <a:solidFill>
+              <a:srgbClr val="FF4909"/>
+            </a:solidFill>
+            <a:ln>
+              <a:noFill/>
+            </a:ln>
+          </p:spPr>
+          <p:style>
+            <a:lnRef idx="2">
+              <a:schemeClr val="accent1">
+                <a:shade val="50000"/>
+              </a:schemeClr>
+            </a:lnRef>
+            <a:fillRef idx="1">
+              <a:schemeClr val="accent1"/>
+            </a:fillRef>
+            <a:effectRef idx="0">
+              <a:schemeClr val="accent1"/>
+            </a:effectRef>
+            <a:fontRef idx="minor">
+              <a:schemeClr val="lt1"/>
+            </a:fontRef>
+          </p:style>
+          <p:txBody>
+            <a:bodyPr rtlCol="0" anchor="ctr"/>
+            <a:lstStyle/>
+            <a:p>
+              <a:pPr algn="ctr"/>
+              <a:endParaRPr lang="sv-SE"/>
+            </a:p>
+          </p:txBody>
+        </p:sp>
+        <p:sp>
+          <p:nvSpPr>
+            <p:cNvPr id="32" name="Isosceles Triangle 2"/>
+            <p:cNvSpPr/>
+            <p:nvPr/>
+          </p:nvSpPr>
+          <p:spPr>
+            <a:xfrm rot="10299074">
+              <a:off x="5678113" y="2643593"/>
+              <a:ext cx="294408" cy="268598"/>
+            </a:xfrm>
+            <a:custGeom>
+              <a:avLst/>
+              <a:gdLst>
+                <a:gd name="connsiteX0" fmla="*/ 0 w 1890307"/>
+                <a:gd name="connsiteY0" fmla="*/ 1484362 h 1484362"/>
+                <a:gd name="connsiteX1" fmla="*/ 945154 w 1890307"/>
+                <a:gd name="connsiteY1" fmla="*/ 0 h 1484362"/>
+                <a:gd name="connsiteX2" fmla="*/ 1890307 w 1890307"/>
+                <a:gd name="connsiteY2" fmla="*/ 1484362 h 1484362"/>
+                <a:gd name="connsiteX3" fmla="*/ 0 w 1890307"/>
+                <a:gd name="connsiteY3" fmla="*/ 1484362 h 1484362"/>
+                <a:gd name="connsiteX0" fmla="*/ 0 w 1890307"/>
+                <a:gd name="connsiteY0" fmla="*/ 1473410 h 1473410"/>
+                <a:gd name="connsiteX1" fmla="*/ 925980 w 1890307"/>
+                <a:gd name="connsiteY1" fmla="*/ 0 h 1473410"/>
+                <a:gd name="connsiteX2" fmla="*/ 1890307 w 1890307"/>
+                <a:gd name="connsiteY2" fmla="*/ 1473410 h 1473410"/>
+                <a:gd name="connsiteX3" fmla="*/ 0 w 1890307"/>
+                <a:gd name="connsiteY3" fmla="*/ 1473410 h 1473410"/>
+                <a:gd name="connsiteX0" fmla="*/ 0 w 1890307"/>
+                <a:gd name="connsiteY0" fmla="*/ 1473410 h 1473410"/>
+                <a:gd name="connsiteX1" fmla="*/ 925980 w 1890307"/>
+                <a:gd name="connsiteY1" fmla="*/ 0 h 1473410"/>
+                <a:gd name="connsiteX2" fmla="*/ 1890307 w 1890307"/>
+                <a:gd name="connsiteY2" fmla="*/ 1473410 h 1473410"/>
+                <a:gd name="connsiteX3" fmla="*/ 0 w 1890307"/>
+                <a:gd name="connsiteY3" fmla="*/ 1473410 h 1473410"/>
+                <a:gd name="connsiteX0" fmla="*/ 0 w 1890307"/>
+                <a:gd name="connsiteY0" fmla="*/ 1473410 h 1473410"/>
+                <a:gd name="connsiteX1" fmla="*/ 925980 w 1890307"/>
+                <a:gd name="connsiteY1" fmla="*/ 0 h 1473410"/>
+                <a:gd name="connsiteX2" fmla="*/ 1890307 w 1890307"/>
+                <a:gd name="connsiteY2" fmla="*/ 1473410 h 1473410"/>
+                <a:gd name="connsiteX3" fmla="*/ 0 w 1890307"/>
+                <a:gd name="connsiteY3" fmla="*/ 1473410 h 1473410"/>
+                <a:gd name="connsiteX0" fmla="*/ 9778 w 1900085"/>
+                <a:gd name="connsiteY0" fmla="*/ 1473410 h 1473410"/>
+                <a:gd name="connsiteX1" fmla="*/ 935758 w 1900085"/>
+                <a:gd name="connsiteY1" fmla="*/ 0 h 1473410"/>
+                <a:gd name="connsiteX2" fmla="*/ 1900085 w 1900085"/>
+                <a:gd name="connsiteY2" fmla="*/ 1473410 h 1473410"/>
+                <a:gd name="connsiteX3" fmla="*/ 9778 w 1900085"/>
+                <a:gd name="connsiteY3" fmla="*/ 1473410 h 1473410"/>
+                <a:gd name="connsiteX0" fmla="*/ 9778 w 1900085"/>
+                <a:gd name="connsiteY0" fmla="*/ 1473410 h 1602081"/>
+                <a:gd name="connsiteX1" fmla="*/ 935758 w 1900085"/>
+                <a:gd name="connsiteY1" fmla="*/ 0 h 1602081"/>
+                <a:gd name="connsiteX2" fmla="*/ 1900085 w 1900085"/>
+                <a:gd name="connsiteY2" fmla="*/ 1473410 h 1602081"/>
+                <a:gd name="connsiteX3" fmla="*/ 9778 w 1900085"/>
+                <a:gd name="connsiteY3" fmla="*/ 1473410 h 1602081"/>
+                <a:gd name="connsiteX0" fmla="*/ 9778 w 1900085"/>
+                <a:gd name="connsiteY0" fmla="*/ 1473410 h 1659298"/>
+                <a:gd name="connsiteX1" fmla="*/ 935758 w 1900085"/>
+                <a:gd name="connsiteY1" fmla="*/ 0 h 1659298"/>
+                <a:gd name="connsiteX2" fmla="*/ 1900085 w 1900085"/>
+                <a:gd name="connsiteY2" fmla="*/ 1473410 h 1659298"/>
+                <a:gd name="connsiteX3" fmla="*/ 9778 w 1900085"/>
+                <a:gd name="connsiteY3" fmla="*/ 1473410 h 1659298"/>
+                <a:gd name="connsiteX0" fmla="*/ 9778 w 1900085"/>
+                <a:gd name="connsiteY0" fmla="*/ 1473410 h 1659298"/>
+                <a:gd name="connsiteX1" fmla="*/ 935758 w 1900085"/>
+                <a:gd name="connsiteY1" fmla="*/ 0 h 1659298"/>
+                <a:gd name="connsiteX2" fmla="*/ 1900085 w 1900085"/>
+                <a:gd name="connsiteY2" fmla="*/ 1473410 h 1659298"/>
+                <a:gd name="connsiteX3" fmla="*/ 9778 w 1900085"/>
+                <a:gd name="connsiteY3" fmla="*/ 1473410 h 1659298"/>
+                <a:gd name="connsiteX0" fmla="*/ 11089 w 1901396"/>
+                <a:gd name="connsiteY0" fmla="*/ 1473432 h 1659320"/>
+                <a:gd name="connsiteX1" fmla="*/ 937069 w 1901396"/>
+                <a:gd name="connsiteY1" fmla="*/ 22 h 1659320"/>
+                <a:gd name="connsiteX2" fmla="*/ 1901396 w 1901396"/>
+                <a:gd name="connsiteY2" fmla="*/ 1473432 h 1659320"/>
+                <a:gd name="connsiteX3" fmla="*/ 11089 w 1901396"/>
+                <a:gd name="connsiteY3" fmla="*/ 1473432 h 1659320"/>
+                <a:gd name="connsiteX0" fmla="*/ 11089 w 1901396"/>
+                <a:gd name="connsiteY0" fmla="*/ 1474878 h 1660766"/>
+                <a:gd name="connsiteX1" fmla="*/ 937069 w 1901396"/>
+                <a:gd name="connsiteY1" fmla="*/ 1468 h 1660766"/>
+                <a:gd name="connsiteX2" fmla="*/ 1901396 w 1901396"/>
+                <a:gd name="connsiteY2" fmla="*/ 1474878 h 1660766"/>
+                <a:gd name="connsiteX3" fmla="*/ 11089 w 1901396"/>
+                <a:gd name="connsiteY3" fmla="*/ 1474878 h 1660766"/>
+                <a:gd name="connsiteX0" fmla="*/ 11089 w 1922551"/>
+                <a:gd name="connsiteY0" fmla="*/ 1474339 h 1660227"/>
+                <a:gd name="connsiteX1" fmla="*/ 937069 w 1922551"/>
+                <a:gd name="connsiteY1" fmla="*/ 929 h 1660227"/>
+                <a:gd name="connsiteX2" fmla="*/ 1901396 w 1922551"/>
+                <a:gd name="connsiteY2" fmla="*/ 1474339 h 1660227"/>
+                <a:gd name="connsiteX3" fmla="*/ 11089 w 1922551"/>
+                <a:gd name="connsiteY3" fmla="*/ 1474339 h 1660227"/>
+                <a:gd name="connsiteX0" fmla="*/ 11089 w 1922551"/>
+                <a:gd name="connsiteY0" fmla="*/ 1474339 h 1674829"/>
+                <a:gd name="connsiteX1" fmla="*/ 937069 w 1922551"/>
+                <a:gd name="connsiteY1" fmla="*/ 929 h 1674829"/>
+                <a:gd name="connsiteX2" fmla="*/ 1901396 w 1922551"/>
+                <a:gd name="connsiteY2" fmla="*/ 1474339 h 1674829"/>
+                <a:gd name="connsiteX3" fmla="*/ 11089 w 1922551"/>
+                <a:gd name="connsiteY3" fmla="*/ 1474339 h 1674829"/>
+                <a:gd name="connsiteX0" fmla="*/ 11089 w 1922551"/>
+                <a:gd name="connsiteY0" fmla="*/ 1474339 h 1672820"/>
+                <a:gd name="connsiteX1" fmla="*/ 937069 w 1922551"/>
+                <a:gd name="connsiteY1" fmla="*/ 929 h 1672820"/>
+                <a:gd name="connsiteX2" fmla="*/ 1901396 w 1922551"/>
+                <a:gd name="connsiteY2" fmla="*/ 1474339 h 1672820"/>
+                <a:gd name="connsiteX3" fmla="*/ 11089 w 1922551"/>
+                <a:gd name="connsiteY3" fmla="*/ 1474339 h 1672820"/>
+                <a:gd name="connsiteX0" fmla="*/ 30596 w 1942058"/>
+                <a:gd name="connsiteY0" fmla="*/ 1474339 h 1672820"/>
+                <a:gd name="connsiteX1" fmla="*/ 956576 w 1942058"/>
+                <a:gd name="connsiteY1" fmla="*/ 929 h 1672820"/>
+                <a:gd name="connsiteX2" fmla="*/ 1920903 w 1942058"/>
+                <a:gd name="connsiteY2" fmla="*/ 1474339 h 1672820"/>
+                <a:gd name="connsiteX3" fmla="*/ 30596 w 1942058"/>
+                <a:gd name="connsiteY3" fmla="*/ 1474339 h 1672820"/>
+                <a:gd name="connsiteX0" fmla="*/ 17715 w 1929177"/>
+                <a:gd name="connsiteY0" fmla="*/ 1474339 h 1672820"/>
+                <a:gd name="connsiteX1" fmla="*/ 943695 w 1929177"/>
+                <a:gd name="connsiteY1" fmla="*/ 929 h 1672820"/>
+                <a:gd name="connsiteX2" fmla="*/ 1908022 w 1929177"/>
+                <a:gd name="connsiteY2" fmla="*/ 1474339 h 1672820"/>
+                <a:gd name="connsiteX3" fmla="*/ 17715 w 1929177"/>
+                <a:gd name="connsiteY3" fmla="*/ 1474339 h 1672820"/>
+                <a:gd name="connsiteX0" fmla="*/ 17715 w 1929177"/>
+                <a:gd name="connsiteY0" fmla="*/ 1474339 h 1669905"/>
+                <a:gd name="connsiteX1" fmla="*/ 943695 w 1929177"/>
+                <a:gd name="connsiteY1" fmla="*/ 929 h 1669905"/>
+                <a:gd name="connsiteX2" fmla="*/ 1908022 w 1929177"/>
+                <a:gd name="connsiteY2" fmla="*/ 1474339 h 1669905"/>
+                <a:gd name="connsiteX3" fmla="*/ 17715 w 1929177"/>
+                <a:gd name="connsiteY3" fmla="*/ 1474339 h 1669905"/>
+                <a:gd name="connsiteX0" fmla="*/ 17715 w 1929177"/>
+                <a:gd name="connsiteY0" fmla="*/ 1474339 h 1680508"/>
+                <a:gd name="connsiteX1" fmla="*/ 943695 w 1929177"/>
+                <a:gd name="connsiteY1" fmla="*/ 929 h 1680508"/>
+                <a:gd name="connsiteX2" fmla="*/ 1908022 w 1929177"/>
+                <a:gd name="connsiteY2" fmla="*/ 1474339 h 1680508"/>
+                <a:gd name="connsiteX3" fmla="*/ 17715 w 1929177"/>
+                <a:gd name="connsiteY3" fmla="*/ 1474339 h 1680508"/>
+                <a:gd name="connsiteX0" fmla="*/ 17715 w 1914739"/>
+                <a:gd name="connsiteY0" fmla="*/ 1474493 h 1680662"/>
+                <a:gd name="connsiteX1" fmla="*/ 943695 w 1914739"/>
+                <a:gd name="connsiteY1" fmla="*/ 1083 h 1680662"/>
+                <a:gd name="connsiteX2" fmla="*/ 1908022 w 1914739"/>
+                <a:gd name="connsiteY2" fmla="*/ 1474493 h 1680662"/>
+                <a:gd name="connsiteX3" fmla="*/ 17715 w 1914739"/>
+                <a:gd name="connsiteY3" fmla="*/ 1474493 h 1680662"/>
+                <a:gd name="connsiteX0" fmla="*/ 17715 w 1914739"/>
+                <a:gd name="connsiteY0" fmla="*/ 1474493 h 1744282"/>
+                <a:gd name="connsiteX1" fmla="*/ 943695 w 1914739"/>
+                <a:gd name="connsiteY1" fmla="*/ 1083 h 1744282"/>
+                <a:gd name="connsiteX2" fmla="*/ 1908022 w 1914739"/>
+                <a:gd name="connsiteY2" fmla="*/ 1474493 h 1744282"/>
+                <a:gd name="connsiteX3" fmla="*/ 17715 w 1914739"/>
+                <a:gd name="connsiteY3" fmla="*/ 1474493 h 1744282"/>
+                <a:gd name="connsiteX0" fmla="*/ 17715 w 1912352"/>
+                <a:gd name="connsiteY0" fmla="*/ 1474914 h 1744703"/>
+                <a:gd name="connsiteX1" fmla="*/ 943695 w 1912352"/>
+                <a:gd name="connsiteY1" fmla="*/ 1504 h 1744703"/>
+                <a:gd name="connsiteX2" fmla="*/ 1908022 w 1912352"/>
+                <a:gd name="connsiteY2" fmla="*/ 1474914 h 1744703"/>
+                <a:gd name="connsiteX3" fmla="*/ 17715 w 1912352"/>
+                <a:gd name="connsiteY3" fmla="*/ 1474914 h 1744703"/>
+              </a:gdLst>
+              <a:ahLst/>
+              <a:cxnLst>
+                <a:cxn ang="0">
+                  <a:pos x="connsiteX0" y="connsiteY0"/>
+                </a:cxn>
+                <a:cxn ang="0">
+                  <a:pos x="connsiteX1" y="connsiteY1"/>
+                </a:cxn>
+                <a:cxn ang="0">
+                  <a:pos x="connsiteX2" y="connsiteY2"/>
+                </a:cxn>
+                <a:cxn ang="0">
+                  <a:pos x="connsiteX3" y="connsiteY3"/>
+                </a:cxn>
+              </a:cxnLst>
+              <a:rect l="l" t="t" r="r" b="b"/>
+              <a:pathLst>
+                <a:path w="1912352" h="1744703">
+                  <a:moveTo>
+                    <a:pt x="17715" y="1474914"/>
+                  </a:moveTo>
+                  <a:cubicBezTo>
+                    <a:pt x="-110838" y="1144062"/>
+                    <a:pt x="487133" y="-4257"/>
+                    <a:pt x="943695" y="1504"/>
+                  </a:cubicBezTo>
+                  <a:cubicBezTo>
+                    <a:pt x="1323225" y="-41240"/>
+                    <a:pt x="1971445" y="836011"/>
+                    <a:pt x="1908022" y="1474914"/>
+                  </a:cubicBezTo>
+                  <a:cubicBezTo>
+                    <a:pt x="1777749" y="1909028"/>
+                    <a:pt x="206144" y="1751742"/>
+                    <a:pt x="17715" y="1474914"/>
+                  </a:cubicBezTo>
+                  <a:close/>
+                </a:path>
+              </a:pathLst>
+            </a:custGeom>
+            <a:solidFill>
+              <a:srgbClr val="1D9F58"/>
+            </a:solidFill>
+            <a:ln>
+              <a:noFill/>
+            </a:ln>
+          </p:spPr>
+          <p:style>
+            <a:lnRef idx="2">
+              <a:schemeClr val="accent1">
+                <a:shade val="50000"/>
+              </a:schemeClr>
+            </a:lnRef>
+            <a:fillRef idx="1">
+              <a:schemeClr val="accent1"/>
+            </a:fillRef>
+            <a:effectRef idx="0">
+              <a:schemeClr val="accent1"/>
+            </a:effectRef>
+            <a:fontRef idx="minor">
+              <a:schemeClr val="lt1"/>
+            </a:fontRef>
+          </p:style>
+          <p:txBody>
+            <a:bodyPr rtlCol="0" anchor="ctr"/>
+            <a:lstStyle/>
+            <a:p>
+              <a:pPr algn="ctr"/>
+              <a:endParaRPr lang="sv-SE"/>
+            </a:p>
+          </p:txBody>
+        </p:sp>
+        <p:sp>
+          <p:nvSpPr>
+            <p:cNvPr id="33" name="Isosceles Triangle 2"/>
+            <p:cNvSpPr/>
+            <p:nvPr/>
+          </p:nvSpPr>
+          <p:spPr>
+            <a:xfrm rot="10299074">
+              <a:off x="7286204" y="4961906"/>
+              <a:ext cx="294408" cy="268598"/>
+            </a:xfrm>
+            <a:custGeom>
+              <a:avLst/>
+              <a:gdLst>
+                <a:gd name="connsiteX0" fmla="*/ 0 w 1890307"/>
+                <a:gd name="connsiteY0" fmla="*/ 1484362 h 1484362"/>
+                <a:gd name="connsiteX1" fmla="*/ 945154 w 1890307"/>
+                <a:gd name="connsiteY1" fmla="*/ 0 h 1484362"/>
+                <a:gd name="connsiteX2" fmla="*/ 1890307 w 1890307"/>
+                <a:gd name="connsiteY2" fmla="*/ 1484362 h 1484362"/>
+                <a:gd name="connsiteX3" fmla="*/ 0 w 1890307"/>
+                <a:gd name="connsiteY3" fmla="*/ 1484362 h 1484362"/>
+                <a:gd name="connsiteX0" fmla="*/ 0 w 1890307"/>
+                <a:gd name="connsiteY0" fmla="*/ 1473410 h 1473410"/>
+                <a:gd name="connsiteX1" fmla="*/ 925980 w 1890307"/>
+                <a:gd name="connsiteY1" fmla="*/ 0 h 1473410"/>
+                <a:gd name="connsiteX2" fmla="*/ 1890307 w 1890307"/>
+                <a:gd name="connsiteY2" fmla="*/ 1473410 h 1473410"/>
+                <a:gd name="connsiteX3" fmla="*/ 0 w 1890307"/>
+                <a:gd name="connsiteY3" fmla="*/ 1473410 h 1473410"/>
+                <a:gd name="connsiteX0" fmla="*/ 0 w 1890307"/>
+                <a:gd name="connsiteY0" fmla="*/ 1473410 h 1473410"/>
+                <a:gd name="connsiteX1" fmla="*/ 925980 w 1890307"/>
+                <a:gd name="connsiteY1" fmla="*/ 0 h 1473410"/>
+                <a:gd name="connsiteX2" fmla="*/ 1890307 w 1890307"/>
+                <a:gd name="connsiteY2" fmla="*/ 1473410 h 1473410"/>
+                <a:gd name="connsiteX3" fmla="*/ 0 w 1890307"/>
+                <a:gd name="connsiteY3" fmla="*/ 1473410 h 1473410"/>
+                <a:gd name="connsiteX0" fmla="*/ 0 w 1890307"/>
+                <a:gd name="connsiteY0" fmla="*/ 1473410 h 1473410"/>
+                <a:gd name="connsiteX1" fmla="*/ 925980 w 1890307"/>
+                <a:gd name="connsiteY1" fmla="*/ 0 h 1473410"/>
+                <a:gd name="connsiteX2" fmla="*/ 1890307 w 1890307"/>
+                <a:gd name="connsiteY2" fmla="*/ 1473410 h 1473410"/>
+                <a:gd name="connsiteX3" fmla="*/ 0 w 1890307"/>
+                <a:gd name="connsiteY3" fmla="*/ 1473410 h 1473410"/>
+                <a:gd name="connsiteX0" fmla="*/ 9778 w 1900085"/>
+                <a:gd name="connsiteY0" fmla="*/ 1473410 h 1473410"/>
+                <a:gd name="connsiteX1" fmla="*/ 935758 w 1900085"/>
+                <a:gd name="connsiteY1" fmla="*/ 0 h 1473410"/>
+                <a:gd name="connsiteX2" fmla="*/ 1900085 w 1900085"/>
+                <a:gd name="connsiteY2" fmla="*/ 1473410 h 1473410"/>
+                <a:gd name="connsiteX3" fmla="*/ 9778 w 1900085"/>
+                <a:gd name="connsiteY3" fmla="*/ 1473410 h 1473410"/>
+                <a:gd name="connsiteX0" fmla="*/ 9778 w 1900085"/>
+                <a:gd name="connsiteY0" fmla="*/ 1473410 h 1602081"/>
+                <a:gd name="connsiteX1" fmla="*/ 935758 w 1900085"/>
+                <a:gd name="connsiteY1" fmla="*/ 0 h 1602081"/>
+                <a:gd name="connsiteX2" fmla="*/ 1900085 w 1900085"/>
+                <a:gd name="connsiteY2" fmla="*/ 1473410 h 1602081"/>
+                <a:gd name="connsiteX3" fmla="*/ 9778 w 1900085"/>
+                <a:gd name="connsiteY3" fmla="*/ 1473410 h 1602081"/>
+                <a:gd name="connsiteX0" fmla="*/ 9778 w 1900085"/>
+                <a:gd name="connsiteY0" fmla="*/ 1473410 h 1659298"/>
+                <a:gd name="connsiteX1" fmla="*/ 935758 w 1900085"/>
+                <a:gd name="connsiteY1" fmla="*/ 0 h 1659298"/>
+                <a:gd name="connsiteX2" fmla="*/ 1900085 w 1900085"/>
+                <a:gd name="connsiteY2" fmla="*/ 1473410 h 1659298"/>
+                <a:gd name="connsiteX3" fmla="*/ 9778 w 1900085"/>
+                <a:gd name="connsiteY3" fmla="*/ 1473410 h 1659298"/>
+                <a:gd name="connsiteX0" fmla="*/ 9778 w 1900085"/>
+                <a:gd name="connsiteY0" fmla="*/ 1473410 h 1659298"/>
+                <a:gd name="connsiteX1" fmla="*/ 935758 w 1900085"/>
+                <a:gd name="connsiteY1" fmla="*/ 0 h 1659298"/>
+                <a:gd name="connsiteX2" fmla="*/ 1900085 w 1900085"/>
+                <a:gd name="connsiteY2" fmla="*/ 1473410 h 1659298"/>
+                <a:gd name="connsiteX3" fmla="*/ 9778 w 1900085"/>
+                <a:gd name="connsiteY3" fmla="*/ 1473410 h 1659298"/>
+                <a:gd name="connsiteX0" fmla="*/ 11089 w 1901396"/>
+                <a:gd name="connsiteY0" fmla="*/ 1473432 h 1659320"/>
+                <a:gd name="connsiteX1" fmla="*/ 937069 w 1901396"/>
+                <a:gd name="connsiteY1" fmla="*/ 22 h 1659320"/>
+                <a:gd name="connsiteX2" fmla="*/ 1901396 w 1901396"/>
+                <a:gd name="connsiteY2" fmla="*/ 1473432 h 1659320"/>
+                <a:gd name="connsiteX3" fmla="*/ 11089 w 1901396"/>
+                <a:gd name="connsiteY3" fmla="*/ 1473432 h 1659320"/>
+                <a:gd name="connsiteX0" fmla="*/ 11089 w 1901396"/>
+                <a:gd name="connsiteY0" fmla="*/ 1474878 h 1660766"/>
+                <a:gd name="connsiteX1" fmla="*/ 937069 w 1901396"/>
+                <a:gd name="connsiteY1" fmla="*/ 1468 h 1660766"/>
+                <a:gd name="connsiteX2" fmla="*/ 1901396 w 1901396"/>
+                <a:gd name="connsiteY2" fmla="*/ 1474878 h 1660766"/>
+                <a:gd name="connsiteX3" fmla="*/ 11089 w 1901396"/>
+                <a:gd name="connsiteY3" fmla="*/ 1474878 h 1660766"/>
+                <a:gd name="connsiteX0" fmla="*/ 11089 w 1922551"/>
+                <a:gd name="connsiteY0" fmla="*/ 1474339 h 1660227"/>
+                <a:gd name="connsiteX1" fmla="*/ 937069 w 1922551"/>
+                <a:gd name="connsiteY1" fmla="*/ 929 h 1660227"/>
+                <a:gd name="connsiteX2" fmla="*/ 1901396 w 1922551"/>
+                <a:gd name="connsiteY2" fmla="*/ 1474339 h 1660227"/>
+                <a:gd name="connsiteX3" fmla="*/ 11089 w 1922551"/>
+                <a:gd name="connsiteY3" fmla="*/ 1474339 h 1660227"/>
+                <a:gd name="connsiteX0" fmla="*/ 11089 w 1922551"/>
+                <a:gd name="connsiteY0" fmla="*/ 1474339 h 1674829"/>
+                <a:gd name="connsiteX1" fmla="*/ 937069 w 1922551"/>
+                <a:gd name="connsiteY1" fmla="*/ 929 h 1674829"/>
+                <a:gd name="connsiteX2" fmla="*/ 1901396 w 1922551"/>
+                <a:gd name="connsiteY2" fmla="*/ 1474339 h 1674829"/>
+                <a:gd name="connsiteX3" fmla="*/ 11089 w 1922551"/>
+                <a:gd name="connsiteY3" fmla="*/ 1474339 h 1674829"/>
+                <a:gd name="connsiteX0" fmla="*/ 11089 w 1922551"/>
+                <a:gd name="connsiteY0" fmla="*/ 1474339 h 1672820"/>
+                <a:gd name="connsiteX1" fmla="*/ 937069 w 1922551"/>
+                <a:gd name="connsiteY1" fmla="*/ 929 h 1672820"/>
+                <a:gd name="connsiteX2" fmla="*/ 1901396 w 1922551"/>
+                <a:gd name="connsiteY2" fmla="*/ 1474339 h 1672820"/>
+                <a:gd name="connsiteX3" fmla="*/ 11089 w 1922551"/>
+                <a:gd name="connsiteY3" fmla="*/ 1474339 h 1672820"/>
+                <a:gd name="connsiteX0" fmla="*/ 30596 w 1942058"/>
+                <a:gd name="connsiteY0" fmla="*/ 1474339 h 1672820"/>
+                <a:gd name="connsiteX1" fmla="*/ 956576 w 1942058"/>
+                <a:gd name="connsiteY1" fmla="*/ 929 h 1672820"/>
+                <a:gd name="connsiteX2" fmla="*/ 1920903 w 1942058"/>
+                <a:gd name="connsiteY2" fmla="*/ 1474339 h 1672820"/>
+                <a:gd name="connsiteX3" fmla="*/ 30596 w 1942058"/>
+                <a:gd name="connsiteY3" fmla="*/ 1474339 h 1672820"/>
+                <a:gd name="connsiteX0" fmla="*/ 17715 w 1929177"/>
+                <a:gd name="connsiteY0" fmla="*/ 1474339 h 1672820"/>
+                <a:gd name="connsiteX1" fmla="*/ 943695 w 1929177"/>
+                <a:gd name="connsiteY1" fmla="*/ 929 h 1672820"/>
+                <a:gd name="connsiteX2" fmla="*/ 1908022 w 1929177"/>
+                <a:gd name="connsiteY2" fmla="*/ 1474339 h 1672820"/>
+                <a:gd name="connsiteX3" fmla="*/ 17715 w 1929177"/>
+                <a:gd name="connsiteY3" fmla="*/ 1474339 h 1672820"/>
+                <a:gd name="connsiteX0" fmla="*/ 17715 w 1929177"/>
+                <a:gd name="connsiteY0" fmla="*/ 1474339 h 1669905"/>
+                <a:gd name="connsiteX1" fmla="*/ 943695 w 1929177"/>
+                <a:gd name="connsiteY1" fmla="*/ 929 h 1669905"/>
+                <a:gd name="connsiteX2" fmla="*/ 1908022 w 1929177"/>
+                <a:gd name="connsiteY2" fmla="*/ 1474339 h 1669905"/>
+                <a:gd name="connsiteX3" fmla="*/ 17715 w 1929177"/>
+                <a:gd name="connsiteY3" fmla="*/ 1474339 h 1669905"/>
+                <a:gd name="connsiteX0" fmla="*/ 17715 w 1929177"/>
+                <a:gd name="connsiteY0" fmla="*/ 1474339 h 1680508"/>
+                <a:gd name="connsiteX1" fmla="*/ 943695 w 1929177"/>
+                <a:gd name="connsiteY1" fmla="*/ 929 h 1680508"/>
+                <a:gd name="connsiteX2" fmla="*/ 1908022 w 1929177"/>
+                <a:gd name="connsiteY2" fmla="*/ 1474339 h 1680508"/>
+                <a:gd name="connsiteX3" fmla="*/ 17715 w 1929177"/>
+                <a:gd name="connsiteY3" fmla="*/ 1474339 h 1680508"/>
+                <a:gd name="connsiteX0" fmla="*/ 17715 w 1914739"/>
+                <a:gd name="connsiteY0" fmla="*/ 1474493 h 1680662"/>
+                <a:gd name="connsiteX1" fmla="*/ 943695 w 1914739"/>
+                <a:gd name="connsiteY1" fmla="*/ 1083 h 1680662"/>
+                <a:gd name="connsiteX2" fmla="*/ 1908022 w 1914739"/>
+                <a:gd name="connsiteY2" fmla="*/ 1474493 h 1680662"/>
+                <a:gd name="connsiteX3" fmla="*/ 17715 w 1914739"/>
+                <a:gd name="connsiteY3" fmla="*/ 1474493 h 1680662"/>
+                <a:gd name="connsiteX0" fmla="*/ 17715 w 1914739"/>
+                <a:gd name="connsiteY0" fmla="*/ 1474493 h 1744282"/>
+                <a:gd name="connsiteX1" fmla="*/ 943695 w 1914739"/>
+                <a:gd name="connsiteY1" fmla="*/ 1083 h 1744282"/>
+                <a:gd name="connsiteX2" fmla="*/ 1908022 w 1914739"/>
+                <a:gd name="connsiteY2" fmla="*/ 1474493 h 1744282"/>
+                <a:gd name="connsiteX3" fmla="*/ 17715 w 1914739"/>
+                <a:gd name="connsiteY3" fmla="*/ 1474493 h 1744282"/>
+                <a:gd name="connsiteX0" fmla="*/ 17715 w 1912352"/>
+                <a:gd name="connsiteY0" fmla="*/ 1474914 h 1744703"/>
+                <a:gd name="connsiteX1" fmla="*/ 943695 w 1912352"/>
+                <a:gd name="connsiteY1" fmla="*/ 1504 h 1744703"/>
+                <a:gd name="connsiteX2" fmla="*/ 1908022 w 1912352"/>
+                <a:gd name="connsiteY2" fmla="*/ 1474914 h 1744703"/>
+                <a:gd name="connsiteX3" fmla="*/ 17715 w 1912352"/>
+                <a:gd name="connsiteY3" fmla="*/ 1474914 h 1744703"/>
+              </a:gdLst>
+              <a:ahLst/>
+              <a:cxnLst>
+                <a:cxn ang="0">
+                  <a:pos x="connsiteX0" y="connsiteY0"/>
+                </a:cxn>
+                <a:cxn ang="0">
+                  <a:pos x="connsiteX1" y="connsiteY1"/>
+                </a:cxn>
+                <a:cxn ang="0">
+                  <a:pos x="connsiteX2" y="connsiteY2"/>
+                </a:cxn>
+                <a:cxn ang="0">
+                  <a:pos x="connsiteX3" y="connsiteY3"/>
+                </a:cxn>
+              </a:cxnLst>
+              <a:rect l="l" t="t" r="r" b="b"/>
+              <a:pathLst>
+                <a:path w="1912352" h="1744703">
+                  <a:moveTo>
+                    <a:pt x="17715" y="1474914"/>
+                  </a:moveTo>
+                  <a:cubicBezTo>
+                    <a:pt x="-110838" y="1144062"/>
+                    <a:pt x="487133" y="-4257"/>
+                    <a:pt x="943695" y="1504"/>
+                  </a:cubicBezTo>
+                  <a:cubicBezTo>
+                    <a:pt x="1323225" y="-41240"/>
+                    <a:pt x="1971445" y="836011"/>
+                    <a:pt x="1908022" y="1474914"/>
+                  </a:cubicBezTo>
+                  <a:cubicBezTo>
+                    <a:pt x="1777749" y="1909028"/>
+                    <a:pt x="206144" y="1751742"/>
+                    <a:pt x="17715" y="1474914"/>
+                  </a:cubicBezTo>
+                  <a:close/>
+                </a:path>
+              </a:pathLst>
+            </a:custGeom>
+            <a:solidFill>
+              <a:srgbClr val="9B00D2"/>
+            </a:solidFill>
+            <a:ln>
+              <a:noFill/>
+            </a:ln>
+          </p:spPr>
+          <p:style>
+            <a:lnRef idx="2">
+              <a:schemeClr val="accent1">
+                <a:shade val="50000"/>
+              </a:schemeClr>
+            </a:lnRef>
+            <a:fillRef idx="1">
+              <a:schemeClr val="accent1"/>
+            </a:fillRef>
+            <a:effectRef idx="0">
+              <a:schemeClr val="accent1"/>
+            </a:effectRef>
+            <a:fontRef idx="minor">
+              <a:schemeClr val="lt1"/>
+            </a:fontRef>
+          </p:style>
+          <p:txBody>
+            <a:bodyPr rtlCol="0" anchor="ctr"/>
+            <a:lstStyle/>
+            <a:p>
+              <a:pPr algn="ctr"/>
+              <a:endParaRPr lang="sv-SE"/>
+            </a:p>
+          </p:txBody>
+        </p:sp>
+        <p:sp>
+          <p:nvSpPr>
+            <p:cNvPr id="34" name="Isosceles Triangle 2"/>
+            <p:cNvSpPr/>
+            <p:nvPr/>
+          </p:nvSpPr>
+          <p:spPr>
+            <a:xfrm rot="10299074">
+              <a:off x="6237342" y="1795642"/>
+              <a:ext cx="294408" cy="268598"/>
+            </a:xfrm>
+            <a:custGeom>
+              <a:avLst/>
+              <a:gdLst>
+                <a:gd name="connsiteX0" fmla="*/ 0 w 1890307"/>
+                <a:gd name="connsiteY0" fmla="*/ 1484362 h 1484362"/>
+                <a:gd name="connsiteX1" fmla="*/ 945154 w 1890307"/>
+                <a:gd name="connsiteY1" fmla="*/ 0 h 1484362"/>
+                <a:gd name="connsiteX2" fmla="*/ 1890307 w 1890307"/>
+                <a:gd name="connsiteY2" fmla="*/ 1484362 h 1484362"/>
+                <a:gd name="connsiteX3" fmla="*/ 0 w 1890307"/>
+                <a:gd name="connsiteY3" fmla="*/ 1484362 h 1484362"/>
+                <a:gd name="connsiteX0" fmla="*/ 0 w 1890307"/>
+                <a:gd name="connsiteY0" fmla="*/ 1473410 h 1473410"/>
+                <a:gd name="connsiteX1" fmla="*/ 925980 w 1890307"/>
+                <a:gd name="connsiteY1" fmla="*/ 0 h 1473410"/>
+                <a:gd name="connsiteX2" fmla="*/ 1890307 w 1890307"/>
+                <a:gd name="connsiteY2" fmla="*/ 1473410 h 1473410"/>
+                <a:gd name="connsiteX3" fmla="*/ 0 w 1890307"/>
+                <a:gd name="connsiteY3" fmla="*/ 1473410 h 1473410"/>
+                <a:gd name="connsiteX0" fmla="*/ 0 w 1890307"/>
+                <a:gd name="connsiteY0" fmla="*/ 1473410 h 1473410"/>
+                <a:gd name="connsiteX1" fmla="*/ 925980 w 1890307"/>
+                <a:gd name="connsiteY1" fmla="*/ 0 h 1473410"/>
+                <a:gd name="connsiteX2" fmla="*/ 1890307 w 1890307"/>
+                <a:gd name="connsiteY2" fmla="*/ 1473410 h 1473410"/>
+                <a:gd name="connsiteX3" fmla="*/ 0 w 1890307"/>
+                <a:gd name="connsiteY3" fmla="*/ 1473410 h 1473410"/>
+                <a:gd name="connsiteX0" fmla="*/ 0 w 1890307"/>
+                <a:gd name="connsiteY0" fmla="*/ 1473410 h 1473410"/>
+                <a:gd name="connsiteX1" fmla="*/ 925980 w 1890307"/>
+                <a:gd name="connsiteY1" fmla="*/ 0 h 1473410"/>
+                <a:gd name="connsiteX2" fmla="*/ 1890307 w 1890307"/>
+                <a:gd name="connsiteY2" fmla="*/ 1473410 h 1473410"/>
+                <a:gd name="connsiteX3" fmla="*/ 0 w 1890307"/>
+                <a:gd name="connsiteY3" fmla="*/ 1473410 h 1473410"/>
+                <a:gd name="connsiteX0" fmla="*/ 9778 w 1900085"/>
+                <a:gd name="connsiteY0" fmla="*/ 1473410 h 1473410"/>
+                <a:gd name="connsiteX1" fmla="*/ 935758 w 1900085"/>
+                <a:gd name="connsiteY1" fmla="*/ 0 h 1473410"/>
+                <a:gd name="connsiteX2" fmla="*/ 1900085 w 1900085"/>
+                <a:gd name="connsiteY2" fmla="*/ 1473410 h 1473410"/>
+                <a:gd name="connsiteX3" fmla="*/ 9778 w 1900085"/>
+                <a:gd name="connsiteY3" fmla="*/ 1473410 h 1473410"/>
+                <a:gd name="connsiteX0" fmla="*/ 9778 w 1900085"/>
+                <a:gd name="connsiteY0" fmla="*/ 1473410 h 1602081"/>
+                <a:gd name="connsiteX1" fmla="*/ 935758 w 1900085"/>
+                <a:gd name="connsiteY1" fmla="*/ 0 h 1602081"/>
+                <a:gd name="connsiteX2" fmla="*/ 1900085 w 1900085"/>
+                <a:gd name="connsiteY2" fmla="*/ 1473410 h 1602081"/>
+                <a:gd name="connsiteX3" fmla="*/ 9778 w 1900085"/>
+                <a:gd name="connsiteY3" fmla="*/ 1473410 h 1602081"/>
+                <a:gd name="connsiteX0" fmla="*/ 9778 w 1900085"/>
+                <a:gd name="connsiteY0" fmla="*/ 1473410 h 1659298"/>
+                <a:gd name="connsiteX1" fmla="*/ 935758 w 1900085"/>
+                <a:gd name="connsiteY1" fmla="*/ 0 h 1659298"/>
+                <a:gd name="connsiteX2" fmla="*/ 1900085 w 1900085"/>
+                <a:gd name="connsiteY2" fmla="*/ 1473410 h 1659298"/>
+                <a:gd name="connsiteX3" fmla="*/ 9778 w 1900085"/>
+                <a:gd name="connsiteY3" fmla="*/ 1473410 h 1659298"/>
+                <a:gd name="connsiteX0" fmla="*/ 9778 w 1900085"/>
+                <a:gd name="connsiteY0" fmla="*/ 1473410 h 1659298"/>
+                <a:gd name="connsiteX1" fmla="*/ 935758 w 1900085"/>
+                <a:gd name="connsiteY1" fmla="*/ 0 h 1659298"/>
+                <a:gd name="connsiteX2" fmla="*/ 1900085 w 1900085"/>
+                <a:gd name="connsiteY2" fmla="*/ 1473410 h 1659298"/>
+                <a:gd name="connsiteX3" fmla="*/ 9778 w 1900085"/>
+                <a:gd name="connsiteY3" fmla="*/ 1473410 h 1659298"/>
+                <a:gd name="connsiteX0" fmla="*/ 11089 w 1901396"/>
+                <a:gd name="connsiteY0" fmla="*/ 1473432 h 1659320"/>
+                <a:gd name="connsiteX1" fmla="*/ 937069 w 1901396"/>
+                <a:gd name="connsiteY1" fmla="*/ 22 h 1659320"/>
+                <a:gd name="connsiteX2" fmla="*/ 1901396 w 1901396"/>
+                <a:gd name="connsiteY2" fmla="*/ 1473432 h 1659320"/>
+                <a:gd name="connsiteX3" fmla="*/ 11089 w 1901396"/>
+                <a:gd name="connsiteY3" fmla="*/ 1473432 h 1659320"/>
+                <a:gd name="connsiteX0" fmla="*/ 11089 w 1901396"/>
+                <a:gd name="connsiteY0" fmla="*/ 1474878 h 1660766"/>
+                <a:gd name="connsiteX1" fmla="*/ 937069 w 1901396"/>
+                <a:gd name="connsiteY1" fmla="*/ 1468 h 1660766"/>
+                <a:gd name="connsiteX2" fmla="*/ 1901396 w 1901396"/>
+                <a:gd name="connsiteY2" fmla="*/ 1474878 h 1660766"/>
+                <a:gd name="connsiteX3" fmla="*/ 11089 w 1901396"/>
+                <a:gd name="connsiteY3" fmla="*/ 1474878 h 1660766"/>
+                <a:gd name="connsiteX0" fmla="*/ 11089 w 1922551"/>
+                <a:gd name="connsiteY0" fmla="*/ 1474339 h 1660227"/>
+                <a:gd name="connsiteX1" fmla="*/ 937069 w 1922551"/>
+                <a:gd name="connsiteY1" fmla="*/ 929 h 1660227"/>
+                <a:gd name="connsiteX2" fmla="*/ 1901396 w 1922551"/>
+                <a:gd name="connsiteY2" fmla="*/ 1474339 h 1660227"/>
+                <a:gd name="connsiteX3" fmla="*/ 11089 w 1922551"/>
+                <a:gd name="connsiteY3" fmla="*/ 1474339 h 1660227"/>
+                <a:gd name="connsiteX0" fmla="*/ 11089 w 1922551"/>
+                <a:gd name="connsiteY0" fmla="*/ 1474339 h 1674829"/>
+                <a:gd name="connsiteX1" fmla="*/ 937069 w 1922551"/>
+                <a:gd name="connsiteY1" fmla="*/ 929 h 1674829"/>
+                <a:gd name="connsiteX2" fmla="*/ 1901396 w 1922551"/>
+                <a:gd name="connsiteY2" fmla="*/ 1474339 h 1674829"/>
+                <a:gd name="connsiteX3" fmla="*/ 11089 w 1922551"/>
+                <a:gd name="connsiteY3" fmla="*/ 1474339 h 1674829"/>
+                <a:gd name="connsiteX0" fmla="*/ 11089 w 1922551"/>
+                <a:gd name="connsiteY0" fmla="*/ 1474339 h 1672820"/>
+                <a:gd name="connsiteX1" fmla="*/ 937069 w 1922551"/>
+                <a:gd name="connsiteY1" fmla="*/ 929 h 1672820"/>
+                <a:gd name="connsiteX2" fmla="*/ 1901396 w 1922551"/>
+                <a:gd name="connsiteY2" fmla="*/ 1474339 h 1672820"/>
+                <a:gd name="connsiteX3" fmla="*/ 11089 w 1922551"/>
+                <a:gd name="connsiteY3" fmla="*/ 1474339 h 1672820"/>
+                <a:gd name="connsiteX0" fmla="*/ 30596 w 1942058"/>
+                <a:gd name="connsiteY0" fmla="*/ 1474339 h 1672820"/>
+                <a:gd name="connsiteX1" fmla="*/ 956576 w 1942058"/>
+                <a:gd name="connsiteY1" fmla="*/ 929 h 1672820"/>
+                <a:gd name="connsiteX2" fmla="*/ 1920903 w 1942058"/>
+                <a:gd name="connsiteY2" fmla="*/ 1474339 h 1672820"/>
+                <a:gd name="connsiteX3" fmla="*/ 30596 w 1942058"/>
+                <a:gd name="connsiteY3" fmla="*/ 1474339 h 1672820"/>
+                <a:gd name="connsiteX0" fmla="*/ 17715 w 1929177"/>
+                <a:gd name="connsiteY0" fmla="*/ 1474339 h 1672820"/>
+                <a:gd name="connsiteX1" fmla="*/ 943695 w 1929177"/>
+                <a:gd name="connsiteY1" fmla="*/ 929 h 1672820"/>
+                <a:gd name="connsiteX2" fmla="*/ 1908022 w 1929177"/>
+                <a:gd name="connsiteY2" fmla="*/ 1474339 h 1672820"/>
+                <a:gd name="connsiteX3" fmla="*/ 17715 w 1929177"/>
+                <a:gd name="connsiteY3" fmla="*/ 1474339 h 1672820"/>
+                <a:gd name="connsiteX0" fmla="*/ 17715 w 1929177"/>
+                <a:gd name="connsiteY0" fmla="*/ 1474339 h 1669905"/>
+                <a:gd name="connsiteX1" fmla="*/ 943695 w 1929177"/>
+                <a:gd name="connsiteY1" fmla="*/ 929 h 1669905"/>
+                <a:gd name="connsiteX2" fmla="*/ 1908022 w 1929177"/>
+                <a:gd name="connsiteY2" fmla="*/ 1474339 h 1669905"/>
+                <a:gd name="connsiteX3" fmla="*/ 17715 w 1929177"/>
+                <a:gd name="connsiteY3" fmla="*/ 1474339 h 1669905"/>
+                <a:gd name="connsiteX0" fmla="*/ 17715 w 1929177"/>
+                <a:gd name="connsiteY0" fmla="*/ 1474339 h 1680508"/>
+                <a:gd name="connsiteX1" fmla="*/ 943695 w 1929177"/>
+                <a:gd name="connsiteY1" fmla="*/ 929 h 1680508"/>
+                <a:gd name="connsiteX2" fmla="*/ 1908022 w 1929177"/>
+                <a:gd name="connsiteY2" fmla="*/ 1474339 h 1680508"/>
+                <a:gd name="connsiteX3" fmla="*/ 17715 w 1929177"/>
+                <a:gd name="connsiteY3" fmla="*/ 1474339 h 1680508"/>
+                <a:gd name="connsiteX0" fmla="*/ 17715 w 1914739"/>
+                <a:gd name="connsiteY0" fmla="*/ 1474493 h 1680662"/>
+                <a:gd name="connsiteX1" fmla="*/ 943695 w 1914739"/>
+                <a:gd name="connsiteY1" fmla="*/ 1083 h 1680662"/>
+                <a:gd name="connsiteX2" fmla="*/ 1908022 w 1914739"/>
+                <a:gd name="connsiteY2" fmla="*/ 1474493 h 1680662"/>
+                <a:gd name="connsiteX3" fmla="*/ 17715 w 1914739"/>
+                <a:gd name="connsiteY3" fmla="*/ 1474493 h 1680662"/>
+                <a:gd name="connsiteX0" fmla="*/ 17715 w 1914739"/>
+                <a:gd name="connsiteY0" fmla="*/ 1474493 h 1744282"/>
+                <a:gd name="connsiteX1" fmla="*/ 943695 w 1914739"/>
+                <a:gd name="connsiteY1" fmla="*/ 1083 h 1744282"/>
+                <a:gd name="connsiteX2" fmla="*/ 1908022 w 1914739"/>
+                <a:gd name="connsiteY2" fmla="*/ 1474493 h 1744282"/>
+                <a:gd name="connsiteX3" fmla="*/ 17715 w 1914739"/>
+                <a:gd name="connsiteY3" fmla="*/ 1474493 h 1744282"/>
+                <a:gd name="connsiteX0" fmla="*/ 17715 w 1912352"/>
+                <a:gd name="connsiteY0" fmla="*/ 1474914 h 1744703"/>
+                <a:gd name="connsiteX1" fmla="*/ 943695 w 1912352"/>
+                <a:gd name="connsiteY1" fmla="*/ 1504 h 1744703"/>
+                <a:gd name="connsiteX2" fmla="*/ 1908022 w 1912352"/>
+                <a:gd name="connsiteY2" fmla="*/ 1474914 h 1744703"/>
+                <a:gd name="connsiteX3" fmla="*/ 17715 w 1912352"/>
+                <a:gd name="connsiteY3" fmla="*/ 1474914 h 1744703"/>
+              </a:gdLst>
+              <a:ahLst/>
+              <a:cxnLst>
+                <a:cxn ang="0">
+                  <a:pos x="connsiteX0" y="connsiteY0"/>
+                </a:cxn>
+                <a:cxn ang="0">
+                  <a:pos x="connsiteX1" y="connsiteY1"/>
+                </a:cxn>
+                <a:cxn ang="0">
+                  <a:pos x="connsiteX2" y="connsiteY2"/>
+                </a:cxn>
+                <a:cxn ang="0">
+                  <a:pos x="connsiteX3" y="connsiteY3"/>
+                </a:cxn>
+              </a:cxnLst>
+              <a:rect l="l" t="t" r="r" b="b"/>
+              <a:pathLst>
+                <a:path w="1912352" h="1744703">
+                  <a:moveTo>
+                    <a:pt x="17715" y="1474914"/>
+                  </a:moveTo>
+                  <a:cubicBezTo>
+                    <a:pt x="-110838" y="1144062"/>
+                    <a:pt x="487133" y="-4257"/>
+                    <a:pt x="943695" y="1504"/>
+                  </a:cubicBezTo>
+                  <a:cubicBezTo>
+                    <a:pt x="1323225" y="-41240"/>
+                    <a:pt x="1971445" y="836011"/>
+                    <a:pt x="1908022" y="1474914"/>
+                  </a:cubicBezTo>
+                  <a:cubicBezTo>
+                    <a:pt x="1777749" y="1909028"/>
+                    <a:pt x="206144" y="1751742"/>
+                    <a:pt x="17715" y="1474914"/>
+                  </a:cubicBezTo>
+                  <a:close/>
+                </a:path>
+              </a:pathLst>
+            </a:custGeom>
+            <a:solidFill>
+              <a:srgbClr val="1D9F58"/>
+            </a:solidFill>
+            <a:ln>
+              <a:noFill/>
+            </a:ln>
+          </p:spPr>
+          <p:style>
+            <a:lnRef idx="2">
+              <a:schemeClr val="accent1">
+                <a:shade val="50000"/>
+              </a:schemeClr>
+            </a:lnRef>
+            <a:fillRef idx="1">
+              <a:schemeClr val="accent1"/>
+            </a:fillRef>
+            <a:effectRef idx="0">
+              <a:schemeClr val="accent1"/>
+            </a:effectRef>
+            <a:fontRef idx="minor">
+              <a:schemeClr val="lt1"/>
+            </a:fontRef>
+          </p:style>
+          <p:txBody>
+            <a:bodyPr rtlCol="0" anchor="ctr"/>
+            <a:lstStyle/>
+            <a:p>
+              <a:pPr algn="ctr"/>
+              <a:endParaRPr lang="sv-SE"/>
+            </a:p>
+          </p:txBody>
+        </p:sp>
+        <p:sp>
+          <p:nvSpPr>
+            <p:cNvPr id="35" name="Heart 11"/>
+            <p:cNvSpPr/>
+            <p:nvPr/>
+          </p:nvSpPr>
+          <p:spPr>
+            <a:xfrm rot="14287302">
+              <a:off x="6254581" y="1322659"/>
+              <a:ext cx="309820" cy="237477"/>
+            </a:xfrm>
+            <a:custGeom>
+              <a:avLst/>
+              <a:gdLst>
+                <a:gd name="connsiteX0" fmla="*/ 1103128 w 2206256"/>
+                <a:gd name="connsiteY0" fmla="*/ 518337 h 2073349"/>
+                <a:gd name="connsiteX1" fmla="*/ 1103128 w 2206256"/>
+                <a:gd name="connsiteY1" fmla="*/ 2073349 h 2073349"/>
+                <a:gd name="connsiteX2" fmla="*/ 1103128 w 2206256"/>
+                <a:gd name="connsiteY2" fmla="*/ 518337 h 2073349"/>
+                <a:gd name="connsiteX0" fmla="*/ 1111170 w 2054204"/>
+                <a:gd name="connsiteY0" fmla="*/ 492652 h 2047664"/>
+                <a:gd name="connsiteX1" fmla="*/ 1111170 w 2054204"/>
+                <a:gd name="connsiteY1" fmla="*/ 2047664 h 2047664"/>
+                <a:gd name="connsiteX2" fmla="*/ 1111170 w 2054204"/>
+                <a:gd name="connsiteY2" fmla="*/ 492652 h 2047664"/>
+                <a:gd name="connsiteX0" fmla="*/ 1088688 w 2031722"/>
+                <a:gd name="connsiteY0" fmla="*/ 331388 h 1889191"/>
+                <a:gd name="connsiteX1" fmla="*/ 1088688 w 2031722"/>
+                <a:gd name="connsiteY1" fmla="*/ 1886400 h 1889191"/>
+                <a:gd name="connsiteX2" fmla="*/ 1088688 w 2031722"/>
+                <a:gd name="connsiteY2" fmla="*/ 331388 h 1889191"/>
+                <a:gd name="connsiteX0" fmla="*/ 1088688 w 2457034"/>
+                <a:gd name="connsiteY0" fmla="*/ 298057 h 1855860"/>
+                <a:gd name="connsiteX1" fmla="*/ 1088688 w 2457034"/>
+                <a:gd name="connsiteY1" fmla="*/ 1853069 h 1855860"/>
+                <a:gd name="connsiteX2" fmla="*/ 1088688 w 2457034"/>
+                <a:gd name="connsiteY2" fmla="*/ 298057 h 1855860"/>
+                <a:gd name="connsiteX0" fmla="*/ 1494094 w 2862440"/>
+                <a:gd name="connsiteY0" fmla="*/ 247986 h 1806068"/>
+                <a:gd name="connsiteX1" fmla="*/ 1494094 w 2862440"/>
+                <a:gd name="connsiteY1" fmla="*/ 1802998 h 1806068"/>
+                <a:gd name="connsiteX2" fmla="*/ 1494094 w 2862440"/>
+                <a:gd name="connsiteY2" fmla="*/ 247986 h 1806068"/>
+                <a:gd name="connsiteX0" fmla="*/ 1494094 w 2567564"/>
+                <a:gd name="connsiteY0" fmla="*/ 357092 h 1915174"/>
+                <a:gd name="connsiteX1" fmla="*/ 1494094 w 2567564"/>
+                <a:gd name="connsiteY1" fmla="*/ 1912104 h 1915174"/>
+                <a:gd name="connsiteX2" fmla="*/ 1494094 w 2567564"/>
+                <a:gd name="connsiteY2" fmla="*/ 357092 h 1915174"/>
+                <a:gd name="connsiteX0" fmla="*/ 1453444 w 2574663"/>
+                <a:gd name="connsiteY0" fmla="*/ 349168 h 1985886"/>
+                <a:gd name="connsiteX1" fmla="*/ 1529695 w 2574663"/>
+                <a:gd name="connsiteY1" fmla="*/ 1982904 h 1985886"/>
+                <a:gd name="connsiteX2" fmla="*/ 1453444 w 2574663"/>
+                <a:gd name="connsiteY2" fmla="*/ 349168 h 1985886"/>
+                <a:gd name="connsiteX0" fmla="*/ 478315 w 1599534"/>
+                <a:gd name="connsiteY0" fmla="*/ 349168 h 1982904"/>
+                <a:gd name="connsiteX1" fmla="*/ 554566 w 1599534"/>
+                <a:gd name="connsiteY1" fmla="*/ 1982904 h 1982904"/>
+                <a:gd name="connsiteX2" fmla="*/ 298 w 1599534"/>
+                <a:gd name="connsiteY2" fmla="*/ 166414 h 1982904"/>
+                <a:gd name="connsiteX3" fmla="*/ 478315 w 1599534"/>
+                <a:gd name="connsiteY3" fmla="*/ 349168 h 1982904"/>
+                <a:gd name="connsiteX0" fmla="*/ 1463983 w 2585202"/>
+                <a:gd name="connsiteY0" fmla="*/ 349168 h 1982904"/>
+                <a:gd name="connsiteX1" fmla="*/ 1540234 w 2585202"/>
+                <a:gd name="connsiteY1" fmla="*/ 1982904 h 1982904"/>
+                <a:gd name="connsiteX2" fmla="*/ 86 w 2585202"/>
+                <a:gd name="connsiteY2" fmla="*/ 805385 h 1982904"/>
+                <a:gd name="connsiteX3" fmla="*/ 1463983 w 2585202"/>
+                <a:gd name="connsiteY3" fmla="*/ 349168 h 1982904"/>
+                <a:gd name="connsiteX0" fmla="*/ 1500902 w 2622121"/>
+                <a:gd name="connsiteY0" fmla="*/ 349168 h 1982904"/>
+                <a:gd name="connsiteX1" fmla="*/ 1577153 w 2622121"/>
+                <a:gd name="connsiteY1" fmla="*/ 1982904 h 1982904"/>
+                <a:gd name="connsiteX2" fmla="*/ 37005 w 2622121"/>
+                <a:gd name="connsiteY2" fmla="*/ 805385 h 1982904"/>
+                <a:gd name="connsiteX3" fmla="*/ 1500902 w 2622121"/>
+                <a:gd name="connsiteY3" fmla="*/ 349168 h 1982904"/>
+                <a:gd name="connsiteX0" fmla="*/ 1343887 w 2567224"/>
+                <a:gd name="connsiteY0" fmla="*/ 334064 h 2128056"/>
+                <a:gd name="connsiteX1" fmla="*/ 1577153 w 2567224"/>
+                <a:gd name="connsiteY1" fmla="*/ 2128056 h 2128056"/>
+                <a:gd name="connsiteX2" fmla="*/ 37005 w 2567224"/>
+                <a:gd name="connsiteY2" fmla="*/ 950537 h 2128056"/>
+                <a:gd name="connsiteX3" fmla="*/ 1343887 w 2567224"/>
+                <a:gd name="connsiteY3" fmla="*/ 334064 h 2128056"/>
+                <a:gd name="connsiteX0" fmla="*/ 1343887 w 2567224"/>
+                <a:gd name="connsiteY0" fmla="*/ 334064 h 2128056"/>
+                <a:gd name="connsiteX1" fmla="*/ 1577153 w 2567224"/>
+                <a:gd name="connsiteY1" fmla="*/ 2128056 h 2128056"/>
+                <a:gd name="connsiteX2" fmla="*/ 37005 w 2567224"/>
+                <a:gd name="connsiteY2" fmla="*/ 950537 h 2128056"/>
+                <a:gd name="connsiteX3" fmla="*/ 1343887 w 2567224"/>
+                <a:gd name="connsiteY3" fmla="*/ 334064 h 2128056"/>
+                <a:gd name="connsiteX0" fmla="*/ 1398062 w 2621399"/>
+                <a:gd name="connsiteY0" fmla="*/ 334064 h 2128056"/>
+                <a:gd name="connsiteX1" fmla="*/ 1631328 w 2621399"/>
+                <a:gd name="connsiteY1" fmla="*/ 2128056 h 2128056"/>
+                <a:gd name="connsiteX2" fmla="*/ 36006 w 2621399"/>
+                <a:gd name="connsiteY2" fmla="*/ 465464 h 2128056"/>
+                <a:gd name="connsiteX3" fmla="*/ 1398062 w 2621399"/>
+                <a:gd name="connsiteY3" fmla="*/ 334064 h 2128056"/>
+                <a:gd name="connsiteX0" fmla="*/ 1398062 w 2621399"/>
+                <a:gd name="connsiteY0" fmla="*/ 334064 h 2128056"/>
+                <a:gd name="connsiteX1" fmla="*/ 1631328 w 2621399"/>
+                <a:gd name="connsiteY1" fmla="*/ 2128056 h 2128056"/>
+                <a:gd name="connsiteX2" fmla="*/ 36006 w 2621399"/>
+                <a:gd name="connsiteY2" fmla="*/ 465464 h 2128056"/>
+                <a:gd name="connsiteX3" fmla="*/ 1398062 w 2621399"/>
+                <a:gd name="connsiteY3" fmla="*/ 334064 h 2128056"/>
+                <a:gd name="connsiteX0" fmla="*/ 1398062 w 2488701"/>
+                <a:gd name="connsiteY0" fmla="*/ 179170 h 1973162"/>
+                <a:gd name="connsiteX1" fmla="*/ 1631328 w 2488701"/>
+                <a:gd name="connsiteY1" fmla="*/ 1973162 h 1973162"/>
+                <a:gd name="connsiteX2" fmla="*/ 36006 w 2488701"/>
+                <a:gd name="connsiteY2" fmla="*/ 310570 h 1973162"/>
+                <a:gd name="connsiteX3" fmla="*/ 1398062 w 2488701"/>
+                <a:gd name="connsiteY3" fmla="*/ 179170 h 1973162"/>
+                <a:gd name="connsiteX0" fmla="*/ 1830446 w 2621323"/>
+                <a:gd name="connsiteY0" fmla="*/ 168723 h 2144566"/>
+                <a:gd name="connsiteX1" fmla="*/ 1631328 w 2621323"/>
+                <a:gd name="connsiteY1" fmla="*/ 2144566 h 2144566"/>
+                <a:gd name="connsiteX2" fmla="*/ 36006 w 2621323"/>
+                <a:gd name="connsiteY2" fmla="*/ 481974 h 2144566"/>
+                <a:gd name="connsiteX3" fmla="*/ 1830446 w 2621323"/>
+                <a:gd name="connsiteY3" fmla="*/ 168723 h 2144566"/>
+                <a:gd name="connsiteX0" fmla="*/ 1830446 w 2562621"/>
+                <a:gd name="connsiteY0" fmla="*/ 174187 h 2150030"/>
+                <a:gd name="connsiteX1" fmla="*/ 1631328 w 2562621"/>
+                <a:gd name="connsiteY1" fmla="*/ 2150030 h 2150030"/>
+                <a:gd name="connsiteX2" fmla="*/ 36006 w 2562621"/>
+                <a:gd name="connsiteY2" fmla="*/ 487438 h 2150030"/>
+                <a:gd name="connsiteX3" fmla="*/ 1830446 w 2562621"/>
+                <a:gd name="connsiteY3" fmla="*/ 174187 h 2150030"/>
+                <a:gd name="connsiteX0" fmla="*/ 1830446 w 2946118"/>
+                <a:gd name="connsiteY0" fmla="*/ 143339 h 2119182"/>
+                <a:gd name="connsiteX1" fmla="*/ 1631328 w 2946118"/>
+                <a:gd name="connsiteY1" fmla="*/ 2119182 h 2119182"/>
+                <a:gd name="connsiteX2" fmla="*/ 36006 w 2946118"/>
+                <a:gd name="connsiteY2" fmla="*/ 456590 h 2119182"/>
+                <a:gd name="connsiteX3" fmla="*/ 1830446 w 2946118"/>
+                <a:gd name="connsiteY3" fmla="*/ 143339 h 2119182"/>
+                <a:gd name="connsiteX0" fmla="*/ 1585362 w 2701034"/>
+                <a:gd name="connsiteY0" fmla="*/ 143339 h 2119182"/>
+                <a:gd name="connsiteX1" fmla="*/ 1386244 w 2701034"/>
+                <a:gd name="connsiteY1" fmla="*/ 2119182 h 2119182"/>
+                <a:gd name="connsiteX2" fmla="*/ 41023 w 2701034"/>
+                <a:gd name="connsiteY2" fmla="*/ 155112 h 2119182"/>
+                <a:gd name="connsiteX3" fmla="*/ 1585362 w 2701034"/>
+                <a:gd name="connsiteY3" fmla="*/ 143339 h 2119182"/>
+                <a:gd name="connsiteX0" fmla="*/ 1708412 w 2824084"/>
+                <a:gd name="connsiteY0" fmla="*/ 143339 h 2119182"/>
+                <a:gd name="connsiteX1" fmla="*/ 1509294 w 2824084"/>
+                <a:gd name="connsiteY1" fmla="*/ 2119182 h 2119182"/>
+                <a:gd name="connsiteX2" fmla="*/ 164073 w 2824084"/>
+                <a:gd name="connsiteY2" fmla="*/ 155112 h 2119182"/>
+                <a:gd name="connsiteX3" fmla="*/ 1708412 w 2824084"/>
+                <a:gd name="connsiteY3" fmla="*/ 143339 h 2119182"/>
+                <a:gd name="connsiteX0" fmla="*/ 1708412 w 2824084"/>
+                <a:gd name="connsiteY0" fmla="*/ 205943 h 2181786"/>
+                <a:gd name="connsiteX1" fmla="*/ 1509294 w 2824084"/>
+                <a:gd name="connsiteY1" fmla="*/ 2181786 h 2181786"/>
+                <a:gd name="connsiteX2" fmla="*/ 164073 w 2824084"/>
+                <a:gd name="connsiteY2" fmla="*/ 217716 h 2181786"/>
+                <a:gd name="connsiteX3" fmla="*/ 1708412 w 2824084"/>
+                <a:gd name="connsiteY3" fmla="*/ 205943 h 2181786"/>
+                <a:gd name="connsiteX0" fmla="*/ 1708412 w 2800950"/>
+                <a:gd name="connsiteY0" fmla="*/ 205943 h 2181786"/>
+                <a:gd name="connsiteX1" fmla="*/ 1509294 w 2800950"/>
+                <a:gd name="connsiteY1" fmla="*/ 2181786 h 2181786"/>
+                <a:gd name="connsiteX2" fmla="*/ 164073 w 2800950"/>
+                <a:gd name="connsiteY2" fmla="*/ 217716 h 2181786"/>
+                <a:gd name="connsiteX3" fmla="*/ 1708412 w 2800950"/>
+                <a:gd name="connsiteY3" fmla="*/ 205943 h 2181786"/>
+                <a:gd name="connsiteX0" fmla="*/ 1753893 w 2846431"/>
+                <a:gd name="connsiteY0" fmla="*/ 205943 h 2181786"/>
+                <a:gd name="connsiteX1" fmla="*/ 1554775 w 2846431"/>
+                <a:gd name="connsiteY1" fmla="*/ 2181786 h 2181786"/>
+                <a:gd name="connsiteX2" fmla="*/ 209554 w 2846431"/>
+                <a:gd name="connsiteY2" fmla="*/ 217716 h 2181786"/>
+                <a:gd name="connsiteX3" fmla="*/ 1753893 w 2846431"/>
+                <a:gd name="connsiteY3" fmla="*/ 205943 h 2181786"/>
+              </a:gdLst>
+              <a:ahLst/>
+              <a:cxnLst>
+                <a:cxn ang="0">
+                  <a:pos x="connsiteX0" y="connsiteY0"/>
+                </a:cxn>
+                <a:cxn ang="0">
+                  <a:pos x="connsiteX1" y="connsiteY1"/>
+                </a:cxn>
+                <a:cxn ang="0">
+                  <a:pos x="connsiteX2" y="connsiteY2"/>
+                </a:cxn>
+                <a:cxn ang="0">
+                  <a:pos x="connsiteX3" y="connsiteY3"/>
+                </a:cxn>
+              </a:cxnLst>
+              <a:rect l="l" t="t" r="r" b="b"/>
+              <a:pathLst>
+                <a:path w="2846431" h="2181786">
+                  <a:moveTo>
+                    <a:pt x="1753893" y="205943"/>
+                  </a:moveTo>
+                  <a:cubicBezTo>
+                    <a:pt x="3258232" y="-529083"/>
+                    <a:pt x="3225113" y="2005322"/>
+                    <a:pt x="1554775" y="2181786"/>
+                  </a:cubicBezTo>
+                  <a:cubicBezTo>
+                    <a:pt x="880252" y="2000495"/>
+                    <a:pt x="-531837" y="1460942"/>
+                    <a:pt x="209554" y="217716"/>
+                  </a:cubicBezTo>
+                  <a:cubicBezTo>
+                    <a:pt x="803637" y="-365857"/>
+                    <a:pt x="1569146" y="434242"/>
+                    <a:pt x="1753893" y="205943"/>
+                  </a:cubicBezTo>
+                  <a:close/>
+                </a:path>
+              </a:pathLst>
+            </a:custGeom>
+            <a:solidFill>
+              <a:srgbClr val="FFCC29"/>
+            </a:solidFill>
+            <a:ln>
+              <a:noFill/>
+            </a:ln>
+          </p:spPr>
+          <p:style>
+            <a:lnRef idx="2">
+              <a:schemeClr val="accent1">
+                <a:shade val="50000"/>
+              </a:schemeClr>
+            </a:lnRef>
+            <a:fillRef idx="1">
+              <a:schemeClr val="accent1"/>
+            </a:fillRef>
+            <a:effectRef idx="0">
+              <a:schemeClr val="accent1"/>
+            </a:effectRef>
+            <a:fontRef idx="minor">
+              <a:schemeClr val="lt1"/>
+            </a:fontRef>
+          </p:style>
+          <p:txBody>
+            <a:bodyPr rtlCol="0" anchor="ctr"/>
+            <a:lstStyle/>
+            <a:p>
+              <a:pPr algn="ctr"/>
+              <a:endParaRPr lang="sv-SE" dirty="0"/>
+            </a:p>
+          </p:txBody>
+        </p:sp>
+        <p:sp>
+          <p:nvSpPr>
+            <p:cNvPr id="36" name="Oval 10"/>
+            <p:cNvSpPr/>
+            <p:nvPr/>
+          </p:nvSpPr>
+          <p:spPr>
+            <a:xfrm rot="2188284">
+              <a:off x="5379925" y="2572638"/>
+              <a:ext cx="263964" cy="229987"/>
+            </a:xfrm>
+            <a:custGeom>
+              <a:avLst/>
+              <a:gdLst>
+                <a:gd name="connsiteX0" fmla="*/ 0 w 1978090"/>
+                <a:gd name="connsiteY0" fmla="*/ 730121 h 1460241"/>
+                <a:gd name="connsiteX1" fmla="*/ 989045 w 1978090"/>
+                <a:gd name="connsiteY1" fmla="*/ 0 h 1460241"/>
+                <a:gd name="connsiteX2" fmla="*/ 1978090 w 1978090"/>
+                <a:gd name="connsiteY2" fmla="*/ 730121 h 1460241"/>
+                <a:gd name="connsiteX3" fmla="*/ 989045 w 1978090"/>
+                <a:gd name="connsiteY3" fmla="*/ 1460242 h 1460241"/>
+                <a:gd name="connsiteX4" fmla="*/ 0 w 1978090"/>
+                <a:gd name="connsiteY4" fmla="*/ 730121 h 1460241"/>
+                <a:gd name="connsiteX0" fmla="*/ 3797 w 1981887"/>
+                <a:gd name="connsiteY0" fmla="*/ 873303 h 1603424"/>
+                <a:gd name="connsiteX1" fmla="*/ 763031 w 1981887"/>
+                <a:gd name="connsiteY1" fmla="*/ 0 h 1603424"/>
+                <a:gd name="connsiteX2" fmla="*/ 1981887 w 1981887"/>
+                <a:gd name="connsiteY2" fmla="*/ 873303 h 1603424"/>
+                <a:gd name="connsiteX3" fmla="*/ 992842 w 1981887"/>
+                <a:gd name="connsiteY3" fmla="*/ 1603424 h 1603424"/>
+                <a:gd name="connsiteX4" fmla="*/ 3797 w 1981887"/>
+                <a:gd name="connsiteY4" fmla="*/ 873303 h 1603424"/>
+                <a:gd name="connsiteX0" fmla="*/ 38 w 1978128"/>
+                <a:gd name="connsiteY0" fmla="*/ 873303 h 1723502"/>
+                <a:gd name="connsiteX1" fmla="*/ 759272 w 1978128"/>
+                <a:gd name="connsiteY1" fmla="*/ 0 h 1723502"/>
+                <a:gd name="connsiteX2" fmla="*/ 1978128 w 1978128"/>
+                <a:gd name="connsiteY2" fmla="*/ 873303 h 1723502"/>
+                <a:gd name="connsiteX3" fmla="*/ 740247 w 1978128"/>
+                <a:gd name="connsiteY3" fmla="*/ 1723502 h 1723502"/>
+                <a:gd name="connsiteX4" fmla="*/ 38 w 1978128"/>
+                <a:gd name="connsiteY4" fmla="*/ 873303 h 1723502"/>
+              </a:gdLst>
+              <a:ahLst/>
+              <a:cxnLst>
+                <a:cxn ang="0">
+                  <a:pos x="connsiteX0" y="connsiteY0"/>
+                </a:cxn>
+                <a:cxn ang="0">
+                  <a:pos x="connsiteX1" y="connsiteY1"/>
+                </a:cxn>
+                <a:cxn ang="0">
+                  <a:pos x="connsiteX2" y="connsiteY2"/>
+                </a:cxn>
+                <a:cxn ang="0">
+                  <a:pos x="connsiteX3" y="connsiteY3"/>
+                </a:cxn>
+                <a:cxn ang="0">
+                  <a:pos x="connsiteX4" y="connsiteY4"/>
+                </a:cxn>
+              </a:cxnLst>
+              <a:rect l="l" t="t" r="r" b="b"/>
+              <a:pathLst>
+                <a:path w="1978128" h="1723502">
+                  <a:moveTo>
+                    <a:pt x="38" y="873303"/>
+                  </a:moveTo>
+                  <a:cubicBezTo>
+                    <a:pt x="3209" y="586053"/>
+                    <a:pt x="213038" y="0"/>
+                    <a:pt x="759272" y="0"/>
+                  </a:cubicBezTo>
+                  <a:cubicBezTo>
+                    <a:pt x="1305506" y="0"/>
+                    <a:pt x="1978128" y="470068"/>
+                    <a:pt x="1978128" y="873303"/>
+                  </a:cubicBezTo>
+                  <a:cubicBezTo>
+                    <a:pt x="1978128" y="1276538"/>
+                    <a:pt x="1286481" y="1723502"/>
+                    <a:pt x="740247" y="1723502"/>
+                  </a:cubicBezTo>
+                  <a:cubicBezTo>
+                    <a:pt x="194013" y="1723502"/>
+                    <a:pt x="-3133" y="1160553"/>
+                    <a:pt x="38" y="873303"/>
+                  </a:cubicBezTo>
+                  <a:close/>
+                </a:path>
+              </a:pathLst>
+            </a:custGeom>
+            <a:solidFill>
+              <a:srgbClr val="FF4909"/>
+            </a:solidFill>
+            <a:ln>
+              <a:noFill/>
+            </a:ln>
+          </p:spPr>
+          <p:style>
+            <a:lnRef idx="2">
+              <a:schemeClr val="accent1">
+                <a:shade val="50000"/>
+              </a:schemeClr>
+            </a:lnRef>
+            <a:fillRef idx="1">
+              <a:schemeClr val="accent1"/>
+            </a:fillRef>
+            <a:effectRef idx="0">
+              <a:schemeClr val="accent1"/>
+            </a:effectRef>
+            <a:fontRef idx="minor">
+              <a:schemeClr val="lt1"/>
+            </a:fontRef>
+          </p:style>
+          <p:txBody>
+            <a:bodyPr rtlCol="0" anchor="ctr"/>
+            <a:lstStyle/>
+            <a:p>
+              <a:pPr algn="ctr"/>
+              <a:endParaRPr lang="sv-SE"/>
+            </a:p>
+          </p:txBody>
+        </p:sp>
+        <p:sp>
+          <p:nvSpPr>
+            <p:cNvPr id="37" name="Rectangle 7"/>
+            <p:cNvSpPr/>
+            <p:nvPr/>
+          </p:nvSpPr>
+          <p:spPr>
+            <a:xfrm rot="18900000">
+              <a:off x="4734147" y="1294677"/>
+              <a:ext cx="233350" cy="238784"/>
+            </a:xfrm>
+            <a:custGeom>
+              <a:avLst/>
+              <a:gdLst>
+                <a:gd name="connsiteX0" fmla="*/ 0 w 1433404"/>
+                <a:gd name="connsiteY0" fmla="*/ 0 h 1422855"/>
+                <a:gd name="connsiteX1" fmla="*/ 1433404 w 1433404"/>
+                <a:gd name="connsiteY1" fmla="*/ 0 h 1422855"/>
+                <a:gd name="connsiteX2" fmla="*/ 1433404 w 1433404"/>
+                <a:gd name="connsiteY2" fmla="*/ 1422855 h 1422855"/>
+                <a:gd name="connsiteX3" fmla="*/ 0 w 1433404"/>
+                <a:gd name="connsiteY3" fmla="*/ 1422855 h 1422855"/>
+                <a:gd name="connsiteX4" fmla="*/ 0 w 1433404"/>
+                <a:gd name="connsiteY4" fmla="*/ 0 h 1422855"/>
+                <a:gd name="connsiteX0" fmla="*/ 0 w 1769741"/>
+                <a:gd name="connsiteY0" fmla="*/ 0 h 1759191"/>
+                <a:gd name="connsiteX1" fmla="*/ 1433404 w 1769741"/>
+                <a:gd name="connsiteY1" fmla="*/ 0 h 1759191"/>
+                <a:gd name="connsiteX2" fmla="*/ 1769741 w 1769741"/>
+                <a:gd name="connsiteY2" fmla="*/ 1759191 h 1759191"/>
+                <a:gd name="connsiteX3" fmla="*/ 0 w 1769741"/>
+                <a:gd name="connsiteY3" fmla="*/ 1422855 h 1759191"/>
+                <a:gd name="connsiteX4" fmla="*/ 0 w 1769741"/>
+                <a:gd name="connsiteY4" fmla="*/ 0 h 1759191"/>
+                <a:gd name="connsiteX0" fmla="*/ 0 w 1807313"/>
+                <a:gd name="connsiteY0" fmla="*/ 0 h 1759191"/>
+                <a:gd name="connsiteX1" fmla="*/ 1433404 w 1807313"/>
+                <a:gd name="connsiteY1" fmla="*/ 0 h 1759191"/>
+                <a:gd name="connsiteX2" fmla="*/ 1769741 w 1807313"/>
+                <a:gd name="connsiteY2" fmla="*/ 1759191 h 1759191"/>
+                <a:gd name="connsiteX3" fmla="*/ 0 w 1807313"/>
+                <a:gd name="connsiteY3" fmla="*/ 1422855 h 1759191"/>
+                <a:gd name="connsiteX4" fmla="*/ 0 w 1807313"/>
+                <a:gd name="connsiteY4" fmla="*/ 0 h 1759191"/>
+                <a:gd name="connsiteX0" fmla="*/ 0 w 1807313"/>
+                <a:gd name="connsiteY0" fmla="*/ 0 h 1799810"/>
+                <a:gd name="connsiteX1" fmla="*/ 1433404 w 1807313"/>
+                <a:gd name="connsiteY1" fmla="*/ 0 h 1799810"/>
+                <a:gd name="connsiteX2" fmla="*/ 1769741 w 1807313"/>
+                <a:gd name="connsiteY2" fmla="*/ 1759191 h 1799810"/>
+                <a:gd name="connsiteX3" fmla="*/ 0 w 1807313"/>
+                <a:gd name="connsiteY3" fmla="*/ 1422855 h 1799810"/>
+                <a:gd name="connsiteX4" fmla="*/ 0 w 1807313"/>
+                <a:gd name="connsiteY4" fmla="*/ 0 h 1799810"/>
+                <a:gd name="connsiteX0" fmla="*/ 0 w 1807313"/>
+                <a:gd name="connsiteY0" fmla="*/ 0 h 1825563"/>
+                <a:gd name="connsiteX1" fmla="*/ 1433404 w 1807313"/>
+                <a:gd name="connsiteY1" fmla="*/ 0 h 1825563"/>
+                <a:gd name="connsiteX2" fmla="*/ 1769741 w 1807313"/>
+                <a:gd name="connsiteY2" fmla="*/ 1759191 h 1825563"/>
+                <a:gd name="connsiteX3" fmla="*/ 0 w 1807313"/>
+                <a:gd name="connsiteY3" fmla="*/ 1422855 h 1825563"/>
+                <a:gd name="connsiteX4" fmla="*/ 0 w 1807313"/>
+                <a:gd name="connsiteY4" fmla="*/ 0 h 1825563"/>
+                <a:gd name="connsiteX0" fmla="*/ 90205 w 1897518"/>
+                <a:gd name="connsiteY0" fmla="*/ 0 h 1825563"/>
+                <a:gd name="connsiteX1" fmla="*/ 1523609 w 1897518"/>
+                <a:gd name="connsiteY1" fmla="*/ 0 h 1825563"/>
+                <a:gd name="connsiteX2" fmla="*/ 1859946 w 1897518"/>
+                <a:gd name="connsiteY2" fmla="*/ 1759191 h 1825563"/>
+                <a:gd name="connsiteX3" fmla="*/ 90205 w 1897518"/>
+                <a:gd name="connsiteY3" fmla="*/ 1422855 h 1825563"/>
+                <a:gd name="connsiteX4" fmla="*/ 90205 w 1897518"/>
+                <a:gd name="connsiteY4" fmla="*/ 0 h 1825563"/>
+                <a:gd name="connsiteX0" fmla="*/ 153310 w 1960623"/>
+                <a:gd name="connsiteY0" fmla="*/ 0 h 1825563"/>
+                <a:gd name="connsiteX1" fmla="*/ 1586714 w 1960623"/>
+                <a:gd name="connsiteY1" fmla="*/ 0 h 1825563"/>
+                <a:gd name="connsiteX2" fmla="*/ 1923051 w 1960623"/>
+                <a:gd name="connsiteY2" fmla="*/ 1759191 h 1825563"/>
+                <a:gd name="connsiteX3" fmla="*/ 153310 w 1960623"/>
+                <a:gd name="connsiteY3" fmla="*/ 1422855 h 1825563"/>
+                <a:gd name="connsiteX4" fmla="*/ 153310 w 1960623"/>
+                <a:gd name="connsiteY4" fmla="*/ 0 h 1825563"/>
+                <a:gd name="connsiteX0" fmla="*/ 153310 w 1960623"/>
+                <a:gd name="connsiteY0" fmla="*/ 134018 h 1959581"/>
+                <a:gd name="connsiteX1" fmla="*/ 1586714 w 1960623"/>
+                <a:gd name="connsiteY1" fmla="*/ 134018 h 1959581"/>
+                <a:gd name="connsiteX2" fmla="*/ 1923051 w 1960623"/>
+                <a:gd name="connsiteY2" fmla="*/ 1893209 h 1959581"/>
+                <a:gd name="connsiteX3" fmla="*/ 153310 w 1960623"/>
+                <a:gd name="connsiteY3" fmla="*/ 1556873 h 1959581"/>
+                <a:gd name="connsiteX4" fmla="*/ 153310 w 1960623"/>
+                <a:gd name="connsiteY4" fmla="*/ 134018 h 1959581"/>
+                <a:gd name="connsiteX0" fmla="*/ 153310 w 1960623"/>
+                <a:gd name="connsiteY0" fmla="*/ 188054 h 2013617"/>
+                <a:gd name="connsiteX1" fmla="*/ 1586714 w 1960623"/>
+                <a:gd name="connsiteY1" fmla="*/ 188054 h 2013617"/>
+                <a:gd name="connsiteX2" fmla="*/ 1923051 w 1960623"/>
+                <a:gd name="connsiteY2" fmla="*/ 1947245 h 2013617"/>
+                <a:gd name="connsiteX3" fmla="*/ 153310 w 1960623"/>
+                <a:gd name="connsiteY3" fmla="*/ 1610909 h 2013617"/>
+                <a:gd name="connsiteX4" fmla="*/ 153310 w 1960623"/>
+                <a:gd name="connsiteY4" fmla="*/ 188054 h 2013617"/>
+                <a:gd name="connsiteX0" fmla="*/ 153310 w 1971177"/>
+                <a:gd name="connsiteY0" fmla="*/ 188054 h 2013617"/>
+                <a:gd name="connsiteX1" fmla="*/ 1586714 w 1971177"/>
+                <a:gd name="connsiteY1" fmla="*/ 188054 h 2013617"/>
+                <a:gd name="connsiteX2" fmla="*/ 1923051 w 1971177"/>
+                <a:gd name="connsiteY2" fmla="*/ 1947245 h 2013617"/>
+                <a:gd name="connsiteX3" fmla="*/ 153310 w 1971177"/>
+                <a:gd name="connsiteY3" fmla="*/ 1610909 h 2013617"/>
+                <a:gd name="connsiteX4" fmla="*/ 153310 w 1971177"/>
+                <a:gd name="connsiteY4" fmla="*/ 188054 h 2013617"/>
+                <a:gd name="connsiteX0" fmla="*/ 85950 w 1903817"/>
+                <a:gd name="connsiteY0" fmla="*/ 188054 h 2037023"/>
+                <a:gd name="connsiteX1" fmla="*/ 1519354 w 1903817"/>
+                <a:gd name="connsiteY1" fmla="*/ 188054 h 2037023"/>
+                <a:gd name="connsiteX2" fmla="*/ 1855691 w 1903817"/>
+                <a:gd name="connsiteY2" fmla="*/ 1947245 h 2037023"/>
+                <a:gd name="connsiteX3" fmla="*/ 286012 w 1903817"/>
+                <a:gd name="connsiteY3" fmla="*/ 1712389 h 2037023"/>
+                <a:gd name="connsiteX4" fmla="*/ 85950 w 1903817"/>
+                <a:gd name="connsiteY4" fmla="*/ 188054 h 2037023"/>
+                <a:gd name="connsiteX0" fmla="*/ 85950 w 1921832"/>
+                <a:gd name="connsiteY0" fmla="*/ 117615 h 1966584"/>
+                <a:gd name="connsiteX1" fmla="*/ 1635333 w 1921832"/>
+                <a:gd name="connsiteY1" fmla="*/ 361169 h 1966584"/>
+                <a:gd name="connsiteX2" fmla="*/ 1855691 w 1921832"/>
+                <a:gd name="connsiteY2" fmla="*/ 1876806 h 1966584"/>
+                <a:gd name="connsiteX3" fmla="*/ 286012 w 1921832"/>
+                <a:gd name="connsiteY3" fmla="*/ 1641950 h 1966584"/>
+                <a:gd name="connsiteX4" fmla="*/ 85950 w 1921832"/>
+                <a:gd name="connsiteY4" fmla="*/ 117615 h 1966584"/>
+              </a:gdLst>
+              <a:ahLst/>
+              <a:cxnLst>
+                <a:cxn ang="0">
+                  <a:pos x="connsiteX0" y="connsiteY0"/>
+                </a:cxn>
+                <a:cxn ang="0">
+                  <a:pos x="connsiteX1" y="connsiteY1"/>
+                </a:cxn>
+                <a:cxn ang="0">
+                  <a:pos x="connsiteX2" y="connsiteY2"/>
+                </a:cxn>
+                <a:cxn ang="0">
+                  <a:pos x="connsiteX3" y="connsiteY3"/>
+                </a:cxn>
+                <a:cxn ang="0">
+                  <a:pos x="connsiteX4" y="connsiteY4"/>
+                </a:cxn>
+              </a:cxnLst>
+              <a:rect l="l" t="t" r="r" b="b"/>
+              <a:pathLst>
+                <a:path w="1921832" h="1966584">
+                  <a:moveTo>
+                    <a:pt x="85950" y="117615"/>
+                  </a:moveTo>
+                  <a:cubicBezTo>
+                    <a:pt x="372387" y="-183927"/>
+                    <a:pt x="1415583" y="166906"/>
+                    <a:pt x="1635333" y="361169"/>
+                  </a:cubicBezTo>
+                  <a:cubicBezTo>
+                    <a:pt x="1869222" y="628625"/>
+                    <a:pt x="2013230" y="1426683"/>
+                    <a:pt x="1855691" y="1876806"/>
+                  </a:cubicBezTo>
+                  <a:cubicBezTo>
+                    <a:pt x="1549924" y="2043041"/>
+                    <a:pt x="487400" y="1986018"/>
+                    <a:pt x="286012" y="1641950"/>
+                  </a:cubicBezTo>
+                  <a:cubicBezTo>
+                    <a:pt x="83050" y="1388023"/>
+                    <a:pt x="-119911" y="351245"/>
+                    <a:pt x="85950" y="117615"/>
+                  </a:cubicBezTo>
+                  <a:close/>
+                </a:path>
+              </a:pathLst>
+            </a:custGeom>
+            <a:solidFill>
+              <a:srgbClr val="43BFF7"/>
+            </a:solidFill>
+            <a:ln>
+              <a:noFill/>
+            </a:ln>
+          </p:spPr>
+          <p:style>
+            <a:lnRef idx="2">
+              <a:schemeClr val="accent1">
+                <a:shade val="50000"/>
+              </a:schemeClr>
+            </a:lnRef>
+            <a:fillRef idx="1">
+              <a:schemeClr val="accent1"/>
+            </a:fillRef>
+            <a:effectRef idx="0">
+              <a:schemeClr val="accent1"/>
+            </a:effectRef>
+            <a:fontRef idx="minor">
+              <a:schemeClr val="lt1"/>
+            </a:fontRef>
+          </p:style>
+          <p:txBody>
+            <a:bodyPr rtlCol="0" anchor="ctr"/>
+            <a:lstStyle/>
+            <a:p>
+              <a:pPr algn="ctr"/>
+              <a:endParaRPr lang="sv-SE"/>
+            </a:p>
+          </p:txBody>
+        </p:sp>
+        <p:sp>
+          <p:nvSpPr>
+            <p:cNvPr id="38" name="Rectangle 7"/>
+            <p:cNvSpPr/>
+            <p:nvPr/>
+          </p:nvSpPr>
+          <p:spPr>
+            <a:xfrm rot="18900000">
+              <a:off x="5024405" y="1398818"/>
+              <a:ext cx="233350" cy="238784"/>
+            </a:xfrm>
+            <a:custGeom>
+              <a:avLst/>
+              <a:gdLst>
+                <a:gd name="connsiteX0" fmla="*/ 0 w 1433404"/>
+                <a:gd name="connsiteY0" fmla="*/ 0 h 1422855"/>
+                <a:gd name="connsiteX1" fmla="*/ 1433404 w 1433404"/>
+                <a:gd name="connsiteY1" fmla="*/ 0 h 1422855"/>
+                <a:gd name="connsiteX2" fmla="*/ 1433404 w 1433404"/>
+                <a:gd name="connsiteY2" fmla="*/ 1422855 h 1422855"/>
+                <a:gd name="connsiteX3" fmla="*/ 0 w 1433404"/>
+                <a:gd name="connsiteY3" fmla="*/ 1422855 h 1422855"/>
+                <a:gd name="connsiteX4" fmla="*/ 0 w 1433404"/>
+                <a:gd name="connsiteY4" fmla="*/ 0 h 1422855"/>
+                <a:gd name="connsiteX0" fmla="*/ 0 w 1769741"/>
+                <a:gd name="connsiteY0" fmla="*/ 0 h 1759191"/>
+                <a:gd name="connsiteX1" fmla="*/ 1433404 w 1769741"/>
+                <a:gd name="connsiteY1" fmla="*/ 0 h 1759191"/>
+                <a:gd name="connsiteX2" fmla="*/ 1769741 w 1769741"/>
+                <a:gd name="connsiteY2" fmla="*/ 1759191 h 1759191"/>
+                <a:gd name="connsiteX3" fmla="*/ 0 w 1769741"/>
+                <a:gd name="connsiteY3" fmla="*/ 1422855 h 1759191"/>
+                <a:gd name="connsiteX4" fmla="*/ 0 w 1769741"/>
+                <a:gd name="connsiteY4" fmla="*/ 0 h 1759191"/>
+                <a:gd name="connsiteX0" fmla="*/ 0 w 1807313"/>
+                <a:gd name="connsiteY0" fmla="*/ 0 h 1759191"/>
+                <a:gd name="connsiteX1" fmla="*/ 1433404 w 1807313"/>
+                <a:gd name="connsiteY1" fmla="*/ 0 h 1759191"/>
+                <a:gd name="connsiteX2" fmla="*/ 1769741 w 1807313"/>
+                <a:gd name="connsiteY2" fmla="*/ 1759191 h 1759191"/>
+                <a:gd name="connsiteX3" fmla="*/ 0 w 1807313"/>
+                <a:gd name="connsiteY3" fmla="*/ 1422855 h 1759191"/>
+                <a:gd name="connsiteX4" fmla="*/ 0 w 1807313"/>
+                <a:gd name="connsiteY4" fmla="*/ 0 h 1759191"/>
+                <a:gd name="connsiteX0" fmla="*/ 0 w 1807313"/>
+                <a:gd name="connsiteY0" fmla="*/ 0 h 1799810"/>
+                <a:gd name="connsiteX1" fmla="*/ 1433404 w 1807313"/>
+                <a:gd name="connsiteY1" fmla="*/ 0 h 1799810"/>
+                <a:gd name="connsiteX2" fmla="*/ 1769741 w 1807313"/>
+                <a:gd name="connsiteY2" fmla="*/ 1759191 h 1799810"/>
+                <a:gd name="connsiteX3" fmla="*/ 0 w 1807313"/>
+                <a:gd name="connsiteY3" fmla="*/ 1422855 h 1799810"/>
+                <a:gd name="connsiteX4" fmla="*/ 0 w 1807313"/>
+                <a:gd name="connsiteY4" fmla="*/ 0 h 1799810"/>
+                <a:gd name="connsiteX0" fmla="*/ 0 w 1807313"/>
+                <a:gd name="connsiteY0" fmla="*/ 0 h 1825563"/>
+                <a:gd name="connsiteX1" fmla="*/ 1433404 w 1807313"/>
+                <a:gd name="connsiteY1" fmla="*/ 0 h 1825563"/>
+                <a:gd name="connsiteX2" fmla="*/ 1769741 w 1807313"/>
+                <a:gd name="connsiteY2" fmla="*/ 1759191 h 1825563"/>
+                <a:gd name="connsiteX3" fmla="*/ 0 w 1807313"/>
+                <a:gd name="connsiteY3" fmla="*/ 1422855 h 1825563"/>
+                <a:gd name="connsiteX4" fmla="*/ 0 w 1807313"/>
+                <a:gd name="connsiteY4" fmla="*/ 0 h 1825563"/>
+                <a:gd name="connsiteX0" fmla="*/ 90205 w 1897518"/>
+                <a:gd name="connsiteY0" fmla="*/ 0 h 1825563"/>
+                <a:gd name="connsiteX1" fmla="*/ 1523609 w 1897518"/>
+                <a:gd name="connsiteY1" fmla="*/ 0 h 1825563"/>
+                <a:gd name="connsiteX2" fmla="*/ 1859946 w 1897518"/>
+                <a:gd name="connsiteY2" fmla="*/ 1759191 h 1825563"/>
+                <a:gd name="connsiteX3" fmla="*/ 90205 w 1897518"/>
+                <a:gd name="connsiteY3" fmla="*/ 1422855 h 1825563"/>
+                <a:gd name="connsiteX4" fmla="*/ 90205 w 1897518"/>
+                <a:gd name="connsiteY4" fmla="*/ 0 h 1825563"/>
+                <a:gd name="connsiteX0" fmla="*/ 153310 w 1960623"/>
+                <a:gd name="connsiteY0" fmla="*/ 0 h 1825563"/>
+                <a:gd name="connsiteX1" fmla="*/ 1586714 w 1960623"/>
+                <a:gd name="connsiteY1" fmla="*/ 0 h 1825563"/>
+                <a:gd name="connsiteX2" fmla="*/ 1923051 w 1960623"/>
+                <a:gd name="connsiteY2" fmla="*/ 1759191 h 1825563"/>
+                <a:gd name="connsiteX3" fmla="*/ 153310 w 1960623"/>
+                <a:gd name="connsiteY3" fmla="*/ 1422855 h 1825563"/>
+                <a:gd name="connsiteX4" fmla="*/ 153310 w 1960623"/>
+                <a:gd name="connsiteY4" fmla="*/ 0 h 1825563"/>
+                <a:gd name="connsiteX0" fmla="*/ 153310 w 1960623"/>
+                <a:gd name="connsiteY0" fmla="*/ 134018 h 1959581"/>
+                <a:gd name="connsiteX1" fmla="*/ 1586714 w 1960623"/>
+                <a:gd name="connsiteY1" fmla="*/ 134018 h 1959581"/>
+                <a:gd name="connsiteX2" fmla="*/ 1923051 w 1960623"/>
+                <a:gd name="connsiteY2" fmla="*/ 1893209 h 1959581"/>
+                <a:gd name="connsiteX3" fmla="*/ 153310 w 1960623"/>
+                <a:gd name="connsiteY3" fmla="*/ 1556873 h 1959581"/>
+                <a:gd name="connsiteX4" fmla="*/ 153310 w 1960623"/>
+                <a:gd name="connsiteY4" fmla="*/ 134018 h 1959581"/>
+                <a:gd name="connsiteX0" fmla="*/ 153310 w 1960623"/>
+                <a:gd name="connsiteY0" fmla="*/ 188054 h 2013617"/>
+                <a:gd name="connsiteX1" fmla="*/ 1586714 w 1960623"/>
+                <a:gd name="connsiteY1" fmla="*/ 188054 h 2013617"/>
+                <a:gd name="connsiteX2" fmla="*/ 1923051 w 1960623"/>
+                <a:gd name="connsiteY2" fmla="*/ 1947245 h 2013617"/>
+                <a:gd name="connsiteX3" fmla="*/ 153310 w 1960623"/>
+                <a:gd name="connsiteY3" fmla="*/ 1610909 h 2013617"/>
+                <a:gd name="connsiteX4" fmla="*/ 153310 w 1960623"/>
+                <a:gd name="connsiteY4" fmla="*/ 188054 h 2013617"/>
+                <a:gd name="connsiteX0" fmla="*/ 153310 w 1971177"/>
+                <a:gd name="connsiteY0" fmla="*/ 188054 h 2013617"/>
+                <a:gd name="connsiteX1" fmla="*/ 1586714 w 1971177"/>
+                <a:gd name="connsiteY1" fmla="*/ 188054 h 2013617"/>
+                <a:gd name="connsiteX2" fmla="*/ 1923051 w 1971177"/>
+                <a:gd name="connsiteY2" fmla="*/ 1947245 h 2013617"/>
+                <a:gd name="connsiteX3" fmla="*/ 153310 w 1971177"/>
+                <a:gd name="connsiteY3" fmla="*/ 1610909 h 2013617"/>
+                <a:gd name="connsiteX4" fmla="*/ 153310 w 1971177"/>
+                <a:gd name="connsiteY4" fmla="*/ 188054 h 2013617"/>
+                <a:gd name="connsiteX0" fmla="*/ 85950 w 1903817"/>
+                <a:gd name="connsiteY0" fmla="*/ 188054 h 2037023"/>
+                <a:gd name="connsiteX1" fmla="*/ 1519354 w 1903817"/>
+                <a:gd name="connsiteY1" fmla="*/ 188054 h 2037023"/>
+                <a:gd name="connsiteX2" fmla="*/ 1855691 w 1903817"/>
+                <a:gd name="connsiteY2" fmla="*/ 1947245 h 2037023"/>
+                <a:gd name="connsiteX3" fmla="*/ 286012 w 1903817"/>
+                <a:gd name="connsiteY3" fmla="*/ 1712389 h 2037023"/>
+                <a:gd name="connsiteX4" fmla="*/ 85950 w 1903817"/>
+                <a:gd name="connsiteY4" fmla="*/ 188054 h 2037023"/>
+                <a:gd name="connsiteX0" fmla="*/ 85950 w 1921832"/>
+                <a:gd name="connsiteY0" fmla="*/ 117615 h 1966584"/>
+                <a:gd name="connsiteX1" fmla="*/ 1635333 w 1921832"/>
+                <a:gd name="connsiteY1" fmla="*/ 361169 h 1966584"/>
+                <a:gd name="connsiteX2" fmla="*/ 1855691 w 1921832"/>
+                <a:gd name="connsiteY2" fmla="*/ 1876806 h 1966584"/>
+                <a:gd name="connsiteX3" fmla="*/ 286012 w 1921832"/>
+                <a:gd name="connsiteY3" fmla="*/ 1641950 h 1966584"/>
+                <a:gd name="connsiteX4" fmla="*/ 85950 w 1921832"/>
+                <a:gd name="connsiteY4" fmla="*/ 117615 h 1966584"/>
+              </a:gdLst>
+              <a:ahLst/>
+              <a:cxnLst>
+                <a:cxn ang="0">
+                  <a:pos x="connsiteX0" y="connsiteY0"/>
+                </a:cxn>
+                <a:cxn ang="0">
+                  <a:pos x="connsiteX1" y="connsiteY1"/>
+                </a:cxn>
+                <a:cxn ang="0">
+                  <a:pos x="connsiteX2" y="connsiteY2"/>
+                </a:cxn>
+                <a:cxn ang="0">
+                  <a:pos x="connsiteX3" y="connsiteY3"/>
+                </a:cxn>
+                <a:cxn ang="0">
+                  <a:pos x="connsiteX4" y="connsiteY4"/>
+                </a:cxn>
+              </a:cxnLst>
+              <a:rect l="l" t="t" r="r" b="b"/>
+              <a:pathLst>
+                <a:path w="1921832" h="1966584">
+                  <a:moveTo>
+                    <a:pt x="85950" y="117615"/>
+                  </a:moveTo>
+                  <a:cubicBezTo>
+                    <a:pt x="372387" y="-183927"/>
+                    <a:pt x="1415583" y="166906"/>
+                    <a:pt x="1635333" y="361169"/>
+                  </a:cubicBezTo>
+                  <a:cubicBezTo>
+                    <a:pt x="1869222" y="628625"/>
+                    <a:pt x="2013230" y="1426683"/>
+                    <a:pt x="1855691" y="1876806"/>
+                  </a:cubicBezTo>
+                  <a:cubicBezTo>
+                    <a:pt x="1549924" y="2043041"/>
+                    <a:pt x="487400" y="1986018"/>
+                    <a:pt x="286012" y="1641950"/>
+                  </a:cubicBezTo>
+                  <a:cubicBezTo>
+                    <a:pt x="83050" y="1388023"/>
+                    <a:pt x="-119911" y="351245"/>
+                    <a:pt x="85950" y="117615"/>
+                  </a:cubicBezTo>
+                  <a:close/>
+                </a:path>
+              </a:pathLst>
+            </a:custGeom>
+            <a:solidFill>
+              <a:srgbClr val="43BFF7"/>
+            </a:solidFill>
+            <a:ln>
+              <a:noFill/>
+            </a:ln>
+          </p:spPr>
+          <p:style>
+            <a:lnRef idx="2">
+              <a:schemeClr val="accent1">
+                <a:shade val="50000"/>
+              </a:schemeClr>
+            </a:lnRef>
+            <a:fillRef idx="1">
+              <a:schemeClr val="accent1"/>
+            </a:fillRef>
+            <a:effectRef idx="0">
+              <a:schemeClr val="accent1"/>
+            </a:effectRef>
+            <a:fontRef idx="minor">
+              <a:schemeClr val="lt1"/>
+            </a:fontRef>
+          </p:style>
+          <p:txBody>
+            <a:bodyPr rtlCol="0" anchor="ctr"/>
+            <a:lstStyle/>
+            <a:p>
+              <a:pPr algn="ctr"/>
+              <a:endParaRPr lang="sv-SE"/>
+            </a:p>
+          </p:txBody>
+        </p:sp>
+        <p:sp>
+          <p:nvSpPr>
+            <p:cNvPr id="39" name="Hexagon 8"/>
+            <p:cNvSpPr/>
+            <p:nvPr/>
+          </p:nvSpPr>
+          <p:spPr>
+            <a:xfrm rot="16200000">
+              <a:off x="6403764" y="3646194"/>
+              <a:ext cx="219486" cy="302084"/>
+            </a:xfrm>
+            <a:custGeom>
+              <a:avLst/>
+              <a:gdLst>
+                <a:gd name="connsiteX0" fmla="*/ 0 w 1954763"/>
+                <a:gd name="connsiteY0" fmla="*/ 1073573 h 2147145"/>
+                <a:gd name="connsiteX1" fmla="*/ 488691 w 1954763"/>
+                <a:gd name="connsiteY1" fmla="*/ 1 h 2147145"/>
+                <a:gd name="connsiteX2" fmla="*/ 1466072 w 1954763"/>
+                <a:gd name="connsiteY2" fmla="*/ 1 h 2147145"/>
+                <a:gd name="connsiteX3" fmla="*/ 1954763 w 1954763"/>
+                <a:gd name="connsiteY3" fmla="*/ 1073573 h 2147145"/>
+                <a:gd name="connsiteX4" fmla="*/ 1466072 w 1954763"/>
+                <a:gd name="connsiteY4" fmla="*/ 2147144 h 2147145"/>
+                <a:gd name="connsiteX5" fmla="*/ 488691 w 1954763"/>
+                <a:gd name="connsiteY5" fmla="*/ 2147144 h 2147145"/>
+                <a:gd name="connsiteX6" fmla="*/ 0 w 1954763"/>
+                <a:gd name="connsiteY6" fmla="*/ 1073573 h 2147145"/>
+                <a:gd name="connsiteX0" fmla="*/ 0 w 1466072"/>
+                <a:gd name="connsiteY0" fmla="*/ 1073572 h 2147143"/>
+                <a:gd name="connsiteX1" fmla="*/ 488691 w 1466072"/>
+                <a:gd name="connsiteY1" fmla="*/ 0 h 2147143"/>
+                <a:gd name="connsiteX2" fmla="*/ 1466072 w 1466072"/>
+                <a:gd name="connsiteY2" fmla="*/ 0 h 2147143"/>
+                <a:gd name="connsiteX3" fmla="*/ 1268963 w 1466072"/>
+                <a:gd name="connsiteY3" fmla="*/ 1036249 h 2147143"/>
+                <a:gd name="connsiteX4" fmla="*/ 1466072 w 1466072"/>
+                <a:gd name="connsiteY4" fmla="*/ 2147143 h 2147143"/>
+                <a:gd name="connsiteX5" fmla="*/ 488691 w 1466072"/>
+                <a:gd name="connsiteY5" fmla="*/ 2147143 h 2147143"/>
+                <a:gd name="connsiteX6" fmla="*/ 0 w 1466072"/>
+                <a:gd name="connsiteY6" fmla="*/ 1073572 h 2147143"/>
+                <a:gd name="connsiteX0" fmla="*/ 164448 w 977381"/>
+                <a:gd name="connsiteY0" fmla="*/ 1017590 h 2147143"/>
+                <a:gd name="connsiteX1" fmla="*/ 0 w 977381"/>
+                <a:gd name="connsiteY1" fmla="*/ 0 h 2147143"/>
+                <a:gd name="connsiteX2" fmla="*/ 977381 w 977381"/>
+                <a:gd name="connsiteY2" fmla="*/ 0 h 2147143"/>
+                <a:gd name="connsiteX3" fmla="*/ 780272 w 977381"/>
+                <a:gd name="connsiteY3" fmla="*/ 1036249 h 2147143"/>
+                <a:gd name="connsiteX4" fmla="*/ 977381 w 977381"/>
+                <a:gd name="connsiteY4" fmla="*/ 2147143 h 2147143"/>
+                <a:gd name="connsiteX5" fmla="*/ 0 w 977381"/>
+                <a:gd name="connsiteY5" fmla="*/ 2147143 h 2147143"/>
+                <a:gd name="connsiteX6" fmla="*/ 164448 w 977381"/>
+                <a:gd name="connsiteY6" fmla="*/ 1017590 h 2147143"/>
+                <a:gd name="connsiteX0" fmla="*/ 164448 w 977381"/>
+                <a:gd name="connsiteY0" fmla="*/ 1017590 h 2393886"/>
+                <a:gd name="connsiteX1" fmla="*/ 0 w 977381"/>
+                <a:gd name="connsiteY1" fmla="*/ 0 h 2393886"/>
+                <a:gd name="connsiteX2" fmla="*/ 977381 w 977381"/>
+                <a:gd name="connsiteY2" fmla="*/ 0 h 2393886"/>
+                <a:gd name="connsiteX3" fmla="*/ 780272 w 977381"/>
+                <a:gd name="connsiteY3" fmla="*/ 1036249 h 2393886"/>
+                <a:gd name="connsiteX4" fmla="*/ 977381 w 977381"/>
+                <a:gd name="connsiteY4" fmla="*/ 2147143 h 2393886"/>
+                <a:gd name="connsiteX5" fmla="*/ 0 w 977381"/>
+                <a:gd name="connsiteY5" fmla="*/ 2147143 h 2393886"/>
+                <a:gd name="connsiteX6" fmla="*/ 164448 w 977381"/>
+                <a:gd name="connsiteY6" fmla="*/ 1017590 h 2393886"/>
+                <a:gd name="connsiteX0" fmla="*/ 164448 w 1163945"/>
+                <a:gd name="connsiteY0" fmla="*/ 1017590 h 2393886"/>
+                <a:gd name="connsiteX1" fmla="*/ 0 w 1163945"/>
+                <a:gd name="connsiteY1" fmla="*/ 0 h 2393886"/>
+                <a:gd name="connsiteX2" fmla="*/ 977381 w 1163945"/>
+                <a:gd name="connsiteY2" fmla="*/ 0 h 2393886"/>
+                <a:gd name="connsiteX3" fmla="*/ 780272 w 1163945"/>
+                <a:gd name="connsiteY3" fmla="*/ 1036249 h 2393886"/>
+                <a:gd name="connsiteX4" fmla="*/ 977381 w 1163945"/>
+                <a:gd name="connsiteY4" fmla="*/ 2147143 h 2393886"/>
+                <a:gd name="connsiteX5" fmla="*/ 0 w 1163945"/>
+                <a:gd name="connsiteY5" fmla="*/ 2147143 h 2393886"/>
+                <a:gd name="connsiteX6" fmla="*/ 164448 w 1163945"/>
+                <a:gd name="connsiteY6" fmla="*/ 1017590 h 2393886"/>
+                <a:gd name="connsiteX0" fmla="*/ 164448 w 1252854"/>
+                <a:gd name="connsiteY0" fmla="*/ 1017590 h 2439738"/>
+                <a:gd name="connsiteX1" fmla="*/ 0 w 1252854"/>
+                <a:gd name="connsiteY1" fmla="*/ 0 h 2439738"/>
+                <a:gd name="connsiteX2" fmla="*/ 977381 w 1252854"/>
+                <a:gd name="connsiteY2" fmla="*/ 0 h 2439738"/>
+                <a:gd name="connsiteX3" fmla="*/ 780272 w 1252854"/>
+                <a:gd name="connsiteY3" fmla="*/ 1036249 h 2439738"/>
+                <a:gd name="connsiteX4" fmla="*/ 1084683 w 1252854"/>
+                <a:gd name="connsiteY4" fmla="*/ 2207795 h 2439738"/>
+                <a:gd name="connsiteX5" fmla="*/ 0 w 1252854"/>
+                <a:gd name="connsiteY5" fmla="*/ 2147143 h 2439738"/>
+                <a:gd name="connsiteX6" fmla="*/ 164448 w 1252854"/>
+                <a:gd name="connsiteY6" fmla="*/ 1017590 h 2439738"/>
+                <a:gd name="connsiteX0" fmla="*/ 164448 w 1252854"/>
+                <a:gd name="connsiteY0" fmla="*/ 1017590 h 2402570"/>
+                <a:gd name="connsiteX1" fmla="*/ 0 w 1252854"/>
+                <a:gd name="connsiteY1" fmla="*/ 0 h 2402570"/>
+                <a:gd name="connsiteX2" fmla="*/ 977381 w 1252854"/>
+                <a:gd name="connsiteY2" fmla="*/ 0 h 2402570"/>
+                <a:gd name="connsiteX3" fmla="*/ 780272 w 1252854"/>
+                <a:gd name="connsiteY3" fmla="*/ 1036249 h 2402570"/>
+                <a:gd name="connsiteX4" fmla="*/ 1084683 w 1252854"/>
+                <a:gd name="connsiteY4" fmla="*/ 2207795 h 2402570"/>
+                <a:gd name="connsiteX5" fmla="*/ 0 w 1252854"/>
+                <a:gd name="connsiteY5" fmla="*/ 2147143 h 2402570"/>
+                <a:gd name="connsiteX6" fmla="*/ 164448 w 1252854"/>
+                <a:gd name="connsiteY6" fmla="*/ 1017590 h 2402570"/>
+                <a:gd name="connsiteX0" fmla="*/ 164448 w 1164989"/>
+                <a:gd name="connsiteY0" fmla="*/ 1017590 h 2402570"/>
+                <a:gd name="connsiteX1" fmla="*/ 0 w 1164989"/>
+                <a:gd name="connsiteY1" fmla="*/ 0 h 2402570"/>
+                <a:gd name="connsiteX2" fmla="*/ 977381 w 1164989"/>
+                <a:gd name="connsiteY2" fmla="*/ 0 h 2402570"/>
+                <a:gd name="connsiteX3" fmla="*/ 780272 w 1164989"/>
+                <a:gd name="connsiteY3" fmla="*/ 1036249 h 2402570"/>
+                <a:gd name="connsiteX4" fmla="*/ 1084683 w 1164989"/>
+                <a:gd name="connsiteY4" fmla="*/ 2207795 h 2402570"/>
+                <a:gd name="connsiteX5" fmla="*/ 0 w 1164989"/>
+                <a:gd name="connsiteY5" fmla="*/ 2147143 h 2402570"/>
+                <a:gd name="connsiteX6" fmla="*/ 164448 w 1164989"/>
+                <a:gd name="connsiteY6" fmla="*/ 1017590 h 2402570"/>
+                <a:gd name="connsiteX0" fmla="*/ 164448 w 1164989"/>
+                <a:gd name="connsiteY0" fmla="*/ 1017590 h 2524242"/>
+                <a:gd name="connsiteX1" fmla="*/ 0 w 1164989"/>
+                <a:gd name="connsiteY1" fmla="*/ 0 h 2524242"/>
+                <a:gd name="connsiteX2" fmla="*/ 977381 w 1164989"/>
+                <a:gd name="connsiteY2" fmla="*/ 0 h 2524242"/>
+                <a:gd name="connsiteX3" fmla="*/ 780272 w 1164989"/>
+                <a:gd name="connsiteY3" fmla="*/ 1036249 h 2524242"/>
+                <a:gd name="connsiteX4" fmla="*/ 1084683 w 1164989"/>
+                <a:gd name="connsiteY4" fmla="*/ 2207795 h 2524242"/>
+                <a:gd name="connsiteX5" fmla="*/ 0 w 1164989"/>
+                <a:gd name="connsiteY5" fmla="*/ 2147143 h 2524242"/>
+                <a:gd name="connsiteX6" fmla="*/ 164448 w 1164989"/>
+                <a:gd name="connsiteY6" fmla="*/ 1017590 h 2524242"/>
+                <a:gd name="connsiteX0" fmla="*/ 203287 w 1203828"/>
+                <a:gd name="connsiteY0" fmla="*/ 1017590 h 2524242"/>
+                <a:gd name="connsiteX1" fmla="*/ 38839 w 1203828"/>
+                <a:gd name="connsiteY1" fmla="*/ 0 h 2524242"/>
+                <a:gd name="connsiteX2" fmla="*/ 1016220 w 1203828"/>
+                <a:gd name="connsiteY2" fmla="*/ 0 h 2524242"/>
+                <a:gd name="connsiteX3" fmla="*/ 819111 w 1203828"/>
+                <a:gd name="connsiteY3" fmla="*/ 1036249 h 2524242"/>
+                <a:gd name="connsiteX4" fmla="*/ 1123522 w 1203828"/>
+                <a:gd name="connsiteY4" fmla="*/ 2207795 h 2524242"/>
+                <a:gd name="connsiteX5" fmla="*/ 38839 w 1203828"/>
+                <a:gd name="connsiteY5" fmla="*/ 2147143 h 2524242"/>
+                <a:gd name="connsiteX6" fmla="*/ 203287 w 1203828"/>
+                <a:gd name="connsiteY6" fmla="*/ 1017590 h 2524242"/>
+                <a:gd name="connsiteX0" fmla="*/ 292589 w 1293130"/>
+                <a:gd name="connsiteY0" fmla="*/ 1017590 h 2557112"/>
+                <a:gd name="connsiteX1" fmla="*/ 128141 w 1293130"/>
+                <a:gd name="connsiteY1" fmla="*/ 0 h 2557112"/>
+                <a:gd name="connsiteX2" fmla="*/ 1105522 w 1293130"/>
+                <a:gd name="connsiteY2" fmla="*/ 0 h 2557112"/>
+                <a:gd name="connsiteX3" fmla="*/ 908413 w 1293130"/>
+                <a:gd name="connsiteY3" fmla="*/ 1036249 h 2557112"/>
+                <a:gd name="connsiteX4" fmla="*/ 1212824 w 1293130"/>
+                <a:gd name="connsiteY4" fmla="*/ 2207795 h 2557112"/>
+                <a:gd name="connsiteX5" fmla="*/ 30170 w 1293130"/>
+                <a:gd name="connsiteY5" fmla="*/ 2217123 h 2557112"/>
+                <a:gd name="connsiteX6" fmla="*/ 292589 w 1293130"/>
+                <a:gd name="connsiteY6" fmla="*/ 1017590 h 2557112"/>
+                <a:gd name="connsiteX0" fmla="*/ 292589 w 1293130"/>
+                <a:gd name="connsiteY0" fmla="*/ 1017590 h 2543301"/>
+                <a:gd name="connsiteX1" fmla="*/ 128141 w 1293130"/>
+                <a:gd name="connsiteY1" fmla="*/ 0 h 2543301"/>
+                <a:gd name="connsiteX2" fmla="*/ 1105522 w 1293130"/>
+                <a:gd name="connsiteY2" fmla="*/ 0 h 2543301"/>
+                <a:gd name="connsiteX3" fmla="*/ 908413 w 1293130"/>
+                <a:gd name="connsiteY3" fmla="*/ 1036249 h 2543301"/>
+                <a:gd name="connsiteX4" fmla="*/ 1212824 w 1293130"/>
+                <a:gd name="connsiteY4" fmla="*/ 2207795 h 2543301"/>
+                <a:gd name="connsiteX5" fmla="*/ 30170 w 1293130"/>
+                <a:gd name="connsiteY5" fmla="*/ 2217123 h 2543301"/>
+                <a:gd name="connsiteX6" fmla="*/ 292589 w 1293130"/>
+                <a:gd name="connsiteY6" fmla="*/ 1017590 h 2543301"/>
+                <a:gd name="connsiteX0" fmla="*/ 292589 w 1285231"/>
+                <a:gd name="connsiteY0" fmla="*/ 1017590 h 2543301"/>
+                <a:gd name="connsiteX1" fmla="*/ 128141 w 1285231"/>
+                <a:gd name="connsiteY1" fmla="*/ 0 h 2543301"/>
+                <a:gd name="connsiteX2" fmla="*/ 1105522 w 1285231"/>
+                <a:gd name="connsiteY2" fmla="*/ 0 h 2543301"/>
+                <a:gd name="connsiteX3" fmla="*/ 908413 w 1285231"/>
+                <a:gd name="connsiteY3" fmla="*/ 1036249 h 2543301"/>
+                <a:gd name="connsiteX4" fmla="*/ 1212824 w 1285231"/>
+                <a:gd name="connsiteY4" fmla="*/ 2207795 h 2543301"/>
+                <a:gd name="connsiteX5" fmla="*/ 30170 w 1285231"/>
+                <a:gd name="connsiteY5" fmla="*/ 2217123 h 2543301"/>
+                <a:gd name="connsiteX6" fmla="*/ 292589 w 1285231"/>
+                <a:gd name="connsiteY6" fmla="*/ 1017590 h 2543301"/>
+                <a:gd name="connsiteX0" fmla="*/ 292589 w 1285231"/>
+                <a:gd name="connsiteY0" fmla="*/ 1017590 h 2543301"/>
+                <a:gd name="connsiteX1" fmla="*/ 128141 w 1285231"/>
+                <a:gd name="connsiteY1" fmla="*/ 0 h 2543301"/>
+                <a:gd name="connsiteX2" fmla="*/ 1105522 w 1285231"/>
+                <a:gd name="connsiteY2" fmla="*/ 0 h 2543301"/>
+                <a:gd name="connsiteX3" fmla="*/ 908413 w 1285231"/>
+                <a:gd name="connsiteY3" fmla="*/ 1036249 h 2543301"/>
+                <a:gd name="connsiteX4" fmla="*/ 1212824 w 1285231"/>
+                <a:gd name="connsiteY4" fmla="*/ 2207795 h 2543301"/>
+                <a:gd name="connsiteX5" fmla="*/ 30170 w 1285231"/>
+                <a:gd name="connsiteY5" fmla="*/ 2217123 h 2543301"/>
+                <a:gd name="connsiteX6" fmla="*/ 292589 w 1285231"/>
+                <a:gd name="connsiteY6" fmla="*/ 1017590 h 2543301"/>
+                <a:gd name="connsiteX0" fmla="*/ 292589 w 1312464"/>
+                <a:gd name="connsiteY0" fmla="*/ 1017590 h 2543301"/>
+                <a:gd name="connsiteX1" fmla="*/ 128141 w 1312464"/>
+                <a:gd name="connsiteY1" fmla="*/ 0 h 2543301"/>
+                <a:gd name="connsiteX2" fmla="*/ 1105522 w 1312464"/>
+                <a:gd name="connsiteY2" fmla="*/ 0 h 2543301"/>
+                <a:gd name="connsiteX3" fmla="*/ 1123017 w 1312464"/>
+                <a:gd name="connsiteY3" fmla="*/ 1297506 h 2543301"/>
+                <a:gd name="connsiteX4" fmla="*/ 1212824 w 1312464"/>
+                <a:gd name="connsiteY4" fmla="*/ 2207795 h 2543301"/>
+                <a:gd name="connsiteX5" fmla="*/ 30170 w 1312464"/>
+                <a:gd name="connsiteY5" fmla="*/ 2217123 h 2543301"/>
+                <a:gd name="connsiteX6" fmla="*/ 292589 w 1312464"/>
+                <a:gd name="connsiteY6" fmla="*/ 1017590 h 2543301"/>
+                <a:gd name="connsiteX0" fmla="*/ 292589 w 1312464"/>
+                <a:gd name="connsiteY0" fmla="*/ 1017590 h 2543301"/>
+                <a:gd name="connsiteX1" fmla="*/ 128141 w 1312464"/>
+                <a:gd name="connsiteY1" fmla="*/ 0 h 2543301"/>
+                <a:gd name="connsiteX2" fmla="*/ 1175501 w 1312464"/>
+                <a:gd name="connsiteY2" fmla="*/ 60652 h 2543301"/>
+                <a:gd name="connsiteX3" fmla="*/ 1123017 w 1312464"/>
+                <a:gd name="connsiteY3" fmla="*/ 1297506 h 2543301"/>
+                <a:gd name="connsiteX4" fmla="*/ 1212824 w 1312464"/>
+                <a:gd name="connsiteY4" fmla="*/ 2207795 h 2543301"/>
+                <a:gd name="connsiteX5" fmla="*/ 30170 w 1312464"/>
+                <a:gd name="connsiteY5" fmla="*/ 2217123 h 2543301"/>
+                <a:gd name="connsiteX6" fmla="*/ 292589 w 1312464"/>
+                <a:gd name="connsiteY6" fmla="*/ 1017590 h 2543301"/>
+                <a:gd name="connsiteX0" fmla="*/ 292589 w 1330432"/>
+                <a:gd name="connsiteY0" fmla="*/ 1017590 h 2543301"/>
+                <a:gd name="connsiteX1" fmla="*/ 128141 w 1330432"/>
+                <a:gd name="connsiteY1" fmla="*/ 0 h 2543301"/>
+                <a:gd name="connsiteX2" fmla="*/ 1175501 w 1330432"/>
+                <a:gd name="connsiteY2" fmla="*/ 60652 h 2543301"/>
+                <a:gd name="connsiteX3" fmla="*/ 1123017 w 1330432"/>
+                <a:gd name="connsiteY3" fmla="*/ 1297506 h 2543301"/>
+                <a:gd name="connsiteX4" fmla="*/ 1212824 w 1330432"/>
+                <a:gd name="connsiteY4" fmla="*/ 2207795 h 2543301"/>
+                <a:gd name="connsiteX5" fmla="*/ 30170 w 1330432"/>
+                <a:gd name="connsiteY5" fmla="*/ 2217123 h 2543301"/>
+                <a:gd name="connsiteX6" fmla="*/ 292589 w 1330432"/>
+                <a:gd name="connsiteY6" fmla="*/ 1017590 h 2543301"/>
+                <a:gd name="connsiteX0" fmla="*/ 292589 w 1330432"/>
+                <a:gd name="connsiteY0" fmla="*/ 1078118 h 2603829"/>
+                <a:gd name="connsiteX1" fmla="*/ 128141 w 1330432"/>
+                <a:gd name="connsiteY1" fmla="*/ 60528 h 2603829"/>
+                <a:gd name="connsiteX2" fmla="*/ 1175501 w 1330432"/>
+                <a:gd name="connsiteY2" fmla="*/ 121180 h 2603829"/>
+                <a:gd name="connsiteX3" fmla="*/ 1123017 w 1330432"/>
+                <a:gd name="connsiteY3" fmla="*/ 1358034 h 2603829"/>
+                <a:gd name="connsiteX4" fmla="*/ 1212824 w 1330432"/>
+                <a:gd name="connsiteY4" fmla="*/ 2268323 h 2603829"/>
+                <a:gd name="connsiteX5" fmla="*/ 30170 w 1330432"/>
+                <a:gd name="connsiteY5" fmla="*/ 2277651 h 2603829"/>
+                <a:gd name="connsiteX6" fmla="*/ 292589 w 1330432"/>
+                <a:gd name="connsiteY6" fmla="*/ 1078118 h 2603829"/>
+                <a:gd name="connsiteX0" fmla="*/ 292589 w 1330432"/>
+                <a:gd name="connsiteY0" fmla="*/ 1078118 h 2603829"/>
+                <a:gd name="connsiteX1" fmla="*/ 128141 w 1330432"/>
+                <a:gd name="connsiteY1" fmla="*/ 60528 h 2603829"/>
+                <a:gd name="connsiteX2" fmla="*/ 1175501 w 1330432"/>
+                <a:gd name="connsiteY2" fmla="*/ 121180 h 2603829"/>
+                <a:gd name="connsiteX3" fmla="*/ 1123017 w 1330432"/>
+                <a:gd name="connsiteY3" fmla="*/ 1358034 h 2603829"/>
+                <a:gd name="connsiteX4" fmla="*/ 1212824 w 1330432"/>
+                <a:gd name="connsiteY4" fmla="*/ 2268323 h 2603829"/>
+                <a:gd name="connsiteX5" fmla="*/ 30170 w 1330432"/>
+                <a:gd name="connsiteY5" fmla="*/ 2277651 h 2603829"/>
+                <a:gd name="connsiteX6" fmla="*/ 292589 w 1330432"/>
+                <a:gd name="connsiteY6" fmla="*/ 1078118 h 2603829"/>
+                <a:gd name="connsiteX0" fmla="*/ 292589 w 1330432"/>
+                <a:gd name="connsiteY0" fmla="*/ 1158478 h 2684189"/>
+                <a:gd name="connsiteX1" fmla="*/ 128141 w 1330432"/>
+                <a:gd name="connsiteY1" fmla="*/ 140888 h 2684189"/>
+                <a:gd name="connsiteX2" fmla="*/ 1175501 w 1330432"/>
+                <a:gd name="connsiteY2" fmla="*/ 201540 h 2684189"/>
+                <a:gd name="connsiteX3" fmla="*/ 1123017 w 1330432"/>
+                <a:gd name="connsiteY3" fmla="*/ 1438394 h 2684189"/>
+                <a:gd name="connsiteX4" fmla="*/ 1212824 w 1330432"/>
+                <a:gd name="connsiteY4" fmla="*/ 2348683 h 2684189"/>
+                <a:gd name="connsiteX5" fmla="*/ 30170 w 1330432"/>
+                <a:gd name="connsiteY5" fmla="*/ 2358011 h 2684189"/>
+                <a:gd name="connsiteX6" fmla="*/ 292589 w 1330432"/>
+                <a:gd name="connsiteY6" fmla="*/ 1158478 h 2684189"/>
+                <a:gd name="connsiteX0" fmla="*/ 323145 w 1328334"/>
+                <a:gd name="connsiteY0" fmla="*/ 1284444 h 2684189"/>
+                <a:gd name="connsiteX1" fmla="*/ 126043 w 1328334"/>
+                <a:gd name="connsiteY1" fmla="*/ 140888 h 2684189"/>
+                <a:gd name="connsiteX2" fmla="*/ 1173403 w 1328334"/>
+                <a:gd name="connsiteY2" fmla="*/ 201540 h 2684189"/>
+                <a:gd name="connsiteX3" fmla="*/ 1120919 w 1328334"/>
+                <a:gd name="connsiteY3" fmla="*/ 1438394 h 2684189"/>
+                <a:gd name="connsiteX4" fmla="*/ 1210726 w 1328334"/>
+                <a:gd name="connsiteY4" fmla="*/ 2348683 h 2684189"/>
+                <a:gd name="connsiteX5" fmla="*/ 28072 w 1328334"/>
+                <a:gd name="connsiteY5" fmla="*/ 2358011 h 2684189"/>
+                <a:gd name="connsiteX6" fmla="*/ 323145 w 1328334"/>
+                <a:gd name="connsiteY6" fmla="*/ 1284444 h 2684189"/>
+                <a:gd name="connsiteX0" fmla="*/ 316249 w 1321438"/>
+                <a:gd name="connsiteY0" fmla="*/ 1284444 h 2684189"/>
+                <a:gd name="connsiteX1" fmla="*/ 119147 w 1321438"/>
+                <a:gd name="connsiteY1" fmla="*/ 140888 h 2684189"/>
+                <a:gd name="connsiteX2" fmla="*/ 1166507 w 1321438"/>
+                <a:gd name="connsiteY2" fmla="*/ 201540 h 2684189"/>
+                <a:gd name="connsiteX3" fmla="*/ 1114023 w 1321438"/>
+                <a:gd name="connsiteY3" fmla="*/ 1438394 h 2684189"/>
+                <a:gd name="connsiteX4" fmla="*/ 1203830 w 1321438"/>
+                <a:gd name="connsiteY4" fmla="*/ 2348683 h 2684189"/>
+                <a:gd name="connsiteX5" fmla="*/ 21176 w 1321438"/>
+                <a:gd name="connsiteY5" fmla="*/ 2358011 h 2684189"/>
+                <a:gd name="connsiteX6" fmla="*/ 316249 w 1321438"/>
+                <a:gd name="connsiteY6" fmla="*/ 1284444 h 2684189"/>
+                <a:gd name="connsiteX0" fmla="*/ 316249 w 1321438"/>
+                <a:gd name="connsiteY0" fmla="*/ 1284444 h 2684189"/>
+                <a:gd name="connsiteX1" fmla="*/ 119147 w 1321438"/>
+                <a:gd name="connsiteY1" fmla="*/ 140888 h 2684189"/>
+                <a:gd name="connsiteX2" fmla="*/ 1166507 w 1321438"/>
+                <a:gd name="connsiteY2" fmla="*/ 201540 h 2684189"/>
+                <a:gd name="connsiteX3" fmla="*/ 1114023 w 1321438"/>
+                <a:gd name="connsiteY3" fmla="*/ 1438394 h 2684189"/>
+                <a:gd name="connsiteX4" fmla="*/ 1203830 w 1321438"/>
+                <a:gd name="connsiteY4" fmla="*/ 2348683 h 2684189"/>
+                <a:gd name="connsiteX5" fmla="*/ 21176 w 1321438"/>
+                <a:gd name="connsiteY5" fmla="*/ 2358011 h 2684189"/>
+                <a:gd name="connsiteX6" fmla="*/ 316249 w 1321438"/>
+                <a:gd name="connsiteY6" fmla="*/ 1284444 h 2684189"/>
+                <a:gd name="connsiteX0" fmla="*/ 257932 w 1323771"/>
+                <a:gd name="connsiteY0" fmla="*/ 1139821 h 2684189"/>
+                <a:gd name="connsiteX1" fmla="*/ 121480 w 1323771"/>
+                <a:gd name="connsiteY1" fmla="*/ 140888 h 2684189"/>
+                <a:gd name="connsiteX2" fmla="*/ 1168840 w 1323771"/>
+                <a:gd name="connsiteY2" fmla="*/ 201540 h 2684189"/>
+                <a:gd name="connsiteX3" fmla="*/ 1116356 w 1323771"/>
+                <a:gd name="connsiteY3" fmla="*/ 1438394 h 2684189"/>
+                <a:gd name="connsiteX4" fmla="*/ 1206163 w 1323771"/>
+                <a:gd name="connsiteY4" fmla="*/ 2348683 h 2684189"/>
+                <a:gd name="connsiteX5" fmla="*/ 23509 w 1323771"/>
+                <a:gd name="connsiteY5" fmla="*/ 2358011 h 2684189"/>
+                <a:gd name="connsiteX6" fmla="*/ 257932 w 1323771"/>
+                <a:gd name="connsiteY6" fmla="*/ 1139821 h 2684189"/>
+                <a:gd name="connsiteX0" fmla="*/ 343312 w 1409151"/>
+                <a:gd name="connsiteY0" fmla="*/ 1139821 h 2631761"/>
+                <a:gd name="connsiteX1" fmla="*/ 206860 w 1409151"/>
+                <a:gd name="connsiteY1" fmla="*/ 140888 h 2631761"/>
+                <a:gd name="connsiteX2" fmla="*/ 1254220 w 1409151"/>
+                <a:gd name="connsiteY2" fmla="*/ 201540 h 2631761"/>
+                <a:gd name="connsiteX3" fmla="*/ 1201736 w 1409151"/>
+                <a:gd name="connsiteY3" fmla="*/ 1438394 h 2631761"/>
+                <a:gd name="connsiteX4" fmla="*/ 1291543 w 1409151"/>
+                <a:gd name="connsiteY4" fmla="*/ 2348683 h 2631761"/>
+                <a:gd name="connsiteX5" fmla="*/ 20249 w 1409151"/>
+                <a:gd name="connsiteY5" fmla="*/ 2236713 h 2631761"/>
+                <a:gd name="connsiteX6" fmla="*/ 343312 w 1409151"/>
+                <a:gd name="connsiteY6" fmla="*/ 1139821 h 2631761"/>
+                <a:gd name="connsiteX0" fmla="*/ 343312 w 1409151"/>
+                <a:gd name="connsiteY0" fmla="*/ 1139821 h 2669734"/>
+                <a:gd name="connsiteX1" fmla="*/ 206860 w 1409151"/>
+                <a:gd name="connsiteY1" fmla="*/ 140888 h 2669734"/>
+                <a:gd name="connsiteX2" fmla="*/ 1254220 w 1409151"/>
+                <a:gd name="connsiteY2" fmla="*/ 201540 h 2669734"/>
+                <a:gd name="connsiteX3" fmla="*/ 1201736 w 1409151"/>
+                <a:gd name="connsiteY3" fmla="*/ 1438394 h 2669734"/>
+                <a:gd name="connsiteX4" fmla="*/ 1291543 w 1409151"/>
+                <a:gd name="connsiteY4" fmla="*/ 2348683 h 2669734"/>
+                <a:gd name="connsiteX5" fmla="*/ 20249 w 1409151"/>
+                <a:gd name="connsiteY5" fmla="*/ 2236713 h 2669734"/>
+                <a:gd name="connsiteX6" fmla="*/ 343312 w 1409151"/>
+                <a:gd name="connsiteY6" fmla="*/ 1139821 h 2669734"/>
+                <a:gd name="connsiteX0" fmla="*/ 343312 w 1409151"/>
+                <a:gd name="connsiteY0" fmla="*/ 1051979 h 2581892"/>
+                <a:gd name="connsiteX1" fmla="*/ 90228 w 1409151"/>
+                <a:gd name="connsiteY1" fmla="*/ 272318 h 2581892"/>
+                <a:gd name="connsiteX2" fmla="*/ 1254220 w 1409151"/>
+                <a:gd name="connsiteY2" fmla="*/ 113698 h 2581892"/>
+                <a:gd name="connsiteX3" fmla="*/ 1201736 w 1409151"/>
+                <a:gd name="connsiteY3" fmla="*/ 1350552 h 2581892"/>
+                <a:gd name="connsiteX4" fmla="*/ 1291543 w 1409151"/>
+                <a:gd name="connsiteY4" fmla="*/ 2260841 h 2581892"/>
+                <a:gd name="connsiteX5" fmla="*/ 20249 w 1409151"/>
+                <a:gd name="connsiteY5" fmla="*/ 2148871 h 2581892"/>
+                <a:gd name="connsiteX6" fmla="*/ 343312 w 1409151"/>
+                <a:gd name="connsiteY6" fmla="*/ 1051979 h 2581892"/>
+                <a:gd name="connsiteX0" fmla="*/ 162352 w 1428803"/>
+                <a:gd name="connsiteY0" fmla="*/ 1154618 h 2581892"/>
+                <a:gd name="connsiteX1" fmla="*/ 109880 w 1428803"/>
+                <a:gd name="connsiteY1" fmla="*/ 272318 h 2581892"/>
+                <a:gd name="connsiteX2" fmla="*/ 1273872 w 1428803"/>
+                <a:gd name="connsiteY2" fmla="*/ 113698 h 2581892"/>
+                <a:gd name="connsiteX3" fmla="*/ 1221388 w 1428803"/>
+                <a:gd name="connsiteY3" fmla="*/ 1350552 h 2581892"/>
+                <a:gd name="connsiteX4" fmla="*/ 1311195 w 1428803"/>
+                <a:gd name="connsiteY4" fmla="*/ 2260841 h 2581892"/>
+                <a:gd name="connsiteX5" fmla="*/ 39901 w 1428803"/>
+                <a:gd name="connsiteY5" fmla="*/ 2148871 h 2581892"/>
+                <a:gd name="connsiteX6" fmla="*/ 162352 w 1428803"/>
+                <a:gd name="connsiteY6" fmla="*/ 1154618 h 2581892"/>
+                <a:gd name="connsiteX0" fmla="*/ 162352 w 1428803"/>
+                <a:gd name="connsiteY0" fmla="*/ 1154618 h 2519889"/>
+                <a:gd name="connsiteX1" fmla="*/ 109880 w 1428803"/>
+                <a:gd name="connsiteY1" fmla="*/ 272318 h 2519889"/>
+                <a:gd name="connsiteX2" fmla="*/ 1273872 w 1428803"/>
+                <a:gd name="connsiteY2" fmla="*/ 113698 h 2519889"/>
+                <a:gd name="connsiteX3" fmla="*/ 1221388 w 1428803"/>
+                <a:gd name="connsiteY3" fmla="*/ 1350552 h 2519889"/>
+                <a:gd name="connsiteX4" fmla="*/ 1311195 w 1428803"/>
+                <a:gd name="connsiteY4" fmla="*/ 2260841 h 2519889"/>
+                <a:gd name="connsiteX5" fmla="*/ 39901 w 1428803"/>
+                <a:gd name="connsiteY5" fmla="*/ 1985584 h 2519889"/>
+                <a:gd name="connsiteX6" fmla="*/ 162352 w 1428803"/>
+                <a:gd name="connsiteY6" fmla="*/ 1154618 h 2519889"/>
+                <a:gd name="connsiteX0" fmla="*/ 162352 w 1424937"/>
+                <a:gd name="connsiteY0" fmla="*/ 1154618 h 2519889"/>
+                <a:gd name="connsiteX1" fmla="*/ 109880 w 1424937"/>
+                <a:gd name="connsiteY1" fmla="*/ 272318 h 2519889"/>
+                <a:gd name="connsiteX2" fmla="*/ 1273872 w 1424937"/>
+                <a:gd name="connsiteY2" fmla="*/ 113698 h 2519889"/>
+                <a:gd name="connsiteX3" fmla="*/ 1202727 w 1424937"/>
+                <a:gd name="connsiteY3" fmla="*/ 1135948 h 2519889"/>
+                <a:gd name="connsiteX4" fmla="*/ 1311195 w 1424937"/>
+                <a:gd name="connsiteY4" fmla="*/ 2260841 h 2519889"/>
+                <a:gd name="connsiteX5" fmla="*/ 39901 w 1424937"/>
+                <a:gd name="connsiteY5" fmla="*/ 1985584 h 2519889"/>
+                <a:gd name="connsiteX6" fmla="*/ 162352 w 1424937"/>
+                <a:gd name="connsiteY6" fmla="*/ 1154618 h 2519889"/>
+                <a:gd name="connsiteX0" fmla="*/ 162352 w 1424937"/>
+                <a:gd name="connsiteY0" fmla="*/ 1154618 h 2519889"/>
+                <a:gd name="connsiteX1" fmla="*/ 109880 w 1424937"/>
+                <a:gd name="connsiteY1" fmla="*/ 272318 h 2519889"/>
+                <a:gd name="connsiteX2" fmla="*/ 1273872 w 1424937"/>
+                <a:gd name="connsiteY2" fmla="*/ 113698 h 2519889"/>
+                <a:gd name="connsiteX3" fmla="*/ 1202727 w 1424937"/>
+                <a:gd name="connsiteY3" fmla="*/ 1135948 h 2519889"/>
+                <a:gd name="connsiteX4" fmla="*/ 1311195 w 1424937"/>
+                <a:gd name="connsiteY4" fmla="*/ 2260841 h 2519889"/>
+                <a:gd name="connsiteX5" fmla="*/ 39901 w 1424937"/>
+                <a:gd name="connsiteY5" fmla="*/ 1985584 h 2519889"/>
+                <a:gd name="connsiteX6" fmla="*/ 162352 w 1424937"/>
+                <a:gd name="connsiteY6" fmla="*/ 1154618 h 2519889"/>
+                <a:gd name="connsiteX0" fmla="*/ 162352 w 1439387"/>
+                <a:gd name="connsiteY0" fmla="*/ 1154618 h 2519889"/>
+                <a:gd name="connsiteX1" fmla="*/ 109880 w 1439387"/>
+                <a:gd name="connsiteY1" fmla="*/ 272318 h 2519889"/>
+                <a:gd name="connsiteX2" fmla="*/ 1273872 w 1439387"/>
+                <a:gd name="connsiteY2" fmla="*/ 113698 h 2519889"/>
+                <a:gd name="connsiteX3" fmla="*/ 1268042 w 1439387"/>
+                <a:gd name="connsiteY3" fmla="*/ 1229254 h 2519889"/>
+                <a:gd name="connsiteX4" fmla="*/ 1311195 w 1439387"/>
+                <a:gd name="connsiteY4" fmla="*/ 2260841 h 2519889"/>
+                <a:gd name="connsiteX5" fmla="*/ 39901 w 1439387"/>
+                <a:gd name="connsiteY5" fmla="*/ 1985584 h 2519889"/>
+                <a:gd name="connsiteX6" fmla="*/ 162352 w 1439387"/>
+                <a:gd name="connsiteY6" fmla="*/ 1154618 h 2519889"/>
+                <a:gd name="connsiteX0" fmla="*/ 162352 w 1439387"/>
+                <a:gd name="connsiteY0" fmla="*/ 1154618 h 2519889"/>
+                <a:gd name="connsiteX1" fmla="*/ 109880 w 1439387"/>
+                <a:gd name="connsiteY1" fmla="*/ 272318 h 2519889"/>
+                <a:gd name="connsiteX2" fmla="*/ 1273872 w 1439387"/>
+                <a:gd name="connsiteY2" fmla="*/ 113698 h 2519889"/>
+                <a:gd name="connsiteX3" fmla="*/ 1268042 w 1439387"/>
+                <a:gd name="connsiteY3" fmla="*/ 1229254 h 2519889"/>
+                <a:gd name="connsiteX4" fmla="*/ 1311195 w 1439387"/>
+                <a:gd name="connsiteY4" fmla="*/ 2260841 h 2519889"/>
+                <a:gd name="connsiteX5" fmla="*/ 39901 w 1439387"/>
+                <a:gd name="connsiteY5" fmla="*/ 1985584 h 2519889"/>
+                <a:gd name="connsiteX6" fmla="*/ 162352 w 1439387"/>
+                <a:gd name="connsiteY6" fmla="*/ 1154618 h 2519889"/>
+                <a:gd name="connsiteX0" fmla="*/ 133136 w 1447493"/>
+                <a:gd name="connsiteY0" fmla="*/ 1266585 h 2519889"/>
+                <a:gd name="connsiteX1" fmla="*/ 117986 w 1447493"/>
+                <a:gd name="connsiteY1" fmla="*/ 272318 h 2519889"/>
+                <a:gd name="connsiteX2" fmla="*/ 1281978 w 1447493"/>
+                <a:gd name="connsiteY2" fmla="*/ 113698 h 2519889"/>
+                <a:gd name="connsiteX3" fmla="*/ 1276148 w 1447493"/>
+                <a:gd name="connsiteY3" fmla="*/ 1229254 h 2519889"/>
+                <a:gd name="connsiteX4" fmla="*/ 1319301 w 1447493"/>
+                <a:gd name="connsiteY4" fmla="*/ 2260841 h 2519889"/>
+                <a:gd name="connsiteX5" fmla="*/ 48007 w 1447493"/>
+                <a:gd name="connsiteY5" fmla="*/ 1985584 h 2519889"/>
+                <a:gd name="connsiteX6" fmla="*/ 133136 w 1447493"/>
+                <a:gd name="connsiteY6" fmla="*/ 1266585 h 2519889"/>
+                <a:gd name="connsiteX0" fmla="*/ 133136 w 1447493"/>
+                <a:gd name="connsiteY0" fmla="*/ 1271880 h 2525184"/>
+                <a:gd name="connsiteX1" fmla="*/ 117986 w 1447493"/>
+                <a:gd name="connsiteY1" fmla="*/ 277613 h 2525184"/>
+                <a:gd name="connsiteX2" fmla="*/ 1281978 w 1447493"/>
+                <a:gd name="connsiteY2" fmla="*/ 118993 h 2525184"/>
+                <a:gd name="connsiteX3" fmla="*/ 1276148 w 1447493"/>
+                <a:gd name="connsiteY3" fmla="*/ 1234549 h 2525184"/>
+                <a:gd name="connsiteX4" fmla="*/ 1319301 w 1447493"/>
+                <a:gd name="connsiteY4" fmla="*/ 2266136 h 2525184"/>
+                <a:gd name="connsiteX5" fmla="*/ 48007 w 1447493"/>
+                <a:gd name="connsiteY5" fmla="*/ 1990879 h 2525184"/>
+                <a:gd name="connsiteX6" fmla="*/ 133136 w 1447493"/>
+                <a:gd name="connsiteY6" fmla="*/ 1271880 h 2525184"/>
+                <a:gd name="connsiteX0" fmla="*/ 127470 w 1441827"/>
+                <a:gd name="connsiteY0" fmla="*/ 1271880 h 2525184"/>
+                <a:gd name="connsiteX1" fmla="*/ 112320 w 1441827"/>
+                <a:gd name="connsiteY1" fmla="*/ 277613 h 2525184"/>
+                <a:gd name="connsiteX2" fmla="*/ 1276312 w 1441827"/>
+                <a:gd name="connsiteY2" fmla="*/ 118993 h 2525184"/>
+                <a:gd name="connsiteX3" fmla="*/ 1270482 w 1441827"/>
+                <a:gd name="connsiteY3" fmla="*/ 1234549 h 2525184"/>
+                <a:gd name="connsiteX4" fmla="*/ 1313635 w 1441827"/>
+                <a:gd name="connsiteY4" fmla="*/ 2266136 h 2525184"/>
+                <a:gd name="connsiteX5" fmla="*/ 42341 w 1441827"/>
+                <a:gd name="connsiteY5" fmla="*/ 1990879 h 2525184"/>
+                <a:gd name="connsiteX6" fmla="*/ 127470 w 1441827"/>
+                <a:gd name="connsiteY6" fmla="*/ 1271880 h 2525184"/>
+                <a:gd name="connsiteX0" fmla="*/ 151949 w 1466306"/>
+                <a:gd name="connsiteY0" fmla="*/ 1271880 h 2581141"/>
+                <a:gd name="connsiteX1" fmla="*/ 136799 w 1466306"/>
+                <a:gd name="connsiteY1" fmla="*/ 277613 h 2581141"/>
+                <a:gd name="connsiteX2" fmla="*/ 1300791 w 1466306"/>
+                <a:gd name="connsiteY2" fmla="*/ 118993 h 2581141"/>
+                <a:gd name="connsiteX3" fmla="*/ 1294961 w 1466306"/>
+                <a:gd name="connsiteY3" fmla="*/ 1234549 h 2581141"/>
+                <a:gd name="connsiteX4" fmla="*/ 1338114 w 1466306"/>
+                <a:gd name="connsiteY4" fmla="*/ 2266136 h 2581141"/>
+                <a:gd name="connsiteX5" fmla="*/ 38828 w 1466306"/>
+                <a:gd name="connsiteY5" fmla="*/ 2140172 h 2581141"/>
+                <a:gd name="connsiteX6" fmla="*/ 151949 w 1466306"/>
+                <a:gd name="connsiteY6" fmla="*/ 1271880 h 2581141"/>
+                <a:gd name="connsiteX0" fmla="*/ 151949 w 1466306"/>
+                <a:gd name="connsiteY0" fmla="*/ 1271880 h 2505974"/>
+                <a:gd name="connsiteX1" fmla="*/ 136799 w 1466306"/>
+                <a:gd name="connsiteY1" fmla="*/ 277613 h 2505974"/>
+                <a:gd name="connsiteX2" fmla="*/ 1300791 w 1466306"/>
+                <a:gd name="connsiteY2" fmla="*/ 118993 h 2505974"/>
+                <a:gd name="connsiteX3" fmla="*/ 1294961 w 1466306"/>
+                <a:gd name="connsiteY3" fmla="*/ 1234549 h 2505974"/>
+                <a:gd name="connsiteX4" fmla="*/ 1338114 w 1466306"/>
+                <a:gd name="connsiteY4" fmla="*/ 2266136 h 2505974"/>
+                <a:gd name="connsiteX5" fmla="*/ 38828 w 1466306"/>
+                <a:gd name="connsiteY5" fmla="*/ 2140172 h 2505974"/>
+                <a:gd name="connsiteX6" fmla="*/ 151949 w 1466306"/>
+                <a:gd name="connsiteY6" fmla="*/ 1271880 h 2505974"/>
+                <a:gd name="connsiteX0" fmla="*/ 126281 w 1440638"/>
+                <a:gd name="connsiteY0" fmla="*/ 1271880 h 2505974"/>
+                <a:gd name="connsiteX1" fmla="*/ 111131 w 1440638"/>
+                <a:gd name="connsiteY1" fmla="*/ 277613 h 2505974"/>
+                <a:gd name="connsiteX2" fmla="*/ 1275123 w 1440638"/>
+                <a:gd name="connsiteY2" fmla="*/ 118993 h 2505974"/>
+                <a:gd name="connsiteX3" fmla="*/ 1269293 w 1440638"/>
+                <a:gd name="connsiteY3" fmla="*/ 1234549 h 2505974"/>
+                <a:gd name="connsiteX4" fmla="*/ 1312446 w 1440638"/>
+                <a:gd name="connsiteY4" fmla="*/ 2266136 h 2505974"/>
+                <a:gd name="connsiteX5" fmla="*/ 13160 w 1440638"/>
+                <a:gd name="connsiteY5" fmla="*/ 2140172 h 2505974"/>
+                <a:gd name="connsiteX6" fmla="*/ 126281 w 1440638"/>
+                <a:gd name="connsiteY6" fmla="*/ 1271880 h 2505974"/>
+                <a:gd name="connsiteX0" fmla="*/ 126281 w 1440638"/>
+                <a:gd name="connsiteY0" fmla="*/ 1271880 h 2500048"/>
+                <a:gd name="connsiteX1" fmla="*/ 111131 w 1440638"/>
+                <a:gd name="connsiteY1" fmla="*/ 277613 h 2500048"/>
+                <a:gd name="connsiteX2" fmla="*/ 1275123 w 1440638"/>
+                <a:gd name="connsiteY2" fmla="*/ 118993 h 2500048"/>
+                <a:gd name="connsiteX3" fmla="*/ 1269293 w 1440638"/>
+                <a:gd name="connsiteY3" fmla="*/ 1234549 h 2500048"/>
+                <a:gd name="connsiteX4" fmla="*/ 1312446 w 1440638"/>
+                <a:gd name="connsiteY4" fmla="*/ 2266136 h 2500048"/>
+                <a:gd name="connsiteX5" fmla="*/ 13160 w 1440638"/>
+                <a:gd name="connsiteY5" fmla="*/ 2140172 h 2500048"/>
+                <a:gd name="connsiteX6" fmla="*/ 126281 w 1440638"/>
+                <a:gd name="connsiteY6" fmla="*/ 1271880 h 2500048"/>
+              </a:gdLst>
+              <a:ahLst/>
+              <a:cxnLst>
+                <a:cxn ang="0">
+                  <a:pos x="connsiteX0" y="connsiteY0"/>
+                </a:cxn>
+                <a:cxn ang="0">
+                  <a:pos x="connsiteX1" y="connsiteY1"/>
+                </a:cxn>
+                <a:cxn ang="0">
+                  <a:pos x="connsiteX2" y="connsiteY2"/>
+                </a:cxn>
+                <a:cxn ang="0">
+                  <a:pos x="connsiteX3" y="connsiteY3"/>
+                </a:cxn>
+                <a:cxn ang="0">
+                  <a:pos x="connsiteX4" y="connsiteY4"/>
+                </a:cxn>
+                <a:cxn ang="0">
+                  <a:pos x="connsiteX5" y="connsiteY5"/>
+                </a:cxn>
+                <a:cxn ang="0">
+                  <a:pos x="connsiteX6" y="connsiteY6"/>
+                </a:cxn>
+              </a:cxnLst>
+              <a:rect l="l" t="t" r="r" b="b"/>
+              <a:pathLst>
+                <a:path w="1440638" h="2500048">
+                  <a:moveTo>
+                    <a:pt x="126281" y="1271880"/>
+                  </a:moveTo>
+                  <a:cubicBezTo>
+                    <a:pt x="141444" y="979338"/>
+                    <a:pt x="-76651" y="644802"/>
+                    <a:pt x="111131" y="277613"/>
+                  </a:cubicBezTo>
+                  <a:cubicBezTo>
+                    <a:pt x="278305" y="45902"/>
+                    <a:pt x="870020" y="-125156"/>
+                    <a:pt x="1275123" y="118993"/>
+                  </a:cubicBezTo>
+                  <a:cubicBezTo>
+                    <a:pt x="1661955" y="520396"/>
+                    <a:pt x="1246355" y="861141"/>
+                    <a:pt x="1269293" y="1234549"/>
+                  </a:cubicBezTo>
+                  <a:cubicBezTo>
+                    <a:pt x="1251017" y="1618846"/>
+                    <a:pt x="1582642" y="1662573"/>
+                    <a:pt x="1312446" y="2266136"/>
+                  </a:cubicBezTo>
+                  <a:cubicBezTo>
+                    <a:pt x="977322" y="2737332"/>
+                    <a:pt x="101023" y="2392103"/>
+                    <a:pt x="13160" y="2140172"/>
+                  </a:cubicBezTo>
+                  <a:cubicBezTo>
+                    <a:pt x="-48657" y="1754327"/>
+                    <a:pt x="127449" y="1671728"/>
+                    <a:pt x="126281" y="1271880"/>
+                  </a:cubicBezTo>
+                  <a:close/>
+                </a:path>
+              </a:pathLst>
+            </a:custGeom>
+            <a:solidFill>
+              <a:srgbClr val="DD5893"/>
+            </a:solidFill>
+            <a:ln>
+              <a:noFill/>
+            </a:ln>
+          </p:spPr>
+          <p:style>
+            <a:lnRef idx="2">
+              <a:schemeClr val="accent1">
+                <a:shade val="50000"/>
+              </a:schemeClr>
+            </a:lnRef>
+            <a:fillRef idx="1">
+              <a:schemeClr val="accent1"/>
+            </a:fillRef>
+            <a:effectRef idx="0">
+              <a:schemeClr val="accent1"/>
+            </a:effectRef>
+            <a:fontRef idx="minor">
+              <a:schemeClr val="lt1"/>
+            </a:fontRef>
+          </p:style>
+          <p:txBody>
+            <a:bodyPr rtlCol="0" anchor="ctr"/>
+            <a:lstStyle/>
+            <a:p>
+              <a:pPr algn="ctr"/>
+              <a:endParaRPr lang="sv-SE" dirty="0"/>
+            </a:p>
+          </p:txBody>
+        </p:sp>
+        <p:sp>
+          <p:nvSpPr>
+            <p:cNvPr id="40" name="Hexagon 8"/>
+            <p:cNvSpPr/>
+            <p:nvPr/>
+          </p:nvSpPr>
+          <p:spPr>
+            <a:xfrm rot="16200000">
+              <a:off x="4725196" y="1709331"/>
+              <a:ext cx="219486" cy="302084"/>
+            </a:xfrm>
+            <a:custGeom>
+              <a:avLst/>
+              <a:gdLst>
+                <a:gd name="connsiteX0" fmla="*/ 0 w 1954763"/>
+                <a:gd name="connsiteY0" fmla="*/ 1073573 h 2147145"/>
+                <a:gd name="connsiteX1" fmla="*/ 488691 w 1954763"/>
+                <a:gd name="connsiteY1" fmla="*/ 1 h 2147145"/>
+                <a:gd name="connsiteX2" fmla="*/ 1466072 w 1954763"/>
+                <a:gd name="connsiteY2" fmla="*/ 1 h 2147145"/>
+                <a:gd name="connsiteX3" fmla="*/ 1954763 w 1954763"/>
+                <a:gd name="connsiteY3" fmla="*/ 1073573 h 2147145"/>
+                <a:gd name="connsiteX4" fmla="*/ 1466072 w 1954763"/>
+                <a:gd name="connsiteY4" fmla="*/ 2147144 h 2147145"/>
+                <a:gd name="connsiteX5" fmla="*/ 488691 w 1954763"/>
+                <a:gd name="connsiteY5" fmla="*/ 2147144 h 2147145"/>
+                <a:gd name="connsiteX6" fmla="*/ 0 w 1954763"/>
+                <a:gd name="connsiteY6" fmla="*/ 1073573 h 2147145"/>
+                <a:gd name="connsiteX0" fmla="*/ 0 w 1466072"/>
+                <a:gd name="connsiteY0" fmla="*/ 1073572 h 2147143"/>
+                <a:gd name="connsiteX1" fmla="*/ 488691 w 1466072"/>
+                <a:gd name="connsiteY1" fmla="*/ 0 h 2147143"/>
+                <a:gd name="connsiteX2" fmla="*/ 1466072 w 1466072"/>
+                <a:gd name="connsiteY2" fmla="*/ 0 h 2147143"/>
+                <a:gd name="connsiteX3" fmla="*/ 1268963 w 1466072"/>
+                <a:gd name="connsiteY3" fmla="*/ 1036249 h 2147143"/>
+                <a:gd name="connsiteX4" fmla="*/ 1466072 w 1466072"/>
+                <a:gd name="connsiteY4" fmla="*/ 2147143 h 2147143"/>
+                <a:gd name="connsiteX5" fmla="*/ 488691 w 1466072"/>
+                <a:gd name="connsiteY5" fmla="*/ 2147143 h 2147143"/>
+                <a:gd name="connsiteX6" fmla="*/ 0 w 1466072"/>
+                <a:gd name="connsiteY6" fmla="*/ 1073572 h 2147143"/>
+                <a:gd name="connsiteX0" fmla="*/ 164448 w 977381"/>
+                <a:gd name="connsiteY0" fmla="*/ 1017590 h 2147143"/>
+                <a:gd name="connsiteX1" fmla="*/ 0 w 977381"/>
+                <a:gd name="connsiteY1" fmla="*/ 0 h 2147143"/>
+                <a:gd name="connsiteX2" fmla="*/ 977381 w 977381"/>
+                <a:gd name="connsiteY2" fmla="*/ 0 h 2147143"/>
+                <a:gd name="connsiteX3" fmla="*/ 780272 w 977381"/>
+                <a:gd name="connsiteY3" fmla="*/ 1036249 h 2147143"/>
+                <a:gd name="connsiteX4" fmla="*/ 977381 w 977381"/>
+                <a:gd name="connsiteY4" fmla="*/ 2147143 h 2147143"/>
+                <a:gd name="connsiteX5" fmla="*/ 0 w 977381"/>
+                <a:gd name="connsiteY5" fmla="*/ 2147143 h 2147143"/>
+                <a:gd name="connsiteX6" fmla="*/ 164448 w 977381"/>
+                <a:gd name="connsiteY6" fmla="*/ 1017590 h 2147143"/>
+                <a:gd name="connsiteX0" fmla="*/ 164448 w 977381"/>
+                <a:gd name="connsiteY0" fmla="*/ 1017590 h 2393886"/>
+                <a:gd name="connsiteX1" fmla="*/ 0 w 977381"/>
+                <a:gd name="connsiteY1" fmla="*/ 0 h 2393886"/>
+                <a:gd name="connsiteX2" fmla="*/ 977381 w 977381"/>
+                <a:gd name="connsiteY2" fmla="*/ 0 h 2393886"/>
+                <a:gd name="connsiteX3" fmla="*/ 780272 w 977381"/>
+                <a:gd name="connsiteY3" fmla="*/ 1036249 h 2393886"/>
+                <a:gd name="connsiteX4" fmla="*/ 977381 w 977381"/>
+                <a:gd name="connsiteY4" fmla="*/ 2147143 h 2393886"/>
+                <a:gd name="connsiteX5" fmla="*/ 0 w 977381"/>
+                <a:gd name="connsiteY5" fmla="*/ 2147143 h 2393886"/>
+                <a:gd name="connsiteX6" fmla="*/ 164448 w 977381"/>
+                <a:gd name="connsiteY6" fmla="*/ 1017590 h 2393886"/>
+                <a:gd name="connsiteX0" fmla="*/ 164448 w 1163945"/>
+                <a:gd name="connsiteY0" fmla="*/ 1017590 h 2393886"/>
+                <a:gd name="connsiteX1" fmla="*/ 0 w 1163945"/>
+                <a:gd name="connsiteY1" fmla="*/ 0 h 2393886"/>
+                <a:gd name="connsiteX2" fmla="*/ 977381 w 1163945"/>
+                <a:gd name="connsiteY2" fmla="*/ 0 h 2393886"/>
+                <a:gd name="connsiteX3" fmla="*/ 780272 w 1163945"/>
+                <a:gd name="connsiteY3" fmla="*/ 1036249 h 2393886"/>
+                <a:gd name="connsiteX4" fmla="*/ 977381 w 1163945"/>
+                <a:gd name="connsiteY4" fmla="*/ 2147143 h 2393886"/>
+                <a:gd name="connsiteX5" fmla="*/ 0 w 1163945"/>
+                <a:gd name="connsiteY5" fmla="*/ 2147143 h 2393886"/>
+                <a:gd name="connsiteX6" fmla="*/ 164448 w 1163945"/>
+                <a:gd name="connsiteY6" fmla="*/ 1017590 h 2393886"/>
+                <a:gd name="connsiteX0" fmla="*/ 164448 w 1252854"/>
+                <a:gd name="connsiteY0" fmla="*/ 1017590 h 2439738"/>
+                <a:gd name="connsiteX1" fmla="*/ 0 w 1252854"/>
+                <a:gd name="connsiteY1" fmla="*/ 0 h 2439738"/>
+                <a:gd name="connsiteX2" fmla="*/ 977381 w 1252854"/>
+                <a:gd name="connsiteY2" fmla="*/ 0 h 2439738"/>
+                <a:gd name="connsiteX3" fmla="*/ 780272 w 1252854"/>
+                <a:gd name="connsiteY3" fmla="*/ 1036249 h 2439738"/>
+                <a:gd name="connsiteX4" fmla="*/ 1084683 w 1252854"/>
+                <a:gd name="connsiteY4" fmla="*/ 2207795 h 2439738"/>
+                <a:gd name="connsiteX5" fmla="*/ 0 w 1252854"/>
+                <a:gd name="connsiteY5" fmla="*/ 2147143 h 2439738"/>
+                <a:gd name="connsiteX6" fmla="*/ 164448 w 1252854"/>
+                <a:gd name="connsiteY6" fmla="*/ 1017590 h 2439738"/>
+                <a:gd name="connsiteX0" fmla="*/ 164448 w 1252854"/>
+                <a:gd name="connsiteY0" fmla="*/ 1017590 h 2402570"/>
+                <a:gd name="connsiteX1" fmla="*/ 0 w 1252854"/>
+                <a:gd name="connsiteY1" fmla="*/ 0 h 2402570"/>
+                <a:gd name="connsiteX2" fmla="*/ 977381 w 1252854"/>
+                <a:gd name="connsiteY2" fmla="*/ 0 h 2402570"/>
+                <a:gd name="connsiteX3" fmla="*/ 780272 w 1252854"/>
+                <a:gd name="connsiteY3" fmla="*/ 1036249 h 2402570"/>
+                <a:gd name="connsiteX4" fmla="*/ 1084683 w 1252854"/>
+                <a:gd name="connsiteY4" fmla="*/ 2207795 h 2402570"/>
+                <a:gd name="connsiteX5" fmla="*/ 0 w 1252854"/>
+                <a:gd name="connsiteY5" fmla="*/ 2147143 h 2402570"/>
+                <a:gd name="connsiteX6" fmla="*/ 164448 w 1252854"/>
+                <a:gd name="connsiteY6" fmla="*/ 1017590 h 2402570"/>
+                <a:gd name="connsiteX0" fmla="*/ 164448 w 1164989"/>
+                <a:gd name="connsiteY0" fmla="*/ 1017590 h 2402570"/>
+                <a:gd name="connsiteX1" fmla="*/ 0 w 1164989"/>
+                <a:gd name="connsiteY1" fmla="*/ 0 h 2402570"/>
+                <a:gd name="connsiteX2" fmla="*/ 977381 w 1164989"/>
+                <a:gd name="connsiteY2" fmla="*/ 0 h 2402570"/>
+                <a:gd name="connsiteX3" fmla="*/ 780272 w 1164989"/>
+                <a:gd name="connsiteY3" fmla="*/ 1036249 h 2402570"/>
+                <a:gd name="connsiteX4" fmla="*/ 1084683 w 1164989"/>
+                <a:gd name="connsiteY4" fmla="*/ 2207795 h 2402570"/>
+                <a:gd name="connsiteX5" fmla="*/ 0 w 1164989"/>
+                <a:gd name="connsiteY5" fmla="*/ 2147143 h 2402570"/>
+                <a:gd name="connsiteX6" fmla="*/ 164448 w 1164989"/>
+                <a:gd name="connsiteY6" fmla="*/ 1017590 h 2402570"/>
+                <a:gd name="connsiteX0" fmla="*/ 164448 w 1164989"/>
+                <a:gd name="connsiteY0" fmla="*/ 1017590 h 2524242"/>
+                <a:gd name="connsiteX1" fmla="*/ 0 w 1164989"/>
+                <a:gd name="connsiteY1" fmla="*/ 0 h 2524242"/>
+                <a:gd name="connsiteX2" fmla="*/ 977381 w 1164989"/>
+                <a:gd name="connsiteY2" fmla="*/ 0 h 2524242"/>
+                <a:gd name="connsiteX3" fmla="*/ 780272 w 1164989"/>
+                <a:gd name="connsiteY3" fmla="*/ 1036249 h 2524242"/>
+                <a:gd name="connsiteX4" fmla="*/ 1084683 w 1164989"/>
+                <a:gd name="connsiteY4" fmla="*/ 2207795 h 2524242"/>
+                <a:gd name="connsiteX5" fmla="*/ 0 w 1164989"/>
+                <a:gd name="connsiteY5" fmla="*/ 2147143 h 2524242"/>
+                <a:gd name="connsiteX6" fmla="*/ 164448 w 1164989"/>
+                <a:gd name="connsiteY6" fmla="*/ 1017590 h 2524242"/>
+                <a:gd name="connsiteX0" fmla="*/ 203287 w 1203828"/>
+                <a:gd name="connsiteY0" fmla="*/ 1017590 h 2524242"/>
+                <a:gd name="connsiteX1" fmla="*/ 38839 w 1203828"/>
+                <a:gd name="connsiteY1" fmla="*/ 0 h 2524242"/>
+                <a:gd name="connsiteX2" fmla="*/ 1016220 w 1203828"/>
+                <a:gd name="connsiteY2" fmla="*/ 0 h 2524242"/>
+                <a:gd name="connsiteX3" fmla="*/ 819111 w 1203828"/>
+                <a:gd name="connsiteY3" fmla="*/ 1036249 h 2524242"/>
+                <a:gd name="connsiteX4" fmla="*/ 1123522 w 1203828"/>
+                <a:gd name="connsiteY4" fmla="*/ 2207795 h 2524242"/>
+                <a:gd name="connsiteX5" fmla="*/ 38839 w 1203828"/>
+                <a:gd name="connsiteY5" fmla="*/ 2147143 h 2524242"/>
+                <a:gd name="connsiteX6" fmla="*/ 203287 w 1203828"/>
+                <a:gd name="connsiteY6" fmla="*/ 1017590 h 2524242"/>
+                <a:gd name="connsiteX0" fmla="*/ 292589 w 1293130"/>
+                <a:gd name="connsiteY0" fmla="*/ 1017590 h 2557112"/>
+                <a:gd name="connsiteX1" fmla="*/ 128141 w 1293130"/>
+                <a:gd name="connsiteY1" fmla="*/ 0 h 2557112"/>
+                <a:gd name="connsiteX2" fmla="*/ 1105522 w 1293130"/>
+                <a:gd name="connsiteY2" fmla="*/ 0 h 2557112"/>
+                <a:gd name="connsiteX3" fmla="*/ 908413 w 1293130"/>
+                <a:gd name="connsiteY3" fmla="*/ 1036249 h 2557112"/>
+                <a:gd name="connsiteX4" fmla="*/ 1212824 w 1293130"/>
+                <a:gd name="connsiteY4" fmla="*/ 2207795 h 2557112"/>
+                <a:gd name="connsiteX5" fmla="*/ 30170 w 1293130"/>
+                <a:gd name="connsiteY5" fmla="*/ 2217123 h 2557112"/>
+                <a:gd name="connsiteX6" fmla="*/ 292589 w 1293130"/>
+                <a:gd name="connsiteY6" fmla="*/ 1017590 h 2557112"/>
+                <a:gd name="connsiteX0" fmla="*/ 292589 w 1293130"/>
+                <a:gd name="connsiteY0" fmla="*/ 1017590 h 2543301"/>
+                <a:gd name="connsiteX1" fmla="*/ 128141 w 1293130"/>
+                <a:gd name="connsiteY1" fmla="*/ 0 h 2543301"/>
+                <a:gd name="connsiteX2" fmla="*/ 1105522 w 1293130"/>
+                <a:gd name="connsiteY2" fmla="*/ 0 h 2543301"/>
+                <a:gd name="connsiteX3" fmla="*/ 908413 w 1293130"/>
+                <a:gd name="connsiteY3" fmla="*/ 1036249 h 2543301"/>
+                <a:gd name="connsiteX4" fmla="*/ 1212824 w 1293130"/>
+                <a:gd name="connsiteY4" fmla="*/ 2207795 h 2543301"/>
+                <a:gd name="connsiteX5" fmla="*/ 30170 w 1293130"/>
+                <a:gd name="connsiteY5" fmla="*/ 2217123 h 2543301"/>
+                <a:gd name="connsiteX6" fmla="*/ 292589 w 1293130"/>
+                <a:gd name="connsiteY6" fmla="*/ 1017590 h 2543301"/>
+                <a:gd name="connsiteX0" fmla="*/ 292589 w 1285231"/>
+                <a:gd name="connsiteY0" fmla="*/ 1017590 h 2543301"/>
+                <a:gd name="connsiteX1" fmla="*/ 128141 w 1285231"/>
+                <a:gd name="connsiteY1" fmla="*/ 0 h 2543301"/>
+                <a:gd name="connsiteX2" fmla="*/ 1105522 w 1285231"/>
+                <a:gd name="connsiteY2" fmla="*/ 0 h 2543301"/>
+                <a:gd name="connsiteX3" fmla="*/ 908413 w 1285231"/>
+                <a:gd name="connsiteY3" fmla="*/ 1036249 h 2543301"/>
+                <a:gd name="connsiteX4" fmla="*/ 1212824 w 1285231"/>
+                <a:gd name="connsiteY4" fmla="*/ 2207795 h 2543301"/>
+                <a:gd name="connsiteX5" fmla="*/ 30170 w 1285231"/>
+                <a:gd name="connsiteY5" fmla="*/ 2217123 h 2543301"/>
+                <a:gd name="connsiteX6" fmla="*/ 292589 w 1285231"/>
+                <a:gd name="connsiteY6" fmla="*/ 1017590 h 2543301"/>
+                <a:gd name="connsiteX0" fmla="*/ 292589 w 1285231"/>
+                <a:gd name="connsiteY0" fmla="*/ 1017590 h 2543301"/>
+                <a:gd name="connsiteX1" fmla="*/ 128141 w 1285231"/>
+                <a:gd name="connsiteY1" fmla="*/ 0 h 2543301"/>
+                <a:gd name="connsiteX2" fmla="*/ 1105522 w 1285231"/>
+                <a:gd name="connsiteY2" fmla="*/ 0 h 2543301"/>
+                <a:gd name="connsiteX3" fmla="*/ 908413 w 1285231"/>
+                <a:gd name="connsiteY3" fmla="*/ 1036249 h 2543301"/>
+                <a:gd name="connsiteX4" fmla="*/ 1212824 w 1285231"/>
+                <a:gd name="connsiteY4" fmla="*/ 2207795 h 2543301"/>
+                <a:gd name="connsiteX5" fmla="*/ 30170 w 1285231"/>
+                <a:gd name="connsiteY5" fmla="*/ 2217123 h 2543301"/>
+                <a:gd name="connsiteX6" fmla="*/ 292589 w 1285231"/>
+                <a:gd name="connsiteY6" fmla="*/ 1017590 h 2543301"/>
+                <a:gd name="connsiteX0" fmla="*/ 292589 w 1312464"/>
+                <a:gd name="connsiteY0" fmla="*/ 1017590 h 2543301"/>
+                <a:gd name="connsiteX1" fmla="*/ 128141 w 1312464"/>
+                <a:gd name="connsiteY1" fmla="*/ 0 h 2543301"/>
+                <a:gd name="connsiteX2" fmla="*/ 1105522 w 1312464"/>
+                <a:gd name="connsiteY2" fmla="*/ 0 h 2543301"/>
+                <a:gd name="connsiteX3" fmla="*/ 1123017 w 1312464"/>
+                <a:gd name="connsiteY3" fmla="*/ 1297506 h 2543301"/>
+                <a:gd name="connsiteX4" fmla="*/ 1212824 w 1312464"/>
+                <a:gd name="connsiteY4" fmla="*/ 2207795 h 2543301"/>
+                <a:gd name="connsiteX5" fmla="*/ 30170 w 1312464"/>
+                <a:gd name="connsiteY5" fmla="*/ 2217123 h 2543301"/>
+                <a:gd name="connsiteX6" fmla="*/ 292589 w 1312464"/>
+                <a:gd name="connsiteY6" fmla="*/ 1017590 h 2543301"/>
+                <a:gd name="connsiteX0" fmla="*/ 292589 w 1312464"/>
+                <a:gd name="connsiteY0" fmla="*/ 1017590 h 2543301"/>
+                <a:gd name="connsiteX1" fmla="*/ 128141 w 1312464"/>
+                <a:gd name="connsiteY1" fmla="*/ 0 h 2543301"/>
+                <a:gd name="connsiteX2" fmla="*/ 1175501 w 1312464"/>
+                <a:gd name="connsiteY2" fmla="*/ 60652 h 2543301"/>
+                <a:gd name="connsiteX3" fmla="*/ 1123017 w 1312464"/>
+                <a:gd name="connsiteY3" fmla="*/ 1297506 h 2543301"/>
+                <a:gd name="connsiteX4" fmla="*/ 1212824 w 1312464"/>
+                <a:gd name="connsiteY4" fmla="*/ 2207795 h 2543301"/>
+                <a:gd name="connsiteX5" fmla="*/ 30170 w 1312464"/>
+                <a:gd name="connsiteY5" fmla="*/ 2217123 h 2543301"/>
+                <a:gd name="connsiteX6" fmla="*/ 292589 w 1312464"/>
+                <a:gd name="connsiteY6" fmla="*/ 1017590 h 2543301"/>
+                <a:gd name="connsiteX0" fmla="*/ 292589 w 1330432"/>
+                <a:gd name="connsiteY0" fmla="*/ 1017590 h 2543301"/>
+                <a:gd name="connsiteX1" fmla="*/ 128141 w 1330432"/>
+                <a:gd name="connsiteY1" fmla="*/ 0 h 2543301"/>
+                <a:gd name="connsiteX2" fmla="*/ 1175501 w 1330432"/>
+                <a:gd name="connsiteY2" fmla="*/ 60652 h 2543301"/>
+                <a:gd name="connsiteX3" fmla="*/ 1123017 w 1330432"/>
+                <a:gd name="connsiteY3" fmla="*/ 1297506 h 2543301"/>
+                <a:gd name="connsiteX4" fmla="*/ 1212824 w 1330432"/>
+                <a:gd name="connsiteY4" fmla="*/ 2207795 h 2543301"/>
+                <a:gd name="connsiteX5" fmla="*/ 30170 w 1330432"/>
+                <a:gd name="connsiteY5" fmla="*/ 2217123 h 2543301"/>
+                <a:gd name="connsiteX6" fmla="*/ 292589 w 1330432"/>
+                <a:gd name="connsiteY6" fmla="*/ 1017590 h 2543301"/>
+                <a:gd name="connsiteX0" fmla="*/ 292589 w 1330432"/>
+                <a:gd name="connsiteY0" fmla="*/ 1078118 h 2603829"/>
+                <a:gd name="connsiteX1" fmla="*/ 128141 w 1330432"/>
+                <a:gd name="connsiteY1" fmla="*/ 60528 h 2603829"/>
+                <a:gd name="connsiteX2" fmla="*/ 1175501 w 1330432"/>
+                <a:gd name="connsiteY2" fmla="*/ 121180 h 2603829"/>
+                <a:gd name="connsiteX3" fmla="*/ 1123017 w 1330432"/>
+                <a:gd name="connsiteY3" fmla="*/ 1358034 h 2603829"/>
+                <a:gd name="connsiteX4" fmla="*/ 1212824 w 1330432"/>
+                <a:gd name="connsiteY4" fmla="*/ 2268323 h 2603829"/>
+                <a:gd name="connsiteX5" fmla="*/ 30170 w 1330432"/>
+                <a:gd name="connsiteY5" fmla="*/ 2277651 h 2603829"/>
+                <a:gd name="connsiteX6" fmla="*/ 292589 w 1330432"/>
+                <a:gd name="connsiteY6" fmla="*/ 1078118 h 2603829"/>
+                <a:gd name="connsiteX0" fmla="*/ 292589 w 1330432"/>
+                <a:gd name="connsiteY0" fmla="*/ 1078118 h 2603829"/>
+                <a:gd name="connsiteX1" fmla="*/ 128141 w 1330432"/>
+                <a:gd name="connsiteY1" fmla="*/ 60528 h 2603829"/>
+                <a:gd name="connsiteX2" fmla="*/ 1175501 w 1330432"/>
+                <a:gd name="connsiteY2" fmla="*/ 121180 h 2603829"/>
+                <a:gd name="connsiteX3" fmla="*/ 1123017 w 1330432"/>
+                <a:gd name="connsiteY3" fmla="*/ 1358034 h 2603829"/>
+                <a:gd name="connsiteX4" fmla="*/ 1212824 w 1330432"/>
+                <a:gd name="connsiteY4" fmla="*/ 2268323 h 2603829"/>
+                <a:gd name="connsiteX5" fmla="*/ 30170 w 1330432"/>
+                <a:gd name="connsiteY5" fmla="*/ 2277651 h 2603829"/>
+                <a:gd name="connsiteX6" fmla="*/ 292589 w 1330432"/>
+                <a:gd name="connsiteY6" fmla="*/ 1078118 h 2603829"/>
+                <a:gd name="connsiteX0" fmla="*/ 292589 w 1330432"/>
+                <a:gd name="connsiteY0" fmla="*/ 1158478 h 2684189"/>
+                <a:gd name="connsiteX1" fmla="*/ 128141 w 1330432"/>
+                <a:gd name="connsiteY1" fmla="*/ 140888 h 2684189"/>
+                <a:gd name="connsiteX2" fmla="*/ 1175501 w 1330432"/>
+                <a:gd name="connsiteY2" fmla="*/ 201540 h 2684189"/>
+                <a:gd name="connsiteX3" fmla="*/ 1123017 w 1330432"/>
+                <a:gd name="connsiteY3" fmla="*/ 1438394 h 2684189"/>
+                <a:gd name="connsiteX4" fmla="*/ 1212824 w 1330432"/>
+                <a:gd name="connsiteY4" fmla="*/ 2348683 h 2684189"/>
+                <a:gd name="connsiteX5" fmla="*/ 30170 w 1330432"/>
+                <a:gd name="connsiteY5" fmla="*/ 2358011 h 2684189"/>
+                <a:gd name="connsiteX6" fmla="*/ 292589 w 1330432"/>
+                <a:gd name="connsiteY6" fmla="*/ 1158478 h 2684189"/>
+                <a:gd name="connsiteX0" fmla="*/ 323145 w 1328334"/>
+                <a:gd name="connsiteY0" fmla="*/ 1284444 h 2684189"/>
+                <a:gd name="connsiteX1" fmla="*/ 126043 w 1328334"/>
+                <a:gd name="connsiteY1" fmla="*/ 140888 h 2684189"/>
+                <a:gd name="connsiteX2" fmla="*/ 1173403 w 1328334"/>
+                <a:gd name="connsiteY2" fmla="*/ 201540 h 2684189"/>
+                <a:gd name="connsiteX3" fmla="*/ 1120919 w 1328334"/>
+                <a:gd name="connsiteY3" fmla="*/ 1438394 h 2684189"/>
+                <a:gd name="connsiteX4" fmla="*/ 1210726 w 1328334"/>
+                <a:gd name="connsiteY4" fmla="*/ 2348683 h 2684189"/>
+                <a:gd name="connsiteX5" fmla="*/ 28072 w 1328334"/>
+                <a:gd name="connsiteY5" fmla="*/ 2358011 h 2684189"/>
+                <a:gd name="connsiteX6" fmla="*/ 323145 w 1328334"/>
+                <a:gd name="connsiteY6" fmla="*/ 1284444 h 2684189"/>
+                <a:gd name="connsiteX0" fmla="*/ 316249 w 1321438"/>
+                <a:gd name="connsiteY0" fmla="*/ 1284444 h 2684189"/>
+                <a:gd name="connsiteX1" fmla="*/ 119147 w 1321438"/>
+                <a:gd name="connsiteY1" fmla="*/ 140888 h 2684189"/>
+                <a:gd name="connsiteX2" fmla="*/ 1166507 w 1321438"/>
+                <a:gd name="connsiteY2" fmla="*/ 201540 h 2684189"/>
+                <a:gd name="connsiteX3" fmla="*/ 1114023 w 1321438"/>
+                <a:gd name="connsiteY3" fmla="*/ 1438394 h 2684189"/>
+                <a:gd name="connsiteX4" fmla="*/ 1203830 w 1321438"/>
+                <a:gd name="connsiteY4" fmla="*/ 2348683 h 2684189"/>
+                <a:gd name="connsiteX5" fmla="*/ 21176 w 1321438"/>
+                <a:gd name="connsiteY5" fmla="*/ 2358011 h 2684189"/>
+                <a:gd name="connsiteX6" fmla="*/ 316249 w 1321438"/>
+                <a:gd name="connsiteY6" fmla="*/ 1284444 h 2684189"/>
+                <a:gd name="connsiteX0" fmla="*/ 316249 w 1321438"/>
+                <a:gd name="connsiteY0" fmla="*/ 1284444 h 2684189"/>
+                <a:gd name="connsiteX1" fmla="*/ 119147 w 1321438"/>
+                <a:gd name="connsiteY1" fmla="*/ 140888 h 2684189"/>
+                <a:gd name="connsiteX2" fmla="*/ 1166507 w 1321438"/>
+                <a:gd name="connsiteY2" fmla="*/ 201540 h 2684189"/>
+                <a:gd name="connsiteX3" fmla="*/ 1114023 w 1321438"/>
+                <a:gd name="connsiteY3" fmla="*/ 1438394 h 2684189"/>
+                <a:gd name="connsiteX4" fmla="*/ 1203830 w 1321438"/>
+                <a:gd name="connsiteY4" fmla="*/ 2348683 h 2684189"/>
+                <a:gd name="connsiteX5" fmla="*/ 21176 w 1321438"/>
+                <a:gd name="connsiteY5" fmla="*/ 2358011 h 2684189"/>
+                <a:gd name="connsiteX6" fmla="*/ 316249 w 1321438"/>
+                <a:gd name="connsiteY6" fmla="*/ 1284444 h 2684189"/>
+                <a:gd name="connsiteX0" fmla="*/ 257932 w 1323771"/>
+                <a:gd name="connsiteY0" fmla="*/ 1139821 h 2684189"/>
+                <a:gd name="connsiteX1" fmla="*/ 121480 w 1323771"/>
+                <a:gd name="connsiteY1" fmla="*/ 140888 h 2684189"/>
+                <a:gd name="connsiteX2" fmla="*/ 1168840 w 1323771"/>
+                <a:gd name="connsiteY2" fmla="*/ 201540 h 2684189"/>
+                <a:gd name="connsiteX3" fmla="*/ 1116356 w 1323771"/>
+                <a:gd name="connsiteY3" fmla="*/ 1438394 h 2684189"/>
+                <a:gd name="connsiteX4" fmla="*/ 1206163 w 1323771"/>
+                <a:gd name="connsiteY4" fmla="*/ 2348683 h 2684189"/>
+                <a:gd name="connsiteX5" fmla="*/ 23509 w 1323771"/>
+                <a:gd name="connsiteY5" fmla="*/ 2358011 h 2684189"/>
+                <a:gd name="connsiteX6" fmla="*/ 257932 w 1323771"/>
+                <a:gd name="connsiteY6" fmla="*/ 1139821 h 2684189"/>
+                <a:gd name="connsiteX0" fmla="*/ 343312 w 1409151"/>
+                <a:gd name="connsiteY0" fmla="*/ 1139821 h 2631761"/>
+                <a:gd name="connsiteX1" fmla="*/ 206860 w 1409151"/>
+                <a:gd name="connsiteY1" fmla="*/ 140888 h 2631761"/>
+                <a:gd name="connsiteX2" fmla="*/ 1254220 w 1409151"/>
+                <a:gd name="connsiteY2" fmla="*/ 201540 h 2631761"/>
+                <a:gd name="connsiteX3" fmla="*/ 1201736 w 1409151"/>
+                <a:gd name="connsiteY3" fmla="*/ 1438394 h 2631761"/>
+                <a:gd name="connsiteX4" fmla="*/ 1291543 w 1409151"/>
+                <a:gd name="connsiteY4" fmla="*/ 2348683 h 2631761"/>
+                <a:gd name="connsiteX5" fmla="*/ 20249 w 1409151"/>
+                <a:gd name="connsiteY5" fmla="*/ 2236713 h 2631761"/>
+                <a:gd name="connsiteX6" fmla="*/ 343312 w 1409151"/>
+                <a:gd name="connsiteY6" fmla="*/ 1139821 h 2631761"/>
+                <a:gd name="connsiteX0" fmla="*/ 343312 w 1409151"/>
+                <a:gd name="connsiteY0" fmla="*/ 1139821 h 2669734"/>
+                <a:gd name="connsiteX1" fmla="*/ 206860 w 1409151"/>
+                <a:gd name="connsiteY1" fmla="*/ 140888 h 2669734"/>
+                <a:gd name="connsiteX2" fmla="*/ 1254220 w 1409151"/>
+                <a:gd name="connsiteY2" fmla="*/ 201540 h 2669734"/>
+                <a:gd name="connsiteX3" fmla="*/ 1201736 w 1409151"/>
+                <a:gd name="connsiteY3" fmla="*/ 1438394 h 2669734"/>
+                <a:gd name="connsiteX4" fmla="*/ 1291543 w 1409151"/>
+                <a:gd name="connsiteY4" fmla="*/ 2348683 h 2669734"/>
+                <a:gd name="connsiteX5" fmla="*/ 20249 w 1409151"/>
+                <a:gd name="connsiteY5" fmla="*/ 2236713 h 2669734"/>
+                <a:gd name="connsiteX6" fmla="*/ 343312 w 1409151"/>
+                <a:gd name="connsiteY6" fmla="*/ 1139821 h 2669734"/>
+                <a:gd name="connsiteX0" fmla="*/ 343312 w 1409151"/>
+                <a:gd name="connsiteY0" fmla="*/ 1051979 h 2581892"/>
+                <a:gd name="connsiteX1" fmla="*/ 90228 w 1409151"/>
+                <a:gd name="connsiteY1" fmla="*/ 272318 h 2581892"/>
+                <a:gd name="connsiteX2" fmla="*/ 1254220 w 1409151"/>
+                <a:gd name="connsiteY2" fmla="*/ 113698 h 2581892"/>
+                <a:gd name="connsiteX3" fmla="*/ 1201736 w 1409151"/>
+                <a:gd name="connsiteY3" fmla="*/ 1350552 h 2581892"/>
+                <a:gd name="connsiteX4" fmla="*/ 1291543 w 1409151"/>
+                <a:gd name="connsiteY4" fmla="*/ 2260841 h 2581892"/>
+                <a:gd name="connsiteX5" fmla="*/ 20249 w 1409151"/>
+                <a:gd name="connsiteY5" fmla="*/ 2148871 h 2581892"/>
+                <a:gd name="connsiteX6" fmla="*/ 343312 w 1409151"/>
+                <a:gd name="connsiteY6" fmla="*/ 1051979 h 2581892"/>
+                <a:gd name="connsiteX0" fmla="*/ 162352 w 1428803"/>
+                <a:gd name="connsiteY0" fmla="*/ 1154618 h 2581892"/>
+                <a:gd name="connsiteX1" fmla="*/ 109880 w 1428803"/>
+                <a:gd name="connsiteY1" fmla="*/ 272318 h 2581892"/>
+                <a:gd name="connsiteX2" fmla="*/ 1273872 w 1428803"/>
+                <a:gd name="connsiteY2" fmla="*/ 113698 h 2581892"/>
+                <a:gd name="connsiteX3" fmla="*/ 1221388 w 1428803"/>
+                <a:gd name="connsiteY3" fmla="*/ 1350552 h 2581892"/>
+                <a:gd name="connsiteX4" fmla="*/ 1311195 w 1428803"/>
+                <a:gd name="connsiteY4" fmla="*/ 2260841 h 2581892"/>
+                <a:gd name="connsiteX5" fmla="*/ 39901 w 1428803"/>
+                <a:gd name="connsiteY5" fmla="*/ 2148871 h 2581892"/>
+                <a:gd name="connsiteX6" fmla="*/ 162352 w 1428803"/>
+                <a:gd name="connsiteY6" fmla="*/ 1154618 h 2581892"/>
+                <a:gd name="connsiteX0" fmla="*/ 162352 w 1428803"/>
+                <a:gd name="connsiteY0" fmla="*/ 1154618 h 2519889"/>
+                <a:gd name="connsiteX1" fmla="*/ 109880 w 1428803"/>
+                <a:gd name="connsiteY1" fmla="*/ 272318 h 2519889"/>
+                <a:gd name="connsiteX2" fmla="*/ 1273872 w 1428803"/>
+                <a:gd name="connsiteY2" fmla="*/ 113698 h 2519889"/>
+                <a:gd name="connsiteX3" fmla="*/ 1221388 w 1428803"/>
+                <a:gd name="connsiteY3" fmla="*/ 1350552 h 2519889"/>
+                <a:gd name="connsiteX4" fmla="*/ 1311195 w 1428803"/>
+                <a:gd name="connsiteY4" fmla="*/ 2260841 h 2519889"/>
+                <a:gd name="connsiteX5" fmla="*/ 39901 w 1428803"/>
+                <a:gd name="connsiteY5" fmla="*/ 1985584 h 2519889"/>
+                <a:gd name="connsiteX6" fmla="*/ 162352 w 1428803"/>
+                <a:gd name="connsiteY6" fmla="*/ 1154618 h 2519889"/>
+                <a:gd name="connsiteX0" fmla="*/ 162352 w 1424937"/>
+                <a:gd name="connsiteY0" fmla="*/ 1154618 h 2519889"/>
+                <a:gd name="connsiteX1" fmla="*/ 109880 w 1424937"/>
+                <a:gd name="connsiteY1" fmla="*/ 272318 h 2519889"/>
+                <a:gd name="connsiteX2" fmla="*/ 1273872 w 1424937"/>
+                <a:gd name="connsiteY2" fmla="*/ 113698 h 2519889"/>
+                <a:gd name="connsiteX3" fmla="*/ 1202727 w 1424937"/>
+                <a:gd name="connsiteY3" fmla="*/ 1135948 h 2519889"/>
+                <a:gd name="connsiteX4" fmla="*/ 1311195 w 1424937"/>
+                <a:gd name="connsiteY4" fmla="*/ 2260841 h 2519889"/>
+                <a:gd name="connsiteX5" fmla="*/ 39901 w 1424937"/>
+                <a:gd name="connsiteY5" fmla="*/ 1985584 h 2519889"/>
+                <a:gd name="connsiteX6" fmla="*/ 162352 w 1424937"/>
+                <a:gd name="connsiteY6" fmla="*/ 1154618 h 2519889"/>
+                <a:gd name="connsiteX0" fmla="*/ 162352 w 1424937"/>
+                <a:gd name="connsiteY0" fmla="*/ 1154618 h 2519889"/>
+                <a:gd name="connsiteX1" fmla="*/ 109880 w 1424937"/>
+                <a:gd name="connsiteY1" fmla="*/ 272318 h 2519889"/>
+                <a:gd name="connsiteX2" fmla="*/ 1273872 w 1424937"/>
+                <a:gd name="connsiteY2" fmla="*/ 113698 h 2519889"/>
+                <a:gd name="connsiteX3" fmla="*/ 1202727 w 1424937"/>
+                <a:gd name="connsiteY3" fmla="*/ 1135948 h 2519889"/>
+                <a:gd name="connsiteX4" fmla="*/ 1311195 w 1424937"/>
+                <a:gd name="connsiteY4" fmla="*/ 2260841 h 2519889"/>
+                <a:gd name="connsiteX5" fmla="*/ 39901 w 1424937"/>
+                <a:gd name="connsiteY5" fmla="*/ 1985584 h 2519889"/>
+                <a:gd name="connsiteX6" fmla="*/ 162352 w 1424937"/>
+                <a:gd name="connsiteY6" fmla="*/ 1154618 h 2519889"/>
+                <a:gd name="connsiteX0" fmla="*/ 162352 w 1439387"/>
+                <a:gd name="connsiteY0" fmla="*/ 1154618 h 2519889"/>
+                <a:gd name="connsiteX1" fmla="*/ 109880 w 1439387"/>
+                <a:gd name="connsiteY1" fmla="*/ 272318 h 2519889"/>
+                <a:gd name="connsiteX2" fmla="*/ 1273872 w 1439387"/>
+                <a:gd name="connsiteY2" fmla="*/ 113698 h 2519889"/>
+                <a:gd name="connsiteX3" fmla="*/ 1268042 w 1439387"/>
+                <a:gd name="connsiteY3" fmla="*/ 1229254 h 2519889"/>
+                <a:gd name="connsiteX4" fmla="*/ 1311195 w 1439387"/>
+                <a:gd name="connsiteY4" fmla="*/ 2260841 h 2519889"/>
+                <a:gd name="connsiteX5" fmla="*/ 39901 w 1439387"/>
+                <a:gd name="connsiteY5" fmla="*/ 1985584 h 2519889"/>
+                <a:gd name="connsiteX6" fmla="*/ 162352 w 1439387"/>
+                <a:gd name="connsiteY6" fmla="*/ 1154618 h 2519889"/>
+                <a:gd name="connsiteX0" fmla="*/ 162352 w 1439387"/>
+                <a:gd name="connsiteY0" fmla="*/ 1154618 h 2519889"/>
+                <a:gd name="connsiteX1" fmla="*/ 109880 w 1439387"/>
+                <a:gd name="connsiteY1" fmla="*/ 272318 h 2519889"/>
+                <a:gd name="connsiteX2" fmla="*/ 1273872 w 1439387"/>
+                <a:gd name="connsiteY2" fmla="*/ 113698 h 2519889"/>
+                <a:gd name="connsiteX3" fmla="*/ 1268042 w 1439387"/>
+                <a:gd name="connsiteY3" fmla="*/ 1229254 h 2519889"/>
+                <a:gd name="connsiteX4" fmla="*/ 1311195 w 1439387"/>
+                <a:gd name="connsiteY4" fmla="*/ 2260841 h 2519889"/>
+                <a:gd name="connsiteX5" fmla="*/ 39901 w 1439387"/>
+                <a:gd name="connsiteY5" fmla="*/ 1985584 h 2519889"/>
+                <a:gd name="connsiteX6" fmla="*/ 162352 w 1439387"/>
+                <a:gd name="connsiteY6" fmla="*/ 1154618 h 2519889"/>
+                <a:gd name="connsiteX0" fmla="*/ 133136 w 1447493"/>
+                <a:gd name="connsiteY0" fmla="*/ 1266585 h 2519889"/>
+                <a:gd name="connsiteX1" fmla="*/ 117986 w 1447493"/>
+                <a:gd name="connsiteY1" fmla="*/ 272318 h 2519889"/>
+                <a:gd name="connsiteX2" fmla="*/ 1281978 w 1447493"/>
+                <a:gd name="connsiteY2" fmla="*/ 113698 h 2519889"/>
+                <a:gd name="connsiteX3" fmla="*/ 1276148 w 1447493"/>
+                <a:gd name="connsiteY3" fmla="*/ 1229254 h 2519889"/>
+                <a:gd name="connsiteX4" fmla="*/ 1319301 w 1447493"/>
+                <a:gd name="connsiteY4" fmla="*/ 2260841 h 2519889"/>
+                <a:gd name="connsiteX5" fmla="*/ 48007 w 1447493"/>
+                <a:gd name="connsiteY5" fmla="*/ 1985584 h 2519889"/>
+                <a:gd name="connsiteX6" fmla="*/ 133136 w 1447493"/>
+                <a:gd name="connsiteY6" fmla="*/ 1266585 h 2519889"/>
+                <a:gd name="connsiteX0" fmla="*/ 133136 w 1447493"/>
+                <a:gd name="connsiteY0" fmla="*/ 1271880 h 2525184"/>
+                <a:gd name="connsiteX1" fmla="*/ 117986 w 1447493"/>
+                <a:gd name="connsiteY1" fmla="*/ 277613 h 2525184"/>
+                <a:gd name="connsiteX2" fmla="*/ 1281978 w 1447493"/>
+                <a:gd name="connsiteY2" fmla="*/ 118993 h 2525184"/>
+                <a:gd name="connsiteX3" fmla="*/ 1276148 w 1447493"/>
+                <a:gd name="connsiteY3" fmla="*/ 1234549 h 2525184"/>
+                <a:gd name="connsiteX4" fmla="*/ 1319301 w 1447493"/>
+                <a:gd name="connsiteY4" fmla="*/ 2266136 h 2525184"/>
+                <a:gd name="connsiteX5" fmla="*/ 48007 w 1447493"/>
+                <a:gd name="connsiteY5" fmla="*/ 1990879 h 2525184"/>
+                <a:gd name="connsiteX6" fmla="*/ 133136 w 1447493"/>
+                <a:gd name="connsiteY6" fmla="*/ 1271880 h 2525184"/>
+                <a:gd name="connsiteX0" fmla="*/ 127470 w 1441827"/>
+                <a:gd name="connsiteY0" fmla="*/ 1271880 h 2525184"/>
+                <a:gd name="connsiteX1" fmla="*/ 112320 w 1441827"/>
+                <a:gd name="connsiteY1" fmla="*/ 277613 h 2525184"/>
+                <a:gd name="connsiteX2" fmla="*/ 1276312 w 1441827"/>
+                <a:gd name="connsiteY2" fmla="*/ 118993 h 2525184"/>
+                <a:gd name="connsiteX3" fmla="*/ 1270482 w 1441827"/>
+                <a:gd name="connsiteY3" fmla="*/ 1234549 h 2525184"/>
+                <a:gd name="connsiteX4" fmla="*/ 1313635 w 1441827"/>
+                <a:gd name="connsiteY4" fmla="*/ 2266136 h 2525184"/>
+                <a:gd name="connsiteX5" fmla="*/ 42341 w 1441827"/>
+                <a:gd name="connsiteY5" fmla="*/ 1990879 h 2525184"/>
+                <a:gd name="connsiteX6" fmla="*/ 127470 w 1441827"/>
+                <a:gd name="connsiteY6" fmla="*/ 1271880 h 2525184"/>
+                <a:gd name="connsiteX0" fmla="*/ 151949 w 1466306"/>
+                <a:gd name="connsiteY0" fmla="*/ 1271880 h 2581141"/>
+                <a:gd name="connsiteX1" fmla="*/ 136799 w 1466306"/>
+                <a:gd name="connsiteY1" fmla="*/ 277613 h 2581141"/>
+                <a:gd name="connsiteX2" fmla="*/ 1300791 w 1466306"/>
+                <a:gd name="connsiteY2" fmla="*/ 118993 h 2581141"/>
+                <a:gd name="connsiteX3" fmla="*/ 1294961 w 1466306"/>
+                <a:gd name="connsiteY3" fmla="*/ 1234549 h 2581141"/>
+                <a:gd name="connsiteX4" fmla="*/ 1338114 w 1466306"/>
+                <a:gd name="connsiteY4" fmla="*/ 2266136 h 2581141"/>
+                <a:gd name="connsiteX5" fmla="*/ 38828 w 1466306"/>
+                <a:gd name="connsiteY5" fmla="*/ 2140172 h 2581141"/>
+                <a:gd name="connsiteX6" fmla="*/ 151949 w 1466306"/>
+                <a:gd name="connsiteY6" fmla="*/ 1271880 h 2581141"/>
+                <a:gd name="connsiteX0" fmla="*/ 151949 w 1466306"/>
+                <a:gd name="connsiteY0" fmla="*/ 1271880 h 2505974"/>
+                <a:gd name="connsiteX1" fmla="*/ 136799 w 1466306"/>
+                <a:gd name="connsiteY1" fmla="*/ 277613 h 2505974"/>
+                <a:gd name="connsiteX2" fmla="*/ 1300791 w 1466306"/>
+                <a:gd name="connsiteY2" fmla="*/ 118993 h 2505974"/>
+                <a:gd name="connsiteX3" fmla="*/ 1294961 w 1466306"/>
+                <a:gd name="connsiteY3" fmla="*/ 1234549 h 2505974"/>
+                <a:gd name="connsiteX4" fmla="*/ 1338114 w 1466306"/>
+                <a:gd name="connsiteY4" fmla="*/ 2266136 h 2505974"/>
+                <a:gd name="connsiteX5" fmla="*/ 38828 w 1466306"/>
+                <a:gd name="connsiteY5" fmla="*/ 2140172 h 2505974"/>
+                <a:gd name="connsiteX6" fmla="*/ 151949 w 1466306"/>
+                <a:gd name="connsiteY6" fmla="*/ 1271880 h 2505974"/>
+                <a:gd name="connsiteX0" fmla="*/ 126281 w 1440638"/>
+                <a:gd name="connsiteY0" fmla="*/ 1271880 h 2505974"/>
+                <a:gd name="connsiteX1" fmla="*/ 111131 w 1440638"/>
+                <a:gd name="connsiteY1" fmla="*/ 277613 h 2505974"/>
+                <a:gd name="connsiteX2" fmla="*/ 1275123 w 1440638"/>
+                <a:gd name="connsiteY2" fmla="*/ 118993 h 2505974"/>
+                <a:gd name="connsiteX3" fmla="*/ 1269293 w 1440638"/>
+                <a:gd name="connsiteY3" fmla="*/ 1234549 h 2505974"/>
+                <a:gd name="connsiteX4" fmla="*/ 1312446 w 1440638"/>
+                <a:gd name="connsiteY4" fmla="*/ 2266136 h 2505974"/>
+                <a:gd name="connsiteX5" fmla="*/ 13160 w 1440638"/>
+                <a:gd name="connsiteY5" fmla="*/ 2140172 h 2505974"/>
+                <a:gd name="connsiteX6" fmla="*/ 126281 w 1440638"/>
+                <a:gd name="connsiteY6" fmla="*/ 1271880 h 2505974"/>
+                <a:gd name="connsiteX0" fmla="*/ 126281 w 1440638"/>
+                <a:gd name="connsiteY0" fmla="*/ 1271880 h 2500048"/>
+                <a:gd name="connsiteX1" fmla="*/ 111131 w 1440638"/>
+                <a:gd name="connsiteY1" fmla="*/ 277613 h 2500048"/>
+                <a:gd name="connsiteX2" fmla="*/ 1275123 w 1440638"/>
+                <a:gd name="connsiteY2" fmla="*/ 118993 h 2500048"/>
+                <a:gd name="connsiteX3" fmla="*/ 1269293 w 1440638"/>
+                <a:gd name="connsiteY3" fmla="*/ 1234549 h 2500048"/>
+                <a:gd name="connsiteX4" fmla="*/ 1312446 w 1440638"/>
+                <a:gd name="connsiteY4" fmla="*/ 2266136 h 2500048"/>
+                <a:gd name="connsiteX5" fmla="*/ 13160 w 1440638"/>
+                <a:gd name="connsiteY5" fmla="*/ 2140172 h 2500048"/>
+                <a:gd name="connsiteX6" fmla="*/ 126281 w 1440638"/>
+                <a:gd name="connsiteY6" fmla="*/ 1271880 h 2500048"/>
+              </a:gdLst>
+              <a:ahLst/>
+              <a:cxnLst>
+                <a:cxn ang="0">
+                  <a:pos x="connsiteX0" y="connsiteY0"/>
+                </a:cxn>
+                <a:cxn ang="0">
+                  <a:pos x="connsiteX1" y="connsiteY1"/>
+                </a:cxn>
+                <a:cxn ang="0">
+                  <a:pos x="connsiteX2" y="connsiteY2"/>
+                </a:cxn>
+                <a:cxn ang="0">
+                  <a:pos x="connsiteX3" y="connsiteY3"/>
+                </a:cxn>
+                <a:cxn ang="0">
+                  <a:pos x="connsiteX4" y="connsiteY4"/>
+                </a:cxn>
+                <a:cxn ang="0">
+                  <a:pos x="connsiteX5" y="connsiteY5"/>
+                </a:cxn>
+                <a:cxn ang="0">
+                  <a:pos x="connsiteX6" y="connsiteY6"/>
+                </a:cxn>
+              </a:cxnLst>
+              <a:rect l="l" t="t" r="r" b="b"/>
+              <a:pathLst>
+                <a:path w="1440638" h="2500048">
+                  <a:moveTo>
+                    <a:pt x="126281" y="1271880"/>
+                  </a:moveTo>
+                  <a:cubicBezTo>
+                    <a:pt x="141444" y="979338"/>
+                    <a:pt x="-76651" y="644802"/>
+                    <a:pt x="111131" y="277613"/>
+                  </a:cubicBezTo>
+                  <a:cubicBezTo>
+                    <a:pt x="278305" y="45902"/>
+                    <a:pt x="870020" y="-125156"/>
+                    <a:pt x="1275123" y="118993"/>
+                  </a:cubicBezTo>
+                  <a:cubicBezTo>
+                    <a:pt x="1661955" y="520396"/>
+                    <a:pt x="1246355" y="861141"/>
+                    <a:pt x="1269293" y="1234549"/>
+                  </a:cubicBezTo>
+                  <a:cubicBezTo>
+                    <a:pt x="1251017" y="1618846"/>
+                    <a:pt x="1582642" y="1662573"/>
+                    <a:pt x="1312446" y="2266136"/>
+                  </a:cubicBezTo>
+                  <a:cubicBezTo>
+                    <a:pt x="977322" y="2737332"/>
+                    <a:pt x="101023" y="2392103"/>
+                    <a:pt x="13160" y="2140172"/>
+                  </a:cubicBezTo>
+                  <a:cubicBezTo>
+                    <a:pt x="-48657" y="1754327"/>
+                    <a:pt x="127449" y="1671728"/>
+                    <a:pt x="126281" y="1271880"/>
+                  </a:cubicBezTo>
+                  <a:close/>
+                </a:path>
+              </a:pathLst>
+            </a:custGeom>
+            <a:solidFill>
+              <a:srgbClr val="DD5893"/>
+            </a:solidFill>
+            <a:ln>
+              <a:noFill/>
+            </a:ln>
+          </p:spPr>
+          <p:style>
+            <a:lnRef idx="2">
+              <a:schemeClr val="accent1">
+                <a:shade val="50000"/>
+              </a:schemeClr>
+            </a:lnRef>
+            <a:fillRef idx="1">
+              <a:schemeClr val="accent1"/>
+            </a:fillRef>
+            <a:effectRef idx="0">
+              <a:schemeClr val="accent1"/>
+            </a:effectRef>
+            <a:fontRef idx="minor">
+              <a:schemeClr val="lt1"/>
+            </a:fontRef>
+          </p:style>
+          <p:txBody>
+            <a:bodyPr rtlCol="0" anchor="ctr"/>
+            <a:lstStyle/>
+            <a:p>
+              <a:pPr algn="ctr"/>
+              <a:endParaRPr lang="sv-SE" dirty="0"/>
+            </a:p>
+          </p:txBody>
+        </p:sp>
+        <p:sp>
+          <p:nvSpPr>
+            <p:cNvPr id="41" name="Hexagon 8"/>
+            <p:cNvSpPr/>
+            <p:nvPr/>
+          </p:nvSpPr>
+          <p:spPr>
+            <a:xfrm rot="16200000">
+              <a:off x="4273599" y="5010665"/>
+              <a:ext cx="219486" cy="302084"/>
+            </a:xfrm>
+            <a:custGeom>
+              <a:avLst/>
+              <a:gdLst>
+                <a:gd name="connsiteX0" fmla="*/ 0 w 1954763"/>
+                <a:gd name="connsiteY0" fmla="*/ 1073573 h 2147145"/>
+                <a:gd name="connsiteX1" fmla="*/ 488691 w 1954763"/>
+                <a:gd name="connsiteY1" fmla="*/ 1 h 2147145"/>
+                <a:gd name="connsiteX2" fmla="*/ 1466072 w 1954763"/>
+                <a:gd name="connsiteY2" fmla="*/ 1 h 2147145"/>
+                <a:gd name="connsiteX3" fmla="*/ 1954763 w 1954763"/>
+                <a:gd name="connsiteY3" fmla="*/ 1073573 h 2147145"/>
+                <a:gd name="connsiteX4" fmla="*/ 1466072 w 1954763"/>
+                <a:gd name="connsiteY4" fmla="*/ 2147144 h 2147145"/>
+                <a:gd name="connsiteX5" fmla="*/ 488691 w 1954763"/>
+                <a:gd name="connsiteY5" fmla="*/ 2147144 h 2147145"/>
+                <a:gd name="connsiteX6" fmla="*/ 0 w 1954763"/>
+                <a:gd name="connsiteY6" fmla="*/ 1073573 h 2147145"/>
+                <a:gd name="connsiteX0" fmla="*/ 0 w 1466072"/>
+                <a:gd name="connsiteY0" fmla="*/ 1073572 h 2147143"/>
+                <a:gd name="connsiteX1" fmla="*/ 488691 w 1466072"/>
+                <a:gd name="connsiteY1" fmla="*/ 0 h 2147143"/>
+                <a:gd name="connsiteX2" fmla="*/ 1466072 w 1466072"/>
+                <a:gd name="connsiteY2" fmla="*/ 0 h 2147143"/>
+                <a:gd name="connsiteX3" fmla="*/ 1268963 w 1466072"/>
+                <a:gd name="connsiteY3" fmla="*/ 1036249 h 2147143"/>
+                <a:gd name="connsiteX4" fmla="*/ 1466072 w 1466072"/>
+                <a:gd name="connsiteY4" fmla="*/ 2147143 h 2147143"/>
+                <a:gd name="connsiteX5" fmla="*/ 488691 w 1466072"/>
+                <a:gd name="connsiteY5" fmla="*/ 2147143 h 2147143"/>
+                <a:gd name="connsiteX6" fmla="*/ 0 w 1466072"/>
+                <a:gd name="connsiteY6" fmla="*/ 1073572 h 2147143"/>
+                <a:gd name="connsiteX0" fmla="*/ 164448 w 977381"/>
+                <a:gd name="connsiteY0" fmla="*/ 1017590 h 2147143"/>
+                <a:gd name="connsiteX1" fmla="*/ 0 w 977381"/>
+                <a:gd name="connsiteY1" fmla="*/ 0 h 2147143"/>
+                <a:gd name="connsiteX2" fmla="*/ 977381 w 977381"/>
+                <a:gd name="connsiteY2" fmla="*/ 0 h 2147143"/>
+                <a:gd name="connsiteX3" fmla="*/ 780272 w 977381"/>
+                <a:gd name="connsiteY3" fmla="*/ 1036249 h 2147143"/>
+                <a:gd name="connsiteX4" fmla="*/ 977381 w 977381"/>
+                <a:gd name="connsiteY4" fmla="*/ 2147143 h 2147143"/>
+                <a:gd name="connsiteX5" fmla="*/ 0 w 977381"/>
+                <a:gd name="connsiteY5" fmla="*/ 2147143 h 2147143"/>
+                <a:gd name="connsiteX6" fmla="*/ 164448 w 977381"/>
+                <a:gd name="connsiteY6" fmla="*/ 1017590 h 2147143"/>
+                <a:gd name="connsiteX0" fmla="*/ 164448 w 977381"/>
+                <a:gd name="connsiteY0" fmla="*/ 1017590 h 2393886"/>
+                <a:gd name="connsiteX1" fmla="*/ 0 w 977381"/>
+                <a:gd name="connsiteY1" fmla="*/ 0 h 2393886"/>
+                <a:gd name="connsiteX2" fmla="*/ 977381 w 977381"/>
+                <a:gd name="connsiteY2" fmla="*/ 0 h 2393886"/>
+                <a:gd name="connsiteX3" fmla="*/ 780272 w 977381"/>
+                <a:gd name="connsiteY3" fmla="*/ 1036249 h 2393886"/>
+                <a:gd name="connsiteX4" fmla="*/ 977381 w 977381"/>
+                <a:gd name="connsiteY4" fmla="*/ 2147143 h 2393886"/>
+                <a:gd name="connsiteX5" fmla="*/ 0 w 977381"/>
+                <a:gd name="connsiteY5" fmla="*/ 2147143 h 2393886"/>
+                <a:gd name="connsiteX6" fmla="*/ 164448 w 977381"/>
+                <a:gd name="connsiteY6" fmla="*/ 1017590 h 2393886"/>
+                <a:gd name="connsiteX0" fmla="*/ 164448 w 1163945"/>
+                <a:gd name="connsiteY0" fmla="*/ 1017590 h 2393886"/>
+                <a:gd name="connsiteX1" fmla="*/ 0 w 1163945"/>
+                <a:gd name="connsiteY1" fmla="*/ 0 h 2393886"/>
+                <a:gd name="connsiteX2" fmla="*/ 977381 w 1163945"/>
+                <a:gd name="connsiteY2" fmla="*/ 0 h 2393886"/>
+                <a:gd name="connsiteX3" fmla="*/ 780272 w 1163945"/>
+                <a:gd name="connsiteY3" fmla="*/ 1036249 h 2393886"/>
+                <a:gd name="connsiteX4" fmla="*/ 977381 w 1163945"/>
+                <a:gd name="connsiteY4" fmla="*/ 2147143 h 2393886"/>
+                <a:gd name="connsiteX5" fmla="*/ 0 w 1163945"/>
+                <a:gd name="connsiteY5" fmla="*/ 2147143 h 2393886"/>
+                <a:gd name="connsiteX6" fmla="*/ 164448 w 1163945"/>
+                <a:gd name="connsiteY6" fmla="*/ 1017590 h 2393886"/>
+                <a:gd name="connsiteX0" fmla="*/ 164448 w 1252854"/>
+                <a:gd name="connsiteY0" fmla="*/ 1017590 h 2439738"/>
+                <a:gd name="connsiteX1" fmla="*/ 0 w 1252854"/>
+                <a:gd name="connsiteY1" fmla="*/ 0 h 2439738"/>
+                <a:gd name="connsiteX2" fmla="*/ 977381 w 1252854"/>
+                <a:gd name="connsiteY2" fmla="*/ 0 h 2439738"/>
+                <a:gd name="connsiteX3" fmla="*/ 780272 w 1252854"/>
+                <a:gd name="connsiteY3" fmla="*/ 1036249 h 2439738"/>
+                <a:gd name="connsiteX4" fmla="*/ 1084683 w 1252854"/>
+                <a:gd name="connsiteY4" fmla="*/ 2207795 h 2439738"/>
+                <a:gd name="connsiteX5" fmla="*/ 0 w 1252854"/>
+                <a:gd name="connsiteY5" fmla="*/ 2147143 h 2439738"/>
+                <a:gd name="connsiteX6" fmla="*/ 164448 w 1252854"/>
+                <a:gd name="connsiteY6" fmla="*/ 1017590 h 2439738"/>
+                <a:gd name="connsiteX0" fmla="*/ 164448 w 1252854"/>
+                <a:gd name="connsiteY0" fmla="*/ 1017590 h 2402570"/>
+                <a:gd name="connsiteX1" fmla="*/ 0 w 1252854"/>
+                <a:gd name="connsiteY1" fmla="*/ 0 h 2402570"/>
+                <a:gd name="connsiteX2" fmla="*/ 977381 w 1252854"/>
+                <a:gd name="connsiteY2" fmla="*/ 0 h 2402570"/>
+                <a:gd name="connsiteX3" fmla="*/ 780272 w 1252854"/>
+                <a:gd name="connsiteY3" fmla="*/ 1036249 h 2402570"/>
+                <a:gd name="connsiteX4" fmla="*/ 1084683 w 1252854"/>
+                <a:gd name="connsiteY4" fmla="*/ 2207795 h 2402570"/>
+                <a:gd name="connsiteX5" fmla="*/ 0 w 1252854"/>
+                <a:gd name="connsiteY5" fmla="*/ 2147143 h 2402570"/>
+                <a:gd name="connsiteX6" fmla="*/ 164448 w 1252854"/>
+                <a:gd name="connsiteY6" fmla="*/ 1017590 h 2402570"/>
+                <a:gd name="connsiteX0" fmla="*/ 164448 w 1164989"/>
+                <a:gd name="connsiteY0" fmla="*/ 1017590 h 2402570"/>
+                <a:gd name="connsiteX1" fmla="*/ 0 w 1164989"/>
+                <a:gd name="connsiteY1" fmla="*/ 0 h 2402570"/>
+                <a:gd name="connsiteX2" fmla="*/ 977381 w 1164989"/>
+                <a:gd name="connsiteY2" fmla="*/ 0 h 2402570"/>
+                <a:gd name="connsiteX3" fmla="*/ 780272 w 1164989"/>
+                <a:gd name="connsiteY3" fmla="*/ 1036249 h 2402570"/>
+                <a:gd name="connsiteX4" fmla="*/ 1084683 w 1164989"/>
+                <a:gd name="connsiteY4" fmla="*/ 2207795 h 2402570"/>
+                <a:gd name="connsiteX5" fmla="*/ 0 w 1164989"/>
+                <a:gd name="connsiteY5" fmla="*/ 2147143 h 2402570"/>
+                <a:gd name="connsiteX6" fmla="*/ 164448 w 1164989"/>
+                <a:gd name="connsiteY6" fmla="*/ 1017590 h 2402570"/>
+                <a:gd name="connsiteX0" fmla="*/ 164448 w 1164989"/>
+                <a:gd name="connsiteY0" fmla="*/ 1017590 h 2524242"/>
+                <a:gd name="connsiteX1" fmla="*/ 0 w 1164989"/>
+                <a:gd name="connsiteY1" fmla="*/ 0 h 2524242"/>
+                <a:gd name="connsiteX2" fmla="*/ 977381 w 1164989"/>
+                <a:gd name="connsiteY2" fmla="*/ 0 h 2524242"/>
+                <a:gd name="connsiteX3" fmla="*/ 780272 w 1164989"/>
+                <a:gd name="connsiteY3" fmla="*/ 1036249 h 2524242"/>
+                <a:gd name="connsiteX4" fmla="*/ 1084683 w 1164989"/>
+                <a:gd name="connsiteY4" fmla="*/ 2207795 h 2524242"/>
+                <a:gd name="connsiteX5" fmla="*/ 0 w 1164989"/>
+                <a:gd name="connsiteY5" fmla="*/ 2147143 h 2524242"/>
+                <a:gd name="connsiteX6" fmla="*/ 164448 w 1164989"/>
+                <a:gd name="connsiteY6" fmla="*/ 1017590 h 2524242"/>
+                <a:gd name="connsiteX0" fmla="*/ 203287 w 1203828"/>
+                <a:gd name="connsiteY0" fmla="*/ 1017590 h 2524242"/>
+                <a:gd name="connsiteX1" fmla="*/ 38839 w 1203828"/>
+                <a:gd name="connsiteY1" fmla="*/ 0 h 2524242"/>
+                <a:gd name="connsiteX2" fmla="*/ 1016220 w 1203828"/>
+                <a:gd name="connsiteY2" fmla="*/ 0 h 2524242"/>
+                <a:gd name="connsiteX3" fmla="*/ 819111 w 1203828"/>
+                <a:gd name="connsiteY3" fmla="*/ 1036249 h 2524242"/>
+                <a:gd name="connsiteX4" fmla="*/ 1123522 w 1203828"/>
+                <a:gd name="connsiteY4" fmla="*/ 2207795 h 2524242"/>
+                <a:gd name="connsiteX5" fmla="*/ 38839 w 1203828"/>
+                <a:gd name="connsiteY5" fmla="*/ 2147143 h 2524242"/>
+                <a:gd name="connsiteX6" fmla="*/ 203287 w 1203828"/>
+                <a:gd name="connsiteY6" fmla="*/ 1017590 h 2524242"/>
+                <a:gd name="connsiteX0" fmla="*/ 292589 w 1293130"/>
+                <a:gd name="connsiteY0" fmla="*/ 1017590 h 2557112"/>
+                <a:gd name="connsiteX1" fmla="*/ 128141 w 1293130"/>
+                <a:gd name="connsiteY1" fmla="*/ 0 h 2557112"/>
+                <a:gd name="connsiteX2" fmla="*/ 1105522 w 1293130"/>
+                <a:gd name="connsiteY2" fmla="*/ 0 h 2557112"/>
+                <a:gd name="connsiteX3" fmla="*/ 908413 w 1293130"/>
+                <a:gd name="connsiteY3" fmla="*/ 1036249 h 2557112"/>
+                <a:gd name="connsiteX4" fmla="*/ 1212824 w 1293130"/>
+                <a:gd name="connsiteY4" fmla="*/ 2207795 h 2557112"/>
+                <a:gd name="connsiteX5" fmla="*/ 30170 w 1293130"/>
+                <a:gd name="connsiteY5" fmla="*/ 2217123 h 2557112"/>
+                <a:gd name="connsiteX6" fmla="*/ 292589 w 1293130"/>
+                <a:gd name="connsiteY6" fmla="*/ 1017590 h 2557112"/>
+                <a:gd name="connsiteX0" fmla="*/ 292589 w 1293130"/>
+                <a:gd name="connsiteY0" fmla="*/ 1017590 h 2543301"/>
+                <a:gd name="connsiteX1" fmla="*/ 128141 w 1293130"/>
+                <a:gd name="connsiteY1" fmla="*/ 0 h 2543301"/>
+                <a:gd name="connsiteX2" fmla="*/ 1105522 w 1293130"/>
+                <a:gd name="connsiteY2" fmla="*/ 0 h 2543301"/>
+                <a:gd name="connsiteX3" fmla="*/ 908413 w 1293130"/>
+                <a:gd name="connsiteY3" fmla="*/ 1036249 h 2543301"/>
+                <a:gd name="connsiteX4" fmla="*/ 1212824 w 1293130"/>
+                <a:gd name="connsiteY4" fmla="*/ 2207795 h 2543301"/>
+                <a:gd name="connsiteX5" fmla="*/ 30170 w 1293130"/>
+                <a:gd name="connsiteY5" fmla="*/ 2217123 h 2543301"/>
+                <a:gd name="connsiteX6" fmla="*/ 292589 w 1293130"/>
+                <a:gd name="connsiteY6" fmla="*/ 1017590 h 2543301"/>
+                <a:gd name="connsiteX0" fmla="*/ 292589 w 1285231"/>
+                <a:gd name="connsiteY0" fmla="*/ 1017590 h 2543301"/>
+                <a:gd name="connsiteX1" fmla="*/ 128141 w 1285231"/>
+                <a:gd name="connsiteY1" fmla="*/ 0 h 2543301"/>
+                <a:gd name="connsiteX2" fmla="*/ 1105522 w 1285231"/>
+                <a:gd name="connsiteY2" fmla="*/ 0 h 2543301"/>
+                <a:gd name="connsiteX3" fmla="*/ 908413 w 1285231"/>
+                <a:gd name="connsiteY3" fmla="*/ 1036249 h 2543301"/>
+                <a:gd name="connsiteX4" fmla="*/ 1212824 w 1285231"/>
+                <a:gd name="connsiteY4" fmla="*/ 2207795 h 2543301"/>
+                <a:gd name="connsiteX5" fmla="*/ 30170 w 1285231"/>
+                <a:gd name="connsiteY5" fmla="*/ 2217123 h 2543301"/>
+                <a:gd name="connsiteX6" fmla="*/ 292589 w 1285231"/>
+                <a:gd name="connsiteY6" fmla="*/ 1017590 h 2543301"/>
+                <a:gd name="connsiteX0" fmla="*/ 292589 w 1285231"/>
+                <a:gd name="connsiteY0" fmla="*/ 1017590 h 2543301"/>
+                <a:gd name="connsiteX1" fmla="*/ 128141 w 1285231"/>
+                <a:gd name="connsiteY1" fmla="*/ 0 h 2543301"/>
+                <a:gd name="connsiteX2" fmla="*/ 1105522 w 1285231"/>
+                <a:gd name="connsiteY2" fmla="*/ 0 h 2543301"/>
+                <a:gd name="connsiteX3" fmla="*/ 908413 w 1285231"/>
+                <a:gd name="connsiteY3" fmla="*/ 1036249 h 2543301"/>
+                <a:gd name="connsiteX4" fmla="*/ 1212824 w 1285231"/>
+                <a:gd name="connsiteY4" fmla="*/ 2207795 h 2543301"/>
+                <a:gd name="connsiteX5" fmla="*/ 30170 w 1285231"/>
+                <a:gd name="connsiteY5" fmla="*/ 2217123 h 2543301"/>
+                <a:gd name="connsiteX6" fmla="*/ 292589 w 1285231"/>
+                <a:gd name="connsiteY6" fmla="*/ 1017590 h 2543301"/>
+                <a:gd name="connsiteX0" fmla="*/ 292589 w 1312464"/>
+                <a:gd name="connsiteY0" fmla="*/ 1017590 h 2543301"/>
+                <a:gd name="connsiteX1" fmla="*/ 128141 w 1312464"/>
+                <a:gd name="connsiteY1" fmla="*/ 0 h 2543301"/>
+                <a:gd name="connsiteX2" fmla="*/ 1105522 w 1312464"/>
+                <a:gd name="connsiteY2" fmla="*/ 0 h 2543301"/>
+                <a:gd name="connsiteX3" fmla="*/ 1123017 w 1312464"/>
+                <a:gd name="connsiteY3" fmla="*/ 1297506 h 2543301"/>
+                <a:gd name="connsiteX4" fmla="*/ 1212824 w 1312464"/>
+                <a:gd name="connsiteY4" fmla="*/ 2207795 h 2543301"/>
+                <a:gd name="connsiteX5" fmla="*/ 30170 w 1312464"/>
+                <a:gd name="connsiteY5" fmla="*/ 2217123 h 2543301"/>
+                <a:gd name="connsiteX6" fmla="*/ 292589 w 1312464"/>
+                <a:gd name="connsiteY6" fmla="*/ 1017590 h 2543301"/>
+                <a:gd name="connsiteX0" fmla="*/ 292589 w 1312464"/>
+                <a:gd name="connsiteY0" fmla="*/ 1017590 h 2543301"/>
+                <a:gd name="connsiteX1" fmla="*/ 128141 w 1312464"/>
+                <a:gd name="connsiteY1" fmla="*/ 0 h 2543301"/>
+                <a:gd name="connsiteX2" fmla="*/ 1175501 w 1312464"/>
+                <a:gd name="connsiteY2" fmla="*/ 60652 h 2543301"/>
+                <a:gd name="connsiteX3" fmla="*/ 1123017 w 1312464"/>
+                <a:gd name="connsiteY3" fmla="*/ 1297506 h 2543301"/>
+                <a:gd name="connsiteX4" fmla="*/ 1212824 w 1312464"/>
+                <a:gd name="connsiteY4" fmla="*/ 2207795 h 2543301"/>
+                <a:gd name="connsiteX5" fmla="*/ 30170 w 1312464"/>
+                <a:gd name="connsiteY5" fmla="*/ 2217123 h 2543301"/>
+                <a:gd name="connsiteX6" fmla="*/ 292589 w 1312464"/>
+                <a:gd name="connsiteY6" fmla="*/ 1017590 h 2543301"/>
+                <a:gd name="connsiteX0" fmla="*/ 292589 w 1330432"/>
+                <a:gd name="connsiteY0" fmla="*/ 1017590 h 2543301"/>
+                <a:gd name="connsiteX1" fmla="*/ 128141 w 1330432"/>
+                <a:gd name="connsiteY1" fmla="*/ 0 h 2543301"/>
+                <a:gd name="connsiteX2" fmla="*/ 1175501 w 1330432"/>
+                <a:gd name="connsiteY2" fmla="*/ 60652 h 2543301"/>
+                <a:gd name="connsiteX3" fmla="*/ 1123017 w 1330432"/>
+                <a:gd name="connsiteY3" fmla="*/ 1297506 h 2543301"/>
+                <a:gd name="connsiteX4" fmla="*/ 1212824 w 1330432"/>
+                <a:gd name="connsiteY4" fmla="*/ 2207795 h 2543301"/>
+                <a:gd name="connsiteX5" fmla="*/ 30170 w 1330432"/>
+                <a:gd name="connsiteY5" fmla="*/ 2217123 h 2543301"/>
+                <a:gd name="connsiteX6" fmla="*/ 292589 w 1330432"/>
+                <a:gd name="connsiteY6" fmla="*/ 1017590 h 2543301"/>
+                <a:gd name="connsiteX0" fmla="*/ 292589 w 1330432"/>
+                <a:gd name="connsiteY0" fmla="*/ 1078118 h 2603829"/>
+                <a:gd name="connsiteX1" fmla="*/ 128141 w 1330432"/>
+                <a:gd name="connsiteY1" fmla="*/ 60528 h 2603829"/>
+                <a:gd name="connsiteX2" fmla="*/ 1175501 w 1330432"/>
+                <a:gd name="connsiteY2" fmla="*/ 121180 h 2603829"/>
+                <a:gd name="connsiteX3" fmla="*/ 1123017 w 1330432"/>
+                <a:gd name="connsiteY3" fmla="*/ 1358034 h 2603829"/>
+                <a:gd name="connsiteX4" fmla="*/ 1212824 w 1330432"/>
+                <a:gd name="connsiteY4" fmla="*/ 2268323 h 2603829"/>
+                <a:gd name="connsiteX5" fmla="*/ 30170 w 1330432"/>
+                <a:gd name="connsiteY5" fmla="*/ 2277651 h 2603829"/>
+                <a:gd name="connsiteX6" fmla="*/ 292589 w 1330432"/>
+                <a:gd name="connsiteY6" fmla="*/ 1078118 h 2603829"/>
+                <a:gd name="connsiteX0" fmla="*/ 292589 w 1330432"/>
+                <a:gd name="connsiteY0" fmla="*/ 1078118 h 2603829"/>
+                <a:gd name="connsiteX1" fmla="*/ 128141 w 1330432"/>
+                <a:gd name="connsiteY1" fmla="*/ 60528 h 2603829"/>
+                <a:gd name="connsiteX2" fmla="*/ 1175501 w 1330432"/>
+                <a:gd name="connsiteY2" fmla="*/ 121180 h 2603829"/>
+                <a:gd name="connsiteX3" fmla="*/ 1123017 w 1330432"/>
+                <a:gd name="connsiteY3" fmla="*/ 1358034 h 2603829"/>
+                <a:gd name="connsiteX4" fmla="*/ 1212824 w 1330432"/>
+                <a:gd name="connsiteY4" fmla="*/ 2268323 h 2603829"/>
+                <a:gd name="connsiteX5" fmla="*/ 30170 w 1330432"/>
+                <a:gd name="connsiteY5" fmla="*/ 2277651 h 2603829"/>
+                <a:gd name="connsiteX6" fmla="*/ 292589 w 1330432"/>
+                <a:gd name="connsiteY6" fmla="*/ 1078118 h 2603829"/>
+                <a:gd name="connsiteX0" fmla="*/ 292589 w 1330432"/>
+                <a:gd name="connsiteY0" fmla="*/ 1158478 h 2684189"/>
+                <a:gd name="connsiteX1" fmla="*/ 128141 w 1330432"/>
+                <a:gd name="connsiteY1" fmla="*/ 140888 h 2684189"/>
+                <a:gd name="connsiteX2" fmla="*/ 1175501 w 1330432"/>
+                <a:gd name="connsiteY2" fmla="*/ 201540 h 2684189"/>
+                <a:gd name="connsiteX3" fmla="*/ 1123017 w 1330432"/>
+                <a:gd name="connsiteY3" fmla="*/ 1438394 h 2684189"/>
+                <a:gd name="connsiteX4" fmla="*/ 1212824 w 1330432"/>
+                <a:gd name="connsiteY4" fmla="*/ 2348683 h 2684189"/>
+                <a:gd name="connsiteX5" fmla="*/ 30170 w 1330432"/>
+                <a:gd name="connsiteY5" fmla="*/ 2358011 h 2684189"/>
+                <a:gd name="connsiteX6" fmla="*/ 292589 w 1330432"/>
+                <a:gd name="connsiteY6" fmla="*/ 1158478 h 2684189"/>
+                <a:gd name="connsiteX0" fmla="*/ 323145 w 1328334"/>
+                <a:gd name="connsiteY0" fmla="*/ 1284444 h 2684189"/>
+                <a:gd name="connsiteX1" fmla="*/ 126043 w 1328334"/>
+                <a:gd name="connsiteY1" fmla="*/ 140888 h 2684189"/>
+                <a:gd name="connsiteX2" fmla="*/ 1173403 w 1328334"/>
+                <a:gd name="connsiteY2" fmla="*/ 201540 h 2684189"/>
+                <a:gd name="connsiteX3" fmla="*/ 1120919 w 1328334"/>
+                <a:gd name="connsiteY3" fmla="*/ 1438394 h 2684189"/>
+                <a:gd name="connsiteX4" fmla="*/ 1210726 w 1328334"/>
+                <a:gd name="connsiteY4" fmla="*/ 2348683 h 2684189"/>
+                <a:gd name="connsiteX5" fmla="*/ 28072 w 1328334"/>
+                <a:gd name="connsiteY5" fmla="*/ 2358011 h 2684189"/>
+                <a:gd name="connsiteX6" fmla="*/ 323145 w 1328334"/>
+                <a:gd name="connsiteY6" fmla="*/ 1284444 h 2684189"/>
+                <a:gd name="connsiteX0" fmla="*/ 316249 w 1321438"/>
+                <a:gd name="connsiteY0" fmla="*/ 1284444 h 2684189"/>
+                <a:gd name="connsiteX1" fmla="*/ 119147 w 1321438"/>
+                <a:gd name="connsiteY1" fmla="*/ 140888 h 2684189"/>
+                <a:gd name="connsiteX2" fmla="*/ 1166507 w 1321438"/>
+                <a:gd name="connsiteY2" fmla="*/ 201540 h 2684189"/>
+                <a:gd name="connsiteX3" fmla="*/ 1114023 w 1321438"/>
+                <a:gd name="connsiteY3" fmla="*/ 1438394 h 2684189"/>
+                <a:gd name="connsiteX4" fmla="*/ 1203830 w 1321438"/>
+                <a:gd name="connsiteY4" fmla="*/ 2348683 h 2684189"/>
+                <a:gd name="connsiteX5" fmla="*/ 21176 w 1321438"/>
+                <a:gd name="connsiteY5" fmla="*/ 2358011 h 2684189"/>
+                <a:gd name="connsiteX6" fmla="*/ 316249 w 1321438"/>
+                <a:gd name="connsiteY6" fmla="*/ 1284444 h 2684189"/>
+                <a:gd name="connsiteX0" fmla="*/ 316249 w 1321438"/>
+                <a:gd name="connsiteY0" fmla="*/ 1284444 h 2684189"/>
+                <a:gd name="connsiteX1" fmla="*/ 119147 w 1321438"/>
+                <a:gd name="connsiteY1" fmla="*/ 140888 h 2684189"/>
+                <a:gd name="connsiteX2" fmla="*/ 1166507 w 1321438"/>
+                <a:gd name="connsiteY2" fmla="*/ 201540 h 2684189"/>
+                <a:gd name="connsiteX3" fmla="*/ 1114023 w 1321438"/>
+                <a:gd name="connsiteY3" fmla="*/ 1438394 h 2684189"/>
+                <a:gd name="connsiteX4" fmla="*/ 1203830 w 1321438"/>
+                <a:gd name="connsiteY4" fmla="*/ 2348683 h 2684189"/>
+                <a:gd name="connsiteX5" fmla="*/ 21176 w 1321438"/>
+                <a:gd name="connsiteY5" fmla="*/ 2358011 h 2684189"/>
+                <a:gd name="connsiteX6" fmla="*/ 316249 w 1321438"/>
+                <a:gd name="connsiteY6" fmla="*/ 1284444 h 2684189"/>
+                <a:gd name="connsiteX0" fmla="*/ 257932 w 1323771"/>
+                <a:gd name="connsiteY0" fmla="*/ 1139821 h 2684189"/>
+                <a:gd name="connsiteX1" fmla="*/ 121480 w 1323771"/>
+                <a:gd name="connsiteY1" fmla="*/ 140888 h 2684189"/>
+                <a:gd name="connsiteX2" fmla="*/ 1168840 w 1323771"/>
+                <a:gd name="connsiteY2" fmla="*/ 201540 h 2684189"/>
+                <a:gd name="connsiteX3" fmla="*/ 1116356 w 1323771"/>
+                <a:gd name="connsiteY3" fmla="*/ 1438394 h 2684189"/>
+                <a:gd name="connsiteX4" fmla="*/ 1206163 w 1323771"/>
+                <a:gd name="connsiteY4" fmla="*/ 2348683 h 2684189"/>
+                <a:gd name="connsiteX5" fmla="*/ 23509 w 1323771"/>
+                <a:gd name="connsiteY5" fmla="*/ 2358011 h 2684189"/>
+                <a:gd name="connsiteX6" fmla="*/ 257932 w 1323771"/>
+                <a:gd name="connsiteY6" fmla="*/ 1139821 h 2684189"/>
+                <a:gd name="connsiteX0" fmla="*/ 343312 w 1409151"/>
+                <a:gd name="connsiteY0" fmla="*/ 1139821 h 2631761"/>
+                <a:gd name="connsiteX1" fmla="*/ 206860 w 1409151"/>
+                <a:gd name="connsiteY1" fmla="*/ 140888 h 2631761"/>
+                <a:gd name="connsiteX2" fmla="*/ 1254220 w 1409151"/>
+                <a:gd name="connsiteY2" fmla="*/ 201540 h 2631761"/>
+                <a:gd name="connsiteX3" fmla="*/ 1201736 w 1409151"/>
+                <a:gd name="connsiteY3" fmla="*/ 1438394 h 2631761"/>
+                <a:gd name="connsiteX4" fmla="*/ 1291543 w 1409151"/>
+                <a:gd name="connsiteY4" fmla="*/ 2348683 h 2631761"/>
+                <a:gd name="connsiteX5" fmla="*/ 20249 w 1409151"/>
+                <a:gd name="connsiteY5" fmla="*/ 2236713 h 2631761"/>
+                <a:gd name="connsiteX6" fmla="*/ 343312 w 1409151"/>
+                <a:gd name="connsiteY6" fmla="*/ 1139821 h 2631761"/>
+                <a:gd name="connsiteX0" fmla="*/ 343312 w 1409151"/>
+                <a:gd name="connsiteY0" fmla="*/ 1139821 h 2669734"/>
+                <a:gd name="connsiteX1" fmla="*/ 206860 w 1409151"/>
+                <a:gd name="connsiteY1" fmla="*/ 140888 h 2669734"/>
+                <a:gd name="connsiteX2" fmla="*/ 1254220 w 1409151"/>
+                <a:gd name="connsiteY2" fmla="*/ 201540 h 2669734"/>
+                <a:gd name="connsiteX3" fmla="*/ 1201736 w 1409151"/>
+                <a:gd name="connsiteY3" fmla="*/ 1438394 h 2669734"/>
+                <a:gd name="connsiteX4" fmla="*/ 1291543 w 1409151"/>
+                <a:gd name="connsiteY4" fmla="*/ 2348683 h 2669734"/>
+                <a:gd name="connsiteX5" fmla="*/ 20249 w 1409151"/>
+                <a:gd name="connsiteY5" fmla="*/ 2236713 h 2669734"/>
+                <a:gd name="connsiteX6" fmla="*/ 343312 w 1409151"/>
+                <a:gd name="connsiteY6" fmla="*/ 1139821 h 2669734"/>
+                <a:gd name="connsiteX0" fmla="*/ 343312 w 1409151"/>
+                <a:gd name="connsiteY0" fmla="*/ 1051979 h 2581892"/>
+                <a:gd name="connsiteX1" fmla="*/ 90228 w 1409151"/>
+                <a:gd name="connsiteY1" fmla="*/ 272318 h 2581892"/>
+                <a:gd name="connsiteX2" fmla="*/ 1254220 w 1409151"/>
+                <a:gd name="connsiteY2" fmla="*/ 113698 h 2581892"/>
+                <a:gd name="connsiteX3" fmla="*/ 1201736 w 1409151"/>
+                <a:gd name="connsiteY3" fmla="*/ 1350552 h 2581892"/>
+                <a:gd name="connsiteX4" fmla="*/ 1291543 w 1409151"/>
+                <a:gd name="connsiteY4" fmla="*/ 2260841 h 2581892"/>
+                <a:gd name="connsiteX5" fmla="*/ 20249 w 1409151"/>
+                <a:gd name="connsiteY5" fmla="*/ 2148871 h 2581892"/>
+                <a:gd name="connsiteX6" fmla="*/ 343312 w 1409151"/>
+                <a:gd name="connsiteY6" fmla="*/ 1051979 h 2581892"/>
+                <a:gd name="connsiteX0" fmla="*/ 162352 w 1428803"/>
+                <a:gd name="connsiteY0" fmla="*/ 1154618 h 2581892"/>
+                <a:gd name="connsiteX1" fmla="*/ 109880 w 1428803"/>
+                <a:gd name="connsiteY1" fmla="*/ 272318 h 2581892"/>
+                <a:gd name="connsiteX2" fmla="*/ 1273872 w 1428803"/>
+                <a:gd name="connsiteY2" fmla="*/ 113698 h 2581892"/>
+                <a:gd name="connsiteX3" fmla="*/ 1221388 w 1428803"/>
+                <a:gd name="connsiteY3" fmla="*/ 1350552 h 2581892"/>
+                <a:gd name="connsiteX4" fmla="*/ 1311195 w 1428803"/>
+                <a:gd name="connsiteY4" fmla="*/ 2260841 h 2581892"/>
+                <a:gd name="connsiteX5" fmla="*/ 39901 w 1428803"/>
+                <a:gd name="connsiteY5" fmla="*/ 2148871 h 2581892"/>
+                <a:gd name="connsiteX6" fmla="*/ 162352 w 1428803"/>
+                <a:gd name="connsiteY6" fmla="*/ 1154618 h 2581892"/>
+                <a:gd name="connsiteX0" fmla="*/ 162352 w 1428803"/>
+                <a:gd name="connsiteY0" fmla="*/ 1154618 h 2519889"/>
+                <a:gd name="connsiteX1" fmla="*/ 109880 w 1428803"/>
+                <a:gd name="connsiteY1" fmla="*/ 272318 h 2519889"/>
+                <a:gd name="connsiteX2" fmla="*/ 1273872 w 1428803"/>
+                <a:gd name="connsiteY2" fmla="*/ 113698 h 2519889"/>
+                <a:gd name="connsiteX3" fmla="*/ 1221388 w 1428803"/>
+                <a:gd name="connsiteY3" fmla="*/ 1350552 h 2519889"/>
+                <a:gd name="connsiteX4" fmla="*/ 1311195 w 1428803"/>
+                <a:gd name="connsiteY4" fmla="*/ 2260841 h 2519889"/>
+                <a:gd name="connsiteX5" fmla="*/ 39901 w 1428803"/>
+                <a:gd name="connsiteY5" fmla="*/ 1985584 h 2519889"/>
+                <a:gd name="connsiteX6" fmla="*/ 162352 w 1428803"/>
+                <a:gd name="connsiteY6" fmla="*/ 1154618 h 2519889"/>
+                <a:gd name="connsiteX0" fmla="*/ 162352 w 1424937"/>
+                <a:gd name="connsiteY0" fmla="*/ 1154618 h 2519889"/>
+                <a:gd name="connsiteX1" fmla="*/ 109880 w 1424937"/>
+                <a:gd name="connsiteY1" fmla="*/ 272318 h 2519889"/>
+                <a:gd name="connsiteX2" fmla="*/ 1273872 w 1424937"/>
+                <a:gd name="connsiteY2" fmla="*/ 113698 h 2519889"/>
+                <a:gd name="connsiteX3" fmla="*/ 1202727 w 1424937"/>
+                <a:gd name="connsiteY3" fmla="*/ 1135948 h 2519889"/>
+                <a:gd name="connsiteX4" fmla="*/ 1311195 w 1424937"/>
+                <a:gd name="connsiteY4" fmla="*/ 2260841 h 2519889"/>
+                <a:gd name="connsiteX5" fmla="*/ 39901 w 1424937"/>
+                <a:gd name="connsiteY5" fmla="*/ 1985584 h 2519889"/>
+                <a:gd name="connsiteX6" fmla="*/ 162352 w 1424937"/>
+                <a:gd name="connsiteY6" fmla="*/ 1154618 h 2519889"/>
+                <a:gd name="connsiteX0" fmla="*/ 162352 w 1424937"/>
+                <a:gd name="connsiteY0" fmla="*/ 1154618 h 2519889"/>
+                <a:gd name="connsiteX1" fmla="*/ 109880 w 1424937"/>
+                <a:gd name="connsiteY1" fmla="*/ 272318 h 2519889"/>
+                <a:gd name="connsiteX2" fmla="*/ 1273872 w 1424937"/>
+                <a:gd name="connsiteY2" fmla="*/ 113698 h 2519889"/>
+                <a:gd name="connsiteX3" fmla="*/ 1202727 w 1424937"/>
+                <a:gd name="connsiteY3" fmla="*/ 1135948 h 2519889"/>
+                <a:gd name="connsiteX4" fmla="*/ 1311195 w 1424937"/>
+                <a:gd name="connsiteY4" fmla="*/ 2260841 h 2519889"/>
+                <a:gd name="connsiteX5" fmla="*/ 39901 w 1424937"/>
+                <a:gd name="connsiteY5" fmla="*/ 1985584 h 2519889"/>
+                <a:gd name="connsiteX6" fmla="*/ 162352 w 1424937"/>
+                <a:gd name="connsiteY6" fmla="*/ 1154618 h 2519889"/>
+                <a:gd name="connsiteX0" fmla="*/ 162352 w 1439387"/>
+                <a:gd name="connsiteY0" fmla="*/ 1154618 h 2519889"/>
+                <a:gd name="connsiteX1" fmla="*/ 109880 w 1439387"/>
+                <a:gd name="connsiteY1" fmla="*/ 272318 h 2519889"/>
+                <a:gd name="connsiteX2" fmla="*/ 1273872 w 1439387"/>
+                <a:gd name="connsiteY2" fmla="*/ 113698 h 2519889"/>
+                <a:gd name="connsiteX3" fmla="*/ 1268042 w 1439387"/>
+                <a:gd name="connsiteY3" fmla="*/ 1229254 h 2519889"/>
+                <a:gd name="connsiteX4" fmla="*/ 1311195 w 1439387"/>
+                <a:gd name="connsiteY4" fmla="*/ 2260841 h 2519889"/>
+                <a:gd name="connsiteX5" fmla="*/ 39901 w 1439387"/>
+                <a:gd name="connsiteY5" fmla="*/ 1985584 h 2519889"/>
+                <a:gd name="connsiteX6" fmla="*/ 162352 w 1439387"/>
+                <a:gd name="connsiteY6" fmla="*/ 1154618 h 2519889"/>
+                <a:gd name="connsiteX0" fmla="*/ 162352 w 1439387"/>
+                <a:gd name="connsiteY0" fmla="*/ 1154618 h 2519889"/>
+                <a:gd name="connsiteX1" fmla="*/ 109880 w 1439387"/>
+                <a:gd name="connsiteY1" fmla="*/ 272318 h 2519889"/>
+                <a:gd name="connsiteX2" fmla="*/ 1273872 w 1439387"/>
+                <a:gd name="connsiteY2" fmla="*/ 113698 h 2519889"/>
+                <a:gd name="connsiteX3" fmla="*/ 1268042 w 1439387"/>
+                <a:gd name="connsiteY3" fmla="*/ 1229254 h 2519889"/>
+                <a:gd name="connsiteX4" fmla="*/ 1311195 w 1439387"/>
+                <a:gd name="connsiteY4" fmla="*/ 2260841 h 2519889"/>
+                <a:gd name="connsiteX5" fmla="*/ 39901 w 1439387"/>
+                <a:gd name="connsiteY5" fmla="*/ 1985584 h 2519889"/>
+                <a:gd name="connsiteX6" fmla="*/ 162352 w 1439387"/>
+                <a:gd name="connsiteY6" fmla="*/ 1154618 h 2519889"/>
+                <a:gd name="connsiteX0" fmla="*/ 133136 w 1447493"/>
+                <a:gd name="connsiteY0" fmla="*/ 1266585 h 2519889"/>
+                <a:gd name="connsiteX1" fmla="*/ 117986 w 1447493"/>
+                <a:gd name="connsiteY1" fmla="*/ 272318 h 2519889"/>
+                <a:gd name="connsiteX2" fmla="*/ 1281978 w 1447493"/>
+                <a:gd name="connsiteY2" fmla="*/ 113698 h 2519889"/>
+                <a:gd name="connsiteX3" fmla="*/ 1276148 w 1447493"/>
+                <a:gd name="connsiteY3" fmla="*/ 1229254 h 2519889"/>
+                <a:gd name="connsiteX4" fmla="*/ 1319301 w 1447493"/>
+                <a:gd name="connsiteY4" fmla="*/ 2260841 h 2519889"/>
+                <a:gd name="connsiteX5" fmla="*/ 48007 w 1447493"/>
+                <a:gd name="connsiteY5" fmla="*/ 1985584 h 2519889"/>
+                <a:gd name="connsiteX6" fmla="*/ 133136 w 1447493"/>
+                <a:gd name="connsiteY6" fmla="*/ 1266585 h 2519889"/>
+                <a:gd name="connsiteX0" fmla="*/ 133136 w 1447493"/>
+                <a:gd name="connsiteY0" fmla="*/ 1271880 h 2525184"/>
+                <a:gd name="connsiteX1" fmla="*/ 117986 w 1447493"/>
+                <a:gd name="connsiteY1" fmla="*/ 277613 h 2525184"/>
+                <a:gd name="connsiteX2" fmla="*/ 1281978 w 1447493"/>
+                <a:gd name="connsiteY2" fmla="*/ 118993 h 2525184"/>
+                <a:gd name="connsiteX3" fmla="*/ 1276148 w 1447493"/>
+                <a:gd name="connsiteY3" fmla="*/ 1234549 h 2525184"/>
+                <a:gd name="connsiteX4" fmla="*/ 1319301 w 1447493"/>
+                <a:gd name="connsiteY4" fmla="*/ 2266136 h 2525184"/>
+                <a:gd name="connsiteX5" fmla="*/ 48007 w 1447493"/>
+                <a:gd name="connsiteY5" fmla="*/ 1990879 h 2525184"/>
+                <a:gd name="connsiteX6" fmla="*/ 133136 w 1447493"/>
+                <a:gd name="connsiteY6" fmla="*/ 1271880 h 2525184"/>
+                <a:gd name="connsiteX0" fmla="*/ 127470 w 1441827"/>
+                <a:gd name="connsiteY0" fmla="*/ 1271880 h 2525184"/>
+                <a:gd name="connsiteX1" fmla="*/ 112320 w 1441827"/>
+                <a:gd name="connsiteY1" fmla="*/ 277613 h 2525184"/>
+                <a:gd name="connsiteX2" fmla="*/ 1276312 w 1441827"/>
+                <a:gd name="connsiteY2" fmla="*/ 118993 h 2525184"/>
+                <a:gd name="connsiteX3" fmla="*/ 1270482 w 1441827"/>
+                <a:gd name="connsiteY3" fmla="*/ 1234549 h 2525184"/>
+                <a:gd name="connsiteX4" fmla="*/ 1313635 w 1441827"/>
+                <a:gd name="connsiteY4" fmla="*/ 2266136 h 2525184"/>
+                <a:gd name="connsiteX5" fmla="*/ 42341 w 1441827"/>
+                <a:gd name="connsiteY5" fmla="*/ 1990879 h 2525184"/>
+                <a:gd name="connsiteX6" fmla="*/ 127470 w 1441827"/>
+                <a:gd name="connsiteY6" fmla="*/ 1271880 h 2525184"/>
+                <a:gd name="connsiteX0" fmla="*/ 151949 w 1466306"/>
+                <a:gd name="connsiteY0" fmla="*/ 1271880 h 2581141"/>
+                <a:gd name="connsiteX1" fmla="*/ 136799 w 1466306"/>
+                <a:gd name="connsiteY1" fmla="*/ 277613 h 2581141"/>
+                <a:gd name="connsiteX2" fmla="*/ 1300791 w 1466306"/>
+                <a:gd name="connsiteY2" fmla="*/ 118993 h 2581141"/>
+                <a:gd name="connsiteX3" fmla="*/ 1294961 w 1466306"/>
+                <a:gd name="connsiteY3" fmla="*/ 1234549 h 2581141"/>
+                <a:gd name="connsiteX4" fmla="*/ 1338114 w 1466306"/>
+                <a:gd name="connsiteY4" fmla="*/ 2266136 h 2581141"/>
+                <a:gd name="connsiteX5" fmla="*/ 38828 w 1466306"/>
+                <a:gd name="connsiteY5" fmla="*/ 2140172 h 2581141"/>
+                <a:gd name="connsiteX6" fmla="*/ 151949 w 1466306"/>
+                <a:gd name="connsiteY6" fmla="*/ 1271880 h 2581141"/>
+                <a:gd name="connsiteX0" fmla="*/ 151949 w 1466306"/>
+                <a:gd name="connsiteY0" fmla="*/ 1271880 h 2505974"/>
+                <a:gd name="connsiteX1" fmla="*/ 136799 w 1466306"/>
+                <a:gd name="connsiteY1" fmla="*/ 277613 h 2505974"/>
+                <a:gd name="connsiteX2" fmla="*/ 1300791 w 1466306"/>
+                <a:gd name="connsiteY2" fmla="*/ 118993 h 2505974"/>
+                <a:gd name="connsiteX3" fmla="*/ 1294961 w 1466306"/>
+                <a:gd name="connsiteY3" fmla="*/ 1234549 h 2505974"/>
+                <a:gd name="connsiteX4" fmla="*/ 1338114 w 1466306"/>
+                <a:gd name="connsiteY4" fmla="*/ 2266136 h 2505974"/>
+                <a:gd name="connsiteX5" fmla="*/ 38828 w 1466306"/>
+                <a:gd name="connsiteY5" fmla="*/ 2140172 h 2505974"/>
+                <a:gd name="connsiteX6" fmla="*/ 151949 w 1466306"/>
+                <a:gd name="connsiteY6" fmla="*/ 1271880 h 2505974"/>
+                <a:gd name="connsiteX0" fmla="*/ 126281 w 1440638"/>
+                <a:gd name="connsiteY0" fmla="*/ 1271880 h 2505974"/>
+                <a:gd name="connsiteX1" fmla="*/ 111131 w 1440638"/>
+                <a:gd name="connsiteY1" fmla="*/ 277613 h 2505974"/>
+                <a:gd name="connsiteX2" fmla="*/ 1275123 w 1440638"/>
+                <a:gd name="connsiteY2" fmla="*/ 118993 h 2505974"/>
+                <a:gd name="connsiteX3" fmla="*/ 1269293 w 1440638"/>
+                <a:gd name="connsiteY3" fmla="*/ 1234549 h 2505974"/>
+                <a:gd name="connsiteX4" fmla="*/ 1312446 w 1440638"/>
+                <a:gd name="connsiteY4" fmla="*/ 2266136 h 2505974"/>
+                <a:gd name="connsiteX5" fmla="*/ 13160 w 1440638"/>
+                <a:gd name="connsiteY5" fmla="*/ 2140172 h 2505974"/>
+                <a:gd name="connsiteX6" fmla="*/ 126281 w 1440638"/>
+                <a:gd name="connsiteY6" fmla="*/ 1271880 h 2505974"/>
+                <a:gd name="connsiteX0" fmla="*/ 126281 w 1440638"/>
+                <a:gd name="connsiteY0" fmla="*/ 1271880 h 2500048"/>
+                <a:gd name="connsiteX1" fmla="*/ 111131 w 1440638"/>
+                <a:gd name="connsiteY1" fmla="*/ 277613 h 2500048"/>
+                <a:gd name="connsiteX2" fmla="*/ 1275123 w 1440638"/>
+                <a:gd name="connsiteY2" fmla="*/ 118993 h 2500048"/>
+                <a:gd name="connsiteX3" fmla="*/ 1269293 w 1440638"/>
+                <a:gd name="connsiteY3" fmla="*/ 1234549 h 2500048"/>
+                <a:gd name="connsiteX4" fmla="*/ 1312446 w 1440638"/>
+                <a:gd name="connsiteY4" fmla="*/ 2266136 h 2500048"/>
+                <a:gd name="connsiteX5" fmla="*/ 13160 w 1440638"/>
+                <a:gd name="connsiteY5" fmla="*/ 2140172 h 2500048"/>
+                <a:gd name="connsiteX6" fmla="*/ 126281 w 1440638"/>
+                <a:gd name="connsiteY6" fmla="*/ 1271880 h 2500048"/>
+              </a:gdLst>
+              <a:ahLst/>
+              <a:cxnLst>
+                <a:cxn ang="0">
+                  <a:pos x="connsiteX0" y="connsiteY0"/>
+                </a:cxn>
+                <a:cxn ang="0">
+                  <a:pos x="connsiteX1" y="connsiteY1"/>
+                </a:cxn>
+                <a:cxn ang="0">
+                  <a:pos x="connsiteX2" y="connsiteY2"/>
+                </a:cxn>
+                <a:cxn ang="0">
+                  <a:pos x="connsiteX3" y="connsiteY3"/>
+                </a:cxn>
+                <a:cxn ang="0">
+                  <a:pos x="connsiteX4" y="connsiteY4"/>
+                </a:cxn>
+                <a:cxn ang="0">
+                  <a:pos x="connsiteX5" y="connsiteY5"/>
+                </a:cxn>
+                <a:cxn ang="0">
+                  <a:pos x="connsiteX6" y="connsiteY6"/>
+                </a:cxn>
+              </a:cxnLst>
+              <a:rect l="l" t="t" r="r" b="b"/>
+              <a:pathLst>
+                <a:path w="1440638" h="2500048">
+                  <a:moveTo>
+                    <a:pt x="126281" y="1271880"/>
+                  </a:moveTo>
+                  <a:cubicBezTo>
+                    <a:pt x="141444" y="979338"/>
+                    <a:pt x="-76651" y="644802"/>
+                    <a:pt x="111131" y="277613"/>
+                  </a:cubicBezTo>
+                  <a:cubicBezTo>
+                    <a:pt x="278305" y="45902"/>
+                    <a:pt x="870020" y="-125156"/>
+                    <a:pt x="1275123" y="118993"/>
+                  </a:cubicBezTo>
+                  <a:cubicBezTo>
+                    <a:pt x="1661955" y="520396"/>
+                    <a:pt x="1246355" y="861141"/>
+                    <a:pt x="1269293" y="1234549"/>
+                  </a:cubicBezTo>
+                  <a:cubicBezTo>
+                    <a:pt x="1251017" y="1618846"/>
+                    <a:pt x="1582642" y="1662573"/>
+                    <a:pt x="1312446" y="2266136"/>
+                  </a:cubicBezTo>
+                  <a:cubicBezTo>
+                    <a:pt x="977322" y="2737332"/>
+                    <a:pt x="101023" y="2392103"/>
+                    <a:pt x="13160" y="2140172"/>
+                  </a:cubicBezTo>
+                  <a:cubicBezTo>
+                    <a:pt x="-48657" y="1754327"/>
+                    <a:pt x="127449" y="1671728"/>
+                    <a:pt x="126281" y="1271880"/>
+                  </a:cubicBezTo>
+                  <a:close/>
+                </a:path>
+              </a:pathLst>
+            </a:custGeom>
+            <a:solidFill>
+              <a:srgbClr val="DD5893"/>
+            </a:solidFill>
+            <a:ln>
+              <a:noFill/>
+            </a:ln>
+          </p:spPr>
+          <p:style>
+            <a:lnRef idx="2">
+              <a:schemeClr val="accent1">
+                <a:shade val="50000"/>
+              </a:schemeClr>
+            </a:lnRef>
+            <a:fillRef idx="1">
+              <a:schemeClr val="accent1"/>
+            </a:fillRef>
+            <a:effectRef idx="0">
+              <a:schemeClr val="accent1"/>
+            </a:effectRef>
+            <a:fontRef idx="minor">
+              <a:schemeClr val="lt1"/>
+            </a:fontRef>
+          </p:style>
+          <p:txBody>
+            <a:bodyPr rtlCol="0" anchor="ctr"/>
+            <a:lstStyle/>
+            <a:p>
+              <a:pPr algn="ctr"/>
+              <a:endParaRPr lang="sv-SE" dirty="0"/>
+            </a:p>
+          </p:txBody>
+        </p:sp>
+        <p:sp>
+          <p:nvSpPr>
+            <p:cNvPr id="42" name="Isosceles Triangle 2"/>
+            <p:cNvSpPr/>
+            <p:nvPr/>
+          </p:nvSpPr>
+          <p:spPr>
+            <a:xfrm rot="10299074">
+              <a:off x="3234760" y="3638698"/>
+              <a:ext cx="294408" cy="268598"/>
+            </a:xfrm>
+            <a:custGeom>
+              <a:avLst/>
+              <a:gdLst>
+                <a:gd name="connsiteX0" fmla="*/ 0 w 1890307"/>
+                <a:gd name="connsiteY0" fmla="*/ 1484362 h 1484362"/>
+                <a:gd name="connsiteX1" fmla="*/ 945154 w 1890307"/>
+                <a:gd name="connsiteY1" fmla="*/ 0 h 1484362"/>
+                <a:gd name="connsiteX2" fmla="*/ 1890307 w 1890307"/>
+                <a:gd name="connsiteY2" fmla="*/ 1484362 h 1484362"/>
+                <a:gd name="connsiteX3" fmla="*/ 0 w 1890307"/>
+                <a:gd name="connsiteY3" fmla="*/ 1484362 h 1484362"/>
+                <a:gd name="connsiteX0" fmla="*/ 0 w 1890307"/>
+                <a:gd name="connsiteY0" fmla="*/ 1473410 h 1473410"/>
+                <a:gd name="connsiteX1" fmla="*/ 925980 w 1890307"/>
+                <a:gd name="connsiteY1" fmla="*/ 0 h 1473410"/>
+                <a:gd name="connsiteX2" fmla="*/ 1890307 w 1890307"/>
+                <a:gd name="connsiteY2" fmla="*/ 1473410 h 1473410"/>
+                <a:gd name="connsiteX3" fmla="*/ 0 w 1890307"/>
+                <a:gd name="connsiteY3" fmla="*/ 1473410 h 1473410"/>
+                <a:gd name="connsiteX0" fmla="*/ 0 w 1890307"/>
+                <a:gd name="connsiteY0" fmla="*/ 1473410 h 1473410"/>
+                <a:gd name="connsiteX1" fmla="*/ 925980 w 1890307"/>
+                <a:gd name="connsiteY1" fmla="*/ 0 h 1473410"/>
+                <a:gd name="connsiteX2" fmla="*/ 1890307 w 1890307"/>
+                <a:gd name="connsiteY2" fmla="*/ 1473410 h 1473410"/>
+                <a:gd name="connsiteX3" fmla="*/ 0 w 1890307"/>
+                <a:gd name="connsiteY3" fmla="*/ 1473410 h 1473410"/>
+                <a:gd name="connsiteX0" fmla="*/ 0 w 1890307"/>
+                <a:gd name="connsiteY0" fmla="*/ 1473410 h 1473410"/>
+                <a:gd name="connsiteX1" fmla="*/ 925980 w 1890307"/>
+                <a:gd name="connsiteY1" fmla="*/ 0 h 1473410"/>
+                <a:gd name="connsiteX2" fmla="*/ 1890307 w 1890307"/>
+                <a:gd name="connsiteY2" fmla="*/ 1473410 h 1473410"/>
+                <a:gd name="connsiteX3" fmla="*/ 0 w 1890307"/>
+                <a:gd name="connsiteY3" fmla="*/ 1473410 h 1473410"/>
+                <a:gd name="connsiteX0" fmla="*/ 9778 w 1900085"/>
+                <a:gd name="connsiteY0" fmla="*/ 1473410 h 1473410"/>
+                <a:gd name="connsiteX1" fmla="*/ 935758 w 1900085"/>
+                <a:gd name="connsiteY1" fmla="*/ 0 h 1473410"/>
+                <a:gd name="connsiteX2" fmla="*/ 1900085 w 1900085"/>
+                <a:gd name="connsiteY2" fmla="*/ 1473410 h 1473410"/>
+                <a:gd name="connsiteX3" fmla="*/ 9778 w 1900085"/>
+                <a:gd name="connsiteY3" fmla="*/ 1473410 h 1473410"/>
+                <a:gd name="connsiteX0" fmla="*/ 9778 w 1900085"/>
+                <a:gd name="connsiteY0" fmla="*/ 1473410 h 1602081"/>
+                <a:gd name="connsiteX1" fmla="*/ 935758 w 1900085"/>
+                <a:gd name="connsiteY1" fmla="*/ 0 h 1602081"/>
+                <a:gd name="connsiteX2" fmla="*/ 1900085 w 1900085"/>
+                <a:gd name="connsiteY2" fmla="*/ 1473410 h 1602081"/>
+                <a:gd name="connsiteX3" fmla="*/ 9778 w 1900085"/>
+                <a:gd name="connsiteY3" fmla="*/ 1473410 h 1602081"/>
+                <a:gd name="connsiteX0" fmla="*/ 9778 w 1900085"/>
+                <a:gd name="connsiteY0" fmla="*/ 1473410 h 1659298"/>
+                <a:gd name="connsiteX1" fmla="*/ 935758 w 1900085"/>
+                <a:gd name="connsiteY1" fmla="*/ 0 h 1659298"/>
+                <a:gd name="connsiteX2" fmla="*/ 1900085 w 1900085"/>
+                <a:gd name="connsiteY2" fmla="*/ 1473410 h 1659298"/>
+                <a:gd name="connsiteX3" fmla="*/ 9778 w 1900085"/>
+                <a:gd name="connsiteY3" fmla="*/ 1473410 h 1659298"/>
+                <a:gd name="connsiteX0" fmla="*/ 9778 w 1900085"/>
+                <a:gd name="connsiteY0" fmla="*/ 1473410 h 1659298"/>
+                <a:gd name="connsiteX1" fmla="*/ 935758 w 1900085"/>
+                <a:gd name="connsiteY1" fmla="*/ 0 h 1659298"/>
+                <a:gd name="connsiteX2" fmla="*/ 1900085 w 1900085"/>
+                <a:gd name="connsiteY2" fmla="*/ 1473410 h 1659298"/>
+                <a:gd name="connsiteX3" fmla="*/ 9778 w 1900085"/>
+                <a:gd name="connsiteY3" fmla="*/ 1473410 h 1659298"/>
+                <a:gd name="connsiteX0" fmla="*/ 11089 w 1901396"/>
+                <a:gd name="connsiteY0" fmla="*/ 1473432 h 1659320"/>
+                <a:gd name="connsiteX1" fmla="*/ 937069 w 1901396"/>
+                <a:gd name="connsiteY1" fmla="*/ 22 h 1659320"/>
+                <a:gd name="connsiteX2" fmla="*/ 1901396 w 1901396"/>
+                <a:gd name="connsiteY2" fmla="*/ 1473432 h 1659320"/>
+                <a:gd name="connsiteX3" fmla="*/ 11089 w 1901396"/>
+                <a:gd name="connsiteY3" fmla="*/ 1473432 h 1659320"/>
+                <a:gd name="connsiteX0" fmla="*/ 11089 w 1901396"/>
+                <a:gd name="connsiteY0" fmla="*/ 1474878 h 1660766"/>
+                <a:gd name="connsiteX1" fmla="*/ 937069 w 1901396"/>
+                <a:gd name="connsiteY1" fmla="*/ 1468 h 1660766"/>
+                <a:gd name="connsiteX2" fmla="*/ 1901396 w 1901396"/>
+                <a:gd name="connsiteY2" fmla="*/ 1474878 h 1660766"/>
+                <a:gd name="connsiteX3" fmla="*/ 11089 w 1901396"/>
+                <a:gd name="connsiteY3" fmla="*/ 1474878 h 1660766"/>
+                <a:gd name="connsiteX0" fmla="*/ 11089 w 1922551"/>
+                <a:gd name="connsiteY0" fmla="*/ 1474339 h 1660227"/>
+                <a:gd name="connsiteX1" fmla="*/ 937069 w 1922551"/>
+                <a:gd name="connsiteY1" fmla="*/ 929 h 1660227"/>
+                <a:gd name="connsiteX2" fmla="*/ 1901396 w 1922551"/>
+                <a:gd name="connsiteY2" fmla="*/ 1474339 h 1660227"/>
+                <a:gd name="connsiteX3" fmla="*/ 11089 w 1922551"/>
+                <a:gd name="connsiteY3" fmla="*/ 1474339 h 1660227"/>
+                <a:gd name="connsiteX0" fmla="*/ 11089 w 1922551"/>
+                <a:gd name="connsiteY0" fmla="*/ 1474339 h 1674829"/>
+                <a:gd name="connsiteX1" fmla="*/ 937069 w 1922551"/>
+                <a:gd name="connsiteY1" fmla="*/ 929 h 1674829"/>
+                <a:gd name="connsiteX2" fmla="*/ 1901396 w 1922551"/>
+                <a:gd name="connsiteY2" fmla="*/ 1474339 h 1674829"/>
+                <a:gd name="connsiteX3" fmla="*/ 11089 w 1922551"/>
+                <a:gd name="connsiteY3" fmla="*/ 1474339 h 1674829"/>
+                <a:gd name="connsiteX0" fmla="*/ 11089 w 1922551"/>
+                <a:gd name="connsiteY0" fmla="*/ 1474339 h 1672820"/>
+                <a:gd name="connsiteX1" fmla="*/ 937069 w 1922551"/>
+                <a:gd name="connsiteY1" fmla="*/ 929 h 1672820"/>
+                <a:gd name="connsiteX2" fmla="*/ 1901396 w 1922551"/>
+                <a:gd name="connsiteY2" fmla="*/ 1474339 h 1672820"/>
+                <a:gd name="connsiteX3" fmla="*/ 11089 w 1922551"/>
+                <a:gd name="connsiteY3" fmla="*/ 1474339 h 1672820"/>
+                <a:gd name="connsiteX0" fmla="*/ 30596 w 1942058"/>
+                <a:gd name="connsiteY0" fmla="*/ 1474339 h 1672820"/>
+                <a:gd name="connsiteX1" fmla="*/ 956576 w 1942058"/>
+                <a:gd name="connsiteY1" fmla="*/ 929 h 1672820"/>
+                <a:gd name="connsiteX2" fmla="*/ 1920903 w 1942058"/>
+                <a:gd name="connsiteY2" fmla="*/ 1474339 h 1672820"/>
+                <a:gd name="connsiteX3" fmla="*/ 30596 w 1942058"/>
+                <a:gd name="connsiteY3" fmla="*/ 1474339 h 1672820"/>
+                <a:gd name="connsiteX0" fmla="*/ 17715 w 1929177"/>
+                <a:gd name="connsiteY0" fmla="*/ 1474339 h 1672820"/>
+                <a:gd name="connsiteX1" fmla="*/ 943695 w 1929177"/>
+                <a:gd name="connsiteY1" fmla="*/ 929 h 1672820"/>
+                <a:gd name="connsiteX2" fmla="*/ 1908022 w 1929177"/>
+                <a:gd name="connsiteY2" fmla="*/ 1474339 h 1672820"/>
+                <a:gd name="connsiteX3" fmla="*/ 17715 w 1929177"/>
+                <a:gd name="connsiteY3" fmla="*/ 1474339 h 1672820"/>
+                <a:gd name="connsiteX0" fmla="*/ 17715 w 1929177"/>
+                <a:gd name="connsiteY0" fmla="*/ 1474339 h 1669905"/>
+                <a:gd name="connsiteX1" fmla="*/ 943695 w 1929177"/>
+                <a:gd name="connsiteY1" fmla="*/ 929 h 1669905"/>
+                <a:gd name="connsiteX2" fmla="*/ 1908022 w 1929177"/>
+                <a:gd name="connsiteY2" fmla="*/ 1474339 h 1669905"/>
+                <a:gd name="connsiteX3" fmla="*/ 17715 w 1929177"/>
+                <a:gd name="connsiteY3" fmla="*/ 1474339 h 1669905"/>
+                <a:gd name="connsiteX0" fmla="*/ 17715 w 1929177"/>
+                <a:gd name="connsiteY0" fmla="*/ 1474339 h 1680508"/>
+                <a:gd name="connsiteX1" fmla="*/ 943695 w 1929177"/>
+                <a:gd name="connsiteY1" fmla="*/ 929 h 1680508"/>
+                <a:gd name="connsiteX2" fmla="*/ 1908022 w 1929177"/>
+                <a:gd name="connsiteY2" fmla="*/ 1474339 h 1680508"/>
+                <a:gd name="connsiteX3" fmla="*/ 17715 w 1929177"/>
+                <a:gd name="connsiteY3" fmla="*/ 1474339 h 1680508"/>
+                <a:gd name="connsiteX0" fmla="*/ 17715 w 1914739"/>
+                <a:gd name="connsiteY0" fmla="*/ 1474493 h 1680662"/>
+                <a:gd name="connsiteX1" fmla="*/ 943695 w 1914739"/>
+                <a:gd name="connsiteY1" fmla="*/ 1083 h 1680662"/>
+                <a:gd name="connsiteX2" fmla="*/ 1908022 w 1914739"/>
+                <a:gd name="connsiteY2" fmla="*/ 1474493 h 1680662"/>
+                <a:gd name="connsiteX3" fmla="*/ 17715 w 1914739"/>
+                <a:gd name="connsiteY3" fmla="*/ 1474493 h 1680662"/>
+                <a:gd name="connsiteX0" fmla="*/ 17715 w 1914739"/>
+                <a:gd name="connsiteY0" fmla="*/ 1474493 h 1744282"/>
+                <a:gd name="connsiteX1" fmla="*/ 943695 w 1914739"/>
+                <a:gd name="connsiteY1" fmla="*/ 1083 h 1744282"/>
+                <a:gd name="connsiteX2" fmla="*/ 1908022 w 1914739"/>
+                <a:gd name="connsiteY2" fmla="*/ 1474493 h 1744282"/>
+                <a:gd name="connsiteX3" fmla="*/ 17715 w 1914739"/>
+                <a:gd name="connsiteY3" fmla="*/ 1474493 h 1744282"/>
+                <a:gd name="connsiteX0" fmla="*/ 17715 w 1912352"/>
+                <a:gd name="connsiteY0" fmla="*/ 1474914 h 1744703"/>
+                <a:gd name="connsiteX1" fmla="*/ 943695 w 1912352"/>
+                <a:gd name="connsiteY1" fmla="*/ 1504 h 1744703"/>
+                <a:gd name="connsiteX2" fmla="*/ 1908022 w 1912352"/>
+                <a:gd name="connsiteY2" fmla="*/ 1474914 h 1744703"/>
+                <a:gd name="connsiteX3" fmla="*/ 17715 w 1912352"/>
+                <a:gd name="connsiteY3" fmla="*/ 1474914 h 1744703"/>
+              </a:gdLst>
+              <a:ahLst/>
+              <a:cxnLst>
+                <a:cxn ang="0">
+                  <a:pos x="connsiteX0" y="connsiteY0"/>
+                </a:cxn>
+                <a:cxn ang="0">
+                  <a:pos x="connsiteX1" y="connsiteY1"/>
+                </a:cxn>
+                <a:cxn ang="0">
+                  <a:pos x="connsiteX2" y="connsiteY2"/>
+                </a:cxn>
+                <a:cxn ang="0">
+                  <a:pos x="connsiteX3" y="connsiteY3"/>
+                </a:cxn>
+              </a:cxnLst>
+              <a:rect l="l" t="t" r="r" b="b"/>
+              <a:pathLst>
+                <a:path w="1912352" h="1744703">
+                  <a:moveTo>
+                    <a:pt x="17715" y="1474914"/>
+                  </a:moveTo>
+                  <a:cubicBezTo>
+                    <a:pt x="-110838" y="1144062"/>
+                    <a:pt x="487133" y="-4257"/>
+                    <a:pt x="943695" y="1504"/>
+                  </a:cubicBezTo>
+                  <a:cubicBezTo>
+                    <a:pt x="1323225" y="-41240"/>
+                    <a:pt x="1971445" y="836011"/>
+                    <a:pt x="1908022" y="1474914"/>
+                  </a:cubicBezTo>
+                  <a:cubicBezTo>
+                    <a:pt x="1777749" y="1909028"/>
+                    <a:pt x="206144" y="1751742"/>
+                    <a:pt x="17715" y="1474914"/>
+                  </a:cubicBezTo>
+                  <a:close/>
+                </a:path>
+              </a:pathLst>
+            </a:custGeom>
+            <a:solidFill>
+              <a:srgbClr val="9B00D2"/>
+            </a:solidFill>
+            <a:ln>
+              <a:noFill/>
+            </a:ln>
+          </p:spPr>
+          <p:style>
+            <a:lnRef idx="2">
+              <a:schemeClr val="accent1">
+                <a:shade val="50000"/>
+              </a:schemeClr>
+            </a:lnRef>
+            <a:fillRef idx="1">
+              <a:schemeClr val="accent1"/>
+            </a:fillRef>
+            <a:effectRef idx="0">
+              <a:schemeClr val="accent1"/>
+            </a:effectRef>
+            <a:fontRef idx="minor">
+              <a:schemeClr val="lt1"/>
+            </a:fontRef>
+          </p:style>
+          <p:txBody>
+            <a:bodyPr rtlCol="0" anchor="ctr"/>
+            <a:lstStyle/>
+            <a:p>
+              <a:pPr algn="ctr"/>
+              <a:endParaRPr lang="sv-SE"/>
+            </a:p>
+          </p:txBody>
+        </p:sp>
+        <p:sp>
+          <p:nvSpPr>
+            <p:cNvPr id="28" name="Heart 11"/>
+            <p:cNvSpPr/>
+            <p:nvPr/>
+          </p:nvSpPr>
+          <p:spPr>
+            <a:xfrm rot="14287302">
+              <a:off x="4711627" y="4136409"/>
+              <a:ext cx="309820" cy="237477"/>
+            </a:xfrm>
+            <a:custGeom>
+              <a:avLst/>
+              <a:gdLst>
+                <a:gd name="connsiteX0" fmla="*/ 1103128 w 2206256"/>
+                <a:gd name="connsiteY0" fmla="*/ 518337 h 2073349"/>
+                <a:gd name="connsiteX1" fmla="*/ 1103128 w 2206256"/>
+                <a:gd name="connsiteY1" fmla="*/ 2073349 h 2073349"/>
+                <a:gd name="connsiteX2" fmla="*/ 1103128 w 2206256"/>
+                <a:gd name="connsiteY2" fmla="*/ 518337 h 2073349"/>
+                <a:gd name="connsiteX0" fmla="*/ 1111170 w 2054204"/>
+                <a:gd name="connsiteY0" fmla="*/ 492652 h 2047664"/>
+                <a:gd name="connsiteX1" fmla="*/ 1111170 w 2054204"/>
+                <a:gd name="connsiteY1" fmla="*/ 2047664 h 2047664"/>
+                <a:gd name="connsiteX2" fmla="*/ 1111170 w 2054204"/>
+                <a:gd name="connsiteY2" fmla="*/ 492652 h 2047664"/>
+                <a:gd name="connsiteX0" fmla="*/ 1088688 w 2031722"/>
+                <a:gd name="connsiteY0" fmla="*/ 331388 h 1889191"/>
+                <a:gd name="connsiteX1" fmla="*/ 1088688 w 2031722"/>
+                <a:gd name="connsiteY1" fmla="*/ 1886400 h 1889191"/>
+                <a:gd name="connsiteX2" fmla="*/ 1088688 w 2031722"/>
+                <a:gd name="connsiteY2" fmla="*/ 331388 h 1889191"/>
+                <a:gd name="connsiteX0" fmla="*/ 1088688 w 2457034"/>
+                <a:gd name="connsiteY0" fmla="*/ 298057 h 1855860"/>
+                <a:gd name="connsiteX1" fmla="*/ 1088688 w 2457034"/>
+                <a:gd name="connsiteY1" fmla="*/ 1853069 h 1855860"/>
+                <a:gd name="connsiteX2" fmla="*/ 1088688 w 2457034"/>
+                <a:gd name="connsiteY2" fmla="*/ 298057 h 1855860"/>
+                <a:gd name="connsiteX0" fmla="*/ 1494094 w 2862440"/>
+                <a:gd name="connsiteY0" fmla="*/ 247986 h 1806068"/>
+                <a:gd name="connsiteX1" fmla="*/ 1494094 w 2862440"/>
+                <a:gd name="connsiteY1" fmla="*/ 1802998 h 1806068"/>
+                <a:gd name="connsiteX2" fmla="*/ 1494094 w 2862440"/>
+                <a:gd name="connsiteY2" fmla="*/ 247986 h 1806068"/>
+                <a:gd name="connsiteX0" fmla="*/ 1494094 w 2567564"/>
+                <a:gd name="connsiteY0" fmla="*/ 357092 h 1915174"/>
+                <a:gd name="connsiteX1" fmla="*/ 1494094 w 2567564"/>
+                <a:gd name="connsiteY1" fmla="*/ 1912104 h 1915174"/>
+                <a:gd name="connsiteX2" fmla="*/ 1494094 w 2567564"/>
+                <a:gd name="connsiteY2" fmla="*/ 357092 h 1915174"/>
+                <a:gd name="connsiteX0" fmla="*/ 1453444 w 2574663"/>
+                <a:gd name="connsiteY0" fmla="*/ 349168 h 1985886"/>
+                <a:gd name="connsiteX1" fmla="*/ 1529695 w 2574663"/>
+                <a:gd name="connsiteY1" fmla="*/ 1982904 h 1985886"/>
+                <a:gd name="connsiteX2" fmla="*/ 1453444 w 2574663"/>
+                <a:gd name="connsiteY2" fmla="*/ 349168 h 1985886"/>
+                <a:gd name="connsiteX0" fmla="*/ 478315 w 1599534"/>
+                <a:gd name="connsiteY0" fmla="*/ 349168 h 1982904"/>
+                <a:gd name="connsiteX1" fmla="*/ 554566 w 1599534"/>
+                <a:gd name="connsiteY1" fmla="*/ 1982904 h 1982904"/>
+                <a:gd name="connsiteX2" fmla="*/ 298 w 1599534"/>
+                <a:gd name="connsiteY2" fmla="*/ 166414 h 1982904"/>
+                <a:gd name="connsiteX3" fmla="*/ 478315 w 1599534"/>
+                <a:gd name="connsiteY3" fmla="*/ 349168 h 1982904"/>
+                <a:gd name="connsiteX0" fmla="*/ 1463983 w 2585202"/>
+                <a:gd name="connsiteY0" fmla="*/ 349168 h 1982904"/>
+                <a:gd name="connsiteX1" fmla="*/ 1540234 w 2585202"/>
+                <a:gd name="connsiteY1" fmla="*/ 1982904 h 1982904"/>
+                <a:gd name="connsiteX2" fmla="*/ 86 w 2585202"/>
+                <a:gd name="connsiteY2" fmla="*/ 805385 h 1982904"/>
+                <a:gd name="connsiteX3" fmla="*/ 1463983 w 2585202"/>
+                <a:gd name="connsiteY3" fmla="*/ 349168 h 1982904"/>
+                <a:gd name="connsiteX0" fmla="*/ 1500902 w 2622121"/>
+                <a:gd name="connsiteY0" fmla="*/ 349168 h 1982904"/>
+                <a:gd name="connsiteX1" fmla="*/ 1577153 w 2622121"/>
+                <a:gd name="connsiteY1" fmla="*/ 1982904 h 1982904"/>
+                <a:gd name="connsiteX2" fmla="*/ 37005 w 2622121"/>
+                <a:gd name="connsiteY2" fmla="*/ 805385 h 1982904"/>
+                <a:gd name="connsiteX3" fmla="*/ 1500902 w 2622121"/>
+                <a:gd name="connsiteY3" fmla="*/ 349168 h 1982904"/>
+                <a:gd name="connsiteX0" fmla="*/ 1343887 w 2567224"/>
+                <a:gd name="connsiteY0" fmla="*/ 334064 h 2128056"/>
+                <a:gd name="connsiteX1" fmla="*/ 1577153 w 2567224"/>
+                <a:gd name="connsiteY1" fmla="*/ 2128056 h 2128056"/>
+                <a:gd name="connsiteX2" fmla="*/ 37005 w 2567224"/>
+                <a:gd name="connsiteY2" fmla="*/ 950537 h 2128056"/>
+                <a:gd name="connsiteX3" fmla="*/ 1343887 w 2567224"/>
+                <a:gd name="connsiteY3" fmla="*/ 334064 h 2128056"/>
+                <a:gd name="connsiteX0" fmla="*/ 1343887 w 2567224"/>
+                <a:gd name="connsiteY0" fmla="*/ 334064 h 2128056"/>
+                <a:gd name="connsiteX1" fmla="*/ 1577153 w 2567224"/>
+                <a:gd name="connsiteY1" fmla="*/ 2128056 h 2128056"/>
+                <a:gd name="connsiteX2" fmla="*/ 37005 w 2567224"/>
+                <a:gd name="connsiteY2" fmla="*/ 950537 h 2128056"/>
+                <a:gd name="connsiteX3" fmla="*/ 1343887 w 2567224"/>
+                <a:gd name="connsiteY3" fmla="*/ 334064 h 2128056"/>
+                <a:gd name="connsiteX0" fmla="*/ 1398062 w 2621399"/>
+                <a:gd name="connsiteY0" fmla="*/ 334064 h 2128056"/>
+                <a:gd name="connsiteX1" fmla="*/ 1631328 w 2621399"/>
+                <a:gd name="connsiteY1" fmla="*/ 2128056 h 2128056"/>
+                <a:gd name="connsiteX2" fmla="*/ 36006 w 2621399"/>
+                <a:gd name="connsiteY2" fmla="*/ 465464 h 2128056"/>
+                <a:gd name="connsiteX3" fmla="*/ 1398062 w 2621399"/>
+                <a:gd name="connsiteY3" fmla="*/ 334064 h 2128056"/>
+                <a:gd name="connsiteX0" fmla="*/ 1398062 w 2621399"/>
+                <a:gd name="connsiteY0" fmla="*/ 334064 h 2128056"/>
+                <a:gd name="connsiteX1" fmla="*/ 1631328 w 2621399"/>
+                <a:gd name="connsiteY1" fmla="*/ 2128056 h 2128056"/>
+                <a:gd name="connsiteX2" fmla="*/ 36006 w 2621399"/>
+                <a:gd name="connsiteY2" fmla="*/ 465464 h 2128056"/>
+                <a:gd name="connsiteX3" fmla="*/ 1398062 w 2621399"/>
+                <a:gd name="connsiteY3" fmla="*/ 334064 h 2128056"/>
+                <a:gd name="connsiteX0" fmla="*/ 1398062 w 2488701"/>
+                <a:gd name="connsiteY0" fmla="*/ 179170 h 1973162"/>
+                <a:gd name="connsiteX1" fmla="*/ 1631328 w 2488701"/>
+                <a:gd name="connsiteY1" fmla="*/ 1973162 h 1973162"/>
+                <a:gd name="connsiteX2" fmla="*/ 36006 w 2488701"/>
+                <a:gd name="connsiteY2" fmla="*/ 310570 h 1973162"/>
+                <a:gd name="connsiteX3" fmla="*/ 1398062 w 2488701"/>
+                <a:gd name="connsiteY3" fmla="*/ 179170 h 1973162"/>
+                <a:gd name="connsiteX0" fmla="*/ 1830446 w 2621323"/>
+                <a:gd name="connsiteY0" fmla="*/ 168723 h 2144566"/>
+                <a:gd name="connsiteX1" fmla="*/ 1631328 w 2621323"/>
+                <a:gd name="connsiteY1" fmla="*/ 2144566 h 2144566"/>
+                <a:gd name="connsiteX2" fmla="*/ 36006 w 2621323"/>
+                <a:gd name="connsiteY2" fmla="*/ 481974 h 2144566"/>
+                <a:gd name="connsiteX3" fmla="*/ 1830446 w 2621323"/>
+                <a:gd name="connsiteY3" fmla="*/ 168723 h 2144566"/>
+                <a:gd name="connsiteX0" fmla="*/ 1830446 w 2562621"/>
+                <a:gd name="connsiteY0" fmla="*/ 174187 h 2150030"/>
+                <a:gd name="connsiteX1" fmla="*/ 1631328 w 2562621"/>
+                <a:gd name="connsiteY1" fmla="*/ 2150030 h 2150030"/>
+                <a:gd name="connsiteX2" fmla="*/ 36006 w 2562621"/>
+                <a:gd name="connsiteY2" fmla="*/ 487438 h 2150030"/>
+                <a:gd name="connsiteX3" fmla="*/ 1830446 w 2562621"/>
+                <a:gd name="connsiteY3" fmla="*/ 174187 h 2150030"/>
+                <a:gd name="connsiteX0" fmla="*/ 1830446 w 2946118"/>
+                <a:gd name="connsiteY0" fmla="*/ 143339 h 2119182"/>
+                <a:gd name="connsiteX1" fmla="*/ 1631328 w 2946118"/>
+                <a:gd name="connsiteY1" fmla="*/ 2119182 h 2119182"/>
+                <a:gd name="connsiteX2" fmla="*/ 36006 w 2946118"/>
+                <a:gd name="connsiteY2" fmla="*/ 456590 h 2119182"/>
+                <a:gd name="connsiteX3" fmla="*/ 1830446 w 2946118"/>
+                <a:gd name="connsiteY3" fmla="*/ 143339 h 2119182"/>
+                <a:gd name="connsiteX0" fmla="*/ 1585362 w 2701034"/>
+                <a:gd name="connsiteY0" fmla="*/ 143339 h 2119182"/>
+                <a:gd name="connsiteX1" fmla="*/ 1386244 w 2701034"/>
+                <a:gd name="connsiteY1" fmla="*/ 2119182 h 2119182"/>
+                <a:gd name="connsiteX2" fmla="*/ 41023 w 2701034"/>
+                <a:gd name="connsiteY2" fmla="*/ 155112 h 2119182"/>
+                <a:gd name="connsiteX3" fmla="*/ 1585362 w 2701034"/>
+                <a:gd name="connsiteY3" fmla="*/ 143339 h 2119182"/>
+                <a:gd name="connsiteX0" fmla="*/ 1708412 w 2824084"/>
+                <a:gd name="connsiteY0" fmla="*/ 143339 h 2119182"/>
+                <a:gd name="connsiteX1" fmla="*/ 1509294 w 2824084"/>
+                <a:gd name="connsiteY1" fmla="*/ 2119182 h 2119182"/>
+                <a:gd name="connsiteX2" fmla="*/ 164073 w 2824084"/>
+                <a:gd name="connsiteY2" fmla="*/ 155112 h 2119182"/>
+                <a:gd name="connsiteX3" fmla="*/ 1708412 w 2824084"/>
+                <a:gd name="connsiteY3" fmla="*/ 143339 h 2119182"/>
+                <a:gd name="connsiteX0" fmla="*/ 1708412 w 2824084"/>
+                <a:gd name="connsiteY0" fmla="*/ 205943 h 2181786"/>
+                <a:gd name="connsiteX1" fmla="*/ 1509294 w 2824084"/>
+                <a:gd name="connsiteY1" fmla="*/ 2181786 h 2181786"/>
+                <a:gd name="connsiteX2" fmla="*/ 164073 w 2824084"/>
+                <a:gd name="connsiteY2" fmla="*/ 217716 h 2181786"/>
+                <a:gd name="connsiteX3" fmla="*/ 1708412 w 2824084"/>
+                <a:gd name="connsiteY3" fmla="*/ 205943 h 2181786"/>
+                <a:gd name="connsiteX0" fmla="*/ 1708412 w 2800950"/>
+                <a:gd name="connsiteY0" fmla="*/ 205943 h 2181786"/>
+                <a:gd name="connsiteX1" fmla="*/ 1509294 w 2800950"/>
+                <a:gd name="connsiteY1" fmla="*/ 2181786 h 2181786"/>
+                <a:gd name="connsiteX2" fmla="*/ 164073 w 2800950"/>
+                <a:gd name="connsiteY2" fmla="*/ 217716 h 2181786"/>
+                <a:gd name="connsiteX3" fmla="*/ 1708412 w 2800950"/>
+                <a:gd name="connsiteY3" fmla="*/ 205943 h 2181786"/>
+                <a:gd name="connsiteX0" fmla="*/ 1753893 w 2846431"/>
+                <a:gd name="connsiteY0" fmla="*/ 205943 h 2181786"/>
+                <a:gd name="connsiteX1" fmla="*/ 1554775 w 2846431"/>
+                <a:gd name="connsiteY1" fmla="*/ 2181786 h 2181786"/>
+                <a:gd name="connsiteX2" fmla="*/ 209554 w 2846431"/>
+                <a:gd name="connsiteY2" fmla="*/ 217716 h 2181786"/>
+                <a:gd name="connsiteX3" fmla="*/ 1753893 w 2846431"/>
+                <a:gd name="connsiteY3" fmla="*/ 205943 h 2181786"/>
+              </a:gdLst>
+              <a:ahLst/>
+              <a:cxnLst>
+                <a:cxn ang="0">
+                  <a:pos x="connsiteX0" y="connsiteY0"/>
+                </a:cxn>
+                <a:cxn ang="0">
+                  <a:pos x="connsiteX1" y="connsiteY1"/>
+                </a:cxn>
+                <a:cxn ang="0">
+                  <a:pos x="connsiteX2" y="connsiteY2"/>
+                </a:cxn>
+                <a:cxn ang="0">
+                  <a:pos x="connsiteX3" y="connsiteY3"/>
+                </a:cxn>
+              </a:cxnLst>
+              <a:rect l="l" t="t" r="r" b="b"/>
+              <a:pathLst>
+                <a:path w="2846431" h="2181786">
+                  <a:moveTo>
+                    <a:pt x="1753893" y="205943"/>
+                  </a:moveTo>
+                  <a:cubicBezTo>
+                    <a:pt x="3258232" y="-529083"/>
+                    <a:pt x="3225113" y="2005322"/>
+                    <a:pt x="1554775" y="2181786"/>
+                  </a:cubicBezTo>
+                  <a:cubicBezTo>
+                    <a:pt x="880252" y="2000495"/>
+                    <a:pt x="-531837" y="1460942"/>
+                    <a:pt x="209554" y="217716"/>
+                  </a:cubicBezTo>
+                  <a:cubicBezTo>
+                    <a:pt x="803637" y="-365857"/>
+                    <a:pt x="1569146" y="434242"/>
+                    <a:pt x="1753893" y="205943"/>
+                  </a:cubicBezTo>
+                  <a:close/>
+                </a:path>
+              </a:pathLst>
+            </a:custGeom>
+            <a:solidFill>
+              <a:srgbClr val="FFCC29"/>
+            </a:solidFill>
+            <a:ln>
+              <a:noFill/>
+            </a:ln>
+          </p:spPr>
+          <p:style>
+            <a:lnRef idx="2">
+              <a:schemeClr val="accent1">
+                <a:shade val="50000"/>
+              </a:schemeClr>
+            </a:lnRef>
+            <a:fillRef idx="1">
+              <a:schemeClr val="accent1"/>
+            </a:fillRef>
+            <a:effectRef idx="0">
+              <a:schemeClr val="accent1"/>
+            </a:effectRef>
+            <a:fontRef idx="minor">
+              <a:schemeClr val="lt1"/>
+            </a:fontRef>
+          </p:style>
+          <p:txBody>
+            <a:bodyPr rtlCol="0" anchor="ctr"/>
+            <a:lstStyle/>
+            <a:p>
+              <a:pPr algn="ctr"/>
+              <a:endParaRPr lang="sv-SE" dirty="0"/>
+            </a:p>
+          </p:txBody>
+        </p:sp>
+        <p:sp>
+          <p:nvSpPr>
+            <p:cNvPr id="30" name="Oval 10"/>
+            <p:cNvSpPr/>
+            <p:nvPr/>
+          </p:nvSpPr>
+          <p:spPr>
+            <a:xfrm rot="2188284">
+              <a:off x="4458471" y="3841514"/>
+              <a:ext cx="263964" cy="229987"/>
+            </a:xfrm>
+            <a:custGeom>
+              <a:avLst/>
+              <a:gdLst>
+                <a:gd name="connsiteX0" fmla="*/ 0 w 1978090"/>
+                <a:gd name="connsiteY0" fmla="*/ 730121 h 1460241"/>
+                <a:gd name="connsiteX1" fmla="*/ 989045 w 1978090"/>
+                <a:gd name="connsiteY1" fmla="*/ 0 h 1460241"/>
+                <a:gd name="connsiteX2" fmla="*/ 1978090 w 1978090"/>
+                <a:gd name="connsiteY2" fmla="*/ 730121 h 1460241"/>
+                <a:gd name="connsiteX3" fmla="*/ 989045 w 1978090"/>
+                <a:gd name="connsiteY3" fmla="*/ 1460242 h 1460241"/>
+                <a:gd name="connsiteX4" fmla="*/ 0 w 1978090"/>
+                <a:gd name="connsiteY4" fmla="*/ 730121 h 1460241"/>
+                <a:gd name="connsiteX0" fmla="*/ 3797 w 1981887"/>
+                <a:gd name="connsiteY0" fmla="*/ 873303 h 1603424"/>
+                <a:gd name="connsiteX1" fmla="*/ 763031 w 1981887"/>
+                <a:gd name="connsiteY1" fmla="*/ 0 h 1603424"/>
+                <a:gd name="connsiteX2" fmla="*/ 1981887 w 1981887"/>
+                <a:gd name="connsiteY2" fmla="*/ 873303 h 1603424"/>
+                <a:gd name="connsiteX3" fmla="*/ 992842 w 1981887"/>
+                <a:gd name="connsiteY3" fmla="*/ 1603424 h 1603424"/>
+                <a:gd name="connsiteX4" fmla="*/ 3797 w 1981887"/>
+                <a:gd name="connsiteY4" fmla="*/ 873303 h 1603424"/>
+                <a:gd name="connsiteX0" fmla="*/ 38 w 1978128"/>
+                <a:gd name="connsiteY0" fmla="*/ 873303 h 1723502"/>
+                <a:gd name="connsiteX1" fmla="*/ 759272 w 1978128"/>
+                <a:gd name="connsiteY1" fmla="*/ 0 h 1723502"/>
+                <a:gd name="connsiteX2" fmla="*/ 1978128 w 1978128"/>
+                <a:gd name="connsiteY2" fmla="*/ 873303 h 1723502"/>
+                <a:gd name="connsiteX3" fmla="*/ 740247 w 1978128"/>
+                <a:gd name="connsiteY3" fmla="*/ 1723502 h 1723502"/>
+                <a:gd name="connsiteX4" fmla="*/ 38 w 1978128"/>
+                <a:gd name="connsiteY4" fmla="*/ 873303 h 1723502"/>
+              </a:gdLst>
+              <a:ahLst/>
+              <a:cxnLst>
+                <a:cxn ang="0">
+                  <a:pos x="connsiteX0" y="connsiteY0"/>
+                </a:cxn>
+                <a:cxn ang="0">
+                  <a:pos x="connsiteX1" y="connsiteY1"/>
+                </a:cxn>
+                <a:cxn ang="0">
+                  <a:pos x="connsiteX2" y="connsiteY2"/>
+                </a:cxn>
+                <a:cxn ang="0">
+                  <a:pos x="connsiteX3" y="connsiteY3"/>
+                </a:cxn>
+                <a:cxn ang="0">
+                  <a:pos x="connsiteX4" y="connsiteY4"/>
+                </a:cxn>
+              </a:cxnLst>
+              <a:rect l="l" t="t" r="r" b="b"/>
+              <a:pathLst>
+                <a:path w="1978128" h="1723502">
+                  <a:moveTo>
+                    <a:pt x="38" y="873303"/>
+                  </a:moveTo>
+                  <a:cubicBezTo>
+                    <a:pt x="3209" y="586053"/>
+                    <a:pt x="213038" y="0"/>
+                    <a:pt x="759272" y="0"/>
+                  </a:cubicBezTo>
+                  <a:cubicBezTo>
+                    <a:pt x="1305506" y="0"/>
+                    <a:pt x="1978128" y="470068"/>
+                    <a:pt x="1978128" y="873303"/>
+                  </a:cubicBezTo>
+                  <a:cubicBezTo>
+                    <a:pt x="1978128" y="1276538"/>
+                    <a:pt x="1286481" y="1723502"/>
+                    <a:pt x="740247" y="1723502"/>
+                  </a:cubicBezTo>
+                  <a:cubicBezTo>
+                    <a:pt x="194013" y="1723502"/>
+                    <a:pt x="-3133" y="1160553"/>
+                    <a:pt x="38" y="873303"/>
+                  </a:cubicBezTo>
+                  <a:close/>
+                </a:path>
+              </a:pathLst>
+            </a:custGeom>
+            <a:solidFill>
+              <a:srgbClr val="FF4909"/>
+            </a:solidFill>
+            <a:ln>
+              <a:noFill/>
+            </a:ln>
+          </p:spPr>
+          <p:style>
+            <a:lnRef idx="2">
+              <a:schemeClr val="accent1">
+                <a:shade val="50000"/>
+              </a:schemeClr>
+            </a:lnRef>
+            <a:fillRef idx="1">
+              <a:schemeClr val="accent1"/>
+            </a:fillRef>
+            <a:effectRef idx="0">
+              <a:schemeClr val="accent1"/>
+            </a:effectRef>
+            <a:fontRef idx="minor">
+              <a:schemeClr val="lt1"/>
+            </a:fontRef>
+          </p:style>
+          <p:txBody>
+            <a:bodyPr rtlCol="0" anchor="ctr"/>
+            <a:lstStyle/>
+            <a:p>
+              <a:pPr algn="ctr"/>
+              <a:endParaRPr lang="sv-SE"/>
+            </a:p>
+          </p:txBody>
+        </p:sp>
+        <p:sp>
+          <p:nvSpPr>
+            <p:cNvPr id="43" name="Isosceles Triangle 2"/>
+            <p:cNvSpPr/>
+            <p:nvPr/>
+          </p:nvSpPr>
+          <p:spPr>
+            <a:xfrm rot="10299074">
+              <a:off x="4884479" y="3703378"/>
+              <a:ext cx="294408" cy="268598"/>
+            </a:xfrm>
+            <a:custGeom>
+              <a:avLst/>
+              <a:gdLst>
+                <a:gd name="connsiteX0" fmla="*/ 0 w 1890307"/>
+                <a:gd name="connsiteY0" fmla="*/ 1484362 h 1484362"/>
+                <a:gd name="connsiteX1" fmla="*/ 945154 w 1890307"/>
+                <a:gd name="connsiteY1" fmla="*/ 0 h 1484362"/>
+                <a:gd name="connsiteX2" fmla="*/ 1890307 w 1890307"/>
+                <a:gd name="connsiteY2" fmla="*/ 1484362 h 1484362"/>
+                <a:gd name="connsiteX3" fmla="*/ 0 w 1890307"/>
+                <a:gd name="connsiteY3" fmla="*/ 1484362 h 1484362"/>
+                <a:gd name="connsiteX0" fmla="*/ 0 w 1890307"/>
+                <a:gd name="connsiteY0" fmla="*/ 1473410 h 1473410"/>
+                <a:gd name="connsiteX1" fmla="*/ 925980 w 1890307"/>
+                <a:gd name="connsiteY1" fmla="*/ 0 h 1473410"/>
+                <a:gd name="connsiteX2" fmla="*/ 1890307 w 1890307"/>
+                <a:gd name="connsiteY2" fmla="*/ 1473410 h 1473410"/>
+                <a:gd name="connsiteX3" fmla="*/ 0 w 1890307"/>
+                <a:gd name="connsiteY3" fmla="*/ 1473410 h 1473410"/>
+                <a:gd name="connsiteX0" fmla="*/ 0 w 1890307"/>
+                <a:gd name="connsiteY0" fmla="*/ 1473410 h 1473410"/>
+                <a:gd name="connsiteX1" fmla="*/ 925980 w 1890307"/>
+                <a:gd name="connsiteY1" fmla="*/ 0 h 1473410"/>
+                <a:gd name="connsiteX2" fmla="*/ 1890307 w 1890307"/>
+                <a:gd name="connsiteY2" fmla="*/ 1473410 h 1473410"/>
+                <a:gd name="connsiteX3" fmla="*/ 0 w 1890307"/>
+                <a:gd name="connsiteY3" fmla="*/ 1473410 h 1473410"/>
+                <a:gd name="connsiteX0" fmla="*/ 0 w 1890307"/>
+                <a:gd name="connsiteY0" fmla="*/ 1473410 h 1473410"/>
+                <a:gd name="connsiteX1" fmla="*/ 925980 w 1890307"/>
+                <a:gd name="connsiteY1" fmla="*/ 0 h 1473410"/>
+                <a:gd name="connsiteX2" fmla="*/ 1890307 w 1890307"/>
+                <a:gd name="connsiteY2" fmla="*/ 1473410 h 1473410"/>
+                <a:gd name="connsiteX3" fmla="*/ 0 w 1890307"/>
+                <a:gd name="connsiteY3" fmla="*/ 1473410 h 1473410"/>
+                <a:gd name="connsiteX0" fmla="*/ 9778 w 1900085"/>
+                <a:gd name="connsiteY0" fmla="*/ 1473410 h 1473410"/>
+                <a:gd name="connsiteX1" fmla="*/ 935758 w 1900085"/>
+                <a:gd name="connsiteY1" fmla="*/ 0 h 1473410"/>
+                <a:gd name="connsiteX2" fmla="*/ 1900085 w 1900085"/>
+                <a:gd name="connsiteY2" fmla="*/ 1473410 h 1473410"/>
+                <a:gd name="connsiteX3" fmla="*/ 9778 w 1900085"/>
+                <a:gd name="connsiteY3" fmla="*/ 1473410 h 1473410"/>
+                <a:gd name="connsiteX0" fmla="*/ 9778 w 1900085"/>
+                <a:gd name="connsiteY0" fmla="*/ 1473410 h 1602081"/>
+                <a:gd name="connsiteX1" fmla="*/ 935758 w 1900085"/>
+                <a:gd name="connsiteY1" fmla="*/ 0 h 1602081"/>
+                <a:gd name="connsiteX2" fmla="*/ 1900085 w 1900085"/>
+                <a:gd name="connsiteY2" fmla="*/ 1473410 h 1602081"/>
+                <a:gd name="connsiteX3" fmla="*/ 9778 w 1900085"/>
+                <a:gd name="connsiteY3" fmla="*/ 1473410 h 1602081"/>
+                <a:gd name="connsiteX0" fmla="*/ 9778 w 1900085"/>
+                <a:gd name="connsiteY0" fmla="*/ 1473410 h 1659298"/>
+                <a:gd name="connsiteX1" fmla="*/ 935758 w 1900085"/>
+                <a:gd name="connsiteY1" fmla="*/ 0 h 1659298"/>
+                <a:gd name="connsiteX2" fmla="*/ 1900085 w 1900085"/>
+                <a:gd name="connsiteY2" fmla="*/ 1473410 h 1659298"/>
+                <a:gd name="connsiteX3" fmla="*/ 9778 w 1900085"/>
+                <a:gd name="connsiteY3" fmla="*/ 1473410 h 1659298"/>
+                <a:gd name="connsiteX0" fmla="*/ 9778 w 1900085"/>
+                <a:gd name="connsiteY0" fmla="*/ 1473410 h 1659298"/>
+                <a:gd name="connsiteX1" fmla="*/ 935758 w 1900085"/>
+                <a:gd name="connsiteY1" fmla="*/ 0 h 1659298"/>
+                <a:gd name="connsiteX2" fmla="*/ 1900085 w 1900085"/>
+                <a:gd name="connsiteY2" fmla="*/ 1473410 h 1659298"/>
+                <a:gd name="connsiteX3" fmla="*/ 9778 w 1900085"/>
+                <a:gd name="connsiteY3" fmla="*/ 1473410 h 1659298"/>
+                <a:gd name="connsiteX0" fmla="*/ 11089 w 1901396"/>
+                <a:gd name="connsiteY0" fmla="*/ 1473432 h 1659320"/>
+                <a:gd name="connsiteX1" fmla="*/ 937069 w 1901396"/>
+                <a:gd name="connsiteY1" fmla="*/ 22 h 1659320"/>
+                <a:gd name="connsiteX2" fmla="*/ 1901396 w 1901396"/>
+                <a:gd name="connsiteY2" fmla="*/ 1473432 h 1659320"/>
+                <a:gd name="connsiteX3" fmla="*/ 11089 w 1901396"/>
+                <a:gd name="connsiteY3" fmla="*/ 1473432 h 1659320"/>
+                <a:gd name="connsiteX0" fmla="*/ 11089 w 1901396"/>
+                <a:gd name="connsiteY0" fmla="*/ 1474878 h 1660766"/>
+                <a:gd name="connsiteX1" fmla="*/ 937069 w 1901396"/>
+                <a:gd name="connsiteY1" fmla="*/ 1468 h 1660766"/>
+                <a:gd name="connsiteX2" fmla="*/ 1901396 w 1901396"/>
+                <a:gd name="connsiteY2" fmla="*/ 1474878 h 1660766"/>
+                <a:gd name="connsiteX3" fmla="*/ 11089 w 1901396"/>
+                <a:gd name="connsiteY3" fmla="*/ 1474878 h 1660766"/>
+                <a:gd name="connsiteX0" fmla="*/ 11089 w 1922551"/>
+                <a:gd name="connsiteY0" fmla="*/ 1474339 h 1660227"/>
+                <a:gd name="connsiteX1" fmla="*/ 937069 w 1922551"/>
+                <a:gd name="connsiteY1" fmla="*/ 929 h 1660227"/>
+                <a:gd name="connsiteX2" fmla="*/ 1901396 w 1922551"/>
+                <a:gd name="connsiteY2" fmla="*/ 1474339 h 1660227"/>
+                <a:gd name="connsiteX3" fmla="*/ 11089 w 1922551"/>
+                <a:gd name="connsiteY3" fmla="*/ 1474339 h 1660227"/>
+                <a:gd name="connsiteX0" fmla="*/ 11089 w 1922551"/>
+                <a:gd name="connsiteY0" fmla="*/ 1474339 h 1674829"/>
+                <a:gd name="connsiteX1" fmla="*/ 937069 w 1922551"/>
+                <a:gd name="connsiteY1" fmla="*/ 929 h 1674829"/>
+                <a:gd name="connsiteX2" fmla="*/ 1901396 w 1922551"/>
+                <a:gd name="connsiteY2" fmla="*/ 1474339 h 1674829"/>
+                <a:gd name="connsiteX3" fmla="*/ 11089 w 1922551"/>
+                <a:gd name="connsiteY3" fmla="*/ 1474339 h 1674829"/>
+                <a:gd name="connsiteX0" fmla="*/ 11089 w 1922551"/>
+                <a:gd name="connsiteY0" fmla="*/ 1474339 h 1672820"/>
+                <a:gd name="connsiteX1" fmla="*/ 937069 w 1922551"/>
+                <a:gd name="connsiteY1" fmla="*/ 929 h 1672820"/>
+                <a:gd name="connsiteX2" fmla="*/ 1901396 w 1922551"/>
+                <a:gd name="connsiteY2" fmla="*/ 1474339 h 1672820"/>
+                <a:gd name="connsiteX3" fmla="*/ 11089 w 1922551"/>
+                <a:gd name="connsiteY3" fmla="*/ 1474339 h 1672820"/>
+                <a:gd name="connsiteX0" fmla="*/ 30596 w 1942058"/>
+                <a:gd name="connsiteY0" fmla="*/ 1474339 h 1672820"/>
+                <a:gd name="connsiteX1" fmla="*/ 956576 w 1942058"/>
+                <a:gd name="connsiteY1" fmla="*/ 929 h 1672820"/>
+                <a:gd name="connsiteX2" fmla="*/ 1920903 w 1942058"/>
+                <a:gd name="connsiteY2" fmla="*/ 1474339 h 1672820"/>
+                <a:gd name="connsiteX3" fmla="*/ 30596 w 1942058"/>
+                <a:gd name="connsiteY3" fmla="*/ 1474339 h 1672820"/>
+                <a:gd name="connsiteX0" fmla="*/ 17715 w 1929177"/>
+                <a:gd name="connsiteY0" fmla="*/ 1474339 h 1672820"/>
+                <a:gd name="connsiteX1" fmla="*/ 943695 w 1929177"/>
+                <a:gd name="connsiteY1" fmla="*/ 929 h 1672820"/>
+                <a:gd name="connsiteX2" fmla="*/ 1908022 w 1929177"/>
+                <a:gd name="connsiteY2" fmla="*/ 1474339 h 1672820"/>
+                <a:gd name="connsiteX3" fmla="*/ 17715 w 1929177"/>
+                <a:gd name="connsiteY3" fmla="*/ 1474339 h 1672820"/>
+                <a:gd name="connsiteX0" fmla="*/ 17715 w 1929177"/>
+                <a:gd name="connsiteY0" fmla="*/ 1474339 h 1669905"/>
+                <a:gd name="connsiteX1" fmla="*/ 943695 w 1929177"/>
+                <a:gd name="connsiteY1" fmla="*/ 929 h 1669905"/>
+                <a:gd name="connsiteX2" fmla="*/ 1908022 w 1929177"/>
+                <a:gd name="connsiteY2" fmla="*/ 1474339 h 1669905"/>
+                <a:gd name="connsiteX3" fmla="*/ 17715 w 1929177"/>
+                <a:gd name="connsiteY3" fmla="*/ 1474339 h 1669905"/>
+                <a:gd name="connsiteX0" fmla="*/ 17715 w 1929177"/>
+                <a:gd name="connsiteY0" fmla="*/ 1474339 h 1680508"/>
+                <a:gd name="connsiteX1" fmla="*/ 943695 w 1929177"/>
+                <a:gd name="connsiteY1" fmla="*/ 929 h 1680508"/>
+                <a:gd name="connsiteX2" fmla="*/ 1908022 w 1929177"/>
+                <a:gd name="connsiteY2" fmla="*/ 1474339 h 1680508"/>
+                <a:gd name="connsiteX3" fmla="*/ 17715 w 1929177"/>
+                <a:gd name="connsiteY3" fmla="*/ 1474339 h 1680508"/>
+                <a:gd name="connsiteX0" fmla="*/ 17715 w 1914739"/>
+                <a:gd name="connsiteY0" fmla="*/ 1474493 h 1680662"/>
+                <a:gd name="connsiteX1" fmla="*/ 943695 w 1914739"/>
+                <a:gd name="connsiteY1" fmla="*/ 1083 h 1680662"/>
+                <a:gd name="connsiteX2" fmla="*/ 1908022 w 1914739"/>
+                <a:gd name="connsiteY2" fmla="*/ 1474493 h 1680662"/>
+                <a:gd name="connsiteX3" fmla="*/ 17715 w 1914739"/>
+                <a:gd name="connsiteY3" fmla="*/ 1474493 h 1680662"/>
+                <a:gd name="connsiteX0" fmla="*/ 17715 w 1914739"/>
+                <a:gd name="connsiteY0" fmla="*/ 1474493 h 1744282"/>
+                <a:gd name="connsiteX1" fmla="*/ 943695 w 1914739"/>
+                <a:gd name="connsiteY1" fmla="*/ 1083 h 1744282"/>
+                <a:gd name="connsiteX2" fmla="*/ 1908022 w 1914739"/>
+                <a:gd name="connsiteY2" fmla="*/ 1474493 h 1744282"/>
+                <a:gd name="connsiteX3" fmla="*/ 17715 w 1914739"/>
+                <a:gd name="connsiteY3" fmla="*/ 1474493 h 1744282"/>
+                <a:gd name="connsiteX0" fmla="*/ 17715 w 1912352"/>
+                <a:gd name="connsiteY0" fmla="*/ 1474914 h 1744703"/>
+                <a:gd name="connsiteX1" fmla="*/ 943695 w 1912352"/>
+                <a:gd name="connsiteY1" fmla="*/ 1504 h 1744703"/>
+                <a:gd name="connsiteX2" fmla="*/ 1908022 w 1912352"/>
+                <a:gd name="connsiteY2" fmla="*/ 1474914 h 1744703"/>
+                <a:gd name="connsiteX3" fmla="*/ 17715 w 1912352"/>
+                <a:gd name="connsiteY3" fmla="*/ 1474914 h 1744703"/>
+              </a:gdLst>
+              <a:ahLst/>
+              <a:cxnLst>
+                <a:cxn ang="0">
+                  <a:pos x="connsiteX0" y="connsiteY0"/>
+                </a:cxn>
+                <a:cxn ang="0">
+                  <a:pos x="connsiteX1" y="connsiteY1"/>
+                </a:cxn>
+                <a:cxn ang="0">
+                  <a:pos x="connsiteX2" y="connsiteY2"/>
+                </a:cxn>
+                <a:cxn ang="0">
+                  <a:pos x="connsiteX3" y="connsiteY3"/>
+                </a:cxn>
+              </a:cxnLst>
+              <a:rect l="l" t="t" r="r" b="b"/>
+              <a:pathLst>
+                <a:path w="1912352" h="1744703">
+                  <a:moveTo>
+                    <a:pt x="17715" y="1474914"/>
+                  </a:moveTo>
+                  <a:cubicBezTo>
+                    <a:pt x="-110838" y="1144062"/>
+                    <a:pt x="487133" y="-4257"/>
+                    <a:pt x="943695" y="1504"/>
+                  </a:cubicBezTo>
+                  <a:cubicBezTo>
+                    <a:pt x="1323225" y="-41240"/>
+                    <a:pt x="1971445" y="836011"/>
+                    <a:pt x="1908022" y="1474914"/>
+                  </a:cubicBezTo>
+                  <a:cubicBezTo>
+                    <a:pt x="1777749" y="1909028"/>
+                    <a:pt x="206144" y="1751742"/>
+                    <a:pt x="17715" y="1474914"/>
+                  </a:cubicBezTo>
+                  <a:close/>
+                </a:path>
+              </a:pathLst>
+            </a:custGeom>
+            <a:solidFill>
+              <a:srgbClr val="9B00D2"/>
+            </a:solidFill>
+            <a:ln>
+              <a:noFill/>
+            </a:ln>
+          </p:spPr>
+          <p:style>
+            <a:lnRef idx="2">
+              <a:schemeClr val="accent1">
+                <a:shade val="50000"/>
+              </a:schemeClr>
+            </a:lnRef>
+            <a:fillRef idx="1">
+              <a:schemeClr val="accent1"/>
+            </a:fillRef>
+            <a:effectRef idx="0">
+              <a:schemeClr val="accent1"/>
+            </a:effectRef>
+            <a:fontRef idx="minor">
+              <a:schemeClr val="lt1"/>
+            </a:fontRef>
+          </p:style>
+          <p:txBody>
+            <a:bodyPr rtlCol="0" anchor="ctr"/>
+            <a:lstStyle/>
+            <a:p>
+              <a:pPr algn="ctr"/>
+              <a:endParaRPr lang="sv-SE"/>
+            </a:p>
+          </p:txBody>
+        </p:sp>
+        <p:sp>
+          <p:nvSpPr>
+            <p:cNvPr id="44" name="Isosceles Triangle 2"/>
+            <p:cNvSpPr/>
+            <p:nvPr/>
+          </p:nvSpPr>
+          <p:spPr>
+            <a:xfrm rot="10299074">
+              <a:off x="6610071" y="4022150"/>
+              <a:ext cx="294408" cy="268598"/>
+            </a:xfrm>
+            <a:custGeom>
+              <a:avLst/>
+              <a:gdLst>
+                <a:gd name="connsiteX0" fmla="*/ 0 w 1890307"/>
+                <a:gd name="connsiteY0" fmla="*/ 1484362 h 1484362"/>
+                <a:gd name="connsiteX1" fmla="*/ 945154 w 1890307"/>
+                <a:gd name="connsiteY1" fmla="*/ 0 h 1484362"/>
+                <a:gd name="connsiteX2" fmla="*/ 1890307 w 1890307"/>
+                <a:gd name="connsiteY2" fmla="*/ 1484362 h 1484362"/>
+                <a:gd name="connsiteX3" fmla="*/ 0 w 1890307"/>
+                <a:gd name="connsiteY3" fmla="*/ 1484362 h 1484362"/>
+                <a:gd name="connsiteX0" fmla="*/ 0 w 1890307"/>
+                <a:gd name="connsiteY0" fmla="*/ 1473410 h 1473410"/>
+                <a:gd name="connsiteX1" fmla="*/ 925980 w 1890307"/>
+                <a:gd name="connsiteY1" fmla="*/ 0 h 1473410"/>
+                <a:gd name="connsiteX2" fmla="*/ 1890307 w 1890307"/>
+                <a:gd name="connsiteY2" fmla="*/ 1473410 h 1473410"/>
+                <a:gd name="connsiteX3" fmla="*/ 0 w 1890307"/>
+                <a:gd name="connsiteY3" fmla="*/ 1473410 h 1473410"/>
+                <a:gd name="connsiteX0" fmla="*/ 0 w 1890307"/>
+                <a:gd name="connsiteY0" fmla="*/ 1473410 h 1473410"/>
+                <a:gd name="connsiteX1" fmla="*/ 925980 w 1890307"/>
+                <a:gd name="connsiteY1" fmla="*/ 0 h 1473410"/>
+                <a:gd name="connsiteX2" fmla="*/ 1890307 w 1890307"/>
+                <a:gd name="connsiteY2" fmla="*/ 1473410 h 1473410"/>
+                <a:gd name="connsiteX3" fmla="*/ 0 w 1890307"/>
+                <a:gd name="connsiteY3" fmla="*/ 1473410 h 1473410"/>
+                <a:gd name="connsiteX0" fmla="*/ 0 w 1890307"/>
+                <a:gd name="connsiteY0" fmla="*/ 1473410 h 1473410"/>
+                <a:gd name="connsiteX1" fmla="*/ 925980 w 1890307"/>
+                <a:gd name="connsiteY1" fmla="*/ 0 h 1473410"/>
+                <a:gd name="connsiteX2" fmla="*/ 1890307 w 1890307"/>
+                <a:gd name="connsiteY2" fmla="*/ 1473410 h 1473410"/>
+                <a:gd name="connsiteX3" fmla="*/ 0 w 1890307"/>
+                <a:gd name="connsiteY3" fmla="*/ 1473410 h 1473410"/>
+                <a:gd name="connsiteX0" fmla="*/ 9778 w 1900085"/>
+                <a:gd name="connsiteY0" fmla="*/ 1473410 h 1473410"/>
+                <a:gd name="connsiteX1" fmla="*/ 935758 w 1900085"/>
+                <a:gd name="connsiteY1" fmla="*/ 0 h 1473410"/>
+                <a:gd name="connsiteX2" fmla="*/ 1900085 w 1900085"/>
+                <a:gd name="connsiteY2" fmla="*/ 1473410 h 1473410"/>
+                <a:gd name="connsiteX3" fmla="*/ 9778 w 1900085"/>
+                <a:gd name="connsiteY3" fmla="*/ 1473410 h 1473410"/>
+                <a:gd name="connsiteX0" fmla="*/ 9778 w 1900085"/>
+                <a:gd name="connsiteY0" fmla="*/ 1473410 h 1602081"/>
+                <a:gd name="connsiteX1" fmla="*/ 935758 w 1900085"/>
+                <a:gd name="connsiteY1" fmla="*/ 0 h 1602081"/>
+                <a:gd name="connsiteX2" fmla="*/ 1900085 w 1900085"/>
+                <a:gd name="connsiteY2" fmla="*/ 1473410 h 1602081"/>
+                <a:gd name="connsiteX3" fmla="*/ 9778 w 1900085"/>
+                <a:gd name="connsiteY3" fmla="*/ 1473410 h 1602081"/>
+                <a:gd name="connsiteX0" fmla="*/ 9778 w 1900085"/>
+                <a:gd name="connsiteY0" fmla="*/ 1473410 h 1659298"/>
+                <a:gd name="connsiteX1" fmla="*/ 935758 w 1900085"/>
+                <a:gd name="connsiteY1" fmla="*/ 0 h 1659298"/>
+                <a:gd name="connsiteX2" fmla="*/ 1900085 w 1900085"/>
+                <a:gd name="connsiteY2" fmla="*/ 1473410 h 1659298"/>
+                <a:gd name="connsiteX3" fmla="*/ 9778 w 1900085"/>
+                <a:gd name="connsiteY3" fmla="*/ 1473410 h 1659298"/>
+                <a:gd name="connsiteX0" fmla="*/ 9778 w 1900085"/>
+                <a:gd name="connsiteY0" fmla="*/ 1473410 h 1659298"/>
+                <a:gd name="connsiteX1" fmla="*/ 935758 w 1900085"/>
+                <a:gd name="connsiteY1" fmla="*/ 0 h 1659298"/>
+                <a:gd name="connsiteX2" fmla="*/ 1900085 w 1900085"/>
+                <a:gd name="connsiteY2" fmla="*/ 1473410 h 1659298"/>
+                <a:gd name="connsiteX3" fmla="*/ 9778 w 1900085"/>
+                <a:gd name="connsiteY3" fmla="*/ 1473410 h 1659298"/>
+                <a:gd name="connsiteX0" fmla="*/ 11089 w 1901396"/>
+                <a:gd name="connsiteY0" fmla="*/ 1473432 h 1659320"/>
+                <a:gd name="connsiteX1" fmla="*/ 937069 w 1901396"/>
+                <a:gd name="connsiteY1" fmla="*/ 22 h 1659320"/>
+                <a:gd name="connsiteX2" fmla="*/ 1901396 w 1901396"/>
+                <a:gd name="connsiteY2" fmla="*/ 1473432 h 1659320"/>
+                <a:gd name="connsiteX3" fmla="*/ 11089 w 1901396"/>
+                <a:gd name="connsiteY3" fmla="*/ 1473432 h 1659320"/>
+                <a:gd name="connsiteX0" fmla="*/ 11089 w 1901396"/>
+                <a:gd name="connsiteY0" fmla="*/ 1474878 h 1660766"/>
+                <a:gd name="connsiteX1" fmla="*/ 937069 w 1901396"/>
+                <a:gd name="connsiteY1" fmla="*/ 1468 h 1660766"/>
+                <a:gd name="connsiteX2" fmla="*/ 1901396 w 1901396"/>
+                <a:gd name="connsiteY2" fmla="*/ 1474878 h 1660766"/>
+                <a:gd name="connsiteX3" fmla="*/ 11089 w 1901396"/>
+                <a:gd name="connsiteY3" fmla="*/ 1474878 h 1660766"/>
+                <a:gd name="connsiteX0" fmla="*/ 11089 w 1922551"/>
+                <a:gd name="connsiteY0" fmla="*/ 1474339 h 1660227"/>
+                <a:gd name="connsiteX1" fmla="*/ 937069 w 1922551"/>
+                <a:gd name="connsiteY1" fmla="*/ 929 h 1660227"/>
+                <a:gd name="connsiteX2" fmla="*/ 1901396 w 1922551"/>
+                <a:gd name="connsiteY2" fmla="*/ 1474339 h 1660227"/>
+                <a:gd name="connsiteX3" fmla="*/ 11089 w 1922551"/>
+                <a:gd name="connsiteY3" fmla="*/ 1474339 h 1660227"/>
+                <a:gd name="connsiteX0" fmla="*/ 11089 w 1922551"/>
+                <a:gd name="connsiteY0" fmla="*/ 1474339 h 1674829"/>
+                <a:gd name="connsiteX1" fmla="*/ 937069 w 1922551"/>
+                <a:gd name="connsiteY1" fmla="*/ 929 h 1674829"/>
+                <a:gd name="connsiteX2" fmla="*/ 1901396 w 1922551"/>
+                <a:gd name="connsiteY2" fmla="*/ 1474339 h 1674829"/>
+                <a:gd name="connsiteX3" fmla="*/ 11089 w 1922551"/>
+                <a:gd name="connsiteY3" fmla="*/ 1474339 h 1674829"/>
+                <a:gd name="connsiteX0" fmla="*/ 11089 w 1922551"/>
+                <a:gd name="connsiteY0" fmla="*/ 1474339 h 1672820"/>
+                <a:gd name="connsiteX1" fmla="*/ 937069 w 1922551"/>
+                <a:gd name="connsiteY1" fmla="*/ 929 h 1672820"/>
+                <a:gd name="connsiteX2" fmla="*/ 1901396 w 1922551"/>
+                <a:gd name="connsiteY2" fmla="*/ 1474339 h 1672820"/>
+                <a:gd name="connsiteX3" fmla="*/ 11089 w 1922551"/>
+                <a:gd name="connsiteY3" fmla="*/ 1474339 h 1672820"/>
+                <a:gd name="connsiteX0" fmla="*/ 30596 w 1942058"/>
+                <a:gd name="connsiteY0" fmla="*/ 1474339 h 1672820"/>
+                <a:gd name="connsiteX1" fmla="*/ 956576 w 1942058"/>
+                <a:gd name="connsiteY1" fmla="*/ 929 h 1672820"/>
+                <a:gd name="connsiteX2" fmla="*/ 1920903 w 1942058"/>
+                <a:gd name="connsiteY2" fmla="*/ 1474339 h 1672820"/>
+                <a:gd name="connsiteX3" fmla="*/ 30596 w 1942058"/>
+                <a:gd name="connsiteY3" fmla="*/ 1474339 h 1672820"/>
+                <a:gd name="connsiteX0" fmla="*/ 17715 w 1929177"/>
+                <a:gd name="connsiteY0" fmla="*/ 1474339 h 1672820"/>
+                <a:gd name="connsiteX1" fmla="*/ 943695 w 1929177"/>
+                <a:gd name="connsiteY1" fmla="*/ 929 h 1672820"/>
+                <a:gd name="connsiteX2" fmla="*/ 1908022 w 1929177"/>
+                <a:gd name="connsiteY2" fmla="*/ 1474339 h 1672820"/>
+                <a:gd name="connsiteX3" fmla="*/ 17715 w 1929177"/>
+                <a:gd name="connsiteY3" fmla="*/ 1474339 h 1672820"/>
+                <a:gd name="connsiteX0" fmla="*/ 17715 w 1929177"/>
+                <a:gd name="connsiteY0" fmla="*/ 1474339 h 1669905"/>
+                <a:gd name="connsiteX1" fmla="*/ 943695 w 1929177"/>
+                <a:gd name="connsiteY1" fmla="*/ 929 h 1669905"/>
+                <a:gd name="connsiteX2" fmla="*/ 1908022 w 1929177"/>
+                <a:gd name="connsiteY2" fmla="*/ 1474339 h 1669905"/>
+                <a:gd name="connsiteX3" fmla="*/ 17715 w 1929177"/>
+                <a:gd name="connsiteY3" fmla="*/ 1474339 h 1669905"/>
+                <a:gd name="connsiteX0" fmla="*/ 17715 w 1929177"/>
+                <a:gd name="connsiteY0" fmla="*/ 1474339 h 1680508"/>
+                <a:gd name="connsiteX1" fmla="*/ 943695 w 1929177"/>
+                <a:gd name="connsiteY1" fmla="*/ 929 h 1680508"/>
+                <a:gd name="connsiteX2" fmla="*/ 1908022 w 1929177"/>
+                <a:gd name="connsiteY2" fmla="*/ 1474339 h 1680508"/>
+                <a:gd name="connsiteX3" fmla="*/ 17715 w 1929177"/>
+                <a:gd name="connsiteY3" fmla="*/ 1474339 h 1680508"/>
+                <a:gd name="connsiteX0" fmla="*/ 17715 w 1914739"/>
+                <a:gd name="connsiteY0" fmla="*/ 1474493 h 1680662"/>
+                <a:gd name="connsiteX1" fmla="*/ 943695 w 1914739"/>
+                <a:gd name="connsiteY1" fmla="*/ 1083 h 1680662"/>
+                <a:gd name="connsiteX2" fmla="*/ 1908022 w 1914739"/>
+                <a:gd name="connsiteY2" fmla="*/ 1474493 h 1680662"/>
+                <a:gd name="connsiteX3" fmla="*/ 17715 w 1914739"/>
+                <a:gd name="connsiteY3" fmla="*/ 1474493 h 1680662"/>
+                <a:gd name="connsiteX0" fmla="*/ 17715 w 1914739"/>
+                <a:gd name="connsiteY0" fmla="*/ 1474493 h 1744282"/>
+                <a:gd name="connsiteX1" fmla="*/ 943695 w 1914739"/>
+                <a:gd name="connsiteY1" fmla="*/ 1083 h 1744282"/>
+                <a:gd name="connsiteX2" fmla="*/ 1908022 w 1914739"/>
+                <a:gd name="connsiteY2" fmla="*/ 1474493 h 1744282"/>
+                <a:gd name="connsiteX3" fmla="*/ 17715 w 1914739"/>
+                <a:gd name="connsiteY3" fmla="*/ 1474493 h 1744282"/>
+                <a:gd name="connsiteX0" fmla="*/ 17715 w 1912352"/>
+                <a:gd name="connsiteY0" fmla="*/ 1474914 h 1744703"/>
+                <a:gd name="connsiteX1" fmla="*/ 943695 w 1912352"/>
+                <a:gd name="connsiteY1" fmla="*/ 1504 h 1744703"/>
+                <a:gd name="connsiteX2" fmla="*/ 1908022 w 1912352"/>
+                <a:gd name="connsiteY2" fmla="*/ 1474914 h 1744703"/>
+                <a:gd name="connsiteX3" fmla="*/ 17715 w 1912352"/>
+                <a:gd name="connsiteY3" fmla="*/ 1474914 h 1744703"/>
+              </a:gdLst>
+              <a:ahLst/>
+              <a:cxnLst>
+                <a:cxn ang="0">
+                  <a:pos x="connsiteX0" y="connsiteY0"/>
+                </a:cxn>
+                <a:cxn ang="0">
+                  <a:pos x="connsiteX1" y="connsiteY1"/>
+                </a:cxn>
+                <a:cxn ang="0">
+                  <a:pos x="connsiteX2" y="connsiteY2"/>
+                </a:cxn>
+                <a:cxn ang="0">
+                  <a:pos x="connsiteX3" y="connsiteY3"/>
+                </a:cxn>
+              </a:cxnLst>
+              <a:rect l="l" t="t" r="r" b="b"/>
+              <a:pathLst>
+                <a:path w="1912352" h="1744703">
+                  <a:moveTo>
+                    <a:pt x="17715" y="1474914"/>
+                  </a:moveTo>
+                  <a:cubicBezTo>
+                    <a:pt x="-110838" y="1144062"/>
+                    <a:pt x="487133" y="-4257"/>
+                    <a:pt x="943695" y="1504"/>
+                  </a:cubicBezTo>
+                  <a:cubicBezTo>
+                    <a:pt x="1323225" y="-41240"/>
+                    <a:pt x="1971445" y="836011"/>
+                    <a:pt x="1908022" y="1474914"/>
+                  </a:cubicBezTo>
+                  <a:cubicBezTo>
+                    <a:pt x="1777749" y="1909028"/>
+                    <a:pt x="206144" y="1751742"/>
+                    <a:pt x="17715" y="1474914"/>
+                  </a:cubicBezTo>
+                  <a:close/>
+                </a:path>
+              </a:pathLst>
+            </a:custGeom>
+            <a:solidFill>
+              <a:srgbClr val="9B00D2"/>
+            </a:solidFill>
+            <a:ln>
+              <a:noFill/>
+            </a:ln>
+          </p:spPr>
+          <p:style>
+            <a:lnRef idx="2">
+              <a:schemeClr val="accent1">
+                <a:shade val="50000"/>
+              </a:schemeClr>
+            </a:lnRef>
+            <a:fillRef idx="1">
+              <a:schemeClr val="accent1"/>
+            </a:fillRef>
+            <a:effectRef idx="0">
+              <a:schemeClr val="accent1"/>
+            </a:effectRef>
+            <a:fontRef idx="minor">
+              <a:schemeClr val="lt1"/>
+            </a:fontRef>
+          </p:style>
+          <p:txBody>
+            <a:bodyPr rtlCol="0" anchor="ctr"/>
+            <a:lstStyle/>
+            <a:p>
+              <a:pPr algn="ctr"/>
+              <a:endParaRPr lang="sv-SE"/>
+            </a:p>
+          </p:txBody>
+        </p:sp>
+        <p:sp>
+          <p:nvSpPr>
+            <p:cNvPr id="45" name="Isosceles Triangle 2"/>
+            <p:cNvSpPr/>
+            <p:nvPr/>
+          </p:nvSpPr>
+          <p:spPr>
+            <a:xfrm rot="10299074">
+              <a:off x="7749713" y="4102536"/>
+              <a:ext cx="294408" cy="268598"/>
+            </a:xfrm>
+            <a:custGeom>
+              <a:avLst/>
+              <a:gdLst>
+                <a:gd name="connsiteX0" fmla="*/ 0 w 1890307"/>
+                <a:gd name="connsiteY0" fmla="*/ 1484362 h 1484362"/>
+                <a:gd name="connsiteX1" fmla="*/ 945154 w 1890307"/>
+                <a:gd name="connsiteY1" fmla="*/ 0 h 1484362"/>
+                <a:gd name="connsiteX2" fmla="*/ 1890307 w 1890307"/>
+                <a:gd name="connsiteY2" fmla="*/ 1484362 h 1484362"/>
+                <a:gd name="connsiteX3" fmla="*/ 0 w 1890307"/>
+                <a:gd name="connsiteY3" fmla="*/ 1484362 h 1484362"/>
+                <a:gd name="connsiteX0" fmla="*/ 0 w 1890307"/>
+                <a:gd name="connsiteY0" fmla="*/ 1473410 h 1473410"/>
+                <a:gd name="connsiteX1" fmla="*/ 925980 w 1890307"/>
+                <a:gd name="connsiteY1" fmla="*/ 0 h 1473410"/>
+                <a:gd name="connsiteX2" fmla="*/ 1890307 w 1890307"/>
+                <a:gd name="connsiteY2" fmla="*/ 1473410 h 1473410"/>
+                <a:gd name="connsiteX3" fmla="*/ 0 w 1890307"/>
+                <a:gd name="connsiteY3" fmla="*/ 1473410 h 1473410"/>
+                <a:gd name="connsiteX0" fmla="*/ 0 w 1890307"/>
+                <a:gd name="connsiteY0" fmla="*/ 1473410 h 1473410"/>
+                <a:gd name="connsiteX1" fmla="*/ 925980 w 1890307"/>
+                <a:gd name="connsiteY1" fmla="*/ 0 h 1473410"/>
+                <a:gd name="connsiteX2" fmla="*/ 1890307 w 1890307"/>
+                <a:gd name="connsiteY2" fmla="*/ 1473410 h 1473410"/>
+                <a:gd name="connsiteX3" fmla="*/ 0 w 1890307"/>
+                <a:gd name="connsiteY3" fmla="*/ 1473410 h 1473410"/>
+                <a:gd name="connsiteX0" fmla="*/ 0 w 1890307"/>
+                <a:gd name="connsiteY0" fmla="*/ 1473410 h 1473410"/>
+                <a:gd name="connsiteX1" fmla="*/ 925980 w 1890307"/>
+                <a:gd name="connsiteY1" fmla="*/ 0 h 1473410"/>
+                <a:gd name="connsiteX2" fmla="*/ 1890307 w 1890307"/>
+                <a:gd name="connsiteY2" fmla="*/ 1473410 h 1473410"/>
+                <a:gd name="connsiteX3" fmla="*/ 0 w 1890307"/>
+                <a:gd name="connsiteY3" fmla="*/ 1473410 h 1473410"/>
+                <a:gd name="connsiteX0" fmla="*/ 9778 w 1900085"/>
+                <a:gd name="connsiteY0" fmla="*/ 1473410 h 1473410"/>
+                <a:gd name="connsiteX1" fmla="*/ 935758 w 1900085"/>
+                <a:gd name="connsiteY1" fmla="*/ 0 h 1473410"/>
+                <a:gd name="connsiteX2" fmla="*/ 1900085 w 1900085"/>
+                <a:gd name="connsiteY2" fmla="*/ 1473410 h 1473410"/>
+                <a:gd name="connsiteX3" fmla="*/ 9778 w 1900085"/>
+                <a:gd name="connsiteY3" fmla="*/ 1473410 h 1473410"/>
+                <a:gd name="connsiteX0" fmla="*/ 9778 w 1900085"/>
+                <a:gd name="connsiteY0" fmla="*/ 1473410 h 1602081"/>
+                <a:gd name="connsiteX1" fmla="*/ 935758 w 1900085"/>
+                <a:gd name="connsiteY1" fmla="*/ 0 h 1602081"/>
+                <a:gd name="connsiteX2" fmla="*/ 1900085 w 1900085"/>
+                <a:gd name="connsiteY2" fmla="*/ 1473410 h 1602081"/>
+                <a:gd name="connsiteX3" fmla="*/ 9778 w 1900085"/>
+                <a:gd name="connsiteY3" fmla="*/ 1473410 h 1602081"/>
+                <a:gd name="connsiteX0" fmla="*/ 9778 w 1900085"/>
+                <a:gd name="connsiteY0" fmla="*/ 1473410 h 1659298"/>
+                <a:gd name="connsiteX1" fmla="*/ 935758 w 1900085"/>
+                <a:gd name="connsiteY1" fmla="*/ 0 h 1659298"/>
+                <a:gd name="connsiteX2" fmla="*/ 1900085 w 1900085"/>
+                <a:gd name="connsiteY2" fmla="*/ 1473410 h 1659298"/>
+                <a:gd name="connsiteX3" fmla="*/ 9778 w 1900085"/>
+                <a:gd name="connsiteY3" fmla="*/ 1473410 h 1659298"/>
+                <a:gd name="connsiteX0" fmla="*/ 9778 w 1900085"/>
+                <a:gd name="connsiteY0" fmla="*/ 1473410 h 1659298"/>
+                <a:gd name="connsiteX1" fmla="*/ 935758 w 1900085"/>
+                <a:gd name="connsiteY1" fmla="*/ 0 h 1659298"/>
+                <a:gd name="connsiteX2" fmla="*/ 1900085 w 1900085"/>
+                <a:gd name="connsiteY2" fmla="*/ 1473410 h 1659298"/>
+                <a:gd name="connsiteX3" fmla="*/ 9778 w 1900085"/>
+                <a:gd name="connsiteY3" fmla="*/ 1473410 h 1659298"/>
+                <a:gd name="connsiteX0" fmla="*/ 11089 w 1901396"/>
+                <a:gd name="connsiteY0" fmla="*/ 1473432 h 1659320"/>
+                <a:gd name="connsiteX1" fmla="*/ 937069 w 1901396"/>
+                <a:gd name="connsiteY1" fmla="*/ 22 h 1659320"/>
+                <a:gd name="connsiteX2" fmla="*/ 1901396 w 1901396"/>
+                <a:gd name="connsiteY2" fmla="*/ 1473432 h 1659320"/>
+                <a:gd name="connsiteX3" fmla="*/ 11089 w 1901396"/>
+                <a:gd name="connsiteY3" fmla="*/ 1473432 h 1659320"/>
+                <a:gd name="connsiteX0" fmla="*/ 11089 w 1901396"/>
+                <a:gd name="connsiteY0" fmla="*/ 1474878 h 1660766"/>
+                <a:gd name="connsiteX1" fmla="*/ 937069 w 1901396"/>
+                <a:gd name="connsiteY1" fmla="*/ 1468 h 1660766"/>
+                <a:gd name="connsiteX2" fmla="*/ 1901396 w 1901396"/>
+                <a:gd name="connsiteY2" fmla="*/ 1474878 h 1660766"/>
+                <a:gd name="connsiteX3" fmla="*/ 11089 w 1901396"/>
+                <a:gd name="connsiteY3" fmla="*/ 1474878 h 1660766"/>
+                <a:gd name="connsiteX0" fmla="*/ 11089 w 1922551"/>
+                <a:gd name="connsiteY0" fmla="*/ 1474339 h 1660227"/>
+                <a:gd name="connsiteX1" fmla="*/ 937069 w 1922551"/>
+                <a:gd name="connsiteY1" fmla="*/ 929 h 1660227"/>
+                <a:gd name="connsiteX2" fmla="*/ 1901396 w 1922551"/>
+                <a:gd name="connsiteY2" fmla="*/ 1474339 h 1660227"/>
+                <a:gd name="connsiteX3" fmla="*/ 11089 w 1922551"/>
+                <a:gd name="connsiteY3" fmla="*/ 1474339 h 1660227"/>
+                <a:gd name="connsiteX0" fmla="*/ 11089 w 1922551"/>
+                <a:gd name="connsiteY0" fmla="*/ 1474339 h 1674829"/>
+                <a:gd name="connsiteX1" fmla="*/ 937069 w 1922551"/>
+                <a:gd name="connsiteY1" fmla="*/ 929 h 1674829"/>
+                <a:gd name="connsiteX2" fmla="*/ 1901396 w 1922551"/>
+                <a:gd name="connsiteY2" fmla="*/ 1474339 h 1674829"/>
+                <a:gd name="connsiteX3" fmla="*/ 11089 w 1922551"/>
+                <a:gd name="connsiteY3" fmla="*/ 1474339 h 1674829"/>
+                <a:gd name="connsiteX0" fmla="*/ 11089 w 1922551"/>
+                <a:gd name="connsiteY0" fmla="*/ 1474339 h 1672820"/>
+                <a:gd name="connsiteX1" fmla="*/ 937069 w 1922551"/>
+                <a:gd name="connsiteY1" fmla="*/ 929 h 1672820"/>
+                <a:gd name="connsiteX2" fmla="*/ 1901396 w 1922551"/>
+                <a:gd name="connsiteY2" fmla="*/ 1474339 h 1672820"/>
+                <a:gd name="connsiteX3" fmla="*/ 11089 w 1922551"/>
+                <a:gd name="connsiteY3" fmla="*/ 1474339 h 1672820"/>
+                <a:gd name="connsiteX0" fmla="*/ 30596 w 1942058"/>
+                <a:gd name="connsiteY0" fmla="*/ 1474339 h 1672820"/>
+                <a:gd name="connsiteX1" fmla="*/ 956576 w 1942058"/>
+                <a:gd name="connsiteY1" fmla="*/ 929 h 1672820"/>
+                <a:gd name="connsiteX2" fmla="*/ 1920903 w 1942058"/>
+                <a:gd name="connsiteY2" fmla="*/ 1474339 h 1672820"/>
+                <a:gd name="connsiteX3" fmla="*/ 30596 w 1942058"/>
+                <a:gd name="connsiteY3" fmla="*/ 1474339 h 1672820"/>
+                <a:gd name="connsiteX0" fmla="*/ 17715 w 1929177"/>
+                <a:gd name="connsiteY0" fmla="*/ 1474339 h 1672820"/>
+                <a:gd name="connsiteX1" fmla="*/ 943695 w 1929177"/>
+                <a:gd name="connsiteY1" fmla="*/ 929 h 1672820"/>
+                <a:gd name="connsiteX2" fmla="*/ 1908022 w 1929177"/>
+                <a:gd name="connsiteY2" fmla="*/ 1474339 h 1672820"/>
+                <a:gd name="connsiteX3" fmla="*/ 17715 w 1929177"/>
+                <a:gd name="connsiteY3" fmla="*/ 1474339 h 1672820"/>
+                <a:gd name="connsiteX0" fmla="*/ 17715 w 1929177"/>
+                <a:gd name="connsiteY0" fmla="*/ 1474339 h 1669905"/>
+                <a:gd name="connsiteX1" fmla="*/ 943695 w 1929177"/>
+                <a:gd name="connsiteY1" fmla="*/ 929 h 1669905"/>
+                <a:gd name="connsiteX2" fmla="*/ 1908022 w 1929177"/>
+                <a:gd name="connsiteY2" fmla="*/ 1474339 h 1669905"/>
+                <a:gd name="connsiteX3" fmla="*/ 17715 w 1929177"/>
+                <a:gd name="connsiteY3" fmla="*/ 1474339 h 1669905"/>
+                <a:gd name="connsiteX0" fmla="*/ 17715 w 1929177"/>
+                <a:gd name="connsiteY0" fmla="*/ 1474339 h 1680508"/>
+                <a:gd name="connsiteX1" fmla="*/ 943695 w 1929177"/>
+                <a:gd name="connsiteY1" fmla="*/ 929 h 1680508"/>
+                <a:gd name="connsiteX2" fmla="*/ 1908022 w 1929177"/>
+                <a:gd name="connsiteY2" fmla="*/ 1474339 h 1680508"/>
+                <a:gd name="connsiteX3" fmla="*/ 17715 w 1929177"/>
+                <a:gd name="connsiteY3" fmla="*/ 1474339 h 1680508"/>
+                <a:gd name="connsiteX0" fmla="*/ 17715 w 1914739"/>
+                <a:gd name="connsiteY0" fmla="*/ 1474493 h 1680662"/>
+                <a:gd name="connsiteX1" fmla="*/ 943695 w 1914739"/>
+                <a:gd name="connsiteY1" fmla="*/ 1083 h 1680662"/>
+                <a:gd name="connsiteX2" fmla="*/ 1908022 w 1914739"/>
+                <a:gd name="connsiteY2" fmla="*/ 1474493 h 1680662"/>
+                <a:gd name="connsiteX3" fmla="*/ 17715 w 1914739"/>
+                <a:gd name="connsiteY3" fmla="*/ 1474493 h 1680662"/>
+                <a:gd name="connsiteX0" fmla="*/ 17715 w 1914739"/>
+                <a:gd name="connsiteY0" fmla="*/ 1474493 h 1744282"/>
+                <a:gd name="connsiteX1" fmla="*/ 943695 w 1914739"/>
+                <a:gd name="connsiteY1" fmla="*/ 1083 h 1744282"/>
+                <a:gd name="connsiteX2" fmla="*/ 1908022 w 1914739"/>
+                <a:gd name="connsiteY2" fmla="*/ 1474493 h 1744282"/>
+                <a:gd name="connsiteX3" fmla="*/ 17715 w 1914739"/>
+                <a:gd name="connsiteY3" fmla="*/ 1474493 h 1744282"/>
+                <a:gd name="connsiteX0" fmla="*/ 17715 w 1912352"/>
+                <a:gd name="connsiteY0" fmla="*/ 1474914 h 1744703"/>
+                <a:gd name="connsiteX1" fmla="*/ 943695 w 1912352"/>
+                <a:gd name="connsiteY1" fmla="*/ 1504 h 1744703"/>
+                <a:gd name="connsiteX2" fmla="*/ 1908022 w 1912352"/>
+                <a:gd name="connsiteY2" fmla="*/ 1474914 h 1744703"/>
+                <a:gd name="connsiteX3" fmla="*/ 17715 w 1912352"/>
+                <a:gd name="connsiteY3" fmla="*/ 1474914 h 1744703"/>
+              </a:gdLst>
+              <a:ahLst/>
+              <a:cxnLst>
+                <a:cxn ang="0">
+                  <a:pos x="connsiteX0" y="connsiteY0"/>
+                </a:cxn>
+                <a:cxn ang="0">
+                  <a:pos x="connsiteX1" y="connsiteY1"/>
+                </a:cxn>
+                <a:cxn ang="0">
+                  <a:pos x="connsiteX2" y="connsiteY2"/>
+                </a:cxn>
+                <a:cxn ang="0">
+                  <a:pos x="connsiteX3" y="connsiteY3"/>
+                </a:cxn>
+              </a:cxnLst>
+              <a:rect l="l" t="t" r="r" b="b"/>
+              <a:pathLst>
+                <a:path w="1912352" h="1744703">
+                  <a:moveTo>
+                    <a:pt x="17715" y="1474914"/>
+                  </a:moveTo>
+                  <a:cubicBezTo>
+                    <a:pt x="-110838" y="1144062"/>
+                    <a:pt x="487133" y="-4257"/>
+                    <a:pt x="943695" y="1504"/>
+                  </a:cubicBezTo>
+                  <a:cubicBezTo>
+                    <a:pt x="1323225" y="-41240"/>
+                    <a:pt x="1971445" y="836011"/>
+                    <a:pt x="1908022" y="1474914"/>
+                  </a:cubicBezTo>
+                  <a:cubicBezTo>
+                    <a:pt x="1777749" y="1909028"/>
+                    <a:pt x="206144" y="1751742"/>
+                    <a:pt x="17715" y="1474914"/>
+                  </a:cubicBezTo>
+                  <a:close/>
+                </a:path>
+              </a:pathLst>
+            </a:custGeom>
+            <a:solidFill>
+              <a:srgbClr val="9B00D2"/>
+            </a:solidFill>
+            <a:ln>
+              <a:noFill/>
+            </a:ln>
+          </p:spPr>
+          <p:style>
+            <a:lnRef idx="2">
+              <a:schemeClr val="accent1">
+                <a:shade val="50000"/>
+              </a:schemeClr>
+            </a:lnRef>
+            <a:fillRef idx="1">
+              <a:schemeClr val="accent1"/>
+            </a:fillRef>
+            <a:effectRef idx="0">
+              <a:schemeClr val="accent1"/>
+            </a:effectRef>
+            <a:fontRef idx="minor">
+              <a:schemeClr val="lt1"/>
+            </a:fontRef>
+          </p:style>
+          <p:txBody>
+            <a:bodyPr rtlCol="0" anchor="ctr"/>
+            <a:lstStyle/>
+            <a:p>
+              <a:pPr algn="ctr"/>
+              <a:endParaRPr lang="sv-SE"/>
+            </a:p>
+          </p:txBody>
+        </p:sp>
+        <p:sp>
+          <p:nvSpPr>
+            <p:cNvPr id="46" name="Oval 10"/>
+            <p:cNvSpPr/>
+            <p:nvPr/>
+          </p:nvSpPr>
+          <p:spPr>
+            <a:xfrm rot="2188284">
+              <a:off x="7171105" y="4695088"/>
+              <a:ext cx="263964" cy="229987"/>
+            </a:xfrm>
+            <a:custGeom>
+              <a:avLst/>
+              <a:gdLst>
+                <a:gd name="connsiteX0" fmla="*/ 0 w 1978090"/>
+                <a:gd name="connsiteY0" fmla="*/ 730121 h 1460241"/>
+                <a:gd name="connsiteX1" fmla="*/ 989045 w 1978090"/>
+                <a:gd name="connsiteY1" fmla="*/ 0 h 1460241"/>
+                <a:gd name="connsiteX2" fmla="*/ 1978090 w 1978090"/>
+                <a:gd name="connsiteY2" fmla="*/ 730121 h 1460241"/>
+                <a:gd name="connsiteX3" fmla="*/ 989045 w 1978090"/>
+                <a:gd name="connsiteY3" fmla="*/ 1460242 h 1460241"/>
+                <a:gd name="connsiteX4" fmla="*/ 0 w 1978090"/>
+                <a:gd name="connsiteY4" fmla="*/ 730121 h 1460241"/>
+                <a:gd name="connsiteX0" fmla="*/ 3797 w 1981887"/>
+                <a:gd name="connsiteY0" fmla="*/ 873303 h 1603424"/>
+                <a:gd name="connsiteX1" fmla="*/ 763031 w 1981887"/>
+                <a:gd name="connsiteY1" fmla="*/ 0 h 1603424"/>
+                <a:gd name="connsiteX2" fmla="*/ 1981887 w 1981887"/>
+                <a:gd name="connsiteY2" fmla="*/ 873303 h 1603424"/>
+                <a:gd name="connsiteX3" fmla="*/ 992842 w 1981887"/>
+                <a:gd name="connsiteY3" fmla="*/ 1603424 h 1603424"/>
+                <a:gd name="connsiteX4" fmla="*/ 3797 w 1981887"/>
+                <a:gd name="connsiteY4" fmla="*/ 873303 h 1603424"/>
+                <a:gd name="connsiteX0" fmla="*/ 38 w 1978128"/>
+                <a:gd name="connsiteY0" fmla="*/ 873303 h 1723502"/>
+                <a:gd name="connsiteX1" fmla="*/ 759272 w 1978128"/>
+                <a:gd name="connsiteY1" fmla="*/ 0 h 1723502"/>
+                <a:gd name="connsiteX2" fmla="*/ 1978128 w 1978128"/>
+                <a:gd name="connsiteY2" fmla="*/ 873303 h 1723502"/>
+                <a:gd name="connsiteX3" fmla="*/ 740247 w 1978128"/>
+                <a:gd name="connsiteY3" fmla="*/ 1723502 h 1723502"/>
+                <a:gd name="connsiteX4" fmla="*/ 38 w 1978128"/>
+                <a:gd name="connsiteY4" fmla="*/ 873303 h 1723502"/>
+              </a:gdLst>
+              <a:ahLst/>
+              <a:cxnLst>
+                <a:cxn ang="0">
+                  <a:pos x="connsiteX0" y="connsiteY0"/>
+                </a:cxn>
+                <a:cxn ang="0">
+                  <a:pos x="connsiteX1" y="connsiteY1"/>
+                </a:cxn>
+                <a:cxn ang="0">
+                  <a:pos x="connsiteX2" y="connsiteY2"/>
+                </a:cxn>
+                <a:cxn ang="0">
+                  <a:pos x="connsiteX3" y="connsiteY3"/>
+                </a:cxn>
+                <a:cxn ang="0">
+                  <a:pos x="connsiteX4" y="connsiteY4"/>
+                </a:cxn>
+              </a:cxnLst>
+              <a:rect l="l" t="t" r="r" b="b"/>
+              <a:pathLst>
+                <a:path w="1978128" h="1723502">
+                  <a:moveTo>
+                    <a:pt x="38" y="873303"/>
+                  </a:moveTo>
+                  <a:cubicBezTo>
+                    <a:pt x="3209" y="586053"/>
+                    <a:pt x="213038" y="0"/>
+                    <a:pt x="759272" y="0"/>
+                  </a:cubicBezTo>
+                  <a:cubicBezTo>
+                    <a:pt x="1305506" y="0"/>
+                    <a:pt x="1978128" y="470068"/>
+                    <a:pt x="1978128" y="873303"/>
+                  </a:cubicBezTo>
+                  <a:cubicBezTo>
+                    <a:pt x="1978128" y="1276538"/>
+                    <a:pt x="1286481" y="1723502"/>
+                    <a:pt x="740247" y="1723502"/>
+                  </a:cubicBezTo>
+                  <a:cubicBezTo>
+                    <a:pt x="194013" y="1723502"/>
+                    <a:pt x="-3133" y="1160553"/>
+                    <a:pt x="38" y="873303"/>
+                  </a:cubicBezTo>
+                  <a:close/>
+                </a:path>
+              </a:pathLst>
+            </a:custGeom>
+            <a:solidFill>
+              <a:srgbClr val="FF4909"/>
+            </a:solidFill>
+            <a:ln>
+              <a:noFill/>
+            </a:ln>
+          </p:spPr>
+          <p:style>
+            <a:lnRef idx="2">
+              <a:schemeClr val="accent1">
+                <a:shade val="50000"/>
+              </a:schemeClr>
+            </a:lnRef>
+            <a:fillRef idx="1">
+              <a:schemeClr val="accent1"/>
+            </a:fillRef>
+            <a:effectRef idx="0">
+              <a:schemeClr val="accent1"/>
+            </a:effectRef>
+            <a:fontRef idx="minor">
+              <a:schemeClr val="lt1"/>
+            </a:fontRef>
+          </p:style>
+          <p:txBody>
+            <a:bodyPr rtlCol="0" anchor="ctr"/>
+            <a:lstStyle/>
+            <a:p>
+              <a:pPr algn="ctr"/>
+              <a:endParaRPr lang="sv-SE"/>
+            </a:p>
+          </p:txBody>
+        </p:sp>
+        <p:sp>
+          <p:nvSpPr>
+            <p:cNvPr id="47" name="Rectangle 7"/>
+            <p:cNvSpPr/>
+            <p:nvPr/>
+          </p:nvSpPr>
+          <p:spPr>
+            <a:xfrm rot="18900000">
+              <a:off x="6083124" y="3865987"/>
+              <a:ext cx="233350" cy="238784"/>
+            </a:xfrm>
+            <a:custGeom>
+              <a:avLst/>
+              <a:gdLst>
+                <a:gd name="connsiteX0" fmla="*/ 0 w 1433404"/>
+                <a:gd name="connsiteY0" fmla="*/ 0 h 1422855"/>
+                <a:gd name="connsiteX1" fmla="*/ 1433404 w 1433404"/>
+                <a:gd name="connsiteY1" fmla="*/ 0 h 1422855"/>
+                <a:gd name="connsiteX2" fmla="*/ 1433404 w 1433404"/>
+                <a:gd name="connsiteY2" fmla="*/ 1422855 h 1422855"/>
+                <a:gd name="connsiteX3" fmla="*/ 0 w 1433404"/>
+                <a:gd name="connsiteY3" fmla="*/ 1422855 h 1422855"/>
+                <a:gd name="connsiteX4" fmla="*/ 0 w 1433404"/>
+                <a:gd name="connsiteY4" fmla="*/ 0 h 1422855"/>
+                <a:gd name="connsiteX0" fmla="*/ 0 w 1769741"/>
+                <a:gd name="connsiteY0" fmla="*/ 0 h 1759191"/>
+                <a:gd name="connsiteX1" fmla="*/ 1433404 w 1769741"/>
+                <a:gd name="connsiteY1" fmla="*/ 0 h 1759191"/>
+                <a:gd name="connsiteX2" fmla="*/ 1769741 w 1769741"/>
+                <a:gd name="connsiteY2" fmla="*/ 1759191 h 1759191"/>
+                <a:gd name="connsiteX3" fmla="*/ 0 w 1769741"/>
+                <a:gd name="connsiteY3" fmla="*/ 1422855 h 1759191"/>
+                <a:gd name="connsiteX4" fmla="*/ 0 w 1769741"/>
+                <a:gd name="connsiteY4" fmla="*/ 0 h 1759191"/>
+                <a:gd name="connsiteX0" fmla="*/ 0 w 1807313"/>
+                <a:gd name="connsiteY0" fmla="*/ 0 h 1759191"/>
+                <a:gd name="connsiteX1" fmla="*/ 1433404 w 1807313"/>
+                <a:gd name="connsiteY1" fmla="*/ 0 h 1759191"/>
+                <a:gd name="connsiteX2" fmla="*/ 1769741 w 1807313"/>
+                <a:gd name="connsiteY2" fmla="*/ 1759191 h 1759191"/>
+                <a:gd name="connsiteX3" fmla="*/ 0 w 1807313"/>
+                <a:gd name="connsiteY3" fmla="*/ 1422855 h 1759191"/>
+                <a:gd name="connsiteX4" fmla="*/ 0 w 1807313"/>
+                <a:gd name="connsiteY4" fmla="*/ 0 h 1759191"/>
+                <a:gd name="connsiteX0" fmla="*/ 0 w 1807313"/>
+                <a:gd name="connsiteY0" fmla="*/ 0 h 1799810"/>
+                <a:gd name="connsiteX1" fmla="*/ 1433404 w 1807313"/>
+                <a:gd name="connsiteY1" fmla="*/ 0 h 1799810"/>
+                <a:gd name="connsiteX2" fmla="*/ 1769741 w 1807313"/>
+                <a:gd name="connsiteY2" fmla="*/ 1759191 h 1799810"/>
+                <a:gd name="connsiteX3" fmla="*/ 0 w 1807313"/>
+                <a:gd name="connsiteY3" fmla="*/ 1422855 h 1799810"/>
+                <a:gd name="connsiteX4" fmla="*/ 0 w 1807313"/>
+                <a:gd name="connsiteY4" fmla="*/ 0 h 1799810"/>
+                <a:gd name="connsiteX0" fmla="*/ 0 w 1807313"/>
+                <a:gd name="connsiteY0" fmla="*/ 0 h 1825563"/>
+                <a:gd name="connsiteX1" fmla="*/ 1433404 w 1807313"/>
+                <a:gd name="connsiteY1" fmla="*/ 0 h 1825563"/>
+                <a:gd name="connsiteX2" fmla="*/ 1769741 w 1807313"/>
+                <a:gd name="connsiteY2" fmla="*/ 1759191 h 1825563"/>
+                <a:gd name="connsiteX3" fmla="*/ 0 w 1807313"/>
+                <a:gd name="connsiteY3" fmla="*/ 1422855 h 1825563"/>
+                <a:gd name="connsiteX4" fmla="*/ 0 w 1807313"/>
+                <a:gd name="connsiteY4" fmla="*/ 0 h 1825563"/>
+                <a:gd name="connsiteX0" fmla="*/ 90205 w 1897518"/>
+                <a:gd name="connsiteY0" fmla="*/ 0 h 1825563"/>
+                <a:gd name="connsiteX1" fmla="*/ 1523609 w 1897518"/>
+                <a:gd name="connsiteY1" fmla="*/ 0 h 1825563"/>
+                <a:gd name="connsiteX2" fmla="*/ 1859946 w 1897518"/>
+                <a:gd name="connsiteY2" fmla="*/ 1759191 h 1825563"/>
+                <a:gd name="connsiteX3" fmla="*/ 90205 w 1897518"/>
+                <a:gd name="connsiteY3" fmla="*/ 1422855 h 1825563"/>
+                <a:gd name="connsiteX4" fmla="*/ 90205 w 1897518"/>
+                <a:gd name="connsiteY4" fmla="*/ 0 h 1825563"/>
+                <a:gd name="connsiteX0" fmla="*/ 153310 w 1960623"/>
+                <a:gd name="connsiteY0" fmla="*/ 0 h 1825563"/>
+                <a:gd name="connsiteX1" fmla="*/ 1586714 w 1960623"/>
+                <a:gd name="connsiteY1" fmla="*/ 0 h 1825563"/>
+                <a:gd name="connsiteX2" fmla="*/ 1923051 w 1960623"/>
+                <a:gd name="connsiteY2" fmla="*/ 1759191 h 1825563"/>
+                <a:gd name="connsiteX3" fmla="*/ 153310 w 1960623"/>
+                <a:gd name="connsiteY3" fmla="*/ 1422855 h 1825563"/>
+                <a:gd name="connsiteX4" fmla="*/ 153310 w 1960623"/>
+                <a:gd name="connsiteY4" fmla="*/ 0 h 1825563"/>
+                <a:gd name="connsiteX0" fmla="*/ 153310 w 1960623"/>
+                <a:gd name="connsiteY0" fmla="*/ 134018 h 1959581"/>
+                <a:gd name="connsiteX1" fmla="*/ 1586714 w 1960623"/>
+                <a:gd name="connsiteY1" fmla="*/ 134018 h 1959581"/>
+                <a:gd name="connsiteX2" fmla="*/ 1923051 w 1960623"/>
+                <a:gd name="connsiteY2" fmla="*/ 1893209 h 1959581"/>
+                <a:gd name="connsiteX3" fmla="*/ 153310 w 1960623"/>
+                <a:gd name="connsiteY3" fmla="*/ 1556873 h 1959581"/>
+                <a:gd name="connsiteX4" fmla="*/ 153310 w 1960623"/>
+                <a:gd name="connsiteY4" fmla="*/ 134018 h 1959581"/>
+                <a:gd name="connsiteX0" fmla="*/ 153310 w 1960623"/>
+                <a:gd name="connsiteY0" fmla="*/ 188054 h 2013617"/>
+                <a:gd name="connsiteX1" fmla="*/ 1586714 w 1960623"/>
+                <a:gd name="connsiteY1" fmla="*/ 188054 h 2013617"/>
+                <a:gd name="connsiteX2" fmla="*/ 1923051 w 1960623"/>
+                <a:gd name="connsiteY2" fmla="*/ 1947245 h 2013617"/>
+                <a:gd name="connsiteX3" fmla="*/ 153310 w 1960623"/>
+                <a:gd name="connsiteY3" fmla="*/ 1610909 h 2013617"/>
+                <a:gd name="connsiteX4" fmla="*/ 153310 w 1960623"/>
+                <a:gd name="connsiteY4" fmla="*/ 188054 h 2013617"/>
+                <a:gd name="connsiteX0" fmla="*/ 153310 w 1971177"/>
+                <a:gd name="connsiteY0" fmla="*/ 188054 h 2013617"/>
+                <a:gd name="connsiteX1" fmla="*/ 1586714 w 1971177"/>
+                <a:gd name="connsiteY1" fmla="*/ 188054 h 2013617"/>
+                <a:gd name="connsiteX2" fmla="*/ 1923051 w 1971177"/>
+                <a:gd name="connsiteY2" fmla="*/ 1947245 h 2013617"/>
+                <a:gd name="connsiteX3" fmla="*/ 153310 w 1971177"/>
+                <a:gd name="connsiteY3" fmla="*/ 1610909 h 2013617"/>
+                <a:gd name="connsiteX4" fmla="*/ 153310 w 1971177"/>
+                <a:gd name="connsiteY4" fmla="*/ 188054 h 2013617"/>
+                <a:gd name="connsiteX0" fmla="*/ 85950 w 1903817"/>
+                <a:gd name="connsiteY0" fmla="*/ 188054 h 2037023"/>
+                <a:gd name="connsiteX1" fmla="*/ 1519354 w 1903817"/>
+                <a:gd name="connsiteY1" fmla="*/ 188054 h 2037023"/>
+                <a:gd name="connsiteX2" fmla="*/ 1855691 w 1903817"/>
+                <a:gd name="connsiteY2" fmla="*/ 1947245 h 2037023"/>
+                <a:gd name="connsiteX3" fmla="*/ 286012 w 1903817"/>
+                <a:gd name="connsiteY3" fmla="*/ 1712389 h 2037023"/>
+                <a:gd name="connsiteX4" fmla="*/ 85950 w 1903817"/>
+                <a:gd name="connsiteY4" fmla="*/ 188054 h 2037023"/>
+                <a:gd name="connsiteX0" fmla="*/ 85950 w 1921832"/>
+                <a:gd name="connsiteY0" fmla="*/ 117615 h 1966584"/>
+                <a:gd name="connsiteX1" fmla="*/ 1635333 w 1921832"/>
+                <a:gd name="connsiteY1" fmla="*/ 361169 h 1966584"/>
+                <a:gd name="connsiteX2" fmla="*/ 1855691 w 1921832"/>
+                <a:gd name="connsiteY2" fmla="*/ 1876806 h 1966584"/>
+                <a:gd name="connsiteX3" fmla="*/ 286012 w 1921832"/>
+                <a:gd name="connsiteY3" fmla="*/ 1641950 h 1966584"/>
+                <a:gd name="connsiteX4" fmla="*/ 85950 w 1921832"/>
+                <a:gd name="connsiteY4" fmla="*/ 117615 h 1966584"/>
+              </a:gdLst>
+              <a:ahLst/>
+              <a:cxnLst>
+                <a:cxn ang="0">
+                  <a:pos x="connsiteX0" y="connsiteY0"/>
+                </a:cxn>
+                <a:cxn ang="0">
+                  <a:pos x="connsiteX1" y="connsiteY1"/>
+                </a:cxn>
+                <a:cxn ang="0">
+                  <a:pos x="connsiteX2" y="connsiteY2"/>
+                </a:cxn>
+                <a:cxn ang="0">
+                  <a:pos x="connsiteX3" y="connsiteY3"/>
+                </a:cxn>
+                <a:cxn ang="0">
+                  <a:pos x="connsiteX4" y="connsiteY4"/>
+                </a:cxn>
+              </a:cxnLst>
+              <a:rect l="l" t="t" r="r" b="b"/>
+              <a:pathLst>
+                <a:path w="1921832" h="1966584">
+                  <a:moveTo>
+                    <a:pt x="85950" y="117615"/>
+                  </a:moveTo>
+                  <a:cubicBezTo>
+                    <a:pt x="372387" y="-183927"/>
+                    <a:pt x="1415583" y="166906"/>
+                    <a:pt x="1635333" y="361169"/>
+                  </a:cubicBezTo>
+                  <a:cubicBezTo>
+                    <a:pt x="1869222" y="628625"/>
+                    <a:pt x="2013230" y="1426683"/>
+                    <a:pt x="1855691" y="1876806"/>
+                  </a:cubicBezTo>
+                  <a:cubicBezTo>
+                    <a:pt x="1549924" y="2043041"/>
+                    <a:pt x="487400" y="1986018"/>
+                    <a:pt x="286012" y="1641950"/>
+                  </a:cubicBezTo>
+                  <a:cubicBezTo>
+                    <a:pt x="83050" y="1388023"/>
+                    <a:pt x="-119911" y="351245"/>
+                    <a:pt x="85950" y="117615"/>
+                  </a:cubicBezTo>
+                  <a:close/>
+                </a:path>
+              </a:pathLst>
+            </a:custGeom>
+            <a:solidFill>
+              <a:srgbClr val="43BFF7"/>
+            </a:solidFill>
+            <a:ln>
+              <a:noFill/>
+            </a:ln>
+          </p:spPr>
+          <p:style>
+            <a:lnRef idx="2">
+              <a:schemeClr val="accent1">
+                <a:shade val="50000"/>
+              </a:schemeClr>
+            </a:lnRef>
+            <a:fillRef idx="1">
+              <a:schemeClr val="accent1"/>
+            </a:fillRef>
+            <a:effectRef idx="0">
+              <a:schemeClr val="accent1"/>
+            </a:effectRef>
+            <a:fontRef idx="minor">
+              <a:schemeClr val="lt1"/>
+            </a:fontRef>
+          </p:style>
+          <p:txBody>
+            <a:bodyPr rtlCol="0" anchor="ctr"/>
+            <a:lstStyle/>
+            <a:p>
+              <a:pPr algn="ctr"/>
+              <a:endParaRPr lang="sv-SE"/>
+            </a:p>
+          </p:txBody>
+        </p:sp>
+        <p:sp>
+          <p:nvSpPr>
+            <p:cNvPr id="48" name="Rectangle 7"/>
+            <p:cNvSpPr/>
+            <p:nvPr/>
+          </p:nvSpPr>
+          <p:spPr>
+            <a:xfrm rot="18900000">
+              <a:off x="7585731" y="3690708"/>
+              <a:ext cx="233350" cy="238784"/>
+            </a:xfrm>
+            <a:custGeom>
+              <a:avLst/>
+              <a:gdLst>
+                <a:gd name="connsiteX0" fmla="*/ 0 w 1433404"/>
+                <a:gd name="connsiteY0" fmla="*/ 0 h 1422855"/>
+                <a:gd name="connsiteX1" fmla="*/ 1433404 w 1433404"/>
+                <a:gd name="connsiteY1" fmla="*/ 0 h 1422855"/>
+                <a:gd name="connsiteX2" fmla="*/ 1433404 w 1433404"/>
+                <a:gd name="connsiteY2" fmla="*/ 1422855 h 1422855"/>
+                <a:gd name="connsiteX3" fmla="*/ 0 w 1433404"/>
+                <a:gd name="connsiteY3" fmla="*/ 1422855 h 1422855"/>
+                <a:gd name="connsiteX4" fmla="*/ 0 w 1433404"/>
+                <a:gd name="connsiteY4" fmla="*/ 0 h 1422855"/>
+                <a:gd name="connsiteX0" fmla="*/ 0 w 1769741"/>
+                <a:gd name="connsiteY0" fmla="*/ 0 h 1759191"/>
+                <a:gd name="connsiteX1" fmla="*/ 1433404 w 1769741"/>
+                <a:gd name="connsiteY1" fmla="*/ 0 h 1759191"/>
+                <a:gd name="connsiteX2" fmla="*/ 1769741 w 1769741"/>
+                <a:gd name="connsiteY2" fmla="*/ 1759191 h 1759191"/>
+                <a:gd name="connsiteX3" fmla="*/ 0 w 1769741"/>
+                <a:gd name="connsiteY3" fmla="*/ 1422855 h 1759191"/>
+                <a:gd name="connsiteX4" fmla="*/ 0 w 1769741"/>
+                <a:gd name="connsiteY4" fmla="*/ 0 h 1759191"/>
+                <a:gd name="connsiteX0" fmla="*/ 0 w 1807313"/>
+                <a:gd name="connsiteY0" fmla="*/ 0 h 1759191"/>
+                <a:gd name="connsiteX1" fmla="*/ 1433404 w 1807313"/>
+                <a:gd name="connsiteY1" fmla="*/ 0 h 1759191"/>
+                <a:gd name="connsiteX2" fmla="*/ 1769741 w 1807313"/>
+                <a:gd name="connsiteY2" fmla="*/ 1759191 h 1759191"/>
+                <a:gd name="connsiteX3" fmla="*/ 0 w 1807313"/>
+                <a:gd name="connsiteY3" fmla="*/ 1422855 h 1759191"/>
+                <a:gd name="connsiteX4" fmla="*/ 0 w 1807313"/>
+                <a:gd name="connsiteY4" fmla="*/ 0 h 1759191"/>
+                <a:gd name="connsiteX0" fmla="*/ 0 w 1807313"/>
+                <a:gd name="connsiteY0" fmla="*/ 0 h 1799810"/>
+                <a:gd name="connsiteX1" fmla="*/ 1433404 w 1807313"/>
+                <a:gd name="connsiteY1" fmla="*/ 0 h 1799810"/>
+                <a:gd name="connsiteX2" fmla="*/ 1769741 w 1807313"/>
+                <a:gd name="connsiteY2" fmla="*/ 1759191 h 1799810"/>
+                <a:gd name="connsiteX3" fmla="*/ 0 w 1807313"/>
+                <a:gd name="connsiteY3" fmla="*/ 1422855 h 1799810"/>
+                <a:gd name="connsiteX4" fmla="*/ 0 w 1807313"/>
+                <a:gd name="connsiteY4" fmla="*/ 0 h 1799810"/>
+                <a:gd name="connsiteX0" fmla="*/ 0 w 1807313"/>
+                <a:gd name="connsiteY0" fmla="*/ 0 h 1825563"/>
+                <a:gd name="connsiteX1" fmla="*/ 1433404 w 1807313"/>
+                <a:gd name="connsiteY1" fmla="*/ 0 h 1825563"/>
+                <a:gd name="connsiteX2" fmla="*/ 1769741 w 1807313"/>
+                <a:gd name="connsiteY2" fmla="*/ 1759191 h 1825563"/>
+                <a:gd name="connsiteX3" fmla="*/ 0 w 1807313"/>
+                <a:gd name="connsiteY3" fmla="*/ 1422855 h 1825563"/>
+                <a:gd name="connsiteX4" fmla="*/ 0 w 1807313"/>
+                <a:gd name="connsiteY4" fmla="*/ 0 h 1825563"/>
+                <a:gd name="connsiteX0" fmla="*/ 90205 w 1897518"/>
+                <a:gd name="connsiteY0" fmla="*/ 0 h 1825563"/>
+                <a:gd name="connsiteX1" fmla="*/ 1523609 w 1897518"/>
+                <a:gd name="connsiteY1" fmla="*/ 0 h 1825563"/>
+                <a:gd name="connsiteX2" fmla="*/ 1859946 w 1897518"/>
+                <a:gd name="connsiteY2" fmla="*/ 1759191 h 1825563"/>
+                <a:gd name="connsiteX3" fmla="*/ 90205 w 1897518"/>
+                <a:gd name="connsiteY3" fmla="*/ 1422855 h 1825563"/>
+                <a:gd name="connsiteX4" fmla="*/ 90205 w 1897518"/>
+                <a:gd name="connsiteY4" fmla="*/ 0 h 1825563"/>
+                <a:gd name="connsiteX0" fmla="*/ 153310 w 1960623"/>
+                <a:gd name="connsiteY0" fmla="*/ 0 h 1825563"/>
+                <a:gd name="connsiteX1" fmla="*/ 1586714 w 1960623"/>
+                <a:gd name="connsiteY1" fmla="*/ 0 h 1825563"/>
+                <a:gd name="connsiteX2" fmla="*/ 1923051 w 1960623"/>
+                <a:gd name="connsiteY2" fmla="*/ 1759191 h 1825563"/>
+                <a:gd name="connsiteX3" fmla="*/ 153310 w 1960623"/>
+                <a:gd name="connsiteY3" fmla="*/ 1422855 h 1825563"/>
+                <a:gd name="connsiteX4" fmla="*/ 153310 w 1960623"/>
+                <a:gd name="connsiteY4" fmla="*/ 0 h 1825563"/>
+                <a:gd name="connsiteX0" fmla="*/ 153310 w 1960623"/>
+                <a:gd name="connsiteY0" fmla="*/ 134018 h 1959581"/>
+                <a:gd name="connsiteX1" fmla="*/ 1586714 w 1960623"/>
+                <a:gd name="connsiteY1" fmla="*/ 134018 h 1959581"/>
+                <a:gd name="connsiteX2" fmla="*/ 1923051 w 1960623"/>
+                <a:gd name="connsiteY2" fmla="*/ 1893209 h 1959581"/>
+                <a:gd name="connsiteX3" fmla="*/ 153310 w 1960623"/>
+                <a:gd name="connsiteY3" fmla="*/ 1556873 h 1959581"/>
+                <a:gd name="connsiteX4" fmla="*/ 153310 w 1960623"/>
+                <a:gd name="connsiteY4" fmla="*/ 134018 h 1959581"/>
+                <a:gd name="connsiteX0" fmla="*/ 153310 w 1960623"/>
+                <a:gd name="connsiteY0" fmla="*/ 188054 h 2013617"/>
+                <a:gd name="connsiteX1" fmla="*/ 1586714 w 1960623"/>
+                <a:gd name="connsiteY1" fmla="*/ 188054 h 2013617"/>
+                <a:gd name="connsiteX2" fmla="*/ 1923051 w 1960623"/>
+                <a:gd name="connsiteY2" fmla="*/ 1947245 h 2013617"/>
+                <a:gd name="connsiteX3" fmla="*/ 153310 w 1960623"/>
+                <a:gd name="connsiteY3" fmla="*/ 1610909 h 2013617"/>
+                <a:gd name="connsiteX4" fmla="*/ 153310 w 1960623"/>
+                <a:gd name="connsiteY4" fmla="*/ 188054 h 2013617"/>
+                <a:gd name="connsiteX0" fmla="*/ 153310 w 1971177"/>
+                <a:gd name="connsiteY0" fmla="*/ 188054 h 2013617"/>
+                <a:gd name="connsiteX1" fmla="*/ 1586714 w 1971177"/>
+                <a:gd name="connsiteY1" fmla="*/ 188054 h 2013617"/>
+                <a:gd name="connsiteX2" fmla="*/ 1923051 w 1971177"/>
+                <a:gd name="connsiteY2" fmla="*/ 1947245 h 2013617"/>
+                <a:gd name="connsiteX3" fmla="*/ 153310 w 1971177"/>
+                <a:gd name="connsiteY3" fmla="*/ 1610909 h 2013617"/>
+                <a:gd name="connsiteX4" fmla="*/ 153310 w 1971177"/>
+                <a:gd name="connsiteY4" fmla="*/ 188054 h 2013617"/>
+                <a:gd name="connsiteX0" fmla="*/ 85950 w 1903817"/>
+                <a:gd name="connsiteY0" fmla="*/ 188054 h 2037023"/>
+                <a:gd name="connsiteX1" fmla="*/ 1519354 w 1903817"/>
+                <a:gd name="connsiteY1" fmla="*/ 188054 h 2037023"/>
+                <a:gd name="connsiteX2" fmla="*/ 1855691 w 1903817"/>
+                <a:gd name="connsiteY2" fmla="*/ 1947245 h 2037023"/>
+                <a:gd name="connsiteX3" fmla="*/ 286012 w 1903817"/>
+                <a:gd name="connsiteY3" fmla="*/ 1712389 h 2037023"/>
+                <a:gd name="connsiteX4" fmla="*/ 85950 w 1903817"/>
+                <a:gd name="connsiteY4" fmla="*/ 188054 h 2037023"/>
+                <a:gd name="connsiteX0" fmla="*/ 85950 w 1921832"/>
+                <a:gd name="connsiteY0" fmla="*/ 117615 h 1966584"/>
+                <a:gd name="connsiteX1" fmla="*/ 1635333 w 1921832"/>
+                <a:gd name="connsiteY1" fmla="*/ 361169 h 1966584"/>
+                <a:gd name="connsiteX2" fmla="*/ 1855691 w 1921832"/>
+                <a:gd name="connsiteY2" fmla="*/ 1876806 h 1966584"/>
+                <a:gd name="connsiteX3" fmla="*/ 286012 w 1921832"/>
+                <a:gd name="connsiteY3" fmla="*/ 1641950 h 1966584"/>
+                <a:gd name="connsiteX4" fmla="*/ 85950 w 1921832"/>
+                <a:gd name="connsiteY4" fmla="*/ 117615 h 1966584"/>
+              </a:gdLst>
+              <a:ahLst/>
+              <a:cxnLst>
+                <a:cxn ang="0">
+                  <a:pos x="connsiteX0" y="connsiteY0"/>
+                </a:cxn>
+                <a:cxn ang="0">
+                  <a:pos x="connsiteX1" y="connsiteY1"/>
+                </a:cxn>
+                <a:cxn ang="0">
+                  <a:pos x="connsiteX2" y="connsiteY2"/>
+                </a:cxn>
+                <a:cxn ang="0">
+                  <a:pos x="connsiteX3" y="connsiteY3"/>
+                </a:cxn>
+                <a:cxn ang="0">
+                  <a:pos x="connsiteX4" y="connsiteY4"/>
+                </a:cxn>
+              </a:cxnLst>
+              <a:rect l="l" t="t" r="r" b="b"/>
+              <a:pathLst>
+                <a:path w="1921832" h="1966584">
+                  <a:moveTo>
+                    <a:pt x="85950" y="117615"/>
+                  </a:moveTo>
+                  <a:cubicBezTo>
+                    <a:pt x="372387" y="-183927"/>
+                    <a:pt x="1415583" y="166906"/>
+                    <a:pt x="1635333" y="361169"/>
+                  </a:cubicBezTo>
+                  <a:cubicBezTo>
+                    <a:pt x="1869222" y="628625"/>
+                    <a:pt x="2013230" y="1426683"/>
+                    <a:pt x="1855691" y="1876806"/>
+                  </a:cubicBezTo>
+                  <a:cubicBezTo>
+                    <a:pt x="1549924" y="2043041"/>
+                    <a:pt x="487400" y="1986018"/>
+                    <a:pt x="286012" y="1641950"/>
+                  </a:cubicBezTo>
+                  <a:cubicBezTo>
+                    <a:pt x="83050" y="1388023"/>
+                    <a:pt x="-119911" y="351245"/>
+                    <a:pt x="85950" y="117615"/>
+                  </a:cubicBezTo>
+                  <a:close/>
+                </a:path>
+              </a:pathLst>
+            </a:custGeom>
+            <a:solidFill>
+              <a:srgbClr val="43BFF7"/>
+            </a:solidFill>
+            <a:ln>
+              <a:noFill/>
+            </a:ln>
+          </p:spPr>
+          <p:style>
+            <a:lnRef idx="2">
+              <a:schemeClr val="accent1">
+                <a:shade val="50000"/>
+              </a:schemeClr>
+            </a:lnRef>
+            <a:fillRef idx="1">
+              <a:schemeClr val="accent1"/>
+            </a:fillRef>
+            <a:effectRef idx="0">
+              <a:schemeClr val="accent1"/>
+            </a:effectRef>
+            <a:fontRef idx="minor">
+              <a:schemeClr val="lt1"/>
+            </a:fontRef>
+          </p:style>
+          <p:txBody>
+            <a:bodyPr rtlCol="0" anchor="ctr"/>
+            <a:lstStyle/>
+            <a:p>
+              <a:pPr algn="ctr"/>
+              <a:endParaRPr lang="sv-SE"/>
+            </a:p>
+          </p:txBody>
+        </p:sp>
+        <p:sp>
+          <p:nvSpPr>
+            <p:cNvPr id="49" name="Rectangle 7"/>
+            <p:cNvSpPr/>
+            <p:nvPr/>
+          </p:nvSpPr>
+          <p:spPr>
+            <a:xfrm rot="18900000">
+              <a:off x="4153030" y="4634630"/>
+              <a:ext cx="233350" cy="238784"/>
+            </a:xfrm>
+            <a:custGeom>
+              <a:avLst/>
+              <a:gdLst>
+                <a:gd name="connsiteX0" fmla="*/ 0 w 1433404"/>
+                <a:gd name="connsiteY0" fmla="*/ 0 h 1422855"/>
+                <a:gd name="connsiteX1" fmla="*/ 1433404 w 1433404"/>
+                <a:gd name="connsiteY1" fmla="*/ 0 h 1422855"/>
+                <a:gd name="connsiteX2" fmla="*/ 1433404 w 1433404"/>
+                <a:gd name="connsiteY2" fmla="*/ 1422855 h 1422855"/>
+                <a:gd name="connsiteX3" fmla="*/ 0 w 1433404"/>
+                <a:gd name="connsiteY3" fmla="*/ 1422855 h 1422855"/>
+                <a:gd name="connsiteX4" fmla="*/ 0 w 1433404"/>
+                <a:gd name="connsiteY4" fmla="*/ 0 h 1422855"/>
+                <a:gd name="connsiteX0" fmla="*/ 0 w 1769741"/>
+                <a:gd name="connsiteY0" fmla="*/ 0 h 1759191"/>
+                <a:gd name="connsiteX1" fmla="*/ 1433404 w 1769741"/>
+                <a:gd name="connsiteY1" fmla="*/ 0 h 1759191"/>
+                <a:gd name="connsiteX2" fmla="*/ 1769741 w 1769741"/>
+                <a:gd name="connsiteY2" fmla="*/ 1759191 h 1759191"/>
+                <a:gd name="connsiteX3" fmla="*/ 0 w 1769741"/>
+                <a:gd name="connsiteY3" fmla="*/ 1422855 h 1759191"/>
+                <a:gd name="connsiteX4" fmla="*/ 0 w 1769741"/>
+                <a:gd name="connsiteY4" fmla="*/ 0 h 1759191"/>
+                <a:gd name="connsiteX0" fmla="*/ 0 w 1807313"/>
+                <a:gd name="connsiteY0" fmla="*/ 0 h 1759191"/>
+                <a:gd name="connsiteX1" fmla="*/ 1433404 w 1807313"/>
+                <a:gd name="connsiteY1" fmla="*/ 0 h 1759191"/>
+                <a:gd name="connsiteX2" fmla="*/ 1769741 w 1807313"/>
+                <a:gd name="connsiteY2" fmla="*/ 1759191 h 1759191"/>
+                <a:gd name="connsiteX3" fmla="*/ 0 w 1807313"/>
+                <a:gd name="connsiteY3" fmla="*/ 1422855 h 1759191"/>
+                <a:gd name="connsiteX4" fmla="*/ 0 w 1807313"/>
+                <a:gd name="connsiteY4" fmla="*/ 0 h 1759191"/>
+                <a:gd name="connsiteX0" fmla="*/ 0 w 1807313"/>
+                <a:gd name="connsiteY0" fmla="*/ 0 h 1799810"/>
+                <a:gd name="connsiteX1" fmla="*/ 1433404 w 1807313"/>
+                <a:gd name="connsiteY1" fmla="*/ 0 h 1799810"/>
+                <a:gd name="connsiteX2" fmla="*/ 1769741 w 1807313"/>
+                <a:gd name="connsiteY2" fmla="*/ 1759191 h 1799810"/>
+                <a:gd name="connsiteX3" fmla="*/ 0 w 1807313"/>
+                <a:gd name="connsiteY3" fmla="*/ 1422855 h 1799810"/>
+                <a:gd name="connsiteX4" fmla="*/ 0 w 1807313"/>
+                <a:gd name="connsiteY4" fmla="*/ 0 h 1799810"/>
+                <a:gd name="connsiteX0" fmla="*/ 0 w 1807313"/>
+                <a:gd name="connsiteY0" fmla="*/ 0 h 1825563"/>
+                <a:gd name="connsiteX1" fmla="*/ 1433404 w 1807313"/>
+                <a:gd name="connsiteY1" fmla="*/ 0 h 1825563"/>
+                <a:gd name="connsiteX2" fmla="*/ 1769741 w 1807313"/>
+                <a:gd name="connsiteY2" fmla="*/ 1759191 h 1825563"/>
+                <a:gd name="connsiteX3" fmla="*/ 0 w 1807313"/>
+                <a:gd name="connsiteY3" fmla="*/ 1422855 h 1825563"/>
+                <a:gd name="connsiteX4" fmla="*/ 0 w 1807313"/>
+                <a:gd name="connsiteY4" fmla="*/ 0 h 1825563"/>
+                <a:gd name="connsiteX0" fmla="*/ 90205 w 1897518"/>
+                <a:gd name="connsiteY0" fmla="*/ 0 h 1825563"/>
+                <a:gd name="connsiteX1" fmla="*/ 1523609 w 1897518"/>
+                <a:gd name="connsiteY1" fmla="*/ 0 h 1825563"/>
+                <a:gd name="connsiteX2" fmla="*/ 1859946 w 1897518"/>
+                <a:gd name="connsiteY2" fmla="*/ 1759191 h 1825563"/>
+                <a:gd name="connsiteX3" fmla="*/ 90205 w 1897518"/>
+                <a:gd name="connsiteY3" fmla="*/ 1422855 h 1825563"/>
+                <a:gd name="connsiteX4" fmla="*/ 90205 w 1897518"/>
+                <a:gd name="connsiteY4" fmla="*/ 0 h 1825563"/>
+                <a:gd name="connsiteX0" fmla="*/ 153310 w 1960623"/>
+                <a:gd name="connsiteY0" fmla="*/ 0 h 1825563"/>
+                <a:gd name="connsiteX1" fmla="*/ 1586714 w 1960623"/>
+                <a:gd name="connsiteY1" fmla="*/ 0 h 1825563"/>
+                <a:gd name="connsiteX2" fmla="*/ 1923051 w 1960623"/>
+                <a:gd name="connsiteY2" fmla="*/ 1759191 h 1825563"/>
+                <a:gd name="connsiteX3" fmla="*/ 153310 w 1960623"/>
+                <a:gd name="connsiteY3" fmla="*/ 1422855 h 1825563"/>
+                <a:gd name="connsiteX4" fmla="*/ 153310 w 1960623"/>
+                <a:gd name="connsiteY4" fmla="*/ 0 h 1825563"/>
+                <a:gd name="connsiteX0" fmla="*/ 153310 w 1960623"/>
+                <a:gd name="connsiteY0" fmla="*/ 134018 h 1959581"/>
+                <a:gd name="connsiteX1" fmla="*/ 1586714 w 1960623"/>
+                <a:gd name="connsiteY1" fmla="*/ 134018 h 1959581"/>
+                <a:gd name="connsiteX2" fmla="*/ 1923051 w 1960623"/>
+                <a:gd name="connsiteY2" fmla="*/ 1893209 h 1959581"/>
+                <a:gd name="connsiteX3" fmla="*/ 153310 w 1960623"/>
+                <a:gd name="connsiteY3" fmla="*/ 1556873 h 1959581"/>
+                <a:gd name="connsiteX4" fmla="*/ 153310 w 1960623"/>
+                <a:gd name="connsiteY4" fmla="*/ 134018 h 1959581"/>
+                <a:gd name="connsiteX0" fmla="*/ 153310 w 1960623"/>
+                <a:gd name="connsiteY0" fmla="*/ 188054 h 2013617"/>
+                <a:gd name="connsiteX1" fmla="*/ 1586714 w 1960623"/>
+                <a:gd name="connsiteY1" fmla="*/ 188054 h 2013617"/>
+                <a:gd name="connsiteX2" fmla="*/ 1923051 w 1960623"/>
+                <a:gd name="connsiteY2" fmla="*/ 1947245 h 2013617"/>
+                <a:gd name="connsiteX3" fmla="*/ 153310 w 1960623"/>
+                <a:gd name="connsiteY3" fmla="*/ 1610909 h 2013617"/>
+                <a:gd name="connsiteX4" fmla="*/ 153310 w 1960623"/>
+                <a:gd name="connsiteY4" fmla="*/ 188054 h 2013617"/>
+                <a:gd name="connsiteX0" fmla="*/ 153310 w 1971177"/>
+                <a:gd name="connsiteY0" fmla="*/ 188054 h 2013617"/>
+                <a:gd name="connsiteX1" fmla="*/ 1586714 w 1971177"/>
+                <a:gd name="connsiteY1" fmla="*/ 188054 h 2013617"/>
+                <a:gd name="connsiteX2" fmla="*/ 1923051 w 1971177"/>
+                <a:gd name="connsiteY2" fmla="*/ 1947245 h 2013617"/>
+                <a:gd name="connsiteX3" fmla="*/ 153310 w 1971177"/>
+                <a:gd name="connsiteY3" fmla="*/ 1610909 h 2013617"/>
+                <a:gd name="connsiteX4" fmla="*/ 153310 w 1971177"/>
+                <a:gd name="connsiteY4" fmla="*/ 188054 h 2013617"/>
+                <a:gd name="connsiteX0" fmla="*/ 85950 w 1903817"/>
+                <a:gd name="connsiteY0" fmla="*/ 188054 h 2037023"/>
+                <a:gd name="connsiteX1" fmla="*/ 1519354 w 1903817"/>
+                <a:gd name="connsiteY1" fmla="*/ 188054 h 2037023"/>
+                <a:gd name="connsiteX2" fmla="*/ 1855691 w 1903817"/>
+                <a:gd name="connsiteY2" fmla="*/ 1947245 h 2037023"/>
+                <a:gd name="connsiteX3" fmla="*/ 286012 w 1903817"/>
+                <a:gd name="connsiteY3" fmla="*/ 1712389 h 2037023"/>
+                <a:gd name="connsiteX4" fmla="*/ 85950 w 1903817"/>
+                <a:gd name="connsiteY4" fmla="*/ 188054 h 2037023"/>
+                <a:gd name="connsiteX0" fmla="*/ 85950 w 1921832"/>
+                <a:gd name="connsiteY0" fmla="*/ 117615 h 1966584"/>
+                <a:gd name="connsiteX1" fmla="*/ 1635333 w 1921832"/>
+                <a:gd name="connsiteY1" fmla="*/ 361169 h 1966584"/>
+                <a:gd name="connsiteX2" fmla="*/ 1855691 w 1921832"/>
+                <a:gd name="connsiteY2" fmla="*/ 1876806 h 1966584"/>
+                <a:gd name="connsiteX3" fmla="*/ 286012 w 1921832"/>
+                <a:gd name="connsiteY3" fmla="*/ 1641950 h 1966584"/>
+                <a:gd name="connsiteX4" fmla="*/ 85950 w 1921832"/>
+                <a:gd name="connsiteY4" fmla="*/ 117615 h 1966584"/>
+              </a:gdLst>
+              <a:ahLst/>
+              <a:cxnLst>
+                <a:cxn ang="0">
+                  <a:pos x="connsiteX0" y="connsiteY0"/>
+                </a:cxn>
+                <a:cxn ang="0">
+                  <a:pos x="connsiteX1" y="connsiteY1"/>
+                </a:cxn>
+                <a:cxn ang="0">
+                  <a:pos x="connsiteX2" y="connsiteY2"/>
+                </a:cxn>
+                <a:cxn ang="0">
+                  <a:pos x="connsiteX3" y="connsiteY3"/>
+                </a:cxn>
+                <a:cxn ang="0">
+                  <a:pos x="connsiteX4" y="connsiteY4"/>
+                </a:cxn>
+              </a:cxnLst>
+              <a:rect l="l" t="t" r="r" b="b"/>
+              <a:pathLst>
+                <a:path w="1921832" h="1966584">
+                  <a:moveTo>
+                    <a:pt x="85950" y="117615"/>
+                  </a:moveTo>
+                  <a:cubicBezTo>
+                    <a:pt x="372387" y="-183927"/>
+                    <a:pt x="1415583" y="166906"/>
+                    <a:pt x="1635333" y="361169"/>
+                  </a:cubicBezTo>
+                  <a:cubicBezTo>
+                    <a:pt x="1869222" y="628625"/>
+                    <a:pt x="2013230" y="1426683"/>
+                    <a:pt x="1855691" y="1876806"/>
+                  </a:cubicBezTo>
+                  <a:cubicBezTo>
+                    <a:pt x="1549924" y="2043041"/>
+                    <a:pt x="487400" y="1986018"/>
+                    <a:pt x="286012" y="1641950"/>
+                  </a:cubicBezTo>
+                  <a:cubicBezTo>
+                    <a:pt x="83050" y="1388023"/>
+                    <a:pt x="-119911" y="351245"/>
+                    <a:pt x="85950" y="117615"/>
+                  </a:cubicBezTo>
+                  <a:close/>
+                </a:path>
+              </a:pathLst>
+            </a:custGeom>
+            <a:solidFill>
+              <a:srgbClr val="43BFF7"/>
+            </a:solidFill>
+            <a:ln>
+              <a:noFill/>
+            </a:ln>
+          </p:spPr>
+          <p:style>
+            <a:lnRef idx="2">
+              <a:schemeClr val="accent1">
+                <a:shade val="50000"/>
+              </a:schemeClr>
+            </a:lnRef>
+            <a:fillRef idx="1">
+              <a:schemeClr val="accent1"/>
+            </a:fillRef>
+            <a:effectRef idx="0">
+              <a:schemeClr val="accent1"/>
+            </a:effectRef>
+            <a:fontRef idx="minor">
+              <a:schemeClr val="lt1"/>
+            </a:fontRef>
+          </p:style>
+          <p:txBody>
+            <a:bodyPr rtlCol="0" anchor="ctr"/>
+            <a:lstStyle/>
+            <a:p>
+              <a:pPr algn="ctr"/>
+              <a:endParaRPr lang="sv-SE"/>
+            </a:p>
+          </p:txBody>
+        </p:sp>
+        <p:sp>
+          <p:nvSpPr>
+            <p:cNvPr id="50" name="Rectangle 7"/>
+            <p:cNvSpPr/>
+            <p:nvPr/>
+          </p:nvSpPr>
+          <p:spPr>
+            <a:xfrm rot="18900000">
+              <a:off x="7043365" y="5171721"/>
+              <a:ext cx="233350" cy="238784"/>
+            </a:xfrm>
+            <a:custGeom>
+              <a:avLst/>
+              <a:gdLst>
+                <a:gd name="connsiteX0" fmla="*/ 0 w 1433404"/>
+                <a:gd name="connsiteY0" fmla="*/ 0 h 1422855"/>
+                <a:gd name="connsiteX1" fmla="*/ 1433404 w 1433404"/>
+                <a:gd name="connsiteY1" fmla="*/ 0 h 1422855"/>
+                <a:gd name="connsiteX2" fmla="*/ 1433404 w 1433404"/>
+                <a:gd name="connsiteY2" fmla="*/ 1422855 h 1422855"/>
+                <a:gd name="connsiteX3" fmla="*/ 0 w 1433404"/>
+                <a:gd name="connsiteY3" fmla="*/ 1422855 h 1422855"/>
+                <a:gd name="connsiteX4" fmla="*/ 0 w 1433404"/>
+                <a:gd name="connsiteY4" fmla="*/ 0 h 1422855"/>
+                <a:gd name="connsiteX0" fmla="*/ 0 w 1769741"/>
+                <a:gd name="connsiteY0" fmla="*/ 0 h 1759191"/>
+                <a:gd name="connsiteX1" fmla="*/ 1433404 w 1769741"/>
+                <a:gd name="connsiteY1" fmla="*/ 0 h 1759191"/>
+                <a:gd name="connsiteX2" fmla="*/ 1769741 w 1769741"/>
+                <a:gd name="connsiteY2" fmla="*/ 1759191 h 1759191"/>
+                <a:gd name="connsiteX3" fmla="*/ 0 w 1769741"/>
+                <a:gd name="connsiteY3" fmla="*/ 1422855 h 1759191"/>
+                <a:gd name="connsiteX4" fmla="*/ 0 w 1769741"/>
+                <a:gd name="connsiteY4" fmla="*/ 0 h 1759191"/>
+                <a:gd name="connsiteX0" fmla="*/ 0 w 1807313"/>
+                <a:gd name="connsiteY0" fmla="*/ 0 h 1759191"/>
+                <a:gd name="connsiteX1" fmla="*/ 1433404 w 1807313"/>
+                <a:gd name="connsiteY1" fmla="*/ 0 h 1759191"/>
+                <a:gd name="connsiteX2" fmla="*/ 1769741 w 1807313"/>
+                <a:gd name="connsiteY2" fmla="*/ 1759191 h 1759191"/>
+                <a:gd name="connsiteX3" fmla="*/ 0 w 1807313"/>
+                <a:gd name="connsiteY3" fmla="*/ 1422855 h 1759191"/>
+                <a:gd name="connsiteX4" fmla="*/ 0 w 1807313"/>
+                <a:gd name="connsiteY4" fmla="*/ 0 h 1759191"/>
+                <a:gd name="connsiteX0" fmla="*/ 0 w 1807313"/>
+                <a:gd name="connsiteY0" fmla="*/ 0 h 1799810"/>
+                <a:gd name="connsiteX1" fmla="*/ 1433404 w 1807313"/>
+                <a:gd name="connsiteY1" fmla="*/ 0 h 1799810"/>
+                <a:gd name="connsiteX2" fmla="*/ 1769741 w 1807313"/>
+                <a:gd name="connsiteY2" fmla="*/ 1759191 h 1799810"/>
+                <a:gd name="connsiteX3" fmla="*/ 0 w 1807313"/>
+                <a:gd name="connsiteY3" fmla="*/ 1422855 h 1799810"/>
+                <a:gd name="connsiteX4" fmla="*/ 0 w 1807313"/>
+                <a:gd name="connsiteY4" fmla="*/ 0 h 1799810"/>
+                <a:gd name="connsiteX0" fmla="*/ 0 w 1807313"/>
+                <a:gd name="connsiteY0" fmla="*/ 0 h 1825563"/>
+                <a:gd name="connsiteX1" fmla="*/ 1433404 w 1807313"/>
+                <a:gd name="connsiteY1" fmla="*/ 0 h 1825563"/>
+                <a:gd name="connsiteX2" fmla="*/ 1769741 w 1807313"/>
+                <a:gd name="connsiteY2" fmla="*/ 1759191 h 1825563"/>
+                <a:gd name="connsiteX3" fmla="*/ 0 w 1807313"/>
+                <a:gd name="connsiteY3" fmla="*/ 1422855 h 1825563"/>
+                <a:gd name="connsiteX4" fmla="*/ 0 w 1807313"/>
+                <a:gd name="connsiteY4" fmla="*/ 0 h 1825563"/>
+                <a:gd name="connsiteX0" fmla="*/ 90205 w 1897518"/>
+                <a:gd name="connsiteY0" fmla="*/ 0 h 1825563"/>
+                <a:gd name="connsiteX1" fmla="*/ 1523609 w 1897518"/>
+                <a:gd name="connsiteY1" fmla="*/ 0 h 1825563"/>
+                <a:gd name="connsiteX2" fmla="*/ 1859946 w 1897518"/>
+                <a:gd name="connsiteY2" fmla="*/ 1759191 h 1825563"/>
+                <a:gd name="connsiteX3" fmla="*/ 90205 w 1897518"/>
+                <a:gd name="connsiteY3" fmla="*/ 1422855 h 1825563"/>
+                <a:gd name="connsiteX4" fmla="*/ 90205 w 1897518"/>
+                <a:gd name="connsiteY4" fmla="*/ 0 h 1825563"/>
+                <a:gd name="connsiteX0" fmla="*/ 153310 w 1960623"/>
+                <a:gd name="connsiteY0" fmla="*/ 0 h 1825563"/>
+                <a:gd name="connsiteX1" fmla="*/ 1586714 w 1960623"/>
+                <a:gd name="connsiteY1" fmla="*/ 0 h 1825563"/>
+                <a:gd name="connsiteX2" fmla="*/ 1923051 w 1960623"/>
+                <a:gd name="connsiteY2" fmla="*/ 1759191 h 1825563"/>
+                <a:gd name="connsiteX3" fmla="*/ 153310 w 1960623"/>
+                <a:gd name="connsiteY3" fmla="*/ 1422855 h 1825563"/>
+                <a:gd name="connsiteX4" fmla="*/ 153310 w 1960623"/>
+                <a:gd name="connsiteY4" fmla="*/ 0 h 1825563"/>
+                <a:gd name="connsiteX0" fmla="*/ 153310 w 1960623"/>
+                <a:gd name="connsiteY0" fmla="*/ 134018 h 1959581"/>
+                <a:gd name="connsiteX1" fmla="*/ 1586714 w 1960623"/>
+                <a:gd name="connsiteY1" fmla="*/ 134018 h 1959581"/>
+                <a:gd name="connsiteX2" fmla="*/ 1923051 w 1960623"/>
+                <a:gd name="connsiteY2" fmla="*/ 1893209 h 1959581"/>
+                <a:gd name="connsiteX3" fmla="*/ 153310 w 1960623"/>
+                <a:gd name="connsiteY3" fmla="*/ 1556873 h 1959581"/>
+                <a:gd name="connsiteX4" fmla="*/ 153310 w 1960623"/>
+                <a:gd name="connsiteY4" fmla="*/ 134018 h 1959581"/>
+                <a:gd name="connsiteX0" fmla="*/ 153310 w 1960623"/>
+                <a:gd name="connsiteY0" fmla="*/ 188054 h 2013617"/>
+                <a:gd name="connsiteX1" fmla="*/ 1586714 w 1960623"/>
+                <a:gd name="connsiteY1" fmla="*/ 188054 h 2013617"/>
+                <a:gd name="connsiteX2" fmla="*/ 1923051 w 1960623"/>
+                <a:gd name="connsiteY2" fmla="*/ 1947245 h 2013617"/>
+                <a:gd name="connsiteX3" fmla="*/ 153310 w 1960623"/>
+                <a:gd name="connsiteY3" fmla="*/ 1610909 h 2013617"/>
+                <a:gd name="connsiteX4" fmla="*/ 153310 w 1960623"/>
+                <a:gd name="connsiteY4" fmla="*/ 188054 h 2013617"/>
+                <a:gd name="connsiteX0" fmla="*/ 153310 w 1971177"/>
+                <a:gd name="connsiteY0" fmla="*/ 188054 h 2013617"/>
+                <a:gd name="connsiteX1" fmla="*/ 1586714 w 1971177"/>
+                <a:gd name="connsiteY1" fmla="*/ 188054 h 2013617"/>
+                <a:gd name="connsiteX2" fmla="*/ 1923051 w 1971177"/>
+                <a:gd name="connsiteY2" fmla="*/ 1947245 h 2013617"/>
+                <a:gd name="connsiteX3" fmla="*/ 153310 w 1971177"/>
+                <a:gd name="connsiteY3" fmla="*/ 1610909 h 2013617"/>
+                <a:gd name="connsiteX4" fmla="*/ 153310 w 1971177"/>
+                <a:gd name="connsiteY4" fmla="*/ 188054 h 2013617"/>
+                <a:gd name="connsiteX0" fmla="*/ 85950 w 1903817"/>
+                <a:gd name="connsiteY0" fmla="*/ 188054 h 2037023"/>
+                <a:gd name="connsiteX1" fmla="*/ 1519354 w 1903817"/>
+                <a:gd name="connsiteY1" fmla="*/ 188054 h 2037023"/>
+                <a:gd name="connsiteX2" fmla="*/ 1855691 w 1903817"/>
+                <a:gd name="connsiteY2" fmla="*/ 1947245 h 2037023"/>
+                <a:gd name="connsiteX3" fmla="*/ 286012 w 1903817"/>
+                <a:gd name="connsiteY3" fmla="*/ 1712389 h 2037023"/>
+                <a:gd name="connsiteX4" fmla="*/ 85950 w 1903817"/>
+                <a:gd name="connsiteY4" fmla="*/ 188054 h 2037023"/>
+                <a:gd name="connsiteX0" fmla="*/ 85950 w 1921832"/>
+                <a:gd name="connsiteY0" fmla="*/ 117615 h 1966584"/>
+                <a:gd name="connsiteX1" fmla="*/ 1635333 w 1921832"/>
+                <a:gd name="connsiteY1" fmla="*/ 361169 h 1966584"/>
+                <a:gd name="connsiteX2" fmla="*/ 1855691 w 1921832"/>
+                <a:gd name="connsiteY2" fmla="*/ 1876806 h 1966584"/>
+                <a:gd name="connsiteX3" fmla="*/ 286012 w 1921832"/>
+                <a:gd name="connsiteY3" fmla="*/ 1641950 h 1966584"/>
+                <a:gd name="connsiteX4" fmla="*/ 85950 w 1921832"/>
+                <a:gd name="connsiteY4" fmla="*/ 117615 h 1966584"/>
+              </a:gdLst>
+              <a:ahLst/>
+              <a:cxnLst>
+                <a:cxn ang="0">
+                  <a:pos x="connsiteX0" y="connsiteY0"/>
+                </a:cxn>
+                <a:cxn ang="0">
+                  <a:pos x="connsiteX1" y="connsiteY1"/>
+                </a:cxn>
+                <a:cxn ang="0">
+                  <a:pos x="connsiteX2" y="connsiteY2"/>
+                </a:cxn>
+                <a:cxn ang="0">
+                  <a:pos x="connsiteX3" y="connsiteY3"/>
+                </a:cxn>
+                <a:cxn ang="0">
+                  <a:pos x="connsiteX4" y="connsiteY4"/>
+                </a:cxn>
+              </a:cxnLst>
+              <a:rect l="l" t="t" r="r" b="b"/>
+              <a:pathLst>
+                <a:path w="1921832" h="1966584">
+                  <a:moveTo>
+                    <a:pt x="85950" y="117615"/>
+                  </a:moveTo>
+                  <a:cubicBezTo>
+                    <a:pt x="372387" y="-183927"/>
+                    <a:pt x="1415583" y="166906"/>
+                    <a:pt x="1635333" y="361169"/>
+                  </a:cubicBezTo>
+                  <a:cubicBezTo>
+                    <a:pt x="1869222" y="628625"/>
+                    <a:pt x="2013230" y="1426683"/>
+                    <a:pt x="1855691" y="1876806"/>
+                  </a:cubicBezTo>
+                  <a:cubicBezTo>
+                    <a:pt x="1549924" y="2043041"/>
+                    <a:pt x="487400" y="1986018"/>
+                    <a:pt x="286012" y="1641950"/>
+                  </a:cubicBezTo>
+                  <a:cubicBezTo>
+                    <a:pt x="83050" y="1388023"/>
+                    <a:pt x="-119911" y="351245"/>
+                    <a:pt x="85950" y="117615"/>
+                  </a:cubicBezTo>
+                  <a:close/>
+                </a:path>
+              </a:pathLst>
+            </a:custGeom>
+            <a:solidFill>
+              <a:srgbClr val="43BFF7"/>
+            </a:solidFill>
+            <a:ln>
+              <a:noFill/>
+            </a:ln>
+          </p:spPr>
+          <p:style>
+            <a:lnRef idx="2">
+              <a:schemeClr val="accent1">
+                <a:shade val="50000"/>
+              </a:schemeClr>
+            </a:lnRef>
+            <a:fillRef idx="1">
+              <a:schemeClr val="accent1"/>
+            </a:fillRef>
+            <a:effectRef idx="0">
+              <a:schemeClr val="accent1"/>
+            </a:effectRef>
+            <a:fontRef idx="minor">
+              <a:schemeClr val="lt1"/>
+            </a:fontRef>
+          </p:style>
+          <p:txBody>
+            <a:bodyPr rtlCol="0" anchor="ctr"/>
+            <a:lstStyle/>
+            <a:p>
+              <a:pPr algn="ctr"/>
+              <a:endParaRPr lang="sv-SE"/>
+            </a:p>
+          </p:txBody>
+        </p:sp>
+        <p:sp>
+          <p:nvSpPr>
+            <p:cNvPr id="54" name="Isosceles Triangle 2"/>
+            <p:cNvSpPr/>
+            <p:nvPr/>
+          </p:nvSpPr>
+          <p:spPr>
+            <a:xfrm rot="10299074">
+              <a:off x="6222985" y="4216703"/>
+              <a:ext cx="294408" cy="268598"/>
+            </a:xfrm>
+            <a:custGeom>
+              <a:avLst/>
+              <a:gdLst>
+                <a:gd name="connsiteX0" fmla="*/ 0 w 1890307"/>
+                <a:gd name="connsiteY0" fmla="*/ 1484362 h 1484362"/>
+                <a:gd name="connsiteX1" fmla="*/ 945154 w 1890307"/>
+                <a:gd name="connsiteY1" fmla="*/ 0 h 1484362"/>
+                <a:gd name="connsiteX2" fmla="*/ 1890307 w 1890307"/>
+                <a:gd name="connsiteY2" fmla="*/ 1484362 h 1484362"/>
+                <a:gd name="connsiteX3" fmla="*/ 0 w 1890307"/>
+                <a:gd name="connsiteY3" fmla="*/ 1484362 h 1484362"/>
+                <a:gd name="connsiteX0" fmla="*/ 0 w 1890307"/>
+                <a:gd name="connsiteY0" fmla="*/ 1473410 h 1473410"/>
+                <a:gd name="connsiteX1" fmla="*/ 925980 w 1890307"/>
+                <a:gd name="connsiteY1" fmla="*/ 0 h 1473410"/>
+                <a:gd name="connsiteX2" fmla="*/ 1890307 w 1890307"/>
+                <a:gd name="connsiteY2" fmla="*/ 1473410 h 1473410"/>
+                <a:gd name="connsiteX3" fmla="*/ 0 w 1890307"/>
+                <a:gd name="connsiteY3" fmla="*/ 1473410 h 1473410"/>
+                <a:gd name="connsiteX0" fmla="*/ 0 w 1890307"/>
+                <a:gd name="connsiteY0" fmla="*/ 1473410 h 1473410"/>
+                <a:gd name="connsiteX1" fmla="*/ 925980 w 1890307"/>
+                <a:gd name="connsiteY1" fmla="*/ 0 h 1473410"/>
+                <a:gd name="connsiteX2" fmla="*/ 1890307 w 1890307"/>
+                <a:gd name="connsiteY2" fmla="*/ 1473410 h 1473410"/>
+                <a:gd name="connsiteX3" fmla="*/ 0 w 1890307"/>
+                <a:gd name="connsiteY3" fmla="*/ 1473410 h 1473410"/>
+                <a:gd name="connsiteX0" fmla="*/ 0 w 1890307"/>
+                <a:gd name="connsiteY0" fmla="*/ 1473410 h 1473410"/>
+                <a:gd name="connsiteX1" fmla="*/ 925980 w 1890307"/>
+                <a:gd name="connsiteY1" fmla="*/ 0 h 1473410"/>
+                <a:gd name="connsiteX2" fmla="*/ 1890307 w 1890307"/>
+                <a:gd name="connsiteY2" fmla="*/ 1473410 h 1473410"/>
+                <a:gd name="connsiteX3" fmla="*/ 0 w 1890307"/>
+                <a:gd name="connsiteY3" fmla="*/ 1473410 h 1473410"/>
+                <a:gd name="connsiteX0" fmla="*/ 9778 w 1900085"/>
+                <a:gd name="connsiteY0" fmla="*/ 1473410 h 1473410"/>
+                <a:gd name="connsiteX1" fmla="*/ 935758 w 1900085"/>
+                <a:gd name="connsiteY1" fmla="*/ 0 h 1473410"/>
+                <a:gd name="connsiteX2" fmla="*/ 1900085 w 1900085"/>
+                <a:gd name="connsiteY2" fmla="*/ 1473410 h 1473410"/>
+                <a:gd name="connsiteX3" fmla="*/ 9778 w 1900085"/>
+                <a:gd name="connsiteY3" fmla="*/ 1473410 h 1473410"/>
+                <a:gd name="connsiteX0" fmla="*/ 9778 w 1900085"/>
+                <a:gd name="connsiteY0" fmla="*/ 1473410 h 1602081"/>
+                <a:gd name="connsiteX1" fmla="*/ 935758 w 1900085"/>
+                <a:gd name="connsiteY1" fmla="*/ 0 h 1602081"/>
+                <a:gd name="connsiteX2" fmla="*/ 1900085 w 1900085"/>
+                <a:gd name="connsiteY2" fmla="*/ 1473410 h 1602081"/>
+                <a:gd name="connsiteX3" fmla="*/ 9778 w 1900085"/>
+                <a:gd name="connsiteY3" fmla="*/ 1473410 h 1602081"/>
+                <a:gd name="connsiteX0" fmla="*/ 9778 w 1900085"/>
+                <a:gd name="connsiteY0" fmla="*/ 1473410 h 1659298"/>
+                <a:gd name="connsiteX1" fmla="*/ 935758 w 1900085"/>
+                <a:gd name="connsiteY1" fmla="*/ 0 h 1659298"/>
+                <a:gd name="connsiteX2" fmla="*/ 1900085 w 1900085"/>
+                <a:gd name="connsiteY2" fmla="*/ 1473410 h 1659298"/>
+                <a:gd name="connsiteX3" fmla="*/ 9778 w 1900085"/>
+                <a:gd name="connsiteY3" fmla="*/ 1473410 h 1659298"/>
+                <a:gd name="connsiteX0" fmla="*/ 9778 w 1900085"/>
+                <a:gd name="connsiteY0" fmla="*/ 1473410 h 1659298"/>
+                <a:gd name="connsiteX1" fmla="*/ 935758 w 1900085"/>
+                <a:gd name="connsiteY1" fmla="*/ 0 h 1659298"/>
+                <a:gd name="connsiteX2" fmla="*/ 1900085 w 1900085"/>
+                <a:gd name="connsiteY2" fmla="*/ 1473410 h 1659298"/>
+                <a:gd name="connsiteX3" fmla="*/ 9778 w 1900085"/>
+                <a:gd name="connsiteY3" fmla="*/ 1473410 h 1659298"/>
+                <a:gd name="connsiteX0" fmla="*/ 11089 w 1901396"/>
+                <a:gd name="connsiteY0" fmla="*/ 1473432 h 1659320"/>
+                <a:gd name="connsiteX1" fmla="*/ 937069 w 1901396"/>
+                <a:gd name="connsiteY1" fmla="*/ 22 h 1659320"/>
+                <a:gd name="connsiteX2" fmla="*/ 1901396 w 1901396"/>
+                <a:gd name="connsiteY2" fmla="*/ 1473432 h 1659320"/>
+                <a:gd name="connsiteX3" fmla="*/ 11089 w 1901396"/>
+                <a:gd name="connsiteY3" fmla="*/ 1473432 h 1659320"/>
+                <a:gd name="connsiteX0" fmla="*/ 11089 w 1901396"/>
+                <a:gd name="connsiteY0" fmla="*/ 1474878 h 1660766"/>
+                <a:gd name="connsiteX1" fmla="*/ 937069 w 1901396"/>
+                <a:gd name="connsiteY1" fmla="*/ 1468 h 1660766"/>
+                <a:gd name="connsiteX2" fmla="*/ 1901396 w 1901396"/>
+                <a:gd name="connsiteY2" fmla="*/ 1474878 h 1660766"/>
+                <a:gd name="connsiteX3" fmla="*/ 11089 w 1901396"/>
+                <a:gd name="connsiteY3" fmla="*/ 1474878 h 1660766"/>
+                <a:gd name="connsiteX0" fmla="*/ 11089 w 1922551"/>
+                <a:gd name="connsiteY0" fmla="*/ 1474339 h 1660227"/>
+                <a:gd name="connsiteX1" fmla="*/ 937069 w 1922551"/>
+                <a:gd name="connsiteY1" fmla="*/ 929 h 1660227"/>
+                <a:gd name="connsiteX2" fmla="*/ 1901396 w 1922551"/>
+                <a:gd name="connsiteY2" fmla="*/ 1474339 h 1660227"/>
+                <a:gd name="connsiteX3" fmla="*/ 11089 w 1922551"/>
+                <a:gd name="connsiteY3" fmla="*/ 1474339 h 1660227"/>
+                <a:gd name="connsiteX0" fmla="*/ 11089 w 1922551"/>
+                <a:gd name="connsiteY0" fmla="*/ 1474339 h 1674829"/>
+                <a:gd name="connsiteX1" fmla="*/ 937069 w 1922551"/>
+                <a:gd name="connsiteY1" fmla="*/ 929 h 1674829"/>
+                <a:gd name="connsiteX2" fmla="*/ 1901396 w 1922551"/>
+                <a:gd name="connsiteY2" fmla="*/ 1474339 h 1674829"/>
+                <a:gd name="connsiteX3" fmla="*/ 11089 w 1922551"/>
+                <a:gd name="connsiteY3" fmla="*/ 1474339 h 1674829"/>
+                <a:gd name="connsiteX0" fmla="*/ 11089 w 1922551"/>
+                <a:gd name="connsiteY0" fmla="*/ 1474339 h 1672820"/>
+                <a:gd name="connsiteX1" fmla="*/ 937069 w 1922551"/>
+                <a:gd name="connsiteY1" fmla="*/ 929 h 1672820"/>
+                <a:gd name="connsiteX2" fmla="*/ 1901396 w 1922551"/>
+                <a:gd name="connsiteY2" fmla="*/ 1474339 h 1672820"/>
+                <a:gd name="connsiteX3" fmla="*/ 11089 w 1922551"/>
+                <a:gd name="connsiteY3" fmla="*/ 1474339 h 1672820"/>
+                <a:gd name="connsiteX0" fmla="*/ 30596 w 1942058"/>
+                <a:gd name="connsiteY0" fmla="*/ 1474339 h 1672820"/>
+                <a:gd name="connsiteX1" fmla="*/ 956576 w 1942058"/>
+                <a:gd name="connsiteY1" fmla="*/ 929 h 1672820"/>
+                <a:gd name="connsiteX2" fmla="*/ 1920903 w 1942058"/>
+                <a:gd name="connsiteY2" fmla="*/ 1474339 h 1672820"/>
+                <a:gd name="connsiteX3" fmla="*/ 30596 w 1942058"/>
+                <a:gd name="connsiteY3" fmla="*/ 1474339 h 1672820"/>
+                <a:gd name="connsiteX0" fmla="*/ 17715 w 1929177"/>
+                <a:gd name="connsiteY0" fmla="*/ 1474339 h 1672820"/>
+                <a:gd name="connsiteX1" fmla="*/ 943695 w 1929177"/>
+                <a:gd name="connsiteY1" fmla="*/ 929 h 1672820"/>
+                <a:gd name="connsiteX2" fmla="*/ 1908022 w 1929177"/>
+                <a:gd name="connsiteY2" fmla="*/ 1474339 h 1672820"/>
+                <a:gd name="connsiteX3" fmla="*/ 17715 w 1929177"/>
+                <a:gd name="connsiteY3" fmla="*/ 1474339 h 1672820"/>
+                <a:gd name="connsiteX0" fmla="*/ 17715 w 1929177"/>
+                <a:gd name="connsiteY0" fmla="*/ 1474339 h 1669905"/>
+                <a:gd name="connsiteX1" fmla="*/ 943695 w 1929177"/>
+                <a:gd name="connsiteY1" fmla="*/ 929 h 1669905"/>
+                <a:gd name="connsiteX2" fmla="*/ 1908022 w 1929177"/>
+                <a:gd name="connsiteY2" fmla="*/ 1474339 h 1669905"/>
+                <a:gd name="connsiteX3" fmla="*/ 17715 w 1929177"/>
+                <a:gd name="connsiteY3" fmla="*/ 1474339 h 1669905"/>
+                <a:gd name="connsiteX0" fmla="*/ 17715 w 1929177"/>
+                <a:gd name="connsiteY0" fmla="*/ 1474339 h 1680508"/>
+                <a:gd name="connsiteX1" fmla="*/ 943695 w 1929177"/>
+                <a:gd name="connsiteY1" fmla="*/ 929 h 1680508"/>
+                <a:gd name="connsiteX2" fmla="*/ 1908022 w 1929177"/>
+                <a:gd name="connsiteY2" fmla="*/ 1474339 h 1680508"/>
+                <a:gd name="connsiteX3" fmla="*/ 17715 w 1929177"/>
+                <a:gd name="connsiteY3" fmla="*/ 1474339 h 1680508"/>
+                <a:gd name="connsiteX0" fmla="*/ 17715 w 1914739"/>
+                <a:gd name="connsiteY0" fmla="*/ 1474493 h 1680662"/>
+                <a:gd name="connsiteX1" fmla="*/ 943695 w 1914739"/>
+                <a:gd name="connsiteY1" fmla="*/ 1083 h 1680662"/>
+                <a:gd name="connsiteX2" fmla="*/ 1908022 w 1914739"/>
+                <a:gd name="connsiteY2" fmla="*/ 1474493 h 1680662"/>
+                <a:gd name="connsiteX3" fmla="*/ 17715 w 1914739"/>
+                <a:gd name="connsiteY3" fmla="*/ 1474493 h 1680662"/>
+                <a:gd name="connsiteX0" fmla="*/ 17715 w 1914739"/>
+                <a:gd name="connsiteY0" fmla="*/ 1474493 h 1744282"/>
+                <a:gd name="connsiteX1" fmla="*/ 943695 w 1914739"/>
+                <a:gd name="connsiteY1" fmla="*/ 1083 h 1744282"/>
+                <a:gd name="connsiteX2" fmla="*/ 1908022 w 1914739"/>
+                <a:gd name="connsiteY2" fmla="*/ 1474493 h 1744282"/>
+                <a:gd name="connsiteX3" fmla="*/ 17715 w 1914739"/>
+                <a:gd name="connsiteY3" fmla="*/ 1474493 h 1744282"/>
+                <a:gd name="connsiteX0" fmla="*/ 17715 w 1912352"/>
+                <a:gd name="connsiteY0" fmla="*/ 1474914 h 1744703"/>
+                <a:gd name="connsiteX1" fmla="*/ 943695 w 1912352"/>
+                <a:gd name="connsiteY1" fmla="*/ 1504 h 1744703"/>
+                <a:gd name="connsiteX2" fmla="*/ 1908022 w 1912352"/>
+                <a:gd name="connsiteY2" fmla="*/ 1474914 h 1744703"/>
+                <a:gd name="connsiteX3" fmla="*/ 17715 w 1912352"/>
+                <a:gd name="connsiteY3" fmla="*/ 1474914 h 1744703"/>
+              </a:gdLst>
+              <a:ahLst/>
+              <a:cxnLst>
+                <a:cxn ang="0">
+                  <a:pos x="connsiteX0" y="connsiteY0"/>
+                </a:cxn>
+                <a:cxn ang="0">
+                  <a:pos x="connsiteX1" y="connsiteY1"/>
+                </a:cxn>
+                <a:cxn ang="0">
+                  <a:pos x="connsiteX2" y="connsiteY2"/>
+                </a:cxn>
+                <a:cxn ang="0">
+                  <a:pos x="connsiteX3" y="connsiteY3"/>
+                </a:cxn>
+              </a:cxnLst>
+              <a:rect l="l" t="t" r="r" b="b"/>
+              <a:pathLst>
+                <a:path w="1912352" h="1744703">
+                  <a:moveTo>
+                    <a:pt x="17715" y="1474914"/>
+                  </a:moveTo>
+                  <a:cubicBezTo>
+                    <a:pt x="-110838" y="1144062"/>
+                    <a:pt x="487133" y="-4257"/>
+                    <a:pt x="943695" y="1504"/>
+                  </a:cubicBezTo>
+                  <a:cubicBezTo>
+                    <a:pt x="1323225" y="-41240"/>
+                    <a:pt x="1971445" y="836011"/>
+                    <a:pt x="1908022" y="1474914"/>
+                  </a:cubicBezTo>
+                  <a:cubicBezTo>
+                    <a:pt x="1777749" y="1909028"/>
+                    <a:pt x="206144" y="1751742"/>
+                    <a:pt x="17715" y="1474914"/>
+                  </a:cubicBezTo>
+                  <a:close/>
+                </a:path>
+              </a:pathLst>
+            </a:custGeom>
+            <a:solidFill>
+              <a:srgbClr val="1D9F58"/>
+            </a:solidFill>
+            <a:ln>
+              <a:noFill/>
+            </a:ln>
+          </p:spPr>
+          <p:style>
+            <a:lnRef idx="2">
+              <a:schemeClr val="accent1">
+                <a:shade val="50000"/>
+              </a:schemeClr>
+            </a:lnRef>
+            <a:fillRef idx="1">
+              <a:schemeClr val="accent1"/>
+            </a:fillRef>
+            <a:effectRef idx="0">
+              <a:schemeClr val="accent1"/>
+            </a:effectRef>
+            <a:fontRef idx="minor">
+              <a:schemeClr val="lt1"/>
+            </a:fontRef>
+          </p:style>
+          <p:txBody>
+            <a:bodyPr rtlCol="0" anchor="ctr"/>
+            <a:lstStyle/>
+            <a:p>
+              <a:pPr algn="ctr"/>
+              <a:endParaRPr lang="sv-SE"/>
+            </a:p>
+          </p:txBody>
+        </p:sp>
+        <p:sp>
+          <p:nvSpPr>
+            <p:cNvPr id="55" name="Isosceles Triangle 2"/>
+            <p:cNvSpPr/>
+            <p:nvPr/>
+          </p:nvSpPr>
+          <p:spPr>
+            <a:xfrm rot="10299074">
+              <a:off x="3729465" y="4841680"/>
+              <a:ext cx="294408" cy="268598"/>
+            </a:xfrm>
+            <a:custGeom>
+              <a:avLst/>
+              <a:gdLst>
+                <a:gd name="connsiteX0" fmla="*/ 0 w 1890307"/>
+                <a:gd name="connsiteY0" fmla="*/ 1484362 h 1484362"/>
+                <a:gd name="connsiteX1" fmla="*/ 945154 w 1890307"/>
+                <a:gd name="connsiteY1" fmla="*/ 0 h 1484362"/>
+                <a:gd name="connsiteX2" fmla="*/ 1890307 w 1890307"/>
+                <a:gd name="connsiteY2" fmla="*/ 1484362 h 1484362"/>
+                <a:gd name="connsiteX3" fmla="*/ 0 w 1890307"/>
+                <a:gd name="connsiteY3" fmla="*/ 1484362 h 1484362"/>
+                <a:gd name="connsiteX0" fmla="*/ 0 w 1890307"/>
+                <a:gd name="connsiteY0" fmla="*/ 1473410 h 1473410"/>
+                <a:gd name="connsiteX1" fmla="*/ 925980 w 1890307"/>
+                <a:gd name="connsiteY1" fmla="*/ 0 h 1473410"/>
+                <a:gd name="connsiteX2" fmla="*/ 1890307 w 1890307"/>
+                <a:gd name="connsiteY2" fmla="*/ 1473410 h 1473410"/>
+                <a:gd name="connsiteX3" fmla="*/ 0 w 1890307"/>
+                <a:gd name="connsiteY3" fmla="*/ 1473410 h 1473410"/>
+                <a:gd name="connsiteX0" fmla="*/ 0 w 1890307"/>
+                <a:gd name="connsiteY0" fmla="*/ 1473410 h 1473410"/>
+                <a:gd name="connsiteX1" fmla="*/ 925980 w 1890307"/>
+                <a:gd name="connsiteY1" fmla="*/ 0 h 1473410"/>
+                <a:gd name="connsiteX2" fmla="*/ 1890307 w 1890307"/>
+                <a:gd name="connsiteY2" fmla="*/ 1473410 h 1473410"/>
+                <a:gd name="connsiteX3" fmla="*/ 0 w 1890307"/>
+                <a:gd name="connsiteY3" fmla="*/ 1473410 h 1473410"/>
+                <a:gd name="connsiteX0" fmla="*/ 0 w 1890307"/>
+                <a:gd name="connsiteY0" fmla="*/ 1473410 h 1473410"/>
+                <a:gd name="connsiteX1" fmla="*/ 925980 w 1890307"/>
+                <a:gd name="connsiteY1" fmla="*/ 0 h 1473410"/>
+                <a:gd name="connsiteX2" fmla="*/ 1890307 w 1890307"/>
+                <a:gd name="connsiteY2" fmla="*/ 1473410 h 1473410"/>
+                <a:gd name="connsiteX3" fmla="*/ 0 w 1890307"/>
+                <a:gd name="connsiteY3" fmla="*/ 1473410 h 1473410"/>
+                <a:gd name="connsiteX0" fmla="*/ 9778 w 1900085"/>
+                <a:gd name="connsiteY0" fmla="*/ 1473410 h 1473410"/>
+                <a:gd name="connsiteX1" fmla="*/ 935758 w 1900085"/>
+                <a:gd name="connsiteY1" fmla="*/ 0 h 1473410"/>
+                <a:gd name="connsiteX2" fmla="*/ 1900085 w 1900085"/>
+                <a:gd name="connsiteY2" fmla="*/ 1473410 h 1473410"/>
+                <a:gd name="connsiteX3" fmla="*/ 9778 w 1900085"/>
+                <a:gd name="connsiteY3" fmla="*/ 1473410 h 1473410"/>
+                <a:gd name="connsiteX0" fmla="*/ 9778 w 1900085"/>
+                <a:gd name="connsiteY0" fmla="*/ 1473410 h 1602081"/>
+                <a:gd name="connsiteX1" fmla="*/ 935758 w 1900085"/>
+                <a:gd name="connsiteY1" fmla="*/ 0 h 1602081"/>
+                <a:gd name="connsiteX2" fmla="*/ 1900085 w 1900085"/>
+                <a:gd name="connsiteY2" fmla="*/ 1473410 h 1602081"/>
+                <a:gd name="connsiteX3" fmla="*/ 9778 w 1900085"/>
+                <a:gd name="connsiteY3" fmla="*/ 1473410 h 1602081"/>
+                <a:gd name="connsiteX0" fmla="*/ 9778 w 1900085"/>
+                <a:gd name="connsiteY0" fmla="*/ 1473410 h 1659298"/>
+                <a:gd name="connsiteX1" fmla="*/ 935758 w 1900085"/>
+                <a:gd name="connsiteY1" fmla="*/ 0 h 1659298"/>
+                <a:gd name="connsiteX2" fmla="*/ 1900085 w 1900085"/>
+                <a:gd name="connsiteY2" fmla="*/ 1473410 h 1659298"/>
+                <a:gd name="connsiteX3" fmla="*/ 9778 w 1900085"/>
+                <a:gd name="connsiteY3" fmla="*/ 1473410 h 1659298"/>
+                <a:gd name="connsiteX0" fmla="*/ 9778 w 1900085"/>
+                <a:gd name="connsiteY0" fmla="*/ 1473410 h 1659298"/>
+                <a:gd name="connsiteX1" fmla="*/ 935758 w 1900085"/>
+                <a:gd name="connsiteY1" fmla="*/ 0 h 1659298"/>
+                <a:gd name="connsiteX2" fmla="*/ 1900085 w 1900085"/>
+                <a:gd name="connsiteY2" fmla="*/ 1473410 h 1659298"/>
+                <a:gd name="connsiteX3" fmla="*/ 9778 w 1900085"/>
+                <a:gd name="connsiteY3" fmla="*/ 1473410 h 1659298"/>
+                <a:gd name="connsiteX0" fmla="*/ 11089 w 1901396"/>
+                <a:gd name="connsiteY0" fmla="*/ 1473432 h 1659320"/>
+                <a:gd name="connsiteX1" fmla="*/ 937069 w 1901396"/>
+                <a:gd name="connsiteY1" fmla="*/ 22 h 1659320"/>
+                <a:gd name="connsiteX2" fmla="*/ 1901396 w 1901396"/>
+                <a:gd name="connsiteY2" fmla="*/ 1473432 h 1659320"/>
+                <a:gd name="connsiteX3" fmla="*/ 11089 w 1901396"/>
+                <a:gd name="connsiteY3" fmla="*/ 1473432 h 1659320"/>
+                <a:gd name="connsiteX0" fmla="*/ 11089 w 1901396"/>
+                <a:gd name="connsiteY0" fmla="*/ 1474878 h 1660766"/>
+                <a:gd name="connsiteX1" fmla="*/ 937069 w 1901396"/>
+                <a:gd name="connsiteY1" fmla="*/ 1468 h 1660766"/>
+                <a:gd name="connsiteX2" fmla="*/ 1901396 w 1901396"/>
+                <a:gd name="connsiteY2" fmla="*/ 1474878 h 1660766"/>
+                <a:gd name="connsiteX3" fmla="*/ 11089 w 1901396"/>
+                <a:gd name="connsiteY3" fmla="*/ 1474878 h 1660766"/>
+                <a:gd name="connsiteX0" fmla="*/ 11089 w 1922551"/>
+                <a:gd name="connsiteY0" fmla="*/ 1474339 h 1660227"/>
+                <a:gd name="connsiteX1" fmla="*/ 937069 w 1922551"/>
+                <a:gd name="connsiteY1" fmla="*/ 929 h 1660227"/>
+                <a:gd name="connsiteX2" fmla="*/ 1901396 w 1922551"/>
+                <a:gd name="connsiteY2" fmla="*/ 1474339 h 1660227"/>
+                <a:gd name="connsiteX3" fmla="*/ 11089 w 1922551"/>
+                <a:gd name="connsiteY3" fmla="*/ 1474339 h 1660227"/>
+                <a:gd name="connsiteX0" fmla="*/ 11089 w 1922551"/>
+                <a:gd name="connsiteY0" fmla="*/ 1474339 h 1674829"/>
+                <a:gd name="connsiteX1" fmla="*/ 937069 w 1922551"/>
+                <a:gd name="connsiteY1" fmla="*/ 929 h 1674829"/>
+                <a:gd name="connsiteX2" fmla="*/ 1901396 w 1922551"/>
+                <a:gd name="connsiteY2" fmla="*/ 1474339 h 1674829"/>
+                <a:gd name="connsiteX3" fmla="*/ 11089 w 1922551"/>
+                <a:gd name="connsiteY3" fmla="*/ 1474339 h 1674829"/>
+                <a:gd name="connsiteX0" fmla="*/ 11089 w 1922551"/>
+                <a:gd name="connsiteY0" fmla="*/ 1474339 h 1672820"/>
+                <a:gd name="connsiteX1" fmla="*/ 937069 w 1922551"/>
+                <a:gd name="connsiteY1" fmla="*/ 929 h 1672820"/>
+                <a:gd name="connsiteX2" fmla="*/ 1901396 w 1922551"/>
+                <a:gd name="connsiteY2" fmla="*/ 1474339 h 1672820"/>
+                <a:gd name="connsiteX3" fmla="*/ 11089 w 1922551"/>
+                <a:gd name="connsiteY3" fmla="*/ 1474339 h 1672820"/>
+                <a:gd name="connsiteX0" fmla="*/ 30596 w 1942058"/>
+                <a:gd name="connsiteY0" fmla="*/ 1474339 h 1672820"/>
+                <a:gd name="connsiteX1" fmla="*/ 956576 w 1942058"/>
+                <a:gd name="connsiteY1" fmla="*/ 929 h 1672820"/>
+                <a:gd name="connsiteX2" fmla="*/ 1920903 w 1942058"/>
+                <a:gd name="connsiteY2" fmla="*/ 1474339 h 1672820"/>
+                <a:gd name="connsiteX3" fmla="*/ 30596 w 1942058"/>
+                <a:gd name="connsiteY3" fmla="*/ 1474339 h 1672820"/>
+                <a:gd name="connsiteX0" fmla="*/ 17715 w 1929177"/>
+                <a:gd name="connsiteY0" fmla="*/ 1474339 h 1672820"/>
+                <a:gd name="connsiteX1" fmla="*/ 943695 w 1929177"/>
+                <a:gd name="connsiteY1" fmla="*/ 929 h 1672820"/>
+                <a:gd name="connsiteX2" fmla="*/ 1908022 w 1929177"/>
+                <a:gd name="connsiteY2" fmla="*/ 1474339 h 1672820"/>
+                <a:gd name="connsiteX3" fmla="*/ 17715 w 1929177"/>
+                <a:gd name="connsiteY3" fmla="*/ 1474339 h 1672820"/>
+                <a:gd name="connsiteX0" fmla="*/ 17715 w 1929177"/>
+                <a:gd name="connsiteY0" fmla="*/ 1474339 h 1669905"/>
+                <a:gd name="connsiteX1" fmla="*/ 943695 w 1929177"/>
+                <a:gd name="connsiteY1" fmla="*/ 929 h 1669905"/>
+                <a:gd name="connsiteX2" fmla="*/ 1908022 w 1929177"/>
+                <a:gd name="connsiteY2" fmla="*/ 1474339 h 1669905"/>
+                <a:gd name="connsiteX3" fmla="*/ 17715 w 1929177"/>
+                <a:gd name="connsiteY3" fmla="*/ 1474339 h 1669905"/>
+                <a:gd name="connsiteX0" fmla="*/ 17715 w 1929177"/>
+                <a:gd name="connsiteY0" fmla="*/ 1474339 h 1680508"/>
+                <a:gd name="connsiteX1" fmla="*/ 943695 w 1929177"/>
+                <a:gd name="connsiteY1" fmla="*/ 929 h 1680508"/>
+                <a:gd name="connsiteX2" fmla="*/ 1908022 w 1929177"/>
+                <a:gd name="connsiteY2" fmla="*/ 1474339 h 1680508"/>
+                <a:gd name="connsiteX3" fmla="*/ 17715 w 1929177"/>
+                <a:gd name="connsiteY3" fmla="*/ 1474339 h 1680508"/>
+                <a:gd name="connsiteX0" fmla="*/ 17715 w 1914739"/>
+                <a:gd name="connsiteY0" fmla="*/ 1474493 h 1680662"/>
+                <a:gd name="connsiteX1" fmla="*/ 943695 w 1914739"/>
+                <a:gd name="connsiteY1" fmla="*/ 1083 h 1680662"/>
+                <a:gd name="connsiteX2" fmla="*/ 1908022 w 1914739"/>
+                <a:gd name="connsiteY2" fmla="*/ 1474493 h 1680662"/>
+                <a:gd name="connsiteX3" fmla="*/ 17715 w 1914739"/>
+                <a:gd name="connsiteY3" fmla="*/ 1474493 h 1680662"/>
+                <a:gd name="connsiteX0" fmla="*/ 17715 w 1914739"/>
+                <a:gd name="connsiteY0" fmla="*/ 1474493 h 1744282"/>
+                <a:gd name="connsiteX1" fmla="*/ 943695 w 1914739"/>
+                <a:gd name="connsiteY1" fmla="*/ 1083 h 1744282"/>
+                <a:gd name="connsiteX2" fmla="*/ 1908022 w 1914739"/>
+                <a:gd name="connsiteY2" fmla="*/ 1474493 h 1744282"/>
+                <a:gd name="connsiteX3" fmla="*/ 17715 w 1914739"/>
+                <a:gd name="connsiteY3" fmla="*/ 1474493 h 1744282"/>
+                <a:gd name="connsiteX0" fmla="*/ 17715 w 1912352"/>
+                <a:gd name="connsiteY0" fmla="*/ 1474914 h 1744703"/>
+                <a:gd name="connsiteX1" fmla="*/ 943695 w 1912352"/>
+                <a:gd name="connsiteY1" fmla="*/ 1504 h 1744703"/>
+                <a:gd name="connsiteX2" fmla="*/ 1908022 w 1912352"/>
+                <a:gd name="connsiteY2" fmla="*/ 1474914 h 1744703"/>
+                <a:gd name="connsiteX3" fmla="*/ 17715 w 1912352"/>
+                <a:gd name="connsiteY3" fmla="*/ 1474914 h 1744703"/>
+              </a:gdLst>
+              <a:ahLst/>
+              <a:cxnLst>
+                <a:cxn ang="0">
+                  <a:pos x="connsiteX0" y="connsiteY0"/>
+                </a:cxn>
+                <a:cxn ang="0">
+                  <a:pos x="connsiteX1" y="connsiteY1"/>
+                </a:cxn>
+                <a:cxn ang="0">
+                  <a:pos x="connsiteX2" y="connsiteY2"/>
+                </a:cxn>
+                <a:cxn ang="0">
+                  <a:pos x="connsiteX3" y="connsiteY3"/>
+                </a:cxn>
+              </a:cxnLst>
+              <a:rect l="l" t="t" r="r" b="b"/>
+              <a:pathLst>
+                <a:path w="1912352" h="1744703">
+                  <a:moveTo>
+                    <a:pt x="17715" y="1474914"/>
+                  </a:moveTo>
+                  <a:cubicBezTo>
+                    <a:pt x="-110838" y="1144062"/>
+                    <a:pt x="487133" y="-4257"/>
+                    <a:pt x="943695" y="1504"/>
+                  </a:cubicBezTo>
+                  <a:cubicBezTo>
+                    <a:pt x="1323225" y="-41240"/>
+                    <a:pt x="1971445" y="836011"/>
+                    <a:pt x="1908022" y="1474914"/>
+                  </a:cubicBezTo>
+                  <a:cubicBezTo>
+                    <a:pt x="1777749" y="1909028"/>
+                    <a:pt x="206144" y="1751742"/>
+                    <a:pt x="17715" y="1474914"/>
+                  </a:cubicBezTo>
+                  <a:close/>
+                </a:path>
+              </a:pathLst>
+            </a:custGeom>
+            <a:solidFill>
+              <a:srgbClr val="1D9F58"/>
+            </a:solidFill>
+            <a:ln>
+              <a:noFill/>
+            </a:ln>
+          </p:spPr>
+          <p:style>
+            <a:lnRef idx="2">
+              <a:schemeClr val="accent1">
+                <a:shade val="50000"/>
+              </a:schemeClr>
+            </a:lnRef>
+            <a:fillRef idx="1">
+              <a:schemeClr val="accent1"/>
+            </a:fillRef>
+            <a:effectRef idx="0">
+              <a:schemeClr val="accent1"/>
+            </a:effectRef>
+            <a:fontRef idx="minor">
+              <a:schemeClr val="lt1"/>
+            </a:fontRef>
+          </p:style>
+          <p:txBody>
+            <a:bodyPr rtlCol="0" anchor="ctr"/>
+            <a:lstStyle/>
+            <a:p>
+              <a:pPr algn="ctr"/>
+              <a:endParaRPr lang="sv-SE"/>
+            </a:p>
+          </p:txBody>
+        </p:sp>
+        <p:grpSp>
+          <p:nvGrpSpPr>
+            <p:cNvPr id="5" name="Group 4"/>
+            <p:cNvGrpSpPr/>
+            <p:nvPr/>
+          </p:nvGrpSpPr>
+          <p:grpSpPr>
+            <a:xfrm>
+              <a:off x="3017056" y="3484236"/>
+              <a:ext cx="2284987" cy="2032049"/>
+              <a:chOff x="3017056" y="3484236"/>
+              <a:chExt cx="2284987" cy="2032049"/>
+            </a:xfrm>
+          </p:grpSpPr>
+          <p:sp>
+            <p:nvSpPr>
+              <p:cNvPr id="51" name="Oval 50"/>
+              <p:cNvSpPr/>
+              <p:nvPr/>
+            </p:nvSpPr>
+            <p:spPr>
+              <a:xfrm>
+                <a:off x="3628277" y="4474032"/>
+                <a:ext cx="1042253" cy="1042253"/>
+              </a:xfrm>
+              <a:prstGeom prst="ellipse">
+                <a:avLst/>
+              </a:prstGeom>
+              <a:noFill/>
+              <a:ln w="25400">
+                <a:solidFill>
+                  <a:schemeClr val="tx1"/>
+                </a:solidFill>
+              </a:ln>
+            </p:spPr>
+            <p:style>
+              <a:lnRef idx="2">
+                <a:schemeClr val="accent1">
+                  <a:shade val="50000"/>
+                </a:schemeClr>
+              </a:lnRef>
+              <a:fillRef idx="1">
+                <a:schemeClr val="accent1"/>
+              </a:fillRef>
+              <a:effectRef idx="0">
+                <a:schemeClr val="accent1"/>
+              </a:effectRef>
+              <a:fontRef idx="minor">
+                <a:schemeClr val="lt1"/>
+              </a:fontRef>
+            </p:style>
+            <p:txBody>
+              <a:bodyPr rtlCol="0" anchor="ctr"/>
+              <a:lstStyle/>
+              <a:p>
+                <a:pPr algn="ctr"/>
+                <a:endParaRPr lang="sv-SE"/>
+              </a:p>
+            </p:txBody>
+          </p:sp>
+          <p:sp>
+            <p:nvSpPr>
+              <p:cNvPr id="52" name="Oval 51"/>
+              <p:cNvSpPr/>
+              <p:nvPr/>
+            </p:nvSpPr>
+            <p:spPr>
+              <a:xfrm>
+                <a:off x="3017056" y="3484236"/>
+                <a:ext cx="1042253" cy="1042253"/>
+              </a:xfrm>
+              <a:prstGeom prst="ellipse">
+                <a:avLst/>
+              </a:prstGeom>
+              <a:noFill/>
+              <a:ln w="25400">
+                <a:solidFill>
+                  <a:schemeClr val="tx1"/>
+                </a:solidFill>
+              </a:ln>
+            </p:spPr>
+            <p:style>
+              <a:lnRef idx="2">
+                <a:schemeClr val="accent1">
+                  <a:shade val="50000"/>
+                </a:schemeClr>
+              </a:lnRef>
+              <a:fillRef idx="1">
+                <a:schemeClr val="accent1"/>
+              </a:fillRef>
+              <a:effectRef idx="0">
+                <a:schemeClr val="accent1"/>
+              </a:effectRef>
+              <a:fontRef idx="minor">
+                <a:schemeClr val="lt1"/>
+              </a:fontRef>
+            </p:style>
+            <p:txBody>
+              <a:bodyPr rtlCol="0" anchor="ctr"/>
+              <a:lstStyle/>
+              <a:p>
+                <a:pPr algn="ctr"/>
+                <a:endParaRPr lang="sv-SE"/>
+              </a:p>
+            </p:txBody>
+          </p:sp>
+          <p:sp>
+            <p:nvSpPr>
+              <p:cNvPr id="53" name="Oval 52"/>
+              <p:cNvSpPr/>
+              <p:nvPr/>
+            </p:nvSpPr>
+            <p:spPr>
+              <a:xfrm>
+                <a:off x="4259790" y="3511534"/>
+                <a:ext cx="1042253" cy="1042253"/>
+              </a:xfrm>
+              <a:prstGeom prst="ellipse">
+                <a:avLst/>
+              </a:prstGeom>
+              <a:noFill/>
+              <a:ln w="25400">
+                <a:solidFill>
+                  <a:schemeClr val="tx1"/>
+                </a:solidFill>
+              </a:ln>
+            </p:spPr>
+            <p:style>
+              <a:lnRef idx="2">
+                <a:schemeClr val="accent1">
+                  <a:shade val="50000"/>
+                </a:schemeClr>
+              </a:lnRef>
+              <a:fillRef idx="1">
+                <a:schemeClr val="accent1"/>
+              </a:fillRef>
+              <a:effectRef idx="0">
+                <a:schemeClr val="accent1"/>
+              </a:effectRef>
+              <a:fontRef idx="minor">
+                <a:schemeClr val="lt1"/>
+              </a:fontRef>
+            </p:style>
+            <p:txBody>
+              <a:bodyPr rtlCol="0" anchor="ctr"/>
+              <a:lstStyle/>
+              <a:p>
+                <a:pPr algn="ctr"/>
+                <a:endParaRPr lang="sv-SE"/>
+              </a:p>
+            </p:txBody>
+          </p:sp>
+        </p:grpSp>
+        <p:grpSp>
+          <p:nvGrpSpPr>
+            <p:cNvPr id="56" name="Group 55"/>
+            <p:cNvGrpSpPr/>
+            <p:nvPr/>
+          </p:nvGrpSpPr>
+          <p:grpSpPr>
+            <a:xfrm>
+              <a:off x="5945078" y="3534162"/>
+              <a:ext cx="2284987" cy="2032049"/>
+              <a:chOff x="3017056" y="3484236"/>
+              <a:chExt cx="2284987" cy="2032049"/>
+            </a:xfrm>
+          </p:grpSpPr>
+          <p:sp>
+            <p:nvSpPr>
+              <p:cNvPr id="60" name="Oval 59"/>
+              <p:cNvSpPr/>
+              <p:nvPr/>
+            </p:nvSpPr>
+            <p:spPr>
+              <a:xfrm>
+                <a:off x="3628277" y="4474032"/>
+                <a:ext cx="1042253" cy="1042253"/>
+              </a:xfrm>
+              <a:prstGeom prst="ellipse">
+                <a:avLst/>
+              </a:prstGeom>
+              <a:noFill/>
+              <a:ln w="25400">
+                <a:solidFill>
+                  <a:schemeClr val="tx1"/>
+                </a:solidFill>
+              </a:ln>
+            </p:spPr>
+            <p:style>
+              <a:lnRef idx="2">
+                <a:schemeClr val="accent1">
+                  <a:shade val="50000"/>
+                </a:schemeClr>
+              </a:lnRef>
+              <a:fillRef idx="1">
+                <a:schemeClr val="accent1"/>
+              </a:fillRef>
+              <a:effectRef idx="0">
+                <a:schemeClr val="accent1"/>
+              </a:effectRef>
+              <a:fontRef idx="minor">
+                <a:schemeClr val="lt1"/>
+              </a:fontRef>
+            </p:style>
+            <p:txBody>
+              <a:bodyPr rtlCol="0" anchor="ctr"/>
+              <a:lstStyle/>
+              <a:p>
+                <a:pPr algn="ctr"/>
+                <a:endParaRPr lang="sv-SE"/>
+              </a:p>
+            </p:txBody>
+          </p:sp>
+          <p:sp>
+            <p:nvSpPr>
+              <p:cNvPr id="61" name="Oval 60"/>
+              <p:cNvSpPr/>
+              <p:nvPr/>
+            </p:nvSpPr>
+            <p:spPr>
+              <a:xfrm>
+                <a:off x="3017056" y="3484236"/>
+                <a:ext cx="1042253" cy="1042253"/>
+              </a:xfrm>
+              <a:prstGeom prst="ellipse">
+                <a:avLst/>
+              </a:prstGeom>
+              <a:noFill/>
+              <a:ln w="25400">
+                <a:solidFill>
+                  <a:schemeClr val="tx1"/>
+                </a:solidFill>
+              </a:ln>
+            </p:spPr>
+            <p:style>
+              <a:lnRef idx="2">
+                <a:schemeClr val="accent1">
+                  <a:shade val="50000"/>
+                </a:schemeClr>
+              </a:lnRef>
+              <a:fillRef idx="1">
+                <a:schemeClr val="accent1"/>
+              </a:fillRef>
+              <a:effectRef idx="0">
+                <a:schemeClr val="accent1"/>
+              </a:effectRef>
+              <a:fontRef idx="minor">
+                <a:schemeClr val="lt1"/>
+              </a:fontRef>
+            </p:style>
+            <p:txBody>
+              <a:bodyPr rtlCol="0" anchor="ctr"/>
+              <a:lstStyle/>
+              <a:p>
+                <a:pPr algn="ctr"/>
+                <a:endParaRPr lang="sv-SE"/>
+              </a:p>
+            </p:txBody>
+          </p:sp>
+          <p:sp>
+            <p:nvSpPr>
+              <p:cNvPr id="62" name="Oval 61"/>
+              <p:cNvSpPr/>
+              <p:nvPr/>
+            </p:nvSpPr>
+            <p:spPr>
+              <a:xfrm>
+                <a:off x="4259790" y="3511534"/>
+                <a:ext cx="1042253" cy="1042253"/>
+              </a:xfrm>
+              <a:prstGeom prst="ellipse">
+                <a:avLst/>
+              </a:prstGeom>
+              <a:noFill/>
+              <a:ln w="25400">
+                <a:solidFill>
+                  <a:schemeClr val="tx1"/>
+                </a:solidFill>
+              </a:ln>
+            </p:spPr>
+            <p:style>
+              <a:lnRef idx="2">
+                <a:schemeClr val="accent1">
+                  <a:shade val="50000"/>
+                </a:schemeClr>
+              </a:lnRef>
+              <a:fillRef idx="1">
+                <a:schemeClr val="accent1"/>
+              </a:fillRef>
+              <a:effectRef idx="0">
+                <a:schemeClr val="accent1"/>
+              </a:effectRef>
+              <a:fontRef idx="minor">
+                <a:schemeClr val="lt1"/>
+              </a:fontRef>
+            </p:style>
+            <p:txBody>
+              <a:bodyPr rtlCol="0" anchor="ctr"/>
+              <a:lstStyle/>
+              <a:p>
+                <a:pPr algn="ctr"/>
+                <a:endParaRPr lang="sv-SE"/>
+              </a:p>
+            </p:txBody>
+          </p:sp>
+        </p:grpSp>
+        <p:grpSp>
+          <p:nvGrpSpPr>
+            <p:cNvPr id="63" name="Group 62"/>
+            <p:cNvGrpSpPr/>
+            <p:nvPr/>
+          </p:nvGrpSpPr>
+          <p:grpSpPr>
+            <a:xfrm>
+              <a:off x="4469654" y="1111976"/>
+              <a:ext cx="2284987" cy="2032049"/>
+              <a:chOff x="3017056" y="3484236"/>
+              <a:chExt cx="2284987" cy="2032049"/>
+            </a:xfrm>
+          </p:grpSpPr>
+          <p:sp>
+            <p:nvSpPr>
+              <p:cNvPr id="64" name="Oval 63"/>
+              <p:cNvSpPr/>
+              <p:nvPr/>
+            </p:nvSpPr>
+            <p:spPr>
+              <a:xfrm>
+                <a:off x="3628277" y="4474032"/>
+                <a:ext cx="1042253" cy="1042253"/>
+              </a:xfrm>
+              <a:prstGeom prst="ellipse">
+                <a:avLst/>
+              </a:prstGeom>
+              <a:noFill/>
+              <a:ln w="25400">
+                <a:solidFill>
+                  <a:schemeClr val="tx1"/>
+                </a:solidFill>
+              </a:ln>
+            </p:spPr>
+            <p:style>
+              <a:lnRef idx="2">
+                <a:schemeClr val="accent1">
+                  <a:shade val="50000"/>
+                </a:schemeClr>
+              </a:lnRef>
+              <a:fillRef idx="1">
+                <a:schemeClr val="accent1"/>
+              </a:fillRef>
+              <a:effectRef idx="0">
+                <a:schemeClr val="accent1"/>
+              </a:effectRef>
+              <a:fontRef idx="minor">
+                <a:schemeClr val="lt1"/>
+              </a:fontRef>
+            </p:style>
+            <p:txBody>
+              <a:bodyPr rtlCol="0" anchor="ctr"/>
+              <a:lstStyle/>
+              <a:p>
+                <a:pPr algn="ctr"/>
+                <a:endParaRPr lang="sv-SE"/>
+              </a:p>
+            </p:txBody>
+          </p:sp>
+          <p:sp>
+            <p:nvSpPr>
+              <p:cNvPr id="65" name="Oval 64"/>
+              <p:cNvSpPr/>
+              <p:nvPr/>
+            </p:nvSpPr>
+            <p:spPr>
+              <a:xfrm>
+                <a:off x="3017056" y="3484236"/>
+                <a:ext cx="1042253" cy="1042253"/>
+              </a:xfrm>
+              <a:prstGeom prst="ellipse">
+                <a:avLst/>
+              </a:prstGeom>
+              <a:noFill/>
+              <a:ln w="25400">
+                <a:solidFill>
+                  <a:schemeClr val="tx1"/>
+                </a:solidFill>
+              </a:ln>
+            </p:spPr>
+            <p:style>
+              <a:lnRef idx="2">
+                <a:schemeClr val="accent1">
+                  <a:shade val="50000"/>
+                </a:schemeClr>
+              </a:lnRef>
+              <a:fillRef idx="1">
+                <a:schemeClr val="accent1"/>
+              </a:fillRef>
+              <a:effectRef idx="0">
+                <a:schemeClr val="accent1"/>
+              </a:effectRef>
+              <a:fontRef idx="minor">
+                <a:schemeClr val="lt1"/>
+              </a:fontRef>
+            </p:style>
+            <p:txBody>
+              <a:bodyPr rtlCol="0" anchor="ctr"/>
+              <a:lstStyle/>
+              <a:p>
+                <a:pPr algn="ctr"/>
+                <a:endParaRPr lang="sv-SE"/>
+              </a:p>
+            </p:txBody>
+          </p:sp>
+          <p:sp>
+            <p:nvSpPr>
+              <p:cNvPr id="66" name="Oval 65"/>
+              <p:cNvSpPr/>
+              <p:nvPr/>
+            </p:nvSpPr>
+            <p:spPr>
+              <a:xfrm>
+                <a:off x="4259790" y="3511534"/>
+                <a:ext cx="1042253" cy="1042253"/>
+              </a:xfrm>
+              <a:prstGeom prst="ellipse">
+                <a:avLst/>
+              </a:prstGeom>
+              <a:noFill/>
+              <a:ln w="25400">
+                <a:solidFill>
+                  <a:schemeClr val="tx1"/>
+                </a:solidFill>
+              </a:ln>
+            </p:spPr>
+            <p:style>
+              <a:lnRef idx="2">
+                <a:schemeClr val="accent1">
+                  <a:shade val="50000"/>
+                </a:schemeClr>
+              </a:lnRef>
+              <a:fillRef idx="1">
+                <a:schemeClr val="accent1"/>
+              </a:fillRef>
+              <a:effectRef idx="0">
+                <a:schemeClr val="accent1"/>
+              </a:effectRef>
+              <a:fontRef idx="minor">
+                <a:schemeClr val="lt1"/>
+              </a:fontRef>
+            </p:style>
+            <p:txBody>
+              <a:bodyPr rtlCol="0" anchor="ctr"/>
+              <a:lstStyle/>
+              <a:p>
+                <a:pPr algn="ctr"/>
+                <a:endParaRPr lang="sv-SE"/>
+              </a:p>
+            </p:txBody>
+          </p:sp>
+        </p:grpSp>
+      </p:grpSp>
       <p:sp>
         <p:nvSpPr>
-          <p:cNvPr id="4" name="TextBox 3"/>
-          <p:cNvSpPr txBox="1"/>
+          <p:cNvPr id="57" name="Oval 56"/>
+          <p:cNvSpPr/>
           <p:nvPr/>
         </p:nvSpPr>
         <p:spPr>
           <a:xfrm>
-            <a:off x="3984567" y="2920538"/>
-            <a:ext cx="2589812" cy="369332"/>
+            <a:off x="2288125" y="4640533"/>
+            <a:ext cx="1341942" cy="1341942"/>
           </a:xfrm>
-          <a:prstGeom prst="rect">
+          <a:prstGeom prst="ellipse">
             <a:avLst/>
           </a:prstGeom>
-          <a:noFill/>
+          <a:solidFill>
+            <a:srgbClr val="282828"/>
+          </a:solidFill>
+          <a:ln w="25400">
+            <a:solidFill>
+              <a:schemeClr val="tx1"/>
+            </a:solidFill>
+          </a:ln>
         </p:spPr>
+        <p:style>
+          <a:lnRef idx="2">
+            <a:schemeClr val="accent1">
+              <a:shade val="50000"/>
+            </a:schemeClr>
+          </a:lnRef>
+          <a:fillRef idx="1">
+            <a:schemeClr val="accent1"/>
+          </a:fillRef>
+          <a:effectRef idx="0">
+            <a:schemeClr val="accent1"/>
+          </a:effectRef>
+          <a:fontRef idx="minor">
+            <a:schemeClr val="lt1"/>
+          </a:fontRef>
+        </p:style>
         <p:txBody>
-          <a:bodyPr wrap="none" rtlCol="0">
-            <a:spAutoFit/>
-          </a:bodyPr>
+          <a:bodyPr wrap="none" rtlCol="0" anchor="ctr"/>
           <a:lstStyle/>
           <a:p>
+            <a:pPr algn="ctr"/>
             <a:r>
               <a:rPr lang="sv-SE" dirty="0" smtClean="0"/>
-              <a:t>Akka has Cluster Sharding</a:t>
+              <a:t>Coordinator</a:t>
             </a:r>
+            <a:endParaRPr lang="sv-SE" dirty="0"/>
           </a:p>
         </p:txBody>
       </p:sp>
     </p:spTree>
     <p:extLst>
       <p:ext uri="{BB962C8B-B14F-4D97-AF65-F5344CB8AC3E}">
-        <p14:creationId xmlns:p14="http://schemas.microsoft.com/office/powerpoint/2010/main" val="1540832863"/>
+        <p14:creationId xmlns:p14="http://schemas.microsoft.com/office/powerpoint/2010/main" val="575001911"/>
       </p:ext>
     </p:extLst>
   </p:cSld>
   <p:clrMapOvr>
     <a:masterClrMapping/>
   </p:clrMapOvr>
+  <mc:AlternateContent xmlns:mc="http://schemas.openxmlformats.org/markup-compatibility/2006" xmlns:p14="http://schemas.microsoft.com/office/powerpoint/2010/main">
+    <mc:Choice Requires="p14">
+      <p:transition spd="med" p14:dur="700">
+        <p:fade/>
+      </p:transition>
+    </mc:Choice>
+    <mc:Fallback xmlns="">
+      <p:transition spd="med">
+        <p:fade/>
+      </p:transition>
+    </mc:Fallback>
+  </mc:AlternateContent>
   <p:timing>
     <p:tnLst>
       <p:par>
@@ -35038,7 +43361,7 @@
 </p:sld>
 </file>
 
-<file path=ppt/slides/slide33.xml><?xml version="1.0" encoding="utf-8"?>
+<file path=ppt/slides/slide34.xml><?xml version="1.0" encoding="utf-8"?>
 <p:sld xmlns:a="http://schemas.openxmlformats.org/drawingml/2006/main" xmlns:r="http://schemas.openxmlformats.org/officeDocument/2006/relationships" xmlns:p="http://schemas.openxmlformats.org/presentationml/2006/main">
   <p:cSld>
     <p:bg>
@@ -37334,7 +45657,7 @@
 </p:sld>
 </file>
 
-<file path=ppt/slides/slide34.xml><?xml version="1.0" encoding="utf-8"?>
+<file path=ppt/slides/slide35.xml><?xml version="1.0" encoding="utf-8"?>
 <p:sld xmlns:a="http://schemas.openxmlformats.org/drawingml/2006/main" xmlns:r="http://schemas.openxmlformats.org/officeDocument/2006/relationships" xmlns:p="http://schemas.openxmlformats.org/presentationml/2006/main">
   <p:cSld>
     <p:bg>
